--- a/AutomationPPT.pptx
+++ b/AutomationPPT.pptx
@@ -25564,13 +25564,16 @@
             <a:pPr marL="571500" lvl="1" indent="-171450"/>
             <a:r>
               <a:rPr lang="en-US" sz="1000" dirty="0"/>
-              <a:t>What is </a:t>
-            </a:r>
-            <a:r>
-              <a:rPr lang="en-US" sz="1000"/>
-              <a:t>an Array</a:t>
-            </a:r>
-            <a:endParaRPr lang="en-IN" sz="800" dirty="0"/>
+              <a:t>What is an Array?</a:t>
+            </a:r>
+          </a:p>
+          <a:p>
+            <a:pPr marL="971550" lvl="2" indent="-171450"/>
+            <a:r>
+              <a:rPr lang="en-US" sz="1200" dirty="0"/>
+              <a:t>A group of values with similar data types and fixed size </a:t>
+            </a:r>
+            <a:endParaRPr lang="en-IN" sz="1200" dirty="0"/>
           </a:p>
           <a:p>
             <a:pPr marL="571500" lvl="1" indent="-171450"/>
@@ -25603,15 +25606,12 @@
           <a:p>
             <a:pPr marL="571500" lvl="1" indent="-171450"/>
             <a:r>
+              <a:rPr lang="en-IN" sz="1000"/>
+              <a:t>Reading </a:t>
+            </a:r>
+            <a:r>
               <a:rPr lang="en-IN" sz="1000" dirty="0"/>
-              <a:t>Storing values in array using for loop</a:t>
-            </a:r>
-          </a:p>
-          <a:p>
-            <a:pPr marL="571500" lvl="1" indent="-171450"/>
-            <a:r>
-              <a:rPr lang="en-IN" sz="1000" dirty="0"/>
-              <a:t>Reading values from array using for loop</a:t>
+              <a:t>values from array using for loop</a:t>
             </a:r>
           </a:p>
           <a:p>
@@ -25656,28 +25656,8 @@
             <a:pPr lvl="1" fontAlgn="b"/>
             <a:r>
               <a:rPr lang="en-US" sz="1000" dirty="0"/>
-              <a:t>Sorting array</a:t>
-            </a:r>
-            <a:endParaRPr lang="en-IN" sz="1000" dirty="0"/>
-          </a:p>
-          <a:p>
-            <a:pPr lvl="1" fontAlgn="b"/>
-            <a:r>
-              <a:rPr lang="en-US" sz="1000" dirty="0"/>
               <a:t>Reversing array</a:t>
             </a:r>
-            <a:endParaRPr lang="en-IN" sz="1000" dirty="0"/>
-          </a:p>
-          <a:p>
-            <a:pPr lvl="1" fontAlgn="b"/>
-            <a:r>
-              <a:rPr lang="en-US" sz="1000" dirty="0"/>
-              <a:t>Fibonacci series using array</a:t>
-            </a:r>
-            <a:endParaRPr lang="en-IN" sz="1000" dirty="0"/>
-          </a:p>
-          <a:p>
-            <a:pPr marL="171450" indent="-171450"/>
             <a:endParaRPr lang="en-US" sz="1200" b="0" i="0" u="none" strike="noStrike" cap="none" dirty="0">
               <a:solidFill>
                 <a:srgbClr val="3F3F3F"/>

--- a/AutomationPPT.pptx
+++ b/AutomationPPT.pptx
@@ -25590,6 +25590,21 @@
             </a:r>
           </a:p>
           <a:p>
+            <a:pPr marL="971550" lvl="2" indent="-171450"/>
+            <a:r>
+              <a:rPr lang="en-IN" sz="1200" dirty="0"/>
+              <a:t>Hard way</a:t>
+            </a:r>
+          </a:p>
+          <a:p>
+            <a:pPr marL="971550" lvl="2" indent="-171450"/>
+            <a:r>
+              <a:rPr lang="en-IN" sz="1200" dirty="0"/>
+              <a:t>using array constants</a:t>
+            </a:r>
+            <a:endParaRPr lang="en-IN" sz="1000" dirty="0"/>
+          </a:p>
+          <a:p>
             <a:pPr marL="571500" lvl="1" indent="-171450"/>
             <a:r>
               <a:rPr lang="en-IN" sz="1000" dirty="0"/>
@@ -25600,18 +25615,7 @@
             <a:pPr marL="571500" lvl="1" indent="-171450"/>
             <a:r>
               <a:rPr lang="en-IN" sz="1000" dirty="0"/>
-              <a:t>Storing values in array using array constants</a:t>
-            </a:r>
-          </a:p>
-          <a:p>
-            <a:pPr marL="571500" lvl="1" indent="-171450"/>
-            <a:r>
-              <a:rPr lang="en-IN" sz="1000"/>
-              <a:t>Reading </a:t>
-            </a:r>
-            <a:r>
-              <a:rPr lang="en-IN" sz="1000" dirty="0"/>
-              <a:t>values from array using for loop</a:t>
+              <a:t>Reading values from array using for loop</a:t>
             </a:r>
           </a:p>
           <a:p>
@@ -25777,6 +25781,35 @@
             </a:r>
           </a:p>
           <a:p>
+            <a:pPr lvl="1" indent="-342900">
+              <a:spcBef>
+                <a:spcPts val="0"/>
+              </a:spcBef>
+              <a:buSzPct val="79999"/>
+            </a:pPr>
+            <a:r>
+              <a:rPr lang="en-US" sz="1000" dirty="0"/>
+              <a:t>String is a sequence of characters (</a:t>
+            </a:r>
+            <a:r>
+              <a:rPr lang="en-US" sz="1000" dirty="0" err="1"/>
+              <a:t>Alphabets,Numbers,Special</a:t>
+            </a:r>
+            <a:r>
+              <a:rPr lang="en-US" sz="1000" dirty="0"/>
+              <a:t> chars, Upper case , Lower case)</a:t>
+            </a:r>
+            <a:endParaRPr lang="en-US" sz="1000" b="0" i="0" u="none" strike="noStrike" cap="none" dirty="0">
+              <a:solidFill>
+                <a:srgbClr val="3F3F3F"/>
+              </a:solidFill>
+              <a:latin typeface="Trebuchet MS"/>
+              <a:ea typeface="Trebuchet MS"/>
+              <a:cs typeface="Trebuchet MS"/>
+              <a:sym typeface="Trebuchet MS"/>
+            </a:endParaRPr>
+          </a:p>
+          <a:p>
             <a:pPr marL="342900" marR="0" lvl="0" indent="-342900" algn="l" rtl="0">
               <a:spcBef>
                 <a:spcPts val="1000"/>
@@ -25832,17 +25865,27 @@
             <a:pPr lvl="1" indent="-342900" fontAlgn="b"/>
             <a:r>
               <a:rPr lang="en-US" sz="1000" dirty="0"/>
-              <a:t>String comparison (equals() and </a:t>
-            </a:r>
-            <a:r>
-              <a:rPr lang="en-US" sz="1000" dirty="0" err="1"/>
+              <a:t>String comparison</a:t>
+            </a:r>
+          </a:p>
+          <a:p>
+            <a:pPr lvl="2" indent="-342900" fontAlgn="b"/>
+            <a:r>
+              <a:rPr lang="en-US" sz="800" dirty="0"/>
+              <a:t>equals()</a:t>
+            </a:r>
+          </a:p>
+          <a:p>
+            <a:pPr lvl="2" indent="-342900" fontAlgn="b"/>
+            <a:r>
+              <a:rPr lang="en-US" sz="800" dirty="0" err="1"/>
               <a:t>equalsIgnoreCase</a:t>
             </a:r>
             <a:r>
-              <a:rPr lang="en-US" sz="1000" dirty="0"/>
-              <a:t>())</a:t>
-            </a:r>
-            <a:endParaRPr lang="en-IN" sz="1000" dirty="0"/>
+              <a:rPr lang="en-US" sz="800" dirty="0"/>
+              <a:t>()</a:t>
+            </a:r>
+            <a:endParaRPr lang="en-IN" sz="800" dirty="0"/>
           </a:p>
           <a:p>
             <a:pPr lvl="1" indent="-342900" fontAlgn="b"/>
@@ -25863,8 +25906,24 @@
           <a:p>
             <a:pPr lvl="1" indent="-342900" fontAlgn="b"/>
             <a:r>
+              <a:rPr lang="en-US" sz="1000" dirty="0"/>
+              <a:t>trim()</a:t>
+            </a:r>
+            <a:endParaRPr lang="en-IN" sz="1000" dirty="0"/>
+          </a:p>
+          <a:p>
+            <a:pPr lvl="1" indent="-342900" fontAlgn="b"/>
+            <a:r>
               <a:rPr lang="en-US" sz="1000" dirty="0" err="1"/>
-              <a:t>compareTo</a:t>
+              <a:t>toLowerCase</a:t>
+            </a:r>
+            <a:r>
+              <a:rPr lang="en-US" sz="1000" dirty="0"/>
+              <a:t>() and </a:t>
+            </a:r>
+            <a:r>
+              <a:rPr lang="en-US" sz="1000" dirty="0" err="1"/>
+              <a:t>toUpperCase</a:t>
             </a:r>
             <a:r>
               <a:rPr lang="en-US" sz="1000" dirty="0"/>
@@ -25876,44 +25935,16 @@
             <a:pPr lvl="1" indent="-342900" fontAlgn="b"/>
             <a:r>
               <a:rPr lang="en-US" sz="1000" dirty="0"/>
-              <a:t>trim()</a:t>
-            </a:r>
-            <a:endParaRPr lang="en-IN" sz="1000" dirty="0"/>
-          </a:p>
-          <a:p>
-            <a:pPr lvl="1" indent="-342900" fontAlgn="b"/>
+              <a:t>String conversion using </a:t>
+            </a:r>
             <a:r>
               <a:rPr lang="en-US" sz="1000" dirty="0" err="1"/>
-              <a:t>toLowerCase</a:t>
-            </a:r>
-            <a:r>
-              <a:rPr lang="en-US" sz="1000" dirty="0"/>
-              <a:t>() and </a:t>
-            </a:r>
-            <a:r>
-              <a:rPr lang="en-US" sz="1000" dirty="0" err="1"/>
-              <a:t>toUpperCase</a:t>
+              <a:t>toString</a:t>
             </a:r>
             <a:r>
               <a:rPr lang="en-US" sz="1000" dirty="0"/>
               <a:t>()</a:t>
             </a:r>
-            <a:endParaRPr lang="en-IN" sz="1000" dirty="0"/>
-          </a:p>
-          <a:p>
-            <a:pPr lvl="1" indent="-342900" fontAlgn="b"/>
-            <a:r>
-              <a:rPr lang="en-US" sz="1000" dirty="0"/>
-              <a:t>String conversion using </a:t>
-            </a:r>
-            <a:r>
-              <a:rPr lang="en-US" sz="1000" dirty="0" err="1"/>
-              <a:t>toString</a:t>
-            </a:r>
-            <a:r>
-              <a:rPr lang="en-US" sz="1000" dirty="0"/>
-              <a:t>()</a:t>
-            </a:r>
           </a:p>
           <a:p>
             <a:pPr indent="-342900" fontAlgn="b"/>
@@ -25934,7 +25965,7 @@
             <a:pPr lvl="1" indent="-342900" fontAlgn="b"/>
             <a:r>
               <a:rPr lang="en-US" sz="1000" dirty="0"/>
-              <a:t>Reversing array</a:t>
+              <a:t>Reversing String</a:t>
             </a:r>
             <a:endParaRPr lang="en-IN" sz="1000" dirty="0"/>
           </a:p>
@@ -26452,35 +26483,7 @@
                 <a:cs typeface="Trebuchet MS"/>
                 <a:sym typeface="Trebuchet MS"/>
               </a:rPr>
-              <a:t>Sample class with variables and Methods</a:t>
-            </a:r>
-          </a:p>
-          <a:p>
-            <a:pPr marL="342900" marR="0" lvl="0" indent="-342900" algn="l" rtl="0">
-              <a:spcBef>
-                <a:spcPts val="1000"/>
-              </a:spcBef>
-              <a:spcAft>
-                <a:spcPts val="0"/>
-              </a:spcAft>
-              <a:buClr>
-                <a:schemeClr val="accent1"/>
-              </a:buClr>
-              <a:buSzPct val="79999"/>
-              <a:buFont typeface="Noto Sans Symbols"/>
-              <a:buChar char="●"/>
-            </a:pPr>
-            <a:r>
-              <a:rPr lang="en-US" sz="1200" b="0" i="0" u="none" strike="noStrike" cap="none" dirty="0">
-                <a:solidFill>
-                  <a:srgbClr val="3F3F3F"/>
-                </a:solidFill>
-                <a:latin typeface="Trebuchet MS"/>
-                <a:ea typeface="Trebuchet MS"/>
-                <a:cs typeface="Trebuchet MS"/>
-                <a:sym typeface="Trebuchet MS"/>
-              </a:rPr>
-              <a:t>Creating object of the class</a:t>
+              <a:t>eating object of the class</a:t>
             </a:r>
           </a:p>
           <a:p>

--- a/AutomationPPT.pptx
+++ b/AutomationPPT.pptx
@@ -5,7 +5,7 @@
     <p:sldMasterId id="2147483664" r:id="rId1"/>
   </p:sldMasterIdLst>
   <p:notesMasterIdLst>
-    <p:notesMasterId r:id="rId99"/>
+    <p:notesMasterId r:id="rId98"/>
   </p:notesMasterIdLst>
   <p:sldIdLst>
     <p:sldId id="256" r:id="rId2"/>
@@ -14,107 +14,106 @@
     <p:sldId id="373" r:id="rId5"/>
     <p:sldId id="374" r:id="rId6"/>
     <p:sldId id="269" r:id="rId7"/>
-    <p:sldId id="372" r:id="rId8"/>
-    <p:sldId id="270" r:id="rId9"/>
-    <p:sldId id="271" r:id="rId10"/>
-    <p:sldId id="369" r:id="rId11"/>
-    <p:sldId id="370" r:id="rId12"/>
-    <p:sldId id="371" r:id="rId13"/>
-    <p:sldId id="275" r:id="rId14"/>
-    <p:sldId id="276" r:id="rId15"/>
-    <p:sldId id="277" r:id="rId16"/>
-    <p:sldId id="279" r:id="rId17"/>
-    <p:sldId id="281" r:id="rId18"/>
-    <p:sldId id="283" r:id="rId19"/>
-    <p:sldId id="284" r:id="rId20"/>
-    <p:sldId id="285" r:id="rId21"/>
-    <p:sldId id="286" r:id="rId22"/>
-    <p:sldId id="287" r:id="rId23"/>
-    <p:sldId id="288" r:id="rId24"/>
-    <p:sldId id="290" r:id="rId25"/>
-    <p:sldId id="291" r:id="rId26"/>
-    <p:sldId id="292" r:id="rId27"/>
-    <p:sldId id="293" r:id="rId28"/>
-    <p:sldId id="294" r:id="rId29"/>
-    <p:sldId id="296" r:id="rId30"/>
-    <p:sldId id="297" r:id="rId31"/>
-    <p:sldId id="298" r:id="rId32"/>
-    <p:sldId id="299" r:id="rId33"/>
-    <p:sldId id="300" r:id="rId34"/>
-    <p:sldId id="301" r:id="rId35"/>
-    <p:sldId id="302" r:id="rId36"/>
-    <p:sldId id="303" r:id="rId37"/>
-    <p:sldId id="304" r:id="rId38"/>
-    <p:sldId id="305" r:id="rId39"/>
-    <p:sldId id="306" r:id="rId40"/>
-    <p:sldId id="307" r:id="rId41"/>
-    <p:sldId id="308" r:id="rId42"/>
-    <p:sldId id="309" r:id="rId43"/>
-    <p:sldId id="310" r:id="rId44"/>
-    <p:sldId id="311" r:id="rId45"/>
-    <p:sldId id="312" r:id="rId46"/>
-    <p:sldId id="313" r:id="rId47"/>
-    <p:sldId id="314" r:id="rId48"/>
-    <p:sldId id="315" r:id="rId49"/>
-    <p:sldId id="316" r:id="rId50"/>
-    <p:sldId id="317" r:id="rId51"/>
-    <p:sldId id="318" r:id="rId52"/>
-    <p:sldId id="319" r:id="rId53"/>
-    <p:sldId id="320" r:id="rId54"/>
-    <p:sldId id="321" r:id="rId55"/>
-    <p:sldId id="322" r:id="rId56"/>
-    <p:sldId id="323" r:id="rId57"/>
-    <p:sldId id="324" r:id="rId58"/>
-    <p:sldId id="325" r:id="rId59"/>
-    <p:sldId id="326" r:id="rId60"/>
-    <p:sldId id="327" r:id="rId61"/>
-    <p:sldId id="328" r:id="rId62"/>
-    <p:sldId id="329" r:id="rId63"/>
-    <p:sldId id="330" r:id="rId64"/>
-    <p:sldId id="332" r:id="rId65"/>
-    <p:sldId id="334" r:id="rId66"/>
-    <p:sldId id="338" r:id="rId67"/>
-    <p:sldId id="335" r:id="rId68"/>
-    <p:sldId id="336" r:id="rId69"/>
-    <p:sldId id="339" r:id="rId70"/>
-    <p:sldId id="340" r:id="rId71"/>
-    <p:sldId id="342" r:id="rId72"/>
-    <p:sldId id="343" r:id="rId73"/>
-    <p:sldId id="344" r:id="rId74"/>
-    <p:sldId id="345" r:id="rId75"/>
-    <p:sldId id="346" r:id="rId76"/>
-    <p:sldId id="347" r:id="rId77"/>
-    <p:sldId id="348" r:id="rId78"/>
-    <p:sldId id="349" r:id="rId79"/>
-    <p:sldId id="350" r:id="rId80"/>
-    <p:sldId id="351" r:id="rId81"/>
-    <p:sldId id="352" r:id="rId82"/>
-    <p:sldId id="353" r:id="rId83"/>
-    <p:sldId id="354" r:id="rId84"/>
-    <p:sldId id="355" r:id="rId85"/>
-    <p:sldId id="356" r:id="rId86"/>
-    <p:sldId id="357" r:id="rId87"/>
-    <p:sldId id="358" r:id="rId88"/>
-    <p:sldId id="363" r:id="rId89"/>
-    <p:sldId id="364" r:id="rId90"/>
-    <p:sldId id="365" r:id="rId91"/>
-    <p:sldId id="366" r:id="rId92"/>
-    <p:sldId id="367" r:id="rId93"/>
-    <p:sldId id="368" r:id="rId94"/>
-    <p:sldId id="359" r:id="rId95"/>
-    <p:sldId id="360" r:id="rId96"/>
-    <p:sldId id="361" r:id="rId97"/>
-    <p:sldId id="362" r:id="rId98"/>
+    <p:sldId id="270" r:id="rId8"/>
+    <p:sldId id="271" r:id="rId9"/>
+    <p:sldId id="369" r:id="rId10"/>
+    <p:sldId id="370" r:id="rId11"/>
+    <p:sldId id="371" r:id="rId12"/>
+    <p:sldId id="275" r:id="rId13"/>
+    <p:sldId id="276" r:id="rId14"/>
+    <p:sldId id="277" r:id="rId15"/>
+    <p:sldId id="279" r:id="rId16"/>
+    <p:sldId id="281" r:id="rId17"/>
+    <p:sldId id="283" r:id="rId18"/>
+    <p:sldId id="284" r:id="rId19"/>
+    <p:sldId id="285" r:id="rId20"/>
+    <p:sldId id="286" r:id="rId21"/>
+    <p:sldId id="287" r:id="rId22"/>
+    <p:sldId id="288" r:id="rId23"/>
+    <p:sldId id="290" r:id="rId24"/>
+    <p:sldId id="291" r:id="rId25"/>
+    <p:sldId id="292" r:id="rId26"/>
+    <p:sldId id="293" r:id="rId27"/>
+    <p:sldId id="294" r:id="rId28"/>
+    <p:sldId id="296" r:id="rId29"/>
+    <p:sldId id="297" r:id="rId30"/>
+    <p:sldId id="298" r:id="rId31"/>
+    <p:sldId id="299" r:id="rId32"/>
+    <p:sldId id="300" r:id="rId33"/>
+    <p:sldId id="301" r:id="rId34"/>
+    <p:sldId id="302" r:id="rId35"/>
+    <p:sldId id="303" r:id="rId36"/>
+    <p:sldId id="304" r:id="rId37"/>
+    <p:sldId id="305" r:id="rId38"/>
+    <p:sldId id="306" r:id="rId39"/>
+    <p:sldId id="307" r:id="rId40"/>
+    <p:sldId id="308" r:id="rId41"/>
+    <p:sldId id="309" r:id="rId42"/>
+    <p:sldId id="310" r:id="rId43"/>
+    <p:sldId id="311" r:id="rId44"/>
+    <p:sldId id="312" r:id="rId45"/>
+    <p:sldId id="313" r:id="rId46"/>
+    <p:sldId id="314" r:id="rId47"/>
+    <p:sldId id="315" r:id="rId48"/>
+    <p:sldId id="316" r:id="rId49"/>
+    <p:sldId id="317" r:id="rId50"/>
+    <p:sldId id="318" r:id="rId51"/>
+    <p:sldId id="319" r:id="rId52"/>
+    <p:sldId id="320" r:id="rId53"/>
+    <p:sldId id="321" r:id="rId54"/>
+    <p:sldId id="322" r:id="rId55"/>
+    <p:sldId id="323" r:id="rId56"/>
+    <p:sldId id="324" r:id="rId57"/>
+    <p:sldId id="325" r:id="rId58"/>
+    <p:sldId id="326" r:id="rId59"/>
+    <p:sldId id="327" r:id="rId60"/>
+    <p:sldId id="328" r:id="rId61"/>
+    <p:sldId id="329" r:id="rId62"/>
+    <p:sldId id="330" r:id="rId63"/>
+    <p:sldId id="332" r:id="rId64"/>
+    <p:sldId id="334" r:id="rId65"/>
+    <p:sldId id="338" r:id="rId66"/>
+    <p:sldId id="335" r:id="rId67"/>
+    <p:sldId id="336" r:id="rId68"/>
+    <p:sldId id="339" r:id="rId69"/>
+    <p:sldId id="340" r:id="rId70"/>
+    <p:sldId id="342" r:id="rId71"/>
+    <p:sldId id="343" r:id="rId72"/>
+    <p:sldId id="344" r:id="rId73"/>
+    <p:sldId id="345" r:id="rId74"/>
+    <p:sldId id="346" r:id="rId75"/>
+    <p:sldId id="347" r:id="rId76"/>
+    <p:sldId id="348" r:id="rId77"/>
+    <p:sldId id="349" r:id="rId78"/>
+    <p:sldId id="350" r:id="rId79"/>
+    <p:sldId id="351" r:id="rId80"/>
+    <p:sldId id="352" r:id="rId81"/>
+    <p:sldId id="353" r:id="rId82"/>
+    <p:sldId id="354" r:id="rId83"/>
+    <p:sldId id="355" r:id="rId84"/>
+    <p:sldId id="356" r:id="rId85"/>
+    <p:sldId id="357" r:id="rId86"/>
+    <p:sldId id="358" r:id="rId87"/>
+    <p:sldId id="363" r:id="rId88"/>
+    <p:sldId id="364" r:id="rId89"/>
+    <p:sldId id="365" r:id="rId90"/>
+    <p:sldId id="366" r:id="rId91"/>
+    <p:sldId id="367" r:id="rId92"/>
+    <p:sldId id="368" r:id="rId93"/>
+    <p:sldId id="359" r:id="rId94"/>
+    <p:sldId id="360" r:id="rId95"/>
+    <p:sldId id="361" r:id="rId96"/>
+    <p:sldId id="362" r:id="rId97"/>
   </p:sldIdLst>
   <p:sldSz cx="12192000" cy="6858000"/>
   <p:notesSz cx="6858000" cy="9144000"/>
   <p:embeddedFontLst>
     <p:embeddedFont>
       <p:font typeface="Trebuchet MS" panose="020B0603020202020204" pitchFamily="34" charset="0"/>
-      <p:regular r:id="rId100"/>
-      <p:bold r:id="rId101"/>
-      <p:italic r:id="rId102"/>
-      <p:boldItalic r:id="rId103"/>
+      <p:regular r:id="rId99"/>
+      <p:bold r:id="rId100"/>
+      <p:italic r:id="rId101"/>
+      <p:boldItalic r:id="rId102"/>
     </p:embeddedFont>
   </p:embeddedFontLst>
   <p:defaultTextStyle>
@@ -24060,14 +24059,14 @@
                 <a:cs typeface="Trebuchet MS"/>
                 <a:sym typeface="Trebuchet MS"/>
               </a:rPr>
-              <a:t>Java : Operators : Arithmetic</a:t>
+              <a:t>Java : Operators : Relational</a:t>
             </a:r>
           </a:p>
         </p:txBody>
       </p:sp>
       <p:pic>
         <p:nvPicPr>
-          <p:cNvPr id="6" name="Shape 243"/>
+          <p:cNvPr id="7" name="Shape 249"/>
           <p:cNvPicPr preferRelativeResize="0">
             <a:picLocks/>
           </p:cNvPicPr>
@@ -24082,8 +24081,8 @@
         </p:blipFill>
         <p:spPr>
           <a:xfrm>
-            <a:off x="1752600" y="1371601"/>
-            <a:ext cx="2819400" cy="2514599"/>
+            <a:off x="1508299" y="1981200"/>
+            <a:ext cx="2819400" cy="1676400"/>
           </a:xfrm>
           <a:prstGeom prst="rect">
             <a:avLst/>
@@ -24097,7 +24096,7 @@
     </p:spTree>
     <p:extLst>
       <p:ext uri="{BB962C8B-B14F-4D97-AF65-F5344CB8AC3E}">
-        <p14:creationId xmlns:p14="http://schemas.microsoft.com/office/powerpoint/2010/main" val="2197729557"/>
+        <p14:creationId xmlns:p14="http://schemas.microsoft.com/office/powerpoint/2010/main" val="3233472774"/>
       </p:ext>
     </p:extLst>
   </p:cSld>
@@ -24313,259 +24312,6 @@
                 <a:cs typeface="Trebuchet MS"/>
                 <a:sym typeface="Trebuchet MS"/>
               </a:rPr>
-              <a:t>Java : Operators : Relational</a:t>
-            </a:r>
-          </a:p>
-        </p:txBody>
-      </p:sp>
-      <p:pic>
-        <p:nvPicPr>
-          <p:cNvPr id="7" name="Shape 249"/>
-          <p:cNvPicPr preferRelativeResize="0">
-            <a:picLocks/>
-          </p:cNvPicPr>
-          <p:nvPr/>
-        </p:nvPicPr>
-        <p:blipFill rotWithShape="1">
-          <a:blip r:embed="rId3">
-            <a:alphaModFix/>
-          </a:blip>
-          <a:srcRect/>
-          <a:stretch/>
-        </p:blipFill>
-        <p:spPr>
-          <a:xfrm>
-            <a:off x="1508299" y="1981200"/>
-            <a:ext cx="2819400" cy="1676400"/>
-          </a:xfrm>
-          <a:prstGeom prst="rect">
-            <a:avLst/>
-          </a:prstGeom>
-          <a:noFill/>
-          <a:ln>
-            <a:noFill/>
-          </a:ln>
-        </p:spPr>
-      </p:pic>
-    </p:spTree>
-    <p:extLst>
-      <p:ext uri="{BB962C8B-B14F-4D97-AF65-F5344CB8AC3E}">
-        <p14:creationId xmlns:p14="http://schemas.microsoft.com/office/powerpoint/2010/main" val="3233472774"/>
-      </p:ext>
-    </p:extLst>
-  </p:cSld>
-  <p:clrMapOvr>
-    <a:masterClrMapping/>
-  </p:clrMapOvr>
-</p:sld>
-</file>
-
-<file path=ppt/slides/slide12.xml><?xml version="1.0" encoding="utf-8"?>
-<p:sld xmlns:a="http://schemas.openxmlformats.org/drawingml/2006/main" xmlns:r="http://schemas.openxmlformats.org/officeDocument/2006/relationships" xmlns:p="http://schemas.openxmlformats.org/presentationml/2006/main">
-  <p:cSld>
-    <p:spTree>
-      <p:nvGrpSpPr>
-        <p:cNvPr id="1" name="Shape 235"/>
-        <p:cNvGrpSpPr/>
-        <p:nvPr/>
-      </p:nvGrpSpPr>
-      <p:grpSpPr>
-        <a:xfrm>
-          <a:off x="0" y="0"/>
-          <a:ext cx="0" cy="0"/>
-          <a:chOff x="0" y="0"/>
-          <a:chExt cx="0" cy="0"/>
-        </a:xfrm>
-      </p:grpSpPr>
-      <p:sp>
-        <p:nvSpPr>
-          <p:cNvPr id="237" name="Shape 237"/>
-          <p:cNvSpPr txBox="1">
-            <a:spLocks noGrp="1"/>
-          </p:cNvSpPr>
-          <p:nvPr>
-            <p:ph type="body" idx="1"/>
-          </p:nvPr>
-        </p:nvSpPr>
-        <p:spPr>
-          <a:xfrm>
-            <a:off x="677333" y="533401"/>
-            <a:ext cx="8596668" cy="5507962"/>
-          </a:xfrm>
-          <a:prstGeom prst="rect">
-            <a:avLst/>
-          </a:prstGeom>
-          <a:noFill/>
-          <a:ln>
-            <a:noFill/>
-          </a:ln>
-        </p:spPr>
-        <p:txBody>
-          <a:bodyPr lIns="91425" tIns="45700" rIns="91425" bIns="45700" anchor="t" anchorCtr="0">
-            <a:noAutofit/>
-          </a:bodyPr>
-          <a:lstStyle/>
-          <a:p>
-            <a:pPr marL="342900" marR="0" lvl="0" indent="-342900" algn="l" rtl="0">
-              <a:spcBef>
-                <a:spcPts val="1000"/>
-              </a:spcBef>
-              <a:spcAft>
-                <a:spcPts val="0"/>
-              </a:spcAft>
-              <a:buClr>
-                <a:schemeClr val="accent1"/>
-              </a:buClr>
-              <a:buSzPct val="79999"/>
-              <a:buFont typeface="Noto Sans Symbols"/>
-              <a:buChar char="●"/>
-            </a:pPr>
-            <a:r>
-              <a:rPr lang="en-US" sz="1000" b="0" i="0" u="none" strike="noStrike" cap="none" dirty="0">
-                <a:solidFill>
-                  <a:srgbClr val="3F3F3F"/>
-                </a:solidFill>
-                <a:latin typeface="Trebuchet MS"/>
-                <a:ea typeface="Trebuchet MS"/>
-                <a:cs typeface="Trebuchet MS"/>
-                <a:sym typeface="Trebuchet MS"/>
-              </a:rPr>
-              <a:t>Arithmetic </a:t>
-            </a:r>
-          </a:p>
-          <a:p>
-            <a:pPr marL="342900" marR="0" lvl="0" indent="-342900" algn="l" rtl="0">
-              <a:spcBef>
-                <a:spcPts val="1000"/>
-              </a:spcBef>
-              <a:spcAft>
-                <a:spcPts val="0"/>
-              </a:spcAft>
-              <a:buClr>
-                <a:schemeClr val="accent1"/>
-              </a:buClr>
-              <a:buSzPct val="79999"/>
-              <a:buFont typeface="Noto Sans Symbols"/>
-              <a:buChar char="●"/>
-            </a:pPr>
-            <a:r>
-              <a:rPr lang="en-US" sz="1000" b="0" i="0" u="none" strike="noStrike" cap="none" dirty="0">
-                <a:solidFill>
-                  <a:srgbClr val="3F3F3F"/>
-                </a:solidFill>
-                <a:latin typeface="Trebuchet MS"/>
-                <a:ea typeface="Trebuchet MS"/>
-                <a:cs typeface="Trebuchet MS"/>
-                <a:sym typeface="Trebuchet MS"/>
-              </a:rPr>
-              <a:t>Relational</a:t>
-            </a:r>
-          </a:p>
-          <a:p>
-            <a:pPr marL="342900" marR="0" lvl="0" indent="-342900" algn="l" rtl="0">
-              <a:spcBef>
-                <a:spcPts val="1000"/>
-              </a:spcBef>
-              <a:spcAft>
-                <a:spcPts val="0"/>
-              </a:spcAft>
-              <a:buClr>
-                <a:schemeClr val="accent1"/>
-              </a:buClr>
-              <a:buSzPct val="79999"/>
-              <a:buFont typeface="Noto Sans Symbols"/>
-              <a:buChar char="●"/>
-            </a:pPr>
-            <a:r>
-              <a:rPr lang="en-US" sz="1000" b="0" i="0" u="none" strike="noStrike" cap="none" dirty="0">
-                <a:solidFill>
-                  <a:srgbClr val="3F3F3F"/>
-                </a:solidFill>
-                <a:latin typeface="Trebuchet MS"/>
-                <a:ea typeface="Trebuchet MS"/>
-                <a:cs typeface="Trebuchet MS"/>
-                <a:sym typeface="Trebuchet MS"/>
-              </a:rPr>
-              <a:t>Logical</a:t>
-            </a:r>
-          </a:p>
-          <a:p>
-            <a:pPr marL="342900" marR="0" lvl="0" indent="-342900" algn="l" rtl="0">
-              <a:spcBef>
-                <a:spcPts val="1000"/>
-              </a:spcBef>
-              <a:spcAft>
-                <a:spcPts val="0"/>
-              </a:spcAft>
-              <a:buClr>
-                <a:schemeClr val="accent1"/>
-              </a:buClr>
-              <a:buSzPct val="79999"/>
-              <a:buFont typeface="Noto Sans Symbols"/>
-              <a:buNone/>
-            </a:pPr>
-            <a:endParaRPr sz="1800" b="0" i="0" u="none" strike="noStrike" cap="none" dirty="0">
-              <a:solidFill>
-                <a:srgbClr val="3F3F3F"/>
-              </a:solidFill>
-              <a:latin typeface="Trebuchet MS"/>
-              <a:ea typeface="Trebuchet MS"/>
-              <a:cs typeface="Trebuchet MS"/>
-              <a:sym typeface="Trebuchet MS"/>
-            </a:endParaRPr>
-          </a:p>
-        </p:txBody>
-      </p:sp>
-      <p:sp>
-        <p:nvSpPr>
-          <p:cNvPr id="5" name="Shape 199"/>
-          <p:cNvSpPr txBox="1">
-            <a:spLocks noGrp="1"/>
-          </p:cNvSpPr>
-          <p:nvPr>
-            <p:ph type="title"/>
-          </p:nvPr>
-        </p:nvSpPr>
-        <p:spPr>
-          <a:xfrm>
-            <a:off x="677333" y="228600"/>
-            <a:ext cx="8596668" cy="381000"/>
-          </a:xfrm>
-          <a:prstGeom prst="rect">
-            <a:avLst/>
-          </a:prstGeom>
-          <a:noFill/>
-          <a:ln>
-            <a:noFill/>
-          </a:ln>
-        </p:spPr>
-        <p:txBody>
-          <a:bodyPr lIns="91425" tIns="45700" rIns="91425" bIns="45700" anchor="t" anchorCtr="0">
-            <a:noAutofit/>
-          </a:bodyPr>
-          <a:lstStyle/>
-          <a:p>
-            <a:pPr marL="0" marR="0" lvl="0" indent="0" algn="l" rtl="0">
-              <a:spcBef>
-                <a:spcPts val="0"/>
-              </a:spcBef>
-              <a:buClr>
-                <a:schemeClr val="accent1"/>
-              </a:buClr>
-              <a:buSzPct val="25000"/>
-              <a:buFont typeface="Trebuchet MS"/>
-              <a:buNone/>
-            </a:pPr>
-            <a:r>
-              <a:rPr lang="en-US" sz="1600" b="0" i="0" u="none" strike="noStrike" cap="none" dirty="0">
-                <a:solidFill>
-                  <a:schemeClr val="accent1"/>
-                </a:solidFill>
-                <a:latin typeface="Trebuchet MS"/>
-                <a:ea typeface="Trebuchet MS"/>
-                <a:cs typeface="Trebuchet MS"/>
-                <a:sym typeface="Trebuchet MS"/>
-              </a:rPr>
               <a:t>Java : Operators : Logical</a:t>
             </a:r>
           </a:p>
@@ -24613,7 +24359,7 @@
 </p:sld>
 </file>
 
-<file path=ppt/slides/slide13.xml><?xml version="1.0" encoding="utf-8"?>
+<file path=ppt/slides/slide12.xml><?xml version="1.0" encoding="utf-8"?>
 <p:sld xmlns:a="http://schemas.openxmlformats.org/drawingml/2006/main" xmlns:r="http://schemas.openxmlformats.org/officeDocument/2006/relationships" xmlns:p="http://schemas.openxmlformats.org/presentationml/2006/main">
   <p:cSld>
     <p:spTree>
@@ -24807,7 +24553,7 @@
 </p:sld>
 </file>
 
-<file path=ppt/slides/slide14.xml><?xml version="1.0" encoding="utf-8"?>
+<file path=ppt/slides/slide13.xml><?xml version="1.0" encoding="utf-8"?>
 <p:sld xmlns:a="http://schemas.openxmlformats.org/drawingml/2006/main" xmlns:r="http://schemas.openxmlformats.org/officeDocument/2006/relationships" xmlns:p="http://schemas.openxmlformats.org/presentationml/2006/main">
   <p:cSld>
     <p:spTree>
@@ -25102,7 +24848,7 @@
 </p:sld>
 </file>
 
-<file path=ppt/slides/slide15.xml><?xml version="1.0" encoding="utf-8"?>
+<file path=ppt/slides/slide14.xml><?xml version="1.0" encoding="utf-8"?>
 <p:sld xmlns:a="http://schemas.openxmlformats.org/drawingml/2006/main" xmlns:r="http://schemas.openxmlformats.org/officeDocument/2006/relationships" xmlns:p="http://schemas.openxmlformats.org/presentationml/2006/main">
   <p:cSld>
     <p:spTree>
@@ -25453,7 +25199,7 @@
 </p:sld>
 </file>
 
-<file path=ppt/slides/slide16.xml><?xml version="1.0" encoding="utf-8"?>
+<file path=ppt/slides/slide15.xml><?xml version="1.0" encoding="utf-8"?>
 <p:sld xmlns:a="http://schemas.openxmlformats.org/drawingml/2006/main" xmlns:r="http://schemas.openxmlformats.org/officeDocument/2006/relationships" xmlns:p="http://schemas.openxmlformats.org/presentationml/2006/main">
   <p:cSld>
     <p:spTree>
@@ -25707,7 +25453,7 @@
 </p:sld>
 </file>
 
-<file path=ppt/slides/slide17.xml><?xml version="1.0" encoding="utf-8"?>
+<file path=ppt/slides/slide16.xml><?xml version="1.0" encoding="utf-8"?>
 <p:sld xmlns:a="http://schemas.openxmlformats.org/drawingml/2006/main" xmlns:r="http://schemas.openxmlformats.org/officeDocument/2006/relationships" xmlns:p="http://schemas.openxmlformats.org/presentationml/2006/main">
   <p:cSld>
     <p:spTree>
@@ -26172,7 +25918,7 @@
 </p:sld>
 </file>
 
-<file path=ppt/slides/slide18.xml><?xml version="1.0" encoding="utf-8"?>
+<file path=ppt/slides/slide17.xml><?xml version="1.0" encoding="utf-8"?>
 <p:sld xmlns:a="http://schemas.openxmlformats.org/drawingml/2006/main" xmlns:r="http://schemas.openxmlformats.org/officeDocument/2006/relationships" xmlns:p="http://schemas.openxmlformats.org/presentationml/2006/main">
   <p:cSld>
     <p:spTree>
@@ -26580,7 +26326,7 @@
 </p:sld>
 </file>
 
-<file path=ppt/slides/slide19.xml><?xml version="1.0" encoding="utf-8"?>
+<file path=ppt/slides/slide18.xml><?xml version="1.0" encoding="utf-8"?>
 <p:sld xmlns:a="http://schemas.openxmlformats.org/drawingml/2006/main" xmlns:r="http://schemas.openxmlformats.org/officeDocument/2006/relationships" xmlns:p="http://schemas.openxmlformats.org/presentationml/2006/main">
   <p:cSld>
     <p:spTree>
@@ -26931,6 +26677,337 @@
               </a:rPr>
               <a:t>Using getters and setters</a:t>
             </a:r>
+          </a:p>
+        </p:txBody>
+      </p:sp>
+    </p:spTree>
+  </p:cSld>
+  <p:clrMapOvr>
+    <a:masterClrMapping/>
+  </p:clrMapOvr>
+</p:sld>
+</file>
+
+<file path=ppt/slides/slide19.xml><?xml version="1.0" encoding="utf-8"?>
+<p:sld xmlns:a="http://schemas.openxmlformats.org/drawingml/2006/main" xmlns:r="http://schemas.openxmlformats.org/officeDocument/2006/relationships" xmlns:p="http://schemas.openxmlformats.org/presentationml/2006/main">
+  <p:cSld>
+    <p:spTree>
+      <p:nvGrpSpPr>
+        <p:cNvPr id="1" name="Shape 320"/>
+        <p:cNvGrpSpPr/>
+        <p:nvPr/>
+      </p:nvGrpSpPr>
+      <p:grpSpPr>
+        <a:xfrm>
+          <a:off x="0" y="0"/>
+          <a:ext cx="0" cy="0"/>
+          <a:chOff x="0" y="0"/>
+          <a:chExt cx="0" cy="0"/>
+        </a:xfrm>
+      </p:grpSpPr>
+      <p:sp>
+        <p:nvSpPr>
+          <p:cNvPr id="321" name="Shape 321"/>
+          <p:cNvSpPr txBox="1">
+            <a:spLocks noGrp="1"/>
+          </p:cNvSpPr>
+          <p:nvPr>
+            <p:ph type="title"/>
+          </p:nvPr>
+        </p:nvSpPr>
+        <p:spPr>
+          <a:xfrm>
+            <a:off x="533400" y="152401"/>
+            <a:ext cx="8596668" cy="381000"/>
+          </a:xfrm>
+          <a:prstGeom prst="rect">
+            <a:avLst/>
+          </a:prstGeom>
+          <a:noFill/>
+          <a:ln>
+            <a:noFill/>
+          </a:ln>
+        </p:spPr>
+        <p:txBody>
+          <a:bodyPr lIns="91425" tIns="45700" rIns="91425" bIns="45700" anchor="t" anchorCtr="0">
+            <a:noAutofit/>
+          </a:bodyPr>
+          <a:lstStyle/>
+          <a:p>
+            <a:pPr marL="0" marR="0" lvl="0" indent="0" algn="l" rtl="0">
+              <a:spcBef>
+                <a:spcPts val="0"/>
+              </a:spcBef>
+              <a:buClr>
+                <a:schemeClr val="accent1"/>
+              </a:buClr>
+              <a:buSzPct val="25000"/>
+              <a:buFont typeface="Trebuchet MS"/>
+              <a:buNone/>
+            </a:pPr>
+            <a:r>
+              <a:rPr lang="en-US" sz="1400" b="0" i="0" u="none" strike="noStrike" cap="none" dirty="0">
+                <a:solidFill>
+                  <a:schemeClr val="accent1"/>
+                </a:solidFill>
+                <a:latin typeface="Trebuchet MS"/>
+                <a:ea typeface="Trebuchet MS"/>
+                <a:cs typeface="Trebuchet MS"/>
+                <a:sym typeface="Trebuchet MS"/>
+              </a:rPr>
+              <a:t>Java : Methods</a:t>
+            </a:r>
+          </a:p>
+        </p:txBody>
+      </p:sp>
+      <p:sp>
+        <p:nvSpPr>
+          <p:cNvPr id="322" name="Shape 322"/>
+          <p:cNvSpPr txBox="1">
+            <a:spLocks noGrp="1"/>
+          </p:cNvSpPr>
+          <p:nvPr>
+            <p:ph type="body" idx="1"/>
+          </p:nvPr>
+        </p:nvSpPr>
+        <p:spPr>
+          <a:xfrm>
+            <a:off x="613833" y="609600"/>
+            <a:ext cx="8596668" cy="5727699"/>
+          </a:xfrm>
+          <a:prstGeom prst="rect">
+            <a:avLst/>
+          </a:prstGeom>
+          <a:noFill/>
+          <a:ln>
+            <a:noFill/>
+          </a:ln>
+        </p:spPr>
+        <p:txBody>
+          <a:bodyPr lIns="91425" tIns="45700" rIns="91425" bIns="45700" anchor="t" anchorCtr="0">
+            <a:noAutofit/>
+          </a:bodyPr>
+          <a:lstStyle/>
+          <a:p>
+            <a:pPr marL="342900" marR="0" lvl="0" indent="-342900" algn="l" rtl="0">
+              <a:spcBef>
+                <a:spcPts val="0"/>
+              </a:spcBef>
+              <a:spcAft>
+                <a:spcPts val="0"/>
+              </a:spcAft>
+              <a:buClr>
+                <a:schemeClr val="accent1"/>
+              </a:buClr>
+              <a:buSzPct val="79999"/>
+              <a:buFont typeface="Noto Sans Symbols"/>
+              <a:buChar char="●"/>
+            </a:pPr>
+            <a:r>
+              <a:rPr lang="en-US" sz="1200" b="0" i="0" u="none" strike="noStrike" cap="none" dirty="0">
+                <a:solidFill>
+                  <a:srgbClr val="3F3F3F"/>
+                </a:solidFill>
+                <a:latin typeface="Trebuchet MS"/>
+                <a:ea typeface="Trebuchet MS"/>
+                <a:cs typeface="Trebuchet MS"/>
+                <a:sym typeface="Trebuchet MS"/>
+              </a:rPr>
+              <a:t>What are Methods?</a:t>
+            </a:r>
+          </a:p>
+          <a:p>
+            <a:pPr marL="342900" marR="0" lvl="0" indent="-342900" algn="l" rtl="0">
+              <a:spcBef>
+                <a:spcPts val="1000"/>
+              </a:spcBef>
+              <a:spcAft>
+                <a:spcPts val="0"/>
+              </a:spcAft>
+              <a:buClr>
+                <a:schemeClr val="accent1"/>
+              </a:buClr>
+              <a:buSzPct val="79999"/>
+              <a:buFont typeface="Noto Sans Symbols"/>
+              <a:buChar char="●"/>
+            </a:pPr>
+            <a:r>
+              <a:rPr lang="en-US" sz="1200" b="0" i="0" u="none" strike="noStrike" cap="none" dirty="0">
+                <a:solidFill>
+                  <a:srgbClr val="3F3F3F"/>
+                </a:solidFill>
+                <a:latin typeface="Trebuchet MS"/>
+                <a:ea typeface="Trebuchet MS"/>
+                <a:cs typeface="Trebuchet MS"/>
+                <a:sym typeface="Trebuchet MS"/>
+              </a:rPr>
+              <a:t>Method syntax</a:t>
+            </a:r>
+          </a:p>
+          <a:p>
+            <a:pPr marL="742950" marR="0" lvl="1" indent="-285750" algn="l" rtl="0">
+              <a:spcBef>
+                <a:spcPts val="1000"/>
+              </a:spcBef>
+              <a:spcAft>
+                <a:spcPts val="0"/>
+              </a:spcAft>
+              <a:buClr>
+                <a:schemeClr val="accent1"/>
+              </a:buClr>
+              <a:buSzPct val="80000"/>
+              <a:buFont typeface="Noto Sans Symbols"/>
+              <a:buChar char="●"/>
+            </a:pPr>
+            <a:r>
+              <a:rPr lang="en-US" sz="1200" b="0" i="0" u="none" strike="noStrike" cap="none" dirty="0">
+                <a:solidFill>
+                  <a:srgbClr val="3F3F3F"/>
+                </a:solidFill>
+                <a:latin typeface="Trebuchet MS"/>
+                <a:ea typeface="Trebuchet MS"/>
+                <a:cs typeface="Trebuchet MS"/>
+                <a:sym typeface="Trebuchet MS"/>
+              </a:rPr>
+              <a:t>Name of the method</a:t>
+            </a:r>
+          </a:p>
+          <a:p>
+            <a:pPr marL="742950" marR="0" lvl="1" indent="-285750" algn="l" rtl="0">
+              <a:spcBef>
+                <a:spcPts val="1000"/>
+              </a:spcBef>
+              <a:spcAft>
+                <a:spcPts val="0"/>
+              </a:spcAft>
+              <a:buClr>
+                <a:schemeClr val="accent1"/>
+              </a:buClr>
+              <a:buSzPct val="80000"/>
+              <a:buFont typeface="Noto Sans Symbols"/>
+              <a:buChar char="●"/>
+            </a:pPr>
+            <a:r>
+              <a:rPr lang="en-US" sz="1200" b="0" i="0" u="none" strike="noStrike" cap="none" dirty="0">
+                <a:solidFill>
+                  <a:srgbClr val="3F3F3F"/>
+                </a:solidFill>
+                <a:latin typeface="Trebuchet MS"/>
+                <a:ea typeface="Trebuchet MS"/>
+                <a:cs typeface="Trebuchet MS"/>
+                <a:sym typeface="Trebuchet MS"/>
+              </a:rPr>
+              <a:t>Return type of Methods</a:t>
+            </a:r>
+          </a:p>
+          <a:p>
+            <a:pPr marL="742950" marR="0" lvl="1" indent="-285750" algn="l" rtl="0">
+              <a:spcBef>
+                <a:spcPts val="1000"/>
+              </a:spcBef>
+              <a:spcAft>
+                <a:spcPts val="0"/>
+              </a:spcAft>
+              <a:buClr>
+                <a:schemeClr val="accent1"/>
+              </a:buClr>
+              <a:buSzPct val="80000"/>
+              <a:buFont typeface="Noto Sans Symbols"/>
+              <a:buChar char="●"/>
+            </a:pPr>
+            <a:r>
+              <a:rPr lang="en-US" sz="1200" b="0" i="0" u="none" strike="noStrike" cap="none" dirty="0">
+                <a:solidFill>
+                  <a:srgbClr val="3F3F3F"/>
+                </a:solidFill>
+                <a:latin typeface="Trebuchet MS"/>
+                <a:ea typeface="Trebuchet MS"/>
+                <a:cs typeface="Trebuchet MS"/>
+                <a:sym typeface="Trebuchet MS"/>
+              </a:rPr>
+              <a:t>Parameters of Methods</a:t>
+            </a:r>
+          </a:p>
+          <a:p>
+            <a:pPr marL="742950" marR="0" lvl="1" indent="-285750" algn="l" rtl="0">
+              <a:spcBef>
+                <a:spcPts val="1000"/>
+              </a:spcBef>
+              <a:spcAft>
+                <a:spcPts val="0"/>
+              </a:spcAft>
+              <a:buClr>
+                <a:schemeClr val="accent1"/>
+              </a:buClr>
+              <a:buSzPct val="80000"/>
+              <a:buFont typeface="Noto Sans Symbols"/>
+              <a:buChar char="●"/>
+            </a:pPr>
+            <a:r>
+              <a:rPr lang="en-US" sz="1200" b="0" i="0" u="none" strike="noStrike" cap="none" dirty="0">
+                <a:solidFill>
+                  <a:srgbClr val="3F3F3F"/>
+                </a:solidFill>
+                <a:latin typeface="Trebuchet MS"/>
+                <a:ea typeface="Trebuchet MS"/>
+                <a:cs typeface="Trebuchet MS"/>
+                <a:sym typeface="Trebuchet MS"/>
+              </a:rPr>
+              <a:t>Method body</a:t>
+            </a:r>
+          </a:p>
+          <a:p>
+            <a:pPr marL="342900" marR="0" lvl="0" indent="-342900" algn="l" rtl="0">
+              <a:spcBef>
+                <a:spcPts val="1000"/>
+              </a:spcBef>
+              <a:spcAft>
+                <a:spcPts val="0"/>
+              </a:spcAft>
+              <a:buClr>
+                <a:schemeClr val="accent1"/>
+              </a:buClr>
+              <a:buSzPct val="79999"/>
+              <a:buFont typeface="Noto Sans Symbols"/>
+              <a:buChar char="●"/>
+            </a:pPr>
+            <a:r>
+              <a:rPr lang="en-US" sz="1200" b="0" i="0" u="none" strike="noStrike" cap="none" dirty="0">
+                <a:solidFill>
+                  <a:srgbClr val="3F3F3F"/>
+                </a:solidFill>
+                <a:latin typeface="Trebuchet MS"/>
+                <a:ea typeface="Trebuchet MS"/>
+                <a:cs typeface="Trebuchet MS"/>
+                <a:sym typeface="Trebuchet MS"/>
+              </a:rPr>
+              <a:t>Accessing methods of a class</a:t>
+            </a:r>
+          </a:p>
+          <a:p>
+            <a:pPr marL="457200" marR="0" lvl="1" indent="0" algn="l" rtl="0">
+              <a:spcBef>
+                <a:spcPts val="1000"/>
+              </a:spcBef>
+              <a:spcAft>
+                <a:spcPts val="0"/>
+              </a:spcAft>
+              <a:buClr>
+                <a:schemeClr val="accent1"/>
+              </a:buClr>
+              <a:buSzPct val="25000"/>
+              <a:buFont typeface="Noto Sans Symbols"/>
+              <a:buNone/>
+            </a:pPr>
+            <a:endParaRPr sz="1600" b="0" i="0" u="none" strike="noStrike" cap="none" dirty="0">
+              <a:solidFill>
+                <a:srgbClr val="3F3F3F"/>
+              </a:solidFill>
+              <a:latin typeface="Trebuchet MS"/>
+              <a:ea typeface="Trebuchet MS"/>
+              <a:cs typeface="Trebuchet MS"/>
+              <a:sym typeface="Trebuchet MS"/>
+            </a:endParaRPr>
           </a:p>
         </p:txBody>
       </p:sp>
@@ -27127,6 +27204,45 @@
             </a:r>
           </a:p>
           <a:p>
+            <a:pPr lvl="1" indent="-342900">
+              <a:buSzPct val="79999"/>
+            </a:pPr>
+            <a:r>
+              <a:rPr lang="en-US" sz="1000" dirty="0"/>
+              <a:t>JDK =&gt; Java Development Kit</a:t>
+            </a:r>
+          </a:p>
+          <a:p>
+            <a:pPr lvl="1" indent="-342900">
+              <a:buSzPct val="79999"/>
+            </a:pPr>
+            <a:r>
+              <a:rPr lang="en-US" sz="1000" b="0" i="0" u="none" strike="noStrike" cap="none" dirty="0">
+                <a:solidFill>
+                  <a:srgbClr val="3F3F3F"/>
+                </a:solidFill>
+                <a:latin typeface="Trebuchet MS"/>
+                <a:ea typeface="Trebuchet MS"/>
+                <a:cs typeface="Trebuchet MS"/>
+                <a:sym typeface="Trebuchet MS"/>
+              </a:rPr>
+              <a:t>JRE =&gt; </a:t>
+            </a:r>
+            <a:r>
+              <a:rPr lang="en-US" sz="1000" dirty="0"/>
+              <a:t>Java Runtime Environment</a:t>
+            </a:r>
+            <a:endParaRPr lang="en-US" sz="1000" b="0" i="0" u="none" strike="noStrike" cap="none" dirty="0">
+              <a:solidFill>
+                <a:srgbClr val="3F3F3F"/>
+              </a:solidFill>
+              <a:latin typeface="Trebuchet MS"/>
+              <a:ea typeface="Trebuchet MS"/>
+              <a:cs typeface="Trebuchet MS"/>
+              <a:sym typeface="Trebuchet MS"/>
+            </a:endParaRPr>
+          </a:p>
+          <a:p>
             <a:pPr marL="742950" marR="0" lvl="1" indent="-285750" algn="l" rtl="0">
               <a:spcBef>
                 <a:spcPts val="1000"/>
@@ -27151,7 +27267,7 @@
                 <a:cs typeface="Trebuchet MS"/>
                 <a:sym typeface="Trebuchet MS"/>
               </a:rPr>
-              <a:t>JDK = JRE+ compiler</a:t>
+              <a:t>JDK = Libraries needed for Development + JRE+ compiler</a:t>
             </a:r>
           </a:p>
           <a:p>
@@ -27248,337 +27364,6 @@
   <p:cSld>
     <p:spTree>
       <p:nvGrpSpPr>
-        <p:cNvPr id="1" name="Shape 320"/>
-        <p:cNvGrpSpPr/>
-        <p:nvPr/>
-      </p:nvGrpSpPr>
-      <p:grpSpPr>
-        <a:xfrm>
-          <a:off x="0" y="0"/>
-          <a:ext cx="0" cy="0"/>
-          <a:chOff x="0" y="0"/>
-          <a:chExt cx="0" cy="0"/>
-        </a:xfrm>
-      </p:grpSpPr>
-      <p:sp>
-        <p:nvSpPr>
-          <p:cNvPr id="321" name="Shape 321"/>
-          <p:cNvSpPr txBox="1">
-            <a:spLocks noGrp="1"/>
-          </p:cNvSpPr>
-          <p:nvPr>
-            <p:ph type="title"/>
-          </p:nvPr>
-        </p:nvSpPr>
-        <p:spPr>
-          <a:xfrm>
-            <a:off x="533400" y="152401"/>
-            <a:ext cx="8596668" cy="381000"/>
-          </a:xfrm>
-          <a:prstGeom prst="rect">
-            <a:avLst/>
-          </a:prstGeom>
-          <a:noFill/>
-          <a:ln>
-            <a:noFill/>
-          </a:ln>
-        </p:spPr>
-        <p:txBody>
-          <a:bodyPr lIns="91425" tIns="45700" rIns="91425" bIns="45700" anchor="t" anchorCtr="0">
-            <a:noAutofit/>
-          </a:bodyPr>
-          <a:lstStyle/>
-          <a:p>
-            <a:pPr marL="0" marR="0" lvl="0" indent="0" algn="l" rtl="0">
-              <a:spcBef>
-                <a:spcPts val="0"/>
-              </a:spcBef>
-              <a:buClr>
-                <a:schemeClr val="accent1"/>
-              </a:buClr>
-              <a:buSzPct val="25000"/>
-              <a:buFont typeface="Trebuchet MS"/>
-              <a:buNone/>
-            </a:pPr>
-            <a:r>
-              <a:rPr lang="en-US" sz="1400" b="0" i="0" u="none" strike="noStrike" cap="none" dirty="0">
-                <a:solidFill>
-                  <a:schemeClr val="accent1"/>
-                </a:solidFill>
-                <a:latin typeface="Trebuchet MS"/>
-                <a:ea typeface="Trebuchet MS"/>
-                <a:cs typeface="Trebuchet MS"/>
-                <a:sym typeface="Trebuchet MS"/>
-              </a:rPr>
-              <a:t>Java : Methods</a:t>
-            </a:r>
-          </a:p>
-        </p:txBody>
-      </p:sp>
-      <p:sp>
-        <p:nvSpPr>
-          <p:cNvPr id="322" name="Shape 322"/>
-          <p:cNvSpPr txBox="1">
-            <a:spLocks noGrp="1"/>
-          </p:cNvSpPr>
-          <p:nvPr>
-            <p:ph type="body" idx="1"/>
-          </p:nvPr>
-        </p:nvSpPr>
-        <p:spPr>
-          <a:xfrm>
-            <a:off x="613833" y="609600"/>
-            <a:ext cx="8596668" cy="5727699"/>
-          </a:xfrm>
-          <a:prstGeom prst="rect">
-            <a:avLst/>
-          </a:prstGeom>
-          <a:noFill/>
-          <a:ln>
-            <a:noFill/>
-          </a:ln>
-        </p:spPr>
-        <p:txBody>
-          <a:bodyPr lIns="91425" tIns="45700" rIns="91425" bIns="45700" anchor="t" anchorCtr="0">
-            <a:noAutofit/>
-          </a:bodyPr>
-          <a:lstStyle/>
-          <a:p>
-            <a:pPr marL="342900" marR="0" lvl="0" indent="-342900" algn="l" rtl="0">
-              <a:spcBef>
-                <a:spcPts val="0"/>
-              </a:spcBef>
-              <a:spcAft>
-                <a:spcPts val="0"/>
-              </a:spcAft>
-              <a:buClr>
-                <a:schemeClr val="accent1"/>
-              </a:buClr>
-              <a:buSzPct val="79999"/>
-              <a:buFont typeface="Noto Sans Symbols"/>
-              <a:buChar char="●"/>
-            </a:pPr>
-            <a:r>
-              <a:rPr lang="en-US" sz="1200" b="0" i="0" u="none" strike="noStrike" cap="none" dirty="0">
-                <a:solidFill>
-                  <a:srgbClr val="3F3F3F"/>
-                </a:solidFill>
-                <a:latin typeface="Trebuchet MS"/>
-                <a:ea typeface="Trebuchet MS"/>
-                <a:cs typeface="Trebuchet MS"/>
-                <a:sym typeface="Trebuchet MS"/>
-              </a:rPr>
-              <a:t>What are Methods?</a:t>
-            </a:r>
-          </a:p>
-          <a:p>
-            <a:pPr marL="342900" marR="0" lvl="0" indent="-342900" algn="l" rtl="0">
-              <a:spcBef>
-                <a:spcPts val="1000"/>
-              </a:spcBef>
-              <a:spcAft>
-                <a:spcPts val="0"/>
-              </a:spcAft>
-              <a:buClr>
-                <a:schemeClr val="accent1"/>
-              </a:buClr>
-              <a:buSzPct val="79999"/>
-              <a:buFont typeface="Noto Sans Symbols"/>
-              <a:buChar char="●"/>
-            </a:pPr>
-            <a:r>
-              <a:rPr lang="en-US" sz="1200" b="0" i="0" u="none" strike="noStrike" cap="none" dirty="0">
-                <a:solidFill>
-                  <a:srgbClr val="3F3F3F"/>
-                </a:solidFill>
-                <a:latin typeface="Trebuchet MS"/>
-                <a:ea typeface="Trebuchet MS"/>
-                <a:cs typeface="Trebuchet MS"/>
-                <a:sym typeface="Trebuchet MS"/>
-              </a:rPr>
-              <a:t>Method syntax</a:t>
-            </a:r>
-          </a:p>
-          <a:p>
-            <a:pPr marL="742950" marR="0" lvl="1" indent="-285750" algn="l" rtl="0">
-              <a:spcBef>
-                <a:spcPts val="1000"/>
-              </a:spcBef>
-              <a:spcAft>
-                <a:spcPts val="0"/>
-              </a:spcAft>
-              <a:buClr>
-                <a:schemeClr val="accent1"/>
-              </a:buClr>
-              <a:buSzPct val="80000"/>
-              <a:buFont typeface="Noto Sans Symbols"/>
-              <a:buChar char="●"/>
-            </a:pPr>
-            <a:r>
-              <a:rPr lang="en-US" sz="1200" b="0" i="0" u="none" strike="noStrike" cap="none" dirty="0">
-                <a:solidFill>
-                  <a:srgbClr val="3F3F3F"/>
-                </a:solidFill>
-                <a:latin typeface="Trebuchet MS"/>
-                <a:ea typeface="Trebuchet MS"/>
-                <a:cs typeface="Trebuchet MS"/>
-                <a:sym typeface="Trebuchet MS"/>
-              </a:rPr>
-              <a:t>Name of the method</a:t>
-            </a:r>
-          </a:p>
-          <a:p>
-            <a:pPr marL="742950" marR="0" lvl="1" indent="-285750" algn="l" rtl="0">
-              <a:spcBef>
-                <a:spcPts val="1000"/>
-              </a:spcBef>
-              <a:spcAft>
-                <a:spcPts val="0"/>
-              </a:spcAft>
-              <a:buClr>
-                <a:schemeClr val="accent1"/>
-              </a:buClr>
-              <a:buSzPct val="80000"/>
-              <a:buFont typeface="Noto Sans Symbols"/>
-              <a:buChar char="●"/>
-            </a:pPr>
-            <a:r>
-              <a:rPr lang="en-US" sz="1200" b="0" i="0" u="none" strike="noStrike" cap="none" dirty="0">
-                <a:solidFill>
-                  <a:srgbClr val="3F3F3F"/>
-                </a:solidFill>
-                <a:latin typeface="Trebuchet MS"/>
-                <a:ea typeface="Trebuchet MS"/>
-                <a:cs typeface="Trebuchet MS"/>
-                <a:sym typeface="Trebuchet MS"/>
-              </a:rPr>
-              <a:t>Return type of Methods</a:t>
-            </a:r>
-          </a:p>
-          <a:p>
-            <a:pPr marL="742950" marR="0" lvl="1" indent="-285750" algn="l" rtl="0">
-              <a:spcBef>
-                <a:spcPts val="1000"/>
-              </a:spcBef>
-              <a:spcAft>
-                <a:spcPts val="0"/>
-              </a:spcAft>
-              <a:buClr>
-                <a:schemeClr val="accent1"/>
-              </a:buClr>
-              <a:buSzPct val="80000"/>
-              <a:buFont typeface="Noto Sans Symbols"/>
-              <a:buChar char="●"/>
-            </a:pPr>
-            <a:r>
-              <a:rPr lang="en-US" sz="1200" b="0" i="0" u="none" strike="noStrike" cap="none" dirty="0">
-                <a:solidFill>
-                  <a:srgbClr val="3F3F3F"/>
-                </a:solidFill>
-                <a:latin typeface="Trebuchet MS"/>
-                <a:ea typeface="Trebuchet MS"/>
-                <a:cs typeface="Trebuchet MS"/>
-                <a:sym typeface="Trebuchet MS"/>
-              </a:rPr>
-              <a:t>Parameters of Methods</a:t>
-            </a:r>
-          </a:p>
-          <a:p>
-            <a:pPr marL="742950" marR="0" lvl="1" indent="-285750" algn="l" rtl="0">
-              <a:spcBef>
-                <a:spcPts val="1000"/>
-              </a:spcBef>
-              <a:spcAft>
-                <a:spcPts val="0"/>
-              </a:spcAft>
-              <a:buClr>
-                <a:schemeClr val="accent1"/>
-              </a:buClr>
-              <a:buSzPct val="80000"/>
-              <a:buFont typeface="Noto Sans Symbols"/>
-              <a:buChar char="●"/>
-            </a:pPr>
-            <a:r>
-              <a:rPr lang="en-US" sz="1200" b="0" i="0" u="none" strike="noStrike" cap="none" dirty="0">
-                <a:solidFill>
-                  <a:srgbClr val="3F3F3F"/>
-                </a:solidFill>
-                <a:latin typeface="Trebuchet MS"/>
-                <a:ea typeface="Trebuchet MS"/>
-                <a:cs typeface="Trebuchet MS"/>
-                <a:sym typeface="Trebuchet MS"/>
-              </a:rPr>
-              <a:t>Method body</a:t>
-            </a:r>
-          </a:p>
-          <a:p>
-            <a:pPr marL="342900" marR="0" lvl="0" indent="-342900" algn="l" rtl="0">
-              <a:spcBef>
-                <a:spcPts val="1000"/>
-              </a:spcBef>
-              <a:spcAft>
-                <a:spcPts val="0"/>
-              </a:spcAft>
-              <a:buClr>
-                <a:schemeClr val="accent1"/>
-              </a:buClr>
-              <a:buSzPct val="79999"/>
-              <a:buFont typeface="Noto Sans Symbols"/>
-              <a:buChar char="●"/>
-            </a:pPr>
-            <a:r>
-              <a:rPr lang="en-US" sz="1200" b="0" i="0" u="none" strike="noStrike" cap="none" dirty="0">
-                <a:solidFill>
-                  <a:srgbClr val="3F3F3F"/>
-                </a:solidFill>
-                <a:latin typeface="Trebuchet MS"/>
-                <a:ea typeface="Trebuchet MS"/>
-                <a:cs typeface="Trebuchet MS"/>
-                <a:sym typeface="Trebuchet MS"/>
-              </a:rPr>
-              <a:t>Accessing methods of a class</a:t>
-            </a:r>
-          </a:p>
-          <a:p>
-            <a:pPr marL="457200" marR="0" lvl="1" indent="0" algn="l" rtl="0">
-              <a:spcBef>
-                <a:spcPts val="1000"/>
-              </a:spcBef>
-              <a:spcAft>
-                <a:spcPts val="0"/>
-              </a:spcAft>
-              <a:buClr>
-                <a:schemeClr val="accent1"/>
-              </a:buClr>
-              <a:buSzPct val="25000"/>
-              <a:buFont typeface="Noto Sans Symbols"/>
-              <a:buNone/>
-            </a:pPr>
-            <a:endParaRPr sz="1600" b="0" i="0" u="none" strike="noStrike" cap="none" dirty="0">
-              <a:solidFill>
-                <a:srgbClr val="3F3F3F"/>
-              </a:solidFill>
-              <a:latin typeface="Trebuchet MS"/>
-              <a:ea typeface="Trebuchet MS"/>
-              <a:cs typeface="Trebuchet MS"/>
-              <a:sym typeface="Trebuchet MS"/>
-            </a:endParaRPr>
-          </a:p>
-        </p:txBody>
-      </p:sp>
-    </p:spTree>
-  </p:cSld>
-  <p:clrMapOvr>
-    <a:masterClrMapping/>
-  </p:clrMapOvr>
-</p:sld>
-</file>
-
-<file path=ppt/slides/slide21.xml><?xml version="1.0" encoding="utf-8"?>
-<p:sld xmlns:a="http://schemas.openxmlformats.org/drawingml/2006/main" xmlns:r="http://schemas.openxmlformats.org/officeDocument/2006/relationships" xmlns:p="http://schemas.openxmlformats.org/presentationml/2006/main">
-  <p:cSld>
-    <p:spTree>
-      <p:nvGrpSpPr>
         <p:cNvPr id="1" name="Shape 326"/>
         <p:cNvGrpSpPr/>
         <p:nvPr/>
@@ -27936,7 +27721,7 @@
 </p:sld>
 </file>
 
-<file path=ppt/slides/slide22.xml><?xml version="1.0" encoding="utf-8"?>
+<file path=ppt/slides/slide21.xml><?xml version="1.0" encoding="utf-8"?>
 <p:sld xmlns:a="http://schemas.openxmlformats.org/drawingml/2006/main" xmlns:r="http://schemas.openxmlformats.org/officeDocument/2006/relationships" xmlns:p="http://schemas.openxmlformats.org/presentationml/2006/main">
   <p:cSld>
     <p:spTree>
@@ -28180,7 +27965,7 @@
 </p:sld>
 </file>
 
-<file path=ppt/slides/slide23.xml><?xml version="1.0" encoding="utf-8"?>
+<file path=ppt/slides/slide22.xml><?xml version="1.0" encoding="utf-8"?>
 <p:sld xmlns:a="http://schemas.openxmlformats.org/drawingml/2006/main" xmlns:r="http://schemas.openxmlformats.org/officeDocument/2006/relationships" xmlns:p="http://schemas.openxmlformats.org/presentationml/2006/main">
   <p:cSld>
     <p:spTree>
@@ -28429,7 +28214,7 @@
 </p:sld>
 </file>
 
-<file path=ppt/slides/slide24.xml><?xml version="1.0" encoding="utf-8"?>
+<file path=ppt/slides/slide23.xml><?xml version="1.0" encoding="utf-8"?>
 <p:sld xmlns:a="http://schemas.openxmlformats.org/drawingml/2006/main" xmlns:r="http://schemas.openxmlformats.org/officeDocument/2006/relationships" xmlns:p="http://schemas.openxmlformats.org/presentationml/2006/main">
   <p:cSld>
     <p:spTree>
@@ -28784,7 +28569,7 @@
 </p:sld>
 </file>
 
-<file path=ppt/slides/slide25.xml><?xml version="1.0" encoding="utf-8"?>
+<file path=ppt/slides/slide24.xml><?xml version="1.0" encoding="utf-8"?>
 <p:sld xmlns:a="http://schemas.openxmlformats.org/drawingml/2006/main" xmlns:r="http://schemas.openxmlformats.org/officeDocument/2006/relationships" xmlns:p="http://schemas.openxmlformats.org/presentationml/2006/main">
   <p:cSld>
     <p:spTree>
@@ -29325,7 +29110,7 @@
 </p:sld>
 </file>
 
-<file path=ppt/slides/slide26.xml><?xml version="1.0" encoding="utf-8"?>
+<file path=ppt/slides/slide25.xml><?xml version="1.0" encoding="utf-8"?>
 <p:sld xmlns:a="http://schemas.openxmlformats.org/drawingml/2006/main" xmlns:r="http://schemas.openxmlformats.org/officeDocument/2006/relationships" xmlns:p="http://schemas.openxmlformats.org/presentationml/2006/main">
   <p:cSld>
     <p:spTree>
@@ -29515,7 +29300,7 @@
 </p:sld>
 </file>
 
-<file path=ppt/slides/slide27.xml><?xml version="1.0" encoding="utf-8"?>
+<file path=ppt/slides/slide26.xml><?xml version="1.0" encoding="utf-8"?>
 <p:sld xmlns:a="http://schemas.openxmlformats.org/drawingml/2006/main" xmlns:r="http://schemas.openxmlformats.org/officeDocument/2006/relationships" xmlns:p="http://schemas.openxmlformats.org/presentationml/2006/main">
   <p:cSld>
     <p:spTree>
@@ -29877,7 +29662,7 @@
 </p:sld>
 </file>
 
-<file path=ppt/slides/slide28.xml><?xml version="1.0" encoding="utf-8"?>
+<file path=ppt/slides/slide27.xml><?xml version="1.0" encoding="utf-8"?>
 <p:sld xmlns:a="http://schemas.openxmlformats.org/drawingml/2006/main" xmlns:r="http://schemas.openxmlformats.org/officeDocument/2006/relationships" xmlns:p="http://schemas.openxmlformats.org/presentationml/2006/main">
   <p:cSld>
     <p:spTree>
@@ -30238,7 +30023,7 @@
 </p:sld>
 </file>
 
-<file path=ppt/slides/slide29.xml><?xml version="1.0" encoding="utf-8"?>
+<file path=ppt/slides/slide28.xml><?xml version="1.0" encoding="utf-8"?>
 <p:sld xmlns:a="http://schemas.openxmlformats.org/drawingml/2006/main" xmlns:r="http://schemas.openxmlformats.org/officeDocument/2006/relationships" xmlns:p="http://schemas.openxmlformats.org/presentationml/2006/main">
   <p:cSld>
     <p:spTree>
@@ -30510,6 +30295,296 @@
               <a:buNone/>
             </a:pPr>
             <a:endParaRPr sz="1600" b="0" i="0" u="none" strike="noStrike" cap="none" dirty="0">
+              <a:solidFill>
+                <a:srgbClr val="3F3F3F"/>
+              </a:solidFill>
+              <a:latin typeface="Trebuchet MS"/>
+              <a:ea typeface="Trebuchet MS"/>
+              <a:cs typeface="Trebuchet MS"/>
+              <a:sym typeface="Trebuchet MS"/>
+            </a:endParaRPr>
+          </a:p>
+        </p:txBody>
+      </p:sp>
+    </p:spTree>
+  </p:cSld>
+  <p:clrMapOvr>
+    <a:masterClrMapping/>
+  </p:clrMapOvr>
+</p:sld>
+</file>
+
+<file path=ppt/slides/slide29.xml><?xml version="1.0" encoding="utf-8"?>
+<p:sld xmlns:a="http://schemas.openxmlformats.org/drawingml/2006/main" xmlns:r="http://schemas.openxmlformats.org/officeDocument/2006/relationships" xmlns:p="http://schemas.openxmlformats.org/presentationml/2006/main">
+  <p:cSld>
+    <p:spTree>
+      <p:nvGrpSpPr>
+        <p:cNvPr id="1" name="Shape 394"/>
+        <p:cNvGrpSpPr/>
+        <p:nvPr/>
+      </p:nvGrpSpPr>
+      <p:grpSpPr>
+        <a:xfrm>
+          <a:off x="0" y="0"/>
+          <a:ext cx="0" cy="0"/>
+          <a:chOff x="0" y="0"/>
+          <a:chExt cx="0" cy="0"/>
+        </a:xfrm>
+      </p:grpSpPr>
+      <p:sp>
+        <p:nvSpPr>
+          <p:cNvPr id="395" name="Shape 395"/>
+          <p:cNvSpPr txBox="1">
+            <a:spLocks noGrp="1"/>
+          </p:cNvSpPr>
+          <p:nvPr>
+            <p:ph type="title"/>
+          </p:nvPr>
+        </p:nvSpPr>
+        <p:spPr>
+          <a:xfrm>
+            <a:off x="685800" y="228600"/>
+            <a:ext cx="8596668" cy="670559"/>
+          </a:xfrm>
+          <a:prstGeom prst="rect">
+            <a:avLst/>
+          </a:prstGeom>
+          <a:noFill/>
+          <a:ln>
+            <a:noFill/>
+          </a:ln>
+        </p:spPr>
+        <p:txBody>
+          <a:bodyPr lIns="91425" tIns="45700" rIns="91425" bIns="45700" anchor="t" anchorCtr="0">
+            <a:noAutofit/>
+          </a:bodyPr>
+          <a:lstStyle/>
+          <a:p>
+            <a:pPr marL="0" marR="0" lvl="0" indent="0" algn="l" rtl="0">
+              <a:spcBef>
+                <a:spcPts val="0"/>
+              </a:spcBef>
+              <a:buClr>
+                <a:schemeClr val="accent1"/>
+              </a:buClr>
+              <a:buSzPct val="25000"/>
+              <a:buFont typeface="Trebuchet MS"/>
+              <a:buNone/>
+            </a:pPr>
+            <a:r>
+              <a:rPr lang="en-US" sz="1400" b="0" i="0" u="none" strike="noStrike" cap="none" dirty="0">
+                <a:solidFill>
+                  <a:schemeClr val="accent1"/>
+                </a:solidFill>
+                <a:latin typeface="Trebuchet MS"/>
+                <a:ea typeface="Trebuchet MS"/>
+                <a:cs typeface="Trebuchet MS"/>
+                <a:sym typeface="Trebuchet MS"/>
+              </a:rPr>
+              <a:t>Java : OOPS</a:t>
+            </a:r>
+          </a:p>
+        </p:txBody>
+      </p:sp>
+      <p:sp>
+        <p:nvSpPr>
+          <p:cNvPr id="396" name="Shape 396"/>
+          <p:cNvSpPr txBox="1">
+            <a:spLocks noGrp="1"/>
+          </p:cNvSpPr>
+          <p:nvPr>
+            <p:ph type="body" idx="1"/>
+          </p:nvPr>
+        </p:nvSpPr>
+        <p:spPr>
+          <a:xfrm>
+            <a:off x="677333" y="609600"/>
+            <a:ext cx="8596668" cy="5431761"/>
+          </a:xfrm>
+          <a:prstGeom prst="rect">
+            <a:avLst/>
+          </a:prstGeom>
+          <a:noFill/>
+          <a:ln>
+            <a:noFill/>
+          </a:ln>
+        </p:spPr>
+        <p:txBody>
+          <a:bodyPr lIns="91425" tIns="45700" rIns="91425" bIns="45700" anchor="t" anchorCtr="0">
+            <a:noAutofit/>
+          </a:bodyPr>
+          <a:lstStyle/>
+          <a:p>
+            <a:pPr marL="342900" lvl="0" indent="-342900">
+              <a:lnSpc>
+                <a:spcPct val="90000"/>
+              </a:lnSpc>
+              <a:spcBef>
+                <a:spcPts val="0"/>
+              </a:spcBef>
+              <a:buSzPct val="80000"/>
+            </a:pPr>
+            <a:r>
+              <a:rPr lang="en-US" sz="1200" dirty="0"/>
+              <a:t>Abstract class</a:t>
+            </a:r>
+          </a:p>
+          <a:p>
+            <a:pPr marL="742950" lvl="1" indent="-342900">
+              <a:lnSpc>
+                <a:spcPct val="90000"/>
+              </a:lnSpc>
+              <a:spcBef>
+                <a:spcPts val="1000"/>
+              </a:spcBef>
+            </a:pPr>
+            <a:r>
+              <a:rPr lang="en-US" sz="1200" dirty="0"/>
+              <a:t>What is Abstract class?</a:t>
+            </a:r>
+          </a:p>
+          <a:p>
+            <a:pPr marL="1143000" lvl="2" indent="-342900">
+              <a:lnSpc>
+                <a:spcPct val="90000"/>
+              </a:lnSpc>
+              <a:spcBef>
+                <a:spcPts val="1000"/>
+              </a:spcBef>
+            </a:pPr>
+            <a:r>
+              <a:rPr lang="en-US" sz="1200" dirty="0"/>
+              <a:t>A class with at least one abstract method.</a:t>
+            </a:r>
+          </a:p>
+          <a:p>
+            <a:pPr marL="742950" lvl="1" indent="-342900">
+              <a:lnSpc>
+                <a:spcPct val="90000"/>
+              </a:lnSpc>
+              <a:spcBef>
+                <a:spcPts val="1000"/>
+              </a:spcBef>
+            </a:pPr>
+            <a:r>
+              <a:rPr lang="en-US" sz="1200" dirty="0"/>
+              <a:t>What is Abstract method?</a:t>
+            </a:r>
+          </a:p>
+          <a:p>
+            <a:pPr marL="1143000" lvl="2" indent="-342900">
+              <a:lnSpc>
+                <a:spcPct val="90000"/>
+              </a:lnSpc>
+              <a:spcBef>
+                <a:spcPts val="1000"/>
+              </a:spcBef>
+            </a:pPr>
+            <a:r>
+              <a:rPr lang="en-US" sz="1200" dirty="0"/>
+              <a:t>A method which is only declared and not implemented</a:t>
+            </a:r>
+          </a:p>
+          <a:p>
+            <a:pPr marL="742950" lvl="1" indent="-342900">
+              <a:lnSpc>
+                <a:spcPct val="90000"/>
+              </a:lnSpc>
+              <a:spcBef>
+                <a:spcPts val="1000"/>
+              </a:spcBef>
+            </a:pPr>
+            <a:r>
+              <a:rPr lang="en-US" sz="1200" dirty="0"/>
+              <a:t>What is concrete method?</a:t>
+            </a:r>
+          </a:p>
+          <a:p>
+            <a:pPr marL="1143000" lvl="2" indent="-342900">
+              <a:lnSpc>
+                <a:spcPct val="90000"/>
+              </a:lnSpc>
+              <a:spcBef>
+                <a:spcPts val="1000"/>
+              </a:spcBef>
+            </a:pPr>
+            <a:r>
+              <a:rPr lang="en-US" sz="1200" dirty="0"/>
+              <a:t>A method which has implementation too</a:t>
+            </a:r>
+          </a:p>
+          <a:p>
+            <a:pPr marL="742950" lvl="1" indent="-342900">
+              <a:lnSpc>
+                <a:spcPct val="90000"/>
+              </a:lnSpc>
+              <a:spcBef>
+                <a:spcPts val="1000"/>
+              </a:spcBef>
+            </a:pPr>
+            <a:r>
+              <a:rPr lang="en-US" sz="1200" dirty="0"/>
+              <a:t>What is concrete class?</a:t>
+            </a:r>
+          </a:p>
+          <a:p>
+            <a:pPr marL="1143000" lvl="2" indent="-342900">
+              <a:lnSpc>
+                <a:spcPct val="90000"/>
+              </a:lnSpc>
+              <a:spcBef>
+                <a:spcPts val="1000"/>
+              </a:spcBef>
+            </a:pPr>
+            <a:r>
+              <a:rPr lang="en-US" sz="1200" dirty="0"/>
+              <a:t>A derived class that implements all the missing functionality of abstract class is called a concrete class. </a:t>
+            </a:r>
+          </a:p>
+          <a:p>
+            <a:pPr marL="742950" lvl="1" indent="-342900">
+              <a:lnSpc>
+                <a:spcPct val="90000"/>
+              </a:lnSpc>
+              <a:spcBef>
+                <a:spcPts val="1000"/>
+              </a:spcBef>
+            </a:pPr>
+            <a:r>
+              <a:rPr lang="en-US" sz="1200" dirty="0"/>
+              <a:t>We can not create object of abstract class</a:t>
+            </a:r>
+          </a:p>
+          <a:p>
+            <a:pPr marL="742950" lvl="1" indent="-342900">
+              <a:lnSpc>
+                <a:spcPct val="90000"/>
+              </a:lnSpc>
+              <a:spcBef>
+                <a:spcPts val="1000"/>
+              </a:spcBef>
+            </a:pPr>
+            <a:r>
+              <a:rPr lang="en-US" sz="1200" dirty="0"/>
+              <a:t>Real world example of abstract class</a:t>
+            </a:r>
+          </a:p>
+          <a:p>
+            <a:pPr marL="1143000" marR="0" lvl="2" indent="-228600" algn="l" rtl="0">
+              <a:spcBef>
+                <a:spcPts val="1000"/>
+              </a:spcBef>
+              <a:spcAft>
+                <a:spcPts val="0"/>
+              </a:spcAft>
+              <a:buClr>
+                <a:schemeClr val="accent1"/>
+              </a:buClr>
+              <a:buSzPct val="80000"/>
+              <a:buFont typeface="Noto Sans Symbols"/>
+              <a:buNone/>
+            </a:pPr>
+            <a:endParaRPr sz="1400" b="0" i="0" u="none" strike="noStrike" cap="none" dirty="0">
               <a:solidFill>
                 <a:srgbClr val="3F3F3F"/>
               </a:solidFill>
@@ -30715,12 +30790,8 @@
           <a:p>
             <a:pPr lvl="1" indent="-285750"/>
             <a:r>
-              <a:rPr lang="en-US" sz="1200" dirty="0" err="1"/>
-              <a:t>Java_home</a:t>
-            </a:r>
-            <a:r>
               <a:rPr lang="en-US" sz="1200" dirty="0"/>
-              <a:t> variable(C:\Program Files\Java\jdk1.8.0_91)</a:t>
+              <a:t>JAVA_HOME variable(C:\Program Files\Java\jdk1.8.0_91)</a:t>
             </a:r>
           </a:p>
           <a:p>
@@ -30764,7 +30835,7 @@
                 <a:cs typeface="Trebuchet MS"/>
                 <a:sym typeface="Trebuchet MS"/>
               </a:rPr>
-              <a:t>Path variable(C:\Program Files\Java\jdk1.8.0_91\bin)</a:t>
+              <a:t>PATH variable(C:\Program Files\Java\jdk1.8.0_91\bin)</a:t>
             </a:r>
           </a:p>
           <a:p>
@@ -31054,296 +31125,6 @@
 </file>
 
 <file path=ppt/slides/slide30.xml><?xml version="1.0" encoding="utf-8"?>
-<p:sld xmlns:a="http://schemas.openxmlformats.org/drawingml/2006/main" xmlns:r="http://schemas.openxmlformats.org/officeDocument/2006/relationships" xmlns:p="http://schemas.openxmlformats.org/presentationml/2006/main">
-  <p:cSld>
-    <p:spTree>
-      <p:nvGrpSpPr>
-        <p:cNvPr id="1" name="Shape 394"/>
-        <p:cNvGrpSpPr/>
-        <p:nvPr/>
-      </p:nvGrpSpPr>
-      <p:grpSpPr>
-        <a:xfrm>
-          <a:off x="0" y="0"/>
-          <a:ext cx="0" cy="0"/>
-          <a:chOff x="0" y="0"/>
-          <a:chExt cx="0" cy="0"/>
-        </a:xfrm>
-      </p:grpSpPr>
-      <p:sp>
-        <p:nvSpPr>
-          <p:cNvPr id="395" name="Shape 395"/>
-          <p:cNvSpPr txBox="1">
-            <a:spLocks noGrp="1"/>
-          </p:cNvSpPr>
-          <p:nvPr>
-            <p:ph type="title"/>
-          </p:nvPr>
-        </p:nvSpPr>
-        <p:spPr>
-          <a:xfrm>
-            <a:off x="685800" y="228600"/>
-            <a:ext cx="8596668" cy="670559"/>
-          </a:xfrm>
-          <a:prstGeom prst="rect">
-            <a:avLst/>
-          </a:prstGeom>
-          <a:noFill/>
-          <a:ln>
-            <a:noFill/>
-          </a:ln>
-        </p:spPr>
-        <p:txBody>
-          <a:bodyPr lIns="91425" tIns="45700" rIns="91425" bIns="45700" anchor="t" anchorCtr="0">
-            <a:noAutofit/>
-          </a:bodyPr>
-          <a:lstStyle/>
-          <a:p>
-            <a:pPr marL="0" marR="0" lvl="0" indent="0" algn="l" rtl="0">
-              <a:spcBef>
-                <a:spcPts val="0"/>
-              </a:spcBef>
-              <a:buClr>
-                <a:schemeClr val="accent1"/>
-              </a:buClr>
-              <a:buSzPct val="25000"/>
-              <a:buFont typeface="Trebuchet MS"/>
-              <a:buNone/>
-            </a:pPr>
-            <a:r>
-              <a:rPr lang="en-US" sz="1400" b="0" i="0" u="none" strike="noStrike" cap="none" dirty="0">
-                <a:solidFill>
-                  <a:schemeClr val="accent1"/>
-                </a:solidFill>
-                <a:latin typeface="Trebuchet MS"/>
-                <a:ea typeface="Trebuchet MS"/>
-                <a:cs typeface="Trebuchet MS"/>
-                <a:sym typeface="Trebuchet MS"/>
-              </a:rPr>
-              <a:t>Java : OOPS</a:t>
-            </a:r>
-          </a:p>
-        </p:txBody>
-      </p:sp>
-      <p:sp>
-        <p:nvSpPr>
-          <p:cNvPr id="396" name="Shape 396"/>
-          <p:cNvSpPr txBox="1">
-            <a:spLocks noGrp="1"/>
-          </p:cNvSpPr>
-          <p:nvPr>
-            <p:ph type="body" idx="1"/>
-          </p:nvPr>
-        </p:nvSpPr>
-        <p:spPr>
-          <a:xfrm>
-            <a:off x="677333" y="609600"/>
-            <a:ext cx="8596668" cy="5431761"/>
-          </a:xfrm>
-          <a:prstGeom prst="rect">
-            <a:avLst/>
-          </a:prstGeom>
-          <a:noFill/>
-          <a:ln>
-            <a:noFill/>
-          </a:ln>
-        </p:spPr>
-        <p:txBody>
-          <a:bodyPr lIns="91425" tIns="45700" rIns="91425" bIns="45700" anchor="t" anchorCtr="0">
-            <a:noAutofit/>
-          </a:bodyPr>
-          <a:lstStyle/>
-          <a:p>
-            <a:pPr marL="342900" lvl="0" indent="-342900">
-              <a:lnSpc>
-                <a:spcPct val="90000"/>
-              </a:lnSpc>
-              <a:spcBef>
-                <a:spcPts val="0"/>
-              </a:spcBef>
-              <a:buSzPct val="80000"/>
-            </a:pPr>
-            <a:r>
-              <a:rPr lang="en-US" sz="1200" dirty="0"/>
-              <a:t>Abstract class</a:t>
-            </a:r>
-          </a:p>
-          <a:p>
-            <a:pPr marL="742950" lvl="1" indent="-342900">
-              <a:lnSpc>
-                <a:spcPct val="90000"/>
-              </a:lnSpc>
-              <a:spcBef>
-                <a:spcPts val="1000"/>
-              </a:spcBef>
-            </a:pPr>
-            <a:r>
-              <a:rPr lang="en-US" sz="1200" dirty="0"/>
-              <a:t>What is Abstract class?</a:t>
-            </a:r>
-          </a:p>
-          <a:p>
-            <a:pPr marL="1143000" lvl="2" indent="-342900">
-              <a:lnSpc>
-                <a:spcPct val="90000"/>
-              </a:lnSpc>
-              <a:spcBef>
-                <a:spcPts val="1000"/>
-              </a:spcBef>
-            </a:pPr>
-            <a:r>
-              <a:rPr lang="en-US" sz="1200" dirty="0"/>
-              <a:t>A class with at least one abstract method.</a:t>
-            </a:r>
-          </a:p>
-          <a:p>
-            <a:pPr marL="742950" lvl="1" indent="-342900">
-              <a:lnSpc>
-                <a:spcPct val="90000"/>
-              </a:lnSpc>
-              <a:spcBef>
-                <a:spcPts val="1000"/>
-              </a:spcBef>
-            </a:pPr>
-            <a:r>
-              <a:rPr lang="en-US" sz="1200" dirty="0"/>
-              <a:t>What is Abstract method?</a:t>
-            </a:r>
-          </a:p>
-          <a:p>
-            <a:pPr marL="1143000" lvl="2" indent="-342900">
-              <a:lnSpc>
-                <a:spcPct val="90000"/>
-              </a:lnSpc>
-              <a:spcBef>
-                <a:spcPts val="1000"/>
-              </a:spcBef>
-            </a:pPr>
-            <a:r>
-              <a:rPr lang="en-US" sz="1200" dirty="0"/>
-              <a:t>A method which is only declared and not implemented</a:t>
-            </a:r>
-          </a:p>
-          <a:p>
-            <a:pPr marL="742950" lvl="1" indent="-342900">
-              <a:lnSpc>
-                <a:spcPct val="90000"/>
-              </a:lnSpc>
-              <a:spcBef>
-                <a:spcPts val="1000"/>
-              </a:spcBef>
-            </a:pPr>
-            <a:r>
-              <a:rPr lang="en-US" sz="1200" dirty="0"/>
-              <a:t>What is concrete method?</a:t>
-            </a:r>
-          </a:p>
-          <a:p>
-            <a:pPr marL="1143000" lvl="2" indent="-342900">
-              <a:lnSpc>
-                <a:spcPct val="90000"/>
-              </a:lnSpc>
-              <a:spcBef>
-                <a:spcPts val="1000"/>
-              </a:spcBef>
-            </a:pPr>
-            <a:r>
-              <a:rPr lang="en-US" sz="1200" dirty="0"/>
-              <a:t>A method which has implementation too</a:t>
-            </a:r>
-          </a:p>
-          <a:p>
-            <a:pPr marL="742950" lvl="1" indent="-342900">
-              <a:lnSpc>
-                <a:spcPct val="90000"/>
-              </a:lnSpc>
-              <a:spcBef>
-                <a:spcPts val="1000"/>
-              </a:spcBef>
-            </a:pPr>
-            <a:r>
-              <a:rPr lang="en-US" sz="1200" dirty="0"/>
-              <a:t>What is concrete class?</a:t>
-            </a:r>
-          </a:p>
-          <a:p>
-            <a:pPr marL="1143000" lvl="2" indent="-342900">
-              <a:lnSpc>
-                <a:spcPct val="90000"/>
-              </a:lnSpc>
-              <a:spcBef>
-                <a:spcPts val="1000"/>
-              </a:spcBef>
-            </a:pPr>
-            <a:r>
-              <a:rPr lang="en-US" sz="1200" dirty="0"/>
-              <a:t>A derived class that implements all the missing functionality of abstract class is called a concrete class. </a:t>
-            </a:r>
-          </a:p>
-          <a:p>
-            <a:pPr marL="742950" lvl="1" indent="-342900">
-              <a:lnSpc>
-                <a:spcPct val="90000"/>
-              </a:lnSpc>
-              <a:spcBef>
-                <a:spcPts val="1000"/>
-              </a:spcBef>
-            </a:pPr>
-            <a:r>
-              <a:rPr lang="en-US" sz="1200" dirty="0"/>
-              <a:t>We can not create object of abstract class</a:t>
-            </a:r>
-          </a:p>
-          <a:p>
-            <a:pPr marL="742950" lvl="1" indent="-342900">
-              <a:lnSpc>
-                <a:spcPct val="90000"/>
-              </a:lnSpc>
-              <a:spcBef>
-                <a:spcPts val="1000"/>
-              </a:spcBef>
-            </a:pPr>
-            <a:r>
-              <a:rPr lang="en-US" sz="1200" dirty="0"/>
-              <a:t>Real world example of abstract class</a:t>
-            </a:r>
-          </a:p>
-          <a:p>
-            <a:pPr marL="1143000" marR="0" lvl="2" indent="-228600" algn="l" rtl="0">
-              <a:spcBef>
-                <a:spcPts val="1000"/>
-              </a:spcBef>
-              <a:spcAft>
-                <a:spcPts val="0"/>
-              </a:spcAft>
-              <a:buClr>
-                <a:schemeClr val="accent1"/>
-              </a:buClr>
-              <a:buSzPct val="80000"/>
-              <a:buFont typeface="Noto Sans Symbols"/>
-              <a:buNone/>
-            </a:pPr>
-            <a:endParaRPr sz="1400" b="0" i="0" u="none" strike="noStrike" cap="none" dirty="0">
-              <a:solidFill>
-                <a:srgbClr val="3F3F3F"/>
-              </a:solidFill>
-              <a:latin typeface="Trebuchet MS"/>
-              <a:ea typeface="Trebuchet MS"/>
-              <a:cs typeface="Trebuchet MS"/>
-              <a:sym typeface="Trebuchet MS"/>
-            </a:endParaRPr>
-          </a:p>
-        </p:txBody>
-      </p:sp>
-    </p:spTree>
-  </p:cSld>
-  <p:clrMapOvr>
-    <a:masterClrMapping/>
-  </p:clrMapOvr>
-</p:sld>
-</file>
-
-<file path=ppt/slides/slide31.xml><?xml version="1.0" encoding="utf-8"?>
 <p:sld xmlns:a="http://schemas.openxmlformats.org/drawingml/2006/main" xmlns:r="http://schemas.openxmlformats.org/officeDocument/2006/relationships" xmlns:p="http://schemas.openxmlformats.org/presentationml/2006/main">
   <p:cSld>
     <p:spTree>
@@ -31644,7 +31425,7 @@
 </p:sld>
 </file>
 
-<file path=ppt/slides/slide32.xml><?xml version="1.0" encoding="utf-8"?>
+<file path=ppt/slides/slide31.xml><?xml version="1.0" encoding="utf-8"?>
 <p:sld xmlns:a="http://schemas.openxmlformats.org/drawingml/2006/main" xmlns:r="http://schemas.openxmlformats.org/officeDocument/2006/relationships" xmlns:p="http://schemas.openxmlformats.org/presentationml/2006/main">
   <p:cSld>
     <p:spTree>
@@ -31840,7 +31621,7 @@
 </p:sld>
 </file>
 
-<file path=ppt/slides/slide33.xml><?xml version="1.0" encoding="utf-8"?>
+<file path=ppt/slides/slide32.xml><?xml version="1.0" encoding="utf-8"?>
 <p:sld xmlns:a="http://schemas.openxmlformats.org/drawingml/2006/main" xmlns:r="http://schemas.openxmlformats.org/officeDocument/2006/relationships" xmlns:p="http://schemas.openxmlformats.org/presentationml/2006/main">
   <p:cSld>
     <p:spTree>
@@ -32152,7 +31933,7 @@
 </p:sld>
 </file>
 
-<file path=ppt/slides/slide34.xml><?xml version="1.0" encoding="utf-8"?>
+<file path=ppt/slides/slide33.xml><?xml version="1.0" encoding="utf-8"?>
 <p:sld xmlns:a="http://schemas.openxmlformats.org/drawingml/2006/main" xmlns:r="http://schemas.openxmlformats.org/officeDocument/2006/relationships" xmlns:p="http://schemas.openxmlformats.org/presentationml/2006/main">
   <p:cSld>
     <p:spTree>
@@ -32411,7 +32192,7 @@
 </p:sld>
 </file>
 
-<file path=ppt/slides/slide35.xml><?xml version="1.0" encoding="utf-8"?>
+<file path=ppt/slides/slide34.xml><?xml version="1.0" encoding="utf-8"?>
 <p:sld xmlns:a="http://schemas.openxmlformats.org/drawingml/2006/main" xmlns:r="http://schemas.openxmlformats.org/officeDocument/2006/relationships" xmlns:p="http://schemas.openxmlformats.org/presentationml/2006/main">
   <p:cSld>
     <p:spTree>
@@ -32560,7 +32341,7 @@
 </p:sld>
 </file>
 
-<file path=ppt/slides/slide36.xml><?xml version="1.0" encoding="utf-8"?>
+<file path=ppt/slides/slide35.xml><?xml version="1.0" encoding="utf-8"?>
 <p:sld xmlns:a="http://schemas.openxmlformats.org/drawingml/2006/main" xmlns:r="http://schemas.openxmlformats.org/officeDocument/2006/relationships" xmlns:p="http://schemas.openxmlformats.org/presentationml/2006/main">
   <p:cSld>
     <p:spTree>
@@ -32734,7 +32515,7 @@
 </p:sld>
 </file>
 
-<file path=ppt/slides/slide37.xml><?xml version="1.0" encoding="utf-8"?>
+<file path=ppt/slides/slide36.xml><?xml version="1.0" encoding="utf-8"?>
 <p:sld xmlns:a="http://schemas.openxmlformats.org/drawingml/2006/main" xmlns:r="http://schemas.openxmlformats.org/officeDocument/2006/relationships" xmlns:p="http://schemas.openxmlformats.org/presentationml/2006/main">
   <p:cSld>
     <p:spTree>
@@ -33091,7 +32872,7 @@
 </p:sld>
 </file>
 
-<file path=ppt/slides/slide38.xml><?xml version="1.0" encoding="utf-8"?>
+<file path=ppt/slides/slide37.xml><?xml version="1.0" encoding="utf-8"?>
 <p:sld xmlns:a="http://schemas.openxmlformats.org/drawingml/2006/main" xmlns:r="http://schemas.openxmlformats.org/officeDocument/2006/relationships" xmlns:p="http://schemas.openxmlformats.org/presentationml/2006/main">
   <p:cSld>
     <p:spTree>
@@ -33412,7 +33193,7 @@
 </p:sld>
 </file>
 
-<file path=ppt/slides/slide39.xml><?xml version="1.0" encoding="utf-8"?>
+<file path=ppt/slides/slide38.xml><?xml version="1.0" encoding="utf-8"?>
 <p:sld xmlns:a="http://schemas.openxmlformats.org/drawingml/2006/main" xmlns:r="http://schemas.openxmlformats.org/officeDocument/2006/relationships" xmlns:p="http://schemas.openxmlformats.org/presentationml/2006/main">
   <p:cSld>
     <p:spTree>
@@ -33721,6 +33502,341 @@
               <a:buNone/>
             </a:pPr>
             <a:endParaRPr sz="1600" b="0" i="0" u="none" strike="noStrike" cap="none" dirty="0">
+              <a:solidFill>
+                <a:srgbClr val="3F3F3F"/>
+              </a:solidFill>
+              <a:latin typeface="Trebuchet MS"/>
+              <a:ea typeface="Trebuchet MS"/>
+              <a:cs typeface="Trebuchet MS"/>
+              <a:sym typeface="Trebuchet MS"/>
+            </a:endParaRPr>
+          </a:p>
+        </p:txBody>
+      </p:sp>
+    </p:spTree>
+  </p:cSld>
+  <p:clrMapOvr>
+    <a:masterClrMapping/>
+  </p:clrMapOvr>
+</p:sld>
+</file>
+
+<file path=ppt/slides/slide39.xml><?xml version="1.0" encoding="utf-8"?>
+<p:sld xmlns:a="http://schemas.openxmlformats.org/drawingml/2006/main" xmlns:r="http://schemas.openxmlformats.org/officeDocument/2006/relationships" xmlns:p="http://schemas.openxmlformats.org/presentationml/2006/main">
+  <p:cSld>
+    <p:spTree>
+      <p:nvGrpSpPr>
+        <p:cNvPr id="1" name="Shape 457"/>
+        <p:cNvGrpSpPr/>
+        <p:nvPr/>
+      </p:nvGrpSpPr>
+      <p:grpSpPr>
+        <a:xfrm>
+          <a:off x="0" y="0"/>
+          <a:ext cx="0" cy="0"/>
+          <a:chOff x="0" y="0"/>
+          <a:chExt cx="0" cy="0"/>
+        </a:xfrm>
+      </p:grpSpPr>
+      <p:sp>
+        <p:nvSpPr>
+          <p:cNvPr id="458" name="Shape 458"/>
+          <p:cNvSpPr txBox="1">
+            <a:spLocks noGrp="1"/>
+          </p:cNvSpPr>
+          <p:nvPr>
+            <p:ph type="title"/>
+          </p:nvPr>
+        </p:nvSpPr>
+        <p:spPr>
+          <a:xfrm>
+            <a:off x="677333" y="185531"/>
+            <a:ext cx="8596668" cy="271669"/>
+          </a:xfrm>
+          <a:prstGeom prst="rect">
+            <a:avLst/>
+          </a:prstGeom>
+          <a:noFill/>
+          <a:ln>
+            <a:noFill/>
+          </a:ln>
+        </p:spPr>
+        <p:txBody>
+          <a:bodyPr lIns="91425" tIns="45700" rIns="91425" bIns="45700" anchor="t" anchorCtr="0">
+            <a:noAutofit/>
+          </a:bodyPr>
+          <a:lstStyle/>
+          <a:p>
+            <a:pPr marL="0" marR="0" lvl="0" indent="0" algn="l" rtl="0">
+              <a:spcBef>
+                <a:spcPts val="0"/>
+              </a:spcBef>
+              <a:buClr>
+                <a:schemeClr val="accent1"/>
+              </a:buClr>
+              <a:buSzPct val="25000"/>
+              <a:buFont typeface="Trebuchet MS"/>
+              <a:buNone/>
+            </a:pPr>
+            <a:r>
+              <a:rPr lang="en-US" sz="1400" b="0" i="0" u="none" strike="noStrike" cap="none" dirty="0">
+                <a:solidFill>
+                  <a:schemeClr val="accent1"/>
+                </a:solidFill>
+                <a:latin typeface="Trebuchet MS"/>
+                <a:ea typeface="Trebuchet MS"/>
+                <a:cs typeface="Trebuchet MS"/>
+                <a:sym typeface="Trebuchet MS"/>
+              </a:rPr>
+              <a:t>Java : IO</a:t>
+            </a:r>
+          </a:p>
+        </p:txBody>
+      </p:sp>
+      <p:sp>
+        <p:nvSpPr>
+          <p:cNvPr id="459" name="Shape 459"/>
+          <p:cNvSpPr txBox="1">
+            <a:spLocks noGrp="1"/>
+          </p:cNvSpPr>
+          <p:nvPr>
+            <p:ph type="body" idx="1"/>
+          </p:nvPr>
+        </p:nvSpPr>
+        <p:spPr>
+          <a:xfrm>
+            <a:off x="677333" y="609600"/>
+            <a:ext cx="8596668" cy="5963479"/>
+          </a:xfrm>
+          <a:prstGeom prst="rect">
+            <a:avLst/>
+          </a:prstGeom>
+          <a:noFill/>
+          <a:ln>
+            <a:noFill/>
+          </a:ln>
+        </p:spPr>
+        <p:txBody>
+          <a:bodyPr lIns="91425" tIns="45700" rIns="91425" bIns="45700" anchor="t" anchorCtr="0">
+            <a:noAutofit/>
+          </a:bodyPr>
+          <a:lstStyle/>
+          <a:p>
+            <a:pPr marL="342900" lvl="0" indent="-342900">
+              <a:lnSpc>
+                <a:spcPct val="90000"/>
+              </a:lnSpc>
+              <a:buSzPct val="80000"/>
+            </a:pPr>
+            <a:r>
+              <a:rPr lang="en-US" sz="1200" dirty="0"/>
+              <a:t>Encoding schemes:</a:t>
+            </a:r>
+          </a:p>
+          <a:p>
+            <a:pPr marL="742950" lvl="1" indent="-342900">
+              <a:lnSpc>
+                <a:spcPct val="90000"/>
+              </a:lnSpc>
+            </a:pPr>
+            <a:r>
+              <a:rPr lang="en-US" sz="1200" dirty="0"/>
+              <a:t>There are multiple encoding schemes, which define how a character is mapped to corresponding number.  ASCII,UNICODE etc.</a:t>
+            </a:r>
+          </a:p>
+          <a:p>
+            <a:pPr marL="342900" lvl="0" indent="-342900">
+              <a:lnSpc>
+                <a:spcPct val="90000"/>
+              </a:lnSpc>
+              <a:buSzPct val="80000"/>
+            </a:pPr>
+            <a:r>
+              <a:rPr lang="en-US" sz="1200" dirty="0"/>
+              <a:t>ASCII	</a:t>
+            </a:r>
+          </a:p>
+          <a:p>
+            <a:pPr marL="742950" lvl="1" indent="-342900">
+              <a:lnSpc>
+                <a:spcPct val="90000"/>
+              </a:lnSpc>
+            </a:pPr>
+            <a:r>
+              <a:rPr lang="en-US" sz="1200" dirty="0"/>
+              <a:t>American Standard Code for Information Interchange</a:t>
+            </a:r>
+          </a:p>
+          <a:p>
+            <a:pPr marL="742950" lvl="1" indent="-342900">
+              <a:lnSpc>
+                <a:spcPct val="90000"/>
+              </a:lnSpc>
+            </a:pPr>
+            <a:r>
+              <a:rPr lang="en-US" sz="1200" dirty="0"/>
+              <a:t>It is one of the early character-encoding standards</a:t>
+            </a:r>
+          </a:p>
+          <a:p>
+            <a:pPr marL="742950" lvl="1" indent="-342900">
+              <a:lnSpc>
+                <a:spcPct val="90000"/>
+              </a:lnSpc>
+            </a:pPr>
+            <a:r>
+              <a:rPr lang="en-US" sz="1200" dirty="0"/>
+              <a:t>Because computers were invented by English speaking world, all the characters used in English language are identified which include numbers, lower case letters, upper case letters and special characters. There are 128 such characters. </a:t>
+            </a:r>
+          </a:p>
+          <a:p>
+            <a:pPr marL="742950" lvl="1" indent="-342900">
+              <a:lnSpc>
+                <a:spcPct val="90000"/>
+              </a:lnSpc>
+            </a:pPr>
+            <a:r>
+              <a:rPr lang="en-US" sz="1200" dirty="0"/>
+              <a:t>Those 128 characters mapped to the numbers 0-127.</a:t>
+            </a:r>
+          </a:p>
+          <a:p>
+            <a:pPr marL="342900" lvl="0" indent="-342900">
+              <a:lnSpc>
+                <a:spcPct val="90000"/>
+              </a:lnSpc>
+              <a:buSzPct val="80000"/>
+            </a:pPr>
+            <a:r>
+              <a:rPr lang="en-US" sz="1200" dirty="0"/>
+              <a:t>Drawbacks of ASCII </a:t>
+            </a:r>
+          </a:p>
+          <a:p>
+            <a:pPr marL="742950" lvl="1" indent="-342900">
+              <a:lnSpc>
+                <a:spcPct val="90000"/>
+              </a:lnSpc>
+            </a:pPr>
+            <a:r>
+              <a:rPr lang="en-US" sz="1200" dirty="0"/>
+              <a:t>ASCII has only characters from English. </a:t>
+            </a:r>
+          </a:p>
+          <a:p>
+            <a:pPr marL="742950" lvl="1" indent="-342900">
+              <a:lnSpc>
+                <a:spcPct val="90000"/>
+              </a:lnSpc>
+            </a:pPr>
+            <a:r>
+              <a:rPr lang="en-US" sz="1200" dirty="0"/>
+              <a:t>But when Internet became popular, people with different languages using different character sets started communicating with each other, Issues of not identifying characters from different languages started arising.</a:t>
+            </a:r>
+          </a:p>
+          <a:p>
+            <a:pPr marL="342900" lvl="0" indent="-342900">
+              <a:lnSpc>
+                <a:spcPct val="90000"/>
+              </a:lnSpc>
+              <a:buSzPct val="80000"/>
+            </a:pPr>
+            <a:r>
+              <a:rPr lang="en-US" sz="1200" dirty="0"/>
+              <a:t>UNICODE	</a:t>
+            </a:r>
+          </a:p>
+          <a:p>
+            <a:pPr marL="742950" lvl="1" indent="-342900">
+              <a:lnSpc>
+                <a:spcPct val="90000"/>
+              </a:lnSpc>
+            </a:pPr>
+            <a:r>
+              <a:rPr lang="en-US" sz="1200" dirty="0"/>
+              <a:t>To solve the problem with ASCII, entered UNICODE consortium, where people from different countries speaking different languages came together and tried to standardize encoding by giving place to characters used in all languages using encoding schemes defined by Unicode.</a:t>
+            </a:r>
+          </a:p>
+          <a:p>
+            <a:pPr marL="742950" lvl="1" indent="-342900">
+              <a:lnSpc>
+                <a:spcPct val="90000"/>
+              </a:lnSpc>
+            </a:pPr>
+            <a:r>
+              <a:rPr lang="en-US" sz="1200" dirty="0"/>
+              <a:t>Unicode is super set of ASCII. It has all ASCII characters plus characters from all the languages</a:t>
+            </a:r>
+          </a:p>
+          <a:p>
+            <a:pPr marL="742950" lvl="1" indent="-342900">
+              <a:lnSpc>
+                <a:spcPct val="90000"/>
+              </a:lnSpc>
+            </a:pPr>
+            <a:r>
+              <a:rPr lang="en-US" sz="1200" dirty="0"/>
+              <a:t>There are many Unicode encoding schemes. Out of them UTF-32, UTF-16 and UTF-8 are famous.</a:t>
+            </a:r>
+          </a:p>
+          <a:p>
+            <a:pPr marL="742950" lvl="1" indent="-342900">
+              <a:lnSpc>
+                <a:spcPct val="90000"/>
+              </a:lnSpc>
+            </a:pPr>
+            <a:r>
+              <a:rPr lang="en-US" sz="1200" dirty="0"/>
+              <a:t>Out of these three, UTF-8 encoding scheme stands out for various good reasons.</a:t>
+            </a:r>
+          </a:p>
+          <a:p>
+            <a:pPr marL="742950" marR="0" lvl="1" indent="-285750" algn="l" rtl="0">
+              <a:lnSpc>
+                <a:spcPct val="80000"/>
+              </a:lnSpc>
+              <a:spcBef>
+                <a:spcPts val="1000"/>
+              </a:spcBef>
+              <a:spcAft>
+                <a:spcPts val="0"/>
+              </a:spcAft>
+              <a:buClr>
+                <a:schemeClr val="accent1"/>
+              </a:buClr>
+              <a:buSzPct val="79692"/>
+              <a:buFont typeface="Noto Sans Symbols"/>
+              <a:buNone/>
+            </a:pPr>
+            <a:endParaRPr sz="1295" b="0" i="0" u="none" strike="noStrike" cap="none" dirty="0">
+              <a:solidFill>
+                <a:srgbClr val="3F3F3F"/>
+              </a:solidFill>
+              <a:latin typeface="Trebuchet MS"/>
+              <a:ea typeface="Trebuchet MS"/>
+              <a:cs typeface="Trebuchet MS"/>
+              <a:sym typeface="Trebuchet MS"/>
+            </a:endParaRPr>
+          </a:p>
+          <a:p>
+            <a:pPr marL="742950" marR="0" lvl="1" indent="-285750" algn="l" rtl="0">
+              <a:lnSpc>
+                <a:spcPct val="80000"/>
+              </a:lnSpc>
+              <a:spcBef>
+                <a:spcPts val="1000"/>
+              </a:spcBef>
+              <a:spcAft>
+                <a:spcPts val="0"/>
+              </a:spcAft>
+              <a:buClr>
+                <a:schemeClr val="accent1"/>
+              </a:buClr>
+              <a:buSzPct val="79692"/>
+              <a:buFont typeface="Noto Sans Symbols"/>
+              <a:buNone/>
+            </a:pPr>
+            <a:endParaRPr sz="1295" b="0" i="0" u="none" strike="noStrike" cap="none" dirty="0">
               <a:solidFill>
                 <a:srgbClr val="3F3F3F"/>
               </a:solidFill>
@@ -33829,11 +33945,9 @@
             </a:r>
           </a:p>
           <a:p>
-            <a:pPr lvl="1" indent="-342900"/>
-            <a:endParaRPr lang="en-US" sz="1000" dirty="0"/>
-          </a:p>
-          <a:p>
-            <a:pPr lvl="1" indent="-342900"/>
+            <a:pPr marL="342900" lvl="1" indent="-342900">
+              <a:buSzPct val="79999"/>
+            </a:pPr>
             <a:r>
               <a:rPr lang="en-US" sz="1200" dirty="0"/>
               <a:t>Comments:</a:t>
@@ -33873,15 +33987,78 @@
               <a:rPr lang="en-US" dirty="0"/>
               <a:t>=&gt; Select multiple lines which you want comment =&gt; CONTROL+SHIFT+\</a:t>
             </a:r>
-          </a:p>
-          <a:p>
-            <a:pPr lvl="3" indent="-342900"/>
-            <a:endParaRPr lang="en-US" sz="1100" dirty="0"/>
-          </a:p>
-          <a:p>
-            <a:pPr lvl="1" indent="-342900"/>
-            <a:r>
-              <a:rPr lang="en-US" sz="1500" dirty="0"/>
+            <a:endParaRPr lang="en-US" sz="1200" dirty="0"/>
+          </a:p>
+          <a:p>
+            <a:pPr marL="342900" lvl="1" indent="-342900">
+              <a:buSzPct val="79999"/>
+            </a:pPr>
+            <a:r>
+              <a:rPr lang="en-US" sz="1200" dirty="0"/>
+              <a:t>Auto Completion:</a:t>
+            </a:r>
+          </a:p>
+          <a:p>
+            <a:pPr marL="742950" lvl="2" indent="-342900">
+              <a:buSzPct val="79999"/>
+            </a:pPr>
+            <a:r>
+              <a:rPr lang="en-US" sz="1000" dirty="0" err="1"/>
+              <a:t>CONTROL+Space</a:t>
+            </a:r>
+            <a:endParaRPr lang="en-US" sz="1000" dirty="0"/>
+          </a:p>
+          <a:p>
+            <a:pPr marL="742950" lvl="2" indent="-342900">
+              <a:buSzPct val="79999"/>
+            </a:pPr>
+            <a:r>
+              <a:rPr lang="en-US" sz="1000" dirty="0"/>
+              <a:t>Example : </a:t>
+            </a:r>
+          </a:p>
+          <a:p>
+            <a:pPr marL="1200150" lvl="3" indent="-342900">
+              <a:buSzPct val="79999"/>
+            </a:pPr>
+            <a:r>
+              <a:rPr lang="en-US" sz="1000" dirty="0"/>
+              <a:t>Type main and </a:t>
+            </a:r>
+            <a:r>
+              <a:rPr lang="en-US" sz="1000" dirty="0" err="1"/>
+              <a:t>CONTROL+Space</a:t>
+            </a:r>
+            <a:endParaRPr lang="en-US" sz="1000" dirty="0"/>
+          </a:p>
+          <a:p>
+            <a:pPr marL="1200150" lvl="3" indent="-342900">
+              <a:buSzPct val="79999"/>
+            </a:pPr>
+            <a:r>
+              <a:rPr lang="en-US" sz="1000" dirty="0"/>
+              <a:t>Type </a:t>
+            </a:r>
+            <a:r>
+              <a:rPr lang="en-US" sz="1000" dirty="0" err="1"/>
+              <a:t>syso</a:t>
+            </a:r>
+            <a:r>
+              <a:rPr lang="en-US" sz="1000" dirty="0"/>
+              <a:t>=&gt; </a:t>
+            </a:r>
+            <a:r>
+              <a:rPr lang="en-US" sz="1000" dirty="0" err="1"/>
+              <a:t>CONTROL+Space</a:t>
+            </a:r>
+            <a:endParaRPr lang="en-US" sz="800" dirty="0"/>
+          </a:p>
+          <a:p>
+            <a:pPr marL="342900" lvl="1" indent="-342900">
+              <a:buSzPct val="79999"/>
+            </a:pPr>
+            <a:r>
+              <a:rPr lang="en-US" sz="1200" dirty="0"/>
               <a:t>Printing values to console:</a:t>
             </a:r>
           </a:p>
@@ -33908,39 +34085,10 @@
             </a:r>
           </a:p>
           <a:p>
-            <a:pPr lvl="2" indent="-342900"/>
-            <a:r>
-              <a:rPr lang="en-US" sz="1300" dirty="0"/>
-              <a:t>Type </a:t>
-            </a:r>
-            <a:r>
-              <a:rPr lang="en-US" sz="1300" dirty="0" err="1"/>
-              <a:t>syso</a:t>
-            </a:r>
-            <a:r>
-              <a:rPr lang="en-US" sz="1300" dirty="0"/>
-              <a:t>=&gt; </a:t>
-            </a:r>
-            <a:r>
-              <a:rPr lang="en-US" sz="1300" dirty="0" err="1"/>
-              <a:t>CONTROL+Space</a:t>
-            </a:r>
-            <a:endParaRPr lang="en-US" sz="1300" dirty="0"/>
-          </a:p>
-          <a:p>
-            <a:pPr lvl="1" indent="-342900"/>
-            <a:r>
-              <a:rPr lang="en-US" sz="1500" dirty="0"/>
-              <a:t>Auto Completion:</a:t>
-            </a:r>
-          </a:p>
-          <a:p>
-            <a:pPr lvl="2" indent="-342900"/>
-            <a:r>
-              <a:rPr lang="en-US" sz="1300" dirty="0" err="1"/>
-              <a:t>CONTROL+Space</a:t>
-            </a:r>
-            <a:endParaRPr lang="en-US" sz="1300" dirty="0"/>
+            <a:pPr marL="1200150" lvl="3" indent="-342900">
+              <a:buSzPct val="79999"/>
+            </a:pPr>
+            <a:endParaRPr lang="en-US" sz="800" dirty="0"/>
           </a:p>
           <a:p>
             <a:pPr marL="742950" marR="0" lvl="1" indent="-285750" algn="l" rtl="0">
@@ -34145,341 +34293,6 @@
 </file>
 
 <file path=ppt/slides/slide40.xml><?xml version="1.0" encoding="utf-8"?>
-<p:sld xmlns:a="http://schemas.openxmlformats.org/drawingml/2006/main" xmlns:r="http://schemas.openxmlformats.org/officeDocument/2006/relationships" xmlns:p="http://schemas.openxmlformats.org/presentationml/2006/main">
-  <p:cSld>
-    <p:spTree>
-      <p:nvGrpSpPr>
-        <p:cNvPr id="1" name="Shape 457"/>
-        <p:cNvGrpSpPr/>
-        <p:nvPr/>
-      </p:nvGrpSpPr>
-      <p:grpSpPr>
-        <a:xfrm>
-          <a:off x="0" y="0"/>
-          <a:ext cx="0" cy="0"/>
-          <a:chOff x="0" y="0"/>
-          <a:chExt cx="0" cy="0"/>
-        </a:xfrm>
-      </p:grpSpPr>
-      <p:sp>
-        <p:nvSpPr>
-          <p:cNvPr id="458" name="Shape 458"/>
-          <p:cNvSpPr txBox="1">
-            <a:spLocks noGrp="1"/>
-          </p:cNvSpPr>
-          <p:nvPr>
-            <p:ph type="title"/>
-          </p:nvPr>
-        </p:nvSpPr>
-        <p:spPr>
-          <a:xfrm>
-            <a:off x="677333" y="185531"/>
-            <a:ext cx="8596668" cy="271669"/>
-          </a:xfrm>
-          <a:prstGeom prst="rect">
-            <a:avLst/>
-          </a:prstGeom>
-          <a:noFill/>
-          <a:ln>
-            <a:noFill/>
-          </a:ln>
-        </p:spPr>
-        <p:txBody>
-          <a:bodyPr lIns="91425" tIns="45700" rIns="91425" bIns="45700" anchor="t" anchorCtr="0">
-            <a:noAutofit/>
-          </a:bodyPr>
-          <a:lstStyle/>
-          <a:p>
-            <a:pPr marL="0" marR="0" lvl="0" indent="0" algn="l" rtl="0">
-              <a:spcBef>
-                <a:spcPts val="0"/>
-              </a:spcBef>
-              <a:buClr>
-                <a:schemeClr val="accent1"/>
-              </a:buClr>
-              <a:buSzPct val="25000"/>
-              <a:buFont typeface="Trebuchet MS"/>
-              <a:buNone/>
-            </a:pPr>
-            <a:r>
-              <a:rPr lang="en-US" sz="1400" b="0" i="0" u="none" strike="noStrike" cap="none" dirty="0">
-                <a:solidFill>
-                  <a:schemeClr val="accent1"/>
-                </a:solidFill>
-                <a:latin typeface="Trebuchet MS"/>
-                <a:ea typeface="Trebuchet MS"/>
-                <a:cs typeface="Trebuchet MS"/>
-                <a:sym typeface="Trebuchet MS"/>
-              </a:rPr>
-              <a:t>Java : IO</a:t>
-            </a:r>
-          </a:p>
-        </p:txBody>
-      </p:sp>
-      <p:sp>
-        <p:nvSpPr>
-          <p:cNvPr id="459" name="Shape 459"/>
-          <p:cNvSpPr txBox="1">
-            <a:spLocks noGrp="1"/>
-          </p:cNvSpPr>
-          <p:nvPr>
-            <p:ph type="body" idx="1"/>
-          </p:nvPr>
-        </p:nvSpPr>
-        <p:spPr>
-          <a:xfrm>
-            <a:off x="677333" y="609600"/>
-            <a:ext cx="8596668" cy="5963479"/>
-          </a:xfrm>
-          <a:prstGeom prst="rect">
-            <a:avLst/>
-          </a:prstGeom>
-          <a:noFill/>
-          <a:ln>
-            <a:noFill/>
-          </a:ln>
-        </p:spPr>
-        <p:txBody>
-          <a:bodyPr lIns="91425" tIns="45700" rIns="91425" bIns="45700" anchor="t" anchorCtr="0">
-            <a:noAutofit/>
-          </a:bodyPr>
-          <a:lstStyle/>
-          <a:p>
-            <a:pPr marL="342900" lvl="0" indent="-342900">
-              <a:lnSpc>
-                <a:spcPct val="90000"/>
-              </a:lnSpc>
-              <a:buSzPct val="80000"/>
-            </a:pPr>
-            <a:r>
-              <a:rPr lang="en-US" sz="1200" dirty="0"/>
-              <a:t>Encoding schemes:</a:t>
-            </a:r>
-          </a:p>
-          <a:p>
-            <a:pPr marL="742950" lvl="1" indent="-342900">
-              <a:lnSpc>
-                <a:spcPct val="90000"/>
-              </a:lnSpc>
-            </a:pPr>
-            <a:r>
-              <a:rPr lang="en-US" sz="1200" dirty="0"/>
-              <a:t>There are multiple encoding schemes, which define how a character is mapped to corresponding number.  ASCII,UNICODE etc.</a:t>
-            </a:r>
-          </a:p>
-          <a:p>
-            <a:pPr marL="342900" lvl="0" indent="-342900">
-              <a:lnSpc>
-                <a:spcPct val="90000"/>
-              </a:lnSpc>
-              <a:buSzPct val="80000"/>
-            </a:pPr>
-            <a:r>
-              <a:rPr lang="en-US" sz="1200" dirty="0"/>
-              <a:t>ASCII	</a:t>
-            </a:r>
-          </a:p>
-          <a:p>
-            <a:pPr marL="742950" lvl="1" indent="-342900">
-              <a:lnSpc>
-                <a:spcPct val="90000"/>
-              </a:lnSpc>
-            </a:pPr>
-            <a:r>
-              <a:rPr lang="en-US" sz="1200" dirty="0"/>
-              <a:t>American Standard Code for Information Interchange</a:t>
-            </a:r>
-          </a:p>
-          <a:p>
-            <a:pPr marL="742950" lvl="1" indent="-342900">
-              <a:lnSpc>
-                <a:spcPct val="90000"/>
-              </a:lnSpc>
-            </a:pPr>
-            <a:r>
-              <a:rPr lang="en-US" sz="1200" dirty="0"/>
-              <a:t>It is one of the early character-encoding standards</a:t>
-            </a:r>
-          </a:p>
-          <a:p>
-            <a:pPr marL="742950" lvl="1" indent="-342900">
-              <a:lnSpc>
-                <a:spcPct val="90000"/>
-              </a:lnSpc>
-            </a:pPr>
-            <a:r>
-              <a:rPr lang="en-US" sz="1200" dirty="0"/>
-              <a:t>Because computers were invented by English speaking world, all the characters used in English language are identified which include numbers, lower case letters, upper case letters and special characters. There are 128 such characters. </a:t>
-            </a:r>
-          </a:p>
-          <a:p>
-            <a:pPr marL="742950" lvl="1" indent="-342900">
-              <a:lnSpc>
-                <a:spcPct val="90000"/>
-              </a:lnSpc>
-            </a:pPr>
-            <a:r>
-              <a:rPr lang="en-US" sz="1200" dirty="0"/>
-              <a:t>Those 128 characters mapped to the numbers 0-127.</a:t>
-            </a:r>
-          </a:p>
-          <a:p>
-            <a:pPr marL="342900" lvl="0" indent="-342900">
-              <a:lnSpc>
-                <a:spcPct val="90000"/>
-              </a:lnSpc>
-              <a:buSzPct val="80000"/>
-            </a:pPr>
-            <a:r>
-              <a:rPr lang="en-US" sz="1200" dirty="0"/>
-              <a:t>Drawbacks of ASCII </a:t>
-            </a:r>
-          </a:p>
-          <a:p>
-            <a:pPr marL="742950" lvl="1" indent="-342900">
-              <a:lnSpc>
-                <a:spcPct val="90000"/>
-              </a:lnSpc>
-            </a:pPr>
-            <a:r>
-              <a:rPr lang="en-US" sz="1200" dirty="0"/>
-              <a:t>ASCII has only characters from English. </a:t>
-            </a:r>
-          </a:p>
-          <a:p>
-            <a:pPr marL="742950" lvl="1" indent="-342900">
-              <a:lnSpc>
-                <a:spcPct val="90000"/>
-              </a:lnSpc>
-            </a:pPr>
-            <a:r>
-              <a:rPr lang="en-US" sz="1200" dirty="0"/>
-              <a:t>But when Internet became popular, people with different languages using different character sets started communicating with each other, Issues of not identifying characters from different languages started arising.</a:t>
-            </a:r>
-          </a:p>
-          <a:p>
-            <a:pPr marL="342900" lvl="0" indent="-342900">
-              <a:lnSpc>
-                <a:spcPct val="90000"/>
-              </a:lnSpc>
-              <a:buSzPct val="80000"/>
-            </a:pPr>
-            <a:r>
-              <a:rPr lang="en-US" sz="1200" dirty="0"/>
-              <a:t>UNICODE	</a:t>
-            </a:r>
-          </a:p>
-          <a:p>
-            <a:pPr marL="742950" lvl="1" indent="-342900">
-              <a:lnSpc>
-                <a:spcPct val="90000"/>
-              </a:lnSpc>
-            </a:pPr>
-            <a:r>
-              <a:rPr lang="en-US" sz="1200" dirty="0"/>
-              <a:t>To solve the problem with ASCII, entered UNICODE consortium, where people from different countries speaking different languages came together and tried to standardize encoding by giving place to characters used in all languages using encoding schemes defined by Unicode.</a:t>
-            </a:r>
-          </a:p>
-          <a:p>
-            <a:pPr marL="742950" lvl="1" indent="-342900">
-              <a:lnSpc>
-                <a:spcPct val="90000"/>
-              </a:lnSpc>
-            </a:pPr>
-            <a:r>
-              <a:rPr lang="en-US" sz="1200" dirty="0"/>
-              <a:t>Unicode is super set of ASCII. It has all ASCII characters plus characters from all the languages</a:t>
-            </a:r>
-          </a:p>
-          <a:p>
-            <a:pPr marL="742950" lvl="1" indent="-342900">
-              <a:lnSpc>
-                <a:spcPct val="90000"/>
-              </a:lnSpc>
-            </a:pPr>
-            <a:r>
-              <a:rPr lang="en-US" sz="1200" dirty="0"/>
-              <a:t>There are many Unicode encoding schemes. Out of them UTF-32, UTF-16 and UTF-8 are famous.</a:t>
-            </a:r>
-          </a:p>
-          <a:p>
-            <a:pPr marL="742950" lvl="1" indent="-342900">
-              <a:lnSpc>
-                <a:spcPct val="90000"/>
-              </a:lnSpc>
-            </a:pPr>
-            <a:r>
-              <a:rPr lang="en-US" sz="1200" dirty="0"/>
-              <a:t>Out of these three, UTF-8 encoding scheme stands out for various good reasons.</a:t>
-            </a:r>
-          </a:p>
-          <a:p>
-            <a:pPr marL="742950" marR="0" lvl="1" indent="-285750" algn="l" rtl="0">
-              <a:lnSpc>
-                <a:spcPct val="80000"/>
-              </a:lnSpc>
-              <a:spcBef>
-                <a:spcPts val="1000"/>
-              </a:spcBef>
-              <a:spcAft>
-                <a:spcPts val="0"/>
-              </a:spcAft>
-              <a:buClr>
-                <a:schemeClr val="accent1"/>
-              </a:buClr>
-              <a:buSzPct val="79692"/>
-              <a:buFont typeface="Noto Sans Symbols"/>
-              <a:buNone/>
-            </a:pPr>
-            <a:endParaRPr sz="1295" b="0" i="0" u="none" strike="noStrike" cap="none" dirty="0">
-              <a:solidFill>
-                <a:srgbClr val="3F3F3F"/>
-              </a:solidFill>
-              <a:latin typeface="Trebuchet MS"/>
-              <a:ea typeface="Trebuchet MS"/>
-              <a:cs typeface="Trebuchet MS"/>
-              <a:sym typeface="Trebuchet MS"/>
-            </a:endParaRPr>
-          </a:p>
-          <a:p>
-            <a:pPr marL="742950" marR="0" lvl="1" indent="-285750" algn="l" rtl="0">
-              <a:lnSpc>
-                <a:spcPct val="80000"/>
-              </a:lnSpc>
-              <a:spcBef>
-                <a:spcPts val="1000"/>
-              </a:spcBef>
-              <a:spcAft>
-                <a:spcPts val="0"/>
-              </a:spcAft>
-              <a:buClr>
-                <a:schemeClr val="accent1"/>
-              </a:buClr>
-              <a:buSzPct val="79692"/>
-              <a:buFont typeface="Noto Sans Symbols"/>
-              <a:buNone/>
-            </a:pPr>
-            <a:endParaRPr sz="1295" b="0" i="0" u="none" strike="noStrike" cap="none" dirty="0">
-              <a:solidFill>
-                <a:srgbClr val="3F3F3F"/>
-              </a:solidFill>
-              <a:latin typeface="Trebuchet MS"/>
-              <a:ea typeface="Trebuchet MS"/>
-              <a:cs typeface="Trebuchet MS"/>
-              <a:sym typeface="Trebuchet MS"/>
-            </a:endParaRPr>
-          </a:p>
-        </p:txBody>
-      </p:sp>
-    </p:spTree>
-  </p:cSld>
-  <p:clrMapOvr>
-    <a:masterClrMapping/>
-  </p:clrMapOvr>
-</p:sld>
-</file>
-
-<file path=ppt/slides/slide41.xml><?xml version="1.0" encoding="utf-8"?>
 <p:sld xmlns:a="http://schemas.openxmlformats.org/drawingml/2006/main" xmlns:r="http://schemas.openxmlformats.org/officeDocument/2006/relationships" xmlns:p="http://schemas.openxmlformats.org/presentationml/2006/main">
   <p:cSld>
     <p:spTree>
@@ -34653,7 +34466,7 @@
 </p:sld>
 </file>
 
-<file path=ppt/slides/slide42.xml><?xml version="1.0" encoding="utf-8"?>
+<file path=ppt/slides/slide41.xml><?xml version="1.0" encoding="utf-8"?>
 <p:sld xmlns:a="http://schemas.openxmlformats.org/drawingml/2006/main" xmlns:r="http://schemas.openxmlformats.org/officeDocument/2006/relationships" xmlns:p="http://schemas.openxmlformats.org/presentationml/2006/main">
   <p:cSld>
     <p:spTree>
@@ -34897,7 +34710,7 @@
 </p:sld>
 </file>
 
-<file path=ppt/slides/slide43.xml><?xml version="1.0" encoding="utf-8"?>
+<file path=ppt/slides/slide42.xml><?xml version="1.0" encoding="utf-8"?>
 <p:sld xmlns:a="http://schemas.openxmlformats.org/drawingml/2006/main" xmlns:r="http://schemas.openxmlformats.org/officeDocument/2006/relationships" xmlns:p="http://schemas.openxmlformats.org/presentationml/2006/main">
   <p:cSld>
     <p:spTree>
@@ -35267,7 +35080,7 @@
 </p:sld>
 </file>
 
-<file path=ppt/slides/slide44.xml><?xml version="1.0" encoding="utf-8"?>
+<file path=ppt/slides/slide43.xml><?xml version="1.0" encoding="utf-8"?>
 <p:sld xmlns:a="http://schemas.openxmlformats.org/drawingml/2006/main" xmlns:r="http://schemas.openxmlformats.org/officeDocument/2006/relationships" xmlns:p="http://schemas.openxmlformats.org/presentationml/2006/main">
   <p:cSld>
     <p:spTree>
@@ -35693,7 +35506,7 @@
 </p:sld>
 </file>
 
-<file path=ppt/slides/slide45.xml><?xml version="1.0" encoding="utf-8"?>
+<file path=ppt/slides/slide44.xml><?xml version="1.0" encoding="utf-8"?>
 <p:sld xmlns:a="http://schemas.openxmlformats.org/drawingml/2006/main" xmlns:r="http://schemas.openxmlformats.org/officeDocument/2006/relationships" xmlns:p="http://schemas.openxmlformats.org/presentationml/2006/main">
   <p:cSld>
     <p:spTree>
@@ -35999,7 +35812,7 @@
 </p:sld>
 </file>
 
-<file path=ppt/slides/slide46.xml><?xml version="1.0" encoding="utf-8"?>
+<file path=ppt/slides/slide45.xml><?xml version="1.0" encoding="utf-8"?>
 <p:sld xmlns:a="http://schemas.openxmlformats.org/drawingml/2006/main" xmlns:r="http://schemas.openxmlformats.org/officeDocument/2006/relationships" xmlns:p="http://schemas.openxmlformats.org/presentationml/2006/main">
   <p:cSld>
     <p:spTree>
@@ -36272,7 +36085,7 @@
 </p:sld>
 </file>
 
-<file path=ppt/slides/slide47.xml><?xml version="1.0" encoding="utf-8"?>
+<file path=ppt/slides/slide46.xml><?xml version="1.0" encoding="utf-8"?>
 <p:sld xmlns:a="http://schemas.openxmlformats.org/drawingml/2006/main" xmlns:r="http://schemas.openxmlformats.org/officeDocument/2006/relationships" xmlns:p="http://schemas.openxmlformats.org/presentationml/2006/main">
   <p:cSld>
     <p:bg>
@@ -36554,7 +36367,7 @@
 </p:sld>
 </file>
 
-<file path=ppt/slides/slide48.xml><?xml version="1.0" encoding="utf-8"?>
+<file path=ppt/slides/slide47.xml><?xml version="1.0" encoding="utf-8"?>
 <p:sld xmlns:a="http://schemas.openxmlformats.org/drawingml/2006/main" xmlns:r="http://schemas.openxmlformats.org/officeDocument/2006/relationships" xmlns:p="http://schemas.openxmlformats.org/presentationml/2006/main">
   <p:cSld>
     <p:spTree>
@@ -36785,7 +36598,7 @@
 </p:sld>
 </file>
 
-<file path=ppt/slides/slide49.xml><?xml version="1.0" encoding="utf-8"?>
+<file path=ppt/slides/slide48.xml><?xml version="1.0" encoding="utf-8"?>
 <p:sld xmlns:a="http://schemas.openxmlformats.org/drawingml/2006/main" xmlns:r="http://schemas.openxmlformats.org/officeDocument/2006/relationships" xmlns:p="http://schemas.openxmlformats.org/presentationml/2006/main">
   <p:cSld>
     <p:spTree>
@@ -37143,147 +36956,7 @@
 </p:sld>
 </file>
 
-<file path=ppt/slides/slide5.xml><?xml version="1.0" encoding="utf-8"?>
-<p:sld xmlns:a="http://schemas.openxmlformats.org/drawingml/2006/main" xmlns:r="http://schemas.openxmlformats.org/officeDocument/2006/relationships" xmlns:p="http://schemas.openxmlformats.org/presentationml/2006/main">
-  <p:cSld>
-    <p:spTree>
-      <p:nvGrpSpPr>
-        <p:cNvPr id="1" name=""/>
-        <p:cNvGrpSpPr/>
-        <p:nvPr/>
-      </p:nvGrpSpPr>
-      <p:grpSpPr>
-        <a:xfrm>
-          <a:off x="0" y="0"/>
-          <a:ext cx="0" cy="0"/>
-          <a:chOff x="0" y="0"/>
-          <a:chExt cx="0" cy="0"/>
-        </a:xfrm>
-      </p:grpSpPr>
-      <p:sp>
-        <p:nvSpPr>
-          <p:cNvPr id="2" name="Title 1">
-            <a:extLst>
-              <a:ext uri="{FF2B5EF4-FFF2-40B4-BE49-F238E27FC236}">
-                <a16:creationId xmlns:a16="http://schemas.microsoft.com/office/drawing/2014/main" id="{F690F124-10E5-4E9F-835E-CFE7C442001D}"/>
-              </a:ext>
-            </a:extLst>
-          </p:cNvPr>
-          <p:cNvSpPr>
-            <a:spLocks noGrp="1"/>
-          </p:cNvSpPr>
-          <p:nvPr>
-            <p:ph type="title"/>
-          </p:nvPr>
-        </p:nvSpPr>
-        <p:spPr/>
-        <p:txBody>
-          <a:bodyPr/>
-          <a:lstStyle/>
-          <a:p>
-            <a:endParaRPr lang="en-GB"/>
-          </a:p>
-        </p:txBody>
-      </p:sp>
-      <p:sp>
-        <p:nvSpPr>
-          <p:cNvPr id="3" name="Text Placeholder 2">
-            <a:extLst>
-              <a:ext uri="{FF2B5EF4-FFF2-40B4-BE49-F238E27FC236}">
-                <a16:creationId xmlns:a16="http://schemas.microsoft.com/office/drawing/2014/main" id="{2B84E6AA-6CBB-489E-A9D7-3577E3882B14}"/>
-              </a:ext>
-            </a:extLst>
-          </p:cNvPr>
-          <p:cNvSpPr>
-            <a:spLocks noGrp="1"/>
-          </p:cNvSpPr>
-          <p:nvPr>
-            <p:ph type="body" idx="1"/>
-          </p:nvPr>
-        </p:nvSpPr>
-        <p:spPr/>
-        <p:txBody>
-          <a:bodyPr/>
-          <a:lstStyle/>
-          <a:p>
-            <a:r>
-              <a:rPr lang="en-GB" dirty="0"/>
-              <a:t>Except Class name, every thing </a:t>
-            </a:r>
-            <a:r>
-              <a:rPr lang="en-GB" dirty="0" err="1"/>
-              <a:t>should;d</a:t>
-            </a:r>
-            <a:r>
-              <a:rPr lang="en-GB" dirty="0"/>
-              <a:t> start with small letter</a:t>
-            </a:r>
-          </a:p>
-          <a:p>
-            <a:pPr lvl="1"/>
-            <a:r>
-              <a:rPr lang="en-GB" dirty="0"/>
-              <a:t>Project name, package name, variable names, method names	</a:t>
-            </a:r>
-          </a:p>
-          <a:p>
-            <a:r>
-              <a:rPr lang="en-GB" dirty="0"/>
-              <a:t>Class name should always start with Capital letter</a:t>
-            </a:r>
-          </a:p>
-          <a:p>
-            <a:r>
-              <a:rPr lang="en-GB" dirty="0"/>
-              <a:t>For Variable names and Method names:</a:t>
-            </a:r>
-          </a:p>
-          <a:p>
-            <a:pPr lvl="1"/>
-            <a:r>
-              <a:rPr lang="en-GB" dirty="0"/>
-              <a:t>Should always start with small letter</a:t>
-            </a:r>
-          </a:p>
-          <a:p>
-            <a:pPr lvl="1"/>
-            <a:r>
-              <a:rPr lang="en-GB" dirty="0"/>
-              <a:t>If there is a new word in the names, new word name should always start </a:t>
-            </a:r>
-            <a:r>
-              <a:rPr lang="en-GB"/>
-              <a:t>with </a:t>
-            </a:r>
-            <a:r>
-              <a:rPr lang="en-GB" dirty="0"/>
-              <a:t>c</a:t>
-            </a:r>
-            <a:r>
-              <a:rPr lang="en-GB"/>
-              <a:t>apital </a:t>
-            </a:r>
-            <a:r>
-              <a:rPr lang="en-GB" dirty="0"/>
-              <a:t>letter</a:t>
-            </a:r>
-          </a:p>
-        </p:txBody>
-      </p:sp>
-    </p:spTree>
-    <p:extLst>
-      <p:ext uri="{BB962C8B-B14F-4D97-AF65-F5344CB8AC3E}">
-        <p14:creationId xmlns:p14="http://schemas.microsoft.com/office/powerpoint/2010/main" val="1330179826"/>
-      </p:ext>
-    </p:extLst>
-  </p:cSld>
-  <p:clrMapOvr>
-    <a:masterClrMapping/>
-  </p:clrMapOvr>
-</p:sld>
-</file>
-
-<file path=ppt/slides/slide50.xml><?xml version="1.0" encoding="utf-8"?>
+<file path=ppt/slides/slide49.xml><?xml version="1.0" encoding="utf-8"?>
 <p:sld xmlns:a="http://schemas.openxmlformats.org/drawingml/2006/main" xmlns:r="http://schemas.openxmlformats.org/officeDocument/2006/relationships" xmlns:p="http://schemas.openxmlformats.org/presentationml/2006/main">
   <p:cSld>
     <p:spTree>
@@ -37714,7 +37387,208 @@
 </p:sld>
 </file>
 
-<file path=ppt/slides/slide51.xml><?xml version="1.0" encoding="utf-8"?>
+<file path=ppt/slides/slide5.xml><?xml version="1.0" encoding="utf-8"?>
+<p:sld xmlns:a="http://schemas.openxmlformats.org/drawingml/2006/main" xmlns:r="http://schemas.openxmlformats.org/officeDocument/2006/relationships" xmlns:p="http://schemas.openxmlformats.org/presentationml/2006/main">
+  <p:cSld>
+    <p:spTree>
+      <p:nvGrpSpPr>
+        <p:cNvPr id="1" name=""/>
+        <p:cNvGrpSpPr/>
+        <p:nvPr/>
+      </p:nvGrpSpPr>
+      <p:grpSpPr>
+        <a:xfrm>
+          <a:off x="0" y="0"/>
+          <a:ext cx="0" cy="0"/>
+          <a:chOff x="0" y="0"/>
+          <a:chExt cx="0" cy="0"/>
+        </a:xfrm>
+      </p:grpSpPr>
+      <p:sp>
+        <p:nvSpPr>
+          <p:cNvPr id="2" name="Title 1">
+            <a:extLst>
+              <a:ext uri="{FF2B5EF4-FFF2-40B4-BE49-F238E27FC236}">
+                <a16:creationId xmlns:a16="http://schemas.microsoft.com/office/drawing/2014/main" id="{F690F124-10E5-4E9F-835E-CFE7C442001D}"/>
+              </a:ext>
+            </a:extLst>
+          </p:cNvPr>
+          <p:cNvSpPr>
+            <a:spLocks noGrp="1"/>
+          </p:cNvSpPr>
+          <p:nvPr>
+            <p:ph type="title"/>
+          </p:nvPr>
+        </p:nvSpPr>
+        <p:spPr>
+          <a:xfrm>
+            <a:off x="705042" y="457200"/>
+            <a:ext cx="8596668" cy="533400"/>
+          </a:xfrm>
+        </p:spPr>
+        <p:txBody>
+          <a:bodyPr/>
+          <a:lstStyle/>
+          <a:p>
+            <a:r>
+              <a:rPr lang="en-GB" sz="1800" dirty="0"/>
+              <a:t>Java : Naming Conventions</a:t>
+            </a:r>
+          </a:p>
+        </p:txBody>
+      </p:sp>
+      <p:sp>
+        <p:nvSpPr>
+          <p:cNvPr id="3" name="Text Placeholder 2">
+            <a:extLst>
+              <a:ext uri="{FF2B5EF4-FFF2-40B4-BE49-F238E27FC236}">
+                <a16:creationId xmlns:a16="http://schemas.microsoft.com/office/drawing/2014/main" id="{2B84E6AA-6CBB-489E-A9D7-3577E3882B14}"/>
+              </a:ext>
+            </a:extLst>
+          </p:cNvPr>
+          <p:cNvSpPr>
+            <a:spLocks noGrp="1"/>
+          </p:cNvSpPr>
+          <p:nvPr>
+            <p:ph type="body" idx="1"/>
+          </p:nvPr>
+        </p:nvSpPr>
+        <p:spPr>
+          <a:xfrm>
+            <a:off x="609600" y="1143000"/>
+            <a:ext cx="8596668" cy="4953000"/>
+          </a:xfrm>
+        </p:spPr>
+        <p:txBody>
+          <a:bodyPr/>
+          <a:lstStyle/>
+          <a:p>
+            <a:r>
+              <a:rPr lang="en-GB" sz="1400" dirty="0"/>
+              <a:t>Strictly no entity should have a space in its name</a:t>
+            </a:r>
+          </a:p>
+          <a:p>
+            <a:r>
+              <a:rPr lang="en-GB" sz="1400" dirty="0"/>
+              <a:t>Except Class name, every thing else should start with small letter</a:t>
+            </a:r>
+          </a:p>
+          <a:p>
+            <a:pPr lvl="1"/>
+            <a:r>
+              <a:rPr lang="en-GB" sz="1400" dirty="0"/>
+              <a:t>Project name:</a:t>
+            </a:r>
+          </a:p>
+          <a:p>
+            <a:pPr lvl="2"/>
+            <a:r>
+              <a:rPr lang="en-GB" sz="1000" dirty="0"/>
+              <a:t>All small characters</a:t>
+            </a:r>
+          </a:p>
+          <a:p>
+            <a:pPr lvl="1"/>
+            <a:r>
+              <a:rPr lang="en-GB" sz="1400" dirty="0"/>
+              <a:t>package name</a:t>
+            </a:r>
+          </a:p>
+          <a:p>
+            <a:pPr lvl="2"/>
+            <a:r>
+              <a:rPr lang="en-GB" sz="1200" dirty="0"/>
+              <a:t>All small characters</a:t>
+            </a:r>
+          </a:p>
+          <a:p>
+            <a:pPr lvl="1"/>
+            <a:r>
+              <a:rPr lang="en-GB" sz="1400" dirty="0"/>
+              <a:t>Class name</a:t>
+            </a:r>
+          </a:p>
+          <a:p>
+            <a:pPr lvl="2"/>
+            <a:r>
+              <a:rPr lang="en-GB" sz="1200" dirty="0"/>
+              <a:t>Should always start with Capital letter</a:t>
+            </a:r>
+          </a:p>
+          <a:p>
+            <a:pPr lvl="2"/>
+            <a:r>
+              <a:rPr lang="en-GB" sz="1200" dirty="0"/>
+              <a:t>If there is a new word in the name, new word name should always start with capital letter</a:t>
+            </a:r>
+          </a:p>
+          <a:p>
+            <a:pPr lvl="1"/>
+            <a:r>
+              <a:rPr lang="en-GB" sz="1400" dirty="0"/>
+              <a:t>Variable name:</a:t>
+            </a:r>
+          </a:p>
+          <a:p>
+            <a:pPr lvl="2"/>
+            <a:r>
+              <a:rPr lang="en-GB" sz="1200" dirty="0"/>
+              <a:t>Should always start with small letter	</a:t>
+            </a:r>
+          </a:p>
+          <a:p>
+            <a:pPr lvl="2"/>
+            <a:r>
+              <a:rPr lang="en-GB" sz="1200" dirty="0"/>
+              <a:t>If there is a new word in the name, new word name should always start with capital letter</a:t>
+            </a:r>
+          </a:p>
+          <a:p>
+            <a:pPr lvl="1"/>
+            <a:r>
+              <a:rPr lang="en-GB" sz="1200" dirty="0"/>
+              <a:t>Method names:</a:t>
+            </a:r>
+          </a:p>
+          <a:p>
+            <a:pPr lvl="2"/>
+            <a:r>
+              <a:rPr lang="en-GB" sz="1200" dirty="0"/>
+              <a:t>Should always start with small letter</a:t>
+            </a:r>
+            <a:r>
+              <a:rPr lang="en-GB" sz="1000" dirty="0"/>
+              <a:t>	</a:t>
+            </a:r>
+          </a:p>
+          <a:p>
+            <a:pPr lvl="2"/>
+            <a:r>
+              <a:rPr lang="en-GB" sz="1200" dirty="0"/>
+              <a:t>If there is a new word in the name, new word name should always start with capital letter</a:t>
+            </a:r>
+          </a:p>
+          <a:p>
+            <a:pPr lvl="2"/>
+            <a:endParaRPr lang="en-GB" sz="1000" dirty="0"/>
+          </a:p>
+        </p:txBody>
+      </p:sp>
+    </p:spTree>
+    <p:extLst>
+      <p:ext uri="{BB962C8B-B14F-4D97-AF65-F5344CB8AC3E}">
+        <p14:creationId xmlns:p14="http://schemas.microsoft.com/office/powerpoint/2010/main" val="1330179826"/>
+      </p:ext>
+    </p:extLst>
+  </p:cSld>
+  <p:clrMapOvr>
+    <a:masterClrMapping/>
+  </p:clrMapOvr>
+</p:sld>
+</file>
+
+<file path=ppt/slides/slide50.xml><?xml version="1.0" encoding="utf-8"?>
 <p:sld xmlns:a="http://schemas.openxmlformats.org/drawingml/2006/main" xmlns:r="http://schemas.openxmlformats.org/officeDocument/2006/relationships" xmlns:p="http://schemas.openxmlformats.org/presentationml/2006/main">
   <p:cSld>
     <p:spTree>
@@ -37968,7 +37842,7 @@
 </p:sld>
 </file>
 
-<file path=ppt/slides/slide52.xml><?xml version="1.0" encoding="utf-8"?>
+<file path=ppt/slides/slide51.xml><?xml version="1.0" encoding="utf-8"?>
 <p:sld xmlns:a="http://schemas.openxmlformats.org/drawingml/2006/main" xmlns:r="http://schemas.openxmlformats.org/officeDocument/2006/relationships" xmlns:p="http://schemas.openxmlformats.org/presentationml/2006/main">
   <p:cSld>
     <p:spTree>
@@ -38264,7 +38138,7 @@
 </p:sld>
 </file>
 
-<file path=ppt/slides/slide53.xml><?xml version="1.0" encoding="utf-8"?>
+<file path=ppt/slides/slide52.xml><?xml version="1.0" encoding="utf-8"?>
 <p:sld xmlns:a="http://schemas.openxmlformats.org/drawingml/2006/main" xmlns:r="http://schemas.openxmlformats.org/officeDocument/2006/relationships" xmlns:p="http://schemas.openxmlformats.org/presentationml/2006/main">
   <p:cSld>
     <p:spTree>
@@ -38489,7 +38363,7 @@
 </p:sld>
 </file>
 
-<file path=ppt/slides/slide54.xml><?xml version="1.0" encoding="utf-8"?>
+<file path=ppt/slides/slide53.xml><?xml version="1.0" encoding="utf-8"?>
 <p:sld xmlns:a="http://schemas.openxmlformats.org/drawingml/2006/main" xmlns:r="http://schemas.openxmlformats.org/officeDocument/2006/relationships" xmlns:p="http://schemas.openxmlformats.org/presentationml/2006/main">
   <p:cSld>
     <p:spTree>
@@ -38894,7 +38768,7 @@
 </p:sld>
 </file>
 
-<file path=ppt/slides/slide55.xml><?xml version="1.0" encoding="utf-8"?>
+<file path=ppt/slides/slide54.xml><?xml version="1.0" encoding="utf-8"?>
 <p:sld xmlns:a="http://schemas.openxmlformats.org/drawingml/2006/main" xmlns:r="http://schemas.openxmlformats.org/officeDocument/2006/relationships" xmlns:p="http://schemas.openxmlformats.org/presentationml/2006/main">
   <p:cSld>
     <p:spTree>
@@ -39212,7 +39086,7 @@
 </p:sld>
 </file>
 
-<file path=ppt/slides/slide56.xml><?xml version="1.0" encoding="utf-8"?>
+<file path=ppt/slides/slide55.xml><?xml version="1.0" encoding="utf-8"?>
 <p:sld xmlns:a="http://schemas.openxmlformats.org/drawingml/2006/main" xmlns:r="http://schemas.openxmlformats.org/officeDocument/2006/relationships" xmlns:p="http://schemas.openxmlformats.org/presentationml/2006/main">
   <p:cSld>
     <p:spTree>
@@ -39785,7 +39659,7 @@
 </p:sld>
 </file>
 
-<file path=ppt/slides/slide57.xml><?xml version="1.0" encoding="utf-8"?>
+<file path=ppt/slides/slide56.xml><?xml version="1.0" encoding="utf-8"?>
 <p:sld xmlns:a="http://schemas.openxmlformats.org/drawingml/2006/main" xmlns:r="http://schemas.openxmlformats.org/officeDocument/2006/relationships" xmlns:p="http://schemas.openxmlformats.org/presentationml/2006/main">
   <p:cSld>
     <p:spTree>
@@ -40419,7 +40293,7 @@
 </p:sld>
 </file>
 
-<file path=ppt/slides/slide58.xml><?xml version="1.0" encoding="utf-8"?>
+<file path=ppt/slides/slide57.xml><?xml version="1.0" encoding="utf-8"?>
 <p:sld xmlns:a="http://schemas.openxmlformats.org/drawingml/2006/main" xmlns:r="http://schemas.openxmlformats.org/officeDocument/2006/relationships" xmlns:p="http://schemas.openxmlformats.org/presentationml/2006/main">
   <p:cSld>
     <p:spTree>
@@ -41163,7 +41037,7 @@
 </p:sld>
 </file>
 
-<file path=ppt/slides/slide59.xml><?xml version="1.0" encoding="utf-8"?>
+<file path=ppt/slides/slide58.xml><?xml version="1.0" encoding="utf-8"?>
 <p:sld xmlns:a="http://schemas.openxmlformats.org/drawingml/2006/main" xmlns:r="http://schemas.openxmlformats.org/officeDocument/2006/relationships" xmlns:p="http://schemas.openxmlformats.org/presentationml/2006/main">
   <p:cSld>
     <p:spTree>
@@ -41386,6 +41260,187 @@
         </p:txBody>
       </p:sp>
     </p:spTree>
+  </p:cSld>
+  <p:clrMapOvr>
+    <a:masterClrMapping/>
+  </p:clrMapOvr>
+</p:sld>
+</file>
+
+<file path=ppt/slides/slide59.xml><?xml version="1.0" encoding="utf-8"?>
+<p:sld xmlns:a="http://schemas.openxmlformats.org/drawingml/2006/main" xmlns:r="http://schemas.openxmlformats.org/officeDocument/2006/relationships" xmlns:p="http://schemas.openxmlformats.org/presentationml/2006/main">
+  <p:cSld>
+    <p:spTree>
+      <p:nvGrpSpPr>
+        <p:cNvPr id="1" name=""/>
+        <p:cNvGrpSpPr/>
+        <p:nvPr/>
+      </p:nvGrpSpPr>
+      <p:grpSpPr>
+        <a:xfrm>
+          <a:off x="0" y="0"/>
+          <a:ext cx="0" cy="0"/>
+          <a:chOff x="0" y="0"/>
+          <a:chExt cx="0" cy="0"/>
+        </a:xfrm>
+      </p:grpSpPr>
+      <p:sp>
+        <p:nvSpPr>
+          <p:cNvPr id="2" name="Title 1"/>
+          <p:cNvSpPr>
+            <a:spLocks noGrp="1"/>
+          </p:cNvSpPr>
+          <p:nvPr>
+            <p:ph type="title"/>
+          </p:nvPr>
+        </p:nvSpPr>
+        <p:spPr>
+          <a:xfrm>
+            <a:off x="685800" y="457200"/>
+            <a:ext cx="8596668" cy="371128"/>
+          </a:xfrm>
+        </p:spPr>
+        <p:txBody>
+          <a:bodyPr/>
+          <a:lstStyle/>
+          <a:p>
+            <a:r>
+              <a:rPr lang="en-US" sz="1400" dirty="0"/>
+              <a:t>TestNG : HTML and XML reports</a:t>
+            </a:r>
+            <a:endParaRPr lang="en-IN" sz="1400" dirty="0"/>
+          </a:p>
+        </p:txBody>
+      </p:sp>
+      <p:sp>
+        <p:nvSpPr>
+          <p:cNvPr id="3" name="Text Placeholder 2"/>
+          <p:cNvSpPr>
+            <a:spLocks noGrp="1"/>
+          </p:cNvSpPr>
+          <p:nvPr>
+            <p:ph type="body" idx="1"/>
+          </p:nvPr>
+        </p:nvSpPr>
+        <p:spPr>
+          <a:xfrm>
+            <a:off x="677333" y="980729"/>
+            <a:ext cx="8596668" cy="5060634"/>
+          </a:xfrm>
+        </p:spPr>
+        <p:txBody>
+          <a:bodyPr/>
+          <a:lstStyle/>
+          <a:p>
+            <a:pPr fontAlgn="base"/>
+            <a:r>
+              <a:rPr lang="en-IN" sz="1200" dirty="0"/>
+              <a:t>TestNG HTML and XML Reports:</a:t>
+            </a:r>
+          </a:p>
+          <a:p>
+            <a:pPr lvl="1" fontAlgn="base"/>
+            <a:r>
+              <a:rPr lang="en-IN" sz="1000" dirty="0"/>
+              <a:t>TestNG comes with certain predefined listeners which are by default added to any test execution and generate different HTML and XML reports for any test execution. </a:t>
+            </a:r>
+          </a:p>
+          <a:p>
+            <a:pPr lvl="1" fontAlgn="base"/>
+            <a:r>
+              <a:rPr lang="en-IN" sz="1000" dirty="0"/>
+              <a:t>The report is generated by default ,under the folder named test-output and can be changed to any other folder by configuring it. </a:t>
+            </a:r>
+          </a:p>
+          <a:p>
+            <a:pPr lvl="1" fontAlgn="base"/>
+            <a:r>
+              <a:rPr lang="en-IN" sz="1000" dirty="0"/>
+              <a:t>Test-output folder contains files like </a:t>
+            </a:r>
+          </a:p>
+          <a:p>
+            <a:pPr lvl="2" fontAlgn="base"/>
+            <a:r>
+              <a:rPr lang="en-IN" sz="1000" dirty="0"/>
+              <a:t>index.html</a:t>
+            </a:r>
+          </a:p>
+          <a:p>
+            <a:pPr lvl="2" fontAlgn="base"/>
+            <a:r>
+              <a:rPr lang="en-IN" sz="1000" dirty="0"/>
+              <a:t>emailable-report.html,</a:t>
+            </a:r>
+          </a:p>
+          <a:p>
+            <a:pPr lvl="2" fontAlgn="base"/>
+            <a:r>
+              <a:rPr lang="en-IN" sz="1000" dirty="0"/>
+              <a:t>testng-results.xml,</a:t>
+            </a:r>
+          </a:p>
+          <a:p>
+            <a:pPr lvl="2" fontAlgn="base"/>
+            <a:r>
+              <a:rPr lang="en-IN" sz="1000" dirty="0"/>
+              <a:t>testng-failed.xml</a:t>
+            </a:r>
+          </a:p>
+          <a:p>
+            <a:pPr lvl="1" fontAlgn="base"/>
+            <a:r>
+              <a:rPr lang="en-IN" sz="1000" dirty="0"/>
+              <a:t>This default report generation can be disabled while running the tests by setting the value of the property </a:t>
+            </a:r>
+            <a:r>
+              <a:rPr lang="en-IN" sz="1000" dirty="0" err="1"/>
+              <a:t>useDefaultListeners</a:t>
+            </a:r>
+            <a:r>
+              <a:rPr lang="en-IN" sz="1000" dirty="0"/>
+              <a:t> to false. This property can be set while using build tools like Ant or Maven.</a:t>
+            </a:r>
+            <a:endParaRPr lang="en-IN" sz="1200" dirty="0"/>
+          </a:p>
+          <a:p>
+            <a:pPr marL="342900" lvl="1" indent="-251459" fontAlgn="base">
+              <a:buSzPct val="79999"/>
+            </a:pPr>
+            <a:r>
+              <a:rPr lang="en-IN" sz="1200" dirty="0"/>
+              <a:t>TestNG logging:</a:t>
+            </a:r>
+          </a:p>
+          <a:p>
+            <a:pPr lvl="1" fontAlgn="base"/>
+            <a:r>
+              <a:rPr lang="en-IN" sz="1000" dirty="0"/>
+              <a:t>TestNG has built in logger(We are not going to use log4j instead of this logger).</a:t>
+            </a:r>
+          </a:p>
+          <a:p>
+            <a:pPr lvl="1" fontAlgn="base"/>
+            <a:r>
+              <a:rPr lang="en-IN" sz="1000" dirty="0"/>
+              <a:t>For advanced event based logging, we can make use of  Listeners.</a:t>
+            </a:r>
+          </a:p>
+          <a:p>
+            <a:pPr lvl="1" fontAlgn="base"/>
+            <a:endParaRPr lang="en-IN" sz="1200" dirty="0"/>
+          </a:p>
+          <a:p>
+            <a:endParaRPr lang="en-IN" dirty="0"/>
+          </a:p>
+        </p:txBody>
+      </p:sp>
+    </p:spTree>
+    <p:extLst>
+      <p:ext uri="{BB962C8B-B14F-4D97-AF65-F5344CB8AC3E}">
+        <p14:creationId xmlns:p14="http://schemas.microsoft.com/office/powerpoint/2010/main" val="3074706438"/>
+      </p:ext>
+    </p:extLst>
   </p:cSld>
   <p:clrMapOvr>
     <a:masterClrMapping/>
@@ -41725,8 +41780,8 @@
         </p:nvSpPr>
         <p:spPr>
           <a:xfrm>
-            <a:off x="685800" y="457200"/>
-            <a:ext cx="8596668" cy="371128"/>
+            <a:off x="677333" y="381000"/>
+            <a:ext cx="8596668" cy="381000"/>
           </a:xfrm>
         </p:spPr>
         <p:txBody>
@@ -41735,7 +41790,7 @@
           <a:p>
             <a:r>
               <a:rPr lang="en-US" sz="1400" dirty="0"/>
-              <a:t>TestNG : HTML and XML reports</a:t>
+              <a:t>TestNG : Reporter class</a:t>
             </a:r>
             <a:endParaRPr lang="en-IN" sz="1400" dirty="0"/>
           </a:p>
@@ -41753,8 +41808,8 @@
         </p:nvSpPr>
         <p:spPr>
           <a:xfrm>
-            <a:off x="677333" y="980729"/>
-            <a:ext cx="8596668" cy="5060634"/>
+            <a:off x="677333" y="914400"/>
+            <a:ext cx="8596668" cy="5126963"/>
           </a:xfrm>
         </p:spPr>
         <p:txBody>
@@ -41764,100 +41819,80 @@
             <a:pPr fontAlgn="base"/>
             <a:r>
               <a:rPr lang="en-IN" sz="1200" dirty="0"/>
-              <a:t>TestNG HTML and XML Reports:</a:t>
+              <a:t>TestNG Reporter:</a:t>
             </a:r>
           </a:p>
           <a:p>
             <a:pPr lvl="1" fontAlgn="base"/>
             <a:r>
-              <a:rPr lang="en-IN" sz="1000" dirty="0"/>
-              <a:t>TestNG comes with certain predefined listeners which are by default added to any test execution and generate different HTML and XML reports for any test execution. </a:t>
+              <a:rPr lang="en-IN" sz="1200" dirty="0"/>
+              <a:t>Reporter is a class in TestNG which is used to log messages that will be included in the HTML reports generated by TestNG.   </a:t>
             </a:r>
           </a:p>
           <a:p>
             <a:pPr lvl="1" fontAlgn="base"/>
             <a:r>
-              <a:rPr lang="en-IN" sz="1000" dirty="0"/>
-              <a:t>The report is generated by default ,under the folder named test-output and can be changed to any other folder by configuring it. </a:t>
+              <a:rPr lang="en-IN" sz="1200" dirty="0"/>
+              <a:t>Using Reporter ,we can log messages to HTML reports or console only </a:t>
+            </a:r>
+            <a:r>
+              <a:rPr lang="en-IN" sz="1200" b="1" dirty="0"/>
+              <a:t>and not to log files</a:t>
+            </a:r>
+            <a:r>
+              <a:rPr lang="en-IN" sz="1200" dirty="0"/>
+              <a:t>.</a:t>
             </a:r>
           </a:p>
           <a:p>
             <a:pPr lvl="1" fontAlgn="base"/>
             <a:r>
-              <a:rPr lang="en-IN" sz="1000" dirty="0"/>
-              <a:t>Test-output folder contains files like </a:t>
+              <a:rPr lang="en-IN" sz="1200" dirty="0"/>
+              <a:t>Methods:</a:t>
             </a:r>
           </a:p>
           <a:p>
             <a:pPr lvl="2" fontAlgn="base"/>
             <a:r>
-              <a:rPr lang="en-IN" sz="1000" dirty="0"/>
-              <a:t>index.html</a:t>
+              <a:rPr lang="en-IN" sz="1200" dirty="0"/>
+              <a:t>Reporter.log(s)</a:t>
+            </a:r>
+          </a:p>
+          <a:p>
+            <a:pPr lvl="3" fontAlgn="base"/>
+            <a:r>
+              <a:rPr lang="en-IN" dirty="0"/>
+              <a:t>To log to HTML reports only</a:t>
             </a:r>
           </a:p>
           <a:p>
             <a:pPr lvl="2" fontAlgn="base"/>
             <a:r>
-              <a:rPr lang="en-IN" sz="1000" dirty="0"/>
-              <a:t>emailable-report.html,</a:t>
-            </a:r>
-          </a:p>
-          <a:p>
-            <a:pPr lvl="2" fontAlgn="base"/>
-            <a:r>
-              <a:rPr lang="en-IN" sz="1000" dirty="0"/>
-              <a:t>testng-results.xml,</a:t>
-            </a:r>
-          </a:p>
-          <a:p>
-            <a:pPr lvl="2" fontAlgn="base"/>
-            <a:r>
-              <a:rPr lang="en-IN" sz="1000" dirty="0"/>
-              <a:t>testng-failed.xml</a:t>
+              <a:rPr lang="en-IN" sz="1200" dirty="0"/>
+              <a:t>Reporter.log(s, </a:t>
+            </a:r>
+            <a:r>
+              <a:rPr lang="en-IN" sz="1200" dirty="0" err="1"/>
+              <a:t>logToStandardOut</a:t>
+            </a:r>
+            <a:r>
+              <a:rPr lang="en-IN" sz="1200" dirty="0"/>
+              <a:t>)</a:t>
+            </a:r>
+          </a:p>
+          <a:p>
+            <a:pPr lvl="3" fontAlgn="base"/>
+            <a:r>
+              <a:rPr lang="en-IN" dirty="0"/>
+              <a:t>To log to HTML reports as well as console</a:t>
             </a:r>
           </a:p>
           <a:p>
             <a:pPr lvl="1" fontAlgn="base"/>
             <a:r>
-              <a:rPr lang="en-IN" sz="1000" dirty="0"/>
-              <a:t>This default report generation can be disabled while running the tests by setting the value of the property </a:t>
-            </a:r>
-            <a:r>
-              <a:rPr lang="en-IN" sz="1000" dirty="0" err="1"/>
-              <a:t>useDefaultListeners</a:t>
-            </a:r>
-            <a:r>
-              <a:rPr lang="en-IN" sz="1000" dirty="0"/>
-              <a:t> to false. This property can be set while using build tools like Ant or Maven.</a:t>
-            </a:r>
-            <a:endParaRPr lang="en-IN" sz="1200" dirty="0"/>
-          </a:p>
-          <a:p>
-            <a:pPr marL="342900" lvl="1" indent="-251459" fontAlgn="base">
-              <a:buSzPct val="79999"/>
-            </a:pPr>
-            <a:r>
               <a:rPr lang="en-IN" sz="1200" dirty="0"/>
-              <a:t>TestNG logging:</a:t>
-            </a:r>
-          </a:p>
-          <a:p>
-            <a:pPr lvl="1" fontAlgn="base"/>
-            <a:r>
-              <a:rPr lang="en-IN" sz="1000" dirty="0"/>
-              <a:t>TestNG has built in logger(We are not going to use log4j instead of this logger).</a:t>
-            </a:r>
-          </a:p>
-          <a:p>
-            <a:pPr lvl="1" fontAlgn="base"/>
-            <a:r>
-              <a:rPr lang="en-IN" sz="1000" dirty="0"/>
-              <a:t>For advanced event based logging, we can make use of  Listeners.</a:t>
-            </a:r>
-          </a:p>
-          <a:p>
-            <a:pPr lvl="1" fontAlgn="base"/>
-            <a:endParaRPr lang="en-IN" sz="1200" dirty="0"/>
+              <a:t>Reporter class is not a Listener.</a:t>
+            </a:r>
           </a:p>
           <a:p>
             <a:endParaRPr lang="en-IN" dirty="0"/>
@@ -41867,7 +41902,7 @@
     </p:spTree>
     <p:extLst>
       <p:ext uri="{BB962C8B-B14F-4D97-AF65-F5344CB8AC3E}">
-        <p14:creationId xmlns:p14="http://schemas.microsoft.com/office/powerpoint/2010/main" val="3074706438"/>
+        <p14:creationId xmlns:p14="http://schemas.microsoft.com/office/powerpoint/2010/main" val="411888684"/>
       </p:ext>
     </p:extLst>
   </p:cSld>
@@ -41906,167 +41941,6 @@
         </p:nvSpPr>
         <p:spPr>
           <a:xfrm>
-            <a:off x="677333" y="381000"/>
-            <a:ext cx="8596668" cy="381000"/>
-          </a:xfrm>
-        </p:spPr>
-        <p:txBody>
-          <a:bodyPr/>
-          <a:lstStyle/>
-          <a:p>
-            <a:r>
-              <a:rPr lang="en-US" sz="1400" dirty="0"/>
-              <a:t>TestNG : Reporter class</a:t>
-            </a:r>
-            <a:endParaRPr lang="en-IN" sz="1400" dirty="0"/>
-          </a:p>
-        </p:txBody>
-      </p:sp>
-      <p:sp>
-        <p:nvSpPr>
-          <p:cNvPr id="3" name="Text Placeholder 2"/>
-          <p:cNvSpPr>
-            <a:spLocks noGrp="1"/>
-          </p:cNvSpPr>
-          <p:nvPr>
-            <p:ph type="body" idx="1"/>
-          </p:nvPr>
-        </p:nvSpPr>
-        <p:spPr>
-          <a:xfrm>
-            <a:off x="677333" y="914400"/>
-            <a:ext cx="8596668" cy="5126963"/>
-          </a:xfrm>
-        </p:spPr>
-        <p:txBody>
-          <a:bodyPr/>
-          <a:lstStyle/>
-          <a:p>
-            <a:pPr fontAlgn="base"/>
-            <a:r>
-              <a:rPr lang="en-IN" sz="1200" dirty="0"/>
-              <a:t>TestNG Reporter:</a:t>
-            </a:r>
-          </a:p>
-          <a:p>
-            <a:pPr lvl="1" fontAlgn="base"/>
-            <a:r>
-              <a:rPr lang="en-IN" sz="1200" dirty="0"/>
-              <a:t>Reporter is a class in TestNG which is used to log messages that will be included in the HTML reports generated by TestNG.   </a:t>
-            </a:r>
-          </a:p>
-          <a:p>
-            <a:pPr lvl="1" fontAlgn="base"/>
-            <a:r>
-              <a:rPr lang="en-IN" sz="1200" dirty="0"/>
-              <a:t>Using Reporter ,we can log messages to HTML reports or console only </a:t>
-            </a:r>
-            <a:r>
-              <a:rPr lang="en-IN" sz="1200" b="1" dirty="0"/>
-              <a:t>and not to log files</a:t>
-            </a:r>
-            <a:r>
-              <a:rPr lang="en-IN" sz="1200" dirty="0"/>
-              <a:t>.</a:t>
-            </a:r>
-          </a:p>
-          <a:p>
-            <a:pPr lvl="1" fontAlgn="base"/>
-            <a:r>
-              <a:rPr lang="en-IN" sz="1200" dirty="0"/>
-              <a:t>Methods:</a:t>
-            </a:r>
-          </a:p>
-          <a:p>
-            <a:pPr lvl="2" fontAlgn="base"/>
-            <a:r>
-              <a:rPr lang="en-IN" sz="1200" dirty="0"/>
-              <a:t>Reporter.log(s)</a:t>
-            </a:r>
-          </a:p>
-          <a:p>
-            <a:pPr lvl="3" fontAlgn="base"/>
-            <a:r>
-              <a:rPr lang="en-IN" dirty="0"/>
-              <a:t>To log to HTML reports only</a:t>
-            </a:r>
-          </a:p>
-          <a:p>
-            <a:pPr lvl="2" fontAlgn="base"/>
-            <a:r>
-              <a:rPr lang="en-IN" sz="1200" dirty="0"/>
-              <a:t>Reporter.log(s, </a:t>
-            </a:r>
-            <a:r>
-              <a:rPr lang="en-IN" sz="1200" dirty="0" err="1"/>
-              <a:t>logToStandardOut</a:t>
-            </a:r>
-            <a:r>
-              <a:rPr lang="en-IN" sz="1200" dirty="0"/>
-              <a:t>)</a:t>
-            </a:r>
-          </a:p>
-          <a:p>
-            <a:pPr lvl="3" fontAlgn="base"/>
-            <a:r>
-              <a:rPr lang="en-IN" dirty="0"/>
-              <a:t>To log to HTML reports as well as console</a:t>
-            </a:r>
-          </a:p>
-          <a:p>
-            <a:pPr lvl="1" fontAlgn="base"/>
-            <a:r>
-              <a:rPr lang="en-IN" sz="1200" dirty="0"/>
-              <a:t>Reporter class is not a Listener.</a:t>
-            </a:r>
-          </a:p>
-          <a:p>
-            <a:endParaRPr lang="en-IN" dirty="0"/>
-          </a:p>
-        </p:txBody>
-      </p:sp>
-    </p:spTree>
-    <p:extLst>
-      <p:ext uri="{BB962C8B-B14F-4D97-AF65-F5344CB8AC3E}">
-        <p14:creationId xmlns:p14="http://schemas.microsoft.com/office/powerpoint/2010/main" val="411888684"/>
-      </p:ext>
-    </p:extLst>
-  </p:cSld>
-  <p:clrMapOvr>
-    <a:masterClrMapping/>
-  </p:clrMapOvr>
-</p:sld>
-</file>
-
-<file path=ppt/slides/slide62.xml><?xml version="1.0" encoding="utf-8"?>
-<p:sld xmlns:a="http://schemas.openxmlformats.org/drawingml/2006/main" xmlns:r="http://schemas.openxmlformats.org/officeDocument/2006/relationships" xmlns:p="http://schemas.openxmlformats.org/presentationml/2006/main">
-  <p:cSld>
-    <p:spTree>
-      <p:nvGrpSpPr>
-        <p:cNvPr id="1" name=""/>
-        <p:cNvGrpSpPr/>
-        <p:nvPr/>
-      </p:nvGrpSpPr>
-      <p:grpSpPr>
-        <a:xfrm>
-          <a:off x="0" y="0"/>
-          <a:ext cx="0" cy="0"/>
-          <a:chOff x="0" y="0"/>
-          <a:chExt cx="0" cy="0"/>
-        </a:xfrm>
-      </p:grpSpPr>
-      <p:sp>
-        <p:nvSpPr>
-          <p:cNvPr id="2" name="Title 1"/>
-          <p:cNvSpPr>
-            <a:spLocks noGrp="1"/>
-          </p:cNvSpPr>
-          <p:nvPr>
-            <p:ph type="title"/>
-          </p:nvPr>
-        </p:nvSpPr>
-        <p:spPr>
-          <a:xfrm>
             <a:off x="695400" y="404664"/>
             <a:ext cx="8596668" cy="288032"/>
           </a:xfrm>
@@ -42332,7 +42206,7 @@
 </p:sld>
 </file>
 
-<file path=ppt/slides/slide63.xml><?xml version="1.0" encoding="utf-8"?>
+<file path=ppt/slides/slide62.xml><?xml version="1.0" encoding="utf-8"?>
 <p:sld xmlns:a="http://schemas.openxmlformats.org/drawingml/2006/main" xmlns:r="http://schemas.openxmlformats.org/officeDocument/2006/relationships" xmlns:p="http://schemas.openxmlformats.org/presentationml/2006/main">
   <p:cSld>
     <p:spTree>
@@ -42604,7 +42478,7 @@
 </p:sld>
 </file>
 
-<file path=ppt/slides/slide64.xml><?xml version="1.0" encoding="utf-8"?>
+<file path=ppt/slides/slide63.xml><?xml version="1.0" encoding="utf-8"?>
 <p:sld xmlns:a="http://schemas.openxmlformats.org/drawingml/2006/main" xmlns:r="http://schemas.openxmlformats.org/officeDocument/2006/relationships" xmlns:p="http://schemas.openxmlformats.org/presentationml/2006/main">
   <p:cSld>
     <p:spTree>
@@ -42906,7 +42780,7 @@
 </p:sld>
 </file>
 
-<file path=ppt/slides/slide65.xml><?xml version="1.0" encoding="utf-8"?>
+<file path=ppt/slides/slide64.xml><?xml version="1.0" encoding="utf-8"?>
 <p:sld xmlns:a="http://schemas.openxmlformats.org/drawingml/2006/main" xmlns:r="http://schemas.openxmlformats.org/officeDocument/2006/relationships" xmlns:p="http://schemas.openxmlformats.org/presentationml/2006/main">
   <p:cSld>
     <p:spTree>
@@ -43184,7 +43058,7 @@
 </p:sld>
 </file>
 
-<file path=ppt/slides/slide66.xml><?xml version="1.0" encoding="utf-8"?>
+<file path=ppt/slides/slide65.xml><?xml version="1.0" encoding="utf-8"?>
 <p:sld xmlns:a="http://schemas.openxmlformats.org/drawingml/2006/main" xmlns:r="http://schemas.openxmlformats.org/officeDocument/2006/relationships" xmlns:p="http://schemas.openxmlformats.org/presentationml/2006/main">
   <p:cSld>
     <p:spTree>
@@ -43397,7 +43271,7 @@
 </p:sld>
 </file>
 
-<file path=ppt/slides/slide67.xml><?xml version="1.0" encoding="utf-8"?>
+<file path=ppt/slides/slide66.xml><?xml version="1.0" encoding="utf-8"?>
 <p:sld xmlns:a="http://schemas.openxmlformats.org/drawingml/2006/main" xmlns:r="http://schemas.openxmlformats.org/officeDocument/2006/relationships" xmlns:p="http://schemas.openxmlformats.org/presentationml/2006/main">
   <p:cSld>
     <p:spTree>
@@ -43565,7 +43439,7 @@
 </p:sld>
 </file>
 
-<file path=ppt/slides/slide68.xml><?xml version="1.0" encoding="utf-8"?>
+<file path=ppt/slides/slide67.xml><?xml version="1.0" encoding="utf-8"?>
 <p:sld xmlns:a="http://schemas.openxmlformats.org/drawingml/2006/main" xmlns:r="http://schemas.openxmlformats.org/officeDocument/2006/relationships" xmlns:p="http://schemas.openxmlformats.org/presentationml/2006/main">
   <p:cSld>
     <p:spTree>
@@ -43809,7 +43683,7 @@
 </p:sld>
 </file>
 
-<file path=ppt/slides/slide69.xml><?xml version="1.0" encoding="utf-8"?>
+<file path=ppt/slides/slide68.xml><?xml version="1.0" encoding="utf-8"?>
 <p:sld xmlns:a="http://schemas.openxmlformats.org/drawingml/2006/main" xmlns:r="http://schemas.openxmlformats.org/officeDocument/2006/relationships" xmlns:p="http://schemas.openxmlformats.org/presentationml/2006/main">
   <p:cSld>
     <p:spTree>
@@ -44003,87 +43877,7 @@
 </p:sld>
 </file>
 
-<file path=ppt/slides/slide7.xml><?xml version="1.0" encoding="utf-8"?>
-<p:sld xmlns:a="http://schemas.openxmlformats.org/drawingml/2006/main" xmlns:r="http://schemas.openxmlformats.org/officeDocument/2006/relationships" xmlns:p="http://schemas.openxmlformats.org/presentationml/2006/main">
-  <p:cSld>
-    <p:spTree>
-      <p:nvGrpSpPr>
-        <p:cNvPr id="1" name=""/>
-        <p:cNvGrpSpPr/>
-        <p:nvPr/>
-      </p:nvGrpSpPr>
-      <p:grpSpPr>
-        <a:xfrm>
-          <a:off x="0" y="0"/>
-          <a:ext cx="0" cy="0"/>
-          <a:chOff x="0" y="0"/>
-          <a:chExt cx="0" cy="0"/>
-        </a:xfrm>
-      </p:grpSpPr>
-      <p:sp>
-        <p:nvSpPr>
-          <p:cNvPr id="2" name="Title 1">
-            <a:extLst>
-              <a:ext uri="{FF2B5EF4-FFF2-40B4-BE49-F238E27FC236}">
-                <a16:creationId xmlns:a16="http://schemas.microsoft.com/office/drawing/2014/main" id="{9EFCC28C-D2DC-417B-97C6-FD0C7EBAF5B4}"/>
-              </a:ext>
-            </a:extLst>
-          </p:cNvPr>
-          <p:cNvSpPr>
-            <a:spLocks noGrp="1"/>
-          </p:cNvSpPr>
-          <p:nvPr>
-            <p:ph type="title"/>
-          </p:nvPr>
-        </p:nvSpPr>
-        <p:spPr/>
-        <p:txBody>
-          <a:bodyPr/>
-          <a:lstStyle/>
-          <a:p>
-            <a:endParaRPr lang="en-GB"/>
-          </a:p>
-        </p:txBody>
-      </p:sp>
-      <p:sp>
-        <p:nvSpPr>
-          <p:cNvPr id="3" name="Text Placeholder 2">
-            <a:extLst>
-              <a:ext uri="{FF2B5EF4-FFF2-40B4-BE49-F238E27FC236}">
-                <a16:creationId xmlns:a16="http://schemas.microsoft.com/office/drawing/2014/main" id="{1C1D6A07-1FBB-4D8B-810B-03E136315864}"/>
-              </a:ext>
-            </a:extLst>
-          </p:cNvPr>
-          <p:cNvSpPr>
-            <a:spLocks noGrp="1"/>
-          </p:cNvSpPr>
-          <p:nvPr>
-            <p:ph type="body" idx="1"/>
-          </p:nvPr>
-        </p:nvSpPr>
-        <p:spPr/>
-        <p:txBody>
-          <a:bodyPr/>
-          <a:lstStyle/>
-          <a:p>
-            <a:endParaRPr lang="en-GB"/>
-          </a:p>
-        </p:txBody>
-      </p:sp>
-    </p:spTree>
-    <p:extLst>
-      <p:ext uri="{BB962C8B-B14F-4D97-AF65-F5344CB8AC3E}">
-        <p14:creationId xmlns:p14="http://schemas.microsoft.com/office/powerpoint/2010/main" val="3655990530"/>
-      </p:ext>
-    </p:extLst>
-  </p:cSld>
-  <p:clrMapOvr>
-    <a:masterClrMapping/>
-  </p:clrMapOvr>
-</p:sld>
-</file>
-
-<file path=ppt/slides/slide70.xml><?xml version="1.0" encoding="utf-8"?>
+<file path=ppt/slides/slide69.xml><?xml version="1.0" encoding="utf-8"?>
 <p:sld xmlns:a="http://schemas.openxmlformats.org/drawingml/2006/main" xmlns:r="http://schemas.openxmlformats.org/officeDocument/2006/relationships" xmlns:p="http://schemas.openxmlformats.org/presentationml/2006/main">
   <p:cSld>
     <p:spTree>
@@ -44290,7 +44084,152 @@
 </p:sld>
 </file>
 
-<file path=ppt/slides/slide71.xml><?xml version="1.0" encoding="utf-8"?>
+<file path=ppt/slides/slide7.xml><?xml version="1.0" encoding="utf-8"?>
+<p:sld xmlns:a="http://schemas.openxmlformats.org/drawingml/2006/main" xmlns:r="http://schemas.openxmlformats.org/officeDocument/2006/relationships" xmlns:p="http://schemas.openxmlformats.org/presentationml/2006/main">
+  <p:cSld>
+    <p:spTree>
+      <p:nvGrpSpPr>
+        <p:cNvPr id="1" name="Shape 228"/>
+        <p:cNvGrpSpPr/>
+        <p:nvPr/>
+      </p:nvGrpSpPr>
+      <p:grpSpPr>
+        <a:xfrm>
+          <a:off x="0" y="0"/>
+          <a:ext cx="0" cy="0"/>
+          <a:chOff x="0" y="0"/>
+          <a:chExt cx="0" cy="0"/>
+        </a:xfrm>
+      </p:grpSpPr>
+      <p:sp>
+        <p:nvSpPr>
+          <p:cNvPr id="230" name="Shape 230"/>
+          <p:cNvSpPr txBox="1">
+            <a:spLocks noGrp="1"/>
+          </p:cNvSpPr>
+          <p:nvPr>
+            <p:ph type="body" idx="1"/>
+          </p:nvPr>
+        </p:nvSpPr>
+        <p:spPr>
+          <a:xfrm>
+            <a:off x="685800" y="762000"/>
+            <a:ext cx="8596668" cy="5431762"/>
+          </a:xfrm>
+          <a:prstGeom prst="rect">
+            <a:avLst/>
+          </a:prstGeom>
+          <a:noFill/>
+          <a:ln>
+            <a:noFill/>
+          </a:ln>
+        </p:spPr>
+        <p:txBody>
+          <a:bodyPr lIns="91425" tIns="45700" rIns="91425" bIns="45700" anchor="t" anchorCtr="0">
+            <a:noAutofit/>
+          </a:bodyPr>
+          <a:lstStyle/>
+          <a:p>
+            <a:pPr indent="-342900"/>
+            <a:r>
+              <a:rPr lang="en-US" sz="1200" dirty="0"/>
+              <a:t>Primitive data types</a:t>
+            </a:r>
+            <a:endParaRPr sz="1200" dirty="0"/>
+          </a:p>
+        </p:txBody>
+      </p:sp>
+      <p:pic>
+        <p:nvPicPr>
+          <p:cNvPr id="231" name="Shape 231"/>
+          <p:cNvPicPr preferRelativeResize="0"/>
+          <p:nvPr/>
+        </p:nvPicPr>
+        <p:blipFill rotWithShape="1">
+          <a:blip r:embed="rId3">
+            <a:alphaModFix/>
+          </a:blip>
+          <a:srcRect/>
+          <a:stretch/>
+        </p:blipFill>
+        <p:spPr>
+          <a:xfrm>
+            <a:off x="1828800" y="1143000"/>
+            <a:ext cx="4016030" cy="3210523"/>
+          </a:xfrm>
+          <a:prstGeom prst="rect">
+            <a:avLst/>
+          </a:prstGeom>
+          <a:noFill/>
+          <a:ln>
+            <a:noFill/>
+          </a:ln>
+        </p:spPr>
+      </p:pic>
+      <p:sp>
+        <p:nvSpPr>
+          <p:cNvPr id="8" name="Shape 199"/>
+          <p:cNvSpPr txBox="1">
+            <a:spLocks noGrp="1"/>
+          </p:cNvSpPr>
+          <p:nvPr>
+            <p:ph type="title"/>
+          </p:nvPr>
+        </p:nvSpPr>
+        <p:spPr>
+          <a:xfrm>
+            <a:off x="677333" y="228600"/>
+            <a:ext cx="8596668" cy="381000"/>
+          </a:xfrm>
+          <a:prstGeom prst="rect">
+            <a:avLst/>
+          </a:prstGeom>
+          <a:noFill/>
+          <a:ln>
+            <a:noFill/>
+          </a:ln>
+        </p:spPr>
+        <p:txBody>
+          <a:bodyPr lIns="91425" tIns="45700" rIns="91425" bIns="45700" anchor="t" anchorCtr="0">
+            <a:noAutofit/>
+          </a:bodyPr>
+          <a:lstStyle/>
+          <a:p>
+            <a:pPr marL="0" marR="0" lvl="0" indent="0" algn="l" rtl="0">
+              <a:spcBef>
+                <a:spcPts val="0"/>
+              </a:spcBef>
+              <a:buClr>
+                <a:schemeClr val="accent1"/>
+              </a:buClr>
+              <a:buSzPct val="25000"/>
+              <a:buFont typeface="Trebuchet MS"/>
+              <a:buNone/>
+            </a:pPr>
+            <a:r>
+              <a:rPr lang="en-US" sz="1600" b="0" i="0" u="none" strike="noStrike" cap="none" dirty="0">
+                <a:solidFill>
+                  <a:schemeClr val="accent1"/>
+                </a:solidFill>
+                <a:latin typeface="Trebuchet MS"/>
+                <a:ea typeface="Trebuchet MS"/>
+                <a:cs typeface="Trebuchet MS"/>
+                <a:sym typeface="Trebuchet MS"/>
+              </a:rPr>
+              <a:t>Java : Primitive data types</a:t>
+            </a:r>
+          </a:p>
+        </p:txBody>
+      </p:sp>
+    </p:spTree>
+  </p:cSld>
+  <p:clrMapOvr>
+    <a:masterClrMapping/>
+  </p:clrMapOvr>
+</p:sld>
+</file>
+
+<file path=ppt/slides/slide70.xml><?xml version="1.0" encoding="utf-8"?>
 <p:sld xmlns:a="http://schemas.openxmlformats.org/drawingml/2006/main" xmlns:r="http://schemas.openxmlformats.org/officeDocument/2006/relationships" xmlns:p="http://schemas.openxmlformats.org/presentationml/2006/main">
   <p:cSld>
     <p:spTree>
@@ -46120,7 +46059,7 @@
 </p:sld>
 </file>
 
-<file path=ppt/slides/slide72.xml><?xml version="1.0" encoding="utf-8"?>
+<file path=ppt/slides/slide71.xml><?xml version="1.0" encoding="utf-8"?>
 <p:sld xmlns:a="http://schemas.openxmlformats.org/drawingml/2006/main" xmlns:r="http://schemas.openxmlformats.org/officeDocument/2006/relationships" xmlns:p="http://schemas.openxmlformats.org/presentationml/2006/main">
   <p:cSld>
     <p:spTree>
@@ -48438,7 +48377,7 @@
 </p:sld>
 </file>
 
-<file path=ppt/slides/slide73.xml><?xml version="1.0" encoding="utf-8"?>
+<file path=ppt/slides/slide72.xml><?xml version="1.0" encoding="utf-8"?>
 <p:sld xmlns:a="http://schemas.openxmlformats.org/drawingml/2006/main" xmlns:r="http://schemas.openxmlformats.org/officeDocument/2006/relationships" xmlns:p="http://schemas.openxmlformats.org/presentationml/2006/main">
   <p:cSld>
     <p:spTree>
@@ -48641,6 +48580,268 @@
     <p:extLst>
       <p:ext uri="{BB962C8B-B14F-4D97-AF65-F5344CB8AC3E}">
         <p14:creationId xmlns:p14="http://schemas.microsoft.com/office/powerpoint/2010/main" val="2946562498"/>
+      </p:ext>
+    </p:extLst>
+  </p:cSld>
+  <p:clrMapOvr>
+    <a:masterClrMapping/>
+  </p:clrMapOvr>
+</p:sld>
+</file>
+
+<file path=ppt/slides/slide73.xml><?xml version="1.0" encoding="utf-8"?>
+<p:sld xmlns:a="http://schemas.openxmlformats.org/drawingml/2006/main" xmlns:r="http://schemas.openxmlformats.org/officeDocument/2006/relationships" xmlns:p="http://schemas.openxmlformats.org/presentationml/2006/main">
+  <p:cSld>
+    <p:spTree>
+      <p:nvGrpSpPr>
+        <p:cNvPr id="1" name=""/>
+        <p:cNvGrpSpPr/>
+        <p:nvPr/>
+      </p:nvGrpSpPr>
+      <p:grpSpPr>
+        <a:xfrm>
+          <a:off x="0" y="0"/>
+          <a:ext cx="0" cy="0"/>
+          <a:chOff x="0" y="0"/>
+          <a:chExt cx="0" cy="0"/>
+        </a:xfrm>
+      </p:grpSpPr>
+      <p:sp>
+        <p:nvSpPr>
+          <p:cNvPr id="3" name="Text Placeholder 2"/>
+          <p:cNvSpPr>
+            <a:spLocks noGrp="1"/>
+          </p:cNvSpPr>
+          <p:nvPr>
+            <p:ph type="body" idx="1"/>
+          </p:nvPr>
+        </p:nvSpPr>
+        <p:spPr>
+          <a:xfrm>
+            <a:off x="677333" y="548680"/>
+            <a:ext cx="8596668" cy="6192687"/>
+          </a:xfrm>
+        </p:spPr>
+        <p:txBody>
+          <a:bodyPr/>
+          <a:lstStyle/>
+          <a:p>
+            <a:pPr fontAlgn="base">
+              <a:buSzPct val="80000"/>
+            </a:pPr>
+            <a:r>
+              <a:rPr lang="en-IN" sz="1200" dirty="0"/>
+              <a:t>Working with Different Elements </a:t>
+            </a:r>
+          </a:p>
+          <a:p>
+            <a:pPr lvl="1" fontAlgn="base"/>
+            <a:r>
+              <a:rPr lang="en-IN" sz="1200" dirty="0"/>
+              <a:t>Text box</a:t>
+            </a:r>
+          </a:p>
+          <a:p>
+            <a:pPr lvl="1" fontAlgn="base"/>
+            <a:r>
+              <a:rPr lang="en-IN" sz="1200" dirty="0"/>
+              <a:t>Radio Buttons</a:t>
+            </a:r>
+          </a:p>
+          <a:p>
+            <a:pPr lvl="1" fontAlgn="base"/>
+            <a:r>
+              <a:rPr lang="en-IN" sz="1200" dirty="0"/>
+              <a:t>Checkbox</a:t>
+            </a:r>
+          </a:p>
+          <a:p>
+            <a:pPr lvl="1" fontAlgn="base"/>
+            <a:r>
+              <a:rPr lang="en-IN" sz="1200" dirty="0"/>
+              <a:t>Button</a:t>
+            </a:r>
+          </a:p>
+          <a:p>
+            <a:pPr lvl="1" fontAlgn="base"/>
+            <a:r>
+              <a:rPr lang="en-IN" sz="1200" dirty="0"/>
+              <a:t>Link</a:t>
+            </a:r>
+          </a:p>
+          <a:p>
+            <a:pPr lvl="1" fontAlgn="base"/>
+            <a:r>
+              <a:rPr lang="en-IN" sz="1200" dirty="0"/>
+              <a:t>Dropdown list</a:t>
+            </a:r>
+          </a:p>
+          <a:p>
+            <a:pPr lvl="2" fontAlgn="base"/>
+            <a:r>
+              <a:rPr lang="en-IN" sz="1200" dirty="0"/>
+              <a:t>Select class</a:t>
+            </a:r>
+          </a:p>
+          <a:p>
+            <a:pPr lvl="2" fontAlgn="base"/>
+            <a:r>
+              <a:rPr lang="en-IN" sz="1200" dirty="0"/>
+              <a:t>Select methods</a:t>
+            </a:r>
+          </a:p>
+          <a:p>
+            <a:pPr lvl="3" fontAlgn="base"/>
+            <a:r>
+              <a:rPr lang="en-IN" dirty="0" err="1"/>
+              <a:t>selectByIndex</a:t>
+            </a:r>
+            <a:r>
+              <a:rPr lang="en-IN" dirty="0"/>
+              <a:t>(Index)</a:t>
+            </a:r>
+          </a:p>
+          <a:p>
+            <a:pPr lvl="3" fontAlgn="base"/>
+            <a:r>
+              <a:rPr lang="en-IN" dirty="0" err="1"/>
+              <a:t>selectByValue</a:t>
+            </a:r>
+            <a:r>
+              <a:rPr lang="en-IN" dirty="0"/>
+              <a:t>(Value)</a:t>
+            </a:r>
+          </a:p>
+          <a:p>
+            <a:pPr lvl="3" fontAlgn="base"/>
+            <a:r>
+              <a:rPr lang="en-IN" dirty="0" err="1"/>
+              <a:t>selectByVisibleText</a:t>
+            </a:r>
+            <a:r>
+              <a:rPr lang="en-IN" dirty="0"/>
+              <a:t>(Text)</a:t>
+            </a:r>
+          </a:p>
+          <a:p>
+            <a:pPr lvl="1" fontAlgn="base"/>
+            <a:r>
+              <a:rPr lang="en-IN" sz="1200" dirty="0"/>
+              <a:t>(</a:t>
+            </a:r>
+            <a:r>
+              <a:rPr lang="en-IN" sz="1200" dirty="0" err="1"/>
+              <a:t>isDisplayed</a:t>
+            </a:r>
+            <a:r>
+              <a:rPr lang="en-IN" sz="1200" dirty="0"/>
+              <a:t>)</a:t>
+            </a:r>
+          </a:p>
+          <a:p>
+            <a:pPr lvl="2" fontAlgn="base"/>
+            <a:r>
+              <a:rPr lang="en-IN" sz="1200" dirty="0"/>
+              <a:t>Whether a web element is visible or hidden</a:t>
+            </a:r>
+          </a:p>
+          <a:p>
+            <a:pPr lvl="1" fontAlgn="base"/>
+            <a:r>
+              <a:rPr lang="en-IN" sz="1200" dirty="0" err="1"/>
+              <a:t>isEnbled</a:t>
+            </a:r>
+            <a:r>
+              <a:rPr lang="en-IN" sz="1200" dirty="0"/>
+              <a:t>()</a:t>
+            </a:r>
+          </a:p>
+          <a:p>
+            <a:pPr lvl="2" fontAlgn="base"/>
+            <a:r>
+              <a:rPr lang="en-IN" sz="1200" dirty="0"/>
+              <a:t>Whether a web element is </a:t>
+            </a:r>
+            <a:r>
+              <a:rPr lang="en-IN" sz="1200" dirty="0" err="1"/>
+              <a:t>editables</a:t>
+            </a:r>
+            <a:endParaRPr lang="en-IN" sz="1200" dirty="0"/>
+          </a:p>
+          <a:p>
+            <a:pPr lvl="1" fontAlgn="base"/>
+            <a:r>
+              <a:rPr lang="en-IN" sz="1200" dirty="0" err="1"/>
+              <a:t>isSelected</a:t>
+            </a:r>
+            <a:r>
+              <a:rPr lang="en-IN" sz="1200" dirty="0"/>
+              <a:t>()</a:t>
+            </a:r>
+          </a:p>
+          <a:p>
+            <a:pPr lvl="2" fontAlgn="base"/>
+            <a:r>
+              <a:rPr lang="en-IN" sz="1200" dirty="0"/>
+              <a:t>Whether a web element is selected(check </a:t>
+            </a:r>
+            <a:r>
+              <a:rPr lang="en-IN" sz="1200" dirty="0" err="1"/>
+              <a:t>box,radio</a:t>
+            </a:r>
+            <a:r>
+              <a:rPr lang="en-IN" sz="1200" dirty="0"/>
+              <a:t> buttons </a:t>
+            </a:r>
+            <a:r>
+              <a:rPr lang="en-IN" sz="1200" dirty="0" err="1"/>
+              <a:t>etc</a:t>
+            </a:r>
+            <a:r>
+              <a:rPr lang="en-IN" sz="1200" dirty="0"/>
+              <a:t>)</a:t>
+            </a:r>
+          </a:p>
+          <a:p>
+            <a:pPr fontAlgn="base">
+              <a:buSzPct val="80000"/>
+            </a:pPr>
+            <a:endParaRPr lang="en-IN" sz="1200" dirty="0"/>
+          </a:p>
+        </p:txBody>
+      </p:sp>
+      <p:sp>
+        <p:nvSpPr>
+          <p:cNvPr id="4" name="Title 1"/>
+          <p:cNvSpPr>
+            <a:spLocks noGrp="1"/>
+          </p:cNvSpPr>
+          <p:nvPr>
+            <p:ph type="title"/>
+          </p:nvPr>
+        </p:nvSpPr>
+        <p:spPr>
+          <a:xfrm>
+            <a:off x="695400" y="188640"/>
+            <a:ext cx="8596668" cy="360040"/>
+          </a:xfrm>
+        </p:spPr>
+        <p:txBody>
+          <a:bodyPr/>
+          <a:lstStyle/>
+          <a:p>
+            <a:r>
+              <a:rPr lang="en-US" sz="1400" dirty="0"/>
+              <a:t>Selenium : Element Interactions</a:t>
+            </a:r>
+            <a:endParaRPr lang="en-IN" sz="1400" dirty="0"/>
+          </a:p>
+        </p:txBody>
+      </p:sp>
+    </p:spTree>
+    <p:extLst>
+      <p:ext uri="{BB962C8B-B14F-4D97-AF65-F5344CB8AC3E}">
+        <p14:creationId xmlns:p14="http://schemas.microsoft.com/office/powerpoint/2010/main" val="520986797"/>
       </p:ext>
     </p:extLst>
   </p:cSld>
@@ -48679,8 +48880,8 @@
         </p:nvSpPr>
         <p:spPr>
           <a:xfrm>
-            <a:off x="677333" y="548680"/>
-            <a:ext cx="8596668" cy="6192687"/>
+            <a:off x="677333" y="620688"/>
+            <a:ext cx="8596668" cy="5420675"/>
           </a:xfrm>
         </p:spPr>
         <p:txBody>
@@ -48691,182 +48892,109 @@
               <a:buSzPct val="80000"/>
             </a:pPr>
             <a:r>
-              <a:rPr lang="en-IN" sz="1200" dirty="0"/>
-              <a:t>Working with Different Elements </a:t>
+              <a:rPr lang="en-US" sz="1200" dirty="0"/>
+              <a:t>Dealing with Windows and Tabs</a:t>
             </a:r>
           </a:p>
           <a:p>
             <a:pPr lvl="1" fontAlgn="base"/>
             <a:r>
-              <a:rPr lang="en-IN" sz="1200" dirty="0"/>
-              <a:t>Text box</a:t>
+              <a:rPr lang="en-US" sz="1200" dirty="0" err="1"/>
+              <a:t>getWindowHandle</a:t>
+            </a:r>
+            <a:r>
+              <a:rPr lang="en-US" sz="1200" dirty="0"/>
+              <a:t>() method</a:t>
             </a:r>
           </a:p>
           <a:p>
             <a:pPr lvl="1" fontAlgn="base"/>
             <a:r>
-              <a:rPr lang="en-IN" sz="1200" dirty="0"/>
-              <a:t>Radio Buttons</a:t>
+              <a:rPr lang="en-US" sz="1200" dirty="0" err="1"/>
+              <a:t>getWindowHandles</a:t>
+            </a:r>
+            <a:r>
+              <a:rPr lang="en-US" sz="1200" dirty="0"/>
+              <a:t>() method</a:t>
             </a:r>
           </a:p>
           <a:p>
             <a:pPr lvl="1" fontAlgn="base"/>
             <a:r>
-              <a:rPr lang="en-IN" sz="1200" dirty="0"/>
-              <a:t>Checkbox</a:t>
+              <a:rPr lang="en-US" sz="1200" dirty="0"/>
+              <a:t>Switching to new Window/Tab</a:t>
             </a:r>
           </a:p>
           <a:p>
             <a:pPr lvl="1" fontAlgn="base"/>
             <a:r>
-              <a:rPr lang="en-IN" sz="1200" dirty="0"/>
-              <a:t>Button</a:t>
+              <a:rPr lang="en-US" sz="1200" dirty="0"/>
+              <a:t>Switching back to parent window</a:t>
             </a:r>
           </a:p>
           <a:p>
             <a:pPr lvl="1" fontAlgn="base"/>
             <a:r>
-              <a:rPr lang="en-IN" sz="1200" dirty="0"/>
-              <a:t>Link</a:t>
+              <a:rPr lang="en-US" sz="1200" dirty="0"/>
+              <a:t>Difference between close() and Quit()  methods</a:t>
             </a:r>
           </a:p>
           <a:p>
             <a:pPr lvl="1" fontAlgn="base"/>
-            <a:r>
-              <a:rPr lang="en-IN" sz="1200" dirty="0"/>
-              <a:t>Dropdown list</a:t>
-            </a:r>
-          </a:p>
-          <a:p>
-            <a:pPr lvl="2" fontAlgn="base"/>
-            <a:r>
-              <a:rPr lang="en-IN" sz="1200" dirty="0"/>
-              <a:t>Select class</a:t>
-            </a:r>
-          </a:p>
-          <a:p>
-            <a:pPr lvl="2" fontAlgn="base"/>
-            <a:r>
-              <a:rPr lang="en-IN" sz="1200" dirty="0"/>
-              <a:t>Select methods</a:t>
-            </a:r>
-          </a:p>
-          <a:p>
-            <a:pPr lvl="3" fontAlgn="base"/>
-            <a:r>
-              <a:rPr lang="en-IN" dirty="0" err="1"/>
-              <a:t>selectByIndex</a:t>
-            </a:r>
-            <a:r>
-              <a:rPr lang="en-IN" dirty="0"/>
-              <a:t>(Index)</a:t>
-            </a:r>
-          </a:p>
-          <a:p>
-            <a:pPr lvl="3" fontAlgn="base"/>
-            <a:r>
-              <a:rPr lang="en-IN" dirty="0" err="1"/>
-              <a:t>selectByValue</a:t>
-            </a:r>
-            <a:r>
-              <a:rPr lang="en-IN" dirty="0"/>
-              <a:t>(Value)</a:t>
-            </a:r>
-          </a:p>
-          <a:p>
-            <a:pPr lvl="3" fontAlgn="base"/>
-            <a:r>
-              <a:rPr lang="en-IN" dirty="0" err="1"/>
-              <a:t>selectByVisibleText</a:t>
-            </a:r>
-            <a:r>
-              <a:rPr lang="en-IN" dirty="0"/>
-              <a:t>(Text)</a:t>
-            </a:r>
-          </a:p>
-          <a:p>
-            <a:pPr lvl="1" fontAlgn="base"/>
-            <a:r>
-              <a:rPr lang="en-IN" sz="1200" dirty="0"/>
-              <a:t>(</a:t>
-            </a:r>
-            <a:r>
-              <a:rPr lang="en-IN" sz="1200" dirty="0" err="1"/>
-              <a:t>isDisplayed</a:t>
-            </a:r>
-            <a:r>
-              <a:rPr lang="en-IN" sz="1200" dirty="0"/>
-              <a:t>)</a:t>
-            </a:r>
-          </a:p>
-          <a:p>
-            <a:pPr lvl="2" fontAlgn="base"/>
-            <a:r>
-              <a:rPr lang="en-IN" sz="1200" dirty="0"/>
-              <a:t>Whether a web element is visible or hidden</a:t>
-            </a:r>
-          </a:p>
-          <a:p>
-            <a:pPr lvl="1" fontAlgn="base"/>
-            <a:r>
-              <a:rPr lang="en-IN" sz="1200" dirty="0" err="1"/>
-              <a:t>isEnbled</a:t>
-            </a:r>
-            <a:r>
-              <a:rPr lang="en-IN" sz="1200" dirty="0"/>
-              <a:t>()</a:t>
-            </a:r>
-          </a:p>
-          <a:p>
-            <a:pPr lvl="2" fontAlgn="base"/>
-            <a:r>
-              <a:rPr lang="en-IN" sz="1200" dirty="0"/>
-              <a:t>Whether a web element is </a:t>
-            </a:r>
-            <a:r>
-              <a:rPr lang="en-IN" sz="1200" dirty="0" err="1"/>
-              <a:t>editables</a:t>
-            </a:r>
-            <a:endParaRPr lang="en-IN" sz="1200" dirty="0"/>
-          </a:p>
-          <a:p>
-            <a:pPr lvl="1" fontAlgn="base"/>
-            <a:r>
-              <a:rPr lang="en-IN" sz="1200" dirty="0" err="1"/>
-              <a:t>isSelected</a:t>
-            </a:r>
-            <a:r>
-              <a:rPr lang="en-IN" sz="1200" dirty="0"/>
-              <a:t>()</a:t>
-            </a:r>
-          </a:p>
-          <a:p>
-            <a:pPr lvl="2" fontAlgn="base"/>
-            <a:r>
-              <a:rPr lang="en-IN" sz="1200" dirty="0"/>
-              <a:t>Whether a web element is selected(check </a:t>
-            </a:r>
-            <a:r>
-              <a:rPr lang="en-IN" sz="1200" dirty="0" err="1"/>
-              <a:t>box,radio</a:t>
-            </a:r>
-            <a:r>
-              <a:rPr lang="en-IN" sz="1200" dirty="0"/>
-              <a:t> buttons </a:t>
-            </a:r>
-            <a:r>
-              <a:rPr lang="en-IN" sz="1200" dirty="0" err="1"/>
-              <a:t>etc</a:t>
-            </a:r>
-            <a:r>
-              <a:rPr lang="en-IN" sz="1200" dirty="0"/>
-              <a:t>)</a:t>
-            </a:r>
+            <a:endParaRPr lang="en-US" sz="1200" dirty="0"/>
           </a:p>
           <a:p>
             <a:pPr fontAlgn="base">
               <a:buSzPct val="80000"/>
             </a:pPr>
+            <a:r>
+              <a:rPr lang="en-US" sz="1200" dirty="0"/>
+              <a:t>Dealing with Alerts</a:t>
+            </a:r>
+          </a:p>
+          <a:p>
+            <a:pPr lvl="1" fontAlgn="base"/>
+            <a:r>
+              <a:rPr lang="en-IN" sz="1200" dirty="0" err="1"/>
+              <a:t>driver.switchTo</a:t>
+            </a:r>
+            <a:r>
+              <a:rPr lang="en-IN" sz="1200" dirty="0"/>
+              <a:t>().alert()</a:t>
+            </a:r>
+          </a:p>
+          <a:p>
+            <a:pPr lvl="1" fontAlgn="base"/>
+            <a:r>
+              <a:rPr lang="en-US" sz="1200" dirty="0" err="1"/>
+              <a:t>alert.getText</a:t>
+            </a:r>
+            <a:r>
+              <a:rPr lang="en-US" sz="1200" dirty="0"/>
+              <a:t>()</a:t>
+            </a:r>
+          </a:p>
+          <a:p>
+            <a:pPr lvl="1" fontAlgn="base"/>
+            <a:r>
+              <a:rPr lang="en-US" sz="1200" dirty="0" err="1"/>
+              <a:t>alert.accept</a:t>
+            </a:r>
+            <a:r>
+              <a:rPr lang="en-US" sz="1200" dirty="0"/>
+              <a:t>()</a:t>
+            </a:r>
+          </a:p>
+          <a:p>
+            <a:pPr lvl="1" fontAlgn="base"/>
+            <a:r>
+              <a:rPr lang="en-US" sz="1200" dirty="0" err="1"/>
+              <a:t>alert.dismiss</a:t>
+            </a:r>
+            <a:r>
+              <a:rPr lang="en-US" sz="1200" dirty="0"/>
+              <a:t>()</a:t>
+            </a:r>
             <a:endParaRPr lang="en-IN" sz="1200" dirty="0"/>
           </a:p>
         </p:txBody>
@@ -48893,7 +49021,7 @@
           <a:p>
             <a:r>
               <a:rPr lang="en-US" sz="1400" dirty="0"/>
-              <a:t>Selenium : Element Interactions</a:t>
+              <a:t>Selenium : Dealing with Windows ,Tabs, Alerts and Iframes</a:t>
             </a:r>
             <a:endParaRPr lang="en-IN" sz="1400" dirty="0"/>
           </a:p>
@@ -48902,7 +49030,7 @@
     </p:spTree>
     <p:extLst>
       <p:ext uri="{BB962C8B-B14F-4D97-AF65-F5344CB8AC3E}">
-        <p14:creationId xmlns:p14="http://schemas.microsoft.com/office/powerpoint/2010/main" val="520986797"/>
+        <p14:creationId xmlns:p14="http://schemas.microsoft.com/office/powerpoint/2010/main" val="3565964115"/>
       </p:ext>
     </p:extLst>
   </p:cSld>
@@ -48941,8 +49069,8 @@
         </p:nvSpPr>
         <p:spPr>
           <a:xfrm>
-            <a:off x="677333" y="620688"/>
-            <a:ext cx="8596668" cy="5420675"/>
+            <a:off x="677333" y="620689"/>
+            <a:ext cx="8596668" cy="5420674"/>
           </a:xfrm>
         </p:spPr>
         <p:txBody>
@@ -48954,109 +49082,103 @@
             </a:pPr>
             <a:r>
               <a:rPr lang="en-US" sz="1200" dirty="0"/>
-              <a:t>Dealing with Windows and Tabs</a:t>
+              <a:t>Dealing with Iframes</a:t>
             </a:r>
           </a:p>
           <a:p>
             <a:pPr lvl="1" fontAlgn="base"/>
             <a:r>
-              <a:rPr lang="en-US" sz="1200" dirty="0" err="1"/>
-              <a:t>getWindowHandle</a:t>
-            </a:r>
-            <a:r>
               <a:rPr lang="en-US" sz="1200" dirty="0"/>
-              <a:t>() method</a:t>
-            </a:r>
-          </a:p>
-          <a:p>
-            <a:pPr lvl="1" fontAlgn="base"/>
-            <a:r>
-              <a:rPr lang="en-US" sz="1200" dirty="0" err="1"/>
-              <a:t>getWindowHandles</a:t>
-            </a:r>
-            <a:r>
-              <a:rPr lang="en-US" sz="1200" dirty="0"/>
-              <a:t>() method</a:t>
-            </a:r>
-          </a:p>
-          <a:p>
-            <a:pPr lvl="1" fontAlgn="base"/>
-            <a:r>
-              <a:rPr lang="en-US" sz="1200" dirty="0"/>
-              <a:t>Switching to new Window/Tab</a:t>
-            </a:r>
-          </a:p>
-          <a:p>
-            <a:pPr lvl="1" fontAlgn="base"/>
-            <a:r>
-              <a:rPr lang="en-US" sz="1200" dirty="0"/>
-              <a:t>Switching back to parent window</a:t>
-            </a:r>
-          </a:p>
-          <a:p>
-            <a:pPr lvl="1" fontAlgn="base"/>
-            <a:r>
-              <a:rPr lang="en-US" sz="1200" dirty="0"/>
-              <a:t>Difference between close() and Quit()  methods</a:t>
-            </a:r>
-          </a:p>
-          <a:p>
-            <a:pPr lvl="1" fontAlgn="base"/>
-            <a:endParaRPr lang="en-US" sz="1200" dirty="0"/>
-          </a:p>
-          <a:p>
-            <a:pPr fontAlgn="base">
-              <a:buSzPct val="80000"/>
-            </a:pPr>
-            <a:r>
-              <a:rPr lang="en-US" sz="1200" dirty="0"/>
-              <a:t>Dealing with Alerts</a:t>
-            </a:r>
-          </a:p>
-          <a:p>
-            <a:pPr lvl="1" fontAlgn="base"/>
+              <a:t>Switching to Iframe:</a:t>
+            </a:r>
+            <a:endParaRPr lang="en-IN" sz="1200" dirty="0"/>
+          </a:p>
+          <a:p>
+            <a:pPr lvl="2" fontAlgn="base"/>
             <a:r>
               <a:rPr lang="en-IN" sz="1200" dirty="0" err="1"/>
               <a:t>driver.switchTo</a:t>
             </a:r>
             <a:r>
               <a:rPr lang="en-IN" sz="1200" dirty="0"/>
-              <a:t>().alert()</a:t>
+              <a:t>().frame(index)</a:t>
+            </a:r>
+            <a:endParaRPr lang="en-US" sz="1200" dirty="0"/>
+          </a:p>
+          <a:p>
+            <a:pPr lvl="2" fontAlgn="base"/>
+            <a:r>
+              <a:rPr lang="en-IN" sz="1200" dirty="0" err="1"/>
+              <a:t>driver.switchTo</a:t>
+            </a:r>
+            <a:r>
+              <a:rPr lang="en-IN" sz="1200" dirty="0"/>
+              <a:t>().frame(</a:t>
+            </a:r>
+            <a:r>
+              <a:rPr lang="en-IN" sz="1200" dirty="0" err="1"/>
+              <a:t>nameorId</a:t>
+            </a:r>
+            <a:r>
+              <a:rPr lang="en-IN" sz="1200" dirty="0"/>
+              <a:t>)</a:t>
+            </a:r>
+          </a:p>
+          <a:p>
+            <a:pPr lvl="2" fontAlgn="base"/>
+            <a:r>
+              <a:rPr lang="en-IN" sz="1200" dirty="0" err="1"/>
+              <a:t>driver.switchTo</a:t>
+            </a:r>
+            <a:r>
+              <a:rPr lang="en-IN" sz="1200" dirty="0"/>
+              <a:t>().frame(</a:t>
+            </a:r>
+            <a:r>
+              <a:rPr lang="en-IN" sz="1200" dirty="0" err="1"/>
+              <a:t>webelement</a:t>
+            </a:r>
+            <a:r>
+              <a:rPr lang="en-IN" sz="1200" dirty="0"/>
+              <a:t>)</a:t>
             </a:r>
           </a:p>
           <a:p>
             <a:pPr lvl="1" fontAlgn="base"/>
             <a:r>
-              <a:rPr lang="en-US" sz="1200" dirty="0" err="1"/>
-              <a:t>alert.getText</a:t>
-            </a:r>
-            <a:r>
               <a:rPr lang="en-US" sz="1200" dirty="0"/>
+              <a:t>Switching back to parent page:</a:t>
+            </a:r>
+          </a:p>
+          <a:p>
+            <a:pPr lvl="2" fontAlgn="base"/>
+            <a:r>
+              <a:rPr lang="en-IN" sz="1200" dirty="0" err="1"/>
+              <a:t>driver.switchTo</a:t>
+            </a:r>
+            <a:r>
+              <a:rPr lang="en-IN" sz="1200" dirty="0"/>
+              <a:t>().</a:t>
+            </a:r>
+            <a:r>
+              <a:rPr lang="en-IN" sz="1200" dirty="0" err="1"/>
+              <a:t>defaultContent</a:t>
+            </a:r>
+            <a:r>
+              <a:rPr lang="en-IN" sz="1200" dirty="0"/>
               <a:t>()</a:t>
             </a:r>
           </a:p>
           <a:p>
-            <a:pPr lvl="1" fontAlgn="base"/>
-            <a:r>
-              <a:rPr lang="en-US" sz="1200" dirty="0" err="1"/>
-              <a:t>alert.accept</a:t>
-            </a:r>
-            <a:r>
-              <a:rPr lang="en-US" sz="1200" dirty="0"/>
-              <a:t>()</a:t>
-            </a:r>
-          </a:p>
-          <a:p>
-            <a:pPr lvl="1" fontAlgn="base"/>
-            <a:r>
-              <a:rPr lang="en-US" sz="1200" dirty="0" err="1"/>
-              <a:t>alert.dismiss</a:t>
-            </a:r>
-            <a:r>
-              <a:rPr lang="en-US" sz="1200" dirty="0"/>
-              <a:t>()</a:t>
-            </a:r>
-            <a:endParaRPr lang="en-IN" sz="1200" dirty="0"/>
+            <a:pPr lvl="1"/>
+            <a:endParaRPr lang="en-IN" u="sng" dirty="0"/>
+          </a:p>
+          <a:p>
+            <a:pPr lvl="1"/>
+            <a:endParaRPr lang="en-US" dirty="0"/>
+          </a:p>
+          <a:p>
+            <a:endParaRPr lang="en-IN" dirty="0"/>
           </a:p>
         </p:txBody>
       </p:sp>
@@ -49091,7 +49213,7 @@
     </p:spTree>
     <p:extLst>
       <p:ext uri="{BB962C8B-B14F-4D97-AF65-F5344CB8AC3E}">
-        <p14:creationId xmlns:p14="http://schemas.microsoft.com/office/powerpoint/2010/main" val="3565964115"/>
+        <p14:creationId xmlns:p14="http://schemas.microsoft.com/office/powerpoint/2010/main" val="1835133059"/>
       </p:ext>
     </p:extLst>
   </p:cSld>
@@ -49130,8 +49252,8 @@
         </p:nvSpPr>
         <p:spPr>
           <a:xfrm>
-            <a:off x="677333" y="620689"/>
-            <a:ext cx="8596668" cy="5420674"/>
+            <a:off x="677332" y="692696"/>
+            <a:ext cx="8803043" cy="6048671"/>
           </a:xfrm>
         </p:spPr>
         <p:txBody>
@@ -49142,80 +49264,170 @@
               <a:buSzPct val="80000"/>
             </a:pPr>
             <a:r>
+              <a:rPr lang="en-IN" sz="1200" dirty="0"/>
+              <a:t>Mouse actions</a:t>
+            </a:r>
+          </a:p>
+          <a:p>
+            <a:pPr lvl="1" fontAlgn="base"/>
+            <a:r>
+              <a:rPr lang="en-IN" sz="1200" dirty="0"/>
+              <a:t>click()</a:t>
+            </a:r>
+          </a:p>
+          <a:p>
+            <a:pPr lvl="1" fontAlgn="base"/>
+            <a:r>
+              <a:rPr lang="en-IN" sz="1200" dirty="0" err="1"/>
+              <a:t>clickAndHold</a:t>
+            </a:r>
+            <a:r>
+              <a:rPr lang="en-IN" sz="1200" dirty="0"/>
+              <a:t>()</a:t>
+            </a:r>
+          </a:p>
+          <a:p>
+            <a:pPr lvl="1" fontAlgn="base"/>
+            <a:r>
               <a:rPr lang="en-US" sz="1200" dirty="0"/>
-              <a:t>Dealing with Iframes</a:t>
-            </a:r>
+              <a:t>Release()</a:t>
+            </a:r>
+            <a:endParaRPr lang="en-IN" sz="1200" dirty="0"/>
           </a:p>
           <a:p>
             <a:pPr lvl="1" fontAlgn="base"/>
             <a:r>
+              <a:rPr lang="en-IN" sz="1200" dirty="0" err="1"/>
+              <a:t>doubleClick</a:t>
+            </a:r>
+            <a:r>
+              <a:rPr lang="en-IN" sz="1200" dirty="0"/>
+              <a:t>()</a:t>
+            </a:r>
+          </a:p>
+          <a:p>
+            <a:pPr lvl="1" fontAlgn="base"/>
+            <a:r>
+              <a:rPr lang="en-IN" sz="1200" dirty="0" err="1"/>
+              <a:t>moveToElement</a:t>
+            </a:r>
+            <a:r>
+              <a:rPr lang="en-IN" sz="1200" dirty="0"/>
+              <a:t>()</a:t>
+            </a:r>
+          </a:p>
+          <a:p>
+            <a:pPr lvl="1" fontAlgn="base"/>
+            <a:r>
+              <a:rPr lang="en-IN" sz="1200" dirty="0" err="1"/>
+              <a:t>dragAndDrop</a:t>
+            </a:r>
+            <a:r>
+              <a:rPr lang="en-IN" sz="1200" dirty="0"/>
+              <a:t>(source, target)</a:t>
+            </a:r>
+          </a:p>
+          <a:p>
+            <a:pPr lvl="2" fontAlgn="base"/>
+            <a:r>
+              <a:rPr lang="en-US" sz="1200" dirty="0" err="1"/>
+              <a:t>actions.dragAndDrop</a:t>
+            </a:r>
+            <a:r>
               <a:rPr lang="en-US" sz="1200" dirty="0"/>
-              <a:t>Switching to Iframe:</a:t>
+              <a:t>(</a:t>
+            </a:r>
+            <a:r>
+              <a:rPr lang="en-US" sz="1200" dirty="0" err="1"/>
+              <a:t>fromElement,toElement</a:t>
+            </a:r>
+            <a:r>
+              <a:rPr lang="en-US" sz="1200" dirty="0"/>
+              <a:t>).build().perform()</a:t>
             </a:r>
             <a:endParaRPr lang="en-IN" sz="1200" dirty="0"/>
           </a:p>
           <a:p>
             <a:pPr lvl="2" fontAlgn="base"/>
             <a:r>
+              <a:rPr lang="en-IN" sz="1200" dirty="0"/>
+              <a:t>Another way to achieve this:</a:t>
+            </a:r>
+          </a:p>
+          <a:p>
+            <a:pPr lvl="3" fontAlgn="base"/>
+            <a:r>
+              <a:rPr lang="en-US" dirty="0" err="1"/>
+              <a:t>actions.clickAndHold</a:t>
+            </a:r>
+            <a:r>
+              <a:rPr lang="en-US" dirty="0"/>
+              <a:t>(</a:t>
+            </a:r>
+            <a:r>
+              <a:rPr lang="en-US" dirty="0" err="1"/>
+              <a:t>fromElement</a:t>
+            </a:r>
+            <a:r>
+              <a:rPr lang="en-US" dirty="0"/>
+              <a:t>).</a:t>
+            </a:r>
+            <a:r>
+              <a:rPr lang="en-US" dirty="0" err="1"/>
+              <a:t>moveTo</a:t>
+            </a:r>
+            <a:r>
+              <a:rPr lang="en-US" dirty="0"/>
+              <a:t>(</a:t>
+            </a:r>
+            <a:r>
+              <a:rPr lang="en-US" dirty="0" err="1"/>
+              <a:t>ToElement</a:t>
+            </a:r>
+            <a:r>
+              <a:rPr lang="en-US" dirty="0"/>
+              <a:t>).release().build().perform()</a:t>
+            </a:r>
+            <a:endParaRPr lang="en-IN" dirty="0"/>
+          </a:p>
+          <a:p>
+            <a:pPr lvl="1" fontAlgn="base"/>
+            <a:r>
               <a:rPr lang="en-IN" sz="1200" dirty="0" err="1"/>
-              <a:t>driver.switchTo</a:t>
+              <a:t>contextClick</a:t>
             </a:r>
             <a:r>
               <a:rPr lang="en-IN" sz="1200" dirty="0"/>
-              <a:t>().frame(index)</a:t>
-            </a:r>
-            <a:endParaRPr lang="en-US" sz="1200" dirty="0"/>
+              <a:t>()</a:t>
+            </a:r>
           </a:p>
           <a:p>
             <a:pPr lvl="2" fontAlgn="base"/>
             <a:r>
+              <a:rPr lang="en-IN" sz="1200" dirty="0"/>
+              <a:t>This method opens context menu corresponding web element passed to it.</a:t>
+            </a:r>
+          </a:p>
+          <a:p>
+            <a:pPr lvl="2" fontAlgn="base"/>
+            <a:r>
+              <a:rPr lang="en-IN" sz="1200" dirty="0"/>
+              <a:t>Once the context menu got opened we need to press keyboard down arrow multiple times to go to the option we want to choose and click enter button.</a:t>
+            </a:r>
+          </a:p>
+          <a:p>
+            <a:pPr lvl="2" fontAlgn="base"/>
+            <a:r>
               <a:rPr lang="en-IN" sz="1200" dirty="0" err="1"/>
-              <a:t>driver.switchTo</a:t>
+              <a:t>action.moveToElement</a:t>
             </a:r>
             <a:r>
               <a:rPr lang="en-IN" sz="1200" dirty="0"/>
-              <a:t>().frame(</a:t>
+              <a:t>(el).</a:t>
             </a:r>
             <a:r>
               <a:rPr lang="en-IN" sz="1200" dirty="0" err="1"/>
-              <a:t>nameorId</a:t>
-            </a:r>
-            <a:r>
-              <a:rPr lang="en-IN" sz="1200" dirty="0"/>
-              <a:t>)</a:t>
-            </a:r>
-          </a:p>
-          <a:p>
-            <a:pPr lvl="2" fontAlgn="base"/>
-            <a:r>
-              <a:rPr lang="en-IN" sz="1200" dirty="0" err="1"/>
-              <a:t>driver.switchTo</a:t>
-            </a:r>
-            <a:r>
-              <a:rPr lang="en-IN" sz="1200" dirty="0"/>
-              <a:t>().frame(</a:t>
-            </a:r>
-            <a:r>
-              <a:rPr lang="en-IN" sz="1200" dirty="0" err="1"/>
-              <a:t>webelement</a:t>
-            </a:r>
-            <a:r>
-              <a:rPr lang="en-IN" sz="1200" dirty="0"/>
-              <a:t>)</a:t>
-            </a:r>
-          </a:p>
-          <a:p>
-            <a:pPr lvl="1" fontAlgn="base"/>
-            <a:r>
-              <a:rPr lang="en-US" sz="1200" dirty="0"/>
-              <a:t>Switching back to parent page:</a:t>
-            </a:r>
-          </a:p>
-          <a:p>
-            <a:pPr lvl="2" fontAlgn="base"/>
-            <a:r>
-              <a:rPr lang="en-IN" sz="1200" dirty="0" err="1"/>
-              <a:t>driver.switchTo</a:t>
+              <a:t>contextClick</a:t>
             </a:r>
             <a:r>
               <a:rPr lang="en-IN" sz="1200" dirty="0"/>
@@ -49223,20 +49435,36 @@
             </a:r>
             <a:r>
               <a:rPr lang="en-IN" sz="1200" dirty="0" err="1"/>
-              <a:t>defaultContent</a:t>
+              <a:t>sendKeys</a:t>
             </a:r>
             <a:r>
               <a:rPr lang="en-IN" sz="1200" dirty="0"/>
-              <a:t>()</a:t>
-            </a:r>
-          </a:p>
-          <a:p>
-            <a:pPr lvl="1"/>
-            <a:endParaRPr lang="en-IN" u="sng" dirty="0"/>
-          </a:p>
-          <a:p>
-            <a:pPr lvl="1"/>
-            <a:endParaRPr lang="en-US" dirty="0"/>
+              <a:t>(</a:t>
+            </a:r>
+            <a:r>
+              <a:rPr lang="en-IN" sz="1200" dirty="0" err="1"/>
+              <a:t>Keys.ARROW_DOWN</a:t>
+            </a:r>
+            <a:r>
+              <a:rPr lang="en-IN" sz="1200" dirty="0"/>
+              <a:t>).</a:t>
+            </a:r>
+            <a:r>
+              <a:rPr lang="en-IN" sz="1200" dirty="0" err="1"/>
+              <a:t>sendKeys</a:t>
+            </a:r>
+            <a:r>
+              <a:rPr lang="en-IN" sz="1200" dirty="0"/>
+              <a:t>(</a:t>
+            </a:r>
+            <a:r>
+              <a:rPr lang="en-IN" sz="1200" dirty="0" err="1"/>
+              <a:t>Keys.RETURN</a:t>
+            </a:r>
+            <a:r>
+              <a:rPr lang="en-IN" sz="1200" dirty="0"/>
+              <a:t>).build().perform()</a:t>
+            </a:r>
           </a:p>
           <a:p>
             <a:endParaRPr lang="en-IN" dirty="0"/>
@@ -49265,7 +49493,7 @@
           <a:p>
             <a:r>
               <a:rPr lang="en-US" sz="1400" dirty="0"/>
-              <a:t>Selenium : Dealing with Windows ,Tabs, Alerts and Iframes</a:t>
+              <a:t>Selenium : Actions</a:t>
             </a:r>
             <a:endParaRPr lang="en-IN" sz="1400" dirty="0"/>
           </a:p>
@@ -49274,7 +49502,7 @@
     </p:spTree>
     <p:extLst>
       <p:ext uri="{BB962C8B-B14F-4D97-AF65-F5344CB8AC3E}">
-        <p14:creationId xmlns:p14="http://schemas.microsoft.com/office/powerpoint/2010/main" val="1835133059"/>
+        <p14:creationId xmlns:p14="http://schemas.microsoft.com/office/powerpoint/2010/main" val="686973639"/>
       </p:ext>
     </p:extLst>
   </p:cSld>
@@ -49313,8 +49541,8 @@
         </p:nvSpPr>
         <p:spPr>
           <a:xfrm>
-            <a:off x="677332" y="692696"/>
-            <a:ext cx="8803043" cy="6048671"/>
+            <a:off x="677333" y="620689"/>
+            <a:ext cx="8596668" cy="5420674"/>
           </a:xfrm>
         </p:spPr>
         <p:txBody>
@@ -49326,21 +49554,14 @@
             </a:pPr>
             <a:r>
               <a:rPr lang="en-IN" sz="1200" dirty="0"/>
-              <a:t>Mouse actions</a:t>
+              <a:t>Keyboard actions</a:t>
             </a:r>
           </a:p>
           <a:p>
             <a:pPr lvl="1" fontAlgn="base"/>
             <a:r>
-              <a:rPr lang="en-IN" sz="1200" dirty="0"/>
-              <a:t>click()</a:t>
-            </a:r>
-          </a:p>
-          <a:p>
-            <a:pPr lvl="1" fontAlgn="base"/>
-            <a:r>
               <a:rPr lang="en-IN" sz="1200" dirty="0" err="1"/>
-              <a:t>clickAndHold</a:t>
+              <a:t>sendKeys</a:t>
             </a:r>
             <a:r>
               <a:rPr lang="en-IN" sz="1200" dirty="0"/>
@@ -49350,16 +49571,8 @@
           <a:p>
             <a:pPr lvl="1" fontAlgn="base"/>
             <a:r>
-              <a:rPr lang="en-US" sz="1200" dirty="0"/>
-              <a:t>Release()</a:t>
-            </a:r>
-            <a:endParaRPr lang="en-IN" sz="1200" dirty="0"/>
-          </a:p>
-          <a:p>
-            <a:pPr lvl="1" fontAlgn="base"/>
-            <a:r>
               <a:rPr lang="en-IN" sz="1200" dirty="0" err="1"/>
-              <a:t>doubleClick</a:t>
+              <a:t>keyDown</a:t>
             </a:r>
             <a:r>
               <a:rPr lang="en-IN" sz="1200" dirty="0"/>
@@ -49370,7 +49583,7 @@
             <a:pPr lvl="1" fontAlgn="base"/>
             <a:r>
               <a:rPr lang="en-IN" sz="1200" dirty="0" err="1"/>
-              <a:t>moveToElement</a:t>
+              <a:t>keyUp</a:t>
             </a:r>
             <a:r>
               <a:rPr lang="en-IN" sz="1200" dirty="0"/>
@@ -49380,152 +49593,106 @@
           <a:p>
             <a:pPr lvl="1" fontAlgn="base"/>
             <a:r>
-              <a:rPr lang="en-IN" sz="1200" dirty="0" err="1"/>
-              <a:t>dragAndDrop</a:t>
-            </a:r>
-            <a:r>
               <a:rPr lang="en-IN" sz="1200" dirty="0"/>
-              <a:t>(source, target)</a:t>
-            </a:r>
-          </a:p>
-          <a:p>
-            <a:pPr lvl="2" fontAlgn="base"/>
-            <a:r>
-              <a:rPr lang="en-US" sz="1200" dirty="0" err="1"/>
-              <a:t>actions.dragAndDrop</a:t>
-            </a:r>
+              <a:t>Keys from keyboard can be distinguished into two categories:</a:t>
+            </a:r>
+          </a:p>
+          <a:p>
+            <a:pPr lvl="3" fontAlgn="base"/>
+            <a:r>
+              <a:rPr lang="en-IN" dirty="0"/>
+              <a:t>Modifier keys</a:t>
+            </a:r>
+          </a:p>
+          <a:p>
+            <a:pPr lvl="4" fontAlgn="base"/>
+            <a:r>
+              <a:rPr lang="en-IN" dirty="0"/>
+              <a:t>SHIFT,ALT,CONTROL </a:t>
+            </a:r>
+          </a:p>
+          <a:p>
+            <a:pPr lvl="3" fontAlgn="base"/>
+            <a:r>
+              <a:rPr lang="en-IN" dirty="0"/>
+              <a:t>Non Modifier keys</a:t>
+            </a:r>
+          </a:p>
+          <a:p>
+            <a:pPr lvl="4" fontAlgn="base"/>
+            <a:r>
+              <a:rPr lang="en-IN" dirty="0"/>
+              <a:t>All other keys</a:t>
+            </a:r>
+          </a:p>
+          <a:p>
+            <a:pPr lvl="3" fontAlgn="base"/>
+            <a:r>
+              <a:rPr lang="en-US" dirty="0" err="1"/>
+              <a:t>sendKeys</a:t>
+            </a:r>
+            <a:r>
+              <a:rPr lang="en-US" dirty="0"/>
+              <a:t>() works on all keys</a:t>
+            </a:r>
+          </a:p>
+          <a:p>
+            <a:pPr lvl="4" fontAlgn="base"/>
+            <a:r>
+              <a:rPr lang="en-IN" dirty="0"/>
+              <a:t>el1.sendKeys(</a:t>
+            </a:r>
+            <a:r>
+              <a:rPr lang="en-IN" dirty="0" err="1"/>
+              <a:t>Keys.CONTROL+"a</a:t>
+            </a:r>
+            <a:r>
+              <a:rPr lang="en-IN" dirty="0"/>
+              <a:t>")</a:t>
+            </a:r>
+          </a:p>
+          <a:p>
+            <a:pPr lvl="4" fontAlgn="base"/>
+            <a:r>
+              <a:rPr lang="en-IN" dirty="0"/>
+              <a:t>el1.sendKeys("</a:t>
+            </a:r>
+            <a:r>
+              <a:rPr lang="en-IN" dirty="0" err="1"/>
+              <a:t>abc</a:t>
+            </a:r>
+            <a:r>
+              <a:rPr lang="en-IN" dirty="0"/>
+              <a:t>“)</a:t>
+            </a:r>
+            <a:endParaRPr lang="en-US" dirty="0"/>
+          </a:p>
+          <a:p>
+            <a:pPr lvl="3" fontAlgn="base"/>
+            <a:r>
+              <a:rPr lang="en-IN" dirty="0" err="1"/>
+              <a:t>keyDown</a:t>
+            </a:r>
+            <a:r>
+              <a:rPr lang="en-IN" dirty="0"/>
+              <a:t>() and </a:t>
+            </a:r>
+            <a:r>
+              <a:rPr lang="en-IN" dirty="0" err="1"/>
+              <a:t>keyUp</a:t>
+            </a:r>
+            <a:r>
+              <a:rPr lang="en-IN" dirty="0"/>
+              <a:t>() work only on modifier keys</a:t>
+            </a:r>
+          </a:p>
+          <a:p>
+            <a:pPr lvl="1" fontAlgn="base"/>
             <a:r>
               <a:rPr lang="en-US" sz="1200" dirty="0"/>
-              <a:t>(</a:t>
-            </a:r>
-            <a:r>
-              <a:rPr lang="en-US" sz="1200" dirty="0" err="1"/>
-              <a:t>fromElement,toElement</a:t>
-            </a:r>
-            <a:r>
-              <a:rPr lang="en-US" sz="1200" dirty="0"/>
-              <a:t>).build().perform()</a:t>
+              <a:t>Example on modifier keys</a:t>
             </a:r>
             <a:endParaRPr lang="en-IN" sz="1200" dirty="0"/>
-          </a:p>
-          <a:p>
-            <a:pPr lvl="2" fontAlgn="base"/>
-            <a:r>
-              <a:rPr lang="en-IN" sz="1200" dirty="0"/>
-              <a:t>Another way to achieve this:</a:t>
-            </a:r>
-          </a:p>
-          <a:p>
-            <a:pPr lvl="3" fontAlgn="base"/>
-            <a:r>
-              <a:rPr lang="en-US" dirty="0" err="1"/>
-              <a:t>actions.clickAndHold</a:t>
-            </a:r>
-            <a:r>
-              <a:rPr lang="en-US" dirty="0"/>
-              <a:t>(</a:t>
-            </a:r>
-            <a:r>
-              <a:rPr lang="en-US" dirty="0" err="1"/>
-              <a:t>fromElement</a:t>
-            </a:r>
-            <a:r>
-              <a:rPr lang="en-US" dirty="0"/>
-              <a:t>).</a:t>
-            </a:r>
-            <a:r>
-              <a:rPr lang="en-US" dirty="0" err="1"/>
-              <a:t>moveTo</a:t>
-            </a:r>
-            <a:r>
-              <a:rPr lang="en-US" dirty="0"/>
-              <a:t>(</a:t>
-            </a:r>
-            <a:r>
-              <a:rPr lang="en-US" dirty="0" err="1"/>
-              <a:t>ToElement</a:t>
-            </a:r>
-            <a:r>
-              <a:rPr lang="en-US" dirty="0"/>
-              <a:t>).release().build().perform()</a:t>
-            </a:r>
-            <a:endParaRPr lang="en-IN" dirty="0"/>
-          </a:p>
-          <a:p>
-            <a:pPr lvl="1" fontAlgn="base"/>
-            <a:r>
-              <a:rPr lang="en-IN" sz="1200" dirty="0" err="1"/>
-              <a:t>contextClick</a:t>
-            </a:r>
-            <a:r>
-              <a:rPr lang="en-IN" sz="1200" dirty="0"/>
-              <a:t>()</a:t>
-            </a:r>
-          </a:p>
-          <a:p>
-            <a:pPr lvl="2" fontAlgn="base"/>
-            <a:r>
-              <a:rPr lang="en-IN" sz="1200" dirty="0"/>
-              <a:t>This method opens context menu corresponding web element passed to it.</a:t>
-            </a:r>
-          </a:p>
-          <a:p>
-            <a:pPr lvl="2" fontAlgn="base"/>
-            <a:r>
-              <a:rPr lang="en-IN" sz="1200" dirty="0"/>
-              <a:t>Once the context menu got opened we need to press keyboard down arrow multiple times to go to the option we want to choose and click enter button.</a:t>
-            </a:r>
-          </a:p>
-          <a:p>
-            <a:pPr lvl="2" fontAlgn="base"/>
-            <a:r>
-              <a:rPr lang="en-IN" sz="1200" dirty="0" err="1"/>
-              <a:t>action.moveToElement</a:t>
-            </a:r>
-            <a:r>
-              <a:rPr lang="en-IN" sz="1200" dirty="0"/>
-              <a:t>(el).</a:t>
-            </a:r>
-            <a:r>
-              <a:rPr lang="en-IN" sz="1200" dirty="0" err="1"/>
-              <a:t>contextClick</a:t>
-            </a:r>
-            <a:r>
-              <a:rPr lang="en-IN" sz="1200" dirty="0"/>
-              <a:t>().</a:t>
-            </a:r>
-            <a:r>
-              <a:rPr lang="en-IN" sz="1200" dirty="0" err="1"/>
-              <a:t>sendKeys</a:t>
-            </a:r>
-            <a:r>
-              <a:rPr lang="en-IN" sz="1200" dirty="0"/>
-              <a:t>(</a:t>
-            </a:r>
-            <a:r>
-              <a:rPr lang="en-IN" sz="1200" dirty="0" err="1"/>
-              <a:t>Keys.ARROW_DOWN</a:t>
-            </a:r>
-            <a:r>
-              <a:rPr lang="en-IN" sz="1200" dirty="0"/>
-              <a:t>).</a:t>
-            </a:r>
-            <a:r>
-              <a:rPr lang="en-IN" sz="1200" dirty="0" err="1"/>
-              <a:t>sendKeys</a:t>
-            </a:r>
-            <a:r>
-              <a:rPr lang="en-IN" sz="1200" dirty="0"/>
-              <a:t>(</a:t>
-            </a:r>
-            <a:r>
-              <a:rPr lang="en-IN" sz="1200" dirty="0" err="1"/>
-              <a:t>Keys.RETURN</a:t>
-            </a:r>
-            <a:r>
-              <a:rPr lang="en-IN" sz="1200" dirty="0"/>
-              <a:t>).build().perform()</a:t>
-            </a:r>
           </a:p>
           <a:p>
             <a:endParaRPr lang="en-IN" dirty="0"/>
@@ -49563,7 +49730,7 @@
     </p:spTree>
     <p:extLst>
       <p:ext uri="{BB962C8B-B14F-4D97-AF65-F5344CB8AC3E}">
-        <p14:creationId xmlns:p14="http://schemas.microsoft.com/office/powerpoint/2010/main" val="686973639"/>
+        <p14:creationId xmlns:p14="http://schemas.microsoft.com/office/powerpoint/2010/main" val="103732742"/>
       </p:ext>
     </p:extLst>
   </p:cSld>
@@ -49602,8 +49769,8 @@
         </p:nvSpPr>
         <p:spPr>
           <a:xfrm>
-            <a:off x="677333" y="620689"/>
-            <a:ext cx="8596668" cy="5420674"/>
+            <a:off x="677333" y="609601"/>
+            <a:ext cx="8596668" cy="5431762"/>
           </a:xfrm>
         </p:spPr>
         <p:txBody>
@@ -49614,146 +49781,53 @@
               <a:buSzPct val="80000"/>
             </a:pPr>
             <a:r>
-              <a:rPr lang="en-IN" sz="1200" dirty="0"/>
-              <a:t>Keyboard actions</a:t>
+              <a:rPr lang="en-US" sz="1200" dirty="0"/>
+              <a:t>Navigation interface</a:t>
             </a:r>
           </a:p>
           <a:p>
             <a:pPr lvl="1" fontAlgn="base"/>
             <a:r>
-              <a:rPr lang="en-IN" sz="1200" dirty="0" err="1"/>
-              <a:t>sendKeys</a:t>
-            </a:r>
-            <a:r>
-              <a:rPr lang="en-IN" sz="1200" dirty="0"/>
-              <a:t>()</a:t>
+              <a:rPr lang="en-US" sz="1200" dirty="0" err="1"/>
+              <a:t>driver.navigate</a:t>
+            </a:r>
+            <a:r>
+              <a:rPr lang="en-US" sz="1200" dirty="0"/>
+              <a:t>().to()</a:t>
             </a:r>
           </a:p>
           <a:p>
             <a:pPr lvl="1" fontAlgn="base"/>
             <a:r>
-              <a:rPr lang="en-IN" sz="1200" dirty="0" err="1"/>
-              <a:t>keyDown</a:t>
-            </a:r>
-            <a:r>
-              <a:rPr lang="en-IN" sz="1200" dirty="0"/>
-              <a:t>()</a:t>
+              <a:rPr lang="en-US" sz="1200" dirty="0" err="1"/>
+              <a:t>driver.navigate</a:t>
+            </a:r>
+            <a:r>
+              <a:rPr lang="en-US" sz="1200" dirty="0"/>
+              <a:t>().back()</a:t>
             </a:r>
           </a:p>
           <a:p>
             <a:pPr lvl="1" fontAlgn="base"/>
             <a:r>
-              <a:rPr lang="en-IN" sz="1200" dirty="0" err="1"/>
-              <a:t>keyUp</a:t>
-            </a:r>
-            <a:r>
-              <a:rPr lang="en-IN" sz="1200" dirty="0"/>
-              <a:t>()</a:t>
+              <a:rPr lang="en-US" sz="1200" dirty="0" err="1"/>
+              <a:t>driver.navigate</a:t>
+            </a:r>
+            <a:r>
+              <a:rPr lang="en-US" sz="1200" dirty="0"/>
+              <a:t>().forward()</a:t>
             </a:r>
           </a:p>
           <a:p>
             <a:pPr lvl="1" fontAlgn="base"/>
             <a:r>
-              <a:rPr lang="en-IN" sz="1200" dirty="0"/>
-              <a:t>Keys from keyboard can be distinguished into two categories:</a:t>
-            </a:r>
-          </a:p>
-          <a:p>
-            <a:pPr lvl="3" fontAlgn="base"/>
-            <a:r>
-              <a:rPr lang="en-IN" dirty="0"/>
-              <a:t>Modifier keys</a:t>
-            </a:r>
-          </a:p>
-          <a:p>
-            <a:pPr lvl="4" fontAlgn="base"/>
-            <a:r>
-              <a:rPr lang="en-IN" dirty="0"/>
-              <a:t>SHIFT,ALT,CONTROL </a:t>
-            </a:r>
-          </a:p>
-          <a:p>
-            <a:pPr lvl="3" fontAlgn="base"/>
-            <a:r>
-              <a:rPr lang="en-IN" dirty="0"/>
-              <a:t>Non Modifier keys</a:t>
-            </a:r>
-          </a:p>
-          <a:p>
-            <a:pPr lvl="4" fontAlgn="base"/>
-            <a:r>
-              <a:rPr lang="en-IN" dirty="0"/>
-              <a:t>All other keys</a:t>
-            </a:r>
-          </a:p>
-          <a:p>
-            <a:pPr lvl="3" fontAlgn="base"/>
-            <a:r>
-              <a:rPr lang="en-US" dirty="0" err="1"/>
-              <a:t>sendKeys</a:t>
-            </a:r>
-            <a:r>
-              <a:rPr lang="en-US" dirty="0"/>
-              <a:t>() works on all keys</a:t>
-            </a:r>
-          </a:p>
-          <a:p>
-            <a:pPr lvl="4" fontAlgn="base"/>
-            <a:r>
-              <a:rPr lang="en-IN" dirty="0"/>
-              <a:t>el1.sendKeys(</a:t>
-            </a:r>
-            <a:r>
-              <a:rPr lang="en-IN" dirty="0" err="1"/>
-              <a:t>Keys.CONTROL+"a</a:t>
-            </a:r>
-            <a:r>
-              <a:rPr lang="en-IN" dirty="0"/>
-              <a:t>")</a:t>
-            </a:r>
-          </a:p>
-          <a:p>
-            <a:pPr lvl="4" fontAlgn="base"/>
-            <a:r>
-              <a:rPr lang="en-IN" dirty="0"/>
-              <a:t>el1.sendKeys("</a:t>
-            </a:r>
-            <a:r>
-              <a:rPr lang="en-IN" dirty="0" err="1"/>
-              <a:t>abc</a:t>
-            </a:r>
-            <a:r>
-              <a:rPr lang="en-IN" dirty="0"/>
-              <a:t>“)</a:t>
-            </a:r>
-            <a:endParaRPr lang="en-US" dirty="0"/>
-          </a:p>
-          <a:p>
-            <a:pPr lvl="3" fontAlgn="base"/>
-            <a:r>
-              <a:rPr lang="en-IN" dirty="0" err="1"/>
-              <a:t>keyDown</a:t>
-            </a:r>
-            <a:r>
-              <a:rPr lang="en-IN" dirty="0"/>
-              <a:t>() and </a:t>
-            </a:r>
-            <a:r>
-              <a:rPr lang="en-IN" dirty="0" err="1"/>
-              <a:t>keyUp</a:t>
-            </a:r>
-            <a:r>
-              <a:rPr lang="en-IN" dirty="0"/>
-              <a:t>() work only on modifier keys</a:t>
-            </a:r>
-          </a:p>
-          <a:p>
-            <a:pPr lvl="1" fontAlgn="base"/>
+              <a:rPr lang="en-US" sz="1200" dirty="0" err="1"/>
+              <a:t>driver.navigate</a:t>
+            </a:r>
             <a:r>
               <a:rPr lang="en-US" sz="1200" dirty="0"/>
-              <a:t>Example on modifier keys</a:t>
-            </a:r>
-            <a:endParaRPr lang="en-IN" sz="1200" dirty="0"/>
+              <a:t>().refresh()</a:t>
+            </a:r>
           </a:p>
           <a:p>
             <a:endParaRPr lang="en-IN" dirty="0"/>
@@ -49782,7 +49856,7 @@
           <a:p>
             <a:r>
               <a:rPr lang="en-US" sz="1400" dirty="0"/>
-              <a:t>Selenium : Actions</a:t>
+              <a:t>Selenium : Navigation</a:t>
             </a:r>
             <a:endParaRPr lang="en-IN" sz="1400" dirty="0"/>
           </a:p>
@@ -49791,7 +49865,7 @@
     </p:spTree>
     <p:extLst>
       <p:ext uri="{BB962C8B-B14F-4D97-AF65-F5344CB8AC3E}">
-        <p14:creationId xmlns:p14="http://schemas.microsoft.com/office/powerpoint/2010/main" val="103732742"/>
+        <p14:creationId xmlns:p14="http://schemas.microsoft.com/office/powerpoint/2010/main" val="1988136971"/>
       </p:ext>
     </p:extLst>
   </p:cSld>
@@ -49830,8 +49904,8 @@
         </p:nvSpPr>
         <p:spPr>
           <a:xfrm>
-            <a:off x="677333" y="609601"/>
-            <a:ext cx="8596668" cy="5431762"/>
+            <a:off x="677333" y="685801"/>
+            <a:ext cx="8596668" cy="5355562"/>
           </a:xfrm>
         </p:spPr>
         <p:txBody>
@@ -49842,56 +49916,104 @@
               <a:buSzPct val="80000"/>
             </a:pPr>
             <a:r>
+              <a:rPr lang="en-US" sz="1200" dirty="0" err="1"/>
+              <a:t>TakesScreenshot</a:t>
+            </a:r>
+            <a:r>
               <a:rPr lang="en-US" sz="1200" dirty="0"/>
-              <a:t>Navigation interface</a:t>
+              <a:t> interface </a:t>
             </a:r>
           </a:p>
           <a:p>
             <a:pPr lvl="1" fontAlgn="base"/>
             <a:r>
+              <a:rPr lang="en-US" sz="1200" dirty="0"/>
+              <a:t>Indicates a driver that can capture a screenshot and store it.</a:t>
+            </a:r>
+          </a:p>
+          <a:p>
+            <a:pPr lvl="2" fontAlgn="base"/>
+            <a:r>
+              <a:rPr lang="en-US" sz="1000" dirty="0" err="1"/>
+              <a:t>TakesScreenshot</a:t>
+            </a:r>
+            <a:r>
+              <a:rPr lang="en-US" sz="1000" dirty="0"/>
+              <a:t> </a:t>
+            </a:r>
+            <a:r>
+              <a:rPr lang="en-US" sz="1000" dirty="0" err="1"/>
+              <a:t>ts</a:t>
+            </a:r>
+            <a:r>
+              <a:rPr lang="en-US" sz="1000" dirty="0"/>
+              <a:t> = ((</a:t>
+            </a:r>
+            <a:r>
+              <a:rPr lang="en-US" sz="1000" dirty="0" err="1"/>
+              <a:t>TakesScreenshot</a:t>
+            </a:r>
+            <a:r>
+              <a:rPr lang="en-US" sz="1000" dirty="0"/>
+              <a:t>)driver);</a:t>
+            </a:r>
+          </a:p>
+          <a:p>
+            <a:pPr lvl="2" fontAlgn="base"/>
+            <a:r>
+              <a:rPr lang="en-US" sz="1200" dirty="0"/>
+              <a:t>File </a:t>
+            </a:r>
+            <a:r>
               <a:rPr lang="en-US" sz="1200" dirty="0" err="1"/>
-              <a:t>driver.navigate</a:t>
+              <a:t>screenshotFile</a:t>
             </a:r>
             <a:r>
               <a:rPr lang="en-US" sz="1200" dirty="0"/>
-              <a:t>().to()</a:t>
+              <a:t> = </a:t>
+            </a:r>
+            <a:r>
+              <a:rPr lang="en-US" sz="1200" dirty="0" err="1"/>
+              <a:t>ts.getScreenshotAs</a:t>
+            </a:r>
+            <a:r>
+              <a:rPr lang="en-US" sz="1200" dirty="0"/>
+              <a:t>(</a:t>
+            </a:r>
+            <a:r>
+              <a:rPr lang="en-US" sz="1200" dirty="0" err="1"/>
+              <a:t>OutputType.FILE</a:t>
+            </a:r>
+            <a:r>
+              <a:rPr lang="en-US" sz="1200" dirty="0"/>
+              <a:t>);</a:t>
+            </a:r>
+          </a:p>
+          <a:p>
+            <a:pPr lvl="2" fontAlgn="base"/>
+            <a:r>
+              <a:rPr lang="en-US" sz="1000" dirty="0" err="1"/>
+              <a:t>FileUtils.copyFile</a:t>
+            </a:r>
+            <a:r>
+              <a:rPr lang="en-US" sz="1000" dirty="0"/>
+              <a:t>(</a:t>
+            </a:r>
+            <a:r>
+              <a:rPr lang="en-US" sz="1000" dirty="0" err="1"/>
+              <a:t>screenshotFile</a:t>
+            </a:r>
+            <a:r>
+              <a:rPr lang="en-US" sz="1000" dirty="0"/>
+              <a:t>, new File("test1.jpg"));</a:t>
             </a:r>
           </a:p>
           <a:p>
             <a:pPr lvl="1" fontAlgn="base"/>
             <a:r>
-              <a:rPr lang="en-US" sz="1200" dirty="0" err="1"/>
-              <a:t>driver.navigate</a:t>
-            </a:r>
-            <a:r>
               <a:rPr lang="en-US" sz="1200" dirty="0"/>
-              <a:t>().back()</a:t>
-            </a:r>
-          </a:p>
-          <a:p>
-            <a:pPr lvl="1" fontAlgn="base"/>
-            <a:r>
-              <a:rPr lang="en-US" sz="1200" dirty="0" err="1"/>
-              <a:t>driver.navigate</a:t>
-            </a:r>
-            <a:r>
-              <a:rPr lang="en-US" sz="1200" dirty="0"/>
-              <a:t>().forward()</a:t>
-            </a:r>
-          </a:p>
-          <a:p>
-            <a:pPr lvl="1" fontAlgn="base"/>
-            <a:r>
-              <a:rPr lang="en-US" sz="1200" dirty="0" err="1"/>
-              <a:t>driver.navigate</a:t>
-            </a:r>
-            <a:r>
-              <a:rPr lang="en-US" sz="1200" dirty="0"/>
-              <a:t>().refresh()</a:t>
-            </a:r>
-          </a:p>
-          <a:p>
-            <a:endParaRPr lang="en-IN" dirty="0"/>
+              <a:t>When to take screenshots?</a:t>
+            </a:r>
           </a:p>
         </p:txBody>
       </p:sp>
@@ -49917,18 +50039,13 @@
           <a:p>
             <a:r>
               <a:rPr lang="en-US" sz="1400" dirty="0"/>
-              <a:t>Selenium : Navigation</a:t>
+              <a:t>Selenium : Taking Screenshots</a:t>
             </a:r>
             <a:endParaRPr lang="en-IN" sz="1400" dirty="0"/>
           </a:p>
         </p:txBody>
       </p:sp>
     </p:spTree>
-    <p:extLst>
-      <p:ext uri="{BB962C8B-B14F-4D97-AF65-F5344CB8AC3E}">
-        <p14:creationId xmlns:p14="http://schemas.microsoft.com/office/powerpoint/2010/main" val="1988136971"/>
-      </p:ext>
-    </p:extLst>
   </p:cSld>
   <p:clrMapOvr>
     <a:masterClrMapping/>
@@ -49941,7 +50058,7 @@
   <p:cSld>
     <p:spTree>
       <p:nvGrpSpPr>
-        <p:cNvPr id="1" name="Shape 228"/>
+        <p:cNvPr id="1" name="Shape 235"/>
         <p:cNvGrpSpPr/>
         <p:nvPr/>
       </p:nvGrpSpPr>
@@ -49955,7 +50072,7 @@
       </p:grpSpPr>
       <p:sp>
         <p:nvSpPr>
-          <p:cNvPr id="230" name="Shape 230"/>
+          <p:cNvPr id="237" name="Shape 237"/>
           <p:cNvSpPr txBox="1">
             <a:spLocks noGrp="1"/>
           </p:cNvSpPr>
@@ -49965,8 +50082,8 @@
         </p:nvSpPr>
         <p:spPr>
           <a:xfrm>
-            <a:off x="685800" y="762000"/>
-            <a:ext cx="8596668" cy="5431762"/>
+            <a:off x="677333" y="533401"/>
+            <a:ext cx="8596668" cy="5507962"/>
           </a:xfrm>
           <a:prstGeom prst="rect">
             <a:avLst/>
@@ -49982,45 +50099,156 @@
           </a:bodyPr>
           <a:lstStyle/>
           <a:p>
-            <a:pPr indent="-342900"/>
-            <a:r>
-              <a:rPr lang="en-US" sz="1200" dirty="0"/>
-              <a:t>Primitive data types</a:t>
-            </a:r>
-            <a:endParaRPr sz="1200" dirty="0"/>
+            <a:pPr marL="342900" marR="0" lvl="0" indent="-342900" algn="l" rtl="0">
+              <a:spcBef>
+                <a:spcPts val="1000"/>
+              </a:spcBef>
+              <a:spcAft>
+                <a:spcPts val="0"/>
+              </a:spcAft>
+              <a:buClr>
+                <a:schemeClr val="accent1"/>
+              </a:buClr>
+              <a:buSzPct val="79999"/>
+              <a:buFont typeface="Noto Sans Symbols"/>
+              <a:buChar char="●"/>
+            </a:pPr>
+            <a:r>
+              <a:rPr lang="en-US" sz="1000" b="0" i="0" u="none" strike="noStrike" cap="none" dirty="0">
+                <a:solidFill>
+                  <a:srgbClr val="3F3F3F"/>
+                </a:solidFill>
+                <a:latin typeface="Trebuchet MS"/>
+                <a:ea typeface="Trebuchet MS"/>
+                <a:cs typeface="Trebuchet MS"/>
+                <a:sym typeface="Trebuchet MS"/>
+              </a:rPr>
+              <a:t>Arithmetic </a:t>
+            </a:r>
+          </a:p>
+          <a:p>
+            <a:pPr marL="342900" marR="0" lvl="0" indent="-342900" algn="l" rtl="0">
+              <a:spcBef>
+                <a:spcPts val="1000"/>
+              </a:spcBef>
+              <a:spcAft>
+                <a:spcPts val="0"/>
+              </a:spcAft>
+              <a:buClr>
+                <a:schemeClr val="accent1"/>
+              </a:buClr>
+              <a:buSzPct val="79999"/>
+              <a:buFont typeface="Noto Sans Symbols"/>
+              <a:buChar char="●"/>
+            </a:pPr>
+            <a:r>
+              <a:rPr lang="en-US" sz="1000" b="0" i="0" u="none" strike="noStrike" cap="none" dirty="0">
+                <a:solidFill>
+                  <a:srgbClr val="3F3F3F"/>
+                </a:solidFill>
+                <a:latin typeface="Trebuchet MS"/>
+                <a:ea typeface="Trebuchet MS"/>
+                <a:cs typeface="Trebuchet MS"/>
+                <a:sym typeface="Trebuchet MS"/>
+              </a:rPr>
+              <a:t>Relational</a:t>
+            </a:r>
+          </a:p>
+          <a:p>
+            <a:pPr marL="342900" marR="0" lvl="0" indent="-342900" algn="l" rtl="0">
+              <a:spcBef>
+                <a:spcPts val="1000"/>
+              </a:spcBef>
+              <a:spcAft>
+                <a:spcPts val="0"/>
+              </a:spcAft>
+              <a:buClr>
+                <a:schemeClr val="accent1"/>
+              </a:buClr>
+              <a:buSzPct val="79999"/>
+              <a:buFont typeface="Noto Sans Symbols"/>
+              <a:buChar char="●"/>
+            </a:pPr>
+            <a:r>
+              <a:rPr lang="en-US" sz="1000" b="0" i="0" u="none" strike="noStrike" cap="none" dirty="0">
+                <a:solidFill>
+                  <a:srgbClr val="3F3F3F"/>
+                </a:solidFill>
+                <a:latin typeface="Trebuchet MS"/>
+                <a:ea typeface="Trebuchet MS"/>
+                <a:cs typeface="Trebuchet MS"/>
+                <a:sym typeface="Trebuchet MS"/>
+              </a:rPr>
+              <a:t>Logical</a:t>
+            </a:r>
+          </a:p>
+          <a:p>
+            <a:pPr marL="342900" marR="0" lvl="0" indent="-342900" algn="l" rtl="0">
+              <a:spcBef>
+                <a:spcPts val="1000"/>
+              </a:spcBef>
+              <a:spcAft>
+                <a:spcPts val="0"/>
+              </a:spcAft>
+              <a:buClr>
+                <a:schemeClr val="accent1"/>
+              </a:buClr>
+              <a:buSzPct val="79999"/>
+              <a:buFont typeface="Noto Sans Symbols"/>
+              <a:buChar char="●"/>
+            </a:pPr>
+            <a:endParaRPr lang="en-US" sz="1000" b="0" i="0" u="none" strike="noStrike" cap="none" dirty="0">
+              <a:solidFill>
+                <a:srgbClr val="3F3F3F"/>
+              </a:solidFill>
+              <a:latin typeface="Trebuchet MS"/>
+              <a:ea typeface="Trebuchet MS"/>
+              <a:cs typeface="Trebuchet MS"/>
+              <a:sym typeface="Trebuchet MS"/>
+            </a:endParaRPr>
+          </a:p>
+          <a:p>
+            <a:pPr marL="342900" marR="0" lvl="0" indent="-342900" algn="l" rtl="0">
+              <a:spcBef>
+                <a:spcPts val="1000"/>
+              </a:spcBef>
+              <a:spcAft>
+                <a:spcPts val="0"/>
+              </a:spcAft>
+              <a:buClr>
+                <a:schemeClr val="accent1"/>
+              </a:buClr>
+              <a:buSzPct val="79999"/>
+              <a:buFont typeface="Noto Sans Symbols"/>
+              <a:buNone/>
+            </a:pPr>
+            <a:r>
+              <a:rPr lang="en-GB" sz="1800" b="0" i="0" u="none" strike="noStrike" cap="none" dirty="0">
+                <a:solidFill>
+                  <a:srgbClr val="3F3F3F"/>
+                </a:solidFill>
+                <a:latin typeface="Trebuchet MS"/>
+                <a:ea typeface="Trebuchet MS"/>
+                <a:cs typeface="Trebuchet MS"/>
+                <a:sym typeface="Trebuchet MS"/>
+              </a:rPr>
+              <a:t>Operators act on Variables. Generally for calculations and for applying logic</a:t>
+            </a:r>
+            <a:endParaRPr sz="1800" b="0" i="0" u="none" strike="noStrike" cap="none" dirty="0">
+              <a:solidFill>
+                <a:srgbClr val="3F3F3F"/>
+              </a:solidFill>
+              <a:latin typeface="Trebuchet MS"/>
+              <a:ea typeface="Trebuchet MS"/>
+              <a:cs typeface="Trebuchet MS"/>
+              <a:sym typeface="Trebuchet MS"/>
+            </a:endParaRPr>
           </a:p>
         </p:txBody>
       </p:sp>
-      <p:pic>
-        <p:nvPicPr>
-          <p:cNvPr id="231" name="Shape 231"/>
-          <p:cNvPicPr preferRelativeResize="0"/>
-          <p:nvPr/>
-        </p:nvPicPr>
-        <p:blipFill rotWithShape="1">
-          <a:blip r:embed="rId3">
-            <a:alphaModFix/>
-          </a:blip>
-          <a:srcRect/>
-          <a:stretch/>
-        </p:blipFill>
-        <p:spPr>
-          <a:xfrm>
-            <a:off x="1828800" y="1143000"/>
-            <a:ext cx="4016030" cy="3210523"/>
-          </a:xfrm>
-          <a:prstGeom prst="rect">
-            <a:avLst/>
-          </a:prstGeom>
-          <a:noFill/>
-          <a:ln>
-            <a:noFill/>
-          </a:ln>
-        </p:spPr>
-      </p:pic>
       <p:sp>
         <p:nvSpPr>
-          <p:cNvPr id="8" name="Shape 199"/>
+          <p:cNvPr id="5" name="Shape 199"/>
           <p:cNvSpPr txBox="1">
             <a:spLocks noGrp="1"/>
           </p:cNvSpPr>
@@ -50068,7 +50296,7 @@
                 <a:cs typeface="Trebuchet MS"/>
                 <a:sym typeface="Trebuchet MS"/>
               </a:rPr>
-              <a:t>Java : Primitive data types</a:t>
+              <a:t>Java : Operators</a:t>
             </a:r>
           </a:p>
         </p:txBody>
@@ -50122,104 +50350,122 @@
               <a:buSzPct val="80000"/>
             </a:pPr>
             <a:r>
+              <a:rPr lang="en-US" sz="1200" dirty="0"/>
+              <a:t>JavascriptExecutor Interface</a:t>
+            </a:r>
+          </a:p>
+          <a:p>
+            <a:pPr lvl="1" fontAlgn="base"/>
+            <a:r>
+              <a:rPr lang="en-US" sz="1200" dirty="0"/>
+              <a:t>JavaScriptExecutor is an interface which provides mechanism to execute JavaScript through selenium driver</a:t>
+            </a:r>
+          </a:p>
+          <a:p>
+            <a:pPr lvl="1" fontAlgn="base"/>
+            <a:r>
+              <a:rPr lang="en-US" sz="1200" dirty="0"/>
+              <a:t>Sample JavaScript:</a:t>
+            </a:r>
+          </a:p>
+          <a:p>
+            <a:pPr lvl="2" fontAlgn="base"/>
+            <a:r>
+              <a:rPr lang="en-US" sz="1200" dirty="0"/>
+              <a:t>Scroll Page</a:t>
+            </a:r>
+          </a:p>
+          <a:p>
+            <a:pPr lvl="3" fontAlgn="base"/>
+            <a:r>
+              <a:rPr lang="en-US" dirty="0" err="1"/>
+              <a:t>js.executeScript</a:t>
+            </a:r>
+            <a:r>
+              <a:rPr lang="en-US" dirty="0"/>
+              <a:t>("</a:t>
+            </a:r>
+            <a:r>
+              <a:rPr lang="en-US" dirty="0" err="1"/>
+              <a:t>window.scrollBy</a:t>
+            </a:r>
+            <a:r>
+              <a:rPr lang="en-US" dirty="0"/>
+              <a:t>(0,150)");</a:t>
+            </a:r>
+          </a:p>
+          <a:p>
+            <a:pPr lvl="2" fontAlgn="base"/>
+            <a:r>
+              <a:rPr lang="en-US" sz="1200" dirty="0"/>
+              <a:t>Get Title of a </a:t>
+            </a:r>
+            <a:r>
               <a:rPr lang="en-US" sz="1200" dirty="0" err="1"/>
-              <a:t>TakesScreenshot</a:t>
-            </a:r>
+              <a:t>WebPage</a:t>
+            </a:r>
+            <a:endParaRPr lang="en-US" sz="1200" dirty="0"/>
+          </a:p>
+          <a:p>
+            <a:pPr lvl="3" fontAlgn="base"/>
+            <a:r>
+              <a:rPr lang="en-US" dirty="0"/>
+              <a:t>string </a:t>
+            </a:r>
+            <a:r>
+              <a:rPr lang="en-US" dirty="0" err="1"/>
+              <a:t>sText</a:t>
+            </a:r>
+            <a:r>
+              <a:rPr lang="en-US" dirty="0"/>
+              <a:t> =  </a:t>
+            </a:r>
+            <a:r>
+              <a:rPr lang="en-US" dirty="0" err="1"/>
+              <a:t>js.executeScript</a:t>
+            </a:r>
+            <a:r>
+              <a:rPr lang="en-US" dirty="0"/>
+              <a:t>("return </a:t>
+            </a:r>
+            <a:r>
+              <a:rPr lang="en-US" dirty="0" err="1"/>
+              <a:t>document.title</a:t>
+            </a:r>
+            <a:r>
+              <a:rPr lang="en-US" dirty="0"/>
+              <a:t>;").</a:t>
+            </a:r>
+            <a:r>
+              <a:rPr lang="en-US" dirty="0" err="1"/>
+              <a:t>toString</a:t>
+            </a:r>
+            <a:r>
+              <a:rPr lang="en-US" dirty="0"/>
+              <a:t>();</a:t>
+            </a:r>
+          </a:p>
+          <a:p>
+            <a:pPr lvl="2" fontAlgn="base"/>
             <a:r>
               <a:rPr lang="en-US" sz="1200" dirty="0"/>
-              <a:t> interface </a:t>
-            </a:r>
-          </a:p>
-          <a:p>
-            <a:pPr lvl="1" fontAlgn="base"/>
-            <a:r>
-              <a:rPr lang="en-US" sz="1200" dirty="0"/>
-              <a:t>Indicates a driver that can capture a screenshot and store it.</a:t>
-            </a:r>
-          </a:p>
-          <a:p>
-            <a:pPr lvl="2" fontAlgn="base"/>
-            <a:r>
-              <a:rPr lang="en-US" sz="1000" dirty="0" err="1"/>
-              <a:t>TakesScreenshot</a:t>
-            </a:r>
-            <a:r>
-              <a:rPr lang="en-US" sz="1000" dirty="0"/>
-              <a:t> </a:t>
-            </a:r>
-            <a:r>
-              <a:rPr lang="en-US" sz="1000" dirty="0" err="1"/>
-              <a:t>ts</a:t>
-            </a:r>
-            <a:r>
-              <a:rPr lang="en-US" sz="1000" dirty="0"/>
-              <a:t> = ((</a:t>
-            </a:r>
-            <a:r>
-              <a:rPr lang="en-US" sz="1000" dirty="0" err="1"/>
-              <a:t>TakesScreenshot</a:t>
-            </a:r>
-            <a:r>
-              <a:rPr lang="en-US" sz="1000" dirty="0"/>
-              <a:t>)driver);</a:t>
-            </a:r>
-          </a:p>
-          <a:p>
-            <a:pPr lvl="2" fontAlgn="base"/>
-            <a:r>
-              <a:rPr lang="en-US" sz="1200" dirty="0"/>
-              <a:t>File </a:t>
-            </a:r>
-            <a:r>
-              <a:rPr lang="en-US" sz="1200" dirty="0" err="1"/>
-              <a:t>screenshotFile</a:t>
-            </a:r>
-            <a:r>
-              <a:rPr lang="en-US" sz="1200" dirty="0"/>
-              <a:t> = </a:t>
-            </a:r>
-            <a:r>
-              <a:rPr lang="en-US" sz="1200" dirty="0" err="1"/>
-              <a:t>ts.getScreenshotAs</a:t>
-            </a:r>
-            <a:r>
-              <a:rPr lang="en-US" sz="1200" dirty="0"/>
-              <a:t>(</a:t>
-            </a:r>
-            <a:r>
-              <a:rPr lang="en-US" sz="1200" dirty="0" err="1"/>
-              <a:t>OutputType.FILE</a:t>
-            </a:r>
-            <a:r>
-              <a:rPr lang="en-US" sz="1200" dirty="0"/>
-              <a:t>);</a:t>
-            </a:r>
-          </a:p>
-          <a:p>
-            <a:pPr lvl="2" fontAlgn="base"/>
-            <a:r>
-              <a:rPr lang="en-US" sz="1000" dirty="0" err="1"/>
-              <a:t>FileUtils.copyFile</a:t>
-            </a:r>
-            <a:r>
-              <a:rPr lang="en-US" sz="1000" dirty="0"/>
-              <a:t>(</a:t>
-            </a:r>
-            <a:r>
-              <a:rPr lang="en-US" sz="1000" dirty="0" err="1"/>
-              <a:t>screenshotFile</a:t>
-            </a:r>
-            <a:r>
-              <a:rPr lang="en-US" sz="1000" dirty="0"/>
-              <a:t>, new File("test1.jpg"));</a:t>
-            </a:r>
-          </a:p>
-          <a:p>
-            <a:pPr lvl="1" fontAlgn="base"/>
-            <a:r>
-              <a:rPr lang="en-US" sz="1200" dirty="0"/>
-              <a:t>When to take screenshots?</a:t>
-            </a:r>
+              <a:t>Click element</a:t>
+            </a:r>
+          </a:p>
+          <a:p>
+            <a:pPr lvl="3" fontAlgn="base"/>
+            <a:r>
+              <a:rPr lang="en-US" dirty="0" err="1"/>
+              <a:t>js.executeScript</a:t>
+            </a:r>
+            <a:r>
+              <a:rPr lang="en-US" dirty="0"/>
+              <a:t>("arguments[0].click();", element);</a:t>
+            </a:r>
+          </a:p>
+          <a:p>
+            <a:pPr lvl="2"/>
+            <a:endParaRPr lang="en-US" dirty="0"/>
           </a:p>
         </p:txBody>
       </p:sp>
@@ -50245,7 +50491,7 @@
           <a:p>
             <a:r>
               <a:rPr lang="en-US" sz="1400" dirty="0"/>
-              <a:t>Selenium : Taking Screenshots</a:t>
+              <a:t>Selenium : Executing JavaScript</a:t>
             </a:r>
             <a:endParaRPr lang="en-IN" sz="1400" dirty="0"/>
           </a:p>
@@ -50260,202 +50506,6 @@
 </file>
 
 <file path=ppt/slides/slide81.xml><?xml version="1.0" encoding="utf-8"?>
-<p:sld xmlns:a="http://schemas.openxmlformats.org/drawingml/2006/main" xmlns:r="http://schemas.openxmlformats.org/officeDocument/2006/relationships" xmlns:p="http://schemas.openxmlformats.org/presentationml/2006/main">
-  <p:cSld>
-    <p:spTree>
-      <p:nvGrpSpPr>
-        <p:cNvPr id="1" name=""/>
-        <p:cNvGrpSpPr/>
-        <p:nvPr/>
-      </p:nvGrpSpPr>
-      <p:grpSpPr>
-        <a:xfrm>
-          <a:off x="0" y="0"/>
-          <a:ext cx="0" cy="0"/>
-          <a:chOff x="0" y="0"/>
-          <a:chExt cx="0" cy="0"/>
-        </a:xfrm>
-      </p:grpSpPr>
-      <p:sp>
-        <p:nvSpPr>
-          <p:cNvPr id="3" name="Text Placeholder 2"/>
-          <p:cNvSpPr>
-            <a:spLocks noGrp="1"/>
-          </p:cNvSpPr>
-          <p:nvPr>
-            <p:ph type="body" idx="1"/>
-          </p:nvPr>
-        </p:nvSpPr>
-        <p:spPr>
-          <a:xfrm>
-            <a:off x="677333" y="685801"/>
-            <a:ext cx="8596668" cy="5355562"/>
-          </a:xfrm>
-        </p:spPr>
-        <p:txBody>
-          <a:bodyPr/>
-          <a:lstStyle/>
-          <a:p>
-            <a:pPr fontAlgn="base">
-              <a:buSzPct val="80000"/>
-            </a:pPr>
-            <a:r>
-              <a:rPr lang="en-US" sz="1200" dirty="0"/>
-              <a:t>JavascriptExecutor Interface</a:t>
-            </a:r>
-          </a:p>
-          <a:p>
-            <a:pPr lvl="1" fontAlgn="base"/>
-            <a:r>
-              <a:rPr lang="en-US" sz="1200" dirty="0"/>
-              <a:t>JavaScriptExecutor is an interface which provides mechanism to execute JavaScript through selenium driver</a:t>
-            </a:r>
-          </a:p>
-          <a:p>
-            <a:pPr lvl="1" fontAlgn="base"/>
-            <a:r>
-              <a:rPr lang="en-US" sz="1200" dirty="0"/>
-              <a:t>Sample JavaScript:</a:t>
-            </a:r>
-          </a:p>
-          <a:p>
-            <a:pPr lvl="2" fontAlgn="base"/>
-            <a:r>
-              <a:rPr lang="en-US" sz="1200" dirty="0"/>
-              <a:t>Scroll Page</a:t>
-            </a:r>
-          </a:p>
-          <a:p>
-            <a:pPr lvl="3" fontAlgn="base"/>
-            <a:r>
-              <a:rPr lang="en-US" dirty="0" err="1"/>
-              <a:t>js.executeScript</a:t>
-            </a:r>
-            <a:r>
-              <a:rPr lang="en-US" dirty="0"/>
-              <a:t>("</a:t>
-            </a:r>
-            <a:r>
-              <a:rPr lang="en-US" dirty="0" err="1"/>
-              <a:t>window.scrollBy</a:t>
-            </a:r>
-            <a:r>
-              <a:rPr lang="en-US" dirty="0"/>
-              <a:t>(0,150)");</a:t>
-            </a:r>
-          </a:p>
-          <a:p>
-            <a:pPr lvl="2" fontAlgn="base"/>
-            <a:r>
-              <a:rPr lang="en-US" sz="1200" dirty="0"/>
-              <a:t>Get Title of a </a:t>
-            </a:r>
-            <a:r>
-              <a:rPr lang="en-US" sz="1200" dirty="0" err="1"/>
-              <a:t>WebPage</a:t>
-            </a:r>
-            <a:endParaRPr lang="en-US" sz="1200" dirty="0"/>
-          </a:p>
-          <a:p>
-            <a:pPr lvl="3" fontAlgn="base"/>
-            <a:r>
-              <a:rPr lang="en-US" dirty="0"/>
-              <a:t>string </a:t>
-            </a:r>
-            <a:r>
-              <a:rPr lang="en-US" dirty="0" err="1"/>
-              <a:t>sText</a:t>
-            </a:r>
-            <a:r>
-              <a:rPr lang="en-US" dirty="0"/>
-              <a:t> =  </a:t>
-            </a:r>
-            <a:r>
-              <a:rPr lang="en-US" dirty="0" err="1"/>
-              <a:t>js.executeScript</a:t>
-            </a:r>
-            <a:r>
-              <a:rPr lang="en-US" dirty="0"/>
-              <a:t>("return </a:t>
-            </a:r>
-            <a:r>
-              <a:rPr lang="en-US" dirty="0" err="1"/>
-              <a:t>document.title</a:t>
-            </a:r>
-            <a:r>
-              <a:rPr lang="en-US" dirty="0"/>
-              <a:t>;").</a:t>
-            </a:r>
-            <a:r>
-              <a:rPr lang="en-US" dirty="0" err="1"/>
-              <a:t>toString</a:t>
-            </a:r>
-            <a:r>
-              <a:rPr lang="en-US" dirty="0"/>
-              <a:t>();</a:t>
-            </a:r>
-          </a:p>
-          <a:p>
-            <a:pPr lvl="2" fontAlgn="base"/>
-            <a:r>
-              <a:rPr lang="en-US" sz="1200" dirty="0"/>
-              <a:t>Click element</a:t>
-            </a:r>
-          </a:p>
-          <a:p>
-            <a:pPr lvl="3" fontAlgn="base"/>
-            <a:r>
-              <a:rPr lang="en-US" dirty="0" err="1"/>
-              <a:t>js.executeScript</a:t>
-            </a:r>
-            <a:r>
-              <a:rPr lang="en-US" dirty="0"/>
-              <a:t>("arguments[0].click();", element);</a:t>
-            </a:r>
-          </a:p>
-          <a:p>
-            <a:pPr lvl="2"/>
-            <a:endParaRPr lang="en-US" dirty="0"/>
-          </a:p>
-        </p:txBody>
-      </p:sp>
-      <p:sp>
-        <p:nvSpPr>
-          <p:cNvPr id="4" name="Title 1"/>
-          <p:cNvSpPr>
-            <a:spLocks noGrp="1"/>
-          </p:cNvSpPr>
-          <p:nvPr>
-            <p:ph type="title"/>
-          </p:nvPr>
-        </p:nvSpPr>
-        <p:spPr>
-          <a:xfrm>
-            <a:off x="695400" y="188640"/>
-            <a:ext cx="8596668" cy="360040"/>
-          </a:xfrm>
-        </p:spPr>
-        <p:txBody>
-          <a:bodyPr/>
-          <a:lstStyle/>
-          <a:p>
-            <a:r>
-              <a:rPr lang="en-US" sz="1400" dirty="0"/>
-              <a:t>Selenium : Executing JavaScript</a:t>
-            </a:r>
-            <a:endParaRPr lang="en-IN" sz="1400" dirty="0"/>
-          </a:p>
-        </p:txBody>
-      </p:sp>
-    </p:spTree>
-  </p:cSld>
-  <p:clrMapOvr>
-    <a:masterClrMapping/>
-  </p:clrMapOvr>
-</p:sld>
-</file>
-
-<file path=ppt/slides/slide82.xml><?xml version="1.0" encoding="utf-8"?>
 <p:sld xmlns:a="http://schemas.openxmlformats.org/drawingml/2006/main" xmlns:r="http://schemas.openxmlformats.org/officeDocument/2006/relationships" xmlns:p="http://schemas.openxmlformats.org/presentationml/2006/main">
   <p:cSld>
     <p:spTree>
@@ -50632,7 +50682,7 @@
 </p:sld>
 </file>
 
-<file path=ppt/slides/slide83.xml><?xml version="1.0" encoding="utf-8"?>
+<file path=ppt/slides/slide82.xml><?xml version="1.0" encoding="utf-8"?>
 <p:sld xmlns:a="http://schemas.openxmlformats.org/drawingml/2006/main" xmlns:r="http://schemas.openxmlformats.org/officeDocument/2006/relationships" xmlns:p="http://schemas.openxmlformats.org/presentationml/2006/main">
   <p:cSld>
     <p:spTree>
@@ -50893,7 +50943,7 @@
 </p:sld>
 </file>
 
-<file path=ppt/slides/slide84.xml><?xml version="1.0" encoding="utf-8"?>
+<file path=ppt/slides/slide83.xml><?xml version="1.0" encoding="utf-8"?>
 <p:sld xmlns:a="http://schemas.openxmlformats.org/drawingml/2006/main" xmlns:r="http://schemas.openxmlformats.org/officeDocument/2006/relationships" xmlns:p="http://schemas.openxmlformats.org/presentationml/2006/main">
   <p:cSld>
     <p:spTree>
@@ -51064,7 +51114,7 @@
 </p:sld>
 </file>
 
-<file path=ppt/slides/slide85.xml><?xml version="1.0" encoding="utf-8"?>
+<file path=ppt/slides/slide84.xml><?xml version="1.0" encoding="utf-8"?>
 <p:sld xmlns:a="http://schemas.openxmlformats.org/drawingml/2006/main" xmlns:r="http://schemas.openxmlformats.org/officeDocument/2006/relationships" xmlns:p="http://schemas.openxmlformats.org/presentationml/2006/main">
   <p:cSld>
     <p:spTree>
@@ -51243,6 +51293,169 @@
     <p:extLst>
       <p:ext uri="{BB962C8B-B14F-4D97-AF65-F5344CB8AC3E}">
         <p14:creationId xmlns:p14="http://schemas.microsoft.com/office/powerpoint/2010/main" val="1656973629"/>
+      </p:ext>
+    </p:extLst>
+  </p:cSld>
+  <p:clrMapOvr>
+    <a:masterClrMapping/>
+  </p:clrMapOvr>
+</p:sld>
+</file>
+
+<file path=ppt/slides/slide85.xml><?xml version="1.0" encoding="utf-8"?>
+<p:sld xmlns:a="http://schemas.openxmlformats.org/drawingml/2006/main" xmlns:r="http://schemas.openxmlformats.org/officeDocument/2006/relationships" xmlns:p="http://schemas.openxmlformats.org/presentationml/2006/main">
+  <p:cSld>
+    <p:spTree>
+      <p:nvGrpSpPr>
+        <p:cNvPr id="1" name=""/>
+        <p:cNvGrpSpPr/>
+        <p:nvPr/>
+      </p:nvGrpSpPr>
+      <p:grpSpPr>
+        <a:xfrm>
+          <a:off x="0" y="0"/>
+          <a:ext cx="0" cy="0"/>
+          <a:chOff x="0" y="0"/>
+          <a:chExt cx="0" cy="0"/>
+        </a:xfrm>
+      </p:grpSpPr>
+      <p:sp>
+        <p:nvSpPr>
+          <p:cNvPr id="3" name="Text Placeholder 2"/>
+          <p:cNvSpPr>
+            <a:spLocks noGrp="1"/>
+          </p:cNvSpPr>
+          <p:nvPr>
+            <p:ph type="body" idx="1"/>
+          </p:nvPr>
+        </p:nvSpPr>
+        <p:spPr>
+          <a:xfrm>
+            <a:off x="677333" y="762001"/>
+            <a:ext cx="8596668" cy="5279362"/>
+          </a:xfrm>
+        </p:spPr>
+        <p:txBody>
+          <a:bodyPr/>
+          <a:lstStyle/>
+          <a:p>
+            <a:pPr fontAlgn="base">
+              <a:buSzPct val="80000"/>
+            </a:pPr>
+            <a:r>
+              <a:rPr lang="en-IN" sz="1200" dirty="0"/>
+              <a:t>Installing Maven:</a:t>
+            </a:r>
+          </a:p>
+          <a:p>
+            <a:pPr lvl="1" fontAlgn="base"/>
+            <a:r>
+              <a:rPr lang="en-IN" sz="1200" dirty="0"/>
+              <a:t>Prerequisites:</a:t>
+            </a:r>
+          </a:p>
+          <a:p>
+            <a:pPr lvl="2" fontAlgn="base"/>
+            <a:r>
+              <a:rPr lang="en-IN" sz="1200" dirty="0"/>
+              <a:t>JDK is installed</a:t>
+            </a:r>
+          </a:p>
+          <a:p>
+            <a:pPr lvl="2" fontAlgn="base"/>
+            <a:r>
+              <a:rPr lang="en-IN" sz="1200" dirty="0"/>
+              <a:t>JAVA_HOME is set</a:t>
+            </a:r>
+          </a:p>
+          <a:p>
+            <a:pPr lvl="1" fontAlgn="base"/>
+            <a:r>
+              <a:rPr lang="en-IN" sz="1200" dirty="0"/>
+              <a:t>Installing Maven in System:</a:t>
+            </a:r>
+          </a:p>
+          <a:p>
+            <a:pPr lvl="2" fontAlgn="base"/>
+            <a:r>
+              <a:rPr lang="en-IN" sz="1200" dirty="0"/>
+              <a:t>Download Maven</a:t>
+            </a:r>
+          </a:p>
+          <a:p>
+            <a:pPr lvl="2" fontAlgn="base"/>
+            <a:r>
+              <a:rPr lang="en-IN" sz="1200" dirty="0">
+                <a:hlinkClick r:id="rId2"/>
+              </a:rPr>
+              <a:t>https://maven.apache.org/download.cgi</a:t>
+            </a:r>
+            <a:endParaRPr lang="en-IN" sz="1200" dirty="0"/>
+          </a:p>
+          <a:p>
+            <a:pPr lvl="2" fontAlgn="base"/>
+            <a:r>
+              <a:rPr lang="en-IN" sz="1200" dirty="0"/>
+              <a:t>Extract it</a:t>
+            </a:r>
+          </a:p>
+          <a:p>
+            <a:pPr lvl="2" fontAlgn="base"/>
+            <a:r>
+              <a:rPr lang="en-IN" sz="1200" dirty="0"/>
+              <a:t>Set M2_HOME environment variable</a:t>
+            </a:r>
+          </a:p>
+          <a:p>
+            <a:pPr lvl="2" fontAlgn="base"/>
+            <a:r>
+              <a:rPr lang="en-IN" sz="1200" dirty="0"/>
+              <a:t>Set path variable</a:t>
+            </a:r>
+          </a:p>
+          <a:p>
+            <a:pPr lvl="1" fontAlgn="base"/>
+            <a:r>
+              <a:rPr lang="en-IN" sz="1200" dirty="0"/>
+              <a:t>Installing Maven in eclipse</a:t>
+            </a:r>
+          </a:p>
+          <a:p>
+            <a:endParaRPr lang="en-IN" dirty="0"/>
+          </a:p>
+        </p:txBody>
+      </p:sp>
+      <p:sp>
+        <p:nvSpPr>
+          <p:cNvPr id="4" name="Title 1"/>
+          <p:cNvSpPr>
+            <a:spLocks noGrp="1"/>
+          </p:cNvSpPr>
+          <p:nvPr>
+            <p:ph type="title"/>
+          </p:nvPr>
+        </p:nvSpPr>
+        <p:spPr>
+          <a:xfrm>
+            <a:off x="685800" y="304800"/>
+            <a:ext cx="8596668" cy="304800"/>
+          </a:xfrm>
+        </p:spPr>
+        <p:txBody>
+          <a:bodyPr/>
+          <a:lstStyle/>
+          <a:p>
+            <a:r>
+              <a:rPr lang="en-US" sz="1600" dirty="0"/>
+              <a:t>Maven : SetUp</a:t>
+            </a:r>
+          </a:p>
+        </p:txBody>
+      </p:sp>
+    </p:spTree>
+    <p:extLst>
+      <p:ext uri="{BB962C8B-B14F-4D97-AF65-F5344CB8AC3E}">
+        <p14:creationId xmlns:p14="http://schemas.microsoft.com/office/powerpoint/2010/main" val="2408037249"/>
       </p:ext>
     </p:extLst>
   </p:cSld>
@@ -51281,96 +51494,165 @@
         </p:nvSpPr>
         <p:spPr>
           <a:xfrm>
-            <a:off x="677333" y="762001"/>
-            <a:ext cx="8596668" cy="5279362"/>
+            <a:off x="677333" y="609600"/>
+            <a:ext cx="8596668" cy="6095999"/>
           </a:xfrm>
         </p:spPr>
         <p:txBody>
           <a:bodyPr/>
           <a:lstStyle/>
           <a:p>
+            <a:pPr fontAlgn="base"/>
+            <a:endParaRPr lang="en-IN" sz="1200" dirty="0"/>
+          </a:p>
+          <a:p>
             <a:pPr fontAlgn="base">
               <a:buSzPct val="80000"/>
             </a:pPr>
             <a:r>
               <a:rPr lang="en-IN" sz="1200" dirty="0"/>
-              <a:t>Installing Maven:</a:t>
+              <a:t>Creating First Maven project:</a:t>
             </a:r>
           </a:p>
           <a:p>
             <a:pPr lvl="1" fontAlgn="base"/>
             <a:r>
               <a:rPr lang="en-IN" sz="1200" dirty="0"/>
-              <a:t>Prerequisites:</a:t>
+              <a:t>Creating from eclipse</a:t>
+            </a:r>
+          </a:p>
+          <a:p>
+            <a:pPr lvl="1" fontAlgn="base"/>
+            <a:r>
+              <a:rPr lang="en-IN" sz="1200" dirty="0"/>
+              <a:t>Creating from command line</a:t>
             </a:r>
           </a:p>
           <a:p>
             <a:pPr lvl="2" fontAlgn="base"/>
             <a:r>
+              <a:rPr lang="en-IN" sz="1200" dirty="0" err="1"/>
+              <a:t>mvn</a:t>
+            </a:r>
+            <a:r>
               <a:rPr lang="en-IN" sz="1200" dirty="0"/>
-              <a:t>JDK is installed</a:t>
-            </a:r>
-          </a:p>
-          <a:p>
-            <a:pPr lvl="2" fontAlgn="base"/>
+              <a:t> </a:t>
+            </a:r>
+            <a:r>
+              <a:rPr lang="en-IN" sz="1200" dirty="0" err="1"/>
+              <a:t>archetype:generate</a:t>
+            </a:r>
             <a:r>
               <a:rPr lang="en-IN" sz="1200" dirty="0"/>
-              <a:t>JAVA_HOME is set</a:t>
-            </a:r>
+              <a:t> </a:t>
+            </a:r>
+          </a:p>
+          <a:p>
+            <a:pPr lvl="3" fontAlgn="base"/>
+            <a:r>
+              <a:rPr lang="en-IN" dirty="0"/>
+              <a:t>	-</a:t>
+            </a:r>
+            <a:r>
+              <a:rPr lang="en-IN" dirty="0" err="1"/>
+              <a:t>DgroupId</a:t>
+            </a:r>
+            <a:r>
+              <a:rPr lang="en-IN" dirty="0"/>
+              <a:t>=</a:t>
+            </a:r>
+            <a:r>
+              <a:rPr lang="en-IN" dirty="0" err="1"/>
+              <a:t>com.google</a:t>
+            </a:r>
+            <a:r>
+              <a:rPr lang="en-IN" dirty="0"/>
+              <a:t> </a:t>
+            </a:r>
+          </a:p>
+          <a:p>
+            <a:pPr lvl="3" fontAlgn="base"/>
+            <a:r>
+              <a:rPr lang="en-IN" dirty="0"/>
+              <a:t>	-</a:t>
+            </a:r>
+            <a:r>
+              <a:rPr lang="en-IN" dirty="0" err="1"/>
+              <a:t>DartifactId</a:t>
+            </a:r>
+            <a:r>
+              <a:rPr lang="en-IN" dirty="0"/>
+              <a:t>=ml2 </a:t>
+            </a:r>
+          </a:p>
+          <a:p>
+            <a:pPr lvl="3" fontAlgn="base"/>
+            <a:r>
+              <a:rPr lang="en-IN" dirty="0"/>
+              <a:t>	-</a:t>
+            </a:r>
+            <a:r>
+              <a:rPr lang="en-IN" dirty="0" err="1"/>
+              <a:t>DarchetypeArtifactId</a:t>
+            </a:r>
+            <a:r>
+              <a:rPr lang="en-IN" dirty="0"/>
+              <a:t>=maven-archetype-</a:t>
+            </a:r>
+            <a:r>
+              <a:rPr lang="en-IN" dirty="0" err="1"/>
+              <a:t>quickstart</a:t>
+            </a:r>
+            <a:endParaRPr lang="en-IN" dirty="0"/>
           </a:p>
           <a:p>
             <a:pPr lvl="1" fontAlgn="base"/>
             <a:r>
               <a:rPr lang="en-IN" sz="1200" dirty="0"/>
-              <a:t>Installing Maven in System:</a:t>
-            </a:r>
-          </a:p>
-          <a:p>
-            <a:pPr lvl="2" fontAlgn="base"/>
+              <a:t>What is Archetype?</a:t>
+            </a:r>
+          </a:p>
+          <a:p>
+            <a:pPr lvl="1" fontAlgn="base"/>
             <a:r>
               <a:rPr lang="en-IN" sz="1200" dirty="0"/>
-              <a:t>Download Maven</a:t>
-            </a:r>
-          </a:p>
-          <a:p>
-            <a:pPr lvl="2" fontAlgn="base"/>
-            <a:r>
-              <a:rPr lang="en-IN" sz="1200" dirty="0">
-                <a:hlinkClick r:id="rId2"/>
-              </a:rPr>
-              <a:t>https://maven.apache.org/download.cgi</a:t>
-            </a:r>
-            <a:endParaRPr lang="en-IN" sz="1200" dirty="0"/>
-          </a:p>
-          <a:p>
-            <a:pPr lvl="2" fontAlgn="base"/>
+              <a:t>What is </a:t>
+            </a:r>
+            <a:r>
+              <a:rPr lang="en-IN" sz="1200" dirty="0" err="1"/>
+              <a:t>groupId</a:t>
+            </a:r>
             <a:r>
               <a:rPr lang="en-IN" sz="1200" dirty="0"/>
-              <a:t>Extract it</a:t>
-            </a:r>
-          </a:p>
-          <a:p>
-            <a:pPr lvl="2" fontAlgn="base"/>
+              <a:t>?</a:t>
+            </a:r>
+          </a:p>
+          <a:p>
+            <a:pPr lvl="1" fontAlgn="base"/>
             <a:r>
               <a:rPr lang="en-IN" sz="1200" dirty="0"/>
-              <a:t>Set M2_HOME environment variable</a:t>
-            </a:r>
-          </a:p>
-          <a:p>
-            <a:pPr lvl="2" fontAlgn="base"/>
+              <a:t>What is </a:t>
+            </a:r>
+            <a:r>
+              <a:rPr lang="en-IN" sz="1200" dirty="0" err="1"/>
+              <a:t>artifactId</a:t>
+            </a:r>
             <a:r>
               <a:rPr lang="en-IN" sz="1200" dirty="0"/>
-              <a:t>Set path variable</a:t>
+              <a:t>?</a:t>
             </a:r>
           </a:p>
           <a:p>
             <a:pPr lvl="1" fontAlgn="base"/>
             <a:r>
               <a:rPr lang="en-IN" sz="1200" dirty="0"/>
-              <a:t>Installing Maven in eclipse</a:t>
-            </a:r>
-          </a:p>
-          <a:p>
+              <a:t>What is Version?</a:t>
+            </a:r>
+          </a:p>
+          <a:p>
+            <a:pPr marL="91441" indent="0">
+              <a:buNone/>
+            </a:pPr>
             <a:endParaRPr lang="en-IN" dirty="0"/>
           </a:p>
         </p:txBody>
@@ -51397,7 +51679,7 @@
           <a:p>
             <a:r>
               <a:rPr lang="en-US" sz="1600" dirty="0"/>
-              <a:t>Maven : SetUp</a:t>
+              <a:t>Maven : Creating First Maven Project</a:t>
             </a:r>
           </a:p>
         </p:txBody>
@@ -51405,7 +51687,7 @@
     </p:spTree>
     <p:extLst>
       <p:ext uri="{BB962C8B-B14F-4D97-AF65-F5344CB8AC3E}">
-        <p14:creationId xmlns:p14="http://schemas.microsoft.com/office/powerpoint/2010/main" val="2408037249"/>
+        <p14:creationId xmlns:p14="http://schemas.microsoft.com/office/powerpoint/2010/main" val="819843082"/>
       </p:ext>
     </p:extLst>
   </p:cSld>
@@ -51444,166 +51726,107 @@
         </p:nvSpPr>
         <p:spPr>
           <a:xfrm>
-            <a:off x="677333" y="609600"/>
-            <a:ext cx="8596668" cy="6095999"/>
+            <a:off x="677333" y="685801"/>
+            <a:ext cx="8596668" cy="5355562"/>
           </a:xfrm>
         </p:spPr>
         <p:txBody>
           <a:bodyPr/>
           <a:lstStyle/>
           <a:p>
-            <a:pPr fontAlgn="base"/>
-            <a:endParaRPr lang="en-IN" sz="1200" dirty="0"/>
-          </a:p>
-          <a:p>
             <a:pPr fontAlgn="base">
               <a:buSzPct val="80000"/>
             </a:pPr>
             <a:r>
               <a:rPr lang="en-IN" sz="1200" dirty="0"/>
-              <a:t>Creating First Maven project:</a:t>
-            </a:r>
-          </a:p>
-          <a:p>
-            <a:pPr lvl="1" fontAlgn="base"/>
+              <a:t>Main code 	: </a:t>
+            </a:r>
+            <a:r>
+              <a:rPr lang="en-IN" sz="1200" dirty="0" err="1"/>
+              <a:t>src</a:t>
+            </a:r>
             <a:r>
               <a:rPr lang="en-IN" sz="1200" dirty="0"/>
-              <a:t>Creating from eclipse</a:t>
-            </a:r>
-          </a:p>
-          <a:p>
-            <a:pPr lvl="1" fontAlgn="base"/>
+              <a:t>/main/java</a:t>
+            </a:r>
+          </a:p>
+          <a:p>
+            <a:pPr fontAlgn="base">
+              <a:buSzPct val="80000"/>
+            </a:pPr>
             <a:r>
               <a:rPr lang="en-IN" sz="1200" dirty="0"/>
-              <a:t>Creating from command line</a:t>
-            </a:r>
-          </a:p>
-          <a:p>
-            <a:pPr lvl="2" fontAlgn="base"/>
+              <a:t>Main resources 	: </a:t>
+            </a:r>
             <a:r>
               <a:rPr lang="en-IN" sz="1200" dirty="0" err="1"/>
-              <a:t>mvn</a:t>
+              <a:t>src</a:t>
             </a:r>
             <a:r>
               <a:rPr lang="en-IN" sz="1200" dirty="0"/>
-              <a:t> </a:t>
+              <a:t>/main/resources</a:t>
+            </a:r>
+          </a:p>
+          <a:p>
+            <a:pPr fontAlgn="base">
+              <a:buSzPct val="80000"/>
+            </a:pPr>
+            <a:r>
+              <a:rPr lang="en-IN" sz="1200" dirty="0"/>
+              <a:t>Test code 	: </a:t>
             </a:r>
             <a:r>
               <a:rPr lang="en-IN" sz="1200" dirty="0" err="1"/>
-              <a:t>archetype:generate</a:t>
+              <a:t>src</a:t>
             </a:r>
             <a:r>
               <a:rPr lang="en-IN" sz="1200" dirty="0"/>
-              <a:t> </a:t>
-            </a:r>
-          </a:p>
-          <a:p>
-            <a:pPr lvl="3" fontAlgn="base"/>
-            <a:r>
-              <a:rPr lang="en-IN" dirty="0"/>
-              <a:t>	-</a:t>
-            </a:r>
-            <a:r>
-              <a:rPr lang="en-IN" dirty="0" err="1"/>
-              <a:t>DgroupId</a:t>
-            </a:r>
-            <a:r>
-              <a:rPr lang="en-IN" dirty="0"/>
-              <a:t>=</a:t>
-            </a:r>
-            <a:r>
-              <a:rPr lang="en-IN" dirty="0" err="1"/>
-              <a:t>com.google</a:t>
-            </a:r>
-            <a:r>
-              <a:rPr lang="en-IN" dirty="0"/>
-              <a:t> </a:t>
-            </a:r>
-          </a:p>
-          <a:p>
-            <a:pPr lvl="3" fontAlgn="base"/>
-            <a:r>
-              <a:rPr lang="en-IN" dirty="0"/>
-              <a:t>	-</a:t>
-            </a:r>
-            <a:r>
-              <a:rPr lang="en-IN" dirty="0" err="1"/>
-              <a:t>DartifactId</a:t>
-            </a:r>
-            <a:r>
-              <a:rPr lang="en-IN" dirty="0"/>
-              <a:t>=ml2 </a:t>
-            </a:r>
-          </a:p>
-          <a:p>
-            <a:pPr lvl="3" fontAlgn="base"/>
-            <a:r>
-              <a:rPr lang="en-IN" dirty="0"/>
-              <a:t>	-</a:t>
-            </a:r>
-            <a:r>
-              <a:rPr lang="en-IN" dirty="0" err="1"/>
-              <a:t>DarchetypeArtifactId</a:t>
-            </a:r>
-            <a:r>
-              <a:rPr lang="en-IN" dirty="0"/>
-              <a:t>=maven-archetype-</a:t>
-            </a:r>
-            <a:r>
-              <a:rPr lang="en-IN" dirty="0" err="1"/>
-              <a:t>quickstart</a:t>
-            </a:r>
-            <a:endParaRPr lang="en-IN" dirty="0"/>
-          </a:p>
-          <a:p>
-            <a:pPr lvl="1" fontAlgn="base"/>
+              <a:t>/test/java</a:t>
+            </a:r>
+          </a:p>
+          <a:p>
+            <a:pPr fontAlgn="base">
+              <a:buSzPct val="80000"/>
+            </a:pPr>
             <a:r>
               <a:rPr lang="en-IN" sz="1200" dirty="0"/>
-              <a:t>What is Archetype?</a:t>
-            </a:r>
-          </a:p>
-          <a:p>
-            <a:pPr lvl="1" fontAlgn="base"/>
+              <a:t>Test Resources 	: </a:t>
+            </a:r>
+            <a:r>
+              <a:rPr lang="en-IN" sz="1200" dirty="0" err="1"/>
+              <a:t>src</a:t>
+            </a:r>
             <a:r>
               <a:rPr lang="en-IN" sz="1200" dirty="0"/>
-              <a:t>What is </a:t>
-            </a:r>
-            <a:r>
-              <a:rPr lang="en-IN" sz="1200" dirty="0" err="1"/>
-              <a:t>groupId</a:t>
-            </a:r>
+              <a:t>/test/resources</a:t>
+            </a:r>
+          </a:p>
+          <a:p>
+            <a:pPr fontAlgn="base">
+              <a:buSzPct val="80000"/>
+            </a:pPr>
             <a:r>
               <a:rPr lang="en-IN" sz="1200" dirty="0"/>
-              <a:t>?</a:t>
-            </a:r>
-          </a:p>
-          <a:p>
-            <a:pPr lvl="1" fontAlgn="base"/>
+              <a:t>target directory 	: Contains all output of the build.</a:t>
+            </a:r>
+          </a:p>
+          <a:p>
+            <a:pPr fontAlgn="base">
+              <a:buSzPct val="80000"/>
+            </a:pPr>
             <a:r>
               <a:rPr lang="en-IN" sz="1200" dirty="0"/>
-              <a:t>What is </a:t>
-            </a:r>
-            <a:r>
-              <a:rPr lang="en-IN" sz="1200" dirty="0" err="1"/>
-              <a:t>artifactId</a:t>
-            </a:r>
-            <a:r>
+              <a:t>Pom.xml 	: Should be present in project’s in root folder</a:t>
+            </a:r>
+          </a:p>
+          <a:p>
+            <a:pPr fontAlgn="base">
+              <a:buSzPct val="80000"/>
+            </a:pPr>
+            <a:br>
               <a:rPr lang="en-IN" sz="1200" dirty="0"/>
-              <a:t>?</a:t>
-            </a:r>
-          </a:p>
-          <a:p>
-            <a:pPr lvl="1" fontAlgn="base"/>
-            <a:r>
-              <a:rPr lang="en-IN" sz="1200" dirty="0"/>
-              <a:t>What is Version?</a:t>
-            </a:r>
-          </a:p>
-          <a:p>
-            <a:pPr marL="91441" indent="0">
-              <a:buNone/>
-            </a:pPr>
-            <a:endParaRPr lang="en-IN" dirty="0"/>
+            </a:br>
+            <a:endParaRPr lang="en-IN" sz="1200" dirty="0"/>
           </a:p>
         </p:txBody>
       </p:sp>
@@ -51629,7 +51852,7 @@
           <a:p>
             <a:r>
               <a:rPr lang="en-US" sz="1600" dirty="0"/>
-              <a:t>Maven : Creating First Maven Project</a:t>
+              <a:t>Maven : Folder Structure</a:t>
             </a:r>
           </a:p>
         </p:txBody>
@@ -51637,7 +51860,7 @@
     </p:spTree>
     <p:extLst>
       <p:ext uri="{BB962C8B-B14F-4D97-AF65-F5344CB8AC3E}">
-        <p14:creationId xmlns:p14="http://schemas.microsoft.com/office/powerpoint/2010/main" val="819843082"/>
+        <p14:creationId xmlns:p14="http://schemas.microsoft.com/office/powerpoint/2010/main" val="994180501"/>
       </p:ext>
     </p:extLst>
   </p:cSld>
@@ -51689,94 +51912,85 @@
             </a:pPr>
             <a:r>
               <a:rPr lang="en-IN" sz="1200" dirty="0"/>
-              <a:t>Main code 	: </a:t>
-            </a:r>
-            <a:r>
-              <a:rPr lang="en-IN" sz="1200" dirty="0" err="1"/>
-              <a:t>src</a:t>
-            </a:r>
+              <a:t>Maven Build Lifecycle:</a:t>
+            </a:r>
+          </a:p>
+          <a:p>
+            <a:pPr marL="342900" lvl="1" indent="-251459" fontAlgn="base"/>
             <a:r>
               <a:rPr lang="en-IN" sz="1200" dirty="0"/>
-              <a:t>/main/java</a:t>
-            </a:r>
-          </a:p>
-          <a:p>
-            <a:pPr fontAlgn="base">
-              <a:buSzPct val="80000"/>
-            </a:pPr>
+              <a:t>It's a definition of process for building and distributing a project.</a:t>
+            </a:r>
+          </a:p>
+          <a:p>
+            <a:pPr marL="342900" lvl="1" indent="-251459" fontAlgn="base"/>
             <a:r>
               <a:rPr lang="en-IN" sz="1200" dirty="0"/>
-              <a:t>Main resources 	: </a:t>
-            </a:r>
-            <a:r>
-              <a:rPr lang="en-IN" sz="1200" dirty="0" err="1"/>
-              <a:t>src</a:t>
-            </a:r>
+              <a:t>Build cycle consists of multiple phases which execute in a particular sequence:</a:t>
+            </a:r>
+          </a:p>
+          <a:p>
+            <a:pPr marL="342900" lvl="1" indent="-251459" fontAlgn="base"/>
             <a:r>
               <a:rPr lang="en-IN" sz="1200" dirty="0"/>
-              <a:t>/main/resources</a:t>
-            </a:r>
-          </a:p>
-          <a:p>
-            <a:pPr fontAlgn="base">
-              <a:buSzPct val="80000"/>
-            </a:pPr>
+              <a:t>Phases in build lifecycle are:</a:t>
+            </a:r>
+          </a:p>
+          <a:p>
+            <a:pPr marL="342900" lvl="2" indent="-251459" fontAlgn="base"/>
             <a:r>
               <a:rPr lang="en-IN" sz="1200" dirty="0"/>
-              <a:t>Test code 	: </a:t>
-            </a:r>
-            <a:r>
-              <a:rPr lang="en-IN" sz="1200" dirty="0" err="1"/>
-              <a:t>src</a:t>
-            </a:r>
+              <a:t>compile </a:t>
+            </a:r>
+          </a:p>
+          <a:p>
+            <a:pPr marL="342900" lvl="2" indent="-251459" fontAlgn="base"/>
             <a:r>
               <a:rPr lang="en-IN" sz="1200" dirty="0"/>
-              <a:t>/test/java</a:t>
-            </a:r>
-          </a:p>
-          <a:p>
-            <a:pPr fontAlgn="base">
-              <a:buSzPct val="80000"/>
-            </a:pPr>
+              <a:t>test-compile</a:t>
+            </a:r>
+          </a:p>
+          <a:p>
+            <a:pPr marL="342900" lvl="2" indent="-251459" fontAlgn="base"/>
             <a:r>
               <a:rPr lang="en-IN" sz="1200" dirty="0"/>
-              <a:t>Test Resources 	: </a:t>
-            </a:r>
-            <a:r>
-              <a:rPr lang="en-IN" sz="1200" dirty="0" err="1"/>
-              <a:t>src</a:t>
-            </a:r>
+              <a:t>test </a:t>
+            </a:r>
+          </a:p>
+          <a:p>
+            <a:pPr marL="342900" lvl="2" indent="-251459" fontAlgn="base"/>
             <a:r>
               <a:rPr lang="en-IN" sz="1200" dirty="0"/>
-              <a:t>/test/resources</a:t>
-            </a:r>
-          </a:p>
-          <a:p>
-            <a:pPr fontAlgn="base">
-              <a:buSzPct val="80000"/>
-            </a:pPr>
+              <a:t>package</a:t>
+            </a:r>
+          </a:p>
+          <a:p>
+            <a:pPr marL="342900" lvl="2" indent="-251459" fontAlgn="base"/>
             <a:r>
               <a:rPr lang="en-IN" sz="1200" dirty="0"/>
-              <a:t>target directory 	: Contains all output of the build.</a:t>
-            </a:r>
-          </a:p>
-          <a:p>
-            <a:pPr fontAlgn="base">
-              <a:buSzPct val="80000"/>
-            </a:pPr>
+              <a:t>install </a:t>
+            </a:r>
+          </a:p>
+          <a:p>
+            <a:pPr marL="342900" lvl="2" indent="-251459" fontAlgn="base"/>
             <a:r>
               <a:rPr lang="en-IN" sz="1200" dirty="0"/>
-              <a:t>Pom.xml 	: Should be present in project’s in root folder</a:t>
-            </a:r>
-          </a:p>
-          <a:p>
-            <a:pPr fontAlgn="base">
-              <a:buSzPct val="80000"/>
-            </a:pPr>
-            <a:br>
+              <a:t>deploy</a:t>
+            </a:r>
+          </a:p>
+          <a:p>
+            <a:pPr marL="342900" lvl="1" indent="-251459" fontAlgn="base"/>
+            <a:r>
               <a:rPr lang="en-IN" sz="1200" dirty="0"/>
-            </a:br>
-            <a:endParaRPr lang="en-IN" sz="1200" dirty="0"/>
+              <a:t>Build phases get executed in above order</a:t>
+            </a:r>
+          </a:p>
+          <a:p>
+            <a:pPr marL="342900" lvl="1" indent="-251459" fontAlgn="base"/>
+            <a:r>
+              <a:rPr lang="en-IN" sz="1200" dirty="0"/>
+              <a:t>When we run any particular phase ,then all the phases which come early in the order are first  executed and then the selected phase gets executed.</a:t>
+            </a:r>
           </a:p>
         </p:txBody>
       </p:sp>
@@ -51801,8 +52015,8 @@
           <a:lstStyle/>
           <a:p>
             <a:r>
-              <a:rPr lang="en-US" sz="1600" dirty="0"/>
-              <a:t>Maven : Folder Structure</a:t>
+              <a:rPr lang="en-US" sz="1400" dirty="0"/>
+              <a:t>Maven : Build Lifecycle</a:t>
             </a:r>
           </a:p>
         </p:txBody>
@@ -51810,7 +52024,7 @@
     </p:spTree>
     <p:extLst>
       <p:ext uri="{BB962C8B-B14F-4D97-AF65-F5344CB8AC3E}">
-        <p14:creationId xmlns:p14="http://schemas.microsoft.com/office/powerpoint/2010/main" val="994180501"/>
+        <p14:creationId xmlns:p14="http://schemas.microsoft.com/office/powerpoint/2010/main" val="4225815344"/>
       </p:ext>
     </p:extLst>
   </p:cSld>
@@ -51857,90 +52071,167 @@
           <a:bodyPr/>
           <a:lstStyle/>
           <a:p>
-            <a:pPr fontAlgn="base">
-              <a:buSzPct val="80000"/>
-            </a:pPr>
+            <a:pPr fontAlgn="base"/>
             <a:r>
               <a:rPr lang="en-IN" sz="1200" dirty="0"/>
-              <a:t>Maven Build Lifecycle:</a:t>
-            </a:r>
-          </a:p>
-          <a:p>
-            <a:pPr marL="342900" lvl="1" indent="-251459" fontAlgn="base"/>
+              <a:t>Maven build lifecycle</a:t>
+            </a:r>
+          </a:p>
+          <a:p>
+            <a:pPr fontAlgn="base"/>
+            <a:r>
+              <a:rPr lang="en-IN" sz="1200" dirty="0" err="1"/>
+              <a:t>Mvn</a:t>
+            </a:r>
             <a:r>
               <a:rPr lang="en-IN" sz="1200" dirty="0"/>
-              <a:t>It's a definition of process for building and distributing a project.</a:t>
-            </a:r>
-          </a:p>
-          <a:p>
-            <a:pPr marL="342900" lvl="1" indent="-251459" fontAlgn="base"/>
+              <a:t> Compile </a:t>
+            </a:r>
+          </a:p>
+          <a:p>
+            <a:pPr lvl="1" fontAlgn="base"/>
             <a:r>
               <a:rPr lang="en-IN" sz="1200" dirty="0"/>
-              <a:t>Build cycle consists of multiple phases which execute in a particular sequence:</a:t>
-            </a:r>
-          </a:p>
-          <a:p>
-            <a:pPr marL="342900" lvl="1" indent="-251459" fontAlgn="base"/>
+              <a:t>Compile main code present in </a:t>
+            </a:r>
+            <a:r>
+              <a:rPr lang="en-IN" sz="1200" dirty="0" err="1"/>
+              <a:t>src</a:t>
+            </a:r>
             <a:r>
               <a:rPr lang="en-IN" sz="1200" dirty="0"/>
-              <a:t>Phases in build lifecycle are:</a:t>
-            </a:r>
-          </a:p>
-          <a:p>
-            <a:pPr marL="342900" lvl="2" indent="-251459" fontAlgn="base"/>
+              <a:t>/main/java </a:t>
+            </a:r>
+          </a:p>
+          <a:p>
+            <a:pPr lvl="1" fontAlgn="base"/>
             <a:r>
               <a:rPr lang="en-IN" sz="1200" dirty="0"/>
-              <a:t>compile </a:t>
-            </a:r>
-          </a:p>
-          <a:p>
-            <a:pPr marL="342900" lvl="2" indent="-251459" fontAlgn="base"/>
+              <a:t>Generates target/classes</a:t>
+            </a:r>
+          </a:p>
+          <a:p>
+            <a:pPr fontAlgn="base"/>
+            <a:r>
+              <a:rPr lang="en-IN" sz="1200" dirty="0" err="1"/>
+              <a:t>Mvn</a:t>
+            </a:r>
             <a:r>
               <a:rPr lang="en-IN" sz="1200" dirty="0"/>
-              <a:t>test-compile</a:t>
-            </a:r>
-          </a:p>
-          <a:p>
-            <a:pPr marL="342900" lvl="2" indent="-251459" fontAlgn="base"/>
+              <a:t> Test-compile</a:t>
+            </a:r>
+          </a:p>
+          <a:p>
+            <a:pPr lvl="1" fontAlgn="base"/>
             <a:r>
               <a:rPr lang="en-IN" sz="1200" dirty="0"/>
-              <a:t>test </a:t>
-            </a:r>
-          </a:p>
-          <a:p>
-            <a:pPr marL="342900" lvl="2" indent="-251459" fontAlgn="base"/>
+              <a:t>Compile unit test code present in </a:t>
+            </a:r>
+            <a:r>
+              <a:rPr lang="en-IN" sz="1200" dirty="0" err="1"/>
+              <a:t>src</a:t>
+            </a:r>
             <a:r>
               <a:rPr lang="en-IN" sz="1200" dirty="0"/>
-              <a:t>package</a:t>
-            </a:r>
-          </a:p>
-          <a:p>
-            <a:pPr marL="342900" lvl="2" indent="-251459" fontAlgn="base"/>
+              <a:t>/test/java</a:t>
+            </a:r>
+          </a:p>
+          <a:p>
+            <a:pPr lvl="1" fontAlgn="base"/>
             <a:r>
               <a:rPr lang="en-IN" sz="1200" dirty="0"/>
-              <a:t>install </a:t>
-            </a:r>
-          </a:p>
-          <a:p>
-            <a:pPr marL="342900" lvl="2" indent="-251459" fontAlgn="base"/>
+              <a:t>Generates test-classes</a:t>
+            </a:r>
+          </a:p>
+          <a:p>
+            <a:pPr fontAlgn="base"/>
+            <a:r>
+              <a:rPr lang="en-IN" sz="1200" dirty="0" err="1"/>
+              <a:t>Mvn</a:t>
+            </a:r>
             <a:r>
               <a:rPr lang="en-IN" sz="1200" dirty="0"/>
-              <a:t>deploy</a:t>
-            </a:r>
-          </a:p>
-          <a:p>
-            <a:pPr marL="342900" lvl="1" indent="-251459" fontAlgn="base"/>
+              <a:t> test</a:t>
+            </a:r>
+          </a:p>
+          <a:p>
+            <a:pPr lvl="1" fontAlgn="base"/>
             <a:r>
               <a:rPr lang="en-IN" sz="1200" dirty="0"/>
-              <a:t>Build phases get executed in above order</a:t>
-            </a:r>
-          </a:p>
-          <a:p>
-            <a:pPr marL="342900" lvl="1" indent="-251459" fontAlgn="base"/>
+              <a:t>To run compile unit tests</a:t>
+            </a:r>
+          </a:p>
+          <a:p>
+            <a:pPr lvl="1" fontAlgn="base"/>
             <a:r>
               <a:rPr lang="en-IN" sz="1200" dirty="0"/>
-              <a:t>When we run any particular phase ,then all the phases which come early in the order are first  executed and then the selected phase gets executed.</a:t>
-            </a:r>
+              <a:t>Generates </a:t>
+            </a:r>
+            <a:r>
+              <a:rPr lang="en-IN" sz="1200" dirty="0" err="1"/>
+              <a:t>surefire</a:t>
+            </a:r>
+            <a:r>
+              <a:rPr lang="en-IN" sz="1200" dirty="0"/>
+              <a:t>-reports folder</a:t>
+            </a:r>
+          </a:p>
+          <a:p>
+            <a:pPr fontAlgn="base"/>
+            <a:r>
+              <a:rPr lang="en-IN" sz="1200" dirty="0" err="1"/>
+              <a:t>Mvn</a:t>
+            </a:r>
+            <a:r>
+              <a:rPr lang="en-IN" sz="1200" dirty="0"/>
+              <a:t> package</a:t>
+            </a:r>
+          </a:p>
+          <a:p>
+            <a:pPr lvl="1" fontAlgn="base"/>
+            <a:r>
+              <a:rPr lang="en-IN" sz="1200" dirty="0"/>
+              <a:t>To generate jar or war</a:t>
+            </a:r>
+          </a:p>
+          <a:p>
+            <a:pPr fontAlgn="base"/>
+            <a:r>
+              <a:rPr lang="en-IN" sz="1200" dirty="0" err="1"/>
+              <a:t>Mvn</a:t>
+            </a:r>
+            <a:r>
+              <a:rPr lang="en-IN" sz="1200" dirty="0"/>
+              <a:t> install</a:t>
+            </a:r>
+          </a:p>
+          <a:p>
+            <a:pPr lvl="1" fontAlgn="base"/>
+            <a:r>
+              <a:rPr lang="en-IN" sz="1200" dirty="0"/>
+              <a:t>To copy jar/war into local maven repository</a:t>
+            </a:r>
+          </a:p>
+          <a:p>
+            <a:pPr fontAlgn="base"/>
+            <a:r>
+              <a:rPr lang="en-IN" sz="1200" dirty="0" err="1"/>
+              <a:t>Mvn</a:t>
+            </a:r>
+            <a:r>
+              <a:rPr lang="en-IN" sz="1200" dirty="0"/>
+              <a:t> deploy</a:t>
+            </a:r>
+          </a:p>
+          <a:p>
+            <a:pPr lvl="1" fontAlgn="base"/>
+            <a:r>
+              <a:rPr lang="en-IN" sz="1000" dirty="0"/>
+              <a:t>To deploy the jar</a:t>
+            </a:r>
+          </a:p>
+          <a:p>
+            <a:endParaRPr lang="en-IN" dirty="0"/>
           </a:p>
         </p:txBody>
       </p:sp>
@@ -51965,7 +52256,7 @@
           <a:lstStyle/>
           <a:p>
             <a:r>
-              <a:rPr lang="en-US" sz="1400" dirty="0"/>
+              <a:rPr lang="en-US" sz="1600" dirty="0"/>
               <a:t>Maven : Build Lifecycle</a:t>
             </a:r>
           </a:p>
@@ -51974,7 +52265,7 @@
     </p:spTree>
     <p:extLst>
       <p:ext uri="{BB962C8B-B14F-4D97-AF65-F5344CB8AC3E}">
-        <p14:creationId xmlns:p14="http://schemas.microsoft.com/office/powerpoint/2010/main" val="4225815344"/>
+        <p14:creationId xmlns:p14="http://schemas.microsoft.com/office/powerpoint/2010/main" val="1670723145"/>
       </p:ext>
     </p:extLst>
   </p:cSld>
@@ -52126,45 +52417,8 @@
               </a:buClr>
               <a:buSzPct val="79999"/>
               <a:buFont typeface="Noto Sans Symbols"/>
-              <a:buChar char="●"/>
-            </a:pPr>
-            <a:endParaRPr lang="en-US" sz="1000" b="0" i="0" u="none" strike="noStrike" cap="none" dirty="0">
-              <a:solidFill>
-                <a:srgbClr val="3F3F3F"/>
-              </a:solidFill>
-              <a:latin typeface="Trebuchet MS"/>
-              <a:ea typeface="Trebuchet MS"/>
-              <a:cs typeface="Trebuchet MS"/>
-              <a:sym typeface="Trebuchet MS"/>
-            </a:endParaRPr>
-          </a:p>
-          <a:p>
-            <a:pPr marL="342900" marR="0" lvl="0" indent="-342900" algn="l" rtl="0">
-              <a:spcBef>
-                <a:spcPts val="1000"/>
-              </a:spcBef>
-              <a:spcAft>
-                <a:spcPts val="0"/>
-              </a:spcAft>
-              <a:buClr>
-                <a:schemeClr val="accent1"/>
-              </a:buClr>
-              <a:buSzPct val="79999"/>
-              <a:buFont typeface="Noto Sans Symbols"/>
-              <a:buNone/>
-            </a:pPr>
-            <a:r>
-              <a:rPr lang="en-GB" sz="1800" b="0" i="0" u="none" strike="noStrike" cap="none" dirty="0">
-                <a:solidFill>
-                  <a:srgbClr val="3F3F3F"/>
-                </a:solidFill>
-                <a:latin typeface="Trebuchet MS"/>
-                <a:ea typeface="Trebuchet MS"/>
-                <a:cs typeface="Trebuchet MS"/>
-                <a:sym typeface="Trebuchet MS"/>
-              </a:rPr>
-              <a:t>Operators act on Variables. Generally for calculations and for applying logic</a:t>
-            </a:r>
+              <a:buNone/>
+            </a:pPr>
             <a:endParaRPr sz="1800" b="0" i="0" u="none" strike="noStrike" cap="none" dirty="0">
               <a:solidFill>
                 <a:srgbClr val="3F3F3F"/>
@@ -52227,12 +52481,46 @@
                 <a:cs typeface="Trebuchet MS"/>
                 <a:sym typeface="Trebuchet MS"/>
               </a:rPr>
-              <a:t>Java : Operators</a:t>
+              <a:t>Java : Operators : Arithmetic</a:t>
             </a:r>
           </a:p>
         </p:txBody>
       </p:sp>
+      <p:pic>
+        <p:nvPicPr>
+          <p:cNvPr id="6" name="Shape 243"/>
+          <p:cNvPicPr preferRelativeResize="0">
+            <a:picLocks/>
+          </p:cNvPicPr>
+          <p:nvPr/>
+        </p:nvPicPr>
+        <p:blipFill rotWithShape="1">
+          <a:blip r:embed="rId3">
+            <a:alphaModFix/>
+          </a:blip>
+          <a:srcRect/>
+          <a:stretch/>
+        </p:blipFill>
+        <p:spPr>
+          <a:xfrm>
+            <a:off x="1752600" y="1371601"/>
+            <a:ext cx="2819400" cy="2514599"/>
+          </a:xfrm>
+          <a:prstGeom prst="rect">
+            <a:avLst/>
+          </a:prstGeom>
+          <a:noFill/>
+          <a:ln>
+            <a:noFill/>
+          </a:ln>
+        </p:spPr>
+      </p:pic>
     </p:spTree>
+    <p:extLst>
+      <p:ext uri="{BB962C8B-B14F-4D97-AF65-F5344CB8AC3E}">
+        <p14:creationId xmlns:p14="http://schemas.microsoft.com/office/powerpoint/2010/main" val="2197729557"/>
+      </p:ext>
+    </p:extLst>
   </p:cSld>
   <p:clrMapOvr>
     <a:masterClrMapping/>
@@ -52269,8 +52557,8 @@
         </p:nvSpPr>
         <p:spPr>
           <a:xfrm>
-            <a:off x="677333" y="685801"/>
-            <a:ext cx="8596668" cy="5355562"/>
+            <a:off x="677333" y="762001"/>
+            <a:ext cx="8596668" cy="5279362"/>
           </a:xfrm>
         </p:spPr>
         <p:txBody>
@@ -52279,162 +52567,118 @@
           <a:p>
             <a:pPr fontAlgn="base"/>
             <a:r>
-              <a:rPr lang="en-IN" sz="1200" dirty="0"/>
-              <a:t>Maven build lifecycle</a:t>
+              <a:rPr lang="en-IN" sz="1100" dirty="0"/>
+              <a:t>A Project Object Model or POM is the fundamental unit of work in Maven</a:t>
             </a:r>
           </a:p>
           <a:p>
             <a:pPr fontAlgn="base"/>
             <a:r>
-              <a:rPr lang="en-IN" sz="1200" dirty="0" err="1"/>
-              <a:t>Mvn</a:t>
-            </a:r>
-            <a:r>
-              <a:rPr lang="en-IN" sz="1200" dirty="0"/>
-              <a:t> Compile </a:t>
+              <a:rPr lang="en-IN" sz="1100" dirty="0"/>
+              <a:t>POM.XML</a:t>
             </a:r>
           </a:p>
           <a:p>
             <a:pPr lvl="1" fontAlgn="base"/>
             <a:r>
-              <a:rPr lang="en-IN" sz="1200" dirty="0"/>
-              <a:t>Compile main code present in </a:t>
-            </a:r>
-            <a:r>
-              <a:rPr lang="en-IN" sz="1200" dirty="0" err="1"/>
-              <a:t>src</a:t>
-            </a:r>
-            <a:r>
-              <a:rPr lang="en-IN" sz="1200" dirty="0"/>
-              <a:t>/main/java </a:t>
+              <a:rPr lang="en-IN" sz="1100" dirty="0"/>
+              <a:t>Minimal POM</a:t>
             </a:r>
           </a:p>
           <a:p>
             <a:pPr lvl="1" fontAlgn="base"/>
             <a:r>
-              <a:rPr lang="en-IN" sz="1200" dirty="0"/>
-              <a:t>Generates target/classes</a:t>
+              <a:rPr lang="en-IN" sz="1100" dirty="0"/>
+              <a:t>Effective POM</a:t>
             </a:r>
           </a:p>
           <a:p>
             <a:pPr fontAlgn="base"/>
             <a:r>
-              <a:rPr lang="en-IN" sz="1200" dirty="0" err="1"/>
-              <a:t>Mvn</a:t>
-            </a:r>
-            <a:r>
-              <a:rPr lang="en-IN" sz="1200" dirty="0"/>
-              <a:t> Test-compile</a:t>
+              <a:rPr lang="en-IN" sz="1100" dirty="0"/>
+              <a:t>Dependency management:</a:t>
             </a:r>
           </a:p>
           <a:p>
             <a:pPr lvl="1" fontAlgn="base"/>
             <a:r>
-              <a:rPr lang="en-IN" sz="1200" dirty="0"/>
-              <a:t>Compile unit test code present in </a:t>
-            </a:r>
-            <a:r>
-              <a:rPr lang="en-IN" sz="1200" dirty="0" err="1"/>
-              <a:t>src</a:t>
-            </a:r>
-            <a:r>
-              <a:rPr lang="en-IN" sz="1200" dirty="0"/>
-              <a:t>/test/java</a:t>
+              <a:rPr lang="en-IN" sz="1100" dirty="0"/>
+              <a:t>Project dependencies</a:t>
             </a:r>
           </a:p>
           <a:p>
             <a:pPr lvl="1" fontAlgn="base"/>
             <a:r>
-              <a:rPr lang="en-IN" sz="1200" dirty="0"/>
-              <a:t>Generates test-classes</a:t>
+              <a:rPr lang="en-IN" sz="1100" dirty="0"/>
+              <a:t>Local repository</a:t>
+            </a:r>
+          </a:p>
+          <a:p>
+            <a:pPr lvl="1" fontAlgn="base"/>
+            <a:r>
+              <a:rPr lang="en-IN" sz="1100" dirty="0"/>
+              <a:t>Transitive dependencies</a:t>
+            </a:r>
+          </a:p>
+          <a:p>
+            <a:pPr lvl="2" fontAlgn="base"/>
+            <a:r>
+              <a:rPr lang="en-IN" sz="1100" dirty="0"/>
+              <a:t>Dependant jars of dependent jars are called as transitive dependencies. </a:t>
+            </a:r>
+          </a:p>
+          <a:p>
+            <a:pPr lvl="2" fontAlgn="base"/>
+            <a:r>
+              <a:rPr lang="en-IN" sz="1100" dirty="0"/>
+              <a:t>Dependency hierarchy is found in pom.xml</a:t>
+            </a:r>
+          </a:p>
+          <a:p>
+            <a:pPr lvl="1" fontAlgn="base"/>
+            <a:r>
+              <a:rPr lang="en-IN" sz="1100" dirty="0"/>
+              <a:t>Excluding transitive dependencies</a:t>
+            </a:r>
+          </a:p>
+          <a:p>
+            <a:pPr lvl="2" fontAlgn="base"/>
+            <a:r>
+              <a:rPr lang="en-IN" sz="1100" dirty="0"/>
+              <a:t>To exclude one or more transitive dependencies.</a:t>
             </a:r>
           </a:p>
           <a:p>
             <a:pPr fontAlgn="base"/>
             <a:r>
-              <a:rPr lang="en-IN" sz="1200" dirty="0" err="1"/>
-              <a:t>Mvn</a:t>
-            </a:r>
-            <a:r>
-              <a:rPr lang="en-IN" sz="1200" dirty="0"/>
-              <a:t> test</a:t>
+              <a:rPr lang="en-IN" sz="1100" dirty="0"/>
+              <a:t>Maven plugins and goals:</a:t>
             </a:r>
           </a:p>
           <a:p>
             <a:pPr lvl="1" fontAlgn="base"/>
             <a:r>
-              <a:rPr lang="en-IN" sz="1200" dirty="0"/>
-              <a:t>To run compile unit tests</a:t>
+              <a:rPr lang="en-IN" sz="1100" dirty="0"/>
+              <a:t>Plugin :Plugin is artefact which executes goals</a:t>
             </a:r>
           </a:p>
           <a:p>
             <a:pPr lvl="1" fontAlgn="base"/>
             <a:r>
-              <a:rPr lang="en-IN" sz="1200" dirty="0"/>
-              <a:t>Generates </a:t>
-            </a:r>
-            <a:r>
-              <a:rPr lang="en-IN" sz="1200" dirty="0" err="1"/>
-              <a:t>surefire</a:t>
-            </a:r>
-            <a:r>
-              <a:rPr lang="en-IN" sz="1200" dirty="0"/>
-              <a:t>-reports folder</a:t>
-            </a:r>
-          </a:p>
-          <a:p>
-            <a:pPr fontAlgn="base"/>
-            <a:r>
-              <a:rPr lang="en-IN" sz="1200" dirty="0" err="1"/>
-              <a:t>Mvn</a:t>
-            </a:r>
-            <a:r>
-              <a:rPr lang="en-IN" sz="1200" dirty="0"/>
-              <a:t> package</a:t>
+              <a:rPr lang="en-IN" sz="1100" dirty="0"/>
+              <a:t>Goal : Goal is a task in a phase</a:t>
             </a:r>
           </a:p>
           <a:p>
             <a:pPr lvl="1" fontAlgn="base"/>
             <a:r>
-              <a:rPr lang="en-IN" sz="1200" dirty="0"/>
-              <a:t>To generate jar or war</a:t>
-            </a:r>
-          </a:p>
-          <a:p>
-            <a:pPr fontAlgn="base"/>
-            <a:r>
-              <a:rPr lang="en-IN" sz="1200" dirty="0" err="1"/>
-              <a:t>Mvn</a:t>
-            </a:r>
-            <a:r>
-              <a:rPr lang="en-IN" sz="1200" dirty="0"/>
-              <a:t> install</a:t>
-            </a:r>
-          </a:p>
-          <a:p>
-            <a:pPr lvl="1" fontAlgn="base"/>
-            <a:r>
-              <a:rPr lang="en-IN" sz="1200" dirty="0"/>
-              <a:t>To copy jar/war into local maven repository</a:t>
-            </a:r>
-          </a:p>
-          <a:p>
-            <a:pPr fontAlgn="base"/>
-            <a:r>
-              <a:rPr lang="en-IN" sz="1200" dirty="0" err="1"/>
-              <a:t>Mvn</a:t>
-            </a:r>
-            <a:r>
-              <a:rPr lang="en-IN" sz="1200" dirty="0"/>
-              <a:t> deploy</a:t>
-            </a:r>
-          </a:p>
-          <a:p>
-            <a:pPr lvl="1" fontAlgn="base"/>
-            <a:r>
-              <a:rPr lang="en-IN" sz="1000" dirty="0"/>
-              <a:t>To deploy the jar</a:t>
-            </a:r>
+              <a:rPr lang="en-IN" sz="1100" dirty="0"/>
+              <a:t>Plugin can execute goals from multiple phases</a:t>
+            </a:r>
+          </a:p>
+          <a:p>
+            <a:pPr lvl="2" fontAlgn="base"/>
+            <a:endParaRPr lang="en-IN" sz="1200" dirty="0"/>
           </a:p>
           <a:p>
             <a:endParaRPr lang="en-IN" dirty="0"/>
@@ -52463,7 +52707,7 @@
           <a:p>
             <a:r>
               <a:rPr lang="en-US" sz="1600" dirty="0"/>
-              <a:t>Maven : Build Lifecycle</a:t>
+              <a:t>Maven : POM</a:t>
             </a:r>
           </a:p>
         </p:txBody>
@@ -52471,7 +52715,7 @@
     </p:spTree>
     <p:extLst>
       <p:ext uri="{BB962C8B-B14F-4D97-AF65-F5344CB8AC3E}">
-        <p14:creationId xmlns:p14="http://schemas.microsoft.com/office/powerpoint/2010/main" val="1670723145"/>
+        <p14:creationId xmlns:p14="http://schemas.microsoft.com/office/powerpoint/2010/main" val="1246472079"/>
       </p:ext>
     </p:extLst>
   </p:cSld>
@@ -52510,8 +52754,8 @@
         </p:nvSpPr>
         <p:spPr>
           <a:xfrm>
-            <a:off x="677333" y="762001"/>
-            <a:ext cx="8596668" cy="5279362"/>
+            <a:off x="677333" y="685801"/>
+            <a:ext cx="8596668" cy="5355562"/>
           </a:xfrm>
         </p:spPr>
         <p:txBody>
@@ -52521,117 +52765,115 @@
             <a:pPr fontAlgn="base"/>
             <a:r>
               <a:rPr lang="en-IN" sz="1100" dirty="0"/>
-              <a:t>A Project Object Model or POM is the fundamental unit of work in Maven</a:t>
+              <a:t>Running a project having no dependencies.</a:t>
+            </a:r>
+          </a:p>
+          <a:p>
+            <a:pPr lvl="1" fontAlgn="base"/>
+            <a:r>
+              <a:rPr lang="en-IN" sz="1100" dirty="0"/>
+              <a:t>Step1 : Add manifest entry to pom.xml</a:t>
             </a:r>
           </a:p>
           <a:p>
             <a:pPr fontAlgn="base"/>
             <a:r>
               <a:rPr lang="en-IN" sz="1100" dirty="0"/>
-              <a:t>POM.XML</a:t>
+              <a:t>Running a project having dependencies.</a:t>
             </a:r>
           </a:p>
           <a:p>
             <a:pPr lvl="1" fontAlgn="base"/>
             <a:r>
               <a:rPr lang="en-IN" sz="1100" dirty="0"/>
-              <a:t>Minimal POM</a:t>
+              <a:t>Create all required folders</a:t>
+            </a:r>
+          </a:p>
+          <a:p>
+            <a:pPr lvl="2" fontAlgn="base"/>
+            <a:r>
+              <a:rPr lang="en-IN" sz="1100" dirty="0" err="1"/>
+              <a:t>conf</a:t>
+            </a:r>
+            <a:endParaRPr lang="en-IN" sz="1100" dirty="0"/>
+          </a:p>
+          <a:p>
+            <a:pPr lvl="2" fontAlgn="base"/>
+            <a:r>
+              <a:rPr lang="en-IN" sz="1100" dirty="0"/>
+              <a:t>drivers</a:t>
             </a:r>
           </a:p>
           <a:p>
             <a:pPr lvl="1" fontAlgn="base"/>
             <a:r>
               <a:rPr lang="en-IN" sz="1100" dirty="0"/>
-              <a:t>Effective POM</a:t>
-            </a:r>
-          </a:p>
-          <a:p>
-            <a:pPr fontAlgn="base"/>
+              <a:t>Step1: Add manifest entry to pom.xml</a:t>
+            </a:r>
+          </a:p>
+          <a:p>
+            <a:pPr lvl="1" fontAlgn="base"/>
             <a:r>
               <a:rPr lang="en-IN" sz="1100" dirty="0"/>
-              <a:t>Dependency management:</a:t>
-            </a:r>
-          </a:p>
-          <a:p>
-            <a:pPr lvl="1" fontAlgn="base"/>
+              <a:t>Step2: Use assembly plugin</a:t>
+            </a:r>
+          </a:p>
+          <a:p>
+            <a:pPr lvl="2" fontAlgn="base"/>
             <a:r>
               <a:rPr lang="en-IN" sz="1100" dirty="0"/>
-              <a:t>Project dependencies</a:t>
-            </a:r>
-          </a:p>
-          <a:p>
-            <a:pPr lvl="1" fontAlgn="base"/>
+              <a:t>What is assembly?</a:t>
+            </a:r>
+          </a:p>
+          <a:p>
+            <a:pPr lvl="2" fontAlgn="base"/>
             <a:r>
               <a:rPr lang="en-IN" sz="1100" dirty="0"/>
-              <a:t>Local repository</a:t>
-            </a:r>
-          </a:p>
-          <a:p>
-            <a:pPr lvl="1" fontAlgn="base"/>
+              <a:t>Add assembly plugin to pom.xml</a:t>
+            </a:r>
+          </a:p>
+          <a:p>
+            <a:pPr lvl="2" fontAlgn="base"/>
             <a:r>
               <a:rPr lang="en-IN" sz="1100" dirty="0"/>
-              <a:t>Transitive dependencies</a:t>
-            </a:r>
-          </a:p>
-          <a:p>
-            <a:pPr lvl="2" fontAlgn="base"/>
+              <a:t>Create assembly.xml</a:t>
+            </a:r>
+          </a:p>
+          <a:p>
+            <a:pPr lvl="3" fontAlgn="base"/>
             <a:r>
               <a:rPr lang="en-IN" sz="1100" dirty="0"/>
-              <a:t>Dependant jars of dependent jars are called as transitive dependencies. </a:t>
-            </a:r>
-          </a:p>
-          <a:p>
-            <a:pPr lvl="2" fontAlgn="base"/>
+              <a:t>Define formats</a:t>
+            </a:r>
+          </a:p>
+          <a:p>
+            <a:pPr lvl="3" fontAlgn="base"/>
             <a:r>
               <a:rPr lang="en-IN" sz="1100" dirty="0"/>
-              <a:t>Dependency hierarchy is found in pom.xml</a:t>
-            </a:r>
-          </a:p>
-          <a:p>
-            <a:pPr lvl="1" fontAlgn="base"/>
+              <a:t>Add dependency sets</a:t>
+            </a:r>
+          </a:p>
+          <a:p>
+            <a:pPr lvl="3" fontAlgn="base"/>
             <a:r>
               <a:rPr lang="en-IN" sz="1100" dirty="0"/>
-              <a:t>Excluding transitive dependencies</a:t>
-            </a:r>
-          </a:p>
-          <a:p>
-            <a:pPr lvl="2" fontAlgn="base"/>
+              <a:t>Add an entry for </a:t>
+            </a:r>
+            <a:r>
+              <a:rPr lang="en-IN" sz="1100" dirty="0" err="1"/>
+              <a:t>conf</a:t>
+            </a:r>
             <a:r>
               <a:rPr lang="en-IN" sz="1100" dirty="0"/>
-              <a:t>To exclude one or more transitive dependencies.</a:t>
-            </a:r>
-          </a:p>
-          <a:p>
-            <a:pPr fontAlgn="base"/>
+              <a:t> folder</a:t>
+            </a:r>
+          </a:p>
+          <a:p>
+            <a:pPr lvl="3" fontAlgn="base"/>
             <a:r>
               <a:rPr lang="en-IN" sz="1100" dirty="0"/>
-              <a:t>Maven plugins and goals:</a:t>
-            </a:r>
-          </a:p>
-          <a:p>
-            <a:pPr lvl="1" fontAlgn="base"/>
-            <a:r>
-              <a:rPr lang="en-IN" sz="1100" dirty="0"/>
-              <a:t>Plugin :Plugin is artefact which executes goals</a:t>
-            </a:r>
-          </a:p>
-          <a:p>
-            <a:pPr lvl="1" fontAlgn="base"/>
-            <a:r>
-              <a:rPr lang="en-IN" sz="1100" dirty="0"/>
-              <a:t>Goal : Goal is a task in a phase</a:t>
-            </a:r>
-          </a:p>
-          <a:p>
-            <a:pPr lvl="1" fontAlgn="base"/>
-            <a:r>
-              <a:rPr lang="en-IN" sz="1100" dirty="0"/>
-              <a:t>Plugin can execute goals from multiple phases</a:t>
-            </a:r>
-          </a:p>
-          <a:p>
-            <a:pPr lvl="2" fontAlgn="base"/>
-            <a:endParaRPr lang="en-IN" sz="1200" dirty="0"/>
+              <a:t>Add an entry for drivers folder</a:t>
+            </a:r>
           </a:p>
           <a:p>
             <a:endParaRPr lang="en-IN" dirty="0"/>
@@ -52660,7 +52902,7 @@
           <a:p>
             <a:r>
               <a:rPr lang="en-US" sz="1600" dirty="0"/>
-              <a:t>Maven : POM</a:t>
+              <a:t>Maven : Building runnable jars</a:t>
             </a:r>
           </a:p>
         </p:txBody>
@@ -52668,7 +52910,7 @@
     </p:spTree>
     <p:extLst>
       <p:ext uri="{BB962C8B-B14F-4D97-AF65-F5344CB8AC3E}">
-        <p14:creationId xmlns:p14="http://schemas.microsoft.com/office/powerpoint/2010/main" val="1246472079"/>
+        <p14:creationId xmlns:p14="http://schemas.microsoft.com/office/powerpoint/2010/main" val="3199482505"/>
       </p:ext>
     </p:extLst>
   </p:cSld>
@@ -52717,116 +52959,88 @@
           <a:p>
             <a:pPr fontAlgn="base"/>
             <a:r>
-              <a:rPr lang="en-IN" sz="1100" dirty="0"/>
-              <a:t>Running a project having no dependencies.</a:t>
+              <a:rPr lang="en-IN" sz="1200" dirty="0"/>
+              <a:t>Maven Build Profiles:</a:t>
             </a:r>
           </a:p>
           <a:p>
             <a:pPr lvl="1" fontAlgn="base"/>
             <a:r>
-              <a:rPr lang="en-IN" sz="1100" dirty="0"/>
-              <a:t>Step1 : Add manifest entry to pom.xml</a:t>
-            </a:r>
-          </a:p>
-          <a:p>
-            <a:pPr fontAlgn="base"/>
-            <a:r>
-              <a:rPr lang="en-IN" sz="1100" dirty="0"/>
-              <a:t>Running a project having dependencies.</a:t>
+              <a:rPr lang="en-IN" sz="1200" dirty="0"/>
+              <a:t>A Build profile is a set of configuration values</a:t>
             </a:r>
           </a:p>
           <a:p>
             <a:pPr lvl="1" fontAlgn="base"/>
             <a:r>
-              <a:rPr lang="en-IN" sz="1100" dirty="0"/>
-              <a:t>Create all required folders</a:t>
+              <a:rPr lang="en-IN" sz="1200" dirty="0"/>
+              <a:t>Using a build profile, you can customize build for different environments such as Production , Development and QA environments.</a:t>
+            </a:r>
+          </a:p>
+          <a:p>
+            <a:pPr lvl="1" fontAlgn="base"/>
+            <a:r>
+              <a:rPr lang="en-IN" sz="1200" dirty="0"/>
+              <a:t>Step1: Create a project and implement assembly as shown in previous slide</a:t>
+            </a:r>
+          </a:p>
+          <a:p>
+            <a:pPr lvl="1" fontAlgn="base"/>
+            <a:r>
+              <a:rPr lang="en-IN" sz="1200" dirty="0"/>
+              <a:t>Step2: Add place holders in configuration files</a:t>
+            </a:r>
+          </a:p>
+          <a:p>
+            <a:pPr lvl="1" fontAlgn="base"/>
+            <a:r>
+              <a:rPr lang="en-IN" sz="1200" dirty="0"/>
+              <a:t>Step3: Add a resource element to pom.xml</a:t>
             </a:r>
           </a:p>
           <a:p>
             <a:pPr lvl="2" fontAlgn="base"/>
             <a:r>
-              <a:rPr lang="en-IN" sz="1100" dirty="0" err="1"/>
-              <a:t>conf</a:t>
-            </a:r>
-            <a:endParaRPr lang="en-IN" sz="1100" dirty="0"/>
+              <a:rPr lang="en-IN" sz="1200" dirty="0"/>
+              <a:t>Set filtering to true</a:t>
+            </a:r>
           </a:p>
           <a:p>
             <a:pPr lvl="2" fontAlgn="base"/>
             <a:r>
-              <a:rPr lang="en-IN" sz="1100" dirty="0"/>
-              <a:t>drivers</a:t>
+              <a:rPr lang="en-IN" sz="1200" dirty="0"/>
+              <a:t>Define your custom configuration folder directory</a:t>
             </a:r>
           </a:p>
           <a:p>
             <a:pPr lvl="1" fontAlgn="base"/>
             <a:r>
-              <a:rPr lang="en-IN" sz="1100" dirty="0"/>
-              <a:t>Step1: Add manifest entry to pom.xml</a:t>
+              <a:rPr lang="en-IN" sz="1200" dirty="0"/>
+              <a:t>Step4: Add profiles element in pom.xml</a:t>
             </a:r>
           </a:p>
           <a:p>
             <a:pPr lvl="1" fontAlgn="base"/>
             <a:r>
-              <a:rPr lang="en-IN" sz="1100" dirty="0"/>
-              <a:t>Step2: Use assembly plugin</a:t>
+              <a:rPr lang="en-IN" sz="1200" dirty="0"/>
+              <a:t>Step5: Build project with -P </a:t>
             </a:r>
           </a:p>
           <a:p>
             <a:pPr lvl="2" fontAlgn="base"/>
             <a:r>
-              <a:rPr lang="en-IN" sz="1100" dirty="0"/>
-              <a:t>What is assembly?</a:t>
-            </a:r>
-          </a:p>
-          <a:p>
-            <a:pPr lvl="2" fontAlgn="base"/>
-            <a:r>
-              <a:rPr lang="en-IN" sz="1100" dirty="0"/>
-              <a:t>Add assembly plugin to pom.xml</a:t>
-            </a:r>
-          </a:p>
-          <a:p>
-            <a:pPr lvl="2" fontAlgn="base"/>
-            <a:r>
-              <a:rPr lang="en-IN" sz="1100" dirty="0"/>
-              <a:t>Create assembly.xml</a:t>
-            </a:r>
-          </a:p>
-          <a:p>
-            <a:pPr lvl="3" fontAlgn="base"/>
-            <a:r>
-              <a:rPr lang="en-IN" sz="1100" dirty="0"/>
-              <a:t>Define formats</a:t>
-            </a:r>
-          </a:p>
-          <a:p>
-            <a:pPr lvl="3" fontAlgn="base"/>
-            <a:r>
-              <a:rPr lang="en-IN" sz="1100" dirty="0"/>
-              <a:t>Add dependency sets</a:t>
-            </a:r>
-          </a:p>
-          <a:p>
-            <a:pPr lvl="3" fontAlgn="base"/>
-            <a:r>
-              <a:rPr lang="en-IN" sz="1100" dirty="0"/>
-              <a:t>Add an entry for </a:t>
-            </a:r>
-            <a:r>
-              <a:rPr lang="en-IN" sz="1100" dirty="0" err="1"/>
-              <a:t>conf</a:t>
-            </a:r>
-            <a:r>
-              <a:rPr lang="en-IN" sz="1100" dirty="0"/>
-              <a:t> folder</a:t>
-            </a:r>
-          </a:p>
-          <a:p>
-            <a:pPr lvl="3" fontAlgn="base"/>
-            <a:r>
-              <a:rPr lang="en-IN" sz="1100" dirty="0"/>
-              <a:t>Add an entry for drivers folder</a:t>
-            </a:r>
+              <a:rPr lang="en-IN" sz="1200" dirty="0" err="1"/>
+              <a:t>Mvn</a:t>
+            </a:r>
+            <a:r>
+              <a:rPr lang="en-IN" sz="1200" dirty="0"/>
+              <a:t> clean install -</a:t>
+            </a:r>
+            <a:r>
+              <a:rPr lang="en-IN" sz="1200" dirty="0" err="1"/>
+              <a:t>Pqa</a:t>
+            </a:r>
+            <a:endParaRPr lang="en-IN" sz="1200" dirty="0"/>
           </a:p>
           <a:p>
             <a:endParaRPr lang="en-IN" dirty="0"/>
@@ -52855,7 +53069,7 @@
           <a:p>
             <a:r>
               <a:rPr lang="en-US" sz="1600" dirty="0"/>
-              <a:t>Maven : Building runnable jars</a:t>
+              <a:t>Maven : Profiles</a:t>
             </a:r>
           </a:p>
         </p:txBody>
@@ -52863,7 +53077,7 @@
     </p:spTree>
     <p:extLst>
       <p:ext uri="{BB962C8B-B14F-4D97-AF65-F5344CB8AC3E}">
-        <p14:creationId xmlns:p14="http://schemas.microsoft.com/office/powerpoint/2010/main" val="3199482505"/>
+        <p14:creationId xmlns:p14="http://schemas.microsoft.com/office/powerpoint/2010/main" val="3249783198"/>
       </p:ext>
     </p:extLst>
   </p:cSld>
@@ -52913,87 +53127,72 @@
             <a:pPr fontAlgn="base"/>
             <a:r>
               <a:rPr lang="en-IN" sz="1200" dirty="0"/>
-              <a:t>Maven Build Profiles:</a:t>
+              <a:t>Ways of running selenium tests:</a:t>
             </a:r>
           </a:p>
           <a:p>
             <a:pPr lvl="1" fontAlgn="base"/>
             <a:r>
               <a:rPr lang="en-IN" sz="1200" dirty="0"/>
-              <a:t>A Build profile is a set of configuration values</a:t>
+              <a:t>Local:</a:t>
+            </a:r>
+          </a:p>
+          <a:p>
+            <a:pPr lvl="2" fontAlgn="base"/>
+            <a:r>
+              <a:rPr lang="en-IN" sz="1200" dirty="0"/>
+              <a:t>WebDriver is used to run tests locally</a:t>
             </a:r>
           </a:p>
           <a:p>
             <a:pPr lvl="1" fontAlgn="base"/>
             <a:r>
               <a:rPr lang="en-IN" sz="1200" dirty="0"/>
-              <a:t>Using a build profile, you can customize build for different environments such as Production , Development and QA environments.</a:t>
+              <a:t>Remote:</a:t>
+            </a:r>
+          </a:p>
+          <a:p>
+            <a:pPr lvl="2" fontAlgn="base"/>
+            <a:r>
+              <a:rPr lang="en-IN" sz="1200" dirty="0" err="1"/>
+              <a:t>RemoteWebDriver</a:t>
+            </a:r>
+            <a:r>
+              <a:rPr lang="en-IN" sz="1200" dirty="0"/>
+              <a:t> is used to run tests remotely</a:t>
+            </a:r>
+          </a:p>
+          <a:p>
+            <a:pPr lvl="2" fontAlgn="base"/>
+            <a:r>
+              <a:rPr lang="en-IN" sz="1200" dirty="0" err="1"/>
+              <a:t>RemoteWebDriver</a:t>
+            </a:r>
+            <a:r>
+              <a:rPr lang="en-IN" sz="1200" dirty="0"/>
+              <a:t> runs tests on selenium grid</a:t>
+            </a:r>
+          </a:p>
+          <a:p>
+            <a:pPr fontAlgn="base"/>
+            <a:r>
+              <a:rPr lang="en-IN" sz="1200" dirty="0"/>
+              <a:t>Why do we need selenium grid?</a:t>
             </a:r>
           </a:p>
           <a:p>
             <a:pPr lvl="1" fontAlgn="base"/>
             <a:r>
               <a:rPr lang="en-IN" sz="1200" dirty="0"/>
-              <a:t>Step1: Create a project and implement assembly as shown in previous slide</a:t>
+              <a:t>To run tests on multiple OS, Browser and device combinations.</a:t>
             </a:r>
           </a:p>
           <a:p>
             <a:pPr lvl="1" fontAlgn="base"/>
             <a:r>
               <a:rPr lang="en-IN" sz="1200" dirty="0"/>
-              <a:t>Step2: Add place holders in configuration files</a:t>
-            </a:r>
-          </a:p>
-          <a:p>
-            <a:pPr lvl="1" fontAlgn="base"/>
-            <a:r>
-              <a:rPr lang="en-IN" sz="1200" dirty="0"/>
-              <a:t>Step3: Add a resource element to pom.xml</a:t>
-            </a:r>
-          </a:p>
-          <a:p>
-            <a:pPr lvl="2" fontAlgn="base"/>
-            <a:r>
-              <a:rPr lang="en-IN" sz="1200" dirty="0"/>
-              <a:t>Set filtering to true</a:t>
-            </a:r>
-          </a:p>
-          <a:p>
-            <a:pPr lvl="2" fontAlgn="base"/>
-            <a:r>
-              <a:rPr lang="en-IN" sz="1200" dirty="0"/>
-              <a:t>Define your custom configuration folder directory</a:t>
-            </a:r>
-          </a:p>
-          <a:p>
-            <a:pPr lvl="1" fontAlgn="base"/>
-            <a:r>
-              <a:rPr lang="en-IN" sz="1200" dirty="0"/>
-              <a:t>Step4: Add profiles element in pom.xml</a:t>
-            </a:r>
-          </a:p>
-          <a:p>
-            <a:pPr lvl="1" fontAlgn="base"/>
-            <a:r>
-              <a:rPr lang="en-IN" sz="1200" dirty="0"/>
-              <a:t>Step5: Build project with -P </a:t>
-            </a:r>
-          </a:p>
-          <a:p>
-            <a:pPr lvl="2" fontAlgn="base"/>
-            <a:r>
-              <a:rPr lang="en-IN" sz="1200" dirty="0" err="1"/>
-              <a:t>Mvn</a:t>
-            </a:r>
-            <a:r>
-              <a:rPr lang="en-IN" sz="1200" dirty="0"/>
-              <a:t> clean install -</a:t>
-            </a:r>
-            <a:r>
-              <a:rPr lang="en-IN" sz="1200" dirty="0" err="1"/>
-              <a:t>Pqa</a:t>
-            </a:r>
-            <a:endParaRPr lang="en-IN" sz="1200" dirty="0"/>
+              <a:t>To run tests in parallel to reduce execution time</a:t>
+            </a:r>
           </a:p>
           <a:p>
             <a:endParaRPr lang="en-IN" dirty="0"/>
@@ -53022,7 +53221,7 @@
           <a:p>
             <a:r>
               <a:rPr lang="en-US" sz="1600" dirty="0"/>
-              <a:t>Maven : Profiles</a:t>
+              <a:t>Selenium Grid</a:t>
             </a:r>
           </a:p>
         </p:txBody>
@@ -53030,7 +53229,7 @@
     </p:spTree>
     <p:extLst>
       <p:ext uri="{BB962C8B-B14F-4D97-AF65-F5344CB8AC3E}">
-        <p14:creationId xmlns:p14="http://schemas.microsoft.com/office/powerpoint/2010/main" val="3249783198"/>
+        <p14:creationId xmlns:p14="http://schemas.microsoft.com/office/powerpoint/2010/main" val="959145365"/>
       </p:ext>
     </p:extLst>
   </p:cSld>
@@ -53069,8 +53268,8 @@
         </p:nvSpPr>
         <p:spPr>
           <a:xfrm>
-            <a:off x="677333" y="685801"/>
-            <a:ext cx="8596668" cy="5355562"/>
+            <a:off x="677333" y="762000"/>
+            <a:ext cx="8596668" cy="5279363"/>
           </a:xfrm>
         </p:spPr>
         <p:txBody>
@@ -53079,76 +53278,13 @@
           <a:p>
             <a:pPr fontAlgn="base"/>
             <a:r>
-              <a:rPr lang="en-IN" sz="1200" dirty="0"/>
-              <a:t>Ways of running selenium tests:</a:t>
-            </a:r>
-          </a:p>
-          <a:p>
-            <a:pPr lvl="1" fontAlgn="base"/>
-            <a:r>
-              <a:rPr lang="en-IN" sz="1200" dirty="0"/>
-              <a:t>Local:</a:t>
-            </a:r>
-          </a:p>
-          <a:p>
-            <a:pPr lvl="2" fontAlgn="base"/>
-            <a:r>
-              <a:rPr lang="en-IN" sz="1200" dirty="0"/>
-              <a:t>WebDriver is used to run tests locally</a:t>
-            </a:r>
-          </a:p>
-          <a:p>
-            <a:pPr lvl="1" fontAlgn="base"/>
-            <a:r>
-              <a:rPr lang="en-IN" sz="1200" dirty="0"/>
-              <a:t>Remote:</a:t>
-            </a:r>
-          </a:p>
-          <a:p>
-            <a:pPr lvl="2" fontAlgn="base"/>
-            <a:r>
-              <a:rPr lang="en-IN" sz="1200" dirty="0" err="1"/>
-              <a:t>RemoteWebDriver</a:t>
-            </a:r>
-            <a:r>
-              <a:rPr lang="en-IN" sz="1200" dirty="0"/>
-              <a:t> is used to run tests remotely</a:t>
-            </a:r>
-          </a:p>
-          <a:p>
-            <a:pPr lvl="2" fontAlgn="base"/>
-            <a:r>
-              <a:rPr lang="en-IN" sz="1200" dirty="0" err="1"/>
-              <a:t>RemoteWebDriver</a:t>
-            </a:r>
-            <a:r>
-              <a:rPr lang="en-IN" sz="1200" dirty="0"/>
-              <a:t> runs tests on selenium grid</a:t>
+              <a:rPr lang="en-US" sz="1200" dirty="0"/>
+              <a:t>Selenium Grid Structure:</a:t>
             </a:r>
           </a:p>
           <a:p>
             <a:pPr fontAlgn="base"/>
-            <a:r>
-              <a:rPr lang="en-IN" sz="1200" dirty="0"/>
-              <a:t>Why do we need selenium grid?</a:t>
-            </a:r>
-          </a:p>
-          <a:p>
-            <a:pPr lvl="1" fontAlgn="base"/>
-            <a:r>
-              <a:rPr lang="en-IN" sz="1200" dirty="0"/>
-              <a:t>To run tests on multiple OS, Browser and device combinations.</a:t>
-            </a:r>
-          </a:p>
-          <a:p>
-            <a:pPr lvl="1" fontAlgn="base"/>
-            <a:r>
-              <a:rPr lang="en-IN" sz="1200" dirty="0"/>
-              <a:t>To run tests in parallel to reduce execution time</a:t>
-            </a:r>
-          </a:p>
-          <a:p>
-            <a:endParaRPr lang="en-IN" dirty="0"/>
+            <a:endParaRPr lang="en-IN" sz="1200" dirty="0"/>
           </a:p>
         </p:txBody>
       </p:sp>
@@ -53179,10 +53315,301 @@
           </a:p>
         </p:txBody>
       </p:sp>
+      <p:pic>
+        <p:nvPicPr>
+          <p:cNvPr id="1026" name="Picture 2"/>
+          <p:cNvPicPr>
+            <a:picLocks noChangeAspect="1" noChangeArrowheads="1"/>
+          </p:cNvPicPr>
+          <p:nvPr/>
+        </p:nvPicPr>
+        <p:blipFill>
+          <a:blip r:embed="rId2">
+            <a:extLst>
+              <a:ext uri="{28A0092B-C50C-407E-A947-70E740481C1C}">
+                <a14:useLocalDpi xmlns:a14="http://schemas.microsoft.com/office/drawing/2010/main" val="0"/>
+              </a:ext>
+            </a:extLst>
+          </a:blip>
+          <a:srcRect/>
+          <a:stretch>
+            <a:fillRect/>
+          </a:stretch>
+        </p:blipFill>
+        <p:spPr bwMode="auto">
+          <a:xfrm>
+            <a:off x="1295400" y="3718808"/>
+            <a:ext cx="4114800" cy="2868260"/>
+          </a:xfrm>
+          <a:prstGeom prst="rect">
+            <a:avLst/>
+          </a:prstGeom>
+          <a:noFill/>
+          <a:ln>
+            <a:noFill/>
+          </a:ln>
+          <a:extLst>
+            <a:ext uri="{909E8E84-426E-40DD-AFC4-6F175D3DCCD1}">
+              <a14:hiddenFill xmlns:a14="http://schemas.microsoft.com/office/drawing/2010/main">
+                <a:solidFill>
+                  <a:schemeClr val="accent1"/>
+                </a:solidFill>
+              </a14:hiddenFill>
+            </a:ext>
+            <a:ext uri="{91240B29-F687-4F45-9708-019B960494DF}">
+              <a14:hiddenLine xmlns:a14="http://schemas.microsoft.com/office/drawing/2010/main" w="9525">
+                <a:solidFill>
+                  <a:schemeClr val="tx1"/>
+                </a:solidFill>
+                <a:miter lim="800000"/>
+                <a:headEnd/>
+                <a:tailEnd/>
+              </a14:hiddenLine>
+            </a:ext>
+          </a:extLst>
+        </p:spPr>
+      </p:pic>
+      <p:sp>
+        <p:nvSpPr>
+          <p:cNvPr id="6" name="Rectangle 5"/>
+          <p:cNvSpPr/>
+          <p:nvPr/>
+        </p:nvSpPr>
+        <p:spPr>
+          <a:xfrm>
+            <a:off x="1143000" y="1066800"/>
+            <a:ext cx="6019800" cy="2652008"/>
+          </a:xfrm>
+          <a:prstGeom prst="rect">
+            <a:avLst/>
+          </a:prstGeom>
+        </p:spPr>
+        <p:txBody>
+          <a:bodyPr wrap="square">
+            <a:spAutoFit/>
+          </a:bodyPr>
+          <a:lstStyle/>
+          <a:p>
+            <a:pPr marL="171450" indent="-171450" fontAlgn="base">
+              <a:spcBef>
+                <a:spcPts val="1000"/>
+              </a:spcBef>
+              <a:buClr>
+                <a:schemeClr val="accent1"/>
+              </a:buClr>
+              <a:buFont typeface="Noto Sans Symbols"/>
+              <a:buChar char="●"/>
+            </a:pPr>
+            <a:r>
+              <a:rPr lang="en-IN" sz="1200" dirty="0">
+                <a:solidFill>
+                  <a:srgbClr val="3F3F3F"/>
+                </a:solidFill>
+                <a:latin typeface="Trebuchet MS"/>
+                <a:ea typeface="Trebuchet MS"/>
+                <a:cs typeface="Trebuchet MS"/>
+                <a:sym typeface="Trebuchet MS"/>
+              </a:rPr>
+              <a:t>Selenium Grid components:</a:t>
+            </a:r>
+          </a:p>
+          <a:p>
+            <a:pPr marL="342900" lvl="0" indent="-251459" fontAlgn="base">
+              <a:spcBef>
+                <a:spcPts val="1000"/>
+              </a:spcBef>
+              <a:buClr>
+                <a:srgbClr val="90C226"/>
+              </a:buClr>
+              <a:buSzPct val="79999"/>
+              <a:buFont typeface="Noto Sans Symbols"/>
+              <a:buChar char="●"/>
+            </a:pPr>
+            <a:r>
+              <a:rPr lang="en-IN" sz="1200" dirty="0">
+                <a:solidFill>
+                  <a:srgbClr val="3F3F3F"/>
+                </a:solidFill>
+                <a:latin typeface="Trebuchet MS"/>
+                <a:ea typeface="Trebuchet MS"/>
+                <a:cs typeface="Trebuchet MS"/>
+                <a:sym typeface="Trebuchet MS"/>
+              </a:rPr>
+              <a:t>Grid </a:t>
+            </a:r>
+            <a:r>
+              <a:rPr lang="en-IN" sz="1200" dirty="0" err="1">
+                <a:solidFill>
+                  <a:srgbClr val="3F3F3F"/>
+                </a:solidFill>
+                <a:latin typeface="Trebuchet MS"/>
+                <a:ea typeface="Trebuchet MS"/>
+                <a:cs typeface="Trebuchet MS"/>
+                <a:sym typeface="Trebuchet MS"/>
+              </a:rPr>
+              <a:t>Hub</a:t>
+            </a:r>
+            <a:r>
+              <a:rPr lang="en-IN" sz="1200" dirty="0" err="1">
+                <a:solidFill>
+                  <a:srgbClr val="3F3F3F"/>
+                </a:solidFill>
+                <a:latin typeface="Trebuchet MS"/>
+                <a:sym typeface="Trebuchet MS"/>
+              </a:rPr>
+              <a:t>Selenium</a:t>
+            </a:r>
+            <a:r>
+              <a:rPr lang="en-IN" sz="1200" dirty="0">
+                <a:solidFill>
+                  <a:srgbClr val="3F3F3F"/>
+                </a:solidFill>
+                <a:latin typeface="Trebuchet MS"/>
+                <a:sym typeface="Trebuchet MS"/>
+              </a:rPr>
+              <a:t> Grid components:</a:t>
+            </a:r>
+          </a:p>
+          <a:p>
+            <a:pPr marL="742950" lvl="1" indent="-204469" fontAlgn="base">
+              <a:spcBef>
+                <a:spcPts val="1000"/>
+              </a:spcBef>
+              <a:buClr>
+                <a:srgbClr val="90C226"/>
+              </a:buClr>
+              <a:buSzPct val="80000"/>
+              <a:buFont typeface="Noto Sans Symbols"/>
+              <a:buChar char="●"/>
+            </a:pPr>
+            <a:r>
+              <a:rPr lang="en-IN" sz="1200" dirty="0">
+                <a:solidFill>
+                  <a:srgbClr val="3F3F3F"/>
+                </a:solidFill>
+                <a:latin typeface="Trebuchet MS"/>
+                <a:sym typeface="Trebuchet MS"/>
+              </a:rPr>
+              <a:t>Grid Hub</a:t>
+            </a:r>
+          </a:p>
+          <a:p>
+            <a:pPr marL="1143000" lvl="2" indent="-157480" fontAlgn="base">
+              <a:spcBef>
+                <a:spcPts val="1000"/>
+              </a:spcBef>
+              <a:buClr>
+                <a:srgbClr val="90C226"/>
+              </a:buClr>
+              <a:buSzPct val="80000"/>
+              <a:buFont typeface="Noto Sans Symbols"/>
+              <a:buChar char="●"/>
+            </a:pPr>
+            <a:r>
+              <a:rPr lang="en-IN" sz="1200" dirty="0">
+                <a:solidFill>
+                  <a:srgbClr val="3F3F3F"/>
+                </a:solidFill>
+                <a:latin typeface="Trebuchet MS"/>
+                <a:sym typeface="Trebuchet MS"/>
+              </a:rPr>
+              <a:t>The Hub is the central point that will receive all the test request and distribute them the right nodes</a:t>
+            </a:r>
+          </a:p>
+          <a:p>
+            <a:pPr marL="742950" lvl="1" indent="-204469" fontAlgn="base">
+              <a:spcBef>
+                <a:spcPts val="1000"/>
+              </a:spcBef>
+              <a:buClr>
+                <a:srgbClr val="90C226"/>
+              </a:buClr>
+              <a:buSzPct val="80000"/>
+              <a:buFont typeface="Noto Sans Symbols"/>
+              <a:buChar char="●"/>
+            </a:pPr>
+            <a:r>
+              <a:rPr lang="en-IN" sz="1200" dirty="0">
+                <a:solidFill>
+                  <a:srgbClr val="3F3F3F"/>
+                </a:solidFill>
+                <a:latin typeface="Trebuchet MS"/>
+                <a:sym typeface="Trebuchet MS"/>
+              </a:rPr>
+              <a:t>Grid Nodes</a:t>
+            </a:r>
+          </a:p>
+          <a:p>
+            <a:pPr marL="1143000" lvl="2" indent="-157480" fontAlgn="base">
+              <a:spcBef>
+                <a:spcPts val="1000"/>
+              </a:spcBef>
+              <a:buClr>
+                <a:srgbClr val="90C226"/>
+              </a:buClr>
+              <a:buSzPct val="80000"/>
+              <a:buFont typeface="Noto Sans Symbols"/>
+              <a:buChar char="●"/>
+            </a:pPr>
+            <a:r>
+              <a:rPr lang="en-IN" sz="1200" dirty="0">
+                <a:solidFill>
+                  <a:srgbClr val="3F3F3F"/>
+                </a:solidFill>
+                <a:latin typeface="Trebuchet MS"/>
+                <a:sym typeface="Trebuchet MS"/>
+              </a:rPr>
+              <a:t>Nodes need to be registered with hub </a:t>
+            </a:r>
+          </a:p>
+          <a:p>
+            <a:pPr marL="1143000" lvl="2" indent="-157480" fontAlgn="base">
+              <a:spcBef>
+                <a:spcPts val="1000"/>
+              </a:spcBef>
+              <a:buClr>
+                <a:srgbClr val="90C226"/>
+              </a:buClr>
+              <a:buSzPct val="80000"/>
+              <a:buFont typeface="Noto Sans Symbols"/>
+              <a:buChar char="●"/>
+            </a:pPr>
+            <a:r>
+              <a:rPr lang="en-IN" sz="1200" dirty="0">
+                <a:solidFill>
+                  <a:srgbClr val="3F3F3F"/>
+                </a:solidFill>
+                <a:latin typeface="Trebuchet MS"/>
+                <a:sym typeface="Trebuchet MS"/>
+              </a:rPr>
+              <a:t>Tests are run on nodes</a:t>
+            </a:r>
+          </a:p>
+          <a:p>
+            <a:pPr lvl="4" fontAlgn="base">
+              <a:spcBef>
+                <a:spcPts val="1000"/>
+              </a:spcBef>
+              <a:buClr>
+                <a:schemeClr val="accent1"/>
+              </a:buClr>
+            </a:pPr>
+            <a:endParaRPr lang="en-IN" sz="1200" dirty="0">
+              <a:solidFill>
+                <a:srgbClr val="3F3F3F"/>
+              </a:solidFill>
+              <a:latin typeface="Trebuchet MS"/>
+              <a:ea typeface="Trebuchet MS"/>
+              <a:cs typeface="Trebuchet MS"/>
+              <a:sym typeface="Trebuchet MS"/>
+            </a:endParaRPr>
+          </a:p>
+        </p:txBody>
+      </p:sp>
     </p:spTree>
     <p:extLst>
       <p:ext uri="{BB962C8B-B14F-4D97-AF65-F5344CB8AC3E}">
-        <p14:creationId xmlns:p14="http://schemas.microsoft.com/office/powerpoint/2010/main" val="959145365"/>
+        <p14:creationId xmlns:p14="http://schemas.microsoft.com/office/powerpoint/2010/main" val="2104627659"/>
       </p:ext>
     </p:extLst>
   </p:cSld>
@@ -53221,8 +53648,8 @@
         </p:nvSpPr>
         <p:spPr>
           <a:xfrm>
-            <a:off x="677333" y="762000"/>
-            <a:ext cx="8596668" cy="5279363"/>
+            <a:off x="677333" y="685801"/>
+            <a:ext cx="8596668" cy="5355562"/>
           </a:xfrm>
         </p:spPr>
         <p:txBody>
@@ -53231,13 +53658,79 @@
           <a:p>
             <a:pPr fontAlgn="base"/>
             <a:r>
+              <a:rPr lang="en-IN" sz="1400" dirty="0"/>
+              <a:t>Selenium Grid Infrastructure:</a:t>
+            </a:r>
+          </a:p>
+          <a:p>
+            <a:pPr lvl="1" fontAlgn="base"/>
+            <a:r>
+              <a:rPr lang="en-IN" sz="1200" dirty="0"/>
+              <a:t>Setup locally</a:t>
+            </a:r>
+          </a:p>
+          <a:p>
+            <a:pPr lvl="2" fontAlgn="base"/>
+            <a:r>
               <a:rPr lang="en-US" sz="1200" dirty="0"/>
-              <a:t>Selenium Grid Structure:</a:t>
-            </a:r>
-          </a:p>
-          <a:p>
-            <a:pPr fontAlgn="base"/>
+              <a:t>We can setup selenium grid locally on our infrastructure</a:t>
+            </a:r>
             <a:endParaRPr lang="en-IN" sz="1200" dirty="0"/>
+          </a:p>
+          <a:p>
+            <a:pPr lvl="1" fontAlgn="base"/>
+            <a:r>
+              <a:rPr lang="en-IN" sz="1200" dirty="0"/>
+              <a:t>Cloud/online tools</a:t>
+            </a:r>
+          </a:p>
+          <a:p>
+            <a:pPr lvl="2" fontAlgn="base"/>
+            <a:r>
+              <a:rPr lang="en-US" sz="1200" dirty="0"/>
+              <a:t>There are 3</a:t>
+            </a:r>
+            <a:r>
+              <a:rPr lang="en-US" sz="1200" baseline="30000" dirty="0"/>
+              <a:t>rd</a:t>
+            </a:r>
+            <a:r>
+              <a:rPr lang="en-US" sz="1200" dirty="0"/>
+              <a:t> party tools which are set up on cloud.</a:t>
+            </a:r>
+          </a:p>
+          <a:p>
+            <a:pPr lvl="3" fontAlgn="base"/>
+            <a:r>
+              <a:rPr lang="en-IN" sz="900" dirty="0"/>
+              <a:t>Browserstack.com</a:t>
+            </a:r>
+          </a:p>
+          <a:p>
+            <a:pPr lvl="3" fontAlgn="base"/>
+            <a:r>
+              <a:rPr lang="en-IN" sz="900" dirty="0"/>
+              <a:t>saucelabs.com</a:t>
+            </a:r>
+            <a:endParaRPr lang="en-US" sz="900" dirty="0"/>
+          </a:p>
+          <a:p>
+            <a:pPr lvl="2" fontAlgn="base"/>
+            <a:r>
+              <a:rPr lang="en-US" sz="1200" dirty="0"/>
+              <a:t>We need to purchase the subscription and use them directly.</a:t>
+            </a:r>
+          </a:p>
+          <a:p>
+            <a:pPr lvl="2" fontAlgn="base"/>
+            <a:r>
+              <a:rPr lang="en-US" sz="1200" dirty="0"/>
+              <a:t>Less maintenance overhead</a:t>
+            </a:r>
+            <a:endParaRPr lang="en-IN" sz="1200" dirty="0"/>
+          </a:p>
+          <a:p>
+            <a:endParaRPr lang="en-IN" dirty="0"/>
           </a:p>
         </p:txBody>
       </p:sp>
@@ -53268,452 +53761,6 @@
           </a:p>
         </p:txBody>
       </p:sp>
-      <p:pic>
-        <p:nvPicPr>
-          <p:cNvPr id="1026" name="Picture 2"/>
-          <p:cNvPicPr>
-            <a:picLocks noChangeAspect="1" noChangeArrowheads="1"/>
-          </p:cNvPicPr>
-          <p:nvPr/>
-        </p:nvPicPr>
-        <p:blipFill>
-          <a:blip r:embed="rId2">
-            <a:extLst>
-              <a:ext uri="{28A0092B-C50C-407E-A947-70E740481C1C}">
-                <a14:useLocalDpi xmlns:a14="http://schemas.microsoft.com/office/drawing/2010/main" val="0"/>
-              </a:ext>
-            </a:extLst>
-          </a:blip>
-          <a:srcRect/>
-          <a:stretch>
-            <a:fillRect/>
-          </a:stretch>
-        </p:blipFill>
-        <p:spPr bwMode="auto">
-          <a:xfrm>
-            <a:off x="1295400" y="3718808"/>
-            <a:ext cx="4114800" cy="2868260"/>
-          </a:xfrm>
-          <a:prstGeom prst="rect">
-            <a:avLst/>
-          </a:prstGeom>
-          <a:noFill/>
-          <a:ln>
-            <a:noFill/>
-          </a:ln>
-          <a:extLst>
-            <a:ext uri="{909E8E84-426E-40DD-AFC4-6F175D3DCCD1}">
-              <a14:hiddenFill xmlns:a14="http://schemas.microsoft.com/office/drawing/2010/main">
-                <a:solidFill>
-                  <a:schemeClr val="accent1"/>
-                </a:solidFill>
-              </a14:hiddenFill>
-            </a:ext>
-            <a:ext uri="{91240B29-F687-4F45-9708-019B960494DF}">
-              <a14:hiddenLine xmlns:a14="http://schemas.microsoft.com/office/drawing/2010/main" w="9525">
-                <a:solidFill>
-                  <a:schemeClr val="tx1"/>
-                </a:solidFill>
-                <a:miter lim="800000"/>
-                <a:headEnd/>
-                <a:tailEnd/>
-              </a14:hiddenLine>
-            </a:ext>
-          </a:extLst>
-        </p:spPr>
-      </p:pic>
-      <p:sp>
-        <p:nvSpPr>
-          <p:cNvPr id="6" name="Rectangle 5"/>
-          <p:cNvSpPr/>
-          <p:nvPr/>
-        </p:nvSpPr>
-        <p:spPr>
-          <a:xfrm>
-            <a:off x="1143000" y="1066800"/>
-            <a:ext cx="6019800" cy="2652008"/>
-          </a:xfrm>
-          <a:prstGeom prst="rect">
-            <a:avLst/>
-          </a:prstGeom>
-        </p:spPr>
-        <p:txBody>
-          <a:bodyPr wrap="square">
-            <a:spAutoFit/>
-          </a:bodyPr>
-          <a:lstStyle/>
-          <a:p>
-            <a:pPr marL="171450" indent="-171450" fontAlgn="base">
-              <a:spcBef>
-                <a:spcPts val="1000"/>
-              </a:spcBef>
-              <a:buClr>
-                <a:schemeClr val="accent1"/>
-              </a:buClr>
-              <a:buFont typeface="Noto Sans Symbols"/>
-              <a:buChar char="●"/>
-            </a:pPr>
-            <a:r>
-              <a:rPr lang="en-IN" sz="1200" dirty="0">
-                <a:solidFill>
-                  <a:srgbClr val="3F3F3F"/>
-                </a:solidFill>
-                <a:latin typeface="Trebuchet MS"/>
-                <a:ea typeface="Trebuchet MS"/>
-                <a:cs typeface="Trebuchet MS"/>
-                <a:sym typeface="Trebuchet MS"/>
-              </a:rPr>
-              <a:t>Selenium Grid components:</a:t>
-            </a:r>
-          </a:p>
-          <a:p>
-            <a:pPr marL="342900" lvl="0" indent="-251459" fontAlgn="base">
-              <a:spcBef>
-                <a:spcPts val="1000"/>
-              </a:spcBef>
-              <a:buClr>
-                <a:srgbClr val="90C226"/>
-              </a:buClr>
-              <a:buSzPct val="79999"/>
-              <a:buFont typeface="Noto Sans Symbols"/>
-              <a:buChar char="●"/>
-            </a:pPr>
-            <a:r>
-              <a:rPr lang="en-IN" sz="1200" dirty="0">
-                <a:solidFill>
-                  <a:srgbClr val="3F3F3F"/>
-                </a:solidFill>
-                <a:latin typeface="Trebuchet MS"/>
-                <a:ea typeface="Trebuchet MS"/>
-                <a:cs typeface="Trebuchet MS"/>
-                <a:sym typeface="Trebuchet MS"/>
-              </a:rPr>
-              <a:t>Grid </a:t>
-            </a:r>
-            <a:r>
-              <a:rPr lang="en-IN" sz="1200" dirty="0" err="1">
-                <a:solidFill>
-                  <a:srgbClr val="3F3F3F"/>
-                </a:solidFill>
-                <a:latin typeface="Trebuchet MS"/>
-                <a:ea typeface="Trebuchet MS"/>
-                <a:cs typeface="Trebuchet MS"/>
-                <a:sym typeface="Trebuchet MS"/>
-              </a:rPr>
-              <a:t>Hub</a:t>
-            </a:r>
-            <a:r>
-              <a:rPr lang="en-IN" sz="1200" dirty="0" err="1">
-                <a:solidFill>
-                  <a:srgbClr val="3F3F3F"/>
-                </a:solidFill>
-                <a:latin typeface="Trebuchet MS"/>
-                <a:sym typeface="Trebuchet MS"/>
-              </a:rPr>
-              <a:t>Selenium</a:t>
-            </a:r>
-            <a:r>
-              <a:rPr lang="en-IN" sz="1200" dirty="0">
-                <a:solidFill>
-                  <a:srgbClr val="3F3F3F"/>
-                </a:solidFill>
-                <a:latin typeface="Trebuchet MS"/>
-                <a:sym typeface="Trebuchet MS"/>
-              </a:rPr>
-              <a:t> Grid components:</a:t>
-            </a:r>
-          </a:p>
-          <a:p>
-            <a:pPr marL="742950" lvl="1" indent="-204469" fontAlgn="base">
-              <a:spcBef>
-                <a:spcPts val="1000"/>
-              </a:spcBef>
-              <a:buClr>
-                <a:srgbClr val="90C226"/>
-              </a:buClr>
-              <a:buSzPct val="80000"/>
-              <a:buFont typeface="Noto Sans Symbols"/>
-              <a:buChar char="●"/>
-            </a:pPr>
-            <a:r>
-              <a:rPr lang="en-IN" sz="1200" dirty="0">
-                <a:solidFill>
-                  <a:srgbClr val="3F3F3F"/>
-                </a:solidFill>
-                <a:latin typeface="Trebuchet MS"/>
-                <a:sym typeface="Trebuchet MS"/>
-              </a:rPr>
-              <a:t>Grid Hub</a:t>
-            </a:r>
-          </a:p>
-          <a:p>
-            <a:pPr marL="1143000" lvl="2" indent="-157480" fontAlgn="base">
-              <a:spcBef>
-                <a:spcPts val="1000"/>
-              </a:spcBef>
-              <a:buClr>
-                <a:srgbClr val="90C226"/>
-              </a:buClr>
-              <a:buSzPct val="80000"/>
-              <a:buFont typeface="Noto Sans Symbols"/>
-              <a:buChar char="●"/>
-            </a:pPr>
-            <a:r>
-              <a:rPr lang="en-IN" sz="1200" dirty="0">
-                <a:solidFill>
-                  <a:srgbClr val="3F3F3F"/>
-                </a:solidFill>
-                <a:latin typeface="Trebuchet MS"/>
-                <a:sym typeface="Trebuchet MS"/>
-              </a:rPr>
-              <a:t>The Hub is the central point that will receive all the test request and distribute them the right nodes</a:t>
-            </a:r>
-          </a:p>
-          <a:p>
-            <a:pPr marL="742950" lvl="1" indent="-204469" fontAlgn="base">
-              <a:spcBef>
-                <a:spcPts val="1000"/>
-              </a:spcBef>
-              <a:buClr>
-                <a:srgbClr val="90C226"/>
-              </a:buClr>
-              <a:buSzPct val="80000"/>
-              <a:buFont typeface="Noto Sans Symbols"/>
-              <a:buChar char="●"/>
-            </a:pPr>
-            <a:r>
-              <a:rPr lang="en-IN" sz="1200" dirty="0">
-                <a:solidFill>
-                  <a:srgbClr val="3F3F3F"/>
-                </a:solidFill>
-                <a:latin typeface="Trebuchet MS"/>
-                <a:sym typeface="Trebuchet MS"/>
-              </a:rPr>
-              <a:t>Grid Nodes</a:t>
-            </a:r>
-          </a:p>
-          <a:p>
-            <a:pPr marL="1143000" lvl="2" indent="-157480" fontAlgn="base">
-              <a:spcBef>
-                <a:spcPts val="1000"/>
-              </a:spcBef>
-              <a:buClr>
-                <a:srgbClr val="90C226"/>
-              </a:buClr>
-              <a:buSzPct val="80000"/>
-              <a:buFont typeface="Noto Sans Symbols"/>
-              <a:buChar char="●"/>
-            </a:pPr>
-            <a:r>
-              <a:rPr lang="en-IN" sz="1200" dirty="0">
-                <a:solidFill>
-                  <a:srgbClr val="3F3F3F"/>
-                </a:solidFill>
-                <a:latin typeface="Trebuchet MS"/>
-                <a:sym typeface="Trebuchet MS"/>
-              </a:rPr>
-              <a:t>Nodes need to be registered with hub </a:t>
-            </a:r>
-          </a:p>
-          <a:p>
-            <a:pPr marL="1143000" lvl="2" indent="-157480" fontAlgn="base">
-              <a:spcBef>
-                <a:spcPts val="1000"/>
-              </a:spcBef>
-              <a:buClr>
-                <a:srgbClr val="90C226"/>
-              </a:buClr>
-              <a:buSzPct val="80000"/>
-              <a:buFont typeface="Noto Sans Symbols"/>
-              <a:buChar char="●"/>
-            </a:pPr>
-            <a:r>
-              <a:rPr lang="en-IN" sz="1200" dirty="0">
-                <a:solidFill>
-                  <a:srgbClr val="3F3F3F"/>
-                </a:solidFill>
-                <a:latin typeface="Trebuchet MS"/>
-                <a:sym typeface="Trebuchet MS"/>
-              </a:rPr>
-              <a:t>Tests are run on nodes</a:t>
-            </a:r>
-          </a:p>
-          <a:p>
-            <a:pPr lvl="4" fontAlgn="base">
-              <a:spcBef>
-                <a:spcPts val="1000"/>
-              </a:spcBef>
-              <a:buClr>
-                <a:schemeClr val="accent1"/>
-              </a:buClr>
-            </a:pPr>
-            <a:endParaRPr lang="en-IN" sz="1200" dirty="0">
-              <a:solidFill>
-                <a:srgbClr val="3F3F3F"/>
-              </a:solidFill>
-              <a:latin typeface="Trebuchet MS"/>
-              <a:ea typeface="Trebuchet MS"/>
-              <a:cs typeface="Trebuchet MS"/>
-              <a:sym typeface="Trebuchet MS"/>
-            </a:endParaRPr>
-          </a:p>
-        </p:txBody>
-      </p:sp>
-    </p:spTree>
-    <p:extLst>
-      <p:ext uri="{BB962C8B-B14F-4D97-AF65-F5344CB8AC3E}">
-        <p14:creationId xmlns:p14="http://schemas.microsoft.com/office/powerpoint/2010/main" val="2104627659"/>
-      </p:ext>
-    </p:extLst>
-  </p:cSld>
-  <p:clrMapOvr>
-    <a:masterClrMapping/>
-  </p:clrMapOvr>
-</p:sld>
-</file>
-
-<file path=ppt/slides/slide96.xml><?xml version="1.0" encoding="utf-8"?>
-<p:sld xmlns:a="http://schemas.openxmlformats.org/drawingml/2006/main" xmlns:r="http://schemas.openxmlformats.org/officeDocument/2006/relationships" xmlns:p="http://schemas.openxmlformats.org/presentationml/2006/main">
-  <p:cSld>
-    <p:spTree>
-      <p:nvGrpSpPr>
-        <p:cNvPr id="1" name=""/>
-        <p:cNvGrpSpPr/>
-        <p:nvPr/>
-      </p:nvGrpSpPr>
-      <p:grpSpPr>
-        <a:xfrm>
-          <a:off x="0" y="0"/>
-          <a:ext cx="0" cy="0"/>
-          <a:chOff x="0" y="0"/>
-          <a:chExt cx="0" cy="0"/>
-        </a:xfrm>
-      </p:grpSpPr>
-      <p:sp>
-        <p:nvSpPr>
-          <p:cNvPr id="3" name="Text Placeholder 2"/>
-          <p:cNvSpPr>
-            <a:spLocks noGrp="1"/>
-          </p:cNvSpPr>
-          <p:nvPr>
-            <p:ph type="body" idx="1"/>
-          </p:nvPr>
-        </p:nvSpPr>
-        <p:spPr>
-          <a:xfrm>
-            <a:off x="677333" y="685801"/>
-            <a:ext cx="8596668" cy="5355562"/>
-          </a:xfrm>
-        </p:spPr>
-        <p:txBody>
-          <a:bodyPr/>
-          <a:lstStyle/>
-          <a:p>
-            <a:pPr fontAlgn="base"/>
-            <a:r>
-              <a:rPr lang="en-IN" sz="1400" dirty="0"/>
-              <a:t>Selenium Grid Infrastructure:</a:t>
-            </a:r>
-          </a:p>
-          <a:p>
-            <a:pPr lvl="1" fontAlgn="base"/>
-            <a:r>
-              <a:rPr lang="en-IN" sz="1200" dirty="0"/>
-              <a:t>Setup locally</a:t>
-            </a:r>
-          </a:p>
-          <a:p>
-            <a:pPr lvl="2" fontAlgn="base"/>
-            <a:r>
-              <a:rPr lang="en-US" sz="1200" dirty="0"/>
-              <a:t>We can setup selenium grid locally on our infrastructure</a:t>
-            </a:r>
-            <a:endParaRPr lang="en-IN" sz="1200" dirty="0"/>
-          </a:p>
-          <a:p>
-            <a:pPr lvl="1" fontAlgn="base"/>
-            <a:r>
-              <a:rPr lang="en-IN" sz="1200" dirty="0"/>
-              <a:t>Cloud/online tools</a:t>
-            </a:r>
-          </a:p>
-          <a:p>
-            <a:pPr lvl="2" fontAlgn="base"/>
-            <a:r>
-              <a:rPr lang="en-US" sz="1200" dirty="0"/>
-              <a:t>There are 3</a:t>
-            </a:r>
-            <a:r>
-              <a:rPr lang="en-US" sz="1200" baseline="30000" dirty="0"/>
-              <a:t>rd</a:t>
-            </a:r>
-            <a:r>
-              <a:rPr lang="en-US" sz="1200" dirty="0"/>
-              <a:t> party tools which are set up on cloud.</a:t>
-            </a:r>
-          </a:p>
-          <a:p>
-            <a:pPr lvl="3" fontAlgn="base"/>
-            <a:r>
-              <a:rPr lang="en-IN" sz="900" dirty="0"/>
-              <a:t>Browserstack.com</a:t>
-            </a:r>
-          </a:p>
-          <a:p>
-            <a:pPr lvl="3" fontAlgn="base"/>
-            <a:r>
-              <a:rPr lang="en-IN" sz="900" dirty="0"/>
-              <a:t>saucelabs.com</a:t>
-            </a:r>
-            <a:endParaRPr lang="en-US" sz="900" dirty="0"/>
-          </a:p>
-          <a:p>
-            <a:pPr lvl="2" fontAlgn="base"/>
-            <a:r>
-              <a:rPr lang="en-US" sz="1200" dirty="0"/>
-              <a:t>We need to purchase the subscription and use them directly.</a:t>
-            </a:r>
-          </a:p>
-          <a:p>
-            <a:pPr lvl="2" fontAlgn="base"/>
-            <a:r>
-              <a:rPr lang="en-US" sz="1200" dirty="0"/>
-              <a:t>Less maintenance overhead</a:t>
-            </a:r>
-            <a:endParaRPr lang="en-IN" sz="1200" dirty="0"/>
-          </a:p>
-          <a:p>
-            <a:endParaRPr lang="en-IN" dirty="0"/>
-          </a:p>
-        </p:txBody>
-      </p:sp>
-      <p:sp>
-        <p:nvSpPr>
-          <p:cNvPr id="4" name="Title 1"/>
-          <p:cNvSpPr>
-            <a:spLocks noGrp="1"/>
-          </p:cNvSpPr>
-          <p:nvPr>
-            <p:ph type="title"/>
-          </p:nvPr>
-        </p:nvSpPr>
-        <p:spPr>
-          <a:xfrm>
-            <a:off x="685800" y="304800"/>
-            <a:ext cx="8596668" cy="304800"/>
-          </a:xfrm>
-        </p:spPr>
-        <p:txBody>
-          <a:bodyPr/>
-          <a:lstStyle/>
-          <a:p>
-            <a:r>
-              <a:rPr lang="en-US" sz="1600" dirty="0"/>
-              <a:t>Selenium Grid</a:t>
-            </a:r>
-          </a:p>
-        </p:txBody>
-      </p:sp>
     </p:spTree>
     <p:extLst>
       <p:ext uri="{BB962C8B-B14F-4D97-AF65-F5344CB8AC3E}">
@@ -53727,7 +53774,7 @@
 </p:sld>
 </file>
 
-<file path=ppt/slides/slide97.xml><?xml version="1.0" encoding="utf-8"?>
+<file path=ppt/slides/slide96.xml><?xml version="1.0" encoding="utf-8"?>
 <p:sld xmlns:a="http://schemas.openxmlformats.org/drawingml/2006/main" xmlns:r="http://schemas.openxmlformats.org/officeDocument/2006/relationships" xmlns:p="http://schemas.openxmlformats.org/presentationml/2006/main">
   <p:cSld>
     <p:spTree>

--- a/AutomationPPT.pptx
+++ b/AutomationPPT.pptx
@@ -28680,7 +28680,21 @@
                 <a:latin typeface="Times New Roman" panose="02020603050405020304" pitchFamily="18" charset="0"/>
                 <a:cs typeface="Times New Roman" panose="02020603050405020304" pitchFamily="18" charset="0"/>
               </a:rPr>
-              <a:t>Created when program starts </a:t>
+              <a:t>Created when program starts and before </a:t>
+            </a:r>
+            <a:r>
+              <a:rPr lang="en-IN" sz="1200" b="1" dirty="0">
+                <a:latin typeface="Times New Roman" panose="02020603050405020304" pitchFamily="18" charset="0"/>
+                <a:cs typeface="Times New Roman" panose="02020603050405020304" pitchFamily="18" charset="0"/>
+              </a:rPr>
+              <a:t>first</a:t>
+            </a:r>
+            <a:r>
+              <a:rPr lang="en-IN" sz="1200" dirty="0">
+                <a:latin typeface="Times New Roman" panose="02020603050405020304" pitchFamily="18" charset="0"/>
+                <a:cs typeface="Times New Roman" panose="02020603050405020304" pitchFamily="18" charset="0"/>
+              </a:rPr>
+              <a:t> object of class is created</a:t>
             </a:r>
           </a:p>
           <a:p>

--- a/AutomationPPT.pptx
+++ b/AutomationPPT.pptx
@@ -30068,20 +30068,44 @@
             </a:r>
           </a:p>
           <a:p>
-            <a:pPr marL="742950" marR="0" lvl="1" indent="-285750" algn="l" rtl="0">
-              <a:spcBef>
-                <a:spcPts val="1000"/>
-              </a:spcBef>
-              <a:spcAft>
-                <a:spcPts val="0"/>
-              </a:spcAft>
-              <a:buClr>
-                <a:schemeClr val="accent1"/>
-              </a:buClr>
-              <a:buSzPct val="80000"/>
-              <a:buFont typeface="Noto Sans Symbols"/>
-              <a:buChar char="●"/>
-            </a:pPr>
+            <a:pPr lvl="1" indent="-342900">
+              <a:buSzPct val="79999"/>
+            </a:pPr>
+            <a:r>
+              <a:rPr lang="en-US" sz="1000" dirty="0"/>
+              <a:t>Class</a:t>
+            </a:r>
+          </a:p>
+          <a:p>
+            <a:pPr lvl="1" indent="-342900">
+              <a:buSzPct val="79999"/>
+            </a:pPr>
+            <a:r>
+              <a:rPr lang="en-US" sz="1000" b="0" i="0" u="none" strike="noStrike" cap="none" dirty="0">
+                <a:solidFill>
+                  <a:srgbClr val="3F3F3F"/>
+                </a:solidFill>
+                <a:latin typeface="Trebuchet MS"/>
+                <a:ea typeface="Trebuchet MS"/>
+                <a:cs typeface="Trebuchet MS"/>
+                <a:sym typeface="Trebuchet MS"/>
+              </a:rPr>
+              <a:t>Object</a:t>
+            </a:r>
+          </a:p>
+          <a:p>
+            <a:pPr lvl="1" indent="-285750"/>
+            <a:r>
+              <a:rPr lang="en-US" sz="1200" dirty="0"/>
+              <a:t>Inheritance</a:t>
+            </a:r>
+          </a:p>
+          <a:p>
+            <a:pPr lvl="1" indent="-285750"/>
+            <a:r>
+              <a:rPr lang="en-US" sz="1200" dirty="0"/>
+              <a:t>Encapsulation(Data hiding</a:t>
+            </a:r>
             <a:r>
               <a:rPr lang="en-US" sz="1200" b="0" i="0" u="none" strike="noStrike" cap="none" dirty="0">
                 <a:solidFill>
@@ -30092,63 +30116,7 @@
                 <a:cs typeface="Trebuchet MS"/>
                 <a:sym typeface="Trebuchet MS"/>
               </a:rPr>
-              <a:t>Encapsulation</a:t>
-            </a:r>
-          </a:p>
-          <a:p>
-            <a:pPr marL="742950" marR="0" lvl="1" indent="-285750" algn="l" rtl="0">
-              <a:spcBef>
-                <a:spcPts val="1000"/>
-              </a:spcBef>
-              <a:spcAft>
-                <a:spcPts val="0"/>
-              </a:spcAft>
-              <a:buClr>
-                <a:schemeClr val="accent1"/>
-              </a:buClr>
-              <a:buSzPct val="80000"/>
-              <a:buFont typeface="Noto Sans Symbols"/>
-              <a:buChar char="●"/>
-            </a:pPr>
-            <a:r>
-              <a:rPr lang="en-US" sz="1200" b="0" i="0" u="none" strike="noStrike" cap="none" dirty="0">
-                <a:solidFill>
-                  <a:srgbClr val="3F3F3F"/>
-                </a:solidFill>
-                <a:latin typeface="Trebuchet MS"/>
-                <a:ea typeface="Trebuchet MS"/>
-                <a:cs typeface="Trebuchet MS"/>
-                <a:sym typeface="Trebuchet MS"/>
-              </a:rPr>
-              <a:t>Inheritance</a:t>
-            </a:r>
-          </a:p>
-          <a:p>
-            <a:pPr marL="742950" marR="0" lvl="1" indent="-285750" algn="l" rtl="0">
-              <a:spcBef>
-                <a:spcPts val="1000"/>
-              </a:spcBef>
-              <a:spcAft>
-                <a:spcPts val="0"/>
-              </a:spcAft>
-              <a:buClr>
-                <a:schemeClr val="accent1"/>
-              </a:buClr>
-              <a:buSzPct val="80000"/>
-              <a:buFont typeface="Noto Sans Symbols"/>
-              <a:buChar char="●"/>
-            </a:pPr>
-            <a:r>
-              <a:rPr lang="en-US" sz="1200" b="0" i="0" u="none" strike="noStrike" cap="none" dirty="0">
-                <a:solidFill>
-                  <a:srgbClr val="3F3F3F"/>
-                </a:solidFill>
-                <a:latin typeface="Trebuchet MS"/>
-                <a:ea typeface="Trebuchet MS"/>
-                <a:cs typeface="Trebuchet MS"/>
-                <a:sym typeface="Trebuchet MS"/>
-              </a:rPr>
-              <a:t>Data hiding</a:t>
+              <a:t>)</a:t>
             </a:r>
           </a:p>
           <a:p>
@@ -30322,14 +30290,11 @@
               <a:lnSpc>
                 <a:spcPct val="90000"/>
               </a:lnSpc>
-              <a:spcBef>
-                <a:spcPts val="0"/>
-              </a:spcBef>
               <a:buSzPct val="80000"/>
             </a:pPr>
             <a:r>
               <a:rPr lang="en-US" sz="1200" dirty="0"/>
-              <a:t>Encapsulation</a:t>
+              <a:t>Inheritance</a:t>
             </a:r>
           </a:p>
           <a:p>
@@ -30340,7 +30305,18 @@
             </a:pPr>
             <a:r>
               <a:rPr lang="en-US" sz="1000" dirty="0"/>
-              <a:t>Binding data (variables) and behavior (methods) together into a single unit(class) is known as encapsulation.</a:t>
+              <a:t>Inheriting or acquiring properties of a class by another class</a:t>
+            </a:r>
+          </a:p>
+          <a:p>
+            <a:pPr lvl="1" indent="-342900">
+              <a:lnSpc>
+                <a:spcPct val="90000"/>
+              </a:lnSpc>
+            </a:pPr>
+            <a:r>
+              <a:rPr lang="en-US" sz="1000" dirty="0"/>
+              <a:t>Code reusability is the main purpose of inheritance</a:t>
             </a:r>
           </a:p>
           <a:p>
@@ -30349,13 +30325,25 @@
                 <a:spcPct val="90000"/>
               </a:lnSpc>
               <a:spcBef>
-                <a:spcPts val="1000"/>
+                <a:spcPts val="0"/>
               </a:spcBef>
               <a:buSzPct val="80000"/>
             </a:pPr>
+            <a:endParaRPr lang="en-US" sz="1200" dirty="0"/>
+          </a:p>
+          <a:p>
+            <a:pPr indent="-342900">
+              <a:lnSpc>
+                <a:spcPct val="90000"/>
+              </a:lnSpc>
+              <a:spcBef>
+                <a:spcPts val="0"/>
+              </a:spcBef>
+              <a:buSzPct val="80000"/>
+            </a:pPr>
             <a:r>
               <a:rPr lang="en-US" sz="1200" dirty="0"/>
-              <a:t>Inheritance</a:t>
+              <a:t>Encapsulation (Data hiding)</a:t>
             </a:r>
           </a:p>
           <a:p>
@@ -30366,33 +30354,7 @@
             </a:pPr>
             <a:r>
               <a:rPr lang="en-US" sz="1000" dirty="0"/>
-              <a:t>Inheriting or acquiring properties of a class by another class</a:t>
-            </a:r>
-          </a:p>
-          <a:p>
-            <a:pPr lvl="1" indent="-342900">
-              <a:lnSpc>
-                <a:spcPct val="90000"/>
-              </a:lnSpc>
-            </a:pPr>
-            <a:r>
-              <a:rPr lang="en-US" sz="1000" dirty="0"/>
-              <a:t>Code reusability is the main purpose of inheritance</a:t>
-            </a:r>
-          </a:p>
-          <a:p>
-            <a:pPr indent="-342900">
-              <a:lnSpc>
-                <a:spcPct val="90000"/>
-              </a:lnSpc>
-              <a:spcBef>
-                <a:spcPts val="1000"/>
-              </a:spcBef>
-              <a:buSzPct val="80000"/>
-            </a:pPr>
-            <a:r>
-              <a:rPr lang="en-US" sz="1200" dirty="0"/>
-              <a:t>Data hiding</a:t>
+              <a:t>Binding data (variables) and behavior (methods) together into a single unit(class) is known as encapsulation.</a:t>
             </a:r>
           </a:p>
           <a:p>

--- a/AutomationPPT.pptx
+++ b/AutomationPPT.pptx
@@ -31601,7 +31601,7 @@
             </a:pPr>
             <a:r>
               <a:rPr lang="en-US" sz="1200" dirty="0"/>
-              <a:t>A derived class that implements all the missing functionality of abstract class is called a concrete class. </a:t>
+              <a:t>A class that implements all the missing functionality of abstract class is called a concrete class. </a:t>
             </a:r>
           </a:p>
           <a:p>

--- a/AutomationPPT.pptx
+++ b/AutomationPPT.pptx
@@ -5,7 +5,7 @@
     <p:sldMasterId id="2147483664" r:id="rId1"/>
   </p:sldMasterIdLst>
   <p:notesMasterIdLst>
-    <p:notesMasterId r:id="rId99"/>
+    <p:notesMasterId r:id="rId97"/>
   </p:notesMasterIdLst>
   <p:sldIdLst>
     <p:sldId id="256" r:id="rId2"/>
@@ -47,74 +47,72 @@
     <p:sldId id="304" r:id="rId38"/>
     <p:sldId id="305" r:id="rId39"/>
     <p:sldId id="306" r:id="rId40"/>
-    <p:sldId id="307" r:id="rId41"/>
-    <p:sldId id="308" r:id="rId42"/>
-    <p:sldId id="309" r:id="rId43"/>
-    <p:sldId id="310" r:id="rId44"/>
-    <p:sldId id="311" r:id="rId45"/>
-    <p:sldId id="312" r:id="rId46"/>
-    <p:sldId id="313" r:id="rId47"/>
-    <p:sldId id="314" r:id="rId48"/>
-    <p:sldId id="315" r:id="rId49"/>
-    <p:sldId id="316" r:id="rId50"/>
-    <p:sldId id="317" r:id="rId51"/>
-    <p:sldId id="318" r:id="rId52"/>
-    <p:sldId id="319" r:id="rId53"/>
-    <p:sldId id="320" r:id="rId54"/>
-    <p:sldId id="321" r:id="rId55"/>
-    <p:sldId id="322" r:id="rId56"/>
-    <p:sldId id="323" r:id="rId57"/>
-    <p:sldId id="324" r:id="rId58"/>
-    <p:sldId id="325" r:id="rId59"/>
-    <p:sldId id="326" r:id="rId60"/>
-    <p:sldId id="327" r:id="rId61"/>
-    <p:sldId id="328" r:id="rId62"/>
-    <p:sldId id="329" r:id="rId63"/>
-    <p:sldId id="330" r:id="rId64"/>
-    <p:sldId id="332" r:id="rId65"/>
-    <p:sldId id="334" r:id="rId66"/>
-    <p:sldId id="338" r:id="rId67"/>
-    <p:sldId id="335" r:id="rId68"/>
-    <p:sldId id="336" r:id="rId69"/>
-    <p:sldId id="339" r:id="rId70"/>
-    <p:sldId id="340" r:id="rId71"/>
-    <p:sldId id="342" r:id="rId72"/>
-    <p:sldId id="343" r:id="rId73"/>
-    <p:sldId id="344" r:id="rId74"/>
-    <p:sldId id="345" r:id="rId75"/>
-    <p:sldId id="346" r:id="rId76"/>
-    <p:sldId id="347" r:id="rId77"/>
-    <p:sldId id="348" r:id="rId78"/>
-    <p:sldId id="349" r:id="rId79"/>
-    <p:sldId id="350" r:id="rId80"/>
-    <p:sldId id="351" r:id="rId81"/>
-    <p:sldId id="352" r:id="rId82"/>
-    <p:sldId id="353" r:id="rId83"/>
-    <p:sldId id="354" r:id="rId84"/>
-    <p:sldId id="355" r:id="rId85"/>
-    <p:sldId id="356" r:id="rId86"/>
-    <p:sldId id="357" r:id="rId87"/>
-    <p:sldId id="358" r:id="rId88"/>
-    <p:sldId id="363" r:id="rId89"/>
-    <p:sldId id="364" r:id="rId90"/>
-    <p:sldId id="365" r:id="rId91"/>
-    <p:sldId id="366" r:id="rId92"/>
-    <p:sldId id="367" r:id="rId93"/>
-    <p:sldId id="368" r:id="rId94"/>
-    <p:sldId id="359" r:id="rId95"/>
-    <p:sldId id="360" r:id="rId96"/>
-    <p:sldId id="361" r:id="rId97"/>
-    <p:sldId id="362" r:id="rId98"/>
+    <p:sldId id="309" r:id="rId41"/>
+    <p:sldId id="310" r:id="rId42"/>
+    <p:sldId id="311" r:id="rId43"/>
+    <p:sldId id="312" r:id="rId44"/>
+    <p:sldId id="313" r:id="rId45"/>
+    <p:sldId id="314" r:id="rId46"/>
+    <p:sldId id="315" r:id="rId47"/>
+    <p:sldId id="316" r:id="rId48"/>
+    <p:sldId id="317" r:id="rId49"/>
+    <p:sldId id="318" r:id="rId50"/>
+    <p:sldId id="319" r:id="rId51"/>
+    <p:sldId id="320" r:id="rId52"/>
+    <p:sldId id="321" r:id="rId53"/>
+    <p:sldId id="322" r:id="rId54"/>
+    <p:sldId id="323" r:id="rId55"/>
+    <p:sldId id="324" r:id="rId56"/>
+    <p:sldId id="325" r:id="rId57"/>
+    <p:sldId id="326" r:id="rId58"/>
+    <p:sldId id="327" r:id="rId59"/>
+    <p:sldId id="328" r:id="rId60"/>
+    <p:sldId id="329" r:id="rId61"/>
+    <p:sldId id="330" r:id="rId62"/>
+    <p:sldId id="332" r:id="rId63"/>
+    <p:sldId id="334" r:id="rId64"/>
+    <p:sldId id="338" r:id="rId65"/>
+    <p:sldId id="335" r:id="rId66"/>
+    <p:sldId id="336" r:id="rId67"/>
+    <p:sldId id="339" r:id="rId68"/>
+    <p:sldId id="340" r:id="rId69"/>
+    <p:sldId id="342" r:id="rId70"/>
+    <p:sldId id="343" r:id="rId71"/>
+    <p:sldId id="344" r:id="rId72"/>
+    <p:sldId id="345" r:id="rId73"/>
+    <p:sldId id="346" r:id="rId74"/>
+    <p:sldId id="347" r:id="rId75"/>
+    <p:sldId id="348" r:id="rId76"/>
+    <p:sldId id="349" r:id="rId77"/>
+    <p:sldId id="350" r:id="rId78"/>
+    <p:sldId id="351" r:id="rId79"/>
+    <p:sldId id="352" r:id="rId80"/>
+    <p:sldId id="353" r:id="rId81"/>
+    <p:sldId id="354" r:id="rId82"/>
+    <p:sldId id="355" r:id="rId83"/>
+    <p:sldId id="356" r:id="rId84"/>
+    <p:sldId id="357" r:id="rId85"/>
+    <p:sldId id="358" r:id="rId86"/>
+    <p:sldId id="363" r:id="rId87"/>
+    <p:sldId id="364" r:id="rId88"/>
+    <p:sldId id="365" r:id="rId89"/>
+    <p:sldId id="366" r:id="rId90"/>
+    <p:sldId id="367" r:id="rId91"/>
+    <p:sldId id="368" r:id="rId92"/>
+    <p:sldId id="359" r:id="rId93"/>
+    <p:sldId id="360" r:id="rId94"/>
+    <p:sldId id="361" r:id="rId95"/>
+    <p:sldId id="362" r:id="rId96"/>
   </p:sldIdLst>
   <p:sldSz cx="12192000" cy="6858000"/>
   <p:notesSz cx="6858000" cy="9144000"/>
   <p:embeddedFontLst>
     <p:embeddedFont>
       <p:font typeface="Trebuchet MS" panose="020B0603020202020204" pitchFamily="34" charset="0"/>
-      <p:regular r:id="rId100"/>
-      <p:bold r:id="rId101"/>
-      <p:italic r:id="rId102"/>
-      <p:boldItalic r:id="rId103"/>
+      <p:regular r:id="rId98"/>
+      <p:bold r:id="rId99"/>
+      <p:italic r:id="rId100"/>
+      <p:boldItalic r:id="rId101"/>
     </p:embeddedFont>
   </p:embeddedFontLst>
   <p:defaultTextStyle>
@@ -3975,7 +3973,7 @@
   <p:cSld>
     <p:spTree>
       <p:nvGrpSpPr>
-        <p:cNvPr id="1" name="Shape 454"/>
+        <p:cNvPr id="1" name="Shape 467"/>
         <p:cNvGrpSpPr/>
         <p:nvPr/>
       </p:nvGrpSpPr>
@@ -3989,7 +3987,7 @@
       </p:grpSpPr>
       <p:sp>
         <p:nvSpPr>
-          <p:cNvPr id="455" name="Shape 455"/>
+          <p:cNvPr id="468" name="Shape 468"/>
           <p:cNvSpPr txBox="1">
             <a:spLocks noGrp="1"/>
           </p:cNvSpPr>
@@ -4028,7 +4026,7 @@
       </p:sp>
       <p:sp>
         <p:nvSpPr>
-          <p:cNvPr id="456" name="Shape 456"/>
+          <p:cNvPr id="469" name="Shape 469"/>
           <p:cNvSpPr>
             <a:spLocks noGrp="1" noRot="1" noChangeAspect="1"/>
           </p:cNvSpPr>
@@ -4190,7 +4188,7 @@
   <p:cSld>
     <p:spTree>
       <p:nvGrpSpPr>
-        <p:cNvPr id="1" name="Shape 460"/>
+        <p:cNvPr id="1" name="Shape 473"/>
         <p:cNvGrpSpPr/>
         <p:nvPr/>
       </p:nvGrpSpPr>
@@ -4204,7 +4202,7 @@
       </p:grpSpPr>
       <p:sp>
         <p:nvSpPr>
-          <p:cNvPr id="461" name="Shape 461"/>
+          <p:cNvPr id="474" name="Shape 474"/>
           <p:cNvSpPr txBox="1">
             <a:spLocks noGrp="1"/>
           </p:cNvSpPr>
@@ -4243,7 +4241,7 @@
       </p:sp>
       <p:sp>
         <p:nvSpPr>
-          <p:cNvPr id="462" name="Shape 462"/>
+          <p:cNvPr id="475" name="Shape 475"/>
           <p:cNvSpPr>
             <a:spLocks noGrp="1" noRot="1" noChangeAspect="1"/>
           </p:cNvSpPr>
@@ -4295,7 +4293,7 @@
   <p:cSld>
     <p:spTree>
       <p:nvGrpSpPr>
-        <p:cNvPr id="1" name="Shape 467"/>
+        <p:cNvPr id="1" name="Shape 479"/>
         <p:cNvGrpSpPr/>
         <p:nvPr/>
       </p:nvGrpSpPr>
@@ -4309,7 +4307,7 @@
       </p:grpSpPr>
       <p:sp>
         <p:nvSpPr>
-          <p:cNvPr id="468" name="Shape 468"/>
+          <p:cNvPr id="480" name="Shape 480"/>
           <p:cNvSpPr txBox="1">
             <a:spLocks noGrp="1"/>
           </p:cNvSpPr>
@@ -4348,7 +4346,7 @@
       </p:sp>
       <p:sp>
         <p:nvSpPr>
-          <p:cNvPr id="469" name="Shape 469"/>
+          <p:cNvPr id="481" name="Shape 481"/>
           <p:cNvSpPr>
             <a:spLocks noGrp="1" noRot="1" noChangeAspect="1"/>
           </p:cNvSpPr>
@@ -4400,7 +4398,7 @@
   <p:cSld>
     <p:spTree>
       <p:nvGrpSpPr>
-        <p:cNvPr id="1" name="Shape 473"/>
+        <p:cNvPr id="1" name="Shape 485"/>
         <p:cNvGrpSpPr/>
         <p:nvPr/>
       </p:nvGrpSpPr>
@@ -4414,7 +4412,7 @@
       </p:grpSpPr>
       <p:sp>
         <p:nvSpPr>
-          <p:cNvPr id="474" name="Shape 474"/>
+          <p:cNvPr id="486" name="Shape 486"/>
           <p:cNvSpPr txBox="1">
             <a:spLocks noGrp="1"/>
           </p:cNvSpPr>
@@ -4453,7 +4451,7 @@
       </p:sp>
       <p:sp>
         <p:nvSpPr>
-          <p:cNvPr id="475" name="Shape 475"/>
+          <p:cNvPr id="487" name="Shape 487"/>
           <p:cNvSpPr>
             <a:spLocks noGrp="1" noRot="1" noChangeAspect="1"/>
           </p:cNvSpPr>
@@ -4505,7 +4503,7 @@
   <p:cSld>
     <p:spTree>
       <p:nvGrpSpPr>
-        <p:cNvPr id="1" name="Shape 479"/>
+        <p:cNvPr id="1" name="Shape 491"/>
         <p:cNvGrpSpPr/>
         <p:nvPr/>
       </p:nvGrpSpPr>
@@ -4519,7 +4517,7 @@
       </p:grpSpPr>
       <p:sp>
         <p:nvSpPr>
-          <p:cNvPr id="480" name="Shape 480"/>
+          <p:cNvPr id="492" name="Shape 492"/>
           <p:cNvSpPr txBox="1">
             <a:spLocks noGrp="1"/>
           </p:cNvSpPr>
@@ -4558,7 +4556,7 @@
       </p:sp>
       <p:sp>
         <p:nvSpPr>
-          <p:cNvPr id="481" name="Shape 481"/>
+          <p:cNvPr id="493" name="Shape 493"/>
           <p:cNvSpPr>
             <a:spLocks noGrp="1" noRot="1" noChangeAspect="1"/>
           </p:cNvSpPr>
@@ -4610,7 +4608,7 @@
   <p:cSld>
     <p:spTree>
       <p:nvGrpSpPr>
-        <p:cNvPr id="1" name="Shape 485"/>
+        <p:cNvPr id="1" name="Shape 497"/>
         <p:cNvGrpSpPr/>
         <p:nvPr/>
       </p:nvGrpSpPr>
@@ -4624,7 +4622,7 @@
       </p:grpSpPr>
       <p:sp>
         <p:nvSpPr>
-          <p:cNvPr id="486" name="Shape 486"/>
+          <p:cNvPr id="498" name="Shape 498"/>
           <p:cNvSpPr txBox="1">
             <a:spLocks noGrp="1"/>
           </p:cNvSpPr>
@@ -4663,7 +4661,7 @@
       </p:sp>
       <p:sp>
         <p:nvSpPr>
-          <p:cNvPr id="487" name="Shape 487"/>
+          <p:cNvPr id="499" name="Shape 499"/>
           <p:cNvSpPr>
             <a:spLocks noGrp="1" noRot="1" noChangeAspect="1"/>
           </p:cNvSpPr>
@@ -4715,7 +4713,7 @@
   <p:cSld>
     <p:spTree>
       <p:nvGrpSpPr>
-        <p:cNvPr id="1" name="Shape 491"/>
+        <p:cNvPr id="1" name="Shape 503"/>
         <p:cNvGrpSpPr/>
         <p:nvPr/>
       </p:nvGrpSpPr>
@@ -4729,7 +4727,7 @@
       </p:grpSpPr>
       <p:sp>
         <p:nvSpPr>
-          <p:cNvPr id="492" name="Shape 492"/>
+          <p:cNvPr id="504" name="Shape 504"/>
           <p:cNvSpPr txBox="1">
             <a:spLocks noGrp="1"/>
           </p:cNvSpPr>
@@ -4768,7 +4766,7 @@
       </p:sp>
       <p:sp>
         <p:nvSpPr>
-          <p:cNvPr id="493" name="Shape 493"/>
+          <p:cNvPr id="505" name="Shape 505"/>
           <p:cNvSpPr>
             <a:spLocks noGrp="1" noRot="1" noChangeAspect="1"/>
           </p:cNvSpPr>
@@ -4820,7 +4818,7 @@
   <p:cSld>
     <p:spTree>
       <p:nvGrpSpPr>
-        <p:cNvPr id="1" name="Shape 497"/>
+        <p:cNvPr id="1" name="Shape 509"/>
         <p:cNvGrpSpPr/>
         <p:nvPr/>
       </p:nvGrpSpPr>
@@ -4834,7 +4832,7 @@
       </p:grpSpPr>
       <p:sp>
         <p:nvSpPr>
-          <p:cNvPr id="498" name="Shape 498"/>
+          <p:cNvPr id="510" name="Shape 510"/>
           <p:cNvSpPr txBox="1">
             <a:spLocks noGrp="1"/>
           </p:cNvSpPr>
@@ -4873,7 +4871,7 @@
       </p:sp>
       <p:sp>
         <p:nvSpPr>
-          <p:cNvPr id="499" name="Shape 499"/>
+          <p:cNvPr id="511" name="Shape 511"/>
           <p:cNvSpPr>
             <a:spLocks noGrp="1" noRot="1" noChangeAspect="1"/>
           </p:cNvSpPr>
@@ -4925,7 +4923,7 @@
   <p:cSld>
     <p:spTree>
       <p:nvGrpSpPr>
-        <p:cNvPr id="1" name="Shape 503"/>
+        <p:cNvPr id="1" name="Shape 515"/>
         <p:cNvGrpSpPr/>
         <p:nvPr/>
       </p:nvGrpSpPr>
@@ -4939,7 +4937,7 @@
       </p:grpSpPr>
       <p:sp>
         <p:nvSpPr>
-          <p:cNvPr id="504" name="Shape 504"/>
+          <p:cNvPr id="516" name="Shape 516"/>
           <p:cNvSpPr txBox="1">
             <a:spLocks noGrp="1"/>
           </p:cNvSpPr>
@@ -4978,7 +4976,7 @@
       </p:sp>
       <p:sp>
         <p:nvSpPr>
-          <p:cNvPr id="505" name="Shape 505"/>
+          <p:cNvPr id="517" name="Shape 517"/>
           <p:cNvSpPr>
             <a:spLocks noGrp="1" noRot="1" noChangeAspect="1"/>
           </p:cNvSpPr>
@@ -5030,7 +5028,7 @@
   <p:cSld>
     <p:spTree>
       <p:nvGrpSpPr>
-        <p:cNvPr id="1" name="Shape 509"/>
+        <p:cNvPr id="1" name="Shape 521"/>
         <p:cNvGrpSpPr/>
         <p:nvPr/>
       </p:nvGrpSpPr>
@@ -5044,7 +5042,7 @@
       </p:grpSpPr>
       <p:sp>
         <p:nvSpPr>
-          <p:cNvPr id="510" name="Shape 510"/>
+          <p:cNvPr id="522" name="Shape 522"/>
           <p:cNvSpPr txBox="1">
             <a:spLocks noGrp="1"/>
           </p:cNvSpPr>
@@ -5083,7 +5081,7 @@
       </p:sp>
       <p:sp>
         <p:nvSpPr>
-          <p:cNvPr id="511" name="Shape 511"/>
+          <p:cNvPr id="523" name="Shape 523"/>
           <p:cNvSpPr>
             <a:spLocks noGrp="1" noRot="1" noChangeAspect="1"/>
           </p:cNvSpPr>
@@ -5135,7 +5133,7 @@
   <p:cSld>
     <p:spTree>
       <p:nvGrpSpPr>
-        <p:cNvPr id="1" name="Shape 515"/>
+        <p:cNvPr id="1" name="Shape 527"/>
         <p:cNvGrpSpPr/>
         <p:nvPr/>
       </p:nvGrpSpPr>
@@ -5149,7 +5147,7 @@
       </p:grpSpPr>
       <p:sp>
         <p:nvSpPr>
-          <p:cNvPr id="516" name="Shape 516"/>
+          <p:cNvPr id="528" name="Shape 528"/>
           <p:cNvSpPr txBox="1">
             <a:spLocks noGrp="1"/>
           </p:cNvSpPr>
@@ -5188,7 +5186,7 @@
       </p:sp>
       <p:sp>
         <p:nvSpPr>
-          <p:cNvPr id="517" name="Shape 517"/>
+          <p:cNvPr id="529" name="Shape 529"/>
           <p:cNvSpPr>
             <a:spLocks noGrp="1" noRot="1" noChangeAspect="1"/>
           </p:cNvSpPr>
@@ -5345,7 +5343,7 @@
   <p:cSld>
     <p:spTree>
       <p:nvGrpSpPr>
-        <p:cNvPr id="1" name="Shape 521"/>
+        <p:cNvPr id="1" name="Shape 533"/>
         <p:cNvGrpSpPr/>
         <p:nvPr/>
       </p:nvGrpSpPr>
@@ -5359,7 +5357,7 @@
       </p:grpSpPr>
       <p:sp>
         <p:nvSpPr>
-          <p:cNvPr id="522" name="Shape 522"/>
+          <p:cNvPr id="534" name="Shape 534"/>
           <p:cNvSpPr txBox="1">
             <a:spLocks noGrp="1"/>
           </p:cNvSpPr>
@@ -5398,7 +5396,7 @@
       </p:sp>
       <p:sp>
         <p:nvSpPr>
-          <p:cNvPr id="523" name="Shape 523"/>
+          <p:cNvPr id="535" name="Shape 535"/>
           <p:cNvSpPr>
             <a:spLocks noGrp="1" noRot="1" noChangeAspect="1"/>
           </p:cNvSpPr>
@@ -5450,7 +5448,7 @@
   <p:cSld>
     <p:spTree>
       <p:nvGrpSpPr>
-        <p:cNvPr id="1" name="Shape 527"/>
+        <p:cNvPr id="1" name="Shape 539"/>
         <p:cNvGrpSpPr/>
         <p:nvPr/>
       </p:nvGrpSpPr>
@@ -5464,7 +5462,7 @@
       </p:grpSpPr>
       <p:sp>
         <p:nvSpPr>
-          <p:cNvPr id="528" name="Shape 528"/>
+          <p:cNvPr id="540" name="Shape 540"/>
           <p:cNvSpPr txBox="1">
             <a:spLocks noGrp="1"/>
           </p:cNvSpPr>
@@ -5503,7 +5501,7 @@
       </p:sp>
       <p:sp>
         <p:nvSpPr>
-          <p:cNvPr id="529" name="Shape 529"/>
+          <p:cNvPr id="541" name="Shape 541"/>
           <p:cNvSpPr>
             <a:spLocks noGrp="1" noRot="1" noChangeAspect="1"/>
           </p:cNvSpPr>
@@ -5555,7 +5553,7 @@
   <p:cSld>
     <p:spTree>
       <p:nvGrpSpPr>
-        <p:cNvPr id="1" name="Shape 533"/>
+        <p:cNvPr id="1" name="Shape 545"/>
         <p:cNvGrpSpPr/>
         <p:nvPr/>
       </p:nvGrpSpPr>
@@ -5569,7 +5567,7 @@
       </p:grpSpPr>
       <p:sp>
         <p:nvSpPr>
-          <p:cNvPr id="534" name="Shape 534"/>
+          <p:cNvPr id="546" name="Shape 546"/>
           <p:cNvSpPr txBox="1">
             <a:spLocks noGrp="1"/>
           </p:cNvSpPr>
@@ -5608,7 +5606,7 @@
       </p:sp>
       <p:sp>
         <p:nvSpPr>
-          <p:cNvPr id="535" name="Shape 535"/>
+          <p:cNvPr id="547" name="Shape 547"/>
           <p:cNvSpPr>
             <a:spLocks noGrp="1" noRot="1" noChangeAspect="1"/>
           </p:cNvSpPr>
@@ -5660,7 +5658,7 @@
   <p:cSld>
     <p:spTree>
       <p:nvGrpSpPr>
-        <p:cNvPr id="1" name="Shape 539"/>
+        <p:cNvPr id="1" name="Shape 552"/>
         <p:cNvGrpSpPr/>
         <p:nvPr/>
       </p:nvGrpSpPr>
@@ -5674,7 +5672,7 @@
       </p:grpSpPr>
       <p:sp>
         <p:nvSpPr>
-          <p:cNvPr id="540" name="Shape 540"/>
+          <p:cNvPr id="553" name="Shape 553"/>
           <p:cNvSpPr txBox="1">
             <a:spLocks noGrp="1"/>
           </p:cNvSpPr>
@@ -5713,7 +5711,7 @@
       </p:sp>
       <p:sp>
         <p:nvSpPr>
-          <p:cNvPr id="541" name="Shape 541"/>
+          <p:cNvPr id="554" name="Shape 554"/>
           <p:cNvSpPr>
             <a:spLocks noGrp="1" noRot="1" noChangeAspect="1"/>
           </p:cNvSpPr>
@@ -5765,7 +5763,7 @@
   <p:cSld>
     <p:spTree>
       <p:nvGrpSpPr>
-        <p:cNvPr id="1" name="Shape 545"/>
+        <p:cNvPr id="1" name="Shape 558"/>
         <p:cNvGrpSpPr/>
         <p:nvPr/>
       </p:nvGrpSpPr>
@@ -5779,7 +5777,7 @@
       </p:grpSpPr>
       <p:sp>
         <p:nvSpPr>
-          <p:cNvPr id="546" name="Shape 546"/>
+          <p:cNvPr id="559" name="Shape 559"/>
           <p:cNvSpPr txBox="1">
             <a:spLocks noGrp="1"/>
           </p:cNvSpPr>
@@ -5818,7 +5816,7 @@
       </p:sp>
       <p:sp>
         <p:nvSpPr>
-          <p:cNvPr id="547" name="Shape 547"/>
+          <p:cNvPr id="560" name="Shape 560"/>
           <p:cNvSpPr>
             <a:spLocks noGrp="1" noRot="1" noChangeAspect="1"/>
           </p:cNvSpPr>
@@ -5870,7 +5868,7 @@
   <p:cSld>
     <p:spTree>
       <p:nvGrpSpPr>
-        <p:cNvPr id="1" name="Shape 552"/>
+        <p:cNvPr id="1" name="Shape 564"/>
         <p:cNvGrpSpPr/>
         <p:nvPr/>
       </p:nvGrpSpPr>
@@ -5884,7 +5882,7 @@
       </p:grpSpPr>
       <p:sp>
         <p:nvSpPr>
-          <p:cNvPr id="553" name="Shape 553"/>
+          <p:cNvPr id="565" name="Shape 565"/>
           <p:cNvSpPr txBox="1">
             <a:spLocks noGrp="1"/>
           </p:cNvSpPr>
@@ -5923,7 +5921,7 @@
       </p:sp>
       <p:sp>
         <p:nvSpPr>
-          <p:cNvPr id="554" name="Shape 554"/>
+          <p:cNvPr id="566" name="Shape 566"/>
           <p:cNvSpPr>
             <a:spLocks noGrp="1" noRot="1" noChangeAspect="1"/>
           </p:cNvSpPr>
@@ -5975,7 +5973,7 @@
   <p:cSld>
     <p:spTree>
       <p:nvGrpSpPr>
-        <p:cNvPr id="1" name="Shape 558"/>
+        <p:cNvPr id="1" name="Shape 570"/>
         <p:cNvGrpSpPr/>
         <p:nvPr/>
       </p:nvGrpSpPr>
@@ -5989,7 +5987,7 @@
       </p:grpSpPr>
       <p:sp>
         <p:nvSpPr>
-          <p:cNvPr id="559" name="Shape 559"/>
+          <p:cNvPr id="571" name="Shape 571"/>
           <p:cNvSpPr txBox="1">
             <a:spLocks noGrp="1"/>
           </p:cNvSpPr>
@@ -6028,7 +6026,7 @@
       </p:sp>
       <p:sp>
         <p:nvSpPr>
-          <p:cNvPr id="560" name="Shape 560"/>
+          <p:cNvPr id="572" name="Shape 572"/>
           <p:cNvSpPr>
             <a:spLocks noGrp="1" noRot="1" noChangeAspect="1"/>
           </p:cNvSpPr>
@@ -6080,7 +6078,7 @@
   <p:cSld>
     <p:spTree>
       <p:nvGrpSpPr>
-        <p:cNvPr id="1" name="Shape 564"/>
+        <p:cNvPr id="1" name="Shape 145"/>
         <p:cNvGrpSpPr/>
         <p:nvPr/>
       </p:nvGrpSpPr>
@@ -6094,7 +6092,7 @@
       </p:grpSpPr>
       <p:sp>
         <p:nvSpPr>
-          <p:cNvPr id="565" name="Shape 565"/>
+          <p:cNvPr id="146" name="Shape 146"/>
           <p:cNvSpPr txBox="1">
             <a:spLocks noGrp="1"/>
           </p:cNvSpPr>
@@ -6127,13 +6125,13 @@
               </a:spcBef>
               <a:buNone/>
             </a:pPr>
-            <a:endParaRPr/>
+            <a:endParaRPr dirty="0"/>
           </a:p>
         </p:txBody>
       </p:sp>
       <p:sp>
         <p:nvSpPr>
-          <p:cNvPr id="566" name="Shape 566"/>
+          <p:cNvPr id="147" name="Shape 147"/>
           <p:cNvSpPr>
             <a:spLocks noGrp="1" noRot="1" noChangeAspect="1"/>
           </p:cNvSpPr>
@@ -6185,7 +6183,7 @@
   <p:cSld>
     <p:spTree>
       <p:nvGrpSpPr>
-        <p:cNvPr id="1" name="Shape 570"/>
+        <p:cNvPr id="1" name="Shape 157"/>
         <p:cNvGrpSpPr/>
         <p:nvPr/>
       </p:nvGrpSpPr>
@@ -6199,7 +6197,7 @@
       </p:grpSpPr>
       <p:sp>
         <p:nvSpPr>
-          <p:cNvPr id="571" name="Shape 571"/>
+          <p:cNvPr id="158" name="Shape 158"/>
           <p:cNvSpPr txBox="1">
             <a:spLocks noGrp="1"/>
           </p:cNvSpPr>
@@ -6232,13 +6230,13 @@
               </a:spcBef>
               <a:buNone/>
             </a:pPr>
-            <a:endParaRPr/>
+            <a:endParaRPr dirty="0"/>
           </a:p>
         </p:txBody>
       </p:sp>
       <p:sp>
         <p:nvSpPr>
-          <p:cNvPr id="572" name="Shape 572"/>
+          <p:cNvPr id="159" name="Shape 159"/>
           <p:cNvSpPr>
             <a:spLocks noGrp="1" noRot="1" noChangeAspect="1"/>
           </p:cNvSpPr>
@@ -6290,7 +6288,7 @@
   <p:cSld>
     <p:spTree>
       <p:nvGrpSpPr>
-        <p:cNvPr id="1" name="Shape 145"/>
+        <p:cNvPr id="1" name="Shape 169"/>
         <p:cNvGrpSpPr/>
         <p:nvPr/>
       </p:nvGrpSpPr>
@@ -6304,7 +6302,7 @@
       </p:grpSpPr>
       <p:sp>
         <p:nvSpPr>
-          <p:cNvPr id="146" name="Shape 146"/>
+          <p:cNvPr id="170" name="Shape 170"/>
           <p:cNvSpPr txBox="1">
             <a:spLocks noGrp="1"/>
           </p:cNvSpPr>
@@ -6343,7 +6341,7 @@
       </p:sp>
       <p:sp>
         <p:nvSpPr>
-          <p:cNvPr id="147" name="Shape 147"/>
+          <p:cNvPr id="171" name="Shape 171"/>
           <p:cNvSpPr>
             <a:spLocks noGrp="1" noRot="1" noChangeAspect="1"/>
           </p:cNvSpPr>
@@ -6500,216 +6498,6 @@
   <p:cSld>
     <p:spTree>
       <p:nvGrpSpPr>
-        <p:cNvPr id="1" name="Shape 157"/>
-        <p:cNvGrpSpPr/>
-        <p:nvPr/>
-      </p:nvGrpSpPr>
-      <p:grpSpPr>
-        <a:xfrm>
-          <a:off x="0" y="0"/>
-          <a:ext cx="0" cy="0"/>
-          <a:chOff x="0" y="0"/>
-          <a:chExt cx="0" cy="0"/>
-        </a:xfrm>
-      </p:grpSpPr>
-      <p:sp>
-        <p:nvSpPr>
-          <p:cNvPr id="158" name="Shape 158"/>
-          <p:cNvSpPr txBox="1">
-            <a:spLocks noGrp="1"/>
-          </p:cNvSpPr>
-          <p:nvPr>
-            <p:ph type="body" idx="1"/>
-          </p:nvPr>
-        </p:nvSpPr>
-        <p:spPr>
-          <a:xfrm>
-            <a:off x="685800" y="4343400"/>
-            <a:ext cx="5486399" cy="4114800"/>
-          </a:xfrm>
-          <a:prstGeom prst="rect">
-            <a:avLst/>
-          </a:prstGeom>
-          <a:noFill/>
-          <a:ln>
-            <a:noFill/>
-          </a:ln>
-        </p:spPr>
-        <p:txBody>
-          <a:bodyPr lIns="91425" tIns="91425" rIns="91425" bIns="91425" anchor="ctr" anchorCtr="0">
-            <a:noAutofit/>
-          </a:bodyPr>
-          <a:lstStyle/>
-          <a:p>
-            <a:pPr lvl="0">
-              <a:spcBef>
-                <a:spcPts val="0"/>
-              </a:spcBef>
-              <a:buNone/>
-            </a:pPr>
-            <a:endParaRPr dirty="0"/>
-          </a:p>
-        </p:txBody>
-      </p:sp>
-      <p:sp>
-        <p:nvSpPr>
-          <p:cNvPr id="159" name="Shape 159"/>
-          <p:cNvSpPr>
-            <a:spLocks noGrp="1" noRot="1" noChangeAspect="1"/>
-          </p:cNvSpPr>
-          <p:nvPr>
-            <p:ph type="sldImg" idx="2"/>
-          </p:nvPr>
-        </p:nvSpPr>
-        <p:spPr>
-          <a:xfrm>
-            <a:off x="381000" y="685800"/>
-            <a:ext cx="6096000" cy="3429000"/>
-          </a:xfrm>
-          <a:custGeom>
-            <a:avLst/>
-            <a:gdLst/>
-            <a:ahLst/>
-            <a:cxnLst/>
-            <a:rect l="0" t="0" r="0" b="0"/>
-            <a:pathLst>
-              <a:path w="120000" h="120000" extrusionOk="0">
-                <a:moveTo>
-                  <a:pt x="0" y="0"/>
-                </a:moveTo>
-                <a:lnTo>
-                  <a:pt x="120000" y="0"/>
-                </a:lnTo>
-                <a:lnTo>
-                  <a:pt x="120000" y="120000"/>
-                </a:lnTo>
-                <a:lnTo>
-                  <a:pt x="0" y="120000"/>
-                </a:lnTo>
-                <a:close/>
-              </a:path>
-            </a:pathLst>
-          </a:custGeom>
-        </p:spPr>
-      </p:sp>
-    </p:spTree>
-  </p:cSld>
-  <p:clrMapOvr>
-    <a:masterClrMapping/>
-  </p:clrMapOvr>
-</p:notes>
-</file>
-
-<file path=ppt/notesSlides/notesSlide61.xml><?xml version="1.0" encoding="utf-8"?>
-<p:notes xmlns:a="http://schemas.openxmlformats.org/drawingml/2006/main" xmlns:r="http://schemas.openxmlformats.org/officeDocument/2006/relationships" xmlns:p="http://schemas.openxmlformats.org/presentationml/2006/main" showMasterSp="0" showMasterPhAnim="0">
-  <p:cSld>
-    <p:spTree>
-      <p:nvGrpSpPr>
-        <p:cNvPr id="1" name="Shape 169"/>
-        <p:cNvGrpSpPr/>
-        <p:nvPr/>
-      </p:nvGrpSpPr>
-      <p:grpSpPr>
-        <a:xfrm>
-          <a:off x="0" y="0"/>
-          <a:ext cx="0" cy="0"/>
-          <a:chOff x="0" y="0"/>
-          <a:chExt cx="0" cy="0"/>
-        </a:xfrm>
-      </p:grpSpPr>
-      <p:sp>
-        <p:nvSpPr>
-          <p:cNvPr id="170" name="Shape 170"/>
-          <p:cNvSpPr txBox="1">
-            <a:spLocks noGrp="1"/>
-          </p:cNvSpPr>
-          <p:nvPr>
-            <p:ph type="body" idx="1"/>
-          </p:nvPr>
-        </p:nvSpPr>
-        <p:spPr>
-          <a:xfrm>
-            <a:off x="685800" y="4343400"/>
-            <a:ext cx="5486399" cy="4114800"/>
-          </a:xfrm>
-          <a:prstGeom prst="rect">
-            <a:avLst/>
-          </a:prstGeom>
-          <a:noFill/>
-          <a:ln>
-            <a:noFill/>
-          </a:ln>
-        </p:spPr>
-        <p:txBody>
-          <a:bodyPr lIns="91425" tIns="91425" rIns="91425" bIns="91425" anchor="ctr" anchorCtr="0">
-            <a:noAutofit/>
-          </a:bodyPr>
-          <a:lstStyle/>
-          <a:p>
-            <a:pPr lvl="0">
-              <a:spcBef>
-                <a:spcPts val="0"/>
-              </a:spcBef>
-              <a:buNone/>
-            </a:pPr>
-            <a:endParaRPr dirty="0"/>
-          </a:p>
-        </p:txBody>
-      </p:sp>
-      <p:sp>
-        <p:nvSpPr>
-          <p:cNvPr id="171" name="Shape 171"/>
-          <p:cNvSpPr>
-            <a:spLocks noGrp="1" noRot="1" noChangeAspect="1"/>
-          </p:cNvSpPr>
-          <p:nvPr>
-            <p:ph type="sldImg" idx="2"/>
-          </p:nvPr>
-        </p:nvSpPr>
-        <p:spPr>
-          <a:xfrm>
-            <a:off x="381000" y="685800"/>
-            <a:ext cx="6096000" cy="3429000"/>
-          </a:xfrm>
-          <a:custGeom>
-            <a:avLst/>
-            <a:gdLst/>
-            <a:ahLst/>
-            <a:cxnLst/>
-            <a:rect l="0" t="0" r="0" b="0"/>
-            <a:pathLst>
-              <a:path w="120000" h="120000" extrusionOk="0">
-                <a:moveTo>
-                  <a:pt x="0" y="0"/>
-                </a:moveTo>
-                <a:lnTo>
-                  <a:pt x="120000" y="0"/>
-                </a:lnTo>
-                <a:lnTo>
-                  <a:pt x="120000" y="120000"/>
-                </a:lnTo>
-                <a:lnTo>
-                  <a:pt x="0" y="120000"/>
-                </a:lnTo>
-                <a:close/>
-              </a:path>
-            </a:pathLst>
-          </a:custGeom>
-        </p:spPr>
-      </p:sp>
-    </p:spTree>
-  </p:cSld>
-  <p:clrMapOvr>
-    <a:masterClrMapping/>
-  </p:clrMapOvr>
-</p:notes>
-</file>
-
-<file path=ppt/notesSlides/notesSlide62.xml><?xml version="1.0" encoding="utf-8"?>
-<p:notes xmlns:a="http://schemas.openxmlformats.org/drawingml/2006/main" xmlns:r="http://schemas.openxmlformats.org/officeDocument/2006/relationships" xmlns:p="http://schemas.openxmlformats.org/presentationml/2006/main" showMasterSp="0" showMasterPhAnim="0">
-  <p:cSld>
-    <p:spTree>
-      <p:nvGrpSpPr>
         <p:cNvPr id="1" name="Shape 175"/>
         <p:cNvGrpSpPr/>
         <p:nvPr/>
@@ -6810,7 +6598,7 @@
 </p:notes>
 </file>
 
-<file path=ppt/notesSlides/notesSlide63.xml><?xml version="1.0" encoding="utf-8"?>
+<file path=ppt/notesSlides/notesSlide61.xml><?xml version="1.0" encoding="utf-8"?>
 <p:notes xmlns:a="http://schemas.openxmlformats.org/drawingml/2006/main" xmlns:r="http://schemas.openxmlformats.org/officeDocument/2006/relationships" xmlns:p="http://schemas.openxmlformats.org/presentationml/2006/main" showMasterSp="0" showMasterPhAnim="0">
   <p:cSld>
     <p:spTree>
@@ -33990,7 +33778,7 @@
             </a:pPr>
             <a:r>
               <a:rPr lang="en-US" sz="1200" dirty="0"/>
-              <a:t>Encoding	: Converting characters to numbers(or bytes)is called encoding</a:t>
+              <a:t>Encoding	: Converting files to numbers(or bytes (0 and 1))is called encoding</a:t>
             </a:r>
           </a:p>
           <a:p>
@@ -34001,7 +33789,7 @@
             </a:pPr>
             <a:r>
               <a:rPr lang="en-US" sz="1200" dirty="0"/>
-              <a:t>Decoding	: Converting numbers(or bytes) to characters is called decoding</a:t>
+              <a:t>Decoding	: Converting numbers(or bytes) back to actual file is called decoding</a:t>
             </a:r>
           </a:p>
           <a:p>
@@ -34600,515 +34388,6 @@
   <p:cSld>
     <p:spTree>
       <p:nvGrpSpPr>
-        <p:cNvPr id="1" name="Shape 457"/>
-        <p:cNvGrpSpPr/>
-        <p:nvPr/>
-      </p:nvGrpSpPr>
-      <p:grpSpPr>
-        <a:xfrm>
-          <a:off x="0" y="0"/>
-          <a:ext cx="0" cy="0"/>
-          <a:chOff x="0" y="0"/>
-          <a:chExt cx="0" cy="0"/>
-        </a:xfrm>
-      </p:grpSpPr>
-      <p:sp>
-        <p:nvSpPr>
-          <p:cNvPr id="458" name="Shape 458"/>
-          <p:cNvSpPr txBox="1">
-            <a:spLocks noGrp="1"/>
-          </p:cNvSpPr>
-          <p:nvPr>
-            <p:ph type="title"/>
-          </p:nvPr>
-        </p:nvSpPr>
-        <p:spPr>
-          <a:xfrm>
-            <a:off x="677333" y="185531"/>
-            <a:ext cx="8596668" cy="271669"/>
-          </a:xfrm>
-          <a:prstGeom prst="rect">
-            <a:avLst/>
-          </a:prstGeom>
-          <a:noFill/>
-          <a:ln>
-            <a:noFill/>
-          </a:ln>
-        </p:spPr>
-        <p:txBody>
-          <a:bodyPr lIns="91425" tIns="45700" rIns="91425" bIns="45700" anchor="t" anchorCtr="0">
-            <a:noAutofit/>
-          </a:bodyPr>
-          <a:lstStyle/>
-          <a:p>
-            <a:pPr marL="0" marR="0" lvl="0" indent="0" algn="l" rtl="0">
-              <a:spcBef>
-                <a:spcPts val="0"/>
-              </a:spcBef>
-              <a:buClr>
-                <a:schemeClr val="accent1"/>
-              </a:buClr>
-              <a:buSzPct val="25000"/>
-              <a:buFont typeface="Trebuchet MS"/>
-              <a:buNone/>
-            </a:pPr>
-            <a:r>
-              <a:rPr lang="en-US" sz="1400" b="0" i="0" u="none" strike="noStrike" cap="none" dirty="0">
-                <a:solidFill>
-                  <a:schemeClr val="accent1"/>
-                </a:solidFill>
-                <a:latin typeface="Trebuchet MS"/>
-                <a:ea typeface="Trebuchet MS"/>
-                <a:cs typeface="Trebuchet MS"/>
-                <a:sym typeface="Trebuchet MS"/>
-              </a:rPr>
-              <a:t>Java : IO</a:t>
-            </a:r>
-          </a:p>
-        </p:txBody>
-      </p:sp>
-      <p:sp>
-        <p:nvSpPr>
-          <p:cNvPr id="459" name="Shape 459"/>
-          <p:cNvSpPr txBox="1">
-            <a:spLocks noGrp="1"/>
-          </p:cNvSpPr>
-          <p:nvPr>
-            <p:ph type="body" idx="1"/>
-          </p:nvPr>
-        </p:nvSpPr>
-        <p:spPr>
-          <a:xfrm>
-            <a:off x="677333" y="609600"/>
-            <a:ext cx="8596668" cy="5963479"/>
-          </a:xfrm>
-          <a:prstGeom prst="rect">
-            <a:avLst/>
-          </a:prstGeom>
-          <a:noFill/>
-          <a:ln>
-            <a:noFill/>
-          </a:ln>
-        </p:spPr>
-        <p:txBody>
-          <a:bodyPr lIns="91425" tIns="45700" rIns="91425" bIns="45700" anchor="t" anchorCtr="0">
-            <a:noAutofit/>
-          </a:bodyPr>
-          <a:lstStyle/>
-          <a:p>
-            <a:pPr marL="342900" lvl="0" indent="-342900">
-              <a:lnSpc>
-                <a:spcPct val="90000"/>
-              </a:lnSpc>
-              <a:buSzPct val="80000"/>
-            </a:pPr>
-            <a:r>
-              <a:rPr lang="en-US" sz="1200" dirty="0"/>
-              <a:t>Encoding schemes:</a:t>
-            </a:r>
-          </a:p>
-          <a:p>
-            <a:pPr marL="742950" lvl="1" indent="-342900">
-              <a:lnSpc>
-                <a:spcPct val="90000"/>
-              </a:lnSpc>
-            </a:pPr>
-            <a:r>
-              <a:rPr lang="en-US" sz="1200" dirty="0"/>
-              <a:t>There are multiple encoding schemes, which define how a character is mapped to corresponding number.  ASCII,UNICODE etc.</a:t>
-            </a:r>
-          </a:p>
-          <a:p>
-            <a:pPr marL="342900" lvl="0" indent="-342900">
-              <a:lnSpc>
-                <a:spcPct val="90000"/>
-              </a:lnSpc>
-              <a:buSzPct val="80000"/>
-            </a:pPr>
-            <a:r>
-              <a:rPr lang="en-US" sz="1200" dirty="0"/>
-              <a:t>ASCII	</a:t>
-            </a:r>
-          </a:p>
-          <a:p>
-            <a:pPr marL="742950" lvl="1" indent="-342900">
-              <a:lnSpc>
-                <a:spcPct val="90000"/>
-              </a:lnSpc>
-            </a:pPr>
-            <a:r>
-              <a:rPr lang="en-US" sz="1200" dirty="0"/>
-              <a:t>American Standard Code for Information Interchange</a:t>
-            </a:r>
-          </a:p>
-          <a:p>
-            <a:pPr marL="742950" lvl="1" indent="-342900">
-              <a:lnSpc>
-                <a:spcPct val="90000"/>
-              </a:lnSpc>
-            </a:pPr>
-            <a:r>
-              <a:rPr lang="en-US" sz="1200" dirty="0"/>
-              <a:t>It is one of the early character-encoding standards</a:t>
-            </a:r>
-          </a:p>
-          <a:p>
-            <a:pPr marL="742950" lvl="1" indent="-342900">
-              <a:lnSpc>
-                <a:spcPct val="90000"/>
-              </a:lnSpc>
-            </a:pPr>
-            <a:r>
-              <a:rPr lang="en-US" sz="1200" dirty="0"/>
-              <a:t>Because computers were invented by English speaking world, all the characters used in English language are identified which include numbers, lower case letters, upper case letters and special characters. There are 128 such characters. </a:t>
-            </a:r>
-          </a:p>
-          <a:p>
-            <a:pPr marL="742950" lvl="1" indent="-342900">
-              <a:lnSpc>
-                <a:spcPct val="90000"/>
-              </a:lnSpc>
-            </a:pPr>
-            <a:r>
-              <a:rPr lang="en-US" sz="1200" dirty="0"/>
-              <a:t>Those 128 characters mapped to the numbers 0-127.</a:t>
-            </a:r>
-          </a:p>
-          <a:p>
-            <a:pPr marL="342900" lvl="0" indent="-342900">
-              <a:lnSpc>
-                <a:spcPct val="90000"/>
-              </a:lnSpc>
-              <a:buSzPct val="80000"/>
-            </a:pPr>
-            <a:r>
-              <a:rPr lang="en-US" sz="1200" dirty="0"/>
-              <a:t>Drawbacks of ASCII </a:t>
-            </a:r>
-          </a:p>
-          <a:p>
-            <a:pPr marL="742950" lvl="1" indent="-342900">
-              <a:lnSpc>
-                <a:spcPct val="90000"/>
-              </a:lnSpc>
-            </a:pPr>
-            <a:r>
-              <a:rPr lang="en-US" sz="1200" dirty="0"/>
-              <a:t>ASCII has only characters from English. </a:t>
-            </a:r>
-          </a:p>
-          <a:p>
-            <a:pPr marL="742950" lvl="1" indent="-342900">
-              <a:lnSpc>
-                <a:spcPct val="90000"/>
-              </a:lnSpc>
-            </a:pPr>
-            <a:r>
-              <a:rPr lang="en-US" sz="1200" dirty="0"/>
-              <a:t>But when Internet became popular, people with different languages using different character sets started communicating with each other, Issues of not identifying characters from different languages started arising.</a:t>
-            </a:r>
-          </a:p>
-          <a:p>
-            <a:pPr marL="342900" lvl="0" indent="-342900">
-              <a:lnSpc>
-                <a:spcPct val="90000"/>
-              </a:lnSpc>
-              <a:buSzPct val="80000"/>
-            </a:pPr>
-            <a:r>
-              <a:rPr lang="en-US" sz="1200" dirty="0"/>
-              <a:t>UNICODE	</a:t>
-            </a:r>
-          </a:p>
-          <a:p>
-            <a:pPr marL="742950" lvl="1" indent="-342900">
-              <a:lnSpc>
-                <a:spcPct val="90000"/>
-              </a:lnSpc>
-            </a:pPr>
-            <a:r>
-              <a:rPr lang="en-US" sz="1200" dirty="0"/>
-              <a:t>To solve the problem with ASCII, entered UNICODE consortium, where people from different countries speaking different languages came together and tried to standardize encoding by giving place to characters used in all languages using encoding schemes defined by Unicode.</a:t>
-            </a:r>
-          </a:p>
-          <a:p>
-            <a:pPr marL="742950" lvl="1" indent="-342900">
-              <a:lnSpc>
-                <a:spcPct val="90000"/>
-              </a:lnSpc>
-            </a:pPr>
-            <a:r>
-              <a:rPr lang="en-US" sz="1200" dirty="0"/>
-              <a:t>Unicode is super set of ASCII. It has all ASCII characters plus characters from all the languages</a:t>
-            </a:r>
-          </a:p>
-          <a:p>
-            <a:pPr marL="742950" lvl="1" indent="-342900">
-              <a:lnSpc>
-                <a:spcPct val="90000"/>
-              </a:lnSpc>
-            </a:pPr>
-            <a:r>
-              <a:rPr lang="en-US" sz="1200" dirty="0"/>
-              <a:t>There are many Unicode encoding schemes. Out of them UTF-32, UTF-16 and UTF-8 are famous.</a:t>
-            </a:r>
-          </a:p>
-          <a:p>
-            <a:pPr marL="742950" lvl="1" indent="-342900">
-              <a:lnSpc>
-                <a:spcPct val="90000"/>
-              </a:lnSpc>
-            </a:pPr>
-            <a:r>
-              <a:rPr lang="en-US" sz="1200" dirty="0"/>
-              <a:t>Out of these three, UTF-8 encoding scheme stands out for various good reasons.</a:t>
-            </a:r>
-          </a:p>
-          <a:p>
-            <a:pPr marL="742950" marR="0" lvl="1" indent="-285750" algn="l" rtl="0">
-              <a:lnSpc>
-                <a:spcPct val="80000"/>
-              </a:lnSpc>
-              <a:spcBef>
-                <a:spcPts val="1000"/>
-              </a:spcBef>
-              <a:spcAft>
-                <a:spcPts val="0"/>
-              </a:spcAft>
-              <a:buClr>
-                <a:schemeClr val="accent1"/>
-              </a:buClr>
-              <a:buSzPct val="79692"/>
-              <a:buFont typeface="Noto Sans Symbols"/>
-              <a:buNone/>
-            </a:pPr>
-            <a:endParaRPr sz="1295" b="0" i="0" u="none" strike="noStrike" cap="none" dirty="0">
-              <a:solidFill>
-                <a:srgbClr val="3F3F3F"/>
-              </a:solidFill>
-              <a:latin typeface="Trebuchet MS"/>
-              <a:ea typeface="Trebuchet MS"/>
-              <a:cs typeface="Trebuchet MS"/>
-              <a:sym typeface="Trebuchet MS"/>
-            </a:endParaRPr>
-          </a:p>
-          <a:p>
-            <a:pPr marL="742950" marR="0" lvl="1" indent="-285750" algn="l" rtl="0">
-              <a:lnSpc>
-                <a:spcPct val="80000"/>
-              </a:lnSpc>
-              <a:spcBef>
-                <a:spcPts val="1000"/>
-              </a:spcBef>
-              <a:spcAft>
-                <a:spcPts val="0"/>
-              </a:spcAft>
-              <a:buClr>
-                <a:schemeClr val="accent1"/>
-              </a:buClr>
-              <a:buSzPct val="79692"/>
-              <a:buFont typeface="Noto Sans Symbols"/>
-              <a:buNone/>
-            </a:pPr>
-            <a:endParaRPr sz="1295" b="0" i="0" u="none" strike="noStrike" cap="none" dirty="0">
-              <a:solidFill>
-                <a:srgbClr val="3F3F3F"/>
-              </a:solidFill>
-              <a:latin typeface="Trebuchet MS"/>
-              <a:ea typeface="Trebuchet MS"/>
-              <a:cs typeface="Trebuchet MS"/>
-              <a:sym typeface="Trebuchet MS"/>
-            </a:endParaRPr>
-          </a:p>
-        </p:txBody>
-      </p:sp>
-    </p:spTree>
-  </p:cSld>
-  <p:clrMapOvr>
-    <a:masterClrMapping/>
-  </p:clrMapOvr>
-</p:sld>
-</file>
-
-<file path=ppt/slides/slide41.xml><?xml version="1.0" encoding="utf-8"?>
-<p:sld xmlns:a="http://schemas.openxmlformats.org/drawingml/2006/main" xmlns:r="http://schemas.openxmlformats.org/officeDocument/2006/relationships" xmlns:p="http://schemas.openxmlformats.org/presentationml/2006/main">
-  <p:cSld>
-    <p:spTree>
-      <p:nvGrpSpPr>
-        <p:cNvPr id="1" name="Shape 463"/>
-        <p:cNvGrpSpPr/>
-        <p:nvPr/>
-      </p:nvGrpSpPr>
-      <p:grpSpPr>
-        <a:xfrm>
-          <a:off x="0" y="0"/>
-          <a:ext cx="0" cy="0"/>
-          <a:chOff x="0" y="0"/>
-          <a:chExt cx="0" cy="0"/>
-        </a:xfrm>
-      </p:grpSpPr>
-      <p:sp>
-        <p:nvSpPr>
-          <p:cNvPr id="464" name="Shape 464"/>
-          <p:cNvSpPr txBox="1">
-            <a:spLocks noGrp="1"/>
-          </p:cNvSpPr>
-          <p:nvPr>
-            <p:ph type="title"/>
-          </p:nvPr>
-        </p:nvSpPr>
-        <p:spPr>
-          <a:xfrm>
-            <a:off x="677333" y="197154"/>
-            <a:ext cx="8596668" cy="478706"/>
-          </a:xfrm>
-          <a:prstGeom prst="rect">
-            <a:avLst/>
-          </a:prstGeom>
-          <a:noFill/>
-          <a:ln>
-            <a:noFill/>
-          </a:ln>
-        </p:spPr>
-        <p:txBody>
-          <a:bodyPr lIns="91425" tIns="45700" rIns="91425" bIns="45700" anchor="t" anchorCtr="0">
-            <a:noAutofit/>
-          </a:bodyPr>
-          <a:lstStyle/>
-          <a:p>
-            <a:pPr marL="0" marR="0" lvl="0" indent="0" algn="l" rtl="0">
-              <a:spcBef>
-                <a:spcPts val="0"/>
-              </a:spcBef>
-              <a:buClr>
-                <a:schemeClr val="accent1"/>
-              </a:buClr>
-              <a:buSzPct val="25000"/>
-              <a:buFont typeface="Trebuchet MS"/>
-              <a:buNone/>
-            </a:pPr>
-            <a:r>
-              <a:rPr lang="en-US" sz="3240" b="0" i="0" u="none" strike="noStrike" cap="none">
-                <a:solidFill>
-                  <a:schemeClr val="accent1"/>
-                </a:solidFill>
-                <a:latin typeface="Trebuchet MS"/>
-                <a:ea typeface="Trebuchet MS"/>
-                <a:cs typeface="Trebuchet MS"/>
-                <a:sym typeface="Trebuchet MS"/>
-              </a:rPr>
-              <a:t>Java IO</a:t>
-            </a:r>
-          </a:p>
-        </p:txBody>
-      </p:sp>
-      <p:sp>
-        <p:nvSpPr>
-          <p:cNvPr id="465" name="Shape 465"/>
-          <p:cNvSpPr txBox="1">
-            <a:spLocks noGrp="1"/>
-          </p:cNvSpPr>
-          <p:nvPr>
-            <p:ph type="body" idx="1"/>
-          </p:nvPr>
-        </p:nvSpPr>
-        <p:spPr>
-          <a:xfrm>
-            <a:off x="677333" y="848138"/>
-            <a:ext cx="8596668" cy="5193224"/>
-          </a:xfrm>
-          <a:prstGeom prst="rect">
-            <a:avLst/>
-          </a:prstGeom>
-          <a:noFill/>
-          <a:ln>
-            <a:noFill/>
-          </a:ln>
-        </p:spPr>
-        <p:txBody>
-          <a:bodyPr lIns="91425" tIns="45700" rIns="91425" bIns="45700" anchor="t" anchorCtr="0">
-            <a:noAutofit/>
-          </a:bodyPr>
-          <a:lstStyle/>
-          <a:p>
-            <a:pPr indent="-342900">
-              <a:lnSpc>
-                <a:spcPct val="90000"/>
-              </a:lnSpc>
-              <a:buSzPct val="80000"/>
-            </a:pPr>
-            <a:r>
-              <a:rPr lang="en-US" sz="1200" dirty="0"/>
-              <a:t>ASCII encoding:</a:t>
-            </a:r>
-          </a:p>
-          <a:p>
-            <a:pPr marL="342900" marR="0" lvl="0" indent="-342900" algn="l" rtl="0">
-              <a:spcBef>
-                <a:spcPts val="1000"/>
-              </a:spcBef>
-              <a:spcAft>
-                <a:spcPts val="0"/>
-              </a:spcAft>
-              <a:buClr>
-                <a:schemeClr val="accent1"/>
-              </a:buClr>
-              <a:buSzPct val="79999"/>
-              <a:buFont typeface="Noto Sans Symbols"/>
-              <a:buNone/>
-            </a:pPr>
-            <a:endParaRPr sz="1800" b="0" i="0" u="none" strike="noStrike" cap="none" dirty="0">
-              <a:solidFill>
-                <a:srgbClr val="3F3F3F"/>
-              </a:solidFill>
-              <a:latin typeface="Trebuchet MS"/>
-              <a:ea typeface="Trebuchet MS"/>
-              <a:cs typeface="Trebuchet MS"/>
-              <a:sym typeface="Trebuchet MS"/>
-            </a:endParaRPr>
-          </a:p>
-        </p:txBody>
-      </p:sp>
-      <p:pic>
-        <p:nvPicPr>
-          <p:cNvPr id="466" name="Shape 466"/>
-          <p:cNvPicPr preferRelativeResize="0"/>
-          <p:nvPr/>
-        </p:nvPicPr>
-        <p:blipFill rotWithShape="1">
-          <a:blip r:embed="rId3">
-            <a:alphaModFix/>
-          </a:blip>
-          <a:srcRect/>
-          <a:stretch/>
-        </p:blipFill>
-        <p:spPr>
-          <a:xfrm>
-            <a:off x="1446475" y="1377494"/>
-            <a:ext cx="7311844" cy="4836146"/>
-          </a:xfrm>
-          <a:prstGeom prst="rect">
-            <a:avLst/>
-          </a:prstGeom>
-          <a:noFill/>
-          <a:ln>
-            <a:noFill/>
-          </a:ln>
-        </p:spPr>
-      </p:pic>
-    </p:spTree>
-  </p:cSld>
-  <p:clrMapOvr>
-    <a:masterClrMapping/>
-  </p:clrMapOvr>
-</p:sld>
-</file>
-
-<file path=ppt/slides/slide42.xml><?xml version="1.0" encoding="utf-8"?>
-<p:sld xmlns:a="http://schemas.openxmlformats.org/drawingml/2006/main" xmlns:r="http://schemas.openxmlformats.org/officeDocument/2006/relationships" xmlns:p="http://schemas.openxmlformats.org/presentationml/2006/main">
-  <p:cSld>
-    <p:spTree>
-      <p:nvGrpSpPr>
         <p:cNvPr id="1" name="Shape 470"/>
         <p:cNvGrpSpPr/>
         <p:nvPr/>
@@ -35348,7 +34627,7 @@
 </p:sld>
 </file>
 
-<file path=ppt/slides/slide43.xml><?xml version="1.0" encoding="utf-8"?>
+<file path=ppt/slides/slide41.xml><?xml version="1.0" encoding="utf-8"?>
 <p:sld xmlns:a="http://schemas.openxmlformats.org/drawingml/2006/main" xmlns:r="http://schemas.openxmlformats.org/officeDocument/2006/relationships" xmlns:p="http://schemas.openxmlformats.org/presentationml/2006/main">
   <p:cSld>
     <p:spTree>
@@ -35718,7 +34997,7 @@
 </p:sld>
 </file>
 
-<file path=ppt/slides/slide44.xml><?xml version="1.0" encoding="utf-8"?>
+<file path=ppt/slides/slide42.xml><?xml version="1.0" encoding="utf-8"?>
 <p:sld xmlns:a="http://schemas.openxmlformats.org/drawingml/2006/main" xmlns:r="http://schemas.openxmlformats.org/officeDocument/2006/relationships" xmlns:p="http://schemas.openxmlformats.org/presentationml/2006/main">
   <p:cSld>
     <p:spTree>
@@ -35838,7 +35117,15 @@
             </a:pPr>
             <a:r>
               <a:rPr lang="en-US" sz="1200" dirty="0"/>
-              <a:t>	Character based - Input</a:t>
+              <a:t>	</a:t>
+            </a:r>
+            <a:r>
+              <a:rPr lang="en-US" sz="1200" b="1" dirty="0">
+                <a:highlight>
+                  <a:srgbClr val="FFFF00"/>
+                </a:highlight>
+              </a:rPr>
+              <a:t>Character based - Input</a:t>
             </a:r>
           </a:p>
           <a:p>
@@ -35848,7 +35135,11 @@
               </a:lnSpc>
             </a:pPr>
             <a:r>
-              <a:rPr lang="en-US" sz="1200" dirty="0"/>
+              <a:rPr lang="en-US" sz="1200" b="1" dirty="0">
+                <a:highlight>
+                  <a:srgbClr val="FFFF00"/>
+                </a:highlight>
+              </a:rPr>
               <a:t>	Character based - output</a:t>
             </a:r>
           </a:p>
@@ -35973,15 +35264,27 @@
               </a:lnSpc>
             </a:pPr>
             <a:r>
-              <a:rPr lang="en-US" sz="1200" dirty="0"/>
+              <a:rPr lang="en-US" sz="1200" dirty="0">
+                <a:highlight>
+                  <a:srgbClr val="FFFF00"/>
+                </a:highlight>
+              </a:rPr>
               <a:t>Character Based – Output 	 =&gt;	</a:t>
             </a:r>
             <a:r>
-              <a:rPr lang="en-US" sz="1200" dirty="0" err="1"/>
+              <a:rPr lang="en-US" sz="1200" dirty="0" err="1">
+                <a:highlight>
+                  <a:srgbClr val="FFFF00"/>
+                </a:highlight>
+              </a:rPr>
               <a:t>PrintWriter</a:t>
             </a:r>
             <a:r>
-              <a:rPr lang="en-US" sz="1200" dirty="0"/>
+              <a:rPr lang="en-US" sz="1200" dirty="0">
+                <a:highlight>
+                  <a:srgbClr val="FFFF00"/>
+                </a:highlight>
+              </a:rPr>
               <a:t>	</a:t>
             </a:r>
           </a:p>
@@ -35992,11 +35295,19 @@
               </a:lnSpc>
             </a:pPr>
             <a:r>
-              <a:rPr lang="en-US" sz="1200" dirty="0"/>
+              <a:rPr lang="en-US" sz="1200" dirty="0">
+                <a:highlight>
+                  <a:srgbClr val="FFFF00"/>
+                </a:highlight>
+              </a:rPr>
               <a:t>Character Based – Input	 =&gt; 	</a:t>
             </a:r>
             <a:r>
-              <a:rPr lang="en-US" sz="1200" dirty="0" err="1"/>
+              <a:rPr lang="en-US" sz="1200" dirty="0" err="1">
+                <a:highlight>
+                  <a:srgbClr val="FFFF00"/>
+                </a:highlight>
+              </a:rPr>
               <a:t>BufferedReader</a:t>
             </a:r>
             <a:r>
@@ -36144,7 +35455,7 @@
 </p:sld>
 </file>
 
-<file path=ppt/slides/slide45.xml><?xml version="1.0" encoding="utf-8"?>
+<file path=ppt/slides/slide43.xml><?xml version="1.0" encoding="utf-8"?>
 <p:sld xmlns:a="http://schemas.openxmlformats.org/drawingml/2006/main" xmlns:r="http://schemas.openxmlformats.org/officeDocument/2006/relationships" xmlns:p="http://schemas.openxmlformats.org/presentationml/2006/main">
   <p:cSld>
     <p:spTree>
@@ -36450,7 +35761,7 @@
 </p:sld>
 </file>
 
-<file path=ppt/slides/slide46.xml><?xml version="1.0" encoding="utf-8"?>
+<file path=ppt/slides/slide44.xml><?xml version="1.0" encoding="utf-8"?>
 <p:sld xmlns:a="http://schemas.openxmlformats.org/drawingml/2006/main" xmlns:r="http://schemas.openxmlformats.org/officeDocument/2006/relationships" xmlns:p="http://schemas.openxmlformats.org/presentationml/2006/main">
   <p:cSld>
     <p:spTree>
@@ -36723,7 +36034,7 @@
 </p:sld>
 </file>
 
-<file path=ppt/slides/slide47.xml><?xml version="1.0" encoding="utf-8"?>
+<file path=ppt/slides/slide45.xml><?xml version="1.0" encoding="utf-8"?>
 <p:sld xmlns:a="http://schemas.openxmlformats.org/drawingml/2006/main" xmlns:r="http://schemas.openxmlformats.org/officeDocument/2006/relationships" xmlns:p="http://schemas.openxmlformats.org/presentationml/2006/main">
   <p:cSld>
     <p:bg>
@@ -37005,7 +36316,7 @@
 </p:sld>
 </file>
 
-<file path=ppt/slides/slide48.xml><?xml version="1.0" encoding="utf-8"?>
+<file path=ppt/slides/slide46.xml><?xml version="1.0" encoding="utf-8"?>
 <p:sld xmlns:a="http://schemas.openxmlformats.org/drawingml/2006/main" xmlns:r="http://schemas.openxmlformats.org/officeDocument/2006/relationships" xmlns:p="http://schemas.openxmlformats.org/presentationml/2006/main">
   <p:cSld>
     <p:spTree>
@@ -37236,7 +36547,7 @@
 </p:sld>
 </file>
 
-<file path=ppt/slides/slide49.xml><?xml version="1.0" encoding="utf-8"?>
+<file path=ppt/slides/slide47.xml><?xml version="1.0" encoding="utf-8"?>
 <p:sld xmlns:a="http://schemas.openxmlformats.org/drawingml/2006/main" xmlns:r="http://schemas.openxmlformats.org/officeDocument/2006/relationships" xmlns:p="http://schemas.openxmlformats.org/presentationml/2006/main">
   <p:cSld>
     <p:spTree>
@@ -37583,6 +36894,691 @@
               <a:cs typeface="Trebuchet MS"/>
               <a:sym typeface="Trebuchet MS"/>
             </a:endParaRPr>
+          </a:p>
+        </p:txBody>
+      </p:sp>
+    </p:spTree>
+  </p:cSld>
+  <p:clrMapOvr>
+    <a:masterClrMapping/>
+  </p:clrMapOvr>
+</p:sld>
+</file>
+
+<file path=ppt/slides/slide48.xml><?xml version="1.0" encoding="utf-8"?>
+<p:sld xmlns:a="http://schemas.openxmlformats.org/drawingml/2006/main" xmlns:r="http://schemas.openxmlformats.org/officeDocument/2006/relationships" xmlns:p="http://schemas.openxmlformats.org/presentationml/2006/main">
+  <p:cSld>
+    <p:spTree>
+      <p:nvGrpSpPr>
+        <p:cNvPr id="1" name="Shape 518"/>
+        <p:cNvGrpSpPr/>
+        <p:nvPr/>
+      </p:nvGrpSpPr>
+      <p:grpSpPr>
+        <a:xfrm>
+          <a:off x="0" y="0"/>
+          <a:ext cx="0" cy="0"/>
+          <a:chOff x="0" y="0"/>
+          <a:chExt cx="0" cy="0"/>
+        </a:xfrm>
+      </p:grpSpPr>
+      <p:sp>
+        <p:nvSpPr>
+          <p:cNvPr id="519" name="Shape 519"/>
+          <p:cNvSpPr txBox="1">
+            <a:spLocks noGrp="1"/>
+          </p:cNvSpPr>
+          <p:nvPr>
+            <p:ph type="title"/>
+          </p:nvPr>
+        </p:nvSpPr>
+        <p:spPr>
+          <a:xfrm>
+            <a:off x="715433" y="241300"/>
+            <a:ext cx="8596668" cy="406399"/>
+          </a:xfrm>
+          <a:prstGeom prst="rect">
+            <a:avLst/>
+          </a:prstGeom>
+          <a:noFill/>
+          <a:ln>
+            <a:noFill/>
+          </a:ln>
+        </p:spPr>
+        <p:txBody>
+          <a:bodyPr lIns="91425" tIns="45700" rIns="91425" bIns="45700" anchor="t" anchorCtr="0">
+            <a:noAutofit/>
+          </a:bodyPr>
+          <a:lstStyle/>
+          <a:p>
+            <a:pPr marL="0" marR="0" lvl="0" indent="0" algn="l" rtl="0">
+              <a:spcBef>
+                <a:spcPts val="0"/>
+              </a:spcBef>
+              <a:buClr>
+                <a:schemeClr val="accent1"/>
+              </a:buClr>
+              <a:buSzPct val="25000"/>
+              <a:buFont typeface="Trebuchet MS"/>
+              <a:buNone/>
+            </a:pPr>
+            <a:r>
+              <a:rPr lang="en-US" sz="1400" b="0" i="0" u="none" strike="noStrike" cap="none" dirty="0" err="1">
+                <a:solidFill>
+                  <a:schemeClr val="accent1"/>
+                </a:solidFill>
+                <a:latin typeface="Trebuchet MS"/>
+                <a:ea typeface="Trebuchet MS"/>
+                <a:cs typeface="Trebuchet MS"/>
+                <a:sym typeface="Trebuchet MS"/>
+              </a:rPr>
+              <a:t>Java:Dealing</a:t>
+            </a:r>
+            <a:r>
+              <a:rPr lang="en-US" sz="1400" b="0" i="0" u="none" strike="noStrike" cap="none" dirty="0">
+                <a:solidFill>
+                  <a:schemeClr val="accent1"/>
+                </a:solidFill>
+                <a:latin typeface="Trebuchet MS"/>
+                <a:ea typeface="Trebuchet MS"/>
+                <a:cs typeface="Trebuchet MS"/>
+                <a:sym typeface="Trebuchet MS"/>
+              </a:rPr>
+              <a:t> with Excel file using Apache POI</a:t>
+            </a:r>
+          </a:p>
+        </p:txBody>
+      </p:sp>
+      <p:sp>
+        <p:nvSpPr>
+          <p:cNvPr id="520" name="Shape 520"/>
+          <p:cNvSpPr txBox="1">
+            <a:spLocks noGrp="1"/>
+          </p:cNvSpPr>
+          <p:nvPr>
+            <p:ph type="body" idx="1"/>
+          </p:nvPr>
+        </p:nvSpPr>
+        <p:spPr>
+          <a:xfrm>
+            <a:off x="677333" y="749300"/>
+            <a:ext cx="8596668" cy="5816599"/>
+          </a:xfrm>
+          <a:prstGeom prst="rect">
+            <a:avLst/>
+          </a:prstGeom>
+          <a:noFill/>
+          <a:ln>
+            <a:noFill/>
+          </a:ln>
+        </p:spPr>
+        <p:txBody>
+          <a:bodyPr lIns="91425" tIns="45700" rIns="91425" bIns="45700" anchor="t" anchorCtr="0">
+            <a:noAutofit/>
+          </a:bodyPr>
+          <a:lstStyle/>
+          <a:p>
+            <a:pPr marL="342900" lvl="0" indent="-342900">
+              <a:lnSpc>
+                <a:spcPct val="90000"/>
+              </a:lnSpc>
+              <a:buSzPct val="80000"/>
+            </a:pPr>
+            <a:r>
+              <a:rPr lang="en-US" sz="1200" dirty="0"/>
+              <a:t>Sheet	</a:t>
+            </a:r>
+          </a:p>
+          <a:p>
+            <a:pPr marL="742950" lvl="1" indent="-342900">
+              <a:lnSpc>
+                <a:spcPct val="90000"/>
+              </a:lnSpc>
+            </a:pPr>
+            <a:r>
+              <a:rPr lang="en-US" sz="1200" dirty="0"/>
+              <a:t>Class : </a:t>
+            </a:r>
+            <a:r>
+              <a:rPr lang="en-US" sz="1200" dirty="0" err="1"/>
+              <a:t>XSSFSheet</a:t>
+            </a:r>
+            <a:endParaRPr lang="en-US" sz="1200" dirty="0"/>
+          </a:p>
+          <a:p>
+            <a:pPr marL="742950" lvl="1" indent="-342900">
+              <a:lnSpc>
+                <a:spcPct val="90000"/>
+              </a:lnSpc>
+            </a:pPr>
+            <a:r>
+              <a:rPr lang="en-US" sz="1200" dirty="0" err="1"/>
+              <a:t>createSheet</a:t>
+            </a:r>
+            <a:r>
+              <a:rPr lang="en-US" sz="1200" dirty="0"/>
+              <a:t>(String </a:t>
+            </a:r>
+            <a:r>
+              <a:rPr lang="en-US" sz="1200" dirty="0" err="1"/>
+              <a:t>sheetName</a:t>
+            </a:r>
+            <a:r>
+              <a:rPr lang="en-US" sz="1200" dirty="0"/>
+              <a:t>) </a:t>
+            </a:r>
+          </a:p>
+          <a:p>
+            <a:pPr marL="1143000" lvl="2" indent="-342900">
+              <a:lnSpc>
+                <a:spcPct val="90000"/>
+              </a:lnSpc>
+            </a:pPr>
+            <a:r>
+              <a:rPr lang="en-US" sz="1200" dirty="0"/>
+              <a:t>This method creates a sheet with given sheet name</a:t>
+            </a:r>
+          </a:p>
+          <a:p>
+            <a:pPr marL="742950" lvl="1" indent="-342900">
+              <a:lnSpc>
+                <a:spcPct val="90000"/>
+              </a:lnSpc>
+            </a:pPr>
+            <a:r>
+              <a:rPr lang="en-US" sz="1200" dirty="0" err="1"/>
+              <a:t>createSheet</a:t>
+            </a:r>
+            <a:r>
+              <a:rPr lang="en-US" sz="1200" dirty="0"/>
+              <a:t>()	</a:t>
+            </a:r>
+          </a:p>
+          <a:p>
+            <a:pPr marL="1143000" lvl="2" indent="-342900">
+              <a:lnSpc>
+                <a:spcPct val="90000"/>
+              </a:lnSpc>
+            </a:pPr>
+            <a:r>
+              <a:rPr lang="en-US" sz="1200" dirty="0"/>
+              <a:t>This method creates a sheet with name (“</a:t>
+            </a:r>
+            <a:r>
+              <a:rPr lang="en-US" sz="1200" dirty="0" err="1"/>
+              <a:t>Sheet”+index</a:t>
+            </a:r>
+            <a:r>
+              <a:rPr lang="en-US" sz="1200" dirty="0"/>
+              <a:t>) </a:t>
+            </a:r>
+          </a:p>
+          <a:p>
+            <a:pPr marL="742950" lvl="1" indent="-342900">
+              <a:lnSpc>
+                <a:spcPct val="90000"/>
+              </a:lnSpc>
+            </a:pPr>
+            <a:r>
+              <a:rPr lang="en-US" sz="1200" dirty="0" err="1"/>
+              <a:t>getSheet</a:t>
+            </a:r>
+            <a:r>
+              <a:rPr lang="en-US" sz="1200" dirty="0"/>
+              <a:t>(String </a:t>
+            </a:r>
+            <a:r>
+              <a:rPr lang="en-US" sz="1200" dirty="0" err="1"/>
+              <a:t>sheetName</a:t>
+            </a:r>
+            <a:r>
+              <a:rPr lang="en-US" sz="1200" dirty="0"/>
+              <a:t>)	</a:t>
+            </a:r>
+          </a:p>
+          <a:p>
+            <a:pPr marL="1143000" lvl="2" indent="-342900">
+              <a:lnSpc>
+                <a:spcPct val="90000"/>
+              </a:lnSpc>
+            </a:pPr>
+            <a:r>
+              <a:rPr lang="en-US" sz="1200" dirty="0"/>
+              <a:t>Returns sheet object with given sheet name</a:t>
+            </a:r>
+          </a:p>
+          <a:p>
+            <a:pPr marL="742950" lvl="1" indent="-342900">
+              <a:lnSpc>
+                <a:spcPct val="90000"/>
+              </a:lnSpc>
+            </a:pPr>
+            <a:r>
+              <a:rPr lang="en-US" sz="1200" dirty="0" err="1"/>
+              <a:t>getSheetAt</a:t>
+            </a:r>
+            <a:r>
+              <a:rPr lang="en-US" sz="1200" dirty="0"/>
+              <a:t>(</a:t>
+            </a:r>
+            <a:r>
+              <a:rPr lang="en-US" sz="1200" dirty="0" err="1"/>
+              <a:t>int</a:t>
+            </a:r>
+            <a:r>
+              <a:rPr lang="en-US" sz="1200" dirty="0"/>
+              <a:t> </a:t>
+            </a:r>
+            <a:r>
+              <a:rPr lang="en-US" sz="1200" dirty="0" err="1"/>
+              <a:t>sheetIndex</a:t>
+            </a:r>
+            <a:r>
+              <a:rPr lang="en-US" sz="1200" dirty="0"/>
+              <a:t>)	</a:t>
+            </a:r>
+          </a:p>
+          <a:p>
+            <a:pPr marL="1143000" lvl="2" indent="-342900">
+              <a:lnSpc>
+                <a:spcPct val="90000"/>
+              </a:lnSpc>
+            </a:pPr>
+            <a:r>
+              <a:rPr lang="en-US" sz="1200" dirty="0"/>
+              <a:t>Returns sheet object with given sheet index(index starts with 0)</a:t>
+            </a:r>
+          </a:p>
+          <a:p>
+            <a:pPr marL="342900" lvl="0" indent="-342900">
+              <a:lnSpc>
+                <a:spcPct val="90000"/>
+              </a:lnSpc>
+              <a:buSzPct val="80000"/>
+            </a:pPr>
+            <a:r>
+              <a:rPr lang="en-US" sz="1200" dirty="0"/>
+              <a:t>Row	</a:t>
+            </a:r>
+          </a:p>
+          <a:p>
+            <a:pPr marL="742950" lvl="1" indent="-342900">
+              <a:lnSpc>
+                <a:spcPct val="90000"/>
+              </a:lnSpc>
+            </a:pPr>
+            <a:r>
+              <a:rPr lang="en-US" sz="1200" dirty="0" err="1"/>
+              <a:t>createRow</a:t>
+            </a:r>
+            <a:r>
+              <a:rPr lang="en-US" sz="1200" dirty="0"/>
+              <a:t>(</a:t>
+            </a:r>
+            <a:r>
+              <a:rPr lang="en-US" sz="1200" dirty="0" err="1"/>
+              <a:t>int</a:t>
+            </a:r>
+            <a:r>
+              <a:rPr lang="en-US" sz="1200" dirty="0"/>
+              <a:t> </a:t>
+            </a:r>
+            <a:r>
+              <a:rPr lang="en-US" sz="1200" dirty="0" err="1"/>
+              <a:t>rowNumber</a:t>
+            </a:r>
+            <a:r>
+              <a:rPr lang="en-US" sz="1200" dirty="0"/>
+              <a:t>)	</a:t>
+            </a:r>
+          </a:p>
+          <a:p>
+            <a:pPr marL="1143000" lvl="2" indent="-342900">
+              <a:lnSpc>
+                <a:spcPct val="90000"/>
+              </a:lnSpc>
+            </a:pPr>
+            <a:r>
+              <a:rPr lang="en-US" sz="1200" dirty="0"/>
+              <a:t>Creates a row whose row number is </a:t>
+            </a:r>
+            <a:r>
+              <a:rPr lang="en-US" sz="1200" dirty="0" err="1"/>
+              <a:t>rowNumber</a:t>
+            </a:r>
+            <a:endParaRPr lang="en-US" sz="1200" dirty="0"/>
+          </a:p>
+          <a:p>
+            <a:pPr marL="742950" lvl="1" indent="-342900">
+              <a:lnSpc>
+                <a:spcPct val="90000"/>
+              </a:lnSpc>
+            </a:pPr>
+            <a:r>
+              <a:rPr lang="en-US" sz="1200" dirty="0" err="1"/>
+              <a:t>getRow</a:t>
+            </a:r>
+            <a:r>
+              <a:rPr lang="en-US" sz="1200" dirty="0"/>
+              <a:t>(</a:t>
+            </a:r>
+            <a:r>
+              <a:rPr lang="en-US" sz="1200" dirty="0" err="1"/>
+              <a:t>int</a:t>
+            </a:r>
+            <a:r>
+              <a:rPr lang="en-US" sz="1200" dirty="0"/>
+              <a:t> </a:t>
+            </a:r>
+            <a:r>
+              <a:rPr lang="en-US" sz="1200" dirty="0" err="1"/>
+              <a:t>rowNumber</a:t>
+            </a:r>
+            <a:r>
+              <a:rPr lang="en-US" sz="1200" dirty="0"/>
+              <a:t>)	</a:t>
+            </a:r>
+          </a:p>
+          <a:p>
+            <a:pPr marL="1143000" lvl="2" indent="-342900">
+              <a:lnSpc>
+                <a:spcPct val="90000"/>
+              </a:lnSpc>
+            </a:pPr>
+            <a:r>
+              <a:rPr lang="en-US" sz="1200" dirty="0"/>
+              <a:t>For reading a row</a:t>
+            </a:r>
+          </a:p>
+          <a:p>
+            <a:pPr marL="1143000" lvl="2" indent="-342900">
+              <a:lnSpc>
+                <a:spcPct val="90000"/>
+              </a:lnSpc>
+            </a:pPr>
+            <a:r>
+              <a:rPr lang="en-US" sz="1200" dirty="0"/>
+              <a:t>Returns row object with given row number</a:t>
+            </a:r>
+          </a:p>
+          <a:p>
+            <a:pPr marL="1143000" marR="0" lvl="2" indent="-228600" algn="l" rtl="0">
+              <a:spcBef>
+                <a:spcPts val="1000"/>
+              </a:spcBef>
+              <a:spcAft>
+                <a:spcPts val="0"/>
+              </a:spcAft>
+              <a:buClr>
+                <a:schemeClr val="accent1"/>
+              </a:buClr>
+              <a:buSzPct val="80000"/>
+              <a:buFont typeface="Noto Sans Symbols"/>
+              <a:buNone/>
+            </a:pPr>
+            <a:endParaRPr sz="1200" b="0" i="0" u="none" strike="noStrike" cap="none" dirty="0">
+              <a:solidFill>
+                <a:srgbClr val="3F3F3F"/>
+              </a:solidFill>
+              <a:latin typeface="Trebuchet MS"/>
+              <a:ea typeface="Trebuchet MS"/>
+              <a:cs typeface="Trebuchet MS"/>
+              <a:sym typeface="Trebuchet MS"/>
+            </a:endParaRPr>
+          </a:p>
+        </p:txBody>
+      </p:sp>
+    </p:spTree>
+  </p:cSld>
+  <p:clrMapOvr>
+    <a:masterClrMapping/>
+  </p:clrMapOvr>
+</p:sld>
+</file>
+
+<file path=ppt/slides/slide49.xml><?xml version="1.0" encoding="utf-8"?>
+<p:sld xmlns:a="http://schemas.openxmlformats.org/drawingml/2006/main" xmlns:r="http://schemas.openxmlformats.org/officeDocument/2006/relationships" xmlns:p="http://schemas.openxmlformats.org/presentationml/2006/main">
+  <p:cSld>
+    <p:spTree>
+      <p:nvGrpSpPr>
+        <p:cNvPr id="1" name="Shape 524"/>
+        <p:cNvGrpSpPr/>
+        <p:nvPr/>
+      </p:nvGrpSpPr>
+      <p:grpSpPr>
+        <a:xfrm>
+          <a:off x="0" y="0"/>
+          <a:ext cx="0" cy="0"/>
+          <a:chOff x="0" y="0"/>
+          <a:chExt cx="0" cy="0"/>
+        </a:xfrm>
+      </p:grpSpPr>
+      <p:sp>
+        <p:nvSpPr>
+          <p:cNvPr id="525" name="Shape 525"/>
+          <p:cNvSpPr txBox="1">
+            <a:spLocks noGrp="1"/>
+          </p:cNvSpPr>
+          <p:nvPr>
+            <p:ph type="title"/>
+          </p:nvPr>
+        </p:nvSpPr>
+        <p:spPr>
+          <a:xfrm>
+            <a:off x="664633" y="266700"/>
+            <a:ext cx="8596668" cy="431799"/>
+          </a:xfrm>
+          <a:prstGeom prst="rect">
+            <a:avLst/>
+          </a:prstGeom>
+          <a:noFill/>
+          <a:ln>
+            <a:noFill/>
+          </a:ln>
+        </p:spPr>
+        <p:txBody>
+          <a:bodyPr lIns="91425" tIns="45700" rIns="91425" bIns="45700" anchor="t" anchorCtr="0">
+            <a:noAutofit/>
+          </a:bodyPr>
+          <a:lstStyle/>
+          <a:p>
+            <a:pPr marL="0" marR="0" lvl="0" indent="0" algn="l" rtl="0">
+              <a:spcBef>
+                <a:spcPts val="0"/>
+              </a:spcBef>
+              <a:buClr>
+                <a:schemeClr val="accent1"/>
+              </a:buClr>
+              <a:buSzPct val="25000"/>
+              <a:buFont typeface="Trebuchet MS"/>
+              <a:buNone/>
+            </a:pPr>
+            <a:r>
+              <a:rPr lang="en-US" sz="2000" b="0" i="0" u="none" strike="noStrike" cap="none">
+                <a:solidFill>
+                  <a:schemeClr val="accent1"/>
+                </a:solidFill>
+                <a:latin typeface="Trebuchet MS"/>
+                <a:ea typeface="Trebuchet MS"/>
+                <a:cs typeface="Trebuchet MS"/>
+                <a:sym typeface="Trebuchet MS"/>
+              </a:rPr>
+              <a:t>Java : Dealing with Excel file using Apache POI</a:t>
+            </a:r>
+          </a:p>
+        </p:txBody>
+      </p:sp>
+      <p:sp>
+        <p:nvSpPr>
+          <p:cNvPr id="526" name="Shape 526"/>
+          <p:cNvSpPr txBox="1">
+            <a:spLocks noGrp="1"/>
+          </p:cNvSpPr>
+          <p:nvPr>
+            <p:ph type="body" idx="1"/>
+          </p:nvPr>
+        </p:nvSpPr>
+        <p:spPr>
+          <a:xfrm>
+            <a:off x="677333" y="673100"/>
+            <a:ext cx="8596668" cy="5368262"/>
+          </a:xfrm>
+          <a:prstGeom prst="rect">
+            <a:avLst/>
+          </a:prstGeom>
+          <a:noFill/>
+          <a:ln>
+            <a:noFill/>
+          </a:ln>
+        </p:spPr>
+        <p:txBody>
+          <a:bodyPr lIns="91425" tIns="45700" rIns="91425" bIns="45700" anchor="t" anchorCtr="0">
+            <a:noAutofit/>
+          </a:bodyPr>
+          <a:lstStyle/>
+          <a:p>
+            <a:pPr marL="342900" lvl="0" indent="-342900">
+              <a:lnSpc>
+                <a:spcPct val="90000"/>
+              </a:lnSpc>
+              <a:buSzPct val="80000"/>
+            </a:pPr>
+            <a:r>
+              <a:rPr lang="en-US" sz="1200" dirty="0"/>
+              <a:t>Cell	</a:t>
+            </a:r>
+          </a:p>
+          <a:p>
+            <a:pPr marL="742950" lvl="1" indent="-342900">
+              <a:lnSpc>
+                <a:spcPct val="90000"/>
+              </a:lnSpc>
+            </a:pPr>
+            <a:r>
+              <a:rPr lang="en-US" sz="1200" dirty="0"/>
+              <a:t>createCell(</a:t>
+            </a:r>
+            <a:r>
+              <a:rPr lang="en-US" sz="1200" dirty="0" err="1"/>
+              <a:t>int</a:t>
+            </a:r>
+            <a:r>
+              <a:rPr lang="en-US" sz="1200" dirty="0"/>
+              <a:t> columnNumber)	</a:t>
+            </a:r>
+          </a:p>
+          <a:p>
+            <a:pPr marL="1143000" lvl="2" indent="-342900">
+              <a:lnSpc>
+                <a:spcPct val="90000"/>
+              </a:lnSpc>
+            </a:pPr>
+            <a:r>
+              <a:rPr lang="en-US" sz="1200" dirty="0"/>
+              <a:t>Creates a cell in a given row whose column number is the given columnNumber.</a:t>
+            </a:r>
+          </a:p>
+          <a:p>
+            <a:pPr marL="742950" lvl="1" indent="-342900">
+              <a:lnSpc>
+                <a:spcPct val="90000"/>
+              </a:lnSpc>
+            </a:pPr>
+            <a:r>
+              <a:rPr lang="en-US" sz="1200" dirty="0"/>
+              <a:t>setCellValue()	</a:t>
+            </a:r>
+          </a:p>
+          <a:p>
+            <a:pPr marL="1143000" lvl="2" indent="-342900">
+              <a:lnSpc>
+                <a:spcPct val="90000"/>
+              </a:lnSpc>
+            </a:pPr>
+            <a:r>
+              <a:rPr lang="en-US" sz="1200" dirty="0"/>
+              <a:t>Assigns value to cell</a:t>
+            </a:r>
+          </a:p>
+          <a:p>
+            <a:pPr marL="742950" lvl="1" indent="-342900">
+              <a:lnSpc>
+                <a:spcPct val="90000"/>
+              </a:lnSpc>
+            </a:pPr>
+            <a:r>
+              <a:rPr lang="en-US" sz="1200" dirty="0"/>
+              <a:t>getXXXCellValue()</a:t>
+            </a:r>
+          </a:p>
+          <a:p>
+            <a:pPr marL="1143000" lvl="2" indent="-342900">
+              <a:lnSpc>
+                <a:spcPct val="90000"/>
+              </a:lnSpc>
+            </a:pPr>
+            <a:r>
+              <a:rPr lang="en-US" sz="1200" dirty="0"/>
+              <a:t>Returns cell value</a:t>
+            </a:r>
+          </a:p>
+          <a:p>
+            <a:pPr marL="342900" lvl="0" indent="-342900">
+              <a:lnSpc>
+                <a:spcPct val="90000"/>
+              </a:lnSpc>
+              <a:buSzPct val="80000"/>
+            </a:pPr>
+            <a:r>
+              <a:rPr lang="en-US" sz="1200" dirty="0"/>
+              <a:t>Cell style	</a:t>
+            </a:r>
+          </a:p>
+          <a:p>
+            <a:pPr marL="742950" lvl="1" indent="-342900">
+              <a:lnSpc>
+                <a:spcPct val="90000"/>
+              </a:lnSpc>
+            </a:pPr>
+            <a:r>
+              <a:rPr lang="en-US" sz="1200" dirty="0"/>
+              <a:t>workbookobject.createCellStyle	</a:t>
+            </a:r>
+          </a:p>
+          <a:p>
+            <a:pPr marL="742950" lvl="1" indent="-342900">
+              <a:lnSpc>
+                <a:spcPct val="90000"/>
+              </a:lnSpc>
+            </a:pPr>
+            <a:r>
+              <a:rPr lang="en-US" sz="1200" dirty="0"/>
+              <a:t>CellStyle class	</a:t>
+            </a:r>
+          </a:p>
+          <a:p>
+            <a:pPr marL="342900" lvl="0" indent="-342900">
+              <a:lnSpc>
+                <a:spcPct val="90000"/>
+              </a:lnSpc>
+              <a:buSzPct val="80000"/>
+            </a:pPr>
+            <a:r>
+              <a:rPr lang="en-US" sz="1200" dirty="0"/>
+              <a:t>Examples on Write and read from excel file</a:t>
+            </a:r>
+            <a:r>
+              <a:rPr lang="en-US" sz="1800" b="0" i="0" u="none" strike="noStrike" cap="none" dirty="0">
+                <a:solidFill>
+                  <a:srgbClr val="3F3F3F"/>
+                </a:solidFill>
+                <a:latin typeface="Trebuchet MS"/>
+                <a:ea typeface="Trebuchet MS"/>
+                <a:cs typeface="Trebuchet MS"/>
+                <a:sym typeface="Trebuchet MS"/>
+              </a:rPr>
+              <a:t>		</a:t>
+            </a:r>
           </a:p>
         </p:txBody>
       </p:sp>
@@ -37851,691 +37847,6 @@
   <p:cSld>
     <p:spTree>
       <p:nvGrpSpPr>
-        <p:cNvPr id="1" name="Shape 518"/>
-        <p:cNvGrpSpPr/>
-        <p:nvPr/>
-      </p:nvGrpSpPr>
-      <p:grpSpPr>
-        <a:xfrm>
-          <a:off x="0" y="0"/>
-          <a:ext cx="0" cy="0"/>
-          <a:chOff x="0" y="0"/>
-          <a:chExt cx="0" cy="0"/>
-        </a:xfrm>
-      </p:grpSpPr>
-      <p:sp>
-        <p:nvSpPr>
-          <p:cNvPr id="519" name="Shape 519"/>
-          <p:cNvSpPr txBox="1">
-            <a:spLocks noGrp="1"/>
-          </p:cNvSpPr>
-          <p:nvPr>
-            <p:ph type="title"/>
-          </p:nvPr>
-        </p:nvSpPr>
-        <p:spPr>
-          <a:xfrm>
-            <a:off x="715433" y="241300"/>
-            <a:ext cx="8596668" cy="406399"/>
-          </a:xfrm>
-          <a:prstGeom prst="rect">
-            <a:avLst/>
-          </a:prstGeom>
-          <a:noFill/>
-          <a:ln>
-            <a:noFill/>
-          </a:ln>
-        </p:spPr>
-        <p:txBody>
-          <a:bodyPr lIns="91425" tIns="45700" rIns="91425" bIns="45700" anchor="t" anchorCtr="0">
-            <a:noAutofit/>
-          </a:bodyPr>
-          <a:lstStyle/>
-          <a:p>
-            <a:pPr marL="0" marR="0" lvl="0" indent="0" algn="l" rtl="0">
-              <a:spcBef>
-                <a:spcPts val="0"/>
-              </a:spcBef>
-              <a:buClr>
-                <a:schemeClr val="accent1"/>
-              </a:buClr>
-              <a:buSzPct val="25000"/>
-              <a:buFont typeface="Trebuchet MS"/>
-              <a:buNone/>
-            </a:pPr>
-            <a:r>
-              <a:rPr lang="en-US" sz="1400" b="0" i="0" u="none" strike="noStrike" cap="none" dirty="0" err="1">
-                <a:solidFill>
-                  <a:schemeClr val="accent1"/>
-                </a:solidFill>
-                <a:latin typeface="Trebuchet MS"/>
-                <a:ea typeface="Trebuchet MS"/>
-                <a:cs typeface="Trebuchet MS"/>
-                <a:sym typeface="Trebuchet MS"/>
-              </a:rPr>
-              <a:t>Java:Dealing</a:t>
-            </a:r>
-            <a:r>
-              <a:rPr lang="en-US" sz="1400" b="0" i="0" u="none" strike="noStrike" cap="none" dirty="0">
-                <a:solidFill>
-                  <a:schemeClr val="accent1"/>
-                </a:solidFill>
-                <a:latin typeface="Trebuchet MS"/>
-                <a:ea typeface="Trebuchet MS"/>
-                <a:cs typeface="Trebuchet MS"/>
-                <a:sym typeface="Trebuchet MS"/>
-              </a:rPr>
-              <a:t> with Excel file using Apache POI</a:t>
-            </a:r>
-          </a:p>
-        </p:txBody>
-      </p:sp>
-      <p:sp>
-        <p:nvSpPr>
-          <p:cNvPr id="520" name="Shape 520"/>
-          <p:cNvSpPr txBox="1">
-            <a:spLocks noGrp="1"/>
-          </p:cNvSpPr>
-          <p:nvPr>
-            <p:ph type="body" idx="1"/>
-          </p:nvPr>
-        </p:nvSpPr>
-        <p:spPr>
-          <a:xfrm>
-            <a:off x="677333" y="749300"/>
-            <a:ext cx="8596668" cy="5816599"/>
-          </a:xfrm>
-          <a:prstGeom prst="rect">
-            <a:avLst/>
-          </a:prstGeom>
-          <a:noFill/>
-          <a:ln>
-            <a:noFill/>
-          </a:ln>
-        </p:spPr>
-        <p:txBody>
-          <a:bodyPr lIns="91425" tIns="45700" rIns="91425" bIns="45700" anchor="t" anchorCtr="0">
-            <a:noAutofit/>
-          </a:bodyPr>
-          <a:lstStyle/>
-          <a:p>
-            <a:pPr marL="342900" lvl="0" indent="-342900">
-              <a:lnSpc>
-                <a:spcPct val="90000"/>
-              </a:lnSpc>
-              <a:buSzPct val="80000"/>
-            </a:pPr>
-            <a:r>
-              <a:rPr lang="en-US" sz="1200" dirty="0"/>
-              <a:t>Sheet	</a:t>
-            </a:r>
-          </a:p>
-          <a:p>
-            <a:pPr marL="742950" lvl="1" indent="-342900">
-              <a:lnSpc>
-                <a:spcPct val="90000"/>
-              </a:lnSpc>
-            </a:pPr>
-            <a:r>
-              <a:rPr lang="en-US" sz="1200" dirty="0"/>
-              <a:t>Class : </a:t>
-            </a:r>
-            <a:r>
-              <a:rPr lang="en-US" sz="1200" dirty="0" err="1"/>
-              <a:t>XSSFSheet</a:t>
-            </a:r>
-            <a:endParaRPr lang="en-US" sz="1200" dirty="0"/>
-          </a:p>
-          <a:p>
-            <a:pPr marL="742950" lvl="1" indent="-342900">
-              <a:lnSpc>
-                <a:spcPct val="90000"/>
-              </a:lnSpc>
-            </a:pPr>
-            <a:r>
-              <a:rPr lang="en-US" sz="1200" dirty="0" err="1"/>
-              <a:t>createSheet</a:t>
-            </a:r>
-            <a:r>
-              <a:rPr lang="en-US" sz="1200" dirty="0"/>
-              <a:t>(String </a:t>
-            </a:r>
-            <a:r>
-              <a:rPr lang="en-US" sz="1200" dirty="0" err="1"/>
-              <a:t>sheetName</a:t>
-            </a:r>
-            <a:r>
-              <a:rPr lang="en-US" sz="1200" dirty="0"/>
-              <a:t>) </a:t>
-            </a:r>
-          </a:p>
-          <a:p>
-            <a:pPr marL="1143000" lvl="2" indent="-342900">
-              <a:lnSpc>
-                <a:spcPct val="90000"/>
-              </a:lnSpc>
-            </a:pPr>
-            <a:r>
-              <a:rPr lang="en-US" sz="1200" dirty="0"/>
-              <a:t>This method creates a sheet with given sheet name</a:t>
-            </a:r>
-          </a:p>
-          <a:p>
-            <a:pPr marL="742950" lvl="1" indent="-342900">
-              <a:lnSpc>
-                <a:spcPct val="90000"/>
-              </a:lnSpc>
-            </a:pPr>
-            <a:r>
-              <a:rPr lang="en-US" sz="1200" dirty="0" err="1"/>
-              <a:t>createSheet</a:t>
-            </a:r>
-            <a:r>
-              <a:rPr lang="en-US" sz="1200" dirty="0"/>
-              <a:t>()	</a:t>
-            </a:r>
-          </a:p>
-          <a:p>
-            <a:pPr marL="1143000" lvl="2" indent="-342900">
-              <a:lnSpc>
-                <a:spcPct val="90000"/>
-              </a:lnSpc>
-            </a:pPr>
-            <a:r>
-              <a:rPr lang="en-US" sz="1200" dirty="0"/>
-              <a:t>This method creates a sheet with name (“</a:t>
-            </a:r>
-            <a:r>
-              <a:rPr lang="en-US" sz="1200" dirty="0" err="1"/>
-              <a:t>Sheet”+index</a:t>
-            </a:r>
-            <a:r>
-              <a:rPr lang="en-US" sz="1200" dirty="0"/>
-              <a:t>) </a:t>
-            </a:r>
-          </a:p>
-          <a:p>
-            <a:pPr marL="742950" lvl="1" indent="-342900">
-              <a:lnSpc>
-                <a:spcPct val="90000"/>
-              </a:lnSpc>
-            </a:pPr>
-            <a:r>
-              <a:rPr lang="en-US" sz="1200" dirty="0" err="1"/>
-              <a:t>getSheet</a:t>
-            </a:r>
-            <a:r>
-              <a:rPr lang="en-US" sz="1200" dirty="0"/>
-              <a:t>(String </a:t>
-            </a:r>
-            <a:r>
-              <a:rPr lang="en-US" sz="1200" dirty="0" err="1"/>
-              <a:t>sheetName</a:t>
-            </a:r>
-            <a:r>
-              <a:rPr lang="en-US" sz="1200" dirty="0"/>
-              <a:t>)	</a:t>
-            </a:r>
-          </a:p>
-          <a:p>
-            <a:pPr marL="1143000" lvl="2" indent="-342900">
-              <a:lnSpc>
-                <a:spcPct val="90000"/>
-              </a:lnSpc>
-            </a:pPr>
-            <a:r>
-              <a:rPr lang="en-US" sz="1200" dirty="0"/>
-              <a:t>Returns sheet object with given sheet name</a:t>
-            </a:r>
-          </a:p>
-          <a:p>
-            <a:pPr marL="742950" lvl="1" indent="-342900">
-              <a:lnSpc>
-                <a:spcPct val="90000"/>
-              </a:lnSpc>
-            </a:pPr>
-            <a:r>
-              <a:rPr lang="en-US" sz="1200" dirty="0" err="1"/>
-              <a:t>getSheetAt</a:t>
-            </a:r>
-            <a:r>
-              <a:rPr lang="en-US" sz="1200" dirty="0"/>
-              <a:t>(</a:t>
-            </a:r>
-            <a:r>
-              <a:rPr lang="en-US" sz="1200" dirty="0" err="1"/>
-              <a:t>int</a:t>
-            </a:r>
-            <a:r>
-              <a:rPr lang="en-US" sz="1200" dirty="0"/>
-              <a:t> </a:t>
-            </a:r>
-            <a:r>
-              <a:rPr lang="en-US" sz="1200" dirty="0" err="1"/>
-              <a:t>sheetIndex</a:t>
-            </a:r>
-            <a:r>
-              <a:rPr lang="en-US" sz="1200" dirty="0"/>
-              <a:t>)	</a:t>
-            </a:r>
-          </a:p>
-          <a:p>
-            <a:pPr marL="1143000" lvl="2" indent="-342900">
-              <a:lnSpc>
-                <a:spcPct val="90000"/>
-              </a:lnSpc>
-            </a:pPr>
-            <a:r>
-              <a:rPr lang="en-US" sz="1200" dirty="0"/>
-              <a:t>Returns sheet object with given sheet index(index starts with 0)</a:t>
-            </a:r>
-          </a:p>
-          <a:p>
-            <a:pPr marL="342900" lvl="0" indent="-342900">
-              <a:lnSpc>
-                <a:spcPct val="90000"/>
-              </a:lnSpc>
-              <a:buSzPct val="80000"/>
-            </a:pPr>
-            <a:r>
-              <a:rPr lang="en-US" sz="1200" dirty="0"/>
-              <a:t>Row	</a:t>
-            </a:r>
-          </a:p>
-          <a:p>
-            <a:pPr marL="742950" lvl="1" indent="-342900">
-              <a:lnSpc>
-                <a:spcPct val="90000"/>
-              </a:lnSpc>
-            </a:pPr>
-            <a:r>
-              <a:rPr lang="en-US" sz="1200" dirty="0" err="1"/>
-              <a:t>createRow</a:t>
-            </a:r>
-            <a:r>
-              <a:rPr lang="en-US" sz="1200" dirty="0"/>
-              <a:t>(</a:t>
-            </a:r>
-            <a:r>
-              <a:rPr lang="en-US" sz="1200" dirty="0" err="1"/>
-              <a:t>int</a:t>
-            </a:r>
-            <a:r>
-              <a:rPr lang="en-US" sz="1200" dirty="0"/>
-              <a:t> </a:t>
-            </a:r>
-            <a:r>
-              <a:rPr lang="en-US" sz="1200" dirty="0" err="1"/>
-              <a:t>rowNumber</a:t>
-            </a:r>
-            <a:r>
-              <a:rPr lang="en-US" sz="1200" dirty="0"/>
-              <a:t>)	</a:t>
-            </a:r>
-          </a:p>
-          <a:p>
-            <a:pPr marL="1143000" lvl="2" indent="-342900">
-              <a:lnSpc>
-                <a:spcPct val="90000"/>
-              </a:lnSpc>
-            </a:pPr>
-            <a:r>
-              <a:rPr lang="en-US" sz="1200" dirty="0"/>
-              <a:t>Creates a row whose row number is </a:t>
-            </a:r>
-            <a:r>
-              <a:rPr lang="en-US" sz="1200" dirty="0" err="1"/>
-              <a:t>rowNumber</a:t>
-            </a:r>
-            <a:endParaRPr lang="en-US" sz="1200" dirty="0"/>
-          </a:p>
-          <a:p>
-            <a:pPr marL="742950" lvl="1" indent="-342900">
-              <a:lnSpc>
-                <a:spcPct val="90000"/>
-              </a:lnSpc>
-            </a:pPr>
-            <a:r>
-              <a:rPr lang="en-US" sz="1200" dirty="0" err="1"/>
-              <a:t>getRow</a:t>
-            </a:r>
-            <a:r>
-              <a:rPr lang="en-US" sz="1200" dirty="0"/>
-              <a:t>(</a:t>
-            </a:r>
-            <a:r>
-              <a:rPr lang="en-US" sz="1200" dirty="0" err="1"/>
-              <a:t>int</a:t>
-            </a:r>
-            <a:r>
-              <a:rPr lang="en-US" sz="1200" dirty="0"/>
-              <a:t> </a:t>
-            </a:r>
-            <a:r>
-              <a:rPr lang="en-US" sz="1200" dirty="0" err="1"/>
-              <a:t>rowNumber</a:t>
-            </a:r>
-            <a:r>
-              <a:rPr lang="en-US" sz="1200" dirty="0"/>
-              <a:t>)	</a:t>
-            </a:r>
-          </a:p>
-          <a:p>
-            <a:pPr marL="1143000" lvl="2" indent="-342900">
-              <a:lnSpc>
-                <a:spcPct val="90000"/>
-              </a:lnSpc>
-            </a:pPr>
-            <a:r>
-              <a:rPr lang="en-US" sz="1200" dirty="0"/>
-              <a:t>For reading a row</a:t>
-            </a:r>
-          </a:p>
-          <a:p>
-            <a:pPr marL="1143000" lvl="2" indent="-342900">
-              <a:lnSpc>
-                <a:spcPct val="90000"/>
-              </a:lnSpc>
-            </a:pPr>
-            <a:r>
-              <a:rPr lang="en-US" sz="1200" dirty="0"/>
-              <a:t>Returns row object with given row number</a:t>
-            </a:r>
-          </a:p>
-          <a:p>
-            <a:pPr marL="1143000" marR="0" lvl="2" indent="-228600" algn="l" rtl="0">
-              <a:spcBef>
-                <a:spcPts val="1000"/>
-              </a:spcBef>
-              <a:spcAft>
-                <a:spcPts val="0"/>
-              </a:spcAft>
-              <a:buClr>
-                <a:schemeClr val="accent1"/>
-              </a:buClr>
-              <a:buSzPct val="80000"/>
-              <a:buFont typeface="Noto Sans Symbols"/>
-              <a:buNone/>
-            </a:pPr>
-            <a:endParaRPr sz="1200" b="0" i="0" u="none" strike="noStrike" cap="none" dirty="0">
-              <a:solidFill>
-                <a:srgbClr val="3F3F3F"/>
-              </a:solidFill>
-              <a:latin typeface="Trebuchet MS"/>
-              <a:ea typeface="Trebuchet MS"/>
-              <a:cs typeface="Trebuchet MS"/>
-              <a:sym typeface="Trebuchet MS"/>
-            </a:endParaRPr>
-          </a:p>
-        </p:txBody>
-      </p:sp>
-    </p:spTree>
-  </p:cSld>
-  <p:clrMapOvr>
-    <a:masterClrMapping/>
-  </p:clrMapOvr>
-</p:sld>
-</file>
-
-<file path=ppt/slides/slide51.xml><?xml version="1.0" encoding="utf-8"?>
-<p:sld xmlns:a="http://schemas.openxmlformats.org/drawingml/2006/main" xmlns:r="http://schemas.openxmlformats.org/officeDocument/2006/relationships" xmlns:p="http://schemas.openxmlformats.org/presentationml/2006/main">
-  <p:cSld>
-    <p:spTree>
-      <p:nvGrpSpPr>
-        <p:cNvPr id="1" name="Shape 524"/>
-        <p:cNvGrpSpPr/>
-        <p:nvPr/>
-      </p:nvGrpSpPr>
-      <p:grpSpPr>
-        <a:xfrm>
-          <a:off x="0" y="0"/>
-          <a:ext cx="0" cy="0"/>
-          <a:chOff x="0" y="0"/>
-          <a:chExt cx="0" cy="0"/>
-        </a:xfrm>
-      </p:grpSpPr>
-      <p:sp>
-        <p:nvSpPr>
-          <p:cNvPr id="525" name="Shape 525"/>
-          <p:cNvSpPr txBox="1">
-            <a:spLocks noGrp="1"/>
-          </p:cNvSpPr>
-          <p:nvPr>
-            <p:ph type="title"/>
-          </p:nvPr>
-        </p:nvSpPr>
-        <p:spPr>
-          <a:xfrm>
-            <a:off x="664633" y="266700"/>
-            <a:ext cx="8596668" cy="431799"/>
-          </a:xfrm>
-          <a:prstGeom prst="rect">
-            <a:avLst/>
-          </a:prstGeom>
-          <a:noFill/>
-          <a:ln>
-            <a:noFill/>
-          </a:ln>
-        </p:spPr>
-        <p:txBody>
-          <a:bodyPr lIns="91425" tIns="45700" rIns="91425" bIns="45700" anchor="t" anchorCtr="0">
-            <a:noAutofit/>
-          </a:bodyPr>
-          <a:lstStyle/>
-          <a:p>
-            <a:pPr marL="0" marR="0" lvl="0" indent="0" algn="l" rtl="0">
-              <a:spcBef>
-                <a:spcPts val="0"/>
-              </a:spcBef>
-              <a:buClr>
-                <a:schemeClr val="accent1"/>
-              </a:buClr>
-              <a:buSzPct val="25000"/>
-              <a:buFont typeface="Trebuchet MS"/>
-              <a:buNone/>
-            </a:pPr>
-            <a:r>
-              <a:rPr lang="en-US" sz="2000" b="0" i="0" u="none" strike="noStrike" cap="none">
-                <a:solidFill>
-                  <a:schemeClr val="accent1"/>
-                </a:solidFill>
-                <a:latin typeface="Trebuchet MS"/>
-                <a:ea typeface="Trebuchet MS"/>
-                <a:cs typeface="Trebuchet MS"/>
-                <a:sym typeface="Trebuchet MS"/>
-              </a:rPr>
-              <a:t>Java : Dealing with Excel file using Apache POI</a:t>
-            </a:r>
-          </a:p>
-        </p:txBody>
-      </p:sp>
-      <p:sp>
-        <p:nvSpPr>
-          <p:cNvPr id="526" name="Shape 526"/>
-          <p:cNvSpPr txBox="1">
-            <a:spLocks noGrp="1"/>
-          </p:cNvSpPr>
-          <p:nvPr>
-            <p:ph type="body" idx="1"/>
-          </p:nvPr>
-        </p:nvSpPr>
-        <p:spPr>
-          <a:xfrm>
-            <a:off x="677333" y="673100"/>
-            <a:ext cx="8596668" cy="5368262"/>
-          </a:xfrm>
-          <a:prstGeom prst="rect">
-            <a:avLst/>
-          </a:prstGeom>
-          <a:noFill/>
-          <a:ln>
-            <a:noFill/>
-          </a:ln>
-        </p:spPr>
-        <p:txBody>
-          <a:bodyPr lIns="91425" tIns="45700" rIns="91425" bIns="45700" anchor="t" anchorCtr="0">
-            <a:noAutofit/>
-          </a:bodyPr>
-          <a:lstStyle/>
-          <a:p>
-            <a:pPr marL="342900" lvl="0" indent="-342900">
-              <a:lnSpc>
-                <a:spcPct val="90000"/>
-              </a:lnSpc>
-              <a:buSzPct val="80000"/>
-            </a:pPr>
-            <a:r>
-              <a:rPr lang="en-US" sz="1200" dirty="0"/>
-              <a:t>Cell	</a:t>
-            </a:r>
-          </a:p>
-          <a:p>
-            <a:pPr marL="742950" lvl="1" indent="-342900">
-              <a:lnSpc>
-                <a:spcPct val="90000"/>
-              </a:lnSpc>
-            </a:pPr>
-            <a:r>
-              <a:rPr lang="en-US" sz="1200" dirty="0"/>
-              <a:t>createCell(</a:t>
-            </a:r>
-            <a:r>
-              <a:rPr lang="en-US" sz="1200" dirty="0" err="1"/>
-              <a:t>int</a:t>
-            </a:r>
-            <a:r>
-              <a:rPr lang="en-US" sz="1200" dirty="0"/>
-              <a:t> columnNumber)	</a:t>
-            </a:r>
-          </a:p>
-          <a:p>
-            <a:pPr marL="1143000" lvl="2" indent="-342900">
-              <a:lnSpc>
-                <a:spcPct val="90000"/>
-              </a:lnSpc>
-            </a:pPr>
-            <a:r>
-              <a:rPr lang="en-US" sz="1200" dirty="0"/>
-              <a:t>Creates a cell in a given row whose column number is the given columnNumber.</a:t>
-            </a:r>
-          </a:p>
-          <a:p>
-            <a:pPr marL="742950" lvl="1" indent="-342900">
-              <a:lnSpc>
-                <a:spcPct val="90000"/>
-              </a:lnSpc>
-            </a:pPr>
-            <a:r>
-              <a:rPr lang="en-US" sz="1200" dirty="0"/>
-              <a:t>setCellValue()	</a:t>
-            </a:r>
-          </a:p>
-          <a:p>
-            <a:pPr marL="1143000" lvl="2" indent="-342900">
-              <a:lnSpc>
-                <a:spcPct val="90000"/>
-              </a:lnSpc>
-            </a:pPr>
-            <a:r>
-              <a:rPr lang="en-US" sz="1200" dirty="0"/>
-              <a:t>Assigns value to cell</a:t>
-            </a:r>
-          </a:p>
-          <a:p>
-            <a:pPr marL="742950" lvl="1" indent="-342900">
-              <a:lnSpc>
-                <a:spcPct val="90000"/>
-              </a:lnSpc>
-            </a:pPr>
-            <a:r>
-              <a:rPr lang="en-US" sz="1200" dirty="0"/>
-              <a:t>getXXXCellValue()</a:t>
-            </a:r>
-          </a:p>
-          <a:p>
-            <a:pPr marL="1143000" lvl="2" indent="-342900">
-              <a:lnSpc>
-                <a:spcPct val="90000"/>
-              </a:lnSpc>
-            </a:pPr>
-            <a:r>
-              <a:rPr lang="en-US" sz="1200" dirty="0"/>
-              <a:t>Returns cell value</a:t>
-            </a:r>
-          </a:p>
-          <a:p>
-            <a:pPr marL="342900" lvl="0" indent="-342900">
-              <a:lnSpc>
-                <a:spcPct val="90000"/>
-              </a:lnSpc>
-              <a:buSzPct val="80000"/>
-            </a:pPr>
-            <a:r>
-              <a:rPr lang="en-US" sz="1200" dirty="0"/>
-              <a:t>Cell style	</a:t>
-            </a:r>
-          </a:p>
-          <a:p>
-            <a:pPr marL="742950" lvl="1" indent="-342900">
-              <a:lnSpc>
-                <a:spcPct val="90000"/>
-              </a:lnSpc>
-            </a:pPr>
-            <a:r>
-              <a:rPr lang="en-US" sz="1200" dirty="0"/>
-              <a:t>workbookobject.createCellStyle	</a:t>
-            </a:r>
-          </a:p>
-          <a:p>
-            <a:pPr marL="742950" lvl="1" indent="-342900">
-              <a:lnSpc>
-                <a:spcPct val="90000"/>
-              </a:lnSpc>
-            </a:pPr>
-            <a:r>
-              <a:rPr lang="en-US" sz="1200" dirty="0"/>
-              <a:t>CellStyle class	</a:t>
-            </a:r>
-          </a:p>
-          <a:p>
-            <a:pPr marL="342900" lvl="0" indent="-342900">
-              <a:lnSpc>
-                <a:spcPct val="90000"/>
-              </a:lnSpc>
-              <a:buSzPct val="80000"/>
-            </a:pPr>
-            <a:r>
-              <a:rPr lang="en-US" sz="1200" dirty="0"/>
-              <a:t>Examples on Write and read from excel file</a:t>
-            </a:r>
-            <a:r>
-              <a:rPr lang="en-US" sz="1800" b="0" i="0" u="none" strike="noStrike" cap="none" dirty="0">
-                <a:solidFill>
-                  <a:srgbClr val="3F3F3F"/>
-                </a:solidFill>
-                <a:latin typeface="Trebuchet MS"/>
-                <a:ea typeface="Trebuchet MS"/>
-                <a:cs typeface="Trebuchet MS"/>
-                <a:sym typeface="Trebuchet MS"/>
-              </a:rPr>
-              <a:t>		</a:t>
-            </a:r>
-          </a:p>
-        </p:txBody>
-      </p:sp>
-    </p:spTree>
-  </p:cSld>
-  <p:clrMapOvr>
-    <a:masterClrMapping/>
-  </p:clrMapOvr>
-</p:sld>
-</file>
-
-<file path=ppt/slides/slide52.xml><?xml version="1.0" encoding="utf-8"?>
-<p:sld xmlns:a="http://schemas.openxmlformats.org/drawingml/2006/main" xmlns:r="http://schemas.openxmlformats.org/officeDocument/2006/relationships" xmlns:p="http://schemas.openxmlformats.org/presentationml/2006/main">
-  <p:cSld>
-    <p:spTree>
-      <p:nvGrpSpPr>
         <p:cNvPr id="1" name="Shape 530"/>
         <p:cNvGrpSpPr/>
         <p:nvPr/>
@@ -38827,7 +38138,7 @@
 </p:sld>
 </file>
 
-<file path=ppt/slides/slide53.xml><?xml version="1.0" encoding="utf-8"?>
+<file path=ppt/slides/slide51.xml><?xml version="1.0" encoding="utf-8"?>
 <p:sld xmlns:a="http://schemas.openxmlformats.org/drawingml/2006/main" xmlns:r="http://schemas.openxmlformats.org/officeDocument/2006/relationships" xmlns:p="http://schemas.openxmlformats.org/presentationml/2006/main">
   <p:cSld>
     <p:spTree>
@@ -39052,7 +38363,7 @@
 </p:sld>
 </file>
 
-<file path=ppt/slides/slide54.xml><?xml version="1.0" encoding="utf-8"?>
+<file path=ppt/slides/slide52.xml><?xml version="1.0" encoding="utf-8"?>
 <p:sld xmlns:a="http://schemas.openxmlformats.org/drawingml/2006/main" xmlns:r="http://schemas.openxmlformats.org/officeDocument/2006/relationships" xmlns:p="http://schemas.openxmlformats.org/presentationml/2006/main">
   <p:cSld>
     <p:spTree>
@@ -39457,7 +38768,7 @@
 </p:sld>
 </file>
 
-<file path=ppt/slides/slide55.xml><?xml version="1.0" encoding="utf-8"?>
+<file path=ppt/slides/slide53.xml><?xml version="1.0" encoding="utf-8"?>
 <p:sld xmlns:a="http://schemas.openxmlformats.org/drawingml/2006/main" xmlns:r="http://schemas.openxmlformats.org/officeDocument/2006/relationships" xmlns:p="http://schemas.openxmlformats.org/presentationml/2006/main">
   <p:cSld>
     <p:spTree>
@@ -39775,7 +39086,7 @@
 </p:sld>
 </file>
 
-<file path=ppt/slides/slide56.xml><?xml version="1.0" encoding="utf-8"?>
+<file path=ppt/slides/slide54.xml><?xml version="1.0" encoding="utf-8"?>
 <p:sld xmlns:a="http://schemas.openxmlformats.org/drawingml/2006/main" xmlns:r="http://schemas.openxmlformats.org/officeDocument/2006/relationships" xmlns:p="http://schemas.openxmlformats.org/presentationml/2006/main">
   <p:cSld>
     <p:spTree>
@@ -40348,7 +39659,7 @@
 </p:sld>
 </file>
 
-<file path=ppt/slides/slide57.xml><?xml version="1.0" encoding="utf-8"?>
+<file path=ppt/slides/slide55.xml><?xml version="1.0" encoding="utf-8"?>
 <p:sld xmlns:a="http://schemas.openxmlformats.org/drawingml/2006/main" xmlns:r="http://schemas.openxmlformats.org/officeDocument/2006/relationships" xmlns:p="http://schemas.openxmlformats.org/presentationml/2006/main">
   <p:cSld>
     <p:spTree>
@@ -40982,7 +40293,7 @@
 </p:sld>
 </file>
 
-<file path=ppt/slides/slide58.xml><?xml version="1.0" encoding="utf-8"?>
+<file path=ppt/slides/slide56.xml><?xml version="1.0" encoding="utf-8"?>
 <p:sld xmlns:a="http://schemas.openxmlformats.org/drawingml/2006/main" xmlns:r="http://schemas.openxmlformats.org/officeDocument/2006/relationships" xmlns:p="http://schemas.openxmlformats.org/presentationml/2006/main">
   <p:cSld>
     <p:spTree>
@@ -41726,7 +41037,7 @@
 </p:sld>
 </file>
 
-<file path=ppt/slides/slide59.xml><?xml version="1.0" encoding="utf-8"?>
+<file path=ppt/slides/slide57.xml><?xml version="1.0" encoding="utf-8"?>
 <p:sld xmlns:a="http://schemas.openxmlformats.org/drawingml/2006/main" xmlns:r="http://schemas.openxmlformats.org/officeDocument/2006/relationships" xmlns:p="http://schemas.openxmlformats.org/presentationml/2006/main">
   <p:cSld>
     <p:spTree>
@@ -41949,6 +41260,348 @@
         </p:txBody>
       </p:sp>
     </p:spTree>
+  </p:cSld>
+  <p:clrMapOvr>
+    <a:masterClrMapping/>
+  </p:clrMapOvr>
+</p:sld>
+</file>
+
+<file path=ppt/slides/slide58.xml><?xml version="1.0" encoding="utf-8"?>
+<p:sld xmlns:a="http://schemas.openxmlformats.org/drawingml/2006/main" xmlns:r="http://schemas.openxmlformats.org/officeDocument/2006/relationships" xmlns:p="http://schemas.openxmlformats.org/presentationml/2006/main">
+  <p:cSld>
+    <p:spTree>
+      <p:nvGrpSpPr>
+        <p:cNvPr id="1" name=""/>
+        <p:cNvGrpSpPr/>
+        <p:nvPr/>
+      </p:nvGrpSpPr>
+      <p:grpSpPr>
+        <a:xfrm>
+          <a:off x="0" y="0"/>
+          <a:ext cx="0" cy="0"/>
+          <a:chOff x="0" y="0"/>
+          <a:chExt cx="0" cy="0"/>
+        </a:xfrm>
+      </p:grpSpPr>
+      <p:sp>
+        <p:nvSpPr>
+          <p:cNvPr id="2" name="Title 1"/>
+          <p:cNvSpPr>
+            <a:spLocks noGrp="1"/>
+          </p:cNvSpPr>
+          <p:nvPr>
+            <p:ph type="title"/>
+          </p:nvPr>
+        </p:nvSpPr>
+        <p:spPr>
+          <a:xfrm>
+            <a:off x="685800" y="457200"/>
+            <a:ext cx="8596668" cy="371128"/>
+          </a:xfrm>
+        </p:spPr>
+        <p:txBody>
+          <a:bodyPr/>
+          <a:lstStyle/>
+          <a:p>
+            <a:r>
+              <a:rPr lang="en-US" sz="1400" dirty="0"/>
+              <a:t>TestNG : HTML and XML reports</a:t>
+            </a:r>
+            <a:endParaRPr lang="en-IN" sz="1400" dirty="0"/>
+          </a:p>
+        </p:txBody>
+      </p:sp>
+      <p:sp>
+        <p:nvSpPr>
+          <p:cNvPr id="3" name="Text Placeholder 2"/>
+          <p:cNvSpPr>
+            <a:spLocks noGrp="1"/>
+          </p:cNvSpPr>
+          <p:nvPr>
+            <p:ph type="body" idx="1"/>
+          </p:nvPr>
+        </p:nvSpPr>
+        <p:spPr>
+          <a:xfrm>
+            <a:off x="677333" y="980729"/>
+            <a:ext cx="8596668" cy="5060634"/>
+          </a:xfrm>
+        </p:spPr>
+        <p:txBody>
+          <a:bodyPr/>
+          <a:lstStyle/>
+          <a:p>
+            <a:pPr fontAlgn="base"/>
+            <a:r>
+              <a:rPr lang="en-IN" sz="1200" dirty="0"/>
+              <a:t>TestNG HTML and XML Reports:</a:t>
+            </a:r>
+          </a:p>
+          <a:p>
+            <a:pPr lvl="1" fontAlgn="base"/>
+            <a:r>
+              <a:rPr lang="en-IN" sz="1000" dirty="0"/>
+              <a:t>TestNG comes with certain predefined listeners which are by default added to any test execution and generate different HTML and XML reports for any test execution. </a:t>
+            </a:r>
+          </a:p>
+          <a:p>
+            <a:pPr lvl="1" fontAlgn="base"/>
+            <a:r>
+              <a:rPr lang="en-IN" sz="1000" dirty="0"/>
+              <a:t>The report is generated by default ,under the folder named test-output and can be changed to any other folder by configuring it. </a:t>
+            </a:r>
+          </a:p>
+          <a:p>
+            <a:pPr lvl="1" fontAlgn="base"/>
+            <a:r>
+              <a:rPr lang="en-IN" sz="1000" dirty="0"/>
+              <a:t>Test-output folder contains files like </a:t>
+            </a:r>
+          </a:p>
+          <a:p>
+            <a:pPr lvl="2" fontAlgn="base"/>
+            <a:r>
+              <a:rPr lang="en-IN" sz="1000" dirty="0"/>
+              <a:t>index.html</a:t>
+            </a:r>
+          </a:p>
+          <a:p>
+            <a:pPr lvl="2" fontAlgn="base"/>
+            <a:r>
+              <a:rPr lang="en-IN" sz="1000" dirty="0"/>
+              <a:t>emailable-report.html,</a:t>
+            </a:r>
+          </a:p>
+          <a:p>
+            <a:pPr lvl="2" fontAlgn="base"/>
+            <a:r>
+              <a:rPr lang="en-IN" sz="1000" dirty="0"/>
+              <a:t>testng-results.xml,</a:t>
+            </a:r>
+          </a:p>
+          <a:p>
+            <a:pPr lvl="2" fontAlgn="base"/>
+            <a:r>
+              <a:rPr lang="en-IN" sz="1000" dirty="0"/>
+              <a:t>testng-failed.xml</a:t>
+            </a:r>
+          </a:p>
+          <a:p>
+            <a:pPr lvl="1" fontAlgn="base"/>
+            <a:r>
+              <a:rPr lang="en-IN" sz="1000" dirty="0"/>
+              <a:t>This default report generation can be disabled while running the tests by setting the value of the property </a:t>
+            </a:r>
+            <a:r>
+              <a:rPr lang="en-IN" sz="1000" dirty="0" err="1"/>
+              <a:t>useDefaultListeners</a:t>
+            </a:r>
+            <a:r>
+              <a:rPr lang="en-IN" sz="1000" dirty="0"/>
+              <a:t> to false. This property can be set while using build tools like Ant or Maven.</a:t>
+            </a:r>
+            <a:endParaRPr lang="en-IN" sz="1200" dirty="0"/>
+          </a:p>
+          <a:p>
+            <a:pPr marL="342900" lvl="1" indent="-251459" fontAlgn="base">
+              <a:buSzPct val="79999"/>
+            </a:pPr>
+            <a:r>
+              <a:rPr lang="en-IN" sz="1200" dirty="0"/>
+              <a:t>TestNG logging:</a:t>
+            </a:r>
+          </a:p>
+          <a:p>
+            <a:pPr lvl="1" fontAlgn="base"/>
+            <a:r>
+              <a:rPr lang="en-IN" sz="1000" dirty="0"/>
+              <a:t>TestNG has built in logger(We are not going to use log4j instead of this logger).</a:t>
+            </a:r>
+          </a:p>
+          <a:p>
+            <a:pPr lvl="1" fontAlgn="base"/>
+            <a:r>
+              <a:rPr lang="en-IN" sz="1000" dirty="0"/>
+              <a:t>For advanced event based logging, we can make use of  Listeners.</a:t>
+            </a:r>
+          </a:p>
+          <a:p>
+            <a:pPr lvl="1" fontAlgn="base"/>
+            <a:endParaRPr lang="en-IN" sz="1200" dirty="0"/>
+          </a:p>
+          <a:p>
+            <a:endParaRPr lang="en-IN" dirty="0"/>
+          </a:p>
+        </p:txBody>
+      </p:sp>
+    </p:spTree>
+    <p:extLst>
+      <p:ext uri="{BB962C8B-B14F-4D97-AF65-F5344CB8AC3E}">
+        <p14:creationId xmlns:p14="http://schemas.microsoft.com/office/powerpoint/2010/main" val="3074706438"/>
+      </p:ext>
+    </p:extLst>
+  </p:cSld>
+  <p:clrMapOvr>
+    <a:masterClrMapping/>
+  </p:clrMapOvr>
+</p:sld>
+</file>
+
+<file path=ppt/slides/slide59.xml><?xml version="1.0" encoding="utf-8"?>
+<p:sld xmlns:a="http://schemas.openxmlformats.org/drawingml/2006/main" xmlns:r="http://schemas.openxmlformats.org/officeDocument/2006/relationships" xmlns:p="http://schemas.openxmlformats.org/presentationml/2006/main">
+  <p:cSld>
+    <p:spTree>
+      <p:nvGrpSpPr>
+        <p:cNvPr id="1" name=""/>
+        <p:cNvGrpSpPr/>
+        <p:nvPr/>
+      </p:nvGrpSpPr>
+      <p:grpSpPr>
+        <a:xfrm>
+          <a:off x="0" y="0"/>
+          <a:ext cx="0" cy="0"/>
+          <a:chOff x="0" y="0"/>
+          <a:chExt cx="0" cy="0"/>
+        </a:xfrm>
+      </p:grpSpPr>
+      <p:sp>
+        <p:nvSpPr>
+          <p:cNvPr id="2" name="Title 1"/>
+          <p:cNvSpPr>
+            <a:spLocks noGrp="1"/>
+          </p:cNvSpPr>
+          <p:nvPr>
+            <p:ph type="title"/>
+          </p:nvPr>
+        </p:nvSpPr>
+        <p:spPr>
+          <a:xfrm>
+            <a:off x="677333" y="381000"/>
+            <a:ext cx="8596668" cy="381000"/>
+          </a:xfrm>
+        </p:spPr>
+        <p:txBody>
+          <a:bodyPr/>
+          <a:lstStyle/>
+          <a:p>
+            <a:r>
+              <a:rPr lang="en-US" sz="1400" dirty="0"/>
+              <a:t>TestNG : Reporter class</a:t>
+            </a:r>
+            <a:endParaRPr lang="en-IN" sz="1400" dirty="0"/>
+          </a:p>
+        </p:txBody>
+      </p:sp>
+      <p:sp>
+        <p:nvSpPr>
+          <p:cNvPr id="3" name="Text Placeholder 2"/>
+          <p:cNvSpPr>
+            <a:spLocks noGrp="1"/>
+          </p:cNvSpPr>
+          <p:nvPr>
+            <p:ph type="body" idx="1"/>
+          </p:nvPr>
+        </p:nvSpPr>
+        <p:spPr>
+          <a:xfrm>
+            <a:off x="677333" y="914400"/>
+            <a:ext cx="8596668" cy="5126963"/>
+          </a:xfrm>
+        </p:spPr>
+        <p:txBody>
+          <a:bodyPr/>
+          <a:lstStyle/>
+          <a:p>
+            <a:pPr fontAlgn="base"/>
+            <a:r>
+              <a:rPr lang="en-IN" sz="1200" dirty="0"/>
+              <a:t>TestNG Reporter:</a:t>
+            </a:r>
+          </a:p>
+          <a:p>
+            <a:pPr lvl="1" fontAlgn="base"/>
+            <a:r>
+              <a:rPr lang="en-IN" sz="1200" dirty="0"/>
+              <a:t>Reporter is a class in TestNG which is used to log messages that will be included in the HTML reports generated by TestNG.   </a:t>
+            </a:r>
+          </a:p>
+          <a:p>
+            <a:pPr lvl="1" fontAlgn="base"/>
+            <a:r>
+              <a:rPr lang="en-IN" sz="1200" dirty="0"/>
+              <a:t>Using Reporter ,we can log messages to HTML reports or console only </a:t>
+            </a:r>
+            <a:r>
+              <a:rPr lang="en-IN" sz="1200" b="1" dirty="0"/>
+              <a:t>and not to log files</a:t>
+            </a:r>
+            <a:r>
+              <a:rPr lang="en-IN" sz="1200" dirty="0"/>
+              <a:t>.</a:t>
+            </a:r>
+          </a:p>
+          <a:p>
+            <a:pPr lvl="1" fontAlgn="base"/>
+            <a:r>
+              <a:rPr lang="en-IN" sz="1200" dirty="0"/>
+              <a:t>Methods:</a:t>
+            </a:r>
+          </a:p>
+          <a:p>
+            <a:pPr lvl="2" fontAlgn="base"/>
+            <a:r>
+              <a:rPr lang="en-IN" sz="1200" dirty="0"/>
+              <a:t>Reporter.log(s)</a:t>
+            </a:r>
+          </a:p>
+          <a:p>
+            <a:pPr lvl="3" fontAlgn="base"/>
+            <a:r>
+              <a:rPr lang="en-IN" dirty="0"/>
+              <a:t>To log to HTML reports only</a:t>
+            </a:r>
+          </a:p>
+          <a:p>
+            <a:pPr lvl="2" fontAlgn="base"/>
+            <a:r>
+              <a:rPr lang="en-IN" sz="1200" dirty="0"/>
+              <a:t>Reporter.log(s, </a:t>
+            </a:r>
+            <a:r>
+              <a:rPr lang="en-IN" sz="1200" dirty="0" err="1"/>
+              <a:t>logToStandardOut</a:t>
+            </a:r>
+            <a:r>
+              <a:rPr lang="en-IN" sz="1200" dirty="0"/>
+              <a:t>)</a:t>
+            </a:r>
+          </a:p>
+          <a:p>
+            <a:pPr lvl="3" fontAlgn="base"/>
+            <a:r>
+              <a:rPr lang="en-IN" dirty="0"/>
+              <a:t>To log to HTML reports as well as console</a:t>
+            </a:r>
+          </a:p>
+          <a:p>
+            <a:pPr lvl="1" fontAlgn="base"/>
+            <a:r>
+              <a:rPr lang="en-IN" sz="1200" dirty="0"/>
+              <a:t>Reporter class is not a Listener.</a:t>
+            </a:r>
+          </a:p>
+          <a:p>
+            <a:endParaRPr lang="en-IN" dirty="0"/>
+          </a:p>
+        </p:txBody>
+      </p:sp>
+    </p:spTree>
+    <p:extLst>
+      <p:ext uri="{BB962C8B-B14F-4D97-AF65-F5344CB8AC3E}">
+        <p14:creationId xmlns:p14="http://schemas.microsoft.com/office/powerpoint/2010/main" val="411888684"/>
+      </p:ext>
+    </p:extLst>
   </p:cSld>
   <p:clrMapOvr>
     <a:masterClrMapping/>
@@ -42292,348 +41945,6 @@
         </p:nvSpPr>
         <p:spPr>
           <a:xfrm>
-            <a:off x="685800" y="457200"/>
-            <a:ext cx="8596668" cy="371128"/>
-          </a:xfrm>
-        </p:spPr>
-        <p:txBody>
-          <a:bodyPr/>
-          <a:lstStyle/>
-          <a:p>
-            <a:r>
-              <a:rPr lang="en-US" sz="1400" dirty="0"/>
-              <a:t>TestNG : HTML and XML reports</a:t>
-            </a:r>
-            <a:endParaRPr lang="en-IN" sz="1400" dirty="0"/>
-          </a:p>
-        </p:txBody>
-      </p:sp>
-      <p:sp>
-        <p:nvSpPr>
-          <p:cNvPr id="3" name="Text Placeholder 2"/>
-          <p:cNvSpPr>
-            <a:spLocks noGrp="1"/>
-          </p:cNvSpPr>
-          <p:nvPr>
-            <p:ph type="body" idx="1"/>
-          </p:nvPr>
-        </p:nvSpPr>
-        <p:spPr>
-          <a:xfrm>
-            <a:off x="677333" y="980729"/>
-            <a:ext cx="8596668" cy="5060634"/>
-          </a:xfrm>
-        </p:spPr>
-        <p:txBody>
-          <a:bodyPr/>
-          <a:lstStyle/>
-          <a:p>
-            <a:pPr fontAlgn="base"/>
-            <a:r>
-              <a:rPr lang="en-IN" sz="1200" dirty="0"/>
-              <a:t>TestNG HTML and XML Reports:</a:t>
-            </a:r>
-          </a:p>
-          <a:p>
-            <a:pPr lvl="1" fontAlgn="base"/>
-            <a:r>
-              <a:rPr lang="en-IN" sz="1000" dirty="0"/>
-              <a:t>TestNG comes with certain predefined listeners which are by default added to any test execution and generate different HTML and XML reports for any test execution. </a:t>
-            </a:r>
-          </a:p>
-          <a:p>
-            <a:pPr lvl="1" fontAlgn="base"/>
-            <a:r>
-              <a:rPr lang="en-IN" sz="1000" dirty="0"/>
-              <a:t>The report is generated by default ,under the folder named test-output and can be changed to any other folder by configuring it. </a:t>
-            </a:r>
-          </a:p>
-          <a:p>
-            <a:pPr lvl="1" fontAlgn="base"/>
-            <a:r>
-              <a:rPr lang="en-IN" sz="1000" dirty="0"/>
-              <a:t>Test-output folder contains files like </a:t>
-            </a:r>
-          </a:p>
-          <a:p>
-            <a:pPr lvl="2" fontAlgn="base"/>
-            <a:r>
-              <a:rPr lang="en-IN" sz="1000" dirty="0"/>
-              <a:t>index.html</a:t>
-            </a:r>
-          </a:p>
-          <a:p>
-            <a:pPr lvl="2" fontAlgn="base"/>
-            <a:r>
-              <a:rPr lang="en-IN" sz="1000" dirty="0"/>
-              <a:t>emailable-report.html,</a:t>
-            </a:r>
-          </a:p>
-          <a:p>
-            <a:pPr lvl="2" fontAlgn="base"/>
-            <a:r>
-              <a:rPr lang="en-IN" sz="1000" dirty="0"/>
-              <a:t>testng-results.xml,</a:t>
-            </a:r>
-          </a:p>
-          <a:p>
-            <a:pPr lvl="2" fontAlgn="base"/>
-            <a:r>
-              <a:rPr lang="en-IN" sz="1000" dirty="0"/>
-              <a:t>testng-failed.xml</a:t>
-            </a:r>
-          </a:p>
-          <a:p>
-            <a:pPr lvl="1" fontAlgn="base"/>
-            <a:r>
-              <a:rPr lang="en-IN" sz="1000" dirty="0"/>
-              <a:t>This default report generation can be disabled while running the tests by setting the value of the property </a:t>
-            </a:r>
-            <a:r>
-              <a:rPr lang="en-IN" sz="1000" dirty="0" err="1"/>
-              <a:t>useDefaultListeners</a:t>
-            </a:r>
-            <a:r>
-              <a:rPr lang="en-IN" sz="1000" dirty="0"/>
-              <a:t> to false. This property can be set while using build tools like Ant or Maven.</a:t>
-            </a:r>
-            <a:endParaRPr lang="en-IN" sz="1200" dirty="0"/>
-          </a:p>
-          <a:p>
-            <a:pPr marL="342900" lvl="1" indent="-251459" fontAlgn="base">
-              <a:buSzPct val="79999"/>
-            </a:pPr>
-            <a:r>
-              <a:rPr lang="en-IN" sz="1200" dirty="0"/>
-              <a:t>TestNG logging:</a:t>
-            </a:r>
-          </a:p>
-          <a:p>
-            <a:pPr lvl="1" fontAlgn="base"/>
-            <a:r>
-              <a:rPr lang="en-IN" sz="1000" dirty="0"/>
-              <a:t>TestNG has built in logger(We are not going to use log4j instead of this logger).</a:t>
-            </a:r>
-          </a:p>
-          <a:p>
-            <a:pPr lvl="1" fontAlgn="base"/>
-            <a:r>
-              <a:rPr lang="en-IN" sz="1000" dirty="0"/>
-              <a:t>For advanced event based logging, we can make use of  Listeners.</a:t>
-            </a:r>
-          </a:p>
-          <a:p>
-            <a:pPr lvl="1" fontAlgn="base"/>
-            <a:endParaRPr lang="en-IN" sz="1200" dirty="0"/>
-          </a:p>
-          <a:p>
-            <a:endParaRPr lang="en-IN" dirty="0"/>
-          </a:p>
-        </p:txBody>
-      </p:sp>
-    </p:spTree>
-    <p:extLst>
-      <p:ext uri="{BB962C8B-B14F-4D97-AF65-F5344CB8AC3E}">
-        <p14:creationId xmlns:p14="http://schemas.microsoft.com/office/powerpoint/2010/main" val="3074706438"/>
-      </p:ext>
-    </p:extLst>
-  </p:cSld>
-  <p:clrMapOvr>
-    <a:masterClrMapping/>
-  </p:clrMapOvr>
-</p:sld>
-</file>
-
-<file path=ppt/slides/slide61.xml><?xml version="1.0" encoding="utf-8"?>
-<p:sld xmlns:a="http://schemas.openxmlformats.org/drawingml/2006/main" xmlns:r="http://schemas.openxmlformats.org/officeDocument/2006/relationships" xmlns:p="http://schemas.openxmlformats.org/presentationml/2006/main">
-  <p:cSld>
-    <p:spTree>
-      <p:nvGrpSpPr>
-        <p:cNvPr id="1" name=""/>
-        <p:cNvGrpSpPr/>
-        <p:nvPr/>
-      </p:nvGrpSpPr>
-      <p:grpSpPr>
-        <a:xfrm>
-          <a:off x="0" y="0"/>
-          <a:ext cx="0" cy="0"/>
-          <a:chOff x="0" y="0"/>
-          <a:chExt cx="0" cy="0"/>
-        </a:xfrm>
-      </p:grpSpPr>
-      <p:sp>
-        <p:nvSpPr>
-          <p:cNvPr id="2" name="Title 1"/>
-          <p:cNvSpPr>
-            <a:spLocks noGrp="1"/>
-          </p:cNvSpPr>
-          <p:nvPr>
-            <p:ph type="title"/>
-          </p:nvPr>
-        </p:nvSpPr>
-        <p:spPr>
-          <a:xfrm>
-            <a:off x="677333" y="381000"/>
-            <a:ext cx="8596668" cy="381000"/>
-          </a:xfrm>
-        </p:spPr>
-        <p:txBody>
-          <a:bodyPr/>
-          <a:lstStyle/>
-          <a:p>
-            <a:r>
-              <a:rPr lang="en-US" sz="1400" dirty="0"/>
-              <a:t>TestNG : Reporter class</a:t>
-            </a:r>
-            <a:endParaRPr lang="en-IN" sz="1400" dirty="0"/>
-          </a:p>
-        </p:txBody>
-      </p:sp>
-      <p:sp>
-        <p:nvSpPr>
-          <p:cNvPr id="3" name="Text Placeholder 2"/>
-          <p:cNvSpPr>
-            <a:spLocks noGrp="1"/>
-          </p:cNvSpPr>
-          <p:nvPr>
-            <p:ph type="body" idx="1"/>
-          </p:nvPr>
-        </p:nvSpPr>
-        <p:spPr>
-          <a:xfrm>
-            <a:off x="677333" y="914400"/>
-            <a:ext cx="8596668" cy="5126963"/>
-          </a:xfrm>
-        </p:spPr>
-        <p:txBody>
-          <a:bodyPr/>
-          <a:lstStyle/>
-          <a:p>
-            <a:pPr fontAlgn="base"/>
-            <a:r>
-              <a:rPr lang="en-IN" sz="1200" dirty="0"/>
-              <a:t>TestNG Reporter:</a:t>
-            </a:r>
-          </a:p>
-          <a:p>
-            <a:pPr lvl="1" fontAlgn="base"/>
-            <a:r>
-              <a:rPr lang="en-IN" sz="1200" dirty="0"/>
-              <a:t>Reporter is a class in TestNG which is used to log messages that will be included in the HTML reports generated by TestNG.   </a:t>
-            </a:r>
-          </a:p>
-          <a:p>
-            <a:pPr lvl="1" fontAlgn="base"/>
-            <a:r>
-              <a:rPr lang="en-IN" sz="1200" dirty="0"/>
-              <a:t>Using Reporter ,we can log messages to HTML reports or console only </a:t>
-            </a:r>
-            <a:r>
-              <a:rPr lang="en-IN" sz="1200" b="1" dirty="0"/>
-              <a:t>and not to log files</a:t>
-            </a:r>
-            <a:r>
-              <a:rPr lang="en-IN" sz="1200" dirty="0"/>
-              <a:t>.</a:t>
-            </a:r>
-          </a:p>
-          <a:p>
-            <a:pPr lvl="1" fontAlgn="base"/>
-            <a:r>
-              <a:rPr lang="en-IN" sz="1200" dirty="0"/>
-              <a:t>Methods:</a:t>
-            </a:r>
-          </a:p>
-          <a:p>
-            <a:pPr lvl="2" fontAlgn="base"/>
-            <a:r>
-              <a:rPr lang="en-IN" sz="1200" dirty="0"/>
-              <a:t>Reporter.log(s)</a:t>
-            </a:r>
-          </a:p>
-          <a:p>
-            <a:pPr lvl="3" fontAlgn="base"/>
-            <a:r>
-              <a:rPr lang="en-IN" dirty="0"/>
-              <a:t>To log to HTML reports only</a:t>
-            </a:r>
-          </a:p>
-          <a:p>
-            <a:pPr lvl="2" fontAlgn="base"/>
-            <a:r>
-              <a:rPr lang="en-IN" sz="1200" dirty="0"/>
-              <a:t>Reporter.log(s, </a:t>
-            </a:r>
-            <a:r>
-              <a:rPr lang="en-IN" sz="1200" dirty="0" err="1"/>
-              <a:t>logToStandardOut</a:t>
-            </a:r>
-            <a:r>
-              <a:rPr lang="en-IN" sz="1200" dirty="0"/>
-              <a:t>)</a:t>
-            </a:r>
-          </a:p>
-          <a:p>
-            <a:pPr lvl="3" fontAlgn="base"/>
-            <a:r>
-              <a:rPr lang="en-IN" dirty="0"/>
-              <a:t>To log to HTML reports as well as console</a:t>
-            </a:r>
-          </a:p>
-          <a:p>
-            <a:pPr lvl="1" fontAlgn="base"/>
-            <a:r>
-              <a:rPr lang="en-IN" sz="1200" dirty="0"/>
-              <a:t>Reporter class is not a Listener.</a:t>
-            </a:r>
-          </a:p>
-          <a:p>
-            <a:endParaRPr lang="en-IN" dirty="0"/>
-          </a:p>
-        </p:txBody>
-      </p:sp>
-    </p:spTree>
-    <p:extLst>
-      <p:ext uri="{BB962C8B-B14F-4D97-AF65-F5344CB8AC3E}">
-        <p14:creationId xmlns:p14="http://schemas.microsoft.com/office/powerpoint/2010/main" val="411888684"/>
-      </p:ext>
-    </p:extLst>
-  </p:cSld>
-  <p:clrMapOvr>
-    <a:masterClrMapping/>
-  </p:clrMapOvr>
-</p:sld>
-</file>
-
-<file path=ppt/slides/slide62.xml><?xml version="1.0" encoding="utf-8"?>
-<p:sld xmlns:a="http://schemas.openxmlformats.org/drawingml/2006/main" xmlns:r="http://schemas.openxmlformats.org/officeDocument/2006/relationships" xmlns:p="http://schemas.openxmlformats.org/presentationml/2006/main">
-  <p:cSld>
-    <p:spTree>
-      <p:nvGrpSpPr>
-        <p:cNvPr id="1" name=""/>
-        <p:cNvGrpSpPr/>
-        <p:nvPr/>
-      </p:nvGrpSpPr>
-      <p:grpSpPr>
-        <a:xfrm>
-          <a:off x="0" y="0"/>
-          <a:ext cx="0" cy="0"/>
-          <a:chOff x="0" y="0"/>
-          <a:chExt cx="0" cy="0"/>
-        </a:xfrm>
-      </p:grpSpPr>
-      <p:sp>
-        <p:nvSpPr>
-          <p:cNvPr id="2" name="Title 1"/>
-          <p:cNvSpPr>
-            <a:spLocks noGrp="1"/>
-          </p:cNvSpPr>
-          <p:nvPr>
-            <p:ph type="title"/>
-          </p:nvPr>
-        </p:nvSpPr>
-        <p:spPr>
-          <a:xfrm>
             <a:off x="695400" y="404664"/>
             <a:ext cx="8596668" cy="288032"/>
           </a:xfrm>
@@ -42899,7 +42210,7 @@
 </p:sld>
 </file>
 
-<file path=ppt/slides/slide63.xml><?xml version="1.0" encoding="utf-8"?>
+<file path=ppt/slides/slide61.xml><?xml version="1.0" encoding="utf-8"?>
 <p:sld xmlns:a="http://schemas.openxmlformats.org/drawingml/2006/main" xmlns:r="http://schemas.openxmlformats.org/officeDocument/2006/relationships" xmlns:p="http://schemas.openxmlformats.org/presentationml/2006/main">
   <p:cSld>
     <p:spTree>
@@ -43171,7 +42482,7 @@
 </p:sld>
 </file>
 
-<file path=ppt/slides/slide64.xml><?xml version="1.0" encoding="utf-8"?>
+<file path=ppt/slides/slide62.xml><?xml version="1.0" encoding="utf-8"?>
 <p:sld xmlns:a="http://schemas.openxmlformats.org/drawingml/2006/main" xmlns:r="http://schemas.openxmlformats.org/officeDocument/2006/relationships" xmlns:p="http://schemas.openxmlformats.org/presentationml/2006/main">
   <p:cSld>
     <p:spTree>
@@ -43473,7 +42784,7 @@
 </p:sld>
 </file>
 
-<file path=ppt/slides/slide65.xml><?xml version="1.0" encoding="utf-8"?>
+<file path=ppt/slides/slide63.xml><?xml version="1.0" encoding="utf-8"?>
 <p:sld xmlns:a="http://schemas.openxmlformats.org/drawingml/2006/main" xmlns:r="http://schemas.openxmlformats.org/officeDocument/2006/relationships" xmlns:p="http://schemas.openxmlformats.org/presentationml/2006/main">
   <p:cSld>
     <p:spTree>
@@ -43751,7 +43062,7 @@
 </p:sld>
 </file>
 
-<file path=ppt/slides/slide66.xml><?xml version="1.0" encoding="utf-8"?>
+<file path=ppt/slides/slide64.xml><?xml version="1.0" encoding="utf-8"?>
 <p:sld xmlns:a="http://schemas.openxmlformats.org/drawingml/2006/main" xmlns:r="http://schemas.openxmlformats.org/officeDocument/2006/relationships" xmlns:p="http://schemas.openxmlformats.org/presentationml/2006/main">
   <p:cSld>
     <p:spTree>
@@ -43964,7 +43275,7 @@
 </p:sld>
 </file>
 
-<file path=ppt/slides/slide67.xml><?xml version="1.0" encoding="utf-8"?>
+<file path=ppt/slides/slide65.xml><?xml version="1.0" encoding="utf-8"?>
 <p:sld xmlns:a="http://schemas.openxmlformats.org/drawingml/2006/main" xmlns:r="http://schemas.openxmlformats.org/officeDocument/2006/relationships" xmlns:p="http://schemas.openxmlformats.org/presentationml/2006/main">
   <p:cSld>
     <p:spTree>
@@ -44132,7 +43443,7 @@
 </p:sld>
 </file>
 
-<file path=ppt/slides/slide68.xml><?xml version="1.0" encoding="utf-8"?>
+<file path=ppt/slides/slide66.xml><?xml version="1.0" encoding="utf-8"?>
 <p:sld xmlns:a="http://schemas.openxmlformats.org/drawingml/2006/main" xmlns:r="http://schemas.openxmlformats.org/officeDocument/2006/relationships" xmlns:p="http://schemas.openxmlformats.org/presentationml/2006/main">
   <p:cSld>
     <p:spTree>
@@ -44376,7 +43687,7 @@
 </p:sld>
 </file>
 
-<file path=ppt/slides/slide69.xml><?xml version="1.0" encoding="utf-8"?>
+<file path=ppt/slides/slide67.xml><?xml version="1.0" encoding="utf-8"?>
 <p:sld xmlns:a="http://schemas.openxmlformats.org/drawingml/2006/main" xmlns:r="http://schemas.openxmlformats.org/officeDocument/2006/relationships" xmlns:p="http://schemas.openxmlformats.org/presentationml/2006/main">
   <p:cSld>
     <p:spTree>
@@ -44570,158 +43881,7 @@
 </p:sld>
 </file>
 
-<file path=ppt/slides/slide7.xml><?xml version="1.0" encoding="utf-8"?>
-<p:sld xmlns:a="http://schemas.openxmlformats.org/drawingml/2006/main" xmlns:r="http://schemas.openxmlformats.org/officeDocument/2006/relationships" xmlns:p="http://schemas.openxmlformats.org/presentationml/2006/main">
-  <p:cSld>
-    <p:spTree>
-      <p:nvGrpSpPr>
-        <p:cNvPr id="1" name="Shape 228"/>
-        <p:cNvGrpSpPr/>
-        <p:nvPr/>
-      </p:nvGrpSpPr>
-      <p:grpSpPr>
-        <a:xfrm>
-          <a:off x="0" y="0"/>
-          <a:ext cx="0" cy="0"/>
-          <a:chOff x="0" y="0"/>
-          <a:chExt cx="0" cy="0"/>
-        </a:xfrm>
-      </p:grpSpPr>
-      <p:sp>
-        <p:nvSpPr>
-          <p:cNvPr id="230" name="Shape 230"/>
-          <p:cNvSpPr txBox="1">
-            <a:spLocks noGrp="1"/>
-          </p:cNvSpPr>
-          <p:nvPr>
-            <p:ph type="body" idx="1"/>
-          </p:nvPr>
-        </p:nvSpPr>
-        <p:spPr>
-          <a:xfrm>
-            <a:off x="685800" y="762000"/>
-            <a:ext cx="8596668" cy="5431762"/>
-          </a:xfrm>
-          <a:prstGeom prst="rect">
-            <a:avLst/>
-          </a:prstGeom>
-          <a:noFill/>
-          <a:ln>
-            <a:noFill/>
-          </a:ln>
-        </p:spPr>
-        <p:txBody>
-          <a:bodyPr lIns="91425" tIns="45700" rIns="91425" bIns="45700" anchor="t" anchorCtr="0">
-            <a:noAutofit/>
-          </a:bodyPr>
-          <a:lstStyle/>
-          <a:p>
-            <a:pPr indent="-342900"/>
-            <a:r>
-              <a:rPr lang="en-US" sz="1200" dirty="0">
-                <a:latin typeface="Times New Roman" panose="02020603050405020304" pitchFamily="18" charset="0"/>
-                <a:cs typeface="Times New Roman" panose="02020603050405020304" pitchFamily="18" charset="0"/>
-              </a:rPr>
-              <a:t>Primitive data types</a:t>
-            </a:r>
-            <a:endParaRPr sz="1200" dirty="0">
-              <a:latin typeface="Times New Roman" panose="02020603050405020304" pitchFamily="18" charset="0"/>
-              <a:cs typeface="Times New Roman" panose="02020603050405020304" pitchFamily="18" charset="0"/>
-            </a:endParaRPr>
-          </a:p>
-        </p:txBody>
-      </p:sp>
-      <p:pic>
-        <p:nvPicPr>
-          <p:cNvPr id="231" name="Shape 231"/>
-          <p:cNvPicPr preferRelativeResize="0"/>
-          <p:nvPr/>
-        </p:nvPicPr>
-        <p:blipFill rotWithShape="1">
-          <a:blip r:embed="rId3">
-            <a:alphaModFix/>
-          </a:blip>
-          <a:srcRect/>
-          <a:stretch/>
-        </p:blipFill>
-        <p:spPr>
-          <a:xfrm>
-            <a:off x="1828800" y="1143000"/>
-            <a:ext cx="4016030" cy="3210523"/>
-          </a:xfrm>
-          <a:prstGeom prst="rect">
-            <a:avLst/>
-          </a:prstGeom>
-          <a:noFill/>
-          <a:ln>
-            <a:noFill/>
-          </a:ln>
-        </p:spPr>
-      </p:pic>
-      <p:sp>
-        <p:nvSpPr>
-          <p:cNvPr id="8" name="Shape 199"/>
-          <p:cNvSpPr txBox="1">
-            <a:spLocks noGrp="1"/>
-          </p:cNvSpPr>
-          <p:nvPr>
-            <p:ph type="title"/>
-          </p:nvPr>
-        </p:nvSpPr>
-        <p:spPr>
-          <a:xfrm>
-            <a:off x="677333" y="228600"/>
-            <a:ext cx="8596668" cy="381000"/>
-          </a:xfrm>
-          <a:prstGeom prst="rect">
-            <a:avLst/>
-          </a:prstGeom>
-          <a:noFill/>
-          <a:ln>
-            <a:noFill/>
-          </a:ln>
-        </p:spPr>
-        <p:txBody>
-          <a:bodyPr lIns="91425" tIns="45700" rIns="91425" bIns="45700" anchor="t" anchorCtr="0">
-            <a:noAutofit/>
-          </a:bodyPr>
-          <a:lstStyle/>
-          <a:p>
-            <a:pPr marL="0" marR="0" lvl="0" indent="0" algn="l" rtl="0">
-              <a:spcBef>
-                <a:spcPts val="0"/>
-              </a:spcBef>
-              <a:buClr>
-                <a:schemeClr val="accent1"/>
-              </a:buClr>
-              <a:buSzPct val="25000"/>
-              <a:buFont typeface="Trebuchet MS"/>
-              <a:buNone/>
-            </a:pPr>
-            <a:r>
-              <a:rPr lang="en-US" sz="1600" b="0" i="0" u="none" strike="noStrike" cap="none" dirty="0">
-                <a:solidFill>
-                  <a:schemeClr val="accent1"/>
-                </a:solidFill>
-                <a:latin typeface="Trebuchet MS"/>
-                <a:ea typeface="Trebuchet MS"/>
-                <a:cs typeface="Trebuchet MS"/>
-                <a:sym typeface="Trebuchet MS"/>
-              </a:rPr>
-              <a:t>Java : Primitive data types</a:t>
-            </a:r>
-          </a:p>
-        </p:txBody>
-      </p:sp>
-    </p:spTree>
-  </p:cSld>
-  <p:clrMapOvr>
-    <a:masterClrMapping/>
-  </p:clrMapOvr>
-</p:sld>
-</file>
-
-<file path=ppt/slides/slide70.xml><?xml version="1.0" encoding="utf-8"?>
+<file path=ppt/slides/slide68.xml><?xml version="1.0" encoding="utf-8"?>
 <p:sld xmlns:a="http://schemas.openxmlformats.org/drawingml/2006/main" xmlns:r="http://schemas.openxmlformats.org/officeDocument/2006/relationships" xmlns:p="http://schemas.openxmlformats.org/presentationml/2006/main">
   <p:cSld>
     <p:spTree>
@@ -44928,7 +44088,7 @@
 </p:sld>
 </file>
 
-<file path=ppt/slides/slide71.xml><?xml version="1.0" encoding="utf-8"?>
+<file path=ppt/slides/slide69.xml><?xml version="1.0" encoding="utf-8"?>
 <p:sld xmlns:a="http://schemas.openxmlformats.org/drawingml/2006/main" xmlns:r="http://schemas.openxmlformats.org/officeDocument/2006/relationships" xmlns:p="http://schemas.openxmlformats.org/presentationml/2006/main">
   <p:cSld>
     <p:spTree>
@@ -46758,7 +45918,158 @@
 </p:sld>
 </file>
 
-<file path=ppt/slides/slide72.xml><?xml version="1.0" encoding="utf-8"?>
+<file path=ppt/slides/slide7.xml><?xml version="1.0" encoding="utf-8"?>
+<p:sld xmlns:a="http://schemas.openxmlformats.org/drawingml/2006/main" xmlns:r="http://schemas.openxmlformats.org/officeDocument/2006/relationships" xmlns:p="http://schemas.openxmlformats.org/presentationml/2006/main">
+  <p:cSld>
+    <p:spTree>
+      <p:nvGrpSpPr>
+        <p:cNvPr id="1" name="Shape 228"/>
+        <p:cNvGrpSpPr/>
+        <p:nvPr/>
+      </p:nvGrpSpPr>
+      <p:grpSpPr>
+        <a:xfrm>
+          <a:off x="0" y="0"/>
+          <a:ext cx="0" cy="0"/>
+          <a:chOff x="0" y="0"/>
+          <a:chExt cx="0" cy="0"/>
+        </a:xfrm>
+      </p:grpSpPr>
+      <p:sp>
+        <p:nvSpPr>
+          <p:cNvPr id="230" name="Shape 230"/>
+          <p:cNvSpPr txBox="1">
+            <a:spLocks noGrp="1"/>
+          </p:cNvSpPr>
+          <p:nvPr>
+            <p:ph type="body" idx="1"/>
+          </p:nvPr>
+        </p:nvSpPr>
+        <p:spPr>
+          <a:xfrm>
+            <a:off x="685800" y="762000"/>
+            <a:ext cx="8596668" cy="5431762"/>
+          </a:xfrm>
+          <a:prstGeom prst="rect">
+            <a:avLst/>
+          </a:prstGeom>
+          <a:noFill/>
+          <a:ln>
+            <a:noFill/>
+          </a:ln>
+        </p:spPr>
+        <p:txBody>
+          <a:bodyPr lIns="91425" tIns="45700" rIns="91425" bIns="45700" anchor="t" anchorCtr="0">
+            <a:noAutofit/>
+          </a:bodyPr>
+          <a:lstStyle/>
+          <a:p>
+            <a:pPr indent="-342900"/>
+            <a:r>
+              <a:rPr lang="en-US" sz="1200" dirty="0">
+                <a:latin typeface="Times New Roman" panose="02020603050405020304" pitchFamily="18" charset="0"/>
+                <a:cs typeface="Times New Roman" panose="02020603050405020304" pitchFamily="18" charset="0"/>
+              </a:rPr>
+              <a:t>Primitive data types</a:t>
+            </a:r>
+            <a:endParaRPr sz="1200" dirty="0">
+              <a:latin typeface="Times New Roman" panose="02020603050405020304" pitchFamily="18" charset="0"/>
+              <a:cs typeface="Times New Roman" panose="02020603050405020304" pitchFamily="18" charset="0"/>
+            </a:endParaRPr>
+          </a:p>
+        </p:txBody>
+      </p:sp>
+      <p:pic>
+        <p:nvPicPr>
+          <p:cNvPr id="231" name="Shape 231"/>
+          <p:cNvPicPr preferRelativeResize="0"/>
+          <p:nvPr/>
+        </p:nvPicPr>
+        <p:blipFill rotWithShape="1">
+          <a:blip r:embed="rId3">
+            <a:alphaModFix/>
+          </a:blip>
+          <a:srcRect/>
+          <a:stretch/>
+        </p:blipFill>
+        <p:spPr>
+          <a:xfrm>
+            <a:off x="1828800" y="1143000"/>
+            <a:ext cx="4016030" cy="3210523"/>
+          </a:xfrm>
+          <a:prstGeom prst="rect">
+            <a:avLst/>
+          </a:prstGeom>
+          <a:noFill/>
+          <a:ln>
+            <a:noFill/>
+          </a:ln>
+        </p:spPr>
+      </p:pic>
+      <p:sp>
+        <p:nvSpPr>
+          <p:cNvPr id="8" name="Shape 199"/>
+          <p:cNvSpPr txBox="1">
+            <a:spLocks noGrp="1"/>
+          </p:cNvSpPr>
+          <p:nvPr>
+            <p:ph type="title"/>
+          </p:nvPr>
+        </p:nvSpPr>
+        <p:spPr>
+          <a:xfrm>
+            <a:off x="677333" y="228600"/>
+            <a:ext cx="8596668" cy="381000"/>
+          </a:xfrm>
+          <a:prstGeom prst="rect">
+            <a:avLst/>
+          </a:prstGeom>
+          <a:noFill/>
+          <a:ln>
+            <a:noFill/>
+          </a:ln>
+        </p:spPr>
+        <p:txBody>
+          <a:bodyPr lIns="91425" tIns="45700" rIns="91425" bIns="45700" anchor="t" anchorCtr="0">
+            <a:noAutofit/>
+          </a:bodyPr>
+          <a:lstStyle/>
+          <a:p>
+            <a:pPr marL="0" marR="0" lvl="0" indent="0" algn="l" rtl="0">
+              <a:spcBef>
+                <a:spcPts val="0"/>
+              </a:spcBef>
+              <a:buClr>
+                <a:schemeClr val="accent1"/>
+              </a:buClr>
+              <a:buSzPct val="25000"/>
+              <a:buFont typeface="Trebuchet MS"/>
+              <a:buNone/>
+            </a:pPr>
+            <a:r>
+              <a:rPr lang="en-US" sz="1600" b="0" i="0" u="none" strike="noStrike" cap="none" dirty="0">
+                <a:solidFill>
+                  <a:schemeClr val="accent1"/>
+                </a:solidFill>
+                <a:latin typeface="Trebuchet MS"/>
+                <a:ea typeface="Trebuchet MS"/>
+                <a:cs typeface="Trebuchet MS"/>
+                <a:sym typeface="Trebuchet MS"/>
+              </a:rPr>
+              <a:t>Java : Primitive data types</a:t>
+            </a:r>
+          </a:p>
+        </p:txBody>
+      </p:sp>
+    </p:spTree>
+  </p:cSld>
+  <p:clrMapOvr>
+    <a:masterClrMapping/>
+  </p:clrMapOvr>
+</p:sld>
+</file>
+
+<file path=ppt/slides/slide70.xml><?xml version="1.0" encoding="utf-8"?>
 <p:sld xmlns:a="http://schemas.openxmlformats.org/drawingml/2006/main" xmlns:r="http://schemas.openxmlformats.org/officeDocument/2006/relationships" xmlns:p="http://schemas.openxmlformats.org/presentationml/2006/main">
   <p:cSld>
     <p:spTree>
@@ -49076,7 +48387,7 @@
 </p:sld>
 </file>
 
-<file path=ppt/slides/slide73.xml><?xml version="1.0" encoding="utf-8"?>
+<file path=ppt/slides/slide71.xml><?xml version="1.0" encoding="utf-8"?>
 <p:sld xmlns:a="http://schemas.openxmlformats.org/drawingml/2006/main" xmlns:r="http://schemas.openxmlformats.org/officeDocument/2006/relationships" xmlns:p="http://schemas.openxmlformats.org/presentationml/2006/main">
   <p:cSld>
     <p:spTree>
@@ -49279,6 +48590,457 @@
     <p:extLst>
       <p:ext uri="{BB962C8B-B14F-4D97-AF65-F5344CB8AC3E}">
         <p14:creationId xmlns:p14="http://schemas.microsoft.com/office/powerpoint/2010/main" val="2946562498"/>
+      </p:ext>
+    </p:extLst>
+  </p:cSld>
+  <p:clrMapOvr>
+    <a:masterClrMapping/>
+  </p:clrMapOvr>
+</p:sld>
+</file>
+
+<file path=ppt/slides/slide72.xml><?xml version="1.0" encoding="utf-8"?>
+<p:sld xmlns:a="http://schemas.openxmlformats.org/drawingml/2006/main" xmlns:r="http://schemas.openxmlformats.org/officeDocument/2006/relationships" xmlns:p="http://schemas.openxmlformats.org/presentationml/2006/main">
+  <p:cSld>
+    <p:spTree>
+      <p:nvGrpSpPr>
+        <p:cNvPr id="1" name=""/>
+        <p:cNvGrpSpPr/>
+        <p:nvPr/>
+      </p:nvGrpSpPr>
+      <p:grpSpPr>
+        <a:xfrm>
+          <a:off x="0" y="0"/>
+          <a:ext cx="0" cy="0"/>
+          <a:chOff x="0" y="0"/>
+          <a:chExt cx="0" cy="0"/>
+        </a:xfrm>
+      </p:grpSpPr>
+      <p:sp>
+        <p:nvSpPr>
+          <p:cNvPr id="3" name="Text Placeholder 2"/>
+          <p:cNvSpPr>
+            <a:spLocks noGrp="1"/>
+          </p:cNvSpPr>
+          <p:nvPr>
+            <p:ph type="body" idx="1"/>
+          </p:nvPr>
+        </p:nvSpPr>
+        <p:spPr>
+          <a:xfrm>
+            <a:off x="677333" y="548680"/>
+            <a:ext cx="8596668" cy="6192687"/>
+          </a:xfrm>
+        </p:spPr>
+        <p:txBody>
+          <a:bodyPr/>
+          <a:lstStyle/>
+          <a:p>
+            <a:pPr fontAlgn="base">
+              <a:buSzPct val="80000"/>
+            </a:pPr>
+            <a:r>
+              <a:rPr lang="en-IN" sz="1200" dirty="0"/>
+              <a:t>Working with Different Elements </a:t>
+            </a:r>
+          </a:p>
+          <a:p>
+            <a:pPr lvl="1" fontAlgn="base"/>
+            <a:r>
+              <a:rPr lang="en-IN" sz="1200" dirty="0"/>
+              <a:t>Text box</a:t>
+            </a:r>
+          </a:p>
+          <a:p>
+            <a:pPr lvl="1" fontAlgn="base"/>
+            <a:r>
+              <a:rPr lang="en-IN" sz="1200" dirty="0"/>
+              <a:t>Radio Buttons</a:t>
+            </a:r>
+          </a:p>
+          <a:p>
+            <a:pPr lvl="1" fontAlgn="base"/>
+            <a:r>
+              <a:rPr lang="en-IN" sz="1200" dirty="0"/>
+              <a:t>Checkbox</a:t>
+            </a:r>
+          </a:p>
+          <a:p>
+            <a:pPr lvl="1" fontAlgn="base"/>
+            <a:r>
+              <a:rPr lang="en-IN" sz="1200" dirty="0"/>
+              <a:t>Button</a:t>
+            </a:r>
+          </a:p>
+          <a:p>
+            <a:pPr lvl="1" fontAlgn="base"/>
+            <a:r>
+              <a:rPr lang="en-IN" sz="1200" dirty="0"/>
+              <a:t>Link</a:t>
+            </a:r>
+          </a:p>
+          <a:p>
+            <a:pPr lvl="1" fontAlgn="base"/>
+            <a:r>
+              <a:rPr lang="en-IN" sz="1200" dirty="0"/>
+              <a:t>Dropdown list</a:t>
+            </a:r>
+          </a:p>
+          <a:p>
+            <a:pPr lvl="2" fontAlgn="base"/>
+            <a:r>
+              <a:rPr lang="en-IN" sz="1200" dirty="0"/>
+              <a:t>Select class</a:t>
+            </a:r>
+          </a:p>
+          <a:p>
+            <a:pPr lvl="2" fontAlgn="base"/>
+            <a:r>
+              <a:rPr lang="en-IN" sz="1200" dirty="0"/>
+              <a:t>Select methods</a:t>
+            </a:r>
+          </a:p>
+          <a:p>
+            <a:pPr lvl="3" fontAlgn="base"/>
+            <a:r>
+              <a:rPr lang="en-IN" dirty="0" err="1"/>
+              <a:t>selectByIndex</a:t>
+            </a:r>
+            <a:r>
+              <a:rPr lang="en-IN" dirty="0"/>
+              <a:t>(Index)</a:t>
+            </a:r>
+          </a:p>
+          <a:p>
+            <a:pPr lvl="3" fontAlgn="base"/>
+            <a:r>
+              <a:rPr lang="en-IN" dirty="0" err="1"/>
+              <a:t>selectByValue</a:t>
+            </a:r>
+            <a:r>
+              <a:rPr lang="en-IN" dirty="0"/>
+              <a:t>(Value)</a:t>
+            </a:r>
+          </a:p>
+          <a:p>
+            <a:pPr lvl="3" fontAlgn="base"/>
+            <a:r>
+              <a:rPr lang="en-IN" dirty="0" err="1"/>
+              <a:t>selectByVisibleText</a:t>
+            </a:r>
+            <a:r>
+              <a:rPr lang="en-IN" dirty="0"/>
+              <a:t>(Text)</a:t>
+            </a:r>
+          </a:p>
+          <a:p>
+            <a:pPr lvl="1" fontAlgn="base"/>
+            <a:r>
+              <a:rPr lang="en-IN" sz="1200" dirty="0"/>
+              <a:t>(</a:t>
+            </a:r>
+            <a:r>
+              <a:rPr lang="en-IN" sz="1200" dirty="0" err="1"/>
+              <a:t>isDisplayed</a:t>
+            </a:r>
+            <a:r>
+              <a:rPr lang="en-IN" sz="1200" dirty="0"/>
+              <a:t>)</a:t>
+            </a:r>
+          </a:p>
+          <a:p>
+            <a:pPr lvl="2" fontAlgn="base"/>
+            <a:r>
+              <a:rPr lang="en-IN" sz="1200" dirty="0"/>
+              <a:t>Whether a web element is visible or hidden</a:t>
+            </a:r>
+          </a:p>
+          <a:p>
+            <a:pPr lvl="1" fontAlgn="base"/>
+            <a:r>
+              <a:rPr lang="en-IN" sz="1200" dirty="0" err="1"/>
+              <a:t>isEnbled</a:t>
+            </a:r>
+            <a:r>
+              <a:rPr lang="en-IN" sz="1200" dirty="0"/>
+              <a:t>()</a:t>
+            </a:r>
+          </a:p>
+          <a:p>
+            <a:pPr lvl="2" fontAlgn="base"/>
+            <a:r>
+              <a:rPr lang="en-IN" sz="1200" dirty="0"/>
+              <a:t>Whether a web element is </a:t>
+            </a:r>
+            <a:r>
+              <a:rPr lang="en-IN" sz="1200" dirty="0" err="1"/>
+              <a:t>editables</a:t>
+            </a:r>
+            <a:endParaRPr lang="en-IN" sz="1200" dirty="0"/>
+          </a:p>
+          <a:p>
+            <a:pPr lvl="1" fontAlgn="base"/>
+            <a:r>
+              <a:rPr lang="en-IN" sz="1200" dirty="0" err="1"/>
+              <a:t>isSelected</a:t>
+            </a:r>
+            <a:r>
+              <a:rPr lang="en-IN" sz="1200" dirty="0"/>
+              <a:t>()</a:t>
+            </a:r>
+          </a:p>
+          <a:p>
+            <a:pPr lvl="2" fontAlgn="base"/>
+            <a:r>
+              <a:rPr lang="en-IN" sz="1200" dirty="0"/>
+              <a:t>Whether a web element is selected(check </a:t>
+            </a:r>
+            <a:r>
+              <a:rPr lang="en-IN" sz="1200" dirty="0" err="1"/>
+              <a:t>box,radio</a:t>
+            </a:r>
+            <a:r>
+              <a:rPr lang="en-IN" sz="1200" dirty="0"/>
+              <a:t> buttons </a:t>
+            </a:r>
+            <a:r>
+              <a:rPr lang="en-IN" sz="1200" dirty="0" err="1"/>
+              <a:t>etc</a:t>
+            </a:r>
+            <a:r>
+              <a:rPr lang="en-IN" sz="1200" dirty="0"/>
+              <a:t>)</a:t>
+            </a:r>
+          </a:p>
+          <a:p>
+            <a:pPr fontAlgn="base">
+              <a:buSzPct val="80000"/>
+            </a:pPr>
+            <a:endParaRPr lang="en-IN" sz="1200" dirty="0"/>
+          </a:p>
+        </p:txBody>
+      </p:sp>
+      <p:sp>
+        <p:nvSpPr>
+          <p:cNvPr id="4" name="Title 1"/>
+          <p:cNvSpPr>
+            <a:spLocks noGrp="1"/>
+          </p:cNvSpPr>
+          <p:nvPr>
+            <p:ph type="title"/>
+          </p:nvPr>
+        </p:nvSpPr>
+        <p:spPr>
+          <a:xfrm>
+            <a:off x="695400" y="188640"/>
+            <a:ext cx="8596668" cy="360040"/>
+          </a:xfrm>
+        </p:spPr>
+        <p:txBody>
+          <a:bodyPr/>
+          <a:lstStyle/>
+          <a:p>
+            <a:r>
+              <a:rPr lang="en-US" sz="1400" dirty="0"/>
+              <a:t>Selenium : Element Interactions</a:t>
+            </a:r>
+            <a:endParaRPr lang="en-IN" sz="1400" dirty="0"/>
+          </a:p>
+        </p:txBody>
+      </p:sp>
+    </p:spTree>
+    <p:extLst>
+      <p:ext uri="{BB962C8B-B14F-4D97-AF65-F5344CB8AC3E}">
+        <p14:creationId xmlns:p14="http://schemas.microsoft.com/office/powerpoint/2010/main" val="520986797"/>
+      </p:ext>
+    </p:extLst>
+  </p:cSld>
+  <p:clrMapOvr>
+    <a:masterClrMapping/>
+  </p:clrMapOvr>
+</p:sld>
+</file>
+
+<file path=ppt/slides/slide73.xml><?xml version="1.0" encoding="utf-8"?>
+<p:sld xmlns:a="http://schemas.openxmlformats.org/drawingml/2006/main" xmlns:r="http://schemas.openxmlformats.org/officeDocument/2006/relationships" xmlns:p="http://schemas.openxmlformats.org/presentationml/2006/main">
+  <p:cSld>
+    <p:spTree>
+      <p:nvGrpSpPr>
+        <p:cNvPr id="1" name=""/>
+        <p:cNvGrpSpPr/>
+        <p:nvPr/>
+      </p:nvGrpSpPr>
+      <p:grpSpPr>
+        <a:xfrm>
+          <a:off x="0" y="0"/>
+          <a:ext cx="0" cy="0"/>
+          <a:chOff x="0" y="0"/>
+          <a:chExt cx="0" cy="0"/>
+        </a:xfrm>
+      </p:grpSpPr>
+      <p:sp>
+        <p:nvSpPr>
+          <p:cNvPr id="3" name="Text Placeholder 2"/>
+          <p:cNvSpPr>
+            <a:spLocks noGrp="1"/>
+          </p:cNvSpPr>
+          <p:nvPr>
+            <p:ph type="body" idx="1"/>
+          </p:nvPr>
+        </p:nvSpPr>
+        <p:spPr>
+          <a:xfrm>
+            <a:off x="677333" y="620688"/>
+            <a:ext cx="8596668" cy="5420675"/>
+          </a:xfrm>
+        </p:spPr>
+        <p:txBody>
+          <a:bodyPr/>
+          <a:lstStyle/>
+          <a:p>
+            <a:pPr fontAlgn="base">
+              <a:buSzPct val="80000"/>
+            </a:pPr>
+            <a:r>
+              <a:rPr lang="en-US" sz="1200" dirty="0"/>
+              <a:t>Dealing with Windows and Tabs</a:t>
+            </a:r>
+          </a:p>
+          <a:p>
+            <a:pPr lvl="1" fontAlgn="base"/>
+            <a:r>
+              <a:rPr lang="en-US" sz="1200" dirty="0" err="1"/>
+              <a:t>getWindowHandle</a:t>
+            </a:r>
+            <a:r>
+              <a:rPr lang="en-US" sz="1200" dirty="0"/>
+              <a:t>() method</a:t>
+            </a:r>
+          </a:p>
+          <a:p>
+            <a:pPr lvl="1" fontAlgn="base"/>
+            <a:r>
+              <a:rPr lang="en-US" sz="1200" dirty="0" err="1"/>
+              <a:t>getWindowHandles</a:t>
+            </a:r>
+            <a:r>
+              <a:rPr lang="en-US" sz="1200" dirty="0"/>
+              <a:t>() method</a:t>
+            </a:r>
+          </a:p>
+          <a:p>
+            <a:pPr lvl="1" fontAlgn="base"/>
+            <a:r>
+              <a:rPr lang="en-US" sz="1200" dirty="0"/>
+              <a:t>Switching to new Window/Tab</a:t>
+            </a:r>
+          </a:p>
+          <a:p>
+            <a:pPr lvl="1" fontAlgn="base"/>
+            <a:r>
+              <a:rPr lang="en-US" sz="1200" dirty="0"/>
+              <a:t>Switching back to parent window</a:t>
+            </a:r>
+          </a:p>
+          <a:p>
+            <a:pPr lvl="1" fontAlgn="base"/>
+            <a:r>
+              <a:rPr lang="en-US" sz="1200" dirty="0"/>
+              <a:t>Difference between close() and Quit()  methods</a:t>
+            </a:r>
+          </a:p>
+          <a:p>
+            <a:pPr lvl="1" fontAlgn="base"/>
+            <a:endParaRPr lang="en-US" sz="1200" dirty="0"/>
+          </a:p>
+          <a:p>
+            <a:pPr fontAlgn="base">
+              <a:buSzPct val="80000"/>
+            </a:pPr>
+            <a:r>
+              <a:rPr lang="en-US" sz="1200" dirty="0"/>
+              <a:t>Dealing with Alerts</a:t>
+            </a:r>
+          </a:p>
+          <a:p>
+            <a:pPr lvl="1" fontAlgn="base"/>
+            <a:r>
+              <a:rPr lang="en-IN" sz="1200" dirty="0" err="1"/>
+              <a:t>driver.switchTo</a:t>
+            </a:r>
+            <a:r>
+              <a:rPr lang="en-IN" sz="1200" dirty="0"/>
+              <a:t>().alert()</a:t>
+            </a:r>
+          </a:p>
+          <a:p>
+            <a:pPr lvl="1" fontAlgn="base"/>
+            <a:r>
+              <a:rPr lang="en-US" sz="1200" dirty="0" err="1"/>
+              <a:t>alert.getText</a:t>
+            </a:r>
+            <a:r>
+              <a:rPr lang="en-US" sz="1200" dirty="0"/>
+              <a:t>()</a:t>
+            </a:r>
+          </a:p>
+          <a:p>
+            <a:pPr lvl="1" fontAlgn="base"/>
+            <a:r>
+              <a:rPr lang="en-US" sz="1200" dirty="0" err="1"/>
+              <a:t>alert.accept</a:t>
+            </a:r>
+            <a:r>
+              <a:rPr lang="en-US" sz="1200" dirty="0"/>
+              <a:t>()</a:t>
+            </a:r>
+          </a:p>
+          <a:p>
+            <a:pPr lvl="1" fontAlgn="base"/>
+            <a:r>
+              <a:rPr lang="en-US" sz="1200" dirty="0" err="1"/>
+              <a:t>alert.dismiss</a:t>
+            </a:r>
+            <a:r>
+              <a:rPr lang="en-US" sz="1200" dirty="0"/>
+              <a:t>()</a:t>
+            </a:r>
+            <a:endParaRPr lang="en-IN" sz="1200" dirty="0"/>
+          </a:p>
+        </p:txBody>
+      </p:sp>
+      <p:sp>
+        <p:nvSpPr>
+          <p:cNvPr id="4" name="Title 1"/>
+          <p:cNvSpPr>
+            <a:spLocks noGrp="1"/>
+          </p:cNvSpPr>
+          <p:nvPr>
+            <p:ph type="title"/>
+          </p:nvPr>
+        </p:nvSpPr>
+        <p:spPr>
+          <a:xfrm>
+            <a:off x="695400" y="188640"/>
+            <a:ext cx="8596668" cy="360040"/>
+          </a:xfrm>
+        </p:spPr>
+        <p:txBody>
+          <a:bodyPr/>
+          <a:lstStyle/>
+          <a:p>
+            <a:r>
+              <a:rPr lang="en-US" sz="1400" dirty="0"/>
+              <a:t>Selenium : Dealing with Windows ,Tabs, Alerts and Iframes</a:t>
+            </a:r>
+            <a:endParaRPr lang="en-IN" sz="1400" dirty="0"/>
+          </a:p>
+        </p:txBody>
+      </p:sp>
+    </p:spTree>
+    <p:extLst>
+      <p:ext uri="{BB962C8B-B14F-4D97-AF65-F5344CB8AC3E}">
+        <p14:creationId xmlns:p14="http://schemas.microsoft.com/office/powerpoint/2010/main" val="3565964115"/>
       </p:ext>
     </p:extLst>
   </p:cSld>
@@ -49317,8 +49079,8 @@
         </p:nvSpPr>
         <p:spPr>
           <a:xfrm>
-            <a:off x="677333" y="548680"/>
-            <a:ext cx="8596668" cy="6192687"/>
+            <a:off x="677333" y="620689"/>
+            <a:ext cx="8596668" cy="5420674"/>
           </a:xfrm>
         </p:spPr>
         <p:txBody>
@@ -49329,108 +49091,43 @@
               <a:buSzPct val="80000"/>
             </a:pPr>
             <a:r>
+              <a:rPr lang="en-US" sz="1200" dirty="0"/>
+              <a:t>Dealing with Iframes</a:t>
+            </a:r>
+          </a:p>
+          <a:p>
+            <a:pPr lvl="1" fontAlgn="base"/>
+            <a:r>
+              <a:rPr lang="en-US" sz="1200" dirty="0"/>
+              <a:t>Switching to Iframe:</a:t>
+            </a:r>
+            <a:endParaRPr lang="en-IN" sz="1200" dirty="0"/>
+          </a:p>
+          <a:p>
+            <a:pPr lvl="2" fontAlgn="base"/>
+            <a:r>
+              <a:rPr lang="en-IN" sz="1200" dirty="0" err="1"/>
+              <a:t>driver.switchTo</a:t>
+            </a:r>
+            <a:r>
               <a:rPr lang="en-IN" sz="1200" dirty="0"/>
-              <a:t>Working with Different Elements </a:t>
-            </a:r>
-          </a:p>
-          <a:p>
-            <a:pPr lvl="1" fontAlgn="base"/>
+              <a:t>().frame(index)</a:t>
+            </a:r>
+            <a:endParaRPr lang="en-US" sz="1200" dirty="0"/>
+          </a:p>
+          <a:p>
+            <a:pPr lvl="2" fontAlgn="base"/>
+            <a:r>
+              <a:rPr lang="en-IN" sz="1200" dirty="0" err="1"/>
+              <a:t>driver.switchTo</a:t>
+            </a:r>
             <a:r>
               <a:rPr lang="en-IN" sz="1200" dirty="0"/>
-              <a:t>Text box</a:t>
-            </a:r>
-          </a:p>
-          <a:p>
-            <a:pPr lvl="1" fontAlgn="base"/>
-            <a:r>
-              <a:rPr lang="en-IN" sz="1200" dirty="0"/>
-              <a:t>Radio Buttons</a:t>
-            </a:r>
-          </a:p>
-          <a:p>
-            <a:pPr lvl="1" fontAlgn="base"/>
-            <a:r>
-              <a:rPr lang="en-IN" sz="1200" dirty="0"/>
-              <a:t>Checkbox</a:t>
-            </a:r>
-          </a:p>
-          <a:p>
-            <a:pPr lvl="1" fontAlgn="base"/>
-            <a:r>
-              <a:rPr lang="en-IN" sz="1200" dirty="0"/>
-              <a:t>Button</a:t>
-            </a:r>
-          </a:p>
-          <a:p>
-            <a:pPr lvl="1" fontAlgn="base"/>
-            <a:r>
-              <a:rPr lang="en-IN" sz="1200" dirty="0"/>
-              <a:t>Link</a:t>
-            </a:r>
-          </a:p>
-          <a:p>
-            <a:pPr lvl="1" fontAlgn="base"/>
-            <a:r>
-              <a:rPr lang="en-IN" sz="1200" dirty="0"/>
-              <a:t>Dropdown list</a:t>
-            </a:r>
-          </a:p>
-          <a:p>
-            <a:pPr lvl="2" fontAlgn="base"/>
-            <a:r>
-              <a:rPr lang="en-IN" sz="1200" dirty="0"/>
-              <a:t>Select class</a:t>
-            </a:r>
-          </a:p>
-          <a:p>
-            <a:pPr lvl="2" fontAlgn="base"/>
-            <a:r>
-              <a:rPr lang="en-IN" sz="1200" dirty="0"/>
-              <a:t>Select methods</a:t>
-            </a:r>
-          </a:p>
-          <a:p>
-            <a:pPr lvl="3" fontAlgn="base"/>
-            <a:r>
-              <a:rPr lang="en-IN" dirty="0" err="1"/>
-              <a:t>selectByIndex</a:t>
-            </a:r>
-            <a:r>
-              <a:rPr lang="en-IN" dirty="0"/>
-              <a:t>(Index)</a:t>
-            </a:r>
-          </a:p>
-          <a:p>
-            <a:pPr lvl="3" fontAlgn="base"/>
-            <a:r>
-              <a:rPr lang="en-IN" dirty="0" err="1"/>
-              <a:t>selectByValue</a:t>
-            </a:r>
-            <a:r>
-              <a:rPr lang="en-IN" dirty="0"/>
-              <a:t>(Value)</a:t>
-            </a:r>
-          </a:p>
-          <a:p>
-            <a:pPr lvl="3" fontAlgn="base"/>
-            <a:r>
-              <a:rPr lang="en-IN" dirty="0" err="1"/>
-              <a:t>selectByVisibleText</a:t>
-            </a:r>
-            <a:r>
-              <a:rPr lang="en-IN" dirty="0"/>
-              <a:t>(Text)</a:t>
-            </a:r>
-          </a:p>
-          <a:p>
-            <a:pPr lvl="1" fontAlgn="base"/>
-            <a:r>
-              <a:rPr lang="en-IN" sz="1200" dirty="0"/>
-              <a:t>(</a:t>
+              <a:t>().frame(</a:t>
             </a:r>
             <a:r>
               <a:rPr lang="en-IN" sz="1200" dirty="0" err="1"/>
-              <a:t>isDisplayed</a:t>
+              <a:t>nameorId</a:t>
             </a:r>
             <a:r>
               <a:rPr lang="en-IN" sz="1200" dirty="0"/>
@@ -49440,15 +49137,42 @@
           <a:p>
             <a:pPr lvl="2" fontAlgn="base"/>
             <a:r>
+              <a:rPr lang="en-IN" sz="1200" dirty="0" err="1"/>
+              <a:t>driver.switchTo</a:t>
+            </a:r>
+            <a:r>
               <a:rPr lang="en-IN" sz="1200" dirty="0"/>
-              <a:t>Whether a web element is visible or hidden</a:t>
+              <a:t>().frame(</a:t>
+            </a:r>
+            <a:r>
+              <a:rPr lang="en-IN" sz="1200" dirty="0" err="1"/>
+              <a:t>webelement</a:t>
+            </a:r>
+            <a:r>
+              <a:rPr lang="en-IN" sz="1200" dirty="0"/>
+              <a:t>)</a:t>
             </a:r>
           </a:p>
           <a:p>
             <a:pPr lvl="1" fontAlgn="base"/>
             <a:r>
+              <a:rPr lang="en-US" sz="1200" dirty="0"/>
+              <a:t>Switching back to parent page:</a:t>
+            </a:r>
+          </a:p>
+          <a:p>
+            <a:pPr lvl="2" fontAlgn="base"/>
+            <a:r>
               <a:rPr lang="en-IN" sz="1200" dirty="0" err="1"/>
-              <a:t>isEnbled</a:t>
+              <a:t>driver.switchTo</a:t>
+            </a:r>
+            <a:r>
+              <a:rPr lang="en-IN" sz="1200" dirty="0"/>
+              <a:t>().</a:t>
+            </a:r>
+            <a:r>
+              <a:rPr lang="en-IN" sz="1200" dirty="0" err="1"/>
+              <a:t>defaultContent</a:t>
             </a:r>
             <a:r>
               <a:rPr lang="en-IN" sz="1200" dirty="0"/>
@@ -49456,56 +49180,15 @@
             </a:r>
           </a:p>
           <a:p>
-            <a:pPr lvl="2" fontAlgn="base"/>
-            <a:r>
-              <a:rPr lang="en-IN" sz="1200" dirty="0"/>
-              <a:t>Whether a web element is </a:t>
-            </a:r>
-            <a:r>
-              <a:rPr lang="en-IN" sz="1200" dirty="0" err="1"/>
-              <a:t>editables</a:t>
-            </a:r>
-            <a:endParaRPr lang="en-IN" sz="1200" dirty="0"/>
-          </a:p>
-          <a:p>
-            <a:pPr lvl="1" fontAlgn="base"/>
-            <a:r>
-              <a:rPr lang="en-IN" sz="1200" dirty="0" err="1"/>
-              <a:t>isSelected</a:t>
-            </a:r>
-            <a:r>
-              <a:rPr lang="en-IN" sz="1200" dirty="0"/>
-              <a:t>()</a:t>
-            </a:r>
-          </a:p>
-          <a:p>
-            <a:pPr lvl="2" fontAlgn="base"/>
-            <a:r>
-              <a:rPr lang="en-IN" sz="1200" dirty="0"/>
-              <a:t>Whether a web element is selected(check </a:t>
-            </a:r>
-            <a:r>
-              <a:rPr lang="en-IN" sz="1200" dirty="0" err="1"/>
-              <a:t>box,radio</a:t>
-            </a:r>
-            <a:r>
-              <a:rPr lang="en-IN" sz="1200" dirty="0"/>
-              <a:t> buttons </a:t>
-            </a:r>
-            <a:r>
-              <a:rPr lang="en-IN" sz="1200" dirty="0" err="1"/>
-              <a:t>etc</a:t>
-            </a:r>
-            <a:r>
-              <a:rPr lang="en-IN" sz="1200" dirty="0"/>
-              <a:t>)</a:t>
-            </a:r>
-          </a:p>
-          <a:p>
-            <a:pPr fontAlgn="base">
-              <a:buSzPct val="80000"/>
-            </a:pPr>
-            <a:endParaRPr lang="en-IN" sz="1200" dirty="0"/>
+            <a:pPr lvl="1"/>
+            <a:endParaRPr lang="en-IN" u="sng" dirty="0"/>
+          </a:p>
+          <a:p>
+            <a:pPr lvl="1"/>
+            <a:endParaRPr lang="en-US" dirty="0"/>
+          </a:p>
+          <a:p>
+            <a:endParaRPr lang="en-IN" dirty="0"/>
           </a:p>
         </p:txBody>
       </p:sp>
@@ -49531,7 +49214,7 @@
           <a:p>
             <a:r>
               <a:rPr lang="en-US" sz="1400" dirty="0"/>
-              <a:t>Selenium : Element Interactions</a:t>
+              <a:t>Selenium : Dealing with Windows ,Tabs, Alerts and Iframes</a:t>
             </a:r>
             <a:endParaRPr lang="en-IN" sz="1400" dirty="0"/>
           </a:p>
@@ -49540,7 +49223,7 @@
     </p:spTree>
     <p:extLst>
       <p:ext uri="{BB962C8B-B14F-4D97-AF65-F5344CB8AC3E}">
-        <p14:creationId xmlns:p14="http://schemas.microsoft.com/office/powerpoint/2010/main" val="520986797"/>
+        <p14:creationId xmlns:p14="http://schemas.microsoft.com/office/powerpoint/2010/main" val="1835133059"/>
       </p:ext>
     </p:extLst>
   </p:cSld>
@@ -49579,8 +49262,8 @@
         </p:nvSpPr>
         <p:spPr>
           <a:xfrm>
-            <a:off x="677333" y="620688"/>
-            <a:ext cx="8596668" cy="5420675"/>
+            <a:off x="677332" y="692696"/>
+            <a:ext cx="8803043" cy="6048671"/>
           </a:xfrm>
         </p:spPr>
         <p:txBody>
@@ -49591,110 +49274,210 @@
               <a:buSzPct val="80000"/>
             </a:pPr>
             <a:r>
+              <a:rPr lang="en-IN" sz="1200" dirty="0"/>
+              <a:t>Mouse actions</a:t>
+            </a:r>
+          </a:p>
+          <a:p>
+            <a:pPr lvl="1" fontAlgn="base"/>
+            <a:r>
+              <a:rPr lang="en-IN" sz="1200" dirty="0"/>
+              <a:t>click()</a:t>
+            </a:r>
+          </a:p>
+          <a:p>
+            <a:pPr lvl="1" fontAlgn="base"/>
+            <a:r>
+              <a:rPr lang="en-IN" sz="1200" dirty="0" err="1"/>
+              <a:t>clickAndHold</a:t>
+            </a:r>
+            <a:r>
+              <a:rPr lang="en-IN" sz="1200" dirty="0"/>
+              <a:t>()</a:t>
+            </a:r>
+          </a:p>
+          <a:p>
+            <a:pPr lvl="1" fontAlgn="base"/>
+            <a:r>
               <a:rPr lang="en-US" sz="1200" dirty="0"/>
-              <a:t>Dealing with Windows and Tabs</a:t>
-            </a:r>
+              <a:t>Release()</a:t>
+            </a:r>
+            <a:endParaRPr lang="en-IN" sz="1200" dirty="0"/>
           </a:p>
           <a:p>
             <a:pPr lvl="1" fontAlgn="base"/>
             <a:r>
+              <a:rPr lang="en-IN" sz="1200" dirty="0" err="1"/>
+              <a:t>doubleClick</a:t>
+            </a:r>
+            <a:r>
+              <a:rPr lang="en-IN" sz="1200" dirty="0"/>
+              <a:t>()</a:t>
+            </a:r>
+          </a:p>
+          <a:p>
+            <a:pPr lvl="1" fontAlgn="base"/>
+            <a:r>
+              <a:rPr lang="en-IN" sz="1200" dirty="0" err="1"/>
+              <a:t>moveToElement</a:t>
+            </a:r>
+            <a:r>
+              <a:rPr lang="en-IN" sz="1200" dirty="0"/>
+              <a:t>()</a:t>
+            </a:r>
+          </a:p>
+          <a:p>
+            <a:pPr lvl="1" fontAlgn="base"/>
+            <a:r>
+              <a:rPr lang="en-IN" sz="1200" dirty="0" err="1"/>
+              <a:t>dragAndDrop</a:t>
+            </a:r>
+            <a:r>
+              <a:rPr lang="en-IN" sz="1200" dirty="0"/>
+              <a:t>(source, target)</a:t>
+            </a:r>
+          </a:p>
+          <a:p>
+            <a:pPr lvl="2" fontAlgn="base"/>
+            <a:r>
               <a:rPr lang="en-US" sz="1200" dirty="0" err="1"/>
-              <a:t>getWindowHandle</a:t>
+              <a:t>actions.dragAndDrop</a:t>
             </a:r>
             <a:r>
               <a:rPr lang="en-US" sz="1200" dirty="0"/>
-              <a:t>() method</a:t>
-            </a:r>
+              <a:t>(</a:t>
+            </a:r>
+            <a:r>
+              <a:rPr lang="en-US" sz="1200" dirty="0" err="1"/>
+              <a:t>fromElement,toElement</a:t>
+            </a:r>
+            <a:r>
+              <a:rPr lang="en-US" sz="1200" dirty="0"/>
+              <a:t>).build().perform()</a:t>
+            </a:r>
+            <a:endParaRPr lang="en-IN" sz="1200" dirty="0"/>
+          </a:p>
+          <a:p>
+            <a:pPr lvl="2" fontAlgn="base"/>
+            <a:r>
+              <a:rPr lang="en-IN" sz="1200" dirty="0"/>
+              <a:t>Another way to achieve this:</a:t>
+            </a:r>
+          </a:p>
+          <a:p>
+            <a:pPr lvl="3" fontAlgn="base"/>
+            <a:r>
+              <a:rPr lang="en-US" dirty="0" err="1"/>
+              <a:t>actions.clickAndHold</a:t>
+            </a:r>
+            <a:r>
+              <a:rPr lang="en-US" dirty="0"/>
+              <a:t>(</a:t>
+            </a:r>
+            <a:r>
+              <a:rPr lang="en-US" dirty="0" err="1"/>
+              <a:t>fromElement</a:t>
+            </a:r>
+            <a:r>
+              <a:rPr lang="en-US" dirty="0"/>
+              <a:t>).</a:t>
+            </a:r>
+            <a:r>
+              <a:rPr lang="en-US" dirty="0" err="1"/>
+              <a:t>moveTo</a:t>
+            </a:r>
+            <a:r>
+              <a:rPr lang="en-US" dirty="0"/>
+              <a:t>(</a:t>
+            </a:r>
+            <a:r>
+              <a:rPr lang="en-US" dirty="0" err="1"/>
+              <a:t>ToElement</a:t>
+            </a:r>
+            <a:r>
+              <a:rPr lang="en-US" dirty="0"/>
+              <a:t>).release().build().perform()</a:t>
+            </a:r>
+            <a:endParaRPr lang="en-IN" dirty="0"/>
           </a:p>
           <a:p>
             <a:pPr lvl="1" fontAlgn="base"/>
             <a:r>
-              <a:rPr lang="en-US" sz="1200" dirty="0" err="1"/>
-              <a:t>getWindowHandles</a:t>
-            </a:r>
-            <a:r>
-              <a:rPr lang="en-US" sz="1200" dirty="0"/>
-              <a:t>() method</a:t>
-            </a:r>
-          </a:p>
-          <a:p>
-            <a:pPr lvl="1" fontAlgn="base"/>
-            <a:r>
-              <a:rPr lang="en-US" sz="1200" dirty="0"/>
-              <a:t>Switching to new Window/Tab</a:t>
-            </a:r>
-          </a:p>
-          <a:p>
-            <a:pPr lvl="1" fontAlgn="base"/>
-            <a:r>
-              <a:rPr lang="en-US" sz="1200" dirty="0"/>
-              <a:t>Switching back to parent window</a:t>
-            </a:r>
-          </a:p>
-          <a:p>
-            <a:pPr lvl="1" fontAlgn="base"/>
-            <a:r>
-              <a:rPr lang="en-US" sz="1200" dirty="0"/>
-              <a:t>Difference between close() and Quit()  methods</a:t>
-            </a:r>
-          </a:p>
-          <a:p>
-            <a:pPr lvl="1" fontAlgn="base"/>
-            <a:endParaRPr lang="en-US" sz="1200" dirty="0"/>
-          </a:p>
-          <a:p>
-            <a:pPr fontAlgn="base">
-              <a:buSzPct val="80000"/>
-            </a:pPr>
-            <a:r>
-              <a:rPr lang="en-US" sz="1200" dirty="0"/>
-              <a:t>Dealing with Alerts</a:t>
-            </a:r>
-          </a:p>
-          <a:p>
-            <a:pPr lvl="1" fontAlgn="base"/>
-            <a:r>
               <a:rPr lang="en-IN" sz="1200" dirty="0" err="1"/>
-              <a:t>driver.switchTo</a:t>
+              <a:t>contextClick</a:t>
             </a:r>
             <a:r>
               <a:rPr lang="en-IN" sz="1200" dirty="0"/>
-              <a:t>().alert()</a:t>
-            </a:r>
-          </a:p>
-          <a:p>
-            <a:pPr lvl="1" fontAlgn="base"/>
-            <a:r>
-              <a:rPr lang="en-US" sz="1200" dirty="0" err="1"/>
-              <a:t>alert.getText</a:t>
-            </a:r>
-            <a:r>
-              <a:rPr lang="en-US" sz="1200" dirty="0"/>
               <a:t>()</a:t>
             </a:r>
           </a:p>
           <a:p>
-            <a:pPr lvl="1" fontAlgn="base"/>
-            <a:r>
-              <a:rPr lang="en-US" sz="1200" dirty="0" err="1"/>
-              <a:t>alert.accept</a:t>
-            </a:r>
-            <a:r>
-              <a:rPr lang="en-US" sz="1200" dirty="0"/>
-              <a:t>()</a:t>
-            </a:r>
-          </a:p>
-          <a:p>
-            <a:pPr lvl="1" fontAlgn="base"/>
-            <a:r>
-              <a:rPr lang="en-US" sz="1200" dirty="0" err="1"/>
-              <a:t>alert.dismiss</a:t>
-            </a:r>
-            <a:r>
-              <a:rPr lang="en-US" sz="1200" dirty="0"/>
-              <a:t>()</a:t>
-            </a:r>
-            <a:endParaRPr lang="en-IN" sz="1200" dirty="0"/>
+            <a:pPr lvl="2" fontAlgn="base"/>
+            <a:r>
+              <a:rPr lang="en-IN" sz="1200" dirty="0"/>
+              <a:t>This method opens context menu corresponding web element passed to it.</a:t>
+            </a:r>
+          </a:p>
+          <a:p>
+            <a:pPr lvl="2" fontAlgn="base"/>
+            <a:r>
+              <a:rPr lang="en-IN" sz="1200" dirty="0"/>
+              <a:t>Once the context menu got opened we need to press keyboard down arrow multiple times to go to the option we want to choose and click enter button.</a:t>
+            </a:r>
+          </a:p>
+          <a:p>
+            <a:pPr lvl="2" fontAlgn="base"/>
+            <a:r>
+              <a:rPr lang="en-IN" sz="1200" dirty="0" err="1"/>
+              <a:t>action.moveToElement</a:t>
+            </a:r>
+            <a:r>
+              <a:rPr lang="en-IN" sz="1200" dirty="0"/>
+              <a:t>(el).</a:t>
+            </a:r>
+            <a:r>
+              <a:rPr lang="en-IN" sz="1200" dirty="0" err="1"/>
+              <a:t>contextClick</a:t>
+            </a:r>
+            <a:r>
+              <a:rPr lang="en-IN" sz="1200" dirty="0"/>
+              <a:t>().</a:t>
+            </a:r>
+            <a:r>
+              <a:rPr lang="en-IN" sz="1200" dirty="0" err="1"/>
+              <a:t>sendKeys</a:t>
+            </a:r>
+            <a:r>
+              <a:rPr lang="en-IN" sz="1200" dirty="0"/>
+              <a:t>(</a:t>
+            </a:r>
+            <a:r>
+              <a:rPr lang="en-IN" sz="1200" dirty="0" err="1"/>
+              <a:t>Keys.ARROW_DOWN</a:t>
+            </a:r>
+            <a:r>
+              <a:rPr lang="en-IN" sz="1200" dirty="0"/>
+              <a:t>).</a:t>
+            </a:r>
+            <a:r>
+              <a:rPr lang="en-IN" sz="1200" dirty="0" err="1"/>
+              <a:t>sendKeys</a:t>
+            </a:r>
+            <a:r>
+              <a:rPr lang="en-IN" sz="1200" dirty="0"/>
+              <a:t>(</a:t>
+            </a:r>
+            <a:r>
+              <a:rPr lang="en-IN" sz="1200" dirty="0" err="1"/>
+              <a:t>Keys.RETURN</a:t>
+            </a:r>
+            <a:r>
+              <a:rPr lang="en-IN" sz="1200" dirty="0"/>
+              <a:t>).build().perform()</a:t>
+            </a:r>
+          </a:p>
+          <a:p>
+            <a:endParaRPr lang="en-IN" dirty="0"/>
           </a:p>
         </p:txBody>
       </p:sp>
@@ -49720,7 +49503,7 @@
           <a:p>
             <a:r>
               <a:rPr lang="en-US" sz="1400" dirty="0"/>
-              <a:t>Selenium : Dealing with Windows ,Tabs, Alerts and Iframes</a:t>
+              <a:t>Selenium : Actions</a:t>
             </a:r>
             <a:endParaRPr lang="en-IN" sz="1400" dirty="0"/>
           </a:p>
@@ -49729,7 +49512,7 @@
     </p:spTree>
     <p:extLst>
       <p:ext uri="{BB962C8B-B14F-4D97-AF65-F5344CB8AC3E}">
-        <p14:creationId xmlns:p14="http://schemas.microsoft.com/office/powerpoint/2010/main" val="3565964115"/>
+        <p14:creationId xmlns:p14="http://schemas.microsoft.com/office/powerpoint/2010/main" val="686973639"/>
       </p:ext>
     </p:extLst>
   </p:cSld>
@@ -49780,88 +49563,15 @@
               <a:buSzPct val="80000"/>
             </a:pPr>
             <a:r>
-              <a:rPr lang="en-US" sz="1200" dirty="0"/>
-              <a:t>Dealing with Iframes</a:t>
+              <a:rPr lang="en-IN" sz="1200" dirty="0"/>
+              <a:t>Keyboard actions</a:t>
             </a:r>
           </a:p>
           <a:p>
             <a:pPr lvl="1" fontAlgn="base"/>
             <a:r>
-              <a:rPr lang="en-US" sz="1200" dirty="0"/>
-              <a:t>Switching to Iframe:</a:t>
-            </a:r>
-            <a:endParaRPr lang="en-IN" sz="1200" dirty="0"/>
-          </a:p>
-          <a:p>
-            <a:pPr lvl="2" fontAlgn="base"/>
-            <a:r>
               <a:rPr lang="en-IN" sz="1200" dirty="0" err="1"/>
-              <a:t>driver.switchTo</a:t>
-            </a:r>
-            <a:r>
-              <a:rPr lang="en-IN" sz="1200" dirty="0"/>
-              <a:t>().frame(index)</a:t>
-            </a:r>
-            <a:endParaRPr lang="en-US" sz="1200" dirty="0"/>
-          </a:p>
-          <a:p>
-            <a:pPr lvl="2" fontAlgn="base"/>
-            <a:r>
-              <a:rPr lang="en-IN" sz="1200" dirty="0" err="1"/>
-              <a:t>driver.switchTo</a:t>
-            </a:r>
-            <a:r>
-              <a:rPr lang="en-IN" sz="1200" dirty="0"/>
-              <a:t>().frame(</a:t>
-            </a:r>
-            <a:r>
-              <a:rPr lang="en-IN" sz="1200" dirty="0" err="1"/>
-              <a:t>nameorId</a:t>
-            </a:r>
-            <a:r>
-              <a:rPr lang="en-IN" sz="1200" dirty="0"/>
-              <a:t>)</a:t>
-            </a:r>
-          </a:p>
-          <a:p>
-            <a:pPr lvl="2" fontAlgn="base"/>
-            <a:r>
-              <a:rPr lang="en-IN" sz="1200" dirty="0" err="1"/>
-              <a:t>driver.switchTo</a:t>
-            </a:r>
-            <a:r>
-              <a:rPr lang="en-IN" sz="1200" dirty="0"/>
-              <a:t>().frame(</a:t>
-            </a:r>
-            <a:r>
-              <a:rPr lang="en-IN" sz="1200" dirty="0" err="1"/>
-              <a:t>webelement</a:t>
-            </a:r>
-            <a:r>
-              <a:rPr lang="en-IN" sz="1200" dirty="0"/>
-              <a:t>)</a:t>
-            </a:r>
-          </a:p>
-          <a:p>
-            <a:pPr lvl="1" fontAlgn="base"/>
-            <a:r>
-              <a:rPr lang="en-US" sz="1200" dirty="0"/>
-              <a:t>Switching back to parent page:</a:t>
-            </a:r>
-          </a:p>
-          <a:p>
-            <a:pPr lvl="2" fontAlgn="base"/>
-            <a:r>
-              <a:rPr lang="en-IN" sz="1200" dirty="0" err="1"/>
-              <a:t>driver.switchTo</a:t>
-            </a:r>
-            <a:r>
-              <a:rPr lang="en-IN" sz="1200" dirty="0"/>
-              <a:t>().</a:t>
-            </a:r>
-            <a:r>
-              <a:rPr lang="en-IN" sz="1200" dirty="0" err="1"/>
-              <a:t>defaultContent</a:t>
+              <a:t>sendKeys</a:t>
             </a:r>
             <a:r>
               <a:rPr lang="en-IN" sz="1200" dirty="0"/>
@@ -49869,12 +49579,130 @@
             </a:r>
           </a:p>
           <a:p>
-            <a:pPr lvl="1"/>
-            <a:endParaRPr lang="en-IN" u="sng" dirty="0"/>
-          </a:p>
-          <a:p>
-            <a:pPr lvl="1"/>
+            <a:pPr lvl="1" fontAlgn="base"/>
+            <a:r>
+              <a:rPr lang="en-IN" sz="1200" dirty="0" err="1"/>
+              <a:t>keyDown</a:t>
+            </a:r>
+            <a:r>
+              <a:rPr lang="en-IN" sz="1200" dirty="0"/>
+              <a:t>()</a:t>
+            </a:r>
+          </a:p>
+          <a:p>
+            <a:pPr lvl="1" fontAlgn="base"/>
+            <a:r>
+              <a:rPr lang="en-IN" sz="1200" dirty="0" err="1"/>
+              <a:t>keyUp</a:t>
+            </a:r>
+            <a:r>
+              <a:rPr lang="en-IN" sz="1200" dirty="0"/>
+              <a:t>()</a:t>
+            </a:r>
+          </a:p>
+          <a:p>
+            <a:pPr lvl="1" fontAlgn="base"/>
+            <a:r>
+              <a:rPr lang="en-IN" sz="1200" dirty="0"/>
+              <a:t>Keys from keyboard can be distinguished into two categories:</a:t>
+            </a:r>
+          </a:p>
+          <a:p>
+            <a:pPr lvl="3" fontAlgn="base"/>
+            <a:r>
+              <a:rPr lang="en-IN" dirty="0"/>
+              <a:t>Modifier keys</a:t>
+            </a:r>
+          </a:p>
+          <a:p>
+            <a:pPr lvl="4" fontAlgn="base"/>
+            <a:r>
+              <a:rPr lang="en-IN" dirty="0"/>
+              <a:t>SHIFT,ALT,CONTROL </a:t>
+            </a:r>
+          </a:p>
+          <a:p>
+            <a:pPr lvl="3" fontAlgn="base"/>
+            <a:r>
+              <a:rPr lang="en-IN" dirty="0"/>
+              <a:t>Non Modifier keys</a:t>
+            </a:r>
+          </a:p>
+          <a:p>
+            <a:pPr lvl="4" fontAlgn="base"/>
+            <a:r>
+              <a:rPr lang="en-IN" dirty="0"/>
+              <a:t>All other keys</a:t>
+            </a:r>
+          </a:p>
+          <a:p>
+            <a:pPr lvl="3" fontAlgn="base"/>
+            <a:r>
+              <a:rPr lang="en-US" dirty="0" err="1"/>
+              <a:t>sendKeys</a:t>
+            </a:r>
+            <a:r>
+              <a:rPr lang="en-US" dirty="0"/>
+              <a:t>() works on all keys</a:t>
+            </a:r>
+          </a:p>
+          <a:p>
+            <a:pPr lvl="4" fontAlgn="base"/>
+            <a:r>
+              <a:rPr lang="en-IN" dirty="0"/>
+              <a:t>el1.sendKeys(</a:t>
+            </a:r>
+            <a:r>
+              <a:rPr lang="en-IN" dirty="0" err="1"/>
+              <a:t>Keys.CONTROL+"a</a:t>
+            </a:r>
+            <a:r>
+              <a:rPr lang="en-IN" dirty="0"/>
+              <a:t>")</a:t>
+            </a:r>
+          </a:p>
+          <a:p>
+            <a:pPr lvl="4" fontAlgn="base"/>
+            <a:r>
+              <a:rPr lang="en-IN" dirty="0"/>
+              <a:t>el1.sendKeys("</a:t>
+            </a:r>
+            <a:r>
+              <a:rPr lang="en-IN" dirty="0" err="1"/>
+              <a:t>abc</a:t>
+            </a:r>
+            <a:r>
+              <a:rPr lang="en-IN" dirty="0"/>
+              <a:t>“)</a:t>
+            </a:r>
             <a:endParaRPr lang="en-US" dirty="0"/>
+          </a:p>
+          <a:p>
+            <a:pPr lvl="3" fontAlgn="base"/>
+            <a:r>
+              <a:rPr lang="en-IN" dirty="0" err="1"/>
+              <a:t>keyDown</a:t>
+            </a:r>
+            <a:r>
+              <a:rPr lang="en-IN" dirty="0"/>
+              <a:t>() and </a:t>
+            </a:r>
+            <a:r>
+              <a:rPr lang="en-IN" dirty="0" err="1"/>
+              <a:t>keyUp</a:t>
+            </a:r>
+            <a:r>
+              <a:rPr lang="en-IN" dirty="0"/>
+              <a:t>() work only on modifier keys</a:t>
+            </a:r>
+          </a:p>
+          <a:p>
+            <a:pPr lvl="1" fontAlgn="base"/>
+            <a:r>
+              <a:rPr lang="en-US" sz="1200" dirty="0"/>
+              <a:t>Example on modifier keys</a:t>
+            </a:r>
+            <a:endParaRPr lang="en-IN" sz="1200" dirty="0"/>
           </a:p>
           <a:p>
             <a:endParaRPr lang="en-IN" dirty="0"/>
@@ -49903,7 +49731,7 @@
           <a:p>
             <a:r>
               <a:rPr lang="en-US" sz="1400" dirty="0"/>
-              <a:t>Selenium : Dealing with Windows ,Tabs, Alerts and Iframes</a:t>
+              <a:t>Selenium : Actions</a:t>
             </a:r>
             <a:endParaRPr lang="en-IN" sz="1400" dirty="0"/>
           </a:p>
@@ -49912,7 +49740,7 @@
     </p:spTree>
     <p:extLst>
       <p:ext uri="{BB962C8B-B14F-4D97-AF65-F5344CB8AC3E}">
-        <p14:creationId xmlns:p14="http://schemas.microsoft.com/office/powerpoint/2010/main" val="1835133059"/>
+        <p14:creationId xmlns:p14="http://schemas.microsoft.com/office/powerpoint/2010/main" val="103732742"/>
       </p:ext>
     </p:extLst>
   </p:cSld>
@@ -49951,8 +49779,8 @@
         </p:nvSpPr>
         <p:spPr>
           <a:xfrm>
-            <a:off x="677332" y="692696"/>
-            <a:ext cx="8803043" cy="6048671"/>
+            <a:off x="677333" y="609601"/>
+            <a:ext cx="8596668" cy="5431762"/>
           </a:xfrm>
         </p:spPr>
         <p:txBody>
@@ -49963,206 +49791,52 @@
               <a:buSzPct val="80000"/>
             </a:pPr>
             <a:r>
-              <a:rPr lang="en-IN" sz="1200" dirty="0"/>
-              <a:t>Mouse actions</a:t>
+              <a:rPr lang="en-US" sz="1200" dirty="0"/>
+              <a:t>Navigation interface</a:t>
             </a:r>
           </a:p>
           <a:p>
             <a:pPr lvl="1" fontAlgn="base"/>
             <a:r>
-              <a:rPr lang="en-IN" sz="1200" dirty="0"/>
-              <a:t>click()</a:t>
+              <a:rPr lang="en-US" sz="1200" dirty="0" err="1"/>
+              <a:t>driver.navigate</a:t>
+            </a:r>
+            <a:r>
+              <a:rPr lang="en-US" sz="1200" dirty="0"/>
+              <a:t>().to()</a:t>
             </a:r>
           </a:p>
           <a:p>
             <a:pPr lvl="1" fontAlgn="base"/>
             <a:r>
-              <a:rPr lang="en-IN" sz="1200" dirty="0" err="1"/>
-              <a:t>clickAndHold</a:t>
-            </a:r>
-            <a:r>
-              <a:rPr lang="en-IN" sz="1200" dirty="0"/>
-              <a:t>()</a:t>
+              <a:rPr lang="en-US" sz="1200" dirty="0" err="1"/>
+              <a:t>driver.navigate</a:t>
+            </a:r>
+            <a:r>
+              <a:rPr lang="en-US" sz="1200" dirty="0"/>
+              <a:t>().back()</a:t>
             </a:r>
           </a:p>
           <a:p>
             <a:pPr lvl="1" fontAlgn="base"/>
             <a:r>
+              <a:rPr lang="en-US" sz="1200" dirty="0" err="1"/>
+              <a:t>driver.navigate</a:t>
+            </a:r>
+            <a:r>
               <a:rPr lang="en-US" sz="1200" dirty="0"/>
-              <a:t>Release()</a:t>
-            </a:r>
-            <a:endParaRPr lang="en-IN" sz="1200" dirty="0"/>
+              <a:t>().forward()</a:t>
+            </a:r>
           </a:p>
           <a:p>
             <a:pPr lvl="1" fontAlgn="base"/>
             <a:r>
-              <a:rPr lang="en-IN" sz="1200" dirty="0" err="1"/>
-              <a:t>doubleClick</a:t>
-            </a:r>
-            <a:r>
-              <a:rPr lang="en-IN" sz="1200" dirty="0"/>
-              <a:t>()</a:t>
-            </a:r>
-          </a:p>
-          <a:p>
-            <a:pPr lvl="1" fontAlgn="base"/>
-            <a:r>
-              <a:rPr lang="en-IN" sz="1200" dirty="0" err="1"/>
-              <a:t>moveToElement</a:t>
-            </a:r>
-            <a:r>
-              <a:rPr lang="en-IN" sz="1200" dirty="0"/>
-              <a:t>()</a:t>
-            </a:r>
-          </a:p>
-          <a:p>
-            <a:pPr lvl="1" fontAlgn="base"/>
-            <a:r>
-              <a:rPr lang="en-IN" sz="1200" dirty="0" err="1"/>
-              <a:t>dragAndDrop</a:t>
-            </a:r>
-            <a:r>
-              <a:rPr lang="en-IN" sz="1200" dirty="0"/>
-              <a:t>(source, target)</a:t>
-            </a:r>
-          </a:p>
-          <a:p>
-            <a:pPr lvl="2" fontAlgn="base"/>
-            <a:r>
               <a:rPr lang="en-US" sz="1200" dirty="0" err="1"/>
-              <a:t>actions.dragAndDrop</a:t>
+              <a:t>driver.navigate</a:t>
             </a:r>
             <a:r>
               <a:rPr lang="en-US" sz="1200" dirty="0"/>
-              <a:t>(</a:t>
-            </a:r>
-            <a:r>
-              <a:rPr lang="en-US" sz="1200" dirty="0" err="1"/>
-              <a:t>fromElement,toElement</a:t>
-            </a:r>
-            <a:r>
-              <a:rPr lang="en-US" sz="1200" dirty="0"/>
-              <a:t>).build().perform()</a:t>
-            </a:r>
-            <a:endParaRPr lang="en-IN" sz="1200" dirty="0"/>
-          </a:p>
-          <a:p>
-            <a:pPr lvl="2" fontAlgn="base"/>
-            <a:r>
-              <a:rPr lang="en-IN" sz="1200" dirty="0"/>
-              <a:t>Another way to achieve this:</a:t>
-            </a:r>
-          </a:p>
-          <a:p>
-            <a:pPr lvl="3" fontAlgn="base"/>
-            <a:r>
-              <a:rPr lang="en-US" dirty="0" err="1"/>
-              <a:t>actions.clickAndHold</a:t>
-            </a:r>
-            <a:r>
-              <a:rPr lang="en-US" dirty="0"/>
-              <a:t>(</a:t>
-            </a:r>
-            <a:r>
-              <a:rPr lang="en-US" dirty="0" err="1"/>
-              <a:t>fromElement</a:t>
-            </a:r>
-            <a:r>
-              <a:rPr lang="en-US" dirty="0"/>
-              <a:t>).</a:t>
-            </a:r>
-            <a:r>
-              <a:rPr lang="en-US" dirty="0" err="1"/>
-              <a:t>moveTo</a:t>
-            </a:r>
-            <a:r>
-              <a:rPr lang="en-US" dirty="0"/>
-              <a:t>(</a:t>
-            </a:r>
-            <a:r>
-              <a:rPr lang="en-US" dirty="0" err="1"/>
-              <a:t>ToElement</a:t>
-            </a:r>
-            <a:r>
-              <a:rPr lang="en-US" dirty="0"/>
-              <a:t>).release().build().perform()</a:t>
-            </a:r>
-            <a:endParaRPr lang="en-IN" dirty="0"/>
-          </a:p>
-          <a:p>
-            <a:pPr lvl="1" fontAlgn="base"/>
-            <a:r>
-              <a:rPr lang="en-IN" sz="1200" dirty="0" err="1"/>
-              <a:t>contextClick</a:t>
-            </a:r>
-            <a:r>
-              <a:rPr lang="en-IN" sz="1200" dirty="0"/>
-              <a:t>()</a:t>
-            </a:r>
-          </a:p>
-          <a:p>
-            <a:pPr lvl="2" fontAlgn="base"/>
-            <a:r>
-              <a:rPr lang="en-IN" sz="1200" dirty="0"/>
-              <a:t>This method opens context menu corresponding web element passed to it.</a:t>
-            </a:r>
-          </a:p>
-          <a:p>
-            <a:pPr lvl="2" fontAlgn="base"/>
-            <a:r>
-              <a:rPr lang="en-IN" sz="1200" dirty="0"/>
-              <a:t>Once the context menu got opened we need to press keyboard down arrow multiple times to go to the option we want to choose and click enter button.</a:t>
-            </a:r>
-          </a:p>
-          <a:p>
-            <a:pPr lvl="2" fontAlgn="base"/>
-            <a:r>
-              <a:rPr lang="en-IN" sz="1200" dirty="0" err="1"/>
-              <a:t>action.moveToElement</a:t>
-            </a:r>
-            <a:r>
-              <a:rPr lang="en-IN" sz="1200" dirty="0"/>
-              <a:t>(el).</a:t>
-            </a:r>
-            <a:r>
-              <a:rPr lang="en-IN" sz="1200" dirty="0" err="1"/>
-              <a:t>contextClick</a:t>
-            </a:r>
-            <a:r>
-              <a:rPr lang="en-IN" sz="1200" dirty="0"/>
-              <a:t>().</a:t>
-            </a:r>
-            <a:r>
-              <a:rPr lang="en-IN" sz="1200" dirty="0" err="1"/>
-              <a:t>sendKeys</a:t>
-            </a:r>
-            <a:r>
-              <a:rPr lang="en-IN" sz="1200" dirty="0"/>
-              <a:t>(</a:t>
-            </a:r>
-            <a:r>
-              <a:rPr lang="en-IN" sz="1200" dirty="0" err="1"/>
-              <a:t>Keys.ARROW_DOWN</a:t>
-            </a:r>
-            <a:r>
-              <a:rPr lang="en-IN" sz="1200" dirty="0"/>
-              <a:t>).</a:t>
-            </a:r>
-            <a:r>
-              <a:rPr lang="en-IN" sz="1200" dirty="0" err="1"/>
-              <a:t>sendKeys</a:t>
-            </a:r>
-            <a:r>
-              <a:rPr lang="en-IN" sz="1200" dirty="0"/>
-              <a:t>(</a:t>
-            </a:r>
-            <a:r>
-              <a:rPr lang="en-IN" sz="1200" dirty="0" err="1"/>
-              <a:t>Keys.RETURN</a:t>
-            </a:r>
-            <a:r>
-              <a:rPr lang="en-IN" sz="1200" dirty="0"/>
-              <a:t>).build().perform()</a:t>
+              <a:t>().refresh()</a:t>
             </a:r>
           </a:p>
           <a:p>
@@ -50192,7 +49866,7 @@
           <a:p>
             <a:r>
               <a:rPr lang="en-US" sz="1400" dirty="0"/>
-              <a:t>Selenium : Actions</a:t>
+              <a:t>Selenium : Navigation</a:t>
             </a:r>
             <a:endParaRPr lang="en-IN" sz="1400" dirty="0"/>
           </a:p>
@@ -50201,7 +49875,7 @@
     </p:spTree>
     <p:extLst>
       <p:ext uri="{BB962C8B-B14F-4D97-AF65-F5344CB8AC3E}">
-        <p14:creationId xmlns:p14="http://schemas.microsoft.com/office/powerpoint/2010/main" val="686973639"/>
+        <p14:creationId xmlns:p14="http://schemas.microsoft.com/office/powerpoint/2010/main" val="1988136971"/>
       </p:ext>
     </p:extLst>
   </p:cSld>
@@ -50240,8 +49914,8 @@
         </p:nvSpPr>
         <p:spPr>
           <a:xfrm>
-            <a:off x="677333" y="620689"/>
-            <a:ext cx="8596668" cy="5420674"/>
+            <a:off x="677333" y="685801"/>
+            <a:ext cx="8596668" cy="5355562"/>
           </a:xfrm>
         </p:spPr>
         <p:txBody>
@@ -50252,149 +49926,104 @@
               <a:buSzPct val="80000"/>
             </a:pPr>
             <a:r>
-              <a:rPr lang="en-IN" sz="1200" dirty="0"/>
-              <a:t>Keyboard actions</a:t>
+              <a:rPr lang="en-US" sz="1200" dirty="0" err="1"/>
+              <a:t>TakesScreenshot</a:t>
+            </a:r>
+            <a:r>
+              <a:rPr lang="en-US" sz="1200" dirty="0"/>
+              <a:t> interface </a:t>
             </a:r>
           </a:p>
           <a:p>
             <a:pPr lvl="1" fontAlgn="base"/>
             <a:r>
-              <a:rPr lang="en-IN" sz="1200" dirty="0" err="1"/>
-              <a:t>sendKeys</a:t>
-            </a:r>
-            <a:r>
-              <a:rPr lang="en-IN" sz="1200" dirty="0"/>
-              <a:t>()</a:t>
+              <a:rPr lang="en-US" sz="1200" dirty="0"/>
+              <a:t>Indicates a driver that can capture a screenshot and store it.</a:t>
+            </a:r>
+          </a:p>
+          <a:p>
+            <a:pPr lvl="2" fontAlgn="base"/>
+            <a:r>
+              <a:rPr lang="en-US" sz="1000" dirty="0" err="1"/>
+              <a:t>TakesScreenshot</a:t>
+            </a:r>
+            <a:r>
+              <a:rPr lang="en-US" sz="1000" dirty="0"/>
+              <a:t> </a:t>
+            </a:r>
+            <a:r>
+              <a:rPr lang="en-US" sz="1000" dirty="0" err="1"/>
+              <a:t>ts</a:t>
+            </a:r>
+            <a:r>
+              <a:rPr lang="en-US" sz="1000" dirty="0"/>
+              <a:t> = ((</a:t>
+            </a:r>
+            <a:r>
+              <a:rPr lang="en-US" sz="1000" dirty="0" err="1"/>
+              <a:t>TakesScreenshot</a:t>
+            </a:r>
+            <a:r>
+              <a:rPr lang="en-US" sz="1000" dirty="0"/>
+              <a:t>)driver);</a:t>
+            </a:r>
+          </a:p>
+          <a:p>
+            <a:pPr lvl="2" fontAlgn="base"/>
+            <a:r>
+              <a:rPr lang="en-US" sz="1200" dirty="0"/>
+              <a:t>File </a:t>
+            </a:r>
+            <a:r>
+              <a:rPr lang="en-US" sz="1200" dirty="0" err="1"/>
+              <a:t>screenshotFile</a:t>
+            </a:r>
+            <a:r>
+              <a:rPr lang="en-US" sz="1200" dirty="0"/>
+              <a:t> = </a:t>
+            </a:r>
+            <a:r>
+              <a:rPr lang="en-US" sz="1200" dirty="0" err="1"/>
+              <a:t>ts.getScreenshotAs</a:t>
+            </a:r>
+            <a:r>
+              <a:rPr lang="en-US" sz="1200" dirty="0"/>
+              <a:t>(</a:t>
+            </a:r>
+            <a:r>
+              <a:rPr lang="en-US" sz="1200" dirty="0" err="1"/>
+              <a:t>OutputType.FILE</a:t>
+            </a:r>
+            <a:r>
+              <a:rPr lang="en-US" sz="1200" dirty="0"/>
+              <a:t>);</a:t>
+            </a:r>
+          </a:p>
+          <a:p>
+            <a:pPr lvl="2" fontAlgn="base"/>
+            <a:r>
+              <a:rPr lang="en-US" sz="1000" dirty="0" err="1"/>
+              <a:t>FileUtils.copyFile</a:t>
+            </a:r>
+            <a:r>
+              <a:rPr lang="en-US" sz="1000" dirty="0"/>
+              <a:t>(</a:t>
+            </a:r>
+            <a:r>
+              <a:rPr lang="en-US" sz="1000" dirty="0" err="1"/>
+              <a:t>screenshotFile</a:t>
+            </a:r>
+            <a:r>
+              <a:rPr lang="en-US" sz="1000" dirty="0"/>
+              <a:t>, new File("test1.jpg"));</a:t>
             </a:r>
           </a:p>
           <a:p>
             <a:pPr lvl="1" fontAlgn="base"/>
             <a:r>
-              <a:rPr lang="en-IN" sz="1200" dirty="0" err="1"/>
-              <a:t>keyDown</a:t>
-            </a:r>
-            <a:r>
-              <a:rPr lang="en-IN" sz="1200" dirty="0"/>
-              <a:t>()</a:t>
-            </a:r>
-          </a:p>
-          <a:p>
-            <a:pPr lvl="1" fontAlgn="base"/>
-            <a:r>
-              <a:rPr lang="en-IN" sz="1200" dirty="0" err="1"/>
-              <a:t>keyUp</a:t>
-            </a:r>
-            <a:r>
-              <a:rPr lang="en-IN" sz="1200" dirty="0"/>
-              <a:t>()</a:t>
-            </a:r>
-          </a:p>
-          <a:p>
-            <a:pPr lvl="1" fontAlgn="base"/>
-            <a:r>
-              <a:rPr lang="en-IN" sz="1200" dirty="0"/>
-              <a:t>Keys from keyboard can be distinguished into two categories:</a:t>
-            </a:r>
-          </a:p>
-          <a:p>
-            <a:pPr lvl="3" fontAlgn="base"/>
-            <a:r>
-              <a:rPr lang="en-IN" dirty="0"/>
-              <a:t>Modifier keys</a:t>
-            </a:r>
-          </a:p>
-          <a:p>
-            <a:pPr lvl="4" fontAlgn="base"/>
-            <a:r>
-              <a:rPr lang="en-IN" dirty="0"/>
-              <a:t>SHIFT,ALT,CONTROL </a:t>
-            </a:r>
-          </a:p>
-          <a:p>
-            <a:pPr lvl="3" fontAlgn="base"/>
-            <a:r>
-              <a:rPr lang="en-IN" dirty="0"/>
-              <a:t>Non Modifier keys</a:t>
-            </a:r>
-          </a:p>
-          <a:p>
-            <a:pPr lvl="4" fontAlgn="base"/>
-            <a:r>
-              <a:rPr lang="en-IN" dirty="0"/>
-              <a:t>All other keys</a:t>
-            </a:r>
-          </a:p>
-          <a:p>
-            <a:pPr lvl="3" fontAlgn="base"/>
-            <a:r>
-              <a:rPr lang="en-US" dirty="0" err="1"/>
-              <a:t>sendKeys</a:t>
-            </a:r>
-            <a:r>
-              <a:rPr lang="en-US" dirty="0"/>
-              <a:t>() works on all keys</a:t>
-            </a:r>
-          </a:p>
-          <a:p>
-            <a:pPr lvl="4" fontAlgn="base"/>
-            <a:r>
-              <a:rPr lang="en-IN" dirty="0"/>
-              <a:t>el1.sendKeys(</a:t>
-            </a:r>
-            <a:r>
-              <a:rPr lang="en-IN" dirty="0" err="1"/>
-              <a:t>Keys.CONTROL+"a</a:t>
-            </a:r>
-            <a:r>
-              <a:rPr lang="en-IN" dirty="0"/>
-              <a:t>")</a:t>
-            </a:r>
-          </a:p>
-          <a:p>
-            <a:pPr lvl="4" fontAlgn="base"/>
-            <a:r>
-              <a:rPr lang="en-IN" dirty="0"/>
-              <a:t>el1.sendKeys("</a:t>
-            </a:r>
-            <a:r>
-              <a:rPr lang="en-IN" dirty="0" err="1"/>
-              <a:t>abc</a:t>
-            </a:r>
-            <a:r>
-              <a:rPr lang="en-IN" dirty="0"/>
-              <a:t>“)</a:t>
-            </a:r>
-            <a:endParaRPr lang="en-US" dirty="0"/>
-          </a:p>
-          <a:p>
-            <a:pPr lvl="3" fontAlgn="base"/>
-            <a:r>
-              <a:rPr lang="en-IN" dirty="0" err="1"/>
-              <a:t>keyDown</a:t>
-            </a:r>
-            <a:r>
-              <a:rPr lang="en-IN" dirty="0"/>
-              <a:t>() and </a:t>
-            </a:r>
-            <a:r>
-              <a:rPr lang="en-IN" dirty="0" err="1"/>
-              <a:t>keyUp</a:t>
-            </a:r>
-            <a:r>
-              <a:rPr lang="en-IN" dirty="0"/>
-              <a:t>() work only on modifier keys</a:t>
-            </a:r>
-          </a:p>
-          <a:p>
-            <a:pPr lvl="1" fontAlgn="base"/>
-            <a:r>
               <a:rPr lang="en-US" sz="1200" dirty="0"/>
-              <a:t>Example on modifier keys</a:t>
-            </a:r>
-            <a:endParaRPr lang="en-IN" sz="1200" dirty="0"/>
-          </a:p>
-          <a:p>
-            <a:endParaRPr lang="en-IN" dirty="0"/>
+              <a:t>When to take screenshots?</a:t>
+            </a:r>
           </a:p>
         </p:txBody>
       </p:sp>
@@ -50420,18 +50049,13 @@
           <a:p>
             <a:r>
               <a:rPr lang="en-US" sz="1400" dirty="0"/>
-              <a:t>Selenium : Actions</a:t>
+              <a:t>Selenium : Taking Screenshots</a:t>
             </a:r>
             <a:endParaRPr lang="en-IN" sz="1400" dirty="0"/>
           </a:p>
         </p:txBody>
       </p:sp>
     </p:spTree>
-    <p:extLst>
-      <p:ext uri="{BB962C8B-B14F-4D97-AF65-F5344CB8AC3E}">
-        <p14:creationId xmlns:p14="http://schemas.microsoft.com/office/powerpoint/2010/main" val="103732742"/>
-      </p:ext>
-    </p:extLst>
   </p:cSld>
   <p:clrMapOvr>
     <a:masterClrMapping/>
@@ -50468,8 +50092,8 @@
         </p:nvSpPr>
         <p:spPr>
           <a:xfrm>
-            <a:off x="677333" y="609601"/>
-            <a:ext cx="8596668" cy="5431762"/>
+            <a:off x="677333" y="685801"/>
+            <a:ext cx="8596668" cy="5355562"/>
           </a:xfrm>
         </p:spPr>
         <p:txBody>
@@ -50481,55 +50105,121 @@
             </a:pPr>
             <a:r>
               <a:rPr lang="en-US" sz="1200" dirty="0"/>
-              <a:t>Navigation interface</a:t>
+              <a:t>JavascriptExecutor Interface</a:t>
             </a:r>
           </a:p>
           <a:p>
             <a:pPr lvl="1" fontAlgn="base"/>
             <a:r>
+              <a:rPr lang="en-US" sz="1200" dirty="0"/>
+              <a:t>JavaScriptExecutor is an interface which provides mechanism to execute JavaScript through selenium driver</a:t>
+            </a:r>
+          </a:p>
+          <a:p>
+            <a:pPr lvl="1" fontAlgn="base"/>
+            <a:r>
+              <a:rPr lang="en-US" sz="1200" dirty="0"/>
+              <a:t>Sample JavaScript:</a:t>
+            </a:r>
+          </a:p>
+          <a:p>
+            <a:pPr lvl="2" fontAlgn="base"/>
+            <a:r>
+              <a:rPr lang="en-US" sz="1200" dirty="0"/>
+              <a:t>Scroll Page</a:t>
+            </a:r>
+          </a:p>
+          <a:p>
+            <a:pPr lvl="3" fontAlgn="base"/>
+            <a:r>
+              <a:rPr lang="en-US" dirty="0" err="1"/>
+              <a:t>js.executeScript</a:t>
+            </a:r>
+            <a:r>
+              <a:rPr lang="en-US" dirty="0"/>
+              <a:t>("</a:t>
+            </a:r>
+            <a:r>
+              <a:rPr lang="en-US" dirty="0" err="1"/>
+              <a:t>window.scrollBy</a:t>
+            </a:r>
+            <a:r>
+              <a:rPr lang="en-US" dirty="0"/>
+              <a:t>(0,150)");</a:t>
+            </a:r>
+          </a:p>
+          <a:p>
+            <a:pPr lvl="2" fontAlgn="base"/>
+            <a:r>
+              <a:rPr lang="en-US" sz="1200" dirty="0"/>
+              <a:t>Get Title of a </a:t>
+            </a:r>
+            <a:r>
               <a:rPr lang="en-US" sz="1200" dirty="0" err="1"/>
-              <a:t>driver.navigate</a:t>
-            </a:r>
+              <a:t>WebPage</a:t>
+            </a:r>
+            <a:endParaRPr lang="en-US" sz="1200" dirty="0"/>
+          </a:p>
+          <a:p>
+            <a:pPr lvl="3" fontAlgn="base"/>
+            <a:r>
+              <a:rPr lang="en-US" dirty="0"/>
+              <a:t>string </a:t>
+            </a:r>
+            <a:r>
+              <a:rPr lang="en-US" dirty="0" err="1"/>
+              <a:t>sText</a:t>
+            </a:r>
+            <a:r>
+              <a:rPr lang="en-US" dirty="0"/>
+              <a:t> =  </a:t>
+            </a:r>
+            <a:r>
+              <a:rPr lang="en-US" dirty="0" err="1"/>
+              <a:t>js.executeScript</a:t>
+            </a:r>
+            <a:r>
+              <a:rPr lang="en-US" dirty="0"/>
+              <a:t>("return </a:t>
+            </a:r>
+            <a:r>
+              <a:rPr lang="en-US" dirty="0" err="1"/>
+              <a:t>document.title</a:t>
+            </a:r>
+            <a:r>
+              <a:rPr lang="en-US" dirty="0"/>
+              <a:t>;").</a:t>
+            </a:r>
+            <a:r>
+              <a:rPr lang="en-US" dirty="0" err="1"/>
+              <a:t>toString</a:t>
+            </a:r>
+            <a:r>
+              <a:rPr lang="en-US" dirty="0"/>
+              <a:t>();</a:t>
+            </a:r>
+          </a:p>
+          <a:p>
+            <a:pPr lvl="2" fontAlgn="base"/>
             <a:r>
               <a:rPr lang="en-US" sz="1200" dirty="0"/>
-              <a:t>().to()</a:t>
-            </a:r>
-          </a:p>
-          <a:p>
-            <a:pPr lvl="1" fontAlgn="base"/>
-            <a:r>
-              <a:rPr lang="en-US" sz="1200" dirty="0" err="1"/>
-              <a:t>driver.navigate</a:t>
-            </a:r>
-            <a:r>
-              <a:rPr lang="en-US" sz="1200" dirty="0"/>
-              <a:t>().back()</a:t>
-            </a:r>
-          </a:p>
-          <a:p>
-            <a:pPr lvl="1" fontAlgn="base"/>
-            <a:r>
-              <a:rPr lang="en-US" sz="1200" dirty="0" err="1"/>
-              <a:t>driver.navigate</a:t>
-            </a:r>
-            <a:r>
-              <a:rPr lang="en-US" sz="1200" dirty="0"/>
-              <a:t>().forward()</a:t>
-            </a:r>
-          </a:p>
-          <a:p>
-            <a:pPr lvl="1" fontAlgn="base"/>
-            <a:r>
-              <a:rPr lang="en-US" sz="1200" dirty="0" err="1"/>
-              <a:t>driver.navigate</a:t>
-            </a:r>
-            <a:r>
-              <a:rPr lang="en-US" sz="1200" dirty="0"/>
-              <a:t>().refresh()</a:t>
-            </a:r>
-          </a:p>
-          <a:p>
-            <a:endParaRPr lang="en-IN" dirty="0"/>
+              <a:t>Click element</a:t>
+            </a:r>
+          </a:p>
+          <a:p>
+            <a:pPr lvl="3" fontAlgn="base"/>
+            <a:r>
+              <a:rPr lang="en-US" dirty="0" err="1"/>
+              <a:t>js.executeScript</a:t>
+            </a:r>
+            <a:r>
+              <a:rPr lang="en-US" dirty="0"/>
+              <a:t>("arguments[0].click();", element);</a:t>
+            </a:r>
+          </a:p>
+          <a:p>
+            <a:pPr lvl="2"/>
+            <a:endParaRPr lang="en-US" dirty="0"/>
           </a:p>
         </p:txBody>
       </p:sp>
@@ -50555,18 +50245,13 @@
           <a:p>
             <a:r>
               <a:rPr lang="en-US" sz="1400" dirty="0"/>
-              <a:t>Selenium : Navigation</a:t>
+              <a:t>Selenium : Executing JavaScript</a:t>
             </a:r>
             <a:endParaRPr lang="en-IN" sz="1400" dirty="0"/>
           </a:p>
         </p:txBody>
       </p:sp>
     </p:spTree>
-    <p:extLst>
-      <p:ext uri="{BB962C8B-B14F-4D97-AF65-F5344CB8AC3E}">
-        <p14:creationId xmlns:p14="http://schemas.microsoft.com/office/powerpoint/2010/main" val="1988136971"/>
-      </p:ext>
-    </p:extLst>
   </p:cSld>
   <p:clrMapOvr>
     <a:masterClrMapping/>
@@ -50843,6 +50528,33 @@
       </p:grpSpPr>
       <p:sp>
         <p:nvSpPr>
+          <p:cNvPr id="2" name="Title 1"/>
+          <p:cNvSpPr>
+            <a:spLocks noGrp="1"/>
+          </p:cNvSpPr>
+          <p:nvPr>
+            <p:ph type="title"/>
+          </p:nvPr>
+        </p:nvSpPr>
+        <p:spPr>
+          <a:xfrm>
+            <a:off x="838200" y="152400"/>
+            <a:ext cx="8596668" cy="304800"/>
+          </a:xfrm>
+        </p:spPr>
+        <p:txBody>
+          <a:bodyPr/>
+          <a:lstStyle/>
+          <a:p>
+            <a:r>
+              <a:rPr lang="en-US" sz="1400" dirty="0"/>
+              <a:t>Selenium : Waits</a:t>
+            </a:r>
+          </a:p>
+        </p:txBody>
+      </p:sp>
+      <p:sp>
+        <p:nvSpPr>
           <p:cNvPr id="3" name="Text Placeholder 2"/>
           <p:cNvSpPr>
             <a:spLocks noGrp="1"/>
@@ -50853,8 +50565,8 @@
         </p:nvSpPr>
         <p:spPr>
           <a:xfrm>
-            <a:off x="677333" y="685801"/>
-            <a:ext cx="8596668" cy="5355562"/>
+            <a:off x="914400" y="457200"/>
+            <a:ext cx="8596668" cy="5203162"/>
           </a:xfrm>
         </p:spPr>
         <p:txBody>
@@ -50865,132 +50577,104 @@
               <a:buSzPct val="80000"/>
             </a:pPr>
             <a:r>
+              <a:rPr lang="en-US" sz="1200" dirty="0"/>
+              <a:t>Why Waits?</a:t>
+            </a:r>
+          </a:p>
+          <a:p>
+            <a:pPr lvl="1" fontAlgn="base"/>
+            <a:r>
+              <a:rPr lang="en-US" sz="1200" dirty="0"/>
+              <a:t>Elements takes time to load in the web page</a:t>
+            </a:r>
+          </a:p>
+          <a:p>
+            <a:pPr lvl="2" fontAlgn="base"/>
+            <a:r>
+              <a:rPr lang="en-US" sz="1200" dirty="0"/>
+              <a:t>An element not being present at all in the DOM.</a:t>
+            </a:r>
+          </a:p>
+          <a:p>
+            <a:pPr lvl="2" fontAlgn="base"/>
+            <a:r>
+              <a:rPr lang="en-US" sz="1200" dirty="0"/>
+              <a:t>An element being present in the DOM but not visible.</a:t>
+            </a:r>
+          </a:p>
+          <a:p>
+            <a:pPr lvl="2" fontAlgn="base"/>
+            <a:r>
+              <a:rPr lang="en-US" sz="1200" dirty="0"/>
+              <a:t>An element being present in the DOM but not enabled. (i.e. clickable)</a:t>
+            </a:r>
+          </a:p>
+          <a:p>
+            <a:pPr lvl="1" fontAlgn="base"/>
+            <a:r>
+              <a:rPr lang="en-US" sz="1200" dirty="0"/>
+              <a:t>AJAX </a:t>
+            </a:r>
+          </a:p>
+          <a:p>
+            <a:pPr lvl="2" fontAlgn="base"/>
+            <a:r>
+              <a:rPr lang="en-US" sz="1200" dirty="0"/>
+              <a:t>Asynchronous JavaScript and XML</a:t>
+            </a:r>
+          </a:p>
+          <a:p>
+            <a:pPr lvl="2" fontAlgn="base"/>
+            <a:r>
+              <a:rPr lang="en-US" sz="1200" dirty="0"/>
+              <a:t>Ajax allows content on Web pages to update immediately  without page load</a:t>
+            </a:r>
+          </a:p>
+          <a:p>
+            <a:pPr fontAlgn="base">
+              <a:buSzPct val="80000"/>
+            </a:pPr>
+            <a:r>
+              <a:rPr lang="en-US" sz="1200" dirty="0"/>
+              <a:t>Wait Interface</a:t>
+            </a:r>
+          </a:p>
+          <a:p>
+            <a:pPr lvl="1" fontAlgn="base"/>
+            <a:r>
+              <a:rPr lang="en-US" sz="1200" dirty="0"/>
+              <a:t>Wait interface</a:t>
+            </a:r>
+          </a:p>
+          <a:p>
+            <a:pPr lvl="1" fontAlgn="base"/>
+            <a:r>
               <a:rPr lang="en-US" sz="1200" dirty="0" err="1"/>
-              <a:t>TakesScreenshot</a:t>
+              <a:t>FluentWait</a:t>
             </a:r>
             <a:r>
               <a:rPr lang="en-US" sz="1200" dirty="0"/>
-              <a:t> interface </a:t>
+              <a:t> implements Wait</a:t>
             </a:r>
           </a:p>
           <a:p>
             <a:pPr lvl="1" fontAlgn="base"/>
             <a:r>
+              <a:rPr lang="en-US" sz="1200" dirty="0" err="1"/>
+              <a:t>WebDriverWait</a:t>
+            </a:r>
+            <a:r>
               <a:rPr lang="en-US" sz="1200" dirty="0"/>
-              <a:t>Indicates a driver that can capture a screenshot and store it.</a:t>
-            </a:r>
-          </a:p>
-          <a:p>
-            <a:pPr lvl="2" fontAlgn="base"/>
-            <a:r>
-              <a:rPr lang="en-US" sz="1000" dirty="0" err="1"/>
-              <a:t>TakesScreenshot</a:t>
-            </a:r>
-            <a:r>
-              <a:rPr lang="en-US" sz="1000" dirty="0"/>
-              <a:t> </a:t>
-            </a:r>
-            <a:r>
-              <a:rPr lang="en-US" sz="1000" dirty="0" err="1"/>
-              <a:t>ts</a:t>
-            </a:r>
-            <a:r>
-              <a:rPr lang="en-US" sz="1000" dirty="0"/>
-              <a:t> = ((</a:t>
-            </a:r>
-            <a:r>
-              <a:rPr lang="en-US" sz="1000" dirty="0" err="1"/>
-              <a:t>TakesScreenshot</a:t>
-            </a:r>
-            <a:r>
-              <a:rPr lang="en-US" sz="1000" dirty="0"/>
-              <a:t>)driver);</a:t>
-            </a:r>
-          </a:p>
-          <a:p>
-            <a:pPr lvl="2" fontAlgn="base"/>
-            <a:r>
-              <a:rPr lang="en-US" sz="1200" dirty="0"/>
-              <a:t>File </a:t>
+              <a:t> extends </a:t>
             </a:r>
             <a:r>
               <a:rPr lang="en-US" sz="1200" dirty="0" err="1"/>
-              <a:t>screenshotFile</a:t>
-            </a:r>
-            <a:r>
-              <a:rPr lang="en-US" sz="1200" dirty="0"/>
-              <a:t> = </a:t>
-            </a:r>
-            <a:r>
-              <a:rPr lang="en-US" sz="1200" dirty="0" err="1"/>
-              <a:t>ts.getScreenshotAs</a:t>
-            </a:r>
-            <a:r>
-              <a:rPr lang="en-US" sz="1200" dirty="0"/>
-              <a:t>(</a:t>
-            </a:r>
-            <a:r>
-              <a:rPr lang="en-US" sz="1200" dirty="0" err="1"/>
-              <a:t>OutputType.FILE</a:t>
-            </a:r>
-            <a:r>
-              <a:rPr lang="en-US" sz="1200" dirty="0"/>
-              <a:t>);</a:t>
-            </a:r>
-          </a:p>
-          <a:p>
-            <a:pPr lvl="2" fontAlgn="base"/>
-            <a:r>
-              <a:rPr lang="en-US" sz="1000" dirty="0" err="1"/>
-              <a:t>FileUtils.copyFile</a:t>
-            </a:r>
-            <a:r>
-              <a:rPr lang="en-US" sz="1000" dirty="0"/>
-              <a:t>(</a:t>
-            </a:r>
-            <a:r>
-              <a:rPr lang="en-US" sz="1000" dirty="0" err="1"/>
-              <a:t>screenshotFile</a:t>
-            </a:r>
-            <a:r>
-              <a:rPr lang="en-US" sz="1000" dirty="0"/>
-              <a:t>, new File("test1.jpg"));</a:t>
-            </a:r>
-          </a:p>
-          <a:p>
-            <a:pPr lvl="1" fontAlgn="base"/>
-            <a:r>
-              <a:rPr lang="en-US" sz="1200" dirty="0"/>
-              <a:t>When to take screenshots?</a:t>
-            </a:r>
-          </a:p>
-        </p:txBody>
-      </p:sp>
-      <p:sp>
-        <p:nvSpPr>
-          <p:cNvPr id="4" name="Title 1"/>
-          <p:cNvSpPr>
-            <a:spLocks noGrp="1"/>
-          </p:cNvSpPr>
-          <p:nvPr>
-            <p:ph type="title"/>
-          </p:nvPr>
-        </p:nvSpPr>
-        <p:spPr>
-          <a:xfrm>
-            <a:off x="695400" y="188640"/>
-            <a:ext cx="8596668" cy="360040"/>
-          </a:xfrm>
-        </p:spPr>
-        <p:txBody>
-          <a:bodyPr/>
-          <a:lstStyle/>
-          <a:p>
-            <a:r>
-              <a:rPr lang="en-US" sz="1400" dirty="0"/>
-              <a:t>Selenium : Taking Screenshots</a:t>
-            </a:r>
-            <a:endParaRPr lang="en-IN" sz="1400" dirty="0"/>
+              <a:t>FluentWait</a:t>
+            </a:r>
+            <a:endParaRPr lang="en-US" sz="1200" dirty="0"/>
+          </a:p>
+          <a:p>
+            <a:endParaRPr lang="en-US" dirty="0"/>
           </a:p>
         </p:txBody>
       </p:sp>
@@ -51031,379 +50715,6 @@
         </p:nvSpPr>
         <p:spPr>
           <a:xfrm>
-            <a:off x="677333" y="685801"/>
-            <a:ext cx="8596668" cy="5355562"/>
-          </a:xfrm>
-        </p:spPr>
-        <p:txBody>
-          <a:bodyPr/>
-          <a:lstStyle/>
-          <a:p>
-            <a:pPr fontAlgn="base">
-              <a:buSzPct val="80000"/>
-            </a:pPr>
-            <a:r>
-              <a:rPr lang="en-US" sz="1200" dirty="0"/>
-              <a:t>JavascriptExecutor Interface</a:t>
-            </a:r>
-          </a:p>
-          <a:p>
-            <a:pPr lvl="1" fontAlgn="base"/>
-            <a:r>
-              <a:rPr lang="en-US" sz="1200" dirty="0"/>
-              <a:t>JavaScriptExecutor is an interface which provides mechanism to execute JavaScript through selenium driver</a:t>
-            </a:r>
-          </a:p>
-          <a:p>
-            <a:pPr lvl="1" fontAlgn="base"/>
-            <a:r>
-              <a:rPr lang="en-US" sz="1200" dirty="0"/>
-              <a:t>Sample JavaScript:</a:t>
-            </a:r>
-          </a:p>
-          <a:p>
-            <a:pPr lvl="2" fontAlgn="base"/>
-            <a:r>
-              <a:rPr lang="en-US" sz="1200" dirty="0"/>
-              <a:t>Scroll Page</a:t>
-            </a:r>
-          </a:p>
-          <a:p>
-            <a:pPr lvl="3" fontAlgn="base"/>
-            <a:r>
-              <a:rPr lang="en-US" dirty="0" err="1"/>
-              <a:t>js.executeScript</a:t>
-            </a:r>
-            <a:r>
-              <a:rPr lang="en-US" dirty="0"/>
-              <a:t>("</a:t>
-            </a:r>
-            <a:r>
-              <a:rPr lang="en-US" dirty="0" err="1"/>
-              <a:t>window.scrollBy</a:t>
-            </a:r>
-            <a:r>
-              <a:rPr lang="en-US" dirty="0"/>
-              <a:t>(0,150)");</a:t>
-            </a:r>
-          </a:p>
-          <a:p>
-            <a:pPr lvl="2" fontAlgn="base"/>
-            <a:r>
-              <a:rPr lang="en-US" sz="1200" dirty="0"/>
-              <a:t>Get Title of a </a:t>
-            </a:r>
-            <a:r>
-              <a:rPr lang="en-US" sz="1200" dirty="0" err="1"/>
-              <a:t>WebPage</a:t>
-            </a:r>
-            <a:endParaRPr lang="en-US" sz="1200" dirty="0"/>
-          </a:p>
-          <a:p>
-            <a:pPr lvl="3" fontAlgn="base"/>
-            <a:r>
-              <a:rPr lang="en-US" dirty="0"/>
-              <a:t>string </a:t>
-            </a:r>
-            <a:r>
-              <a:rPr lang="en-US" dirty="0" err="1"/>
-              <a:t>sText</a:t>
-            </a:r>
-            <a:r>
-              <a:rPr lang="en-US" dirty="0"/>
-              <a:t> =  </a:t>
-            </a:r>
-            <a:r>
-              <a:rPr lang="en-US" dirty="0" err="1"/>
-              <a:t>js.executeScript</a:t>
-            </a:r>
-            <a:r>
-              <a:rPr lang="en-US" dirty="0"/>
-              <a:t>("return </a:t>
-            </a:r>
-            <a:r>
-              <a:rPr lang="en-US" dirty="0" err="1"/>
-              <a:t>document.title</a:t>
-            </a:r>
-            <a:r>
-              <a:rPr lang="en-US" dirty="0"/>
-              <a:t>;").</a:t>
-            </a:r>
-            <a:r>
-              <a:rPr lang="en-US" dirty="0" err="1"/>
-              <a:t>toString</a:t>
-            </a:r>
-            <a:r>
-              <a:rPr lang="en-US" dirty="0"/>
-              <a:t>();</a:t>
-            </a:r>
-          </a:p>
-          <a:p>
-            <a:pPr lvl="2" fontAlgn="base"/>
-            <a:r>
-              <a:rPr lang="en-US" sz="1200" dirty="0"/>
-              <a:t>Click element</a:t>
-            </a:r>
-          </a:p>
-          <a:p>
-            <a:pPr lvl="3" fontAlgn="base"/>
-            <a:r>
-              <a:rPr lang="en-US" dirty="0" err="1"/>
-              <a:t>js.executeScript</a:t>
-            </a:r>
-            <a:r>
-              <a:rPr lang="en-US" dirty="0"/>
-              <a:t>("arguments[0].click();", element);</a:t>
-            </a:r>
-          </a:p>
-          <a:p>
-            <a:pPr lvl="2"/>
-            <a:endParaRPr lang="en-US" dirty="0"/>
-          </a:p>
-        </p:txBody>
-      </p:sp>
-      <p:sp>
-        <p:nvSpPr>
-          <p:cNvPr id="4" name="Title 1"/>
-          <p:cNvSpPr>
-            <a:spLocks noGrp="1"/>
-          </p:cNvSpPr>
-          <p:nvPr>
-            <p:ph type="title"/>
-          </p:nvPr>
-        </p:nvSpPr>
-        <p:spPr>
-          <a:xfrm>
-            <a:off x="695400" y="188640"/>
-            <a:ext cx="8596668" cy="360040"/>
-          </a:xfrm>
-        </p:spPr>
-        <p:txBody>
-          <a:bodyPr/>
-          <a:lstStyle/>
-          <a:p>
-            <a:r>
-              <a:rPr lang="en-US" sz="1400" dirty="0"/>
-              <a:t>Selenium : Executing JavaScript</a:t>
-            </a:r>
-            <a:endParaRPr lang="en-IN" sz="1400" dirty="0"/>
-          </a:p>
-        </p:txBody>
-      </p:sp>
-    </p:spTree>
-  </p:cSld>
-  <p:clrMapOvr>
-    <a:masterClrMapping/>
-  </p:clrMapOvr>
-</p:sld>
-</file>
-
-<file path=ppt/slides/slide82.xml><?xml version="1.0" encoding="utf-8"?>
-<p:sld xmlns:a="http://schemas.openxmlformats.org/drawingml/2006/main" xmlns:r="http://schemas.openxmlformats.org/officeDocument/2006/relationships" xmlns:p="http://schemas.openxmlformats.org/presentationml/2006/main">
-  <p:cSld>
-    <p:spTree>
-      <p:nvGrpSpPr>
-        <p:cNvPr id="1" name=""/>
-        <p:cNvGrpSpPr/>
-        <p:nvPr/>
-      </p:nvGrpSpPr>
-      <p:grpSpPr>
-        <a:xfrm>
-          <a:off x="0" y="0"/>
-          <a:ext cx="0" cy="0"/>
-          <a:chOff x="0" y="0"/>
-          <a:chExt cx="0" cy="0"/>
-        </a:xfrm>
-      </p:grpSpPr>
-      <p:sp>
-        <p:nvSpPr>
-          <p:cNvPr id="2" name="Title 1"/>
-          <p:cNvSpPr>
-            <a:spLocks noGrp="1"/>
-          </p:cNvSpPr>
-          <p:nvPr>
-            <p:ph type="title"/>
-          </p:nvPr>
-        </p:nvSpPr>
-        <p:spPr>
-          <a:xfrm>
-            <a:off x="838200" y="152400"/>
-            <a:ext cx="8596668" cy="304800"/>
-          </a:xfrm>
-        </p:spPr>
-        <p:txBody>
-          <a:bodyPr/>
-          <a:lstStyle/>
-          <a:p>
-            <a:r>
-              <a:rPr lang="en-US" sz="1400" dirty="0"/>
-              <a:t>Selenium : Waits</a:t>
-            </a:r>
-          </a:p>
-        </p:txBody>
-      </p:sp>
-      <p:sp>
-        <p:nvSpPr>
-          <p:cNvPr id="3" name="Text Placeholder 2"/>
-          <p:cNvSpPr>
-            <a:spLocks noGrp="1"/>
-          </p:cNvSpPr>
-          <p:nvPr>
-            <p:ph type="body" idx="1"/>
-          </p:nvPr>
-        </p:nvSpPr>
-        <p:spPr>
-          <a:xfrm>
-            <a:off x="914400" y="457200"/>
-            <a:ext cx="8596668" cy="5203162"/>
-          </a:xfrm>
-        </p:spPr>
-        <p:txBody>
-          <a:bodyPr/>
-          <a:lstStyle/>
-          <a:p>
-            <a:pPr fontAlgn="base">
-              <a:buSzPct val="80000"/>
-            </a:pPr>
-            <a:r>
-              <a:rPr lang="en-US" sz="1200" dirty="0"/>
-              <a:t>Why Waits?</a:t>
-            </a:r>
-          </a:p>
-          <a:p>
-            <a:pPr lvl="1" fontAlgn="base"/>
-            <a:r>
-              <a:rPr lang="en-US" sz="1200" dirty="0"/>
-              <a:t>Elements takes time to load in the web page</a:t>
-            </a:r>
-          </a:p>
-          <a:p>
-            <a:pPr lvl="2" fontAlgn="base"/>
-            <a:r>
-              <a:rPr lang="en-US" sz="1200" dirty="0"/>
-              <a:t>An element not being present at all in the DOM.</a:t>
-            </a:r>
-          </a:p>
-          <a:p>
-            <a:pPr lvl="2" fontAlgn="base"/>
-            <a:r>
-              <a:rPr lang="en-US" sz="1200" dirty="0"/>
-              <a:t>An element being present in the DOM but not visible.</a:t>
-            </a:r>
-          </a:p>
-          <a:p>
-            <a:pPr lvl="2" fontAlgn="base"/>
-            <a:r>
-              <a:rPr lang="en-US" sz="1200" dirty="0"/>
-              <a:t>An element being present in the DOM but not enabled. (i.e. clickable)</a:t>
-            </a:r>
-          </a:p>
-          <a:p>
-            <a:pPr lvl="1" fontAlgn="base"/>
-            <a:r>
-              <a:rPr lang="en-US" sz="1200" dirty="0"/>
-              <a:t>AJAX </a:t>
-            </a:r>
-          </a:p>
-          <a:p>
-            <a:pPr lvl="2" fontAlgn="base"/>
-            <a:r>
-              <a:rPr lang="en-US" sz="1200" dirty="0"/>
-              <a:t>Asynchronous JavaScript and XML</a:t>
-            </a:r>
-          </a:p>
-          <a:p>
-            <a:pPr lvl="2" fontAlgn="base"/>
-            <a:r>
-              <a:rPr lang="en-US" sz="1200" dirty="0"/>
-              <a:t>Ajax allows content on Web pages to update immediately  without page load</a:t>
-            </a:r>
-          </a:p>
-          <a:p>
-            <a:pPr fontAlgn="base">
-              <a:buSzPct val="80000"/>
-            </a:pPr>
-            <a:r>
-              <a:rPr lang="en-US" sz="1200" dirty="0"/>
-              <a:t>Wait Interface</a:t>
-            </a:r>
-          </a:p>
-          <a:p>
-            <a:pPr lvl="1" fontAlgn="base"/>
-            <a:r>
-              <a:rPr lang="en-US" sz="1200" dirty="0"/>
-              <a:t>Wait interface</a:t>
-            </a:r>
-          </a:p>
-          <a:p>
-            <a:pPr lvl="1" fontAlgn="base"/>
-            <a:r>
-              <a:rPr lang="en-US" sz="1200" dirty="0" err="1"/>
-              <a:t>FluentWait</a:t>
-            </a:r>
-            <a:r>
-              <a:rPr lang="en-US" sz="1200" dirty="0"/>
-              <a:t> implements Wait</a:t>
-            </a:r>
-          </a:p>
-          <a:p>
-            <a:pPr lvl="1" fontAlgn="base"/>
-            <a:r>
-              <a:rPr lang="en-US" sz="1200" dirty="0" err="1"/>
-              <a:t>WebDriverWait</a:t>
-            </a:r>
-            <a:r>
-              <a:rPr lang="en-US" sz="1200" dirty="0"/>
-              <a:t> extends </a:t>
-            </a:r>
-            <a:r>
-              <a:rPr lang="en-US" sz="1200" dirty="0" err="1"/>
-              <a:t>FluentWait</a:t>
-            </a:r>
-            <a:endParaRPr lang="en-US" sz="1200" dirty="0"/>
-          </a:p>
-          <a:p>
-            <a:endParaRPr lang="en-US" dirty="0"/>
-          </a:p>
-        </p:txBody>
-      </p:sp>
-    </p:spTree>
-  </p:cSld>
-  <p:clrMapOvr>
-    <a:masterClrMapping/>
-  </p:clrMapOvr>
-</p:sld>
-</file>
-
-<file path=ppt/slides/slide83.xml><?xml version="1.0" encoding="utf-8"?>
-<p:sld xmlns:a="http://schemas.openxmlformats.org/drawingml/2006/main" xmlns:r="http://schemas.openxmlformats.org/officeDocument/2006/relationships" xmlns:p="http://schemas.openxmlformats.org/presentationml/2006/main">
-  <p:cSld>
-    <p:spTree>
-      <p:nvGrpSpPr>
-        <p:cNvPr id="1" name=""/>
-        <p:cNvGrpSpPr/>
-        <p:nvPr/>
-      </p:nvGrpSpPr>
-      <p:grpSpPr>
-        <a:xfrm>
-          <a:off x="0" y="0"/>
-          <a:ext cx="0" cy="0"/>
-          <a:chOff x="0" y="0"/>
-          <a:chExt cx="0" cy="0"/>
-        </a:xfrm>
-      </p:grpSpPr>
-      <p:sp>
-        <p:nvSpPr>
-          <p:cNvPr id="3" name="Text Placeholder 2"/>
-          <p:cNvSpPr>
-            <a:spLocks noGrp="1"/>
-          </p:cNvSpPr>
-          <p:nvPr>
-            <p:ph type="body" idx="1"/>
-          </p:nvPr>
-        </p:nvSpPr>
-        <p:spPr>
-          <a:xfrm>
             <a:off x="685800" y="533400"/>
             <a:ext cx="8596668" cy="6324600"/>
           </a:xfrm>
@@ -51636,7 +50947,7 @@
 </p:sld>
 </file>
 
-<file path=ppt/slides/slide84.xml><?xml version="1.0" encoding="utf-8"?>
+<file path=ppt/slides/slide82.xml><?xml version="1.0" encoding="utf-8"?>
 <p:sld xmlns:a="http://schemas.openxmlformats.org/drawingml/2006/main" xmlns:r="http://schemas.openxmlformats.org/officeDocument/2006/relationships" xmlns:p="http://schemas.openxmlformats.org/presentationml/2006/main">
   <p:cSld>
     <p:spTree>
@@ -51807,7 +51118,7 @@
 </p:sld>
 </file>
 
-<file path=ppt/slides/slide85.xml><?xml version="1.0" encoding="utf-8"?>
+<file path=ppt/slides/slide83.xml><?xml version="1.0" encoding="utf-8"?>
 <p:sld xmlns:a="http://schemas.openxmlformats.org/drawingml/2006/main" xmlns:r="http://schemas.openxmlformats.org/officeDocument/2006/relationships" xmlns:p="http://schemas.openxmlformats.org/presentationml/2006/main">
   <p:cSld>
     <p:spTree>
@@ -51986,6 +51297,401 @@
     <p:extLst>
       <p:ext uri="{BB962C8B-B14F-4D97-AF65-F5344CB8AC3E}">
         <p14:creationId xmlns:p14="http://schemas.microsoft.com/office/powerpoint/2010/main" val="1656973629"/>
+      </p:ext>
+    </p:extLst>
+  </p:cSld>
+  <p:clrMapOvr>
+    <a:masterClrMapping/>
+  </p:clrMapOvr>
+</p:sld>
+</file>
+
+<file path=ppt/slides/slide84.xml><?xml version="1.0" encoding="utf-8"?>
+<p:sld xmlns:a="http://schemas.openxmlformats.org/drawingml/2006/main" xmlns:r="http://schemas.openxmlformats.org/officeDocument/2006/relationships" xmlns:p="http://schemas.openxmlformats.org/presentationml/2006/main">
+  <p:cSld>
+    <p:spTree>
+      <p:nvGrpSpPr>
+        <p:cNvPr id="1" name=""/>
+        <p:cNvGrpSpPr/>
+        <p:nvPr/>
+      </p:nvGrpSpPr>
+      <p:grpSpPr>
+        <a:xfrm>
+          <a:off x="0" y="0"/>
+          <a:ext cx="0" cy="0"/>
+          <a:chOff x="0" y="0"/>
+          <a:chExt cx="0" cy="0"/>
+        </a:xfrm>
+      </p:grpSpPr>
+      <p:sp>
+        <p:nvSpPr>
+          <p:cNvPr id="3" name="Text Placeholder 2"/>
+          <p:cNvSpPr>
+            <a:spLocks noGrp="1"/>
+          </p:cNvSpPr>
+          <p:nvPr>
+            <p:ph type="body" idx="1"/>
+          </p:nvPr>
+        </p:nvSpPr>
+        <p:spPr>
+          <a:xfrm>
+            <a:off x="677333" y="762001"/>
+            <a:ext cx="8596668" cy="5279362"/>
+          </a:xfrm>
+        </p:spPr>
+        <p:txBody>
+          <a:bodyPr/>
+          <a:lstStyle/>
+          <a:p>
+            <a:pPr fontAlgn="base">
+              <a:buSzPct val="80000"/>
+            </a:pPr>
+            <a:r>
+              <a:rPr lang="en-IN" sz="1200" dirty="0"/>
+              <a:t>Installing Maven:</a:t>
+            </a:r>
+          </a:p>
+          <a:p>
+            <a:pPr lvl="1" fontAlgn="base"/>
+            <a:r>
+              <a:rPr lang="en-IN" sz="1200" dirty="0"/>
+              <a:t>Prerequisites:</a:t>
+            </a:r>
+          </a:p>
+          <a:p>
+            <a:pPr lvl="2" fontAlgn="base"/>
+            <a:r>
+              <a:rPr lang="en-IN" sz="1200" dirty="0"/>
+              <a:t>JDK is installed</a:t>
+            </a:r>
+          </a:p>
+          <a:p>
+            <a:pPr lvl="2" fontAlgn="base"/>
+            <a:r>
+              <a:rPr lang="en-IN" sz="1200" dirty="0"/>
+              <a:t>JAVA_HOME is set</a:t>
+            </a:r>
+          </a:p>
+          <a:p>
+            <a:pPr lvl="1" fontAlgn="base"/>
+            <a:r>
+              <a:rPr lang="en-IN" sz="1200" dirty="0"/>
+              <a:t>Installing Maven in System:</a:t>
+            </a:r>
+          </a:p>
+          <a:p>
+            <a:pPr lvl="2" fontAlgn="base"/>
+            <a:r>
+              <a:rPr lang="en-IN" sz="1200" dirty="0"/>
+              <a:t>Download Maven</a:t>
+            </a:r>
+          </a:p>
+          <a:p>
+            <a:pPr lvl="2" fontAlgn="base"/>
+            <a:r>
+              <a:rPr lang="en-IN" sz="1200" dirty="0">
+                <a:hlinkClick r:id="rId2"/>
+              </a:rPr>
+              <a:t>https://maven.apache.org/download.cgi</a:t>
+            </a:r>
+            <a:endParaRPr lang="en-IN" sz="1200" dirty="0"/>
+          </a:p>
+          <a:p>
+            <a:pPr lvl="2" fontAlgn="base"/>
+            <a:r>
+              <a:rPr lang="en-IN" sz="1200" dirty="0"/>
+              <a:t>Extract it</a:t>
+            </a:r>
+          </a:p>
+          <a:p>
+            <a:pPr lvl="2" fontAlgn="base"/>
+            <a:r>
+              <a:rPr lang="en-IN" sz="1200" dirty="0"/>
+              <a:t>Set M2_HOME environment variable</a:t>
+            </a:r>
+          </a:p>
+          <a:p>
+            <a:pPr lvl="2" fontAlgn="base"/>
+            <a:r>
+              <a:rPr lang="en-IN" sz="1200" dirty="0"/>
+              <a:t>Set path variable</a:t>
+            </a:r>
+          </a:p>
+          <a:p>
+            <a:pPr lvl="1" fontAlgn="base"/>
+            <a:r>
+              <a:rPr lang="en-IN" sz="1200" dirty="0"/>
+              <a:t>Installing Maven in eclipse</a:t>
+            </a:r>
+          </a:p>
+          <a:p>
+            <a:endParaRPr lang="en-IN" dirty="0"/>
+          </a:p>
+        </p:txBody>
+      </p:sp>
+      <p:sp>
+        <p:nvSpPr>
+          <p:cNvPr id="4" name="Title 1"/>
+          <p:cNvSpPr>
+            <a:spLocks noGrp="1"/>
+          </p:cNvSpPr>
+          <p:nvPr>
+            <p:ph type="title"/>
+          </p:nvPr>
+        </p:nvSpPr>
+        <p:spPr>
+          <a:xfrm>
+            <a:off x="685800" y="304800"/>
+            <a:ext cx="8596668" cy="304800"/>
+          </a:xfrm>
+        </p:spPr>
+        <p:txBody>
+          <a:bodyPr/>
+          <a:lstStyle/>
+          <a:p>
+            <a:r>
+              <a:rPr lang="en-US" sz="1600" dirty="0"/>
+              <a:t>Maven : SetUp</a:t>
+            </a:r>
+          </a:p>
+        </p:txBody>
+      </p:sp>
+    </p:spTree>
+    <p:extLst>
+      <p:ext uri="{BB962C8B-B14F-4D97-AF65-F5344CB8AC3E}">
+        <p14:creationId xmlns:p14="http://schemas.microsoft.com/office/powerpoint/2010/main" val="2408037249"/>
+      </p:ext>
+    </p:extLst>
+  </p:cSld>
+  <p:clrMapOvr>
+    <a:masterClrMapping/>
+  </p:clrMapOvr>
+</p:sld>
+</file>
+
+<file path=ppt/slides/slide85.xml><?xml version="1.0" encoding="utf-8"?>
+<p:sld xmlns:a="http://schemas.openxmlformats.org/drawingml/2006/main" xmlns:r="http://schemas.openxmlformats.org/officeDocument/2006/relationships" xmlns:p="http://schemas.openxmlformats.org/presentationml/2006/main">
+  <p:cSld>
+    <p:spTree>
+      <p:nvGrpSpPr>
+        <p:cNvPr id="1" name=""/>
+        <p:cNvGrpSpPr/>
+        <p:nvPr/>
+      </p:nvGrpSpPr>
+      <p:grpSpPr>
+        <a:xfrm>
+          <a:off x="0" y="0"/>
+          <a:ext cx="0" cy="0"/>
+          <a:chOff x="0" y="0"/>
+          <a:chExt cx="0" cy="0"/>
+        </a:xfrm>
+      </p:grpSpPr>
+      <p:sp>
+        <p:nvSpPr>
+          <p:cNvPr id="3" name="Text Placeholder 2"/>
+          <p:cNvSpPr>
+            <a:spLocks noGrp="1"/>
+          </p:cNvSpPr>
+          <p:nvPr>
+            <p:ph type="body" idx="1"/>
+          </p:nvPr>
+        </p:nvSpPr>
+        <p:spPr>
+          <a:xfrm>
+            <a:off x="677333" y="609600"/>
+            <a:ext cx="8596668" cy="6095999"/>
+          </a:xfrm>
+        </p:spPr>
+        <p:txBody>
+          <a:bodyPr/>
+          <a:lstStyle/>
+          <a:p>
+            <a:pPr fontAlgn="base"/>
+            <a:endParaRPr lang="en-IN" sz="1200" dirty="0"/>
+          </a:p>
+          <a:p>
+            <a:pPr fontAlgn="base">
+              <a:buSzPct val="80000"/>
+            </a:pPr>
+            <a:r>
+              <a:rPr lang="en-IN" sz="1200" dirty="0"/>
+              <a:t>Creating First Maven project:</a:t>
+            </a:r>
+          </a:p>
+          <a:p>
+            <a:pPr lvl="1" fontAlgn="base"/>
+            <a:r>
+              <a:rPr lang="en-IN" sz="1200" dirty="0"/>
+              <a:t>Creating from eclipse</a:t>
+            </a:r>
+          </a:p>
+          <a:p>
+            <a:pPr lvl="1" fontAlgn="base"/>
+            <a:r>
+              <a:rPr lang="en-IN" sz="1200" dirty="0"/>
+              <a:t>Creating from command line</a:t>
+            </a:r>
+          </a:p>
+          <a:p>
+            <a:pPr lvl="2" fontAlgn="base"/>
+            <a:r>
+              <a:rPr lang="en-IN" sz="1200" dirty="0" err="1"/>
+              <a:t>mvn</a:t>
+            </a:r>
+            <a:r>
+              <a:rPr lang="en-IN" sz="1200" dirty="0"/>
+              <a:t> </a:t>
+            </a:r>
+            <a:r>
+              <a:rPr lang="en-IN" sz="1200" dirty="0" err="1"/>
+              <a:t>archetype:generate</a:t>
+            </a:r>
+            <a:r>
+              <a:rPr lang="en-IN" sz="1200" dirty="0"/>
+              <a:t> </a:t>
+            </a:r>
+          </a:p>
+          <a:p>
+            <a:pPr lvl="3" fontAlgn="base"/>
+            <a:r>
+              <a:rPr lang="en-IN" dirty="0"/>
+              <a:t>	-</a:t>
+            </a:r>
+            <a:r>
+              <a:rPr lang="en-IN" dirty="0" err="1"/>
+              <a:t>DgroupId</a:t>
+            </a:r>
+            <a:r>
+              <a:rPr lang="en-IN" dirty="0"/>
+              <a:t>=</a:t>
+            </a:r>
+            <a:r>
+              <a:rPr lang="en-IN" dirty="0" err="1"/>
+              <a:t>com.google</a:t>
+            </a:r>
+            <a:r>
+              <a:rPr lang="en-IN" dirty="0"/>
+              <a:t> </a:t>
+            </a:r>
+          </a:p>
+          <a:p>
+            <a:pPr lvl="3" fontAlgn="base"/>
+            <a:r>
+              <a:rPr lang="en-IN" dirty="0"/>
+              <a:t>	-</a:t>
+            </a:r>
+            <a:r>
+              <a:rPr lang="en-IN" dirty="0" err="1"/>
+              <a:t>DartifactId</a:t>
+            </a:r>
+            <a:r>
+              <a:rPr lang="en-IN" dirty="0"/>
+              <a:t>=ml2 </a:t>
+            </a:r>
+          </a:p>
+          <a:p>
+            <a:pPr lvl="3" fontAlgn="base"/>
+            <a:r>
+              <a:rPr lang="en-IN" dirty="0"/>
+              <a:t>	-</a:t>
+            </a:r>
+            <a:r>
+              <a:rPr lang="en-IN" dirty="0" err="1"/>
+              <a:t>DarchetypeArtifactId</a:t>
+            </a:r>
+            <a:r>
+              <a:rPr lang="en-IN" dirty="0"/>
+              <a:t>=maven-archetype-</a:t>
+            </a:r>
+            <a:r>
+              <a:rPr lang="en-IN" dirty="0" err="1"/>
+              <a:t>quickstart</a:t>
+            </a:r>
+            <a:endParaRPr lang="en-IN" dirty="0"/>
+          </a:p>
+          <a:p>
+            <a:pPr lvl="1" fontAlgn="base"/>
+            <a:r>
+              <a:rPr lang="en-IN" sz="1200" dirty="0"/>
+              <a:t>What is Archetype?</a:t>
+            </a:r>
+          </a:p>
+          <a:p>
+            <a:pPr lvl="1" fontAlgn="base"/>
+            <a:r>
+              <a:rPr lang="en-IN" sz="1200" dirty="0"/>
+              <a:t>What is </a:t>
+            </a:r>
+            <a:r>
+              <a:rPr lang="en-IN" sz="1200" dirty="0" err="1"/>
+              <a:t>groupId</a:t>
+            </a:r>
+            <a:r>
+              <a:rPr lang="en-IN" sz="1200" dirty="0"/>
+              <a:t>?</a:t>
+            </a:r>
+          </a:p>
+          <a:p>
+            <a:pPr lvl="1" fontAlgn="base"/>
+            <a:r>
+              <a:rPr lang="en-IN" sz="1200" dirty="0"/>
+              <a:t>What is </a:t>
+            </a:r>
+            <a:r>
+              <a:rPr lang="en-IN" sz="1200" dirty="0" err="1"/>
+              <a:t>artifactId</a:t>
+            </a:r>
+            <a:r>
+              <a:rPr lang="en-IN" sz="1200" dirty="0"/>
+              <a:t>?</a:t>
+            </a:r>
+          </a:p>
+          <a:p>
+            <a:pPr lvl="1" fontAlgn="base"/>
+            <a:r>
+              <a:rPr lang="en-IN" sz="1200" dirty="0"/>
+              <a:t>What is Version?</a:t>
+            </a:r>
+          </a:p>
+          <a:p>
+            <a:pPr marL="91441" indent="0">
+              <a:buNone/>
+            </a:pPr>
+            <a:endParaRPr lang="en-IN" dirty="0"/>
+          </a:p>
+        </p:txBody>
+      </p:sp>
+      <p:sp>
+        <p:nvSpPr>
+          <p:cNvPr id="4" name="Title 1"/>
+          <p:cNvSpPr>
+            <a:spLocks noGrp="1"/>
+          </p:cNvSpPr>
+          <p:nvPr>
+            <p:ph type="title"/>
+          </p:nvPr>
+        </p:nvSpPr>
+        <p:spPr>
+          <a:xfrm>
+            <a:off x="685800" y="304800"/>
+            <a:ext cx="8596668" cy="304800"/>
+          </a:xfrm>
+        </p:spPr>
+        <p:txBody>
+          <a:bodyPr/>
+          <a:lstStyle/>
+          <a:p>
+            <a:r>
+              <a:rPr lang="en-US" sz="1600" dirty="0"/>
+              <a:t>Maven : Creating First Maven Project</a:t>
+            </a:r>
+          </a:p>
+        </p:txBody>
+      </p:sp>
+    </p:spTree>
+    <p:extLst>
+      <p:ext uri="{BB962C8B-B14F-4D97-AF65-F5344CB8AC3E}">
+        <p14:creationId xmlns:p14="http://schemas.microsoft.com/office/powerpoint/2010/main" val="819843082"/>
       </p:ext>
     </p:extLst>
   </p:cSld>
@@ -52024,8 +51730,8 @@
         </p:nvSpPr>
         <p:spPr>
           <a:xfrm>
-            <a:off x="677333" y="762001"/>
-            <a:ext cx="8596668" cy="5279362"/>
+            <a:off x="677333" y="685801"/>
+            <a:ext cx="8596668" cy="5355562"/>
           </a:xfrm>
         </p:spPr>
         <p:txBody>
@@ -52037,84 +51743,94 @@
             </a:pPr>
             <a:r>
               <a:rPr lang="en-IN" sz="1200" dirty="0"/>
-              <a:t>Installing Maven:</a:t>
-            </a:r>
-          </a:p>
-          <a:p>
-            <a:pPr lvl="1" fontAlgn="base"/>
+              <a:t>Main code 	: </a:t>
+            </a:r>
+            <a:r>
+              <a:rPr lang="en-IN" sz="1200" dirty="0" err="1"/>
+              <a:t>src</a:t>
+            </a:r>
             <a:r>
               <a:rPr lang="en-IN" sz="1200" dirty="0"/>
-              <a:t>Prerequisites:</a:t>
-            </a:r>
-          </a:p>
-          <a:p>
-            <a:pPr lvl="2" fontAlgn="base"/>
+              <a:t>/main/java</a:t>
+            </a:r>
+          </a:p>
+          <a:p>
+            <a:pPr fontAlgn="base">
+              <a:buSzPct val="80000"/>
+            </a:pPr>
             <a:r>
               <a:rPr lang="en-IN" sz="1200" dirty="0"/>
-              <a:t>JDK is installed</a:t>
-            </a:r>
-          </a:p>
-          <a:p>
-            <a:pPr lvl="2" fontAlgn="base"/>
+              <a:t>Main resources 	: </a:t>
+            </a:r>
+            <a:r>
+              <a:rPr lang="en-IN" sz="1200" dirty="0" err="1"/>
+              <a:t>src</a:t>
+            </a:r>
             <a:r>
               <a:rPr lang="en-IN" sz="1200" dirty="0"/>
-              <a:t>JAVA_HOME is set</a:t>
-            </a:r>
-          </a:p>
-          <a:p>
-            <a:pPr lvl="1" fontAlgn="base"/>
+              <a:t>/main/resources</a:t>
+            </a:r>
+          </a:p>
+          <a:p>
+            <a:pPr fontAlgn="base">
+              <a:buSzPct val="80000"/>
+            </a:pPr>
             <a:r>
               <a:rPr lang="en-IN" sz="1200" dirty="0"/>
-              <a:t>Installing Maven in System:</a:t>
-            </a:r>
-          </a:p>
-          <a:p>
-            <a:pPr lvl="2" fontAlgn="base"/>
+              <a:t>Test code 	: </a:t>
+            </a:r>
+            <a:r>
+              <a:rPr lang="en-IN" sz="1200" dirty="0" err="1"/>
+              <a:t>src</a:t>
+            </a:r>
             <a:r>
               <a:rPr lang="en-IN" sz="1200" dirty="0"/>
-              <a:t>Download Maven</a:t>
-            </a:r>
-          </a:p>
-          <a:p>
-            <a:pPr lvl="2" fontAlgn="base"/>
-            <a:r>
-              <a:rPr lang="en-IN" sz="1200" dirty="0">
-                <a:hlinkClick r:id="rId2"/>
-              </a:rPr>
-              <a:t>https://maven.apache.org/download.cgi</a:t>
-            </a:r>
+              <a:t>/test/java</a:t>
+            </a:r>
+          </a:p>
+          <a:p>
+            <a:pPr fontAlgn="base">
+              <a:buSzPct val="80000"/>
+            </a:pPr>
+            <a:r>
+              <a:rPr lang="en-IN" sz="1200" dirty="0"/>
+              <a:t>Test Resources 	: </a:t>
+            </a:r>
+            <a:r>
+              <a:rPr lang="en-IN" sz="1200" dirty="0" err="1"/>
+              <a:t>src</a:t>
+            </a:r>
+            <a:r>
+              <a:rPr lang="en-IN" sz="1200" dirty="0"/>
+              <a:t>/test/resources</a:t>
+            </a:r>
+          </a:p>
+          <a:p>
+            <a:pPr fontAlgn="base">
+              <a:buSzPct val="80000"/>
+            </a:pPr>
+            <a:r>
+              <a:rPr lang="en-IN" sz="1200" dirty="0"/>
+              <a:t>target directory 	: Contains all output of the build.</a:t>
+            </a:r>
+          </a:p>
+          <a:p>
+            <a:pPr fontAlgn="base">
+              <a:buSzPct val="80000"/>
+            </a:pPr>
+            <a:r>
+              <a:rPr lang="en-IN" sz="1200" dirty="0"/>
+              <a:t>Pom.xml 	: Should be present in project’s in root folder</a:t>
+            </a:r>
+          </a:p>
+          <a:p>
+            <a:pPr fontAlgn="base">
+              <a:buSzPct val="80000"/>
+            </a:pPr>
+            <a:br>
+              <a:rPr lang="en-IN" sz="1200" dirty="0"/>
+            </a:br>
             <a:endParaRPr lang="en-IN" sz="1200" dirty="0"/>
-          </a:p>
-          <a:p>
-            <a:pPr lvl="2" fontAlgn="base"/>
-            <a:r>
-              <a:rPr lang="en-IN" sz="1200" dirty="0"/>
-              <a:t>Extract it</a:t>
-            </a:r>
-          </a:p>
-          <a:p>
-            <a:pPr lvl="2" fontAlgn="base"/>
-            <a:r>
-              <a:rPr lang="en-IN" sz="1200" dirty="0"/>
-              <a:t>Set M2_HOME environment variable</a:t>
-            </a:r>
-          </a:p>
-          <a:p>
-            <a:pPr lvl="2" fontAlgn="base"/>
-            <a:r>
-              <a:rPr lang="en-IN" sz="1200" dirty="0"/>
-              <a:t>Set path variable</a:t>
-            </a:r>
-          </a:p>
-          <a:p>
-            <a:pPr lvl="1" fontAlgn="base"/>
-            <a:r>
-              <a:rPr lang="en-IN" sz="1200" dirty="0"/>
-              <a:t>Installing Maven in eclipse</a:t>
-            </a:r>
-          </a:p>
-          <a:p>
-            <a:endParaRPr lang="en-IN" dirty="0"/>
           </a:p>
         </p:txBody>
       </p:sp>
@@ -52140,7 +51856,7 @@
           <a:p>
             <a:r>
               <a:rPr lang="en-US" sz="1600" dirty="0"/>
-              <a:t>Maven : SetUp</a:t>
+              <a:t>Maven : Folder Structure</a:t>
             </a:r>
           </a:p>
         </p:txBody>
@@ -52148,7 +51864,7 @@
     </p:spTree>
     <p:extLst>
       <p:ext uri="{BB962C8B-B14F-4D97-AF65-F5344CB8AC3E}">
-        <p14:creationId xmlns:p14="http://schemas.microsoft.com/office/powerpoint/2010/main" val="2408037249"/>
+        <p14:creationId xmlns:p14="http://schemas.microsoft.com/office/powerpoint/2010/main" val="994180501"/>
       </p:ext>
     </p:extLst>
   </p:cSld>
@@ -52187,166 +51903,98 @@
         </p:nvSpPr>
         <p:spPr>
           <a:xfrm>
-            <a:off x="677333" y="609600"/>
-            <a:ext cx="8596668" cy="6095999"/>
+            <a:off x="677333" y="685801"/>
+            <a:ext cx="8596668" cy="5355562"/>
           </a:xfrm>
         </p:spPr>
         <p:txBody>
           <a:bodyPr/>
           <a:lstStyle/>
           <a:p>
-            <a:pPr fontAlgn="base"/>
-            <a:endParaRPr lang="en-IN" sz="1200" dirty="0"/>
-          </a:p>
-          <a:p>
             <a:pPr fontAlgn="base">
               <a:buSzPct val="80000"/>
             </a:pPr>
             <a:r>
               <a:rPr lang="en-IN" sz="1200" dirty="0"/>
-              <a:t>Creating First Maven project:</a:t>
-            </a:r>
-          </a:p>
-          <a:p>
-            <a:pPr lvl="1" fontAlgn="base"/>
+              <a:t>Maven Build Lifecycle:</a:t>
+            </a:r>
+          </a:p>
+          <a:p>
+            <a:pPr marL="342900" lvl="1" indent="-251459" fontAlgn="base"/>
             <a:r>
               <a:rPr lang="en-IN" sz="1200" dirty="0"/>
-              <a:t>Creating from eclipse</a:t>
-            </a:r>
-          </a:p>
-          <a:p>
-            <a:pPr lvl="1" fontAlgn="base"/>
+              <a:t>It's a definition of process for building and distributing a project.</a:t>
+            </a:r>
+          </a:p>
+          <a:p>
+            <a:pPr marL="342900" lvl="1" indent="-251459" fontAlgn="base"/>
             <a:r>
               <a:rPr lang="en-IN" sz="1200" dirty="0"/>
-              <a:t>Creating from command line</a:t>
-            </a:r>
-          </a:p>
-          <a:p>
-            <a:pPr lvl="2" fontAlgn="base"/>
-            <a:r>
-              <a:rPr lang="en-IN" sz="1200" dirty="0" err="1"/>
-              <a:t>mvn</a:t>
-            </a:r>
+              <a:t>Build cycle consists of multiple phases which execute in a particular sequence:</a:t>
+            </a:r>
+          </a:p>
+          <a:p>
+            <a:pPr marL="342900" lvl="1" indent="-251459" fontAlgn="base"/>
             <a:r>
               <a:rPr lang="en-IN" sz="1200" dirty="0"/>
-              <a:t> </a:t>
-            </a:r>
-            <a:r>
-              <a:rPr lang="en-IN" sz="1200" dirty="0" err="1"/>
-              <a:t>archetype:generate</a:t>
-            </a:r>
+              <a:t>Phases in build lifecycle are:</a:t>
+            </a:r>
+          </a:p>
+          <a:p>
+            <a:pPr marL="342900" lvl="2" indent="-251459" fontAlgn="base"/>
             <a:r>
               <a:rPr lang="en-IN" sz="1200" dirty="0"/>
-              <a:t> </a:t>
-            </a:r>
-          </a:p>
-          <a:p>
-            <a:pPr lvl="3" fontAlgn="base"/>
-            <a:r>
-              <a:rPr lang="en-IN" dirty="0"/>
-              <a:t>	-</a:t>
-            </a:r>
-            <a:r>
-              <a:rPr lang="en-IN" dirty="0" err="1"/>
-              <a:t>DgroupId</a:t>
-            </a:r>
-            <a:r>
-              <a:rPr lang="en-IN" dirty="0"/>
-              <a:t>=</a:t>
-            </a:r>
-            <a:r>
-              <a:rPr lang="en-IN" dirty="0" err="1"/>
-              <a:t>com.google</a:t>
-            </a:r>
-            <a:r>
-              <a:rPr lang="en-IN" dirty="0"/>
-              <a:t> </a:t>
-            </a:r>
-          </a:p>
-          <a:p>
-            <a:pPr lvl="3" fontAlgn="base"/>
-            <a:r>
-              <a:rPr lang="en-IN" dirty="0"/>
-              <a:t>	-</a:t>
-            </a:r>
-            <a:r>
-              <a:rPr lang="en-IN" dirty="0" err="1"/>
-              <a:t>DartifactId</a:t>
-            </a:r>
-            <a:r>
-              <a:rPr lang="en-IN" dirty="0"/>
-              <a:t>=ml2 </a:t>
-            </a:r>
-          </a:p>
-          <a:p>
-            <a:pPr lvl="3" fontAlgn="base"/>
-            <a:r>
-              <a:rPr lang="en-IN" dirty="0"/>
-              <a:t>	-</a:t>
-            </a:r>
-            <a:r>
-              <a:rPr lang="en-IN" dirty="0" err="1"/>
-              <a:t>DarchetypeArtifactId</a:t>
-            </a:r>
-            <a:r>
-              <a:rPr lang="en-IN" dirty="0"/>
-              <a:t>=maven-archetype-</a:t>
-            </a:r>
-            <a:r>
-              <a:rPr lang="en-IN" dirty="0" err="1"/>
-              <a:t>quickstart</a:t>
-            </a:r>
-            <a:endParaRPr lang="en-IN" dirty="0"/>
-          </a:p>
-          <a:p>
-            <a:pPr lvl="1" fontAlgn="base"/>
+              <a:t>compile </a:t>
+            </a:r>
+          </a:p>
+          <a:p>
+            <a:pPr marL="342900" lvl="2" indent="-251459" fontAlgn="base"/>
             <a:r>
               <a:rPr lang="en-IN" sz="1200" dirty="0"/>
-              <a:t>What is Archetype?</a:t>
-            </a:r>
-          </a:p>
-          <a:p>
-            <a:pPr lvl="1" fontAlgn="base"/>
+              <a:t>test-compile</a:t>
+            </a:r>
+          </a:p>
+          <a:p>
+            <a:pPr marL="342900" lvl="2" indent="-251459" fontAlgn="base"/>
             <a:r>
               <a:rPr lang="en-IN" sz="1200" dirty="0"/>
-              <a:t>What is </a:t>
-            </a:r>
-            <a:r>
-              <a:rPr lang="en-IN" sz="1200" dirty="0" err="1"/>
-              <a:t>groupId</a:t>
-            </a:r>
+              <a:t>test </a:t>
+            </a:r>
+          </a:p>
+          <a:p>
+            <a:pPr marL="342900" lvl="2" indent="-251459" fontAlgn="base"/>
             <a:r>
               <a:rPr lang="en-IN" sz="1200" dirty="0"/>
-              <a:t>?</a:t>
-            </a:r>
-          </a:p>
-          <a:p>
-            <a:pPr lvl="1" fontAlgn="base"/>
+              <a:t>package</a:t>
+            </a:r>
+          </a:p>
+          <a:p>
+            <a:pPr marL="342900" lvl="2" indent="-251459" fontAlgn="base"/>
             <a:r>
               <a:rPr lang="en-IN" sz="1200" dirty="0"/>
-              <a:t>What is </a:t>
-            </a:r>
-            <a:r>
-              <a:rPr lang="en-IN" sz="1200" dirty="0" err="1"/>
-              <a:t>artifactId</a:t>
-            </a:r>
+              <a:t>install </a:t>
+            </a:r>
+          </a:p>
+          <a:p>
+            <a:pPr marL="342900" lvl="2" indent="-251459" fontAlgn="base"/>
             <a:r>
               <a:rPr lang="en-IN" sz="1200" dirty="0"/>
-              <a:t>?</a:t>
-            </a:r>
-          </a:p>
-          <a:p>
-            <a:pPr lvl="1" fontAlgn="base"/>
+              <a:t>deploy</a:t>
+            </a:r>
+          </a:p>
+          <a:p>
+            <a:pPr marL="342900" lvl="1" indent="-251459" fontAlgn="base"/>
             <a:r>
               <a:rPr lang="en-IN" sz="1200" dirty="0"/>
-              <a:t>What is Version?</a:t>
-            </a:r>
-          </a:p>
-          <a:p>
-            <a:pPr marL="91441" indent="0">
-              <a:buNone/>
-            </a:pPr>
-            <a:endParaRPr lang="en-IN" dirty="0"/>
+              <a:t>Build phases get executed in above order</a:t>
+            </a:r>
+          </a:p>
+          <a:p>
+            <a:pPr marL="342900" lvl="1" indent="-251459" fontAlgn="base"/>
+            <a:r>
+              <a:rPr lang="en-IN" sz="1200" dirty="0"/>
+              <a:t>When we run any particular phase ,then all the phases which come early in the order are first  executed and then the selected phase gets executed.</a:t>
+            </a:r>
           </a:p>
         </p:txBody>
       </p:sp>
@@ -52371,8 +52019,8 @@
           <a:lstStyle/>
           <a:p>
             <a:r>
-              <a:rPr lang="en-US" sz="1600" dirty="0"/>
-              <a:t>Maven : Creating First Maven Project</a:t>
+              <a:rPr lang="en-US" sz="1400" dirty="0"/>
+              <a:t>Maven : Build Lifecycle</a:t>
             </a:r>
           </a:p>
         </p:txBody>
@@ -52380,7 +52028,7 @@
     </p:spTree>
     <p:extLst>
       <p:ext uri="{BB962C8B-B14F-4D97-AF65-F5344CB8AC3E}">
-        <p14:creationId xmlns:p14="http://schemas.microsoft.com/office/powerpoint/2010/main" val="819843082"/>
+        <p14:creationId xmlns:p14="http://schemas.microsoft.com/office/powerpoint/2010/main" val="4225815344"/>
       </p:ext>
     </p:extLst>
   </p:cSld>
@@ -52427,12 +52075,28 @@
           <a:bodyPr/>
           <a:lstStyle/>
           <a:p>
-            <a:pPr fontAlgn="base">
-              <a:buSzPct val="80000"/>
-            </a:pPr>
+            <a:pPr fontAlgn="base"/>
             <a:r>
               <a:rPr lang="en-IN" sz="1200" dirty="0"/>
-              <a:t>Main code 	: </a:t>
+              <a:t>Maven build lifecycle</a:t>
+            </a:r>
+          </a:p>
+          <a:p>
+            <a:pPr fontAlgn="base"/>
+            <a:r>
+              <a:rPr lang="en-IN" sz="1200" dirty="0" err="1"/>
+              <a:t>Mvn</a:t>
+            </a:r>
+            <a:r>
+              <a:rPr lang="en-IN" sz="1200" dirty="0"/>
+              <a:t> Compile </a:t>
+            </a:r>
+          </a:p>
+          <a:p>
+            <a:pPr lvl="1" fontAlgn="base"/>
+            <a:r>
+              <a:rPr lang="en-IN" sz="1200" dirty="0"/>
+              <a:t>Compile main code present in </a:t>
             </a:r>
             <a:r>
               <a:rPr lang="en-IN" sz="1200" dirty="0" err="1"/>
@@ -52440,16 +52104,32 @@
             </a:r>
             <a:r>
               <a:rPr lang="en-IN" sz="1200" dirty="0"/>
-              <a:t>/main/java</a:t>
-            </a:r>
-          </a:p>
-          <a:p>
-            <a:pPr fontAlgn="base">
-              <a:buSzPct val="80000"/>
-            </a:pPr>
+              <a:t>/main/java </a:t>
+            </a:r>
+          </a:p>
+          <a:p>
+            <a:pPr lvl="1" fontAlgn="base"/>
             <a:r>
               <a:rPr lang="en-IN" sz="1200" dirty="0"/>
-              <a:t>Main resources 	: </a:t>
+              <a:t>Generates target/classes</a:t>
+            </a:r>
+          </a:p>
+          <a:p>
+            <a:pPr fontAlgn="base"/>
+            <a:r>
+              <a:rPr lang="en-IN" sz="1200" dirty="0" err="1"/>
+              <a:t>Mvn</a:t>
+            </a:r>
+            <a:r>
+              <a:rPr lang="en-IN" sz="1200" dirty="0"/>
+              <a:t> Test-compile</a:t>
+            </a:r>
+          </a:p>
+          <a:p>
+            <a:pPr lvl="1" fontAlgn="base"/>
+            <a:r>
+              <a:rPr lang="en-IN" sz="1200" dirty="0"/>
+              <a:t>Compile unit test code present in </a:t>
             </a:r>
             <a:r>
               <a:rPr lang="en-IN" sz="1200" dirty="0" err="1"/>
@@ -52457,69 +52137,105 @@
             </a:r>
             <a:r>
               <a:rPr lang="en-IN" sz="1200" dirty="0"/>
-              <a:t>/main/resources</a:t>
-            </a:r>
-          </a:p>
-          <a:p>
-            <a:pPr fontAlgn="base">
-              <a:buSzPct val="80000"/>
-            </a:pPr>
+              <a:t>/test/java</a:t>
+            </a:r>
+          </a:p>
+          <a:p>
+            <a:pPr lvl="1" fontAlgn="base"/>
             <a:r>
               <a:rPr lang="en-IN" sz="1200" dirty="0"/>
-              <a:t>Test code 	: </a:t>
-            </a:r>
+              <a:t>Generates test-classes</a:t>
+            </a:r>
+          </a:p>
+          <a:p>
+            <a:pPr fontAlgn="base"/>
             <a:r>
               <a:rPr lang="en-IN" sz="1200" dirty="0" err="1"/>
-              <a:t>src</a:t>
+              <a:t>Mvn</a:t>
             </a:r>
             <a:r>
               <a:rPr lang="en-IN" sz="1200" dirty="0"/>
-              <a:t>/test/java</a:t>
-            </a:r>
-          </a:p>
-          <a:p>
-            <a:pPr fontAlgn="base">
-              <a:buSzPct val="80000"/>
-            </a:pPr>
+              <a:t> test</a:t>
+            </a:r>
+          </a:p>
+          <a:p>
+            <a:pPr lvl="1" fontAlgn="base"/>
             <a:r>
               <a:rPr lang="en-IN" sz="1200" dirty="0"/>
-              <a:t>Test Resources 	: </a:t>
+              <a:t>To run compile unit tests</a:t>
+            </a:r>
+          </a:p>
+          <a:p>
+            <a:pPr lvl="1" fontAlgn="base"/>
+            <a:r>
+              <a:rPr lang="en-IN" sz="1200" dirty="0"/>
+              <a:t>Generates </a:t>
             </a:r>
             <a:r>
               <a:rPr lang="en-IN" sz="1200" dirty="0" err="1"/>
-              <a:t>src</a:t>
+              <a:t>surefire</a:t>
             </a:r>
             <a:r>
               <a:rPr lang="en-IN" sz="1200" dirty="0"/>
-              <a:t>/test/resources</a:t>
-            </a:r>
-          </a:p>
-          <a:p>
-            <a:pPr fontAlgn="base">
-              <a:buSzPct val="80000"/>
-            </a:pPr>
+              <a:t>-reports folder</a:t>
+            </a:r>
+          </a:p>
+          <a:p>
+            <a:pPr fontAlgn="base"/>
+            <a:r>
+              <a:rPr lang="en-IN" sz="1200" dirty="0" err="1"/>
+              <a:t>Mvn</a:t>
+            </a:r>
             <a:r>
               <a:rPr lang="en-IN" sz="1200" dirty="0"/>
-              <a:t>target directory 	: Contains all output of the build.</a:t>
-            </a:r>
-          </a:p>
-          <a:p>
-            <a:pPr fontAlgn="base">
-              <a:buSzPct val="80000"/>
-            </a:pPr>
+              <a:t> package</a:t>
+            </a:r>
+          </a:p>
+          <a:p>
+            <a:pPr lvl="1" fontAlgn="base"/>
             <a:r>
               <a:rPr lang="en-IN" sz="1200" dirty="0"/>
-              <a:t>Pom.xml 	: Should be present in project’s in root folder</a:t>
-            </a:r>
-          </a:p>
-          <a:p>
-            <a:pPr fontAlgn="base">
-              <a:buSzPct val="80000"/>
-            </a:pPr>
-            <a:br>
+              <a:t>To generate jar or war</a:t>
+            </a:r>
+          </a:p>
+          <a:p>
+            <a:pPr fontAlgn="base"/>
+            <a:r>
+              <a:rPr lang="en-IN" sz="1200" dirty="0" err="1"/>
+              <a:t>Mvn</a:t>
+            </a:r>
+            <a:r>
               <a:rPr lang="en-IN" sz="1200" dirty="0"/>
-            </a:br>
-            <a:endParaRPr lang="en-IN" sz="1200" dirty="0"/>
+              <a:t> install</a:t>
+            </a:r>
+          </a:p>
+          <a:p>
+            <a:pPr lvl="1" fontAlgn="base"/>
+            <a:r>
+              <a:rPr lang="en-IN" sz="1200" dirty="0"/>
+              <a:t>To copy jar/war into local maven repository</a:t>
+            </a:r>
+          </a:p>
+          <a:p>
+            <a:pPr fontAlgn="base"/>
+            <a:r>
+              <a:rPr lang="en-IN" sz="1200" dirty="0" err="1"/>
+              <a:t>Mvn</a:t>
+            </a:r>
+            <a:r>
+              <a:rPr lang="en-IN" sz="1200" dirty="0"/>
+              <a:t> deploy</a:t>
+            </a:r>
+          </a:p>
+          <a:p>
+            <a:pPr lvl="1" fontAlgn="base"/>
+            <a:r>
+              <a:rPr lang="en-IN" sz="1000" dirty="0"/>
+              <a:t>To deploy the jar</a:t>
+            </a:r>
+          </a:p>
+          <a:p>
+            <a:endParaRPr lang="en-IN" dirty="0"/>
           </a:p>
         </p:txBody>
       </p:sp>
@@ -52545,7 +52261,7 @@
           <a:p>
             <a:r>
               <a:rPr lang="en-US" sz="1600" dirty="0"/>
-              <a:t>Maven : Folder Structure</a:t>
+              <a:t>Maven : Build Lifecycle</a:t>
             </a:r>
           </a:p>
         </p:txBody>
@@ -52553,7 +52269,7 @@
     </p:spTree>
     <p:extLst>
       <p:ext uri="{BB962C8B-B14F-4D97-AF65-F5344CB8AC3E}">
-        <p14:creationId xmlns:p14="http://schemas.microsoft.com/office/powerpoint/2010/main" val="994180501"/>
+        <p14:creationId xmlns:p14="http://schemas.microsoft.com/office/powerpoint/2010/main" val="1670723145"/>
       </p:ext>
     </p:extLst>
   </p:cSld>
@@ -52592,98 +52308,131 @@
         </p:nvSpPr>
         <p:spPr>
           <a:xfrm>
-            <a:off x="677333" y="685801"/>
-            <a:ext cx="8596668" cy="5355562"/>
+            <a:off x="677333" y="762001"/>
+            <a:ext cx="8596668" cy="5279362"/>
           </a:xfrm>
         </p:spPr>
         <p:txBody>
           <a:bodyPr/>
           <a:lstStyle/>
           <a:p>
-            <a:pPr fontAlgn="base">
-              <a:buSzPct val="80000"/>
-            </a:pPr>
-            <a:r>
-              <a:rPr lang="en-IN" sz="1200" dirty="0"/>
-              <a:t>Maven Build Lifecycle:</a:t>
-            </a:r>
-          </a:p>
-          <a:p>
-            <a:pPr marL="342900" lvl="1" indent="-251459" fontAlgn="base"/>
-            <a:r>
-              <a:rPr lang="en-IN" sz="1200" dirty="0"/>
-              <a:t>It's a definition of process for building and distributing a project.</a:t>
-            </a:r>
-          </a:p>
-          <a:p>
-            <a:pPr marL="342900" lvl="1" indent="-251459" fontAlgn="base"/>
-            <a:r>
-              <a:rPr lang="en-IN" sz="1200" dirty="0"/>
-              <a:t>Build cycle consists of multiple phases which execute in a particular sequence:</a:t>
-            </a:r>
-          </a:p>
-          <a:p>
-            <a:pPr marL="342900" lvl="1" indent="-251459" fontAlgn="base"/>
-            <a:r>
-              <a:rPr lang="en-IN" sz="1200" dirty="0"/>
-              <a:t>Phases in build lifecycle are:</a:t>
-            </a:r>
-          </a:p>
-          <a:p>
-            <a:pPr marL="342900" lvl="2" indent="-251459" fontAlgn="base"/>
-            <a:r>
-              <a:rPr lang="en-IN" sz="1200" dirty="0"/>
-              <a:t>compile </a:t>
-            </a:r>
-          </a:p>
-          <a:p>
-            <a:pPr marL="342900" lvl="2" indent="-251459" fontAlgn="base"/>
-            <a:r>
-              <a:rPr lang="en-IN" sz="1200" dirty="0"/>
-              <a:t>test-compile</a:t>
-            </a:r>
-          </a:p>
-          <a:p>
-            <a:pPr marL="342900" lvl="2" indent="-251459" fontAlgn="base"/>
-            <a:r>
-              <a:rPr lang="en-IN" sz="1200" dirty="0"/>
-              <a:t>test </a:t>
-            </a:r>
-          </a:p>
-          <a:p>
-            <a:pPr marL="342900" lvl="2" indent="-251459" fontAlgn="base"/>
-            <a:r>
-              <a:rPr lang="en-IN" sz="1200" dirty="0"/>
-              <a:t>package</a:t>
-            </a:r>
-          </a:p>
-          <a:p>
-            <a:pPr marL="342900" lvl="2" indent="-251459" fontAlgn="base"/>
-            <a:r>
-              <a:rPr lang="en-IN" sz="1200" dirty="0"/>
-              <a:t>install </a:t>
-            </a:r>
-          </a:p>
-          <a:p>
-            <a:pPr marL="342900" lvl="2" indent="-251459" fontAlgn="base"/>
-            <a:r>
-              <a:rPr lang="en-IN" sz="1200" dirty="0"/>
-              <a:t>deploy</a:t>
-            </a:r>
-          </a:p>
-          <a:p>
-            <a:pPr marL="342900" lvl="1" indent="-251459" fontAlgn="base"/>
-            <a:r>
-              <a:rPr lang="en-IN" sz="1200" dirty="0"/>
-              <a:t>Build phases get executed in above order</a:t>
-            </a:r>
-          </a:p>
-          <a:p>
-            <a:pPr marL="342900" lvl="1" indent="-251459" fontAlgn="base"/>
-            <a:r>
-              <a:rPr lang="en-IN" sz="1200" dirty="0"/>
-              <a:t>When we run any particular phase ,then all the phases which come early in the order are first  executed and then the selected phase gets executed.</a:t>
-            </a:r>
+            <a:pPr fontAlgn="base"/>
+            <a:r>
+              <a:rPr lang="en-IN" sz="1100" dirty="0"/>
+              <a:t>A Project Object Model or POM is the fundamental unit of work in Maven</a:t>
+            </a:r>
+          </a:p>
+          <a:p>
+            <a:pPr fontAlgn="base"/>
+            <a:r>
+              <a:rPr lang="en-IN" sz="1100" dirty="0"/>
+              <a:t>POM.XML</a:t>
+            </a:r>
+          </a:p>
+          <a:p>
+            <a:pPr lvl="1" fontAlgn="base"/>
+            <a:r>
+              <a:rPr lang="en-IN" sz="1100" dirty="0"/>
+              <a:t>Minimal POM</a:t>
+            </a:r>
+          </a:p>
+          <a:p>
+            <a:pPr lvl="1" fontAlgn="base"/>
+            <a:r>
+              <a:rPr lang="en-IN" sz="1100" dirty="0"/>
+              <a:t>Effective POM</a:t>
+            </a:r>
+          </a:p>
+          <a:p>
+            <a:pPr fontAlgn="base"/>
+            <a:r>
+              <a:rPr lang="en-IN" sz="1100" dirty="0"/>
+              <a:t>Dependency management:</a:t>
+            </a:r>
+          </a:p>
+          <a:p>
+            <a:pPr lvl="1" fontAlgn="base"/>
+            <a:r>
+              <a:rPr lang="en-IN" sz="1100" dirty="0"/>
+              <a:t>Project dependencies</a:t>
+            </a:r>
+          </a:p>
+          <a:p>
+            <a:pPr lvl="1" fontAlgn="base"/>
+            <a:r>
+              <a:rPr lang="en-IN" sz="1100" dirty="0"/>
+              <a:t>Local repository</a:t>
+            </a:r>
+          </a:p>
+          <a:p>
+            <a:pPr lvl="1" fontAlgn="base"/>
+            <a:r>
+              <a:rPr lang="en-IN" sz="1100" dirty="0"/>
+              <a:t>Transitive dependencies</a:t>
+            </a:r>
+          </a:p>
+          <a:p>
+            <a:pPr lvl="2" fontAlgn="base"/>
+            <a:r>
+              <a:rPr lang="en-IN" sz="1100" dirty="0"/>
+              <a:t>Dependant jars of dependent jars are called as transitive dependencies. </a:t>
+            </a:r>
+          </a:p>
+          <a:p>
+            <a:pPr lvl="2" fontAlgn="base"/>
+            <a:r>
+              <a:rPr lang="en-IN" sz="1100" dirty="0"/>
+              <a:t>Dependency hierarchy is found in pom.xml</a:t>
+            </a:r>
+          </a:p>
+          <a:p>
+            <a:pPr lvl="1" fontAlgn="base"/>
+            <a:r>
+              <a:rPr lang="en-IN" sz="1100" dirty="0"/>
+              <a:t>Excluding transitive dependencies</a:t>
+            </a:r>
+          </a:p>
+          <a:p>
+            <a:pPr lvl="2" fontAlgn="base"/>
+            <a:r>
+              <a:rPr lang="en-IN" sz="1100" dirty="0"/>
+              <a:t>To exclude one or more transitive dependencies.</a:t>
+            </a:r>
+          </a:p>
+          <a:p>
+            <a:pPr fontAlgn="base"/>
+            <a:r>
+              <a:rPr lang="en-IN" sz="1100" dirty="0"/>
+              <a:t>Maven plugins and goals:</a:t>
+            </a:r>
+          </a:p>
+          <a:p>
+            <a:pPr lvl="1" fontAlgn="base"/>
+            <a:r>
+              <a:rPr lang="en-IN" sz="1100" dirty="0"/>
+              <a:t>Plugin :Plugin is artefact which executes goals</a:t>
+            </a:r>
+          </a:p>
+          <a:p>
+            <a:pPr lvl="1" fontAlgn="base"/>
+            <a:r>
+              <a:rPr lang="en-IN" sz="1100" dirty="0"/>
+              <a:t>Goal : Goal is a task in a phase</a:t>
+            </a:r>
+          </a:p>
+          <a:p>
+            <a:pPr lvl="1" fontAlgn="base"/>
+            <a:r>
+              <a:rPr lang="en-IN" sz="1100" dirty="0"/>
+              <a:t>Plugin can execute goals from multiple phases</a:t>
+            </a:r>
+          </a:p>
+          <a:p>
+            <a:pPr lvl="2" fontAlgn="base"/>
+            <a:endParaRPr lang="en-IN" sz="1200" dirty="0"/>
+          </a:p>
+          <a:p>
+            <a:endParaRPr lang="en-IN" dirty="0"/>
           </a:p>
         </p:txBody>
       </p:sp>
@@ -52708,8 +52457,8 @@
           <a:lstStyle/>
           <a:p>
             <a:r>
-              <a:rPr lang="en-US" sz="1400" dirty="0"/>
-              <a:t>Maven : Build Lifecycle</a:t>
+              <a:rPr lang="en-US" sz="1600" dirty="0"/>
+              <a:t>Maven : POM</a:t>
             </a:r>
           </a:p>
         </p:txBody>
@@ -52717,7 +52466,7 @@
     </p:spTree>
     <p:extLst>
       <p:ext uri="{BB962C8B-B14F-4D97-AF65-F5344CB8AC3E}">
-        <p14:creationId xmlns:p14="http://schemas.microsoft.com/office/powerpoint/2010/main" val="4225815344"/>
+        <p14:creationId xmlns:p14="http://schemas.microsoft.com/office/powerpoint/2010/main" val="1246472079"/>
       </p:ext>
     </p:extLst>
   </p:cSld>
@@ -52962,161 +52711,115 @@
           <a:p>
             <a:pPr fontAlgn="base"/>
             <a:r>
-              <a:rPr lang="en-IN" sz="1200" dirty="0"/>
-              <a:t>Maven build lifecycle</a:t>
+              <a:rPr lang="en-IN" sz="1100" dirty="0"/>
+              <a:t>Running a project having no dependencies.</a:t>
+            </a:r>
+          </a:p>
+          <a:p>
+            <a:pPr lvl="1" fontAlgn="base"/>
+            <a:r>
+              <a:rPr lang="en-IN" sz="1100" dirty="0"/>
+              <a:t>Step1 : Add manifest entry to pom.xml</a:t>
             </a:r>
           </a:p>
           <a:p>
             <a:pPr fontAlgn="base"/>
             <a:r>
-              <a:rPr lang="en-IN" sz="1200" dirty="0" err="1"/>
-              <a:t>Mvn</a:t>
-            </a:r>
-            <a:r>
-              <a:rPr lang="en-IN" sz="1200" dirty="0"/>
-              <a:t> Compile </a:t>
+              <a:rPr lang="en-IN" sz="1100" dirty="0"/>
+              <a:t>Running a project having dependencies.</a:t>
             </a:r>
           </a:p>
           <a:p>
             <a:pPr lvl="1" fontAlgn="base"/>
             <a:r>
-              <a:rPr lang="en-IN" sz="1200" dirty="0"/>
-              <a:t>Compile main code present in </a:t>
-            </a:r>
-            <a:r>
-              <a:rPr lang="en-IN" sz="1200" dirty="0" err="1"/>
-              <a:t>src</a:t>
-            </a:r>
-            <a:r>
-              <a:rPr lang="en-IN" sz="1200" dirty="0"/>
-              <a:t>/main/java </a:t>
+              <a:rPr lang="en-IN" sz="1100" dirty="0"/>
+              <a:t>Create all required folders</a:t>
+            </a:r>
+          </a:p>
+          <a:p>
+            <a:pPr lvl="2" fontAlgn="base"/>
+            <a:r>
+              <a:rPr lang="en-IN" sz="1100" dirty="0" err="1"/>
+              <a:t>conf</a:t>
+            </a:r>
+            <a:endParaRPr lang="en-IN" sz="1100" dirty="0"/>
+          </a:p>
+          <a:p>
+            <a:pPr lvl="2" fontAlgn="base"/>
+            <a:r>
+              <a:rPr lang="en-IN" sz="1100" dirty="0"/>
+              <a:t>drivers</a:t>
             </a:r>
           </a:p>
           <a:p>
             <a:pPr lvl="1" fontAlgn="base"/>
             <a:r>
-              <a:rPr lang="en-IN" sz="1200" dirty="0"/>
-              <a:t>Generates target/classes</a:t>
-            </a:r>
-          </a:p>
-          <a:p>
-            <a:pPr fontAlgn="base"/>
-            <a:r>
-              <a:rPr lang="en-IN" sz="1200" dirty="0" err="1"/>
-              <a:t>Mvn</a:t>
-            </a:r>
-            <a:r>
-              <a:rPr lang="en-IN" sz="1200" dirty="0"/>
-              <a:t> Test-compile</a:t>
+              <a:rPr lang="en-IN" sz="1100" dirty="0"/>
+              <a:t>Step1: Add manifest entry to pom.xml</a:t>
             </a:r>
           </a:p>
           <a:p>
             <a:pPr lvl="1" fontAlgn="base"/>
             <a:r>
-              <a:rPr lang="en-IN" sz="1200" dirty="0"/>
-              <a:t>Compile unit test code present in </a:t>
-            </a:r>
-            <a:r>
-              <a:rPr lang="en-IN" sz="1200" dirty="0" err="1"/>
-              <a:t>src</a:t>
-            </a:r>
-            <a:r>
-              <a:rPr lang="en-IN" sz="1200" dirty="0"/>
-              <a:t>/test/java</a:t>
-            </a:r>
-          </a:p>
-          <a:p>
-            <a:pPr lvl="1" fontAlgn="base"/>
-            <a:r>
-              <a:rPr lang="en-IN" sz="1200" dirty="0"/>
-              <a:t>Generates test-classes</a:t>
-            </a:r>
-          </a:p>
-          <a:p>
-            <a:pPr fontAlgn="base"/>
-            <a:r>
-              <a:rPr lang="en-IN" sz="1200" dirty="0" err="1"/>
-              <a:t>Mvn</a:t>
-            </a:r>
-            <a:r>
-              <a:rPr lang="en-IN" sz="1200" dirty="0"/>
-              <a:t> test</a:t>
-            </a:r>
-          </a:p>
-          <a:p>
-            <a:pPr lvl="1" fontAlgn="base"/>
-            <a:r>
-              <a:rPr lang="en-IN" sz="1200" dirty="0"/>
-              <a:t>To run compile unit tests</a:t>
-            </a:r>
-          </a:p>
-          <a:p>
-            <a:pPr lvl="1" fontAlgn="base"/>
-            <a:r>
-              <a:rPr lang="en-IN" sz="1200" dirty="0"/>
-              <a:t>Generates </a:t>
-            </a:r>
-            <a:r>
-              <a:rPr lang="en-IN" sz="1200" dirty="0" err="1"/>
-              <a:t>surefire</a:t>
-            </a:r>
-            <a:r>
-              <a:rPr lang="en-IN" sz="1200" dirty="0"/>
-              <a:t>-reports folder</a:t>
-            </a:r>
-          </a:p>
-          <a:p>
-            <a:pPr fontAlgn="base"/>
-            <a:r>
-              <a:rPr lang="en-IN" sz="1200" dirty="0" err="1"/>
-              <a:t>Mvn</a:t>
-            </a:r>
-            <a:r>
-              <a:rPr lang="en-IN" sz="1200" dirty="0"/>
-              <a:t> package</a:t>
-            </a:r>
-          </a:p>
-          <a:p>
-            <a:pPr lvl="1" fontAlgn="base"/>
-            <a:r>
-              <a:rPr lang="en-IN" sz="1200" dirty="0"/>
-              <a:t>To generate jar or war</a:t>
-            </a:r>
-          </a:p>
-          <a:p>
-            <a:pPr fontAlgn="base"/>
-            <a:r>
-              <a:rPr lang="en-IN" sz="1200" dirty="0" err="1"/>
-              <a:t>Mvn</a:t>
-            </a:r>
-            <a:r>
-              <a:rPr lang="en-IN" sz="1200" dirty="0"/>
-              <a:t> install</a:t>
-            </a:r>
-          </a:p>
-          <a:p>
-            <a:pPr lvl="1" fontAlgn="base"/>
-            <a:r>
-              <a:rPr lang="en-IN" sz="1200" dirty="0"/>
-              <a:t>To copy jar/war into local maven repository</a:t>
-            </a:r>
-          </a:p>
-          <a:p>
-            <a:pPr fontAlgn="base"/>
-            <a:r>
-              <a:rPr lang="en-IN" sz="1200" dirty="0" err="1"/>
-              <a:t>Mvn</a:t>
-            </a:r>
-            <a:r>
-              <a:rPr lang="en-IN" sz="1200" dirty="0"/>
-              <a:t> deploy</a:t>
-            </a:r>
-          </a:p>
-          <a:p>
-            <a:pPr lvl="1" fontAlgn="base"/>
-            <a:r>
-              <a:rPr lang="en-IN" sz="1000" dirty="0"/>
-              <a:t>To deploy the jar</a:t>
+              <a:rPr lang="en-IN" sz="1100" dirty="0"/>
+              <a:t>Step2: Use assembly plugin</a:t>
+            </a:r>
+          </a:p>
+          <a:p>
+            <a:pPr lvl="2" fontAlgn="base"/>
+            <a:r>
+              <a:rPr lang="en-IN" sz="1100" dirty="0"/>
+              <a:t>What is assembly?</a:t>
+            </a:r>
+          </a:p>
+          <a:p>
+            <a:pPr lvl="2" fontAlgn="base"/>
+            <a:r>
+              <a:rPr lang="en-IN" sz="1100" dirty="0"/>
+              <a:t>Add assembly plugin to pom.xml</a:t>
+            </a:r>
+          </a:p>
+          <a:p>
+            <a:pPr lvl="2" fontAlgn="base"/>
+            <a:r>
+              <a:rPr lang="en-IN" sz="1100" dirty="0"/>
+              <a:t>Create assembly.xml</a:t>
+            </a:r>
+          </a:p>
+          <a:p>
+            <a:pPr lvl="3" fontAlgn="base"/>
+            <a:r>
+              <a:rPr lang="en-IN" sz="1100" dirty="0"/>
+              <a:t>Define formats</a:t>
+            </a:r>
+          </a:p>
+          <a:p>
+            <a:pPr lvl="3" fontAlgn="base"/>
+            <a:r>
+              <a:rPr lang="en-IN" sz="1100" dirty="0"/>
+              <a:t>Add dependency sets</a:t>
+            </a:r>
+          </a:p>
+          <a:p>
+            <a:pPr lvl="3" fontAlgn="base"/>
+            <a:r>
+              <a:rPr lang="en-IN" sz="1100" dirty="0"/>
+              <a:t>Add an entry for </a:t>
+            </a:r>
+            <a:r>
+              <a:rPr lang="en-IN" sz="1100" dirty="0" err="1"/>
+              <a:t>conf</a:t>
+            </a:r>
+            <a:r>
+              <a:rPr lang="en-IN" sz="1100" dirty="0"/>
+              <a:t> folder</a:t>
+            </a:r>
+          </a:p>
+          <a:p>
+            <a:pPr lvl="3" fontAlgn="base"/>
+            <a:r>
+              <a:rPr lang="en-IN" sz="1100" dirty="0"/>
+              <a:t>Add an entry for drivers folder</a:t>
             </a:r>
           </a:p>
           <a:p>
@@ -53146,7 +52849,7 @@
           <a:p>
             <a:r>
               <a:rPr lang="en-US" sz="1600" dirty="0"/>
-              <a:t>Maven : Build Lifecycle</a:t>
+              <a:t>Maven : Building runnable jars</a:t>
             </a:r>
           </a:p>
         </p:txBody>
@@ -53154,7 +52857,7 @@
     </p:spTree>
     <p:extLst>
       <p:ext uri="{BB962C8B-B14F-4D97-AF65-F5344CB8AC3E}">
-        <p14:creationId xmlns:p14="http://schemas.microsoft.com/office/powerpoint/2010/main" val="1670723145"/>
+        <p14:creationId xmlns:p14="http://schemas.microsoft.com/office/powerpoint/2010/main" val="3199482505"/>
       </p:ext>
     </p:extLst>
   </p:cSld>
@@ -53193,8 +52896,8 @@
         </p:nvSpPr>
         <p:spPr>
           <a:xfrm>
-            <a:off x="677333" y="762001"/>
-            <a:ext cx="8596668" cy="5279362"/>
+            <a:off x="677333" y="685801"/>
+            <a:ext cx="8596668" cy="5355562"/>
           </a:xfrm>
         </p:spPr>
         <p:txBody>
@@ -53203,117 +52906,87 @@
           <a:p>
             <a:pPr fontAlgn="base"/>
             <a:r>
-              <a:rPr lang="en-IN" sz="1100" dirty="0"/>
-              <a:t>A Project Object Model or POM is the fundamental unit of work in Maven</a:t>
-            </a:r>
-          </a:p>
-          <a:p>
-            <a:pPr fontAlgn="base"/>
-            <a:r>
-              <a:rPr lang="en-IN" sz="1100" dirty="0"/>
-              <a:t>POM.XML</a:t>
+              <a:rPr lang="en-IN" sz="1200" dirty="0"/>
+              <a:t>Maven Build Profiles:</a:t>
             </a:r>
           </a:p>
           <a:p>
             <a:pPr lvl="1" fontAlgn="base"/>
             <a:r>
-              <a:rPr lang="en-IN" sz="1100" dirty="0"/>
-              <a:t>Minimal POM</a:t>
+              <a:rPr lang="en-IN" sz="1200" dirty="0"/>
+              <a:t>A Build profile is a set of configuration values</a:t>
             </a:r>
           </a:p>
           <a:p>
             <a:pPr lvl="1" fontAlgn="base"/>
             <a:r>
-              <a:rPr lang="en-IN" sz="1100" dirty="0"/>
-              <a:t>Effective POM</a:t>
-            </a:r>
-          </a:p>
-          <a:p>
-            <a:pPr fontAlgn="base"/>
-            <a:r>
-              <a:rPr lang="en-IN" sz="1100" dirty="0"/>
-              <a:t>Dependency management:</a:t>
+              <a:rPr lang="en-IN" sz="1200" dirty="0"/>
+              <a:t>Using a build profile, you can customize build for different environments such as Production , Development and QA environments.</a:t>
             </a:r>
           </a:p>
           <a:p>
             <a:pPr lvl="1" fontAlgn="base"/>
             <a:r>
-              <a:rPr lang="en-IN" sz="1100" dirty="0"/>
-              <a:t>Project dependencies</a:t>
+              <a:rPr lang="en-IN" sz="1200" dirty="0"/>
+              <a:t>Step1: Create a project and implement assembly as shown in previous slide</a:t>
             </a:r>
           </a:p>
           <a:p>
             <a:pPr lvl="1" fontAlgn="base"/>
             <a:r>
-              <a:rPr lang="en-IN" sz="1100" dirty="0"/>
-              <a:t>Local repository</a:t>
+              <a:rPr lang="en-IN" sz="1200" dirty="0"/>
+              <a:t>Step2: Add place holders in configuration files</a:t>
             </a:r>
           </a:p>
           <a:p>
             <a:pPr lvl="1" fontAlgn="base"/>
             <a:r>
-              <a:rPr lang="en-IN" sz="1100" dirty="0"/>
-              <a:t>Transitive dependencies</a:t>
+              <a:rPr lang="en-IN" sz="1200" dirty="0"/>
+              <a:t>Step3: Add a resource element to pom.xml</a:t>
             </a:r>
           </a:p>
           <a:p>
             <a:pPr lvl="2" fontAlgn="base"/>
             <a:r>
-              <a:rPr lang="en-IN" sz="1100" dirty="0"/>
-              <a:t>Dependant jars of dependent jars are called as transitive dependencies. </a:t>
+              <a:rPr lang="en-IN" sz="1200" dirty="0"/>
+              <a:t>Set filtering to true</a:t>
             </a:r>
           </a:p>
           <a:p>
             <a:pPr lvl="2" fontAlgn="base"/>
             <a:r>
-              <a:rPr lang="en-IN" sz="1100" dirty="0"/>
-              <a:t>Dependency hierarchy is found in pom.xml</a:t>
+              <a:rPr lang="en-IN" sz="1200" dirty="0"/>
+              <a:t>Define your custom configuration folder directory</a:t>
             </a:r>
           </a:p>
           <a:p>
             <a:pPr lvl="1" fontAlgn="base"/>
             <a:r>
-              <a:rPr lang="en-IN" sz="1100" dirty="0"/>
-              <a:t>Excluding transitive dependencies</a:t>
+              <a:rPr lang="en-IN" sz="1200" dirty="0"/>
+              <a:t>Step4: Add profiles element in pom.xml</a:t>
+            </a:r>
+          </a:p>
+          <a:p>
+            <a:pPr lvl="1" fontAlgn="base"/>
+            <a:r>
+              <a:rPr lang="en-IN" sz="1200" dirty="0"/>
+              <a:t>Step5: Build project with -P </a:t>
             </a:r>
           </a:p>
           <a:p>
             <a:pPr lvl="2" fontAlgn="base"/>
             <a:r>
-              <a:rPr lang="en-IN" sz="1100" dirty="0"/>
-              <a:t>To exclude one or more transitive dependencies.</a:t>
-            </a:r>
-          </a:p>
-          <a:p>
-            <a:pPr fontAlgn="base"/>
-            <a:r>
-              <a:rPr lang="en-IN" sz="1100" dirty="0"/>
-              <a:t>Maven plugins and goals:</a:t>
-            </a:r>
-          </a:p>
-          <a:p>
-            <a:pPr lvl="1" fontAlgn="base"/>
-            <a:r>
-              <a:rPr lang="en-IN" sz="1100" dirty="0"/>
-              <a:t>Plugin :Plugin is artefact which executes goals</a:t>
-            </a:r>
-          </a:p>
-          <a:p>
-            <a:pPr lvl="1" fontAlgn="base"/>
-            <a:r>
-              <a:rPr lang="en-IN" sz="1100" dirty="0"/>
-              <a:t>Goal : Goal is a task in a phase</a:t>
-            </a:r>
-          </a:p>
-          <a:p>
-            <a:pPr lvl="1" fontAlgn="base"/>
-            <a:r>
-              <a:rPr lang="en-IN" sz="1100" dirty="0"/>
-              <a:t>Plugin can execute goals from multiple phases</a:t>
-            </a:r>
-          </a:p>
-          <a:p>
-            <a:pPr lvl="2" fontAlgn="base"/>
+              <a:rPr lang="en-IN" sz="1200" dirty="0" err="1"/>
+              <a:t>Mvn</a:t>
+            </a:r>
+            <a:r>
+              <a:rPr lang="en-IN" sz="1200" dirty="0"/>
+              <a:t> clean install -</a:t>
+            </a:r>
+            <a:r>
+              <a:rPr lang="en-IN" sz="1200" dirty="0" err="1"/>
+              <a:t>Pqa</a:t>
+            </a:r>
             <a:endParaRPr lang="en-IN" sz="1200" dirty="0"/>
           </a:p>
           <a:p>
@@ -53343,7 +53016,7 @@
           <a:p>
             <a:r>
               <a:rPr lang="en-US" sz="1600" dirty="0"/>
-              <a:t>Maven : POM</a:t>
+              <a:t>Maven : Profiles</a:t>
             </a:r>
           </a:p>
         </p:txBody>
@@ -53351,7 +53024,7 @@
     </p:spTree>
     <p:extLst>
       <p:ext uri="{BB962C8B-B14F-4D97-AF65-F5344CB8AC3E}">
-        <p14:creationId xmlns:p14="http://schemas.microsoft.com/office/powerpoint/2010/main" val="1246472079"/>
+        <p14:creationId xmlns:p14="http://schemas.microsoft.com/office/powerpoint/2010/main" val="3249783198"/>
       </p:ext>
     </p:extLst>
   </p:cSld>
@@ -53400,115 +53073,72 @@
           <a:p>
             <a:pPr fontAlgn="base"/>
             <a:r>
-              <a:rPr lang="en-IN" sz="1100" dirty="0"/>
-              <a:t>Running a project having no dependencies.</a:t>
+              <a:rPr lang="en-IN" sz="1200" dirty="0"/>
+              <a:t>Ways of running selenium tests:</a:t>
             </a:r>
           </a:p>
           <a:p>
             <a:pPr lvl="1" fontAlgn="base"/>
             <a:r>
-              <a:rPr lang="en-IN" sz="1100" dirty="0"/>
-              <a:t>Step1 : Add manifest entry to pom.xml</a:t>
+              <a:rPr lang="en-IN" sz="1200" dirty="0"/>
+              <a:t>Local:</a:t>
+            </a:r>
+          </a:p>
+          <a:p>
+            <a:pPr lvl="2" fontAlgn="base"/>
+            <a:r>
+              <a:rPr lang="en-IN" sz="1200" dirty="0"/>
+              <a:t>WebDriver is used to run tests locally</a:t>
+            </a:r>
+          </a:p>
+          <a:p>
+            <a:pPr lvl="1" fontAlgn="base"/>
+            <a:r>
+              <a:rPr lang="en-IN" sz="1200" dirty="0"/>
+              <a:t>Remote:</a:t>
+            </a:r>
+          </a:p>
+          <a:p>
+            <a:pPr lvl="2" fontAlgn="base"/>
+            <a:r>
+              <a:rPr lang="en-IN" sz="1200" dirty="0" err="1"/>
+              <a:t>RemoteWebDriver</a:t>
+            </a:r>
+            <a:r>
+              <a:rPr lang="en-IN" sz="1200" dirty="0"/>
+              <a:t> is used to run tests remotely</a:t>
+            </a:r>
+          </a:p>
+          <a:p>
+            <a:pPr lvl="2" fontAlgn="base"/>
+            <a:r>
+              <a:rPr lang="en-IN" sz="1200" dirty="0" err="1"/>
+              <a:t>RemoteWebDriver</a:t>
+            </a:r>
+            <a:r>
+              <a:rPr lang="en-IN" sz="1200" dirty="0"/>
+              <a:t> runs tests on selenium grid</a:t>
             </a:r>
           </a:p>
           <a:p>
             <a:pPr fontAlgn="base"/>
             <a:r>
-              <a:rPr lang="en-IN" sz="1100" dirty="0"/>
-              <a:t>Running a project having dependencies.</a:t>
+              <a:rPr lang="en-IN" sz="1200" dirty="0"/>
+              <a:t>Why do we need selenium grid?</a:t>
             </a:r>
           </a:p>
           <a:p>
             <a:pPr lvl="1" fontAlgn="base"/>
             <a:r>
-              <a:rPr lang="en-IN" sz="1100" dirty="0"/>
-              <a:t>Create all required folders</a:t>
-            </a:r>
-          </a:p>
-          <a:p>
-            <a:pPr lvl="2" fontAlgn="base"/>
-            <a:r>
-              <a:rPr lang="en-IN" sz="1100" dirty="0" err="1"/>
-              <a:t>conf</a:t>
-            </a:r>
-            <a:endParaRPr lang="en-IN" sz="1100" dirty="0"/>
-          </a:p>
-          <a:p>
-            <a:pPr lvl="2" fontAlgn="base"/>
-            <a:r>
-              <a:rPr lang="en-IN" sz="1100" dirty="0"/>
-              <a:t>drivers</a:t>
+              <a:rPr lang="en-IN" sz="1200" dirty="0"/>
+              <a:t>To run tests on multiple OS, Browser and device combinations.</a:t>
             </a:r>
           </a:p>
           <a:p>
             <a:pPr lvl="1" fontAlgn="base"/>
             <a:r>
-              <a:rPr lang="en-IN" sz="1100" dirty="0"/>
-              <a:t>Step1: Add manifest entry to pom.xml</a:t>
-            </a:r>
-          </a:p>
-          <a:p>
-            <a:pPr lvl="1" fontAlgn="base"/>
-            <a:r>
-              <a:rPr lang="en-IN" sz="1100" dirty="0"/>
-              <a:t>Step2: Use assembly plugin</a:t>
-            </a:r>
-          </a:p>
-          <a:p>
-            <a:pPr lvl="2" fontAlgn="base"/>
-            <a:r>
-              <a:rPr lang="en-IN" sz="1100" dirty="0"/>
-              <a:t>What is assembly?</a:t>
-            </a:r>
-          </a:p>
-          <a:p>
-            <a:pPr lvl="2" fontAlgn="base"/>
-            <a:r>
-              <a:rPr lang="en-IN" sz="1100" dirty="0"/>
-              <a:t>Add assembly plugin to pom.xml</a:t>
-            </a:r>
-          </a:p>
-          <a:p>
-            <a:pPr lvl="2" fontAlgn="base"/>
-            <a:r>
-              <a:rPr lang="en-IN" sz="1100" dirty="0"/>
-              <a:t>Create assembly.xml</a:t>
-            </a:r>
-          </a:p>
-          <a:p>
-            <a:pPr lvl="3" fontAlgn="base"/>
-            <a:r>
-              <a:rPr lang="en-IN" sz="1100" dirty="0"/>
-              <a:t>Define formats</a:t>
-            </a:r>
-          </a:p>
-          <a:p>
-            <a:pPr lvl="3" fontAlgn="base"/>
-            <a:r>
-              <a:rPr lang="en-IN" sz="1100" dirty="0"/>
-              <a:t>Add dependency sets</a:t>
-            </a:r>
-          </a:p>
-          <a:p>
-            <a:pPr lvl="3" fontAlgn="base"/>
-            <a:r>
-              <a:rPr lang="en-IN" sz="1100" dirty="0"/>
-              <a:t>Add an entry for </a:t>
-            </a:r>
-            <a:r>
-              <a:rPr lang="en-IN" sz="1100" dirty="0" err="1"/>
-              <a:t>conf</a:t>
-            </a:r>
-            <a:r>
-              <a:rPr lang="en-IN" sz="1100" dirty="0"/>
-              <a:t> folder</a:t>
-            </a:r>
-          </a:p>
-          <a:p>
-            <a:pPr lvl="3" fontAlgn="base"/>
-            <a:r>
-              <a:rPr lang="en-IN" sz="1100" dirty="0"/>
-              <a:t>Add an entry for drivers folder</a:t>
+              <a:rPr lang="en-IN" sz="1200" dirty="0"/>
+              <a:t>To run tests in parallel to reduce execution time</a:t>
             </a:r>
           </a:p>
           <a:p>
@@ -53538,7 +53168,7 @@
           <a:p>
             <a:r>
               <a:rPr lang="en-US" sz="1600" dirty="0"/>
-              <a:t>Maven : Building runnable jars</a:t>
+              <a:t>Selenium Grid</a:t>
             </a:r>
           </a:p>
         </p:txBody>
@@ -53546,7 +53176,7 @@
     </p:spTree>
     <p:extLst>
       <p:ext uri="{BB962C8B-B14F-4D97-AF65-F5344CB8AC3E}">
-        <p14:creationId xmlns:p14="http://schemas.microsoft.com/office/powerpoint/2010/main" val="3199482505"/>
+        <p14:creationId xmlns:p14="http://schemas.microsoft.com/office/powerpoint/2010/main" val="959145365"/>
       </p:ext>
     </p:extLst>
   </p:cSld>
@@ -53585,8 +53215,8 @@
         </p:nvSpPr>
         <p:spPr>
           <a:xfrm>
-            <a:off x="677333" y="685801"/>
-            <a:ext cx="8596668" cy="5355562"/>
+            <a:off x="677333" y="762000"/>
+            <a:ext cx="8596668" cy="5279363"/>
           </a:xfrm>
         </p:spPr>
         <p:txBody>
@@ -53595,91 +53225,13 @@
           <a:p>
             <a:pPr fontAlgn="base"/>
             <a:r>
-              <a:rPr lang="en-IN" sz="1200" dirty="0"/>
-              <a:t>Maven Build Profiles:</a:t>
-            </a:r>
-          </a:p>
-          <a:p>
-            <a:pPr lvl="1" fontAlgn="base"/>
-            <a:r>
-              <a:rPr lang="en-IN" sz="1200" dirty="0"/>
-              <a:t>A Build profile is a set of configuration values</a:t>
-            </a:r>
-          </a:p>
-          <a:p>
-            <a:pPr lvl="1" fontAlgn="base"/>
-            <a:r>
-              <a:rPr lang="en-IN" sz="1200" dirty="0"/>
-              <a:t>Using a build profile, you can customize build for different environments such as Production , Development and QA environments.</a:t>
-            </a:r>
-          </a:p>
-          <a:p>
-            <a:pPr lvl="1" fontAlgn="base"/>
-            <a:r>
-              <a:rPr lang="en-IN" sz="1200" dirty="0"/>
-              <a:t>Step1: Create a project and implement assembly as shown in previous slide</a:t>
-            </a:r>
-          </a:p>
-          <a:p>
-            <a:pPr lvl="1" fontAlgn="base"/>
-            <a:r>
-              <a:rPr lang="en-IN" sz="1200" dirty="0"/>
-              <a:t>Step2: Add place holders in configuration files</a:t>
-            </a:r>
-          </a:p>
-          <a:p>
-            <a:pPr lvl="1" fontAlgn="base"/>
-            <a:r>
-              <a:rPr lang="en-IN" sz="1200" dirty="0"/>
-              <a:t>Step3: Add a resource element to pom.xml</a:t>
-            </a:r>
-          </a:p>
-          <a:p>
-            <a:pPr lvl="2" fontAlgn="base"/>
-            <a:r>
-              <a:rPr lang="en-IN" sz="1200" dirty="0"/>
-              <a:t>Set filtering to true</a:t>
-            </a:r>
-          </a:p>
-          <a:p>
-            <a:pPr lvl="2" fontAlgn="base"/>
-            <a:r>
-              <a:rPr lang="en-IN" sz="1200" dirty="0"/>
-              <a:t>Define your custom configuration folder directory</a:t>
-            </a:r>
-          </a:p>
-          <a:p>
-            <a:pPr lvl="1" fontAlgn="base"/>
-            <a:r>
-              <a:rPr lang="en-IN" sz="1200" dirty="0"/>
-              <a:t>Step4: Add profiles element in pom.xml</a:t>
-            </a:r>
-          </a:p>
-          <a:p>
-            <a:pPr lvl="1" fontAlgn="base"/>
-            <a:r>
-              <a:rPr lang="en-IN" sz="1200" dirty="0"/>
-              <a:t>Step5: Build project with -P </a:t>
-            </a:r>
-          </a:p>
-          <a:p>
-            <a:pPr lvl="2" fontAlgn="base"/>
-            <a:r>
-              <a:rPr lang="en-IN" sz="1200" dirty="0" err="1"/>
-              <a:t>Mvn</a:t>
-            </a:r>
-            <a:r>
-              <a:rPr lang="en-IN" sz="1200" dirty="0"/>
-              <a:t> clean install -</a:t>
-            </a:r>
-            <a:r>
-              <a:rPr lang="en-IN" sz="1200" dirty="0" err="1"/>
-              <a:t>Pqa</a:t>
-            </a:r>
+              <a:rPr lang="en-US" sz="1200" dirty="0"/>
+              <a:t>Selenium Grid Structure:</a:t>
+            </a:r>
+          </a:p>
+          <a:p>
+            <a:pPr fontAlgn="base"/>
             <a:endParaRPr lang="en-IN" sz="1200" dirty="0"/>
-          </a:p>
-          <a:p>
-            <a:endParaRPr lang="en-IN" dirty="0"/>
           </a:p>
         </p:txBody>
       </p:sp>
@@ -53705,15 +53257,306 @@
           <a:p>
             <a:r>
               <a:rPr lang="en-US" sz="1600" dirty="0"/>
-              <a:t>Maven : Profiles</a:t>
-            </a:r>
+              <a:t>Selenium Grid</a:t>
+            </a:r>
+          </a:p>
+        </p:txBody>
+      </p:sp>
+      <p:pic>
+        <p:nvPicPr>
+          <p:cNvPr id="1026" name="Picture 2"/>
+          <p:cNvPicPr>
+            <a:picLocks noChangeAspect="1" noChangeArrowheads="1"/>
+          </p:cNvPicPr>
+          <p:nvPr/>
+        </p:nvPicPr>
+        <p:blipFill>
+          <a:blip r:embed="rId2">
+            <a:extLst>
+              <a:ext uri="{28A0092B-C50C-407E-A947-70E740481C1C}">
+                <a14:useLocalDpi xmlns:a14="http://schemas.microsoft.com/office/drawing/2010/main" val="0"/>
+              </a:ext>
+            </a:extLst>
+          </a:blip>
+          <a:srcRect/>
+          <a:stretch>
+            <a:fillRect/>
+          </a:stretch>
+        </p:blipFill>
+        <p:spPr bwMode="auto">
+          <a:xfrm>
+            <a:off x="1295400" y="3718808"/>
+            <a:ext cx="4114800" cy="2868260"/>
+          </a:xfrm>
+          <a:prstGeom prst="rect">
+            <a:avLst/>
+          </a:prstGeom>
+          <a:noFill/>
+          <a:ln>
+            <a:noFill/>
+          </a:ln>
+          <a:extLst>
+            <a:ext uri="{909E8E84-426E-40DD-AFC4-6F175D3DCCD1}">
+              <a14:hiddenFill xmlns:a14="http://schemas.microsoft.com/office/drawing/2010/main">
+                <a:solidFill>
+                  <a:schemeClr val="accent1"/>
+                </a:solidFill>
+              </a14:hiddenFill>
+            </a:ext>
+            <a:ext uri="{91240B29-F687-4F45-9708-019B960494DF}">
+              <a14:hiddenLine xmlns:a14="http://schemas.microsoft.com/office/drawing/2010/main" w="9525">
+                <a:solidFill>
+                  <a:schemeClr val="tx1"/>
+                </a:solidFill>
+                <a:miter lim="800000"/>
+                <a:headEnd/>
+                <a:tailEnd/>
+              </a14:hiddenLine>
+            </a:ext>
+          </a:extLst>
+        </p:spPr>
+      </p:pic>
+      <p:sp>
+        <p:nvSpPr>
+          <p:cNvPr id="6" name="Rectangle 5"/>
+          <p:cNvSpPr/>
+          <p:nvPr/>
+        </p:nvSpPr>
+        <p:spPr>
+          <a:xfrm>
+            <a:off x="1143000" y="1066800"/>
+            <a:ext cx="6019800" cy="2652008"/>
+          </a:xfrm>
+          <a:prstGeom prst="rect">
+            <a:avLst/>
+          </a:prstGeom>
+        </p:spPr>
+        <p:txBody>
+          <a:bodyPr wrap="square">
+            <a:spAutoFit/>
+          </a:bodyPr>
+          <a:lstStyle/>
+          <a:p>
+            <a:pPr marL="171450" indent="-171450" fontAlgn="base">
+              <a:spcBef>
+                <a:spcPts val="1000"/>
+              </a:spcBef>
+              <a:buClr>
+                <a:schemeClr val="accent1"/>
+              </a:buClr>
+              <a:buFont typeface="Noto Sans Symbols"/>
+              <a:buChar char="●"/>
+            </a:pPr>
+            <a:r>
+              <a:rPr lang="en-IN" sz="1200" dirty="0">
+                <a:solidFill>
+                  <a:srgbClr val="3F3F3F"/>
+                </a:solidFill>
+                <a:latin typeface="Trebuchet MS"/>
+                <a:ea typeface="Trebuchet MS"/>
+                <a:cs typeface="Trebuchet MS"/>
+                <a:sym typeface="Trebuchet MS"/>
+              </a:rPr>
+              <a:t>Selenium Grid components:</a:t>
+            </a:r>
+          </a:p>
+          <a:p>
+            <a:pPr marL="342900" lvl="0" indent="-251459" fontAlgn="base">
+              <a:spcBef>
+                <a:spcPts val="1000"/>
+              </a:spcBef>
+              <a:buClr>
+                <a:srgbClr val="90C226"/>
+              </a:buClr>
+              <a:buSzPct val="79999"/>
+              <a:buFont typeface="Noto Sans Symbols"/>
+              <a:buChar char="●"/>
+            </a:pPr>
+            <a:r>
+              <a:rPr lang="en-IN" sz="1200" dirty="0">
+                <a:solidFill>
+                  <a:srgbClr val="3F3F3F"/>
+                </a:solidFill>
+                <a:latin typeface="Trebuchet MS"/>
+                <a:ea typeface="Trebuchet MS"/>
+                <a:cs typeface="Trebuchet MS"/>
+                <a:sym typeface="Trebuchet MS"/>
+              </a:rPr>
+              <a:t>Grid </a:t>
+            </a:r>
+            <a:r>
+              <a:rPr lang="en-IN" sz="1200" dirty="0" err="1">
+                <a:solidFill>
+                  <a:srgbClr val="3F3F3F"/>
+                </a:solidFill>
+                <a:latin typeface="Trebuchet MS"/>
+                <a:ea typeface="Trebuchet MS"/>
+                <a:cs typeface="Trebuchet MS"/>
+                <a:sym typeface="Trebuchet MS"/>
+              </a:rPr>
+              <a:t>Hub</a:t>
+            </a:r>
+            <a:r>
+              <a:rPr lang="en-IN" sz="1200" dirty="0" err="1">
+                <a:solidFill>
+                  <a:srgbClr val="3F3F3F"/>
+                </a:solidFill>
+                <a:latin typeface="Trebuchet MS"/>
+                <a:sym typeface="Trebuchet MS"/>
+              </a:rPr>
+              <a:t>Selenium</a:t>
+            </a:r>
+            <a:r>
+              <a:rPr lang="en-IN" sz="1200" dirty="0">
+                <a:solidFill>
+                  <a:srgbClr val="3F3F3F"/>
+                </a:solidFill>
+                <a:latin typeface="Trebuchet MS"/>
+                <a:sym typeface="Trebuchet MS"/>
+              </a:rPr>
+              <a:t> Grid components:</a:t>
+            </a:r>
+          </a:p>
+          <a:p>
+            <a:pPr marL="742950" lvl="1" indent="-204469" fontAlgn="base">
+              <a:spcBef>
+                <a:spcPts val="1000"/>
+              </a:spcBef>
+              <a:buClr>
+                <a:srgbClr val="90C226"/>
+              </a:buClr>
+              <a:buSzPct val="80000"/>
+              <a:buFont typeface="Noto Sans Symbols"/>
+              <a:buChar char="●"/>
+            </a:pPr>
+            <a:r>
+              <a:rPr lang="en-IN" sz="1200" dirty="0">
+                <a:solidFill>
+                  <a:srgbClr val="3F3F3F"/>
+                </a:solidFill>
+                <a:latin typeface="Trebuchet MS"/>
+                <a:sym typeface="Trebuchet MS"/>
+              </a:rPr>
+              <a:t>Grid Hub</a:t>
+            </a:r>
+          </a:p>
+          <a:p>
+            <a:pPr marL="1143000" lvl="2" indent="-157480" fontAlgn="base">
+              <a:spcBef>
+                <a:spcPts val="1000"/>
+              </a:spcBef>
+              <a:buClr>
+                <a:srgbClr val="90C226"/>
+              </a:buClr>
+              <a:buSzPct val="80000"/>
+              <a:buFont typeface="Noto Sans Symbols"/>
+              <a:buChar char="●"/>
+            </a:pPr>
+            <a:r>
+              <a:rPr lang="en-IN" sz="1200" dirty="0">
+                <a:solidFill>
+                  <a:srgbClr val="3F3F3F"/>
+                </a:solidFill>
+                <a:latin typeface="Trebuchet MS"/>
+                <a:sym typeface="Trebuchet MS"/>
+              </a:rPr>
+              <a:t>The Hub is the central point that will receive all the test request and distribute them the right nodes</a:t>
+            </a:r>
+          </a:p>
+          <a:p>
+            <a:pPr marL="742950" lvl="1" indent="-204469" fontAlgn="base">
+              <a:spcBef>
+                <a:spcPts val="1000"/>
+              </a:spcBef>
+              <a:buClr>
+                <a:srgbClr val="90C226"/>
+              </a:buClr>
+              <a:buSzPct val="80000"/>
+              <a:buFont typeface="Noto Sans Symbols"/>
+              <a:buChar char="●"/>
+            </a:pPr>
+            <a:r>
+              <a:rPr lang="en-IN" sz="1200" dirty="0">
+                <a:solidFill>
+                  <a:srgbClr val="3F3F3F"/>
+                </a:solidFill>
+                <a:latin typeface="Trebuchet MS"/>
+                <a:sym typeface="Trebuchet MS"/>
+              </a:rPr>
+              <a:t>Grid Nodes</a:t>
+            </a:r>
+          </a:p>
+          <a:p>
+            <a:pPr marL="1143000" lvl="2" indent="-157480" fontAlgn="base">
+              <a:spcBef>
+                <a:spcPts val="1000"/>
+              </a:spcBef>
+              <a:buClr>
+                <a:srgbClr val="90C226"/>
+              </a:buClr>
+              <a:buSzPct val="80000"/>
+              <a:buFont typeface="Noto Sans Symbols"/>
+              <a:buChar char="●"/>
+            </a:pPr>
+            <a:r>
+              <a:rPr lang="en-IN" sz="1200" dirty="0">
+                <a:solidFill>
+                  <a:srgbClr val="3F3F3F"/>
+                </a:solidFill>
+                <a:latin typeface="Trebuchet MS"/>
+                <a:sym typeface="Trebuchet MS"/>
+              </a:rPr>
+              <a:t>Nodes need to be registered with hub </a:t>
+            </a:r>
+          </a:p>
+          <a:p>
+            <a:pPr marL="1143000" lvl="2" indent="-157480" fontAlgn="base">
+              <a:spcBef>
+                <a:spcPts val="1000"/>
+              </a:spcBef>
+              <a:buClr>
+                <a:srgbClr val="90C226"/>
+              </a:buClr>
+              <a:buSzPct val="80000"/>
+              <a:buFont typeface="Noto Sans Symbols"/>
+              <a:buChar char="●"/>
+            </a:pPr>
+            <a:r>
+              <a:rPr lang="en-IN" sz="1200" dirty="0">
+                <a:solidFill>
+                  <a:srgbClr val="3F3F3F"/>
+                </a:solidFill>
+                <a:latin typeface="Trebuchet MS"/>
+                <a:sym typeface="Trebuchet MS"/>
+              </a:rPr>
+              <a:t>Tests are run on nodes</a:t>
+            </a:r>
+          </a:p>
+          <a:p>
+            <a:pPr lvl="4" fontAlgn="base">
+              <a:spcBef>
+                <a:spcPts val="1000"/>
+              </a:spcBef>
+              <a:buClr>
+                <a:schemeClr val="accent1"/>
+              </a:buClr>
+            </a:pPr>
+            <a:endParaRPr lang="en-IN" sz="1200" dirty="0">
+              <a:solidFill>
+                <a:srgbClr val="3F3F3F"/>
+              </a:solidFill>
+              <a:latin typeface="Trebuchet MS"/>
+              <a:ea typeface="Trebuchet MS"/>
+              <a:cs typeface="Trebuchet MS"/>
+              <a:sym typeface="Trebuchet MS"/>
+            </a:endParaRPr>
           </a:p>
         </p:txBody>
       </p:sp>
     </p:spTree>
     <p:extLst>
       <p:ext uri="{BB962C8B-B14F-4D97-AF65-F5344CB8AC3E}">
-        <p14:creationId xmlns:p14="http://schemas.microsoft.com/office/powerpoint/2010/main" val="3249783198"/>
+        <p14:creationId xmlns:p14="http://schemas.microsoft.com/office/powerpoint/2010/main" val="2104627659"/>
       </p:ext>
     </p:extLst>
   </p:cSld>
@@ -53762,73 +53605,76 @@
           <a:p>
             <a:pPr fontAlgn="base"/>
             <a:r>
+              <a:rPr lang="en-IN" sz="1400" dirty="0"/>
+              <a:t>Selenium Grid Infrastructure:</a:t>
+            </a:r>
+          </a:p>
+          <a:p>
+            <a:pPr lvl="1" fontAlgn="base"/>
+            <a:r>
               <a:rPr lang="en-IN" sz="1200" dirty="0"/>
-              <a:t>Ways of running selenium tests:</a:t>
-            </a:r>
+              <a:t>Setup locally</a:t>
+            </a:r>
+          </a:p>
+          <a:p>
+            <a:pPr lvl="2" fontAlgn="base"/>
+            <a:r>
+              <a:rPr lang="en-US" sz="1200" dirty="0"/>
+              <a:t>We can setup selenium grid locally on our infrastructure</a:t>
+            </a:r>
+            <a:endParaRPr lang="en-IN" sz="1200" dirty="0"/>
           </a:p>
           <a:p>
             <a:pPr lvl="1" fontAlgn="base"/>
             <a:r>
               <a:rPr lang="en-IN" sz="1200" dirty="0"/>
-              <a:t>Local:</a:t>
+              <a:t>Cloud/online tools</a:t>
             </a:r>
           </a:p>
           <a:p>
             <a:pPr lvl="2" fontAlgn="base"/>
             <a:r>
-              <a:rPr lang="en-IN" sz="1200" dirty="0"/>
-              <a:t>WebDriver is used to run tests locally</a:t>
-            </a:r>
-          </a:p>
-          <a:p>
-            <a:pPr lvl="1" fontAlgn="base"/>
-            <a:r>
-              <a:rPr lang="en-IN" sz="1200" dirty="0"/>
-              <a:t>Remote:</a:t>
-            </a:r>
+              <a:rPr lang="en-US" sz="1200" dirty="0"/>
+              <a:t>There are 3</a:t>
+            </a:r>
+            <a:r>
+              <a:rPr lang="en-US" sz="1200" baseline="30000" dirty="0"/>
+              <a:t>rd</a:t>
+            </a:r>
+            <a:r>
+              <a:rPr lang="en-US" sz="1200" dirty="0"/>
+              <a:t> party tools which are set up on cloud.</a:t>
+            </a:r>
+          </a:p>
+          <a:p>
+            <a:pPr lvl="3" fontAlgn="base"/>
+            <a:r>
+              <a:rPr lang="en-IN" sz="900" dirty="0"/>
+              <a:t>Browserstack.com</a:t>
+            </a:r>
+          </a:p>
+          <a:p>
+            <a:pPr lvl="3" fontAlgn="base"/>
+            <a:r>
+              <a:rPr lang="en-IN" sz="900" dirty="0"/>
+              <a:t>saucelabs.com</a:t>
+            </a:r>
+            <a:endParaRPr lang="en-US" sz="900" dirty="0"/>
           </a:p>
           <a:p>
             <a:pPr lvl="2" fontAlgn="base"/>
             <a:r>
-              <a:rPr lang="en-IN" sz="1200" dirty="0" err="1"/>
-              <a:t>RemoteWebDriver</a:t>
-            </a:r>
-            <a:r>
-              <a:rPr lang="en-IN" sz="1200" dirty="0"/>
-              <a:t> is used to run tests remotely</a:t>
+              <a:rPr lang="en-US" sz="1200" dirty="0"/>
+              <a:t>We need to purchase the subscription and use them directly.</a:t>
             </a:r>
           </a:p>
           <a:p>
             <a:pPr lvl="2" fontAlgn="base"/>
             <a:r>
-              <a:rPr lang="en-IN" sz="1200" dirty="0" err="1"/>
-              <a:t>RemoteWebDriver</a:t>
-            </a:r>
-            <a:r>
-              <a:rPr lang="en-IN" sz="1200" dirty="0"/>
-              <a:t> runs tests on selenium grid</a:t>
-            </a:r>
-          </a:p>
-          <a:p>
-            <a:pPr fontAlgn="base"/>
-            <a:r>
-              <a:rPr lang="en-IN" sz="1200" dirty="0"/>
-              <a:t>Why do we need selenium grid?</a:t>
-            </a:r>
-          </a:p>
-          <a:p>
-            <a:pPr lvl="1" fontAlgn="base"/>
-            <a:r>
-              <a:rPr lang="en-IN" sz="1200" dirty="0"/>
-              <a:t>To run tests on multiple OS, Browser and device combinations.</a:t>
-            </a:r>
-          </a:p>
-          <a:p>
-            <a:pPr lvl="1" fontAlgn="base"/>
-            <a:r>
-              <a:rPr lang="en-IN" sz="1200" dirty="0"/>
-              <a:t>To run tests in parallel to reduce execution time</a:t>
-            </a:r>
+              <a:rPr lang="en-US" sz="1200" dirty="0"/>
+              <a:t>Less maintenance overhead</a:t>
+            </a:r>
+            <a:endParaRPr lang="en-IN" sz="1200" dirty="0"/>
           </a:p>
           <a:p>
             <a:endParaRPr lang="en-IN" dirty="0"/>
@@ -53865,7 +53711,7 @@
     </p:spTree>
     <p:extLst>
       <p:ext uri="{BB962C8B-B14F-4D97-AF65-F5344CB8AC3E}">
-        <p14:creationId xmlns:p14="http://schemas.microsoft.com/office/powerpoint/2010/main" val="959145365"/>
+        <p14:creationId xmlns:p14="http://schemas.microsoft.com/office/powerpoint/2010/main" val="3159775197"/>
       </p:ext>
     </p:extLst>
   </p:cSld>
@@ -53876,541 +53722,6 @@
 </file>
 
 <file path=ppt/slides/slide95.xml><?xml version="1.0" encoding="utf-8"?>
-<p:sld xmlns:a="http://schemas.openxmlformats.org/drawingml/2006/main" xmlns:r="http://schemas.openxmlformats.org/officeDocument/2006/relationships" xmlns:p="http://schemas.openxmlformats.org/presentationml/2006/main">
-  <p:cSld>
-    <p:spTree>
-      <p:nvGrpSpPr>
-        <p:cNvPr id="1" name=""/>
-        <p:cNvGrpSpPr/>
-        <p:nvPr/>
-      </p:nvGrpSpPr>
-      <p:grpSpPr>
-        <a:xfrm>
-          <a:off x="0" y="0"/>
-          <a:ext cx="0" cy="0"/>
-          <a:chOff x="0" y="0"/>
-          <a:chExt cx="0" cy="0"/>
-        </a:xfrm>
-      </p:grpSpPr>
-      <p:sp>
-        <p:nvSpPr>
-          <p:cNvPr id="3" name="Text Placeholder 2"/>
-          <p:cNvSpPr>
-            <a:spLocks noGrp="1"/>
-          </p:cNvSpPr>
-          <p:nvPr>
-            <p:ph type="body" idx="1"/>
-          </p:nvPr>
-        </p:nvSpPr>
-        <p:spPr>
-          <a:xfrm>
-            <a:off x="677333" y="762000"/>
-            <a:ext cx="8596668" cy="5279363"/>
-          </a:xfrm>
-        </p:spPr>
-        <p:txBody>
-          <a:bodyPr/>
-          <a:lstStyle/>
-          <a:p>
-            <a:pPr fontAlgn="base"/>
-            <a:r>
-              <a:rPr lang="en-US" sz="1200" dirty="0"/>
-              <a:t>Selenium Grid Structure:</a:t>
-            </a:r>
-          </a:p>
-          <a:p>
-            <a:pPr fontAlgn="base"/>
-            <a:endParaRPr lang="en-IN" sz="1200" dirty="0"/>
-          </a:p>
-        </p:txBody>
-      </p:sp>
-      <p:sp>
-        <p:nvSpPr>
-          <p:cNvPr id="4" name="Title 1"/>
-          <p:cNvSpPr>
-            <a:spLocks noGrp="1"/>
-          </p:cNvSpPr>
-          <p:nvPr>
-            <p:ph type="title"/>
-          </p:nvPr>
-        </p:nvSpPr>
-        <p:spPr>
-          <a:xfrm>
-            <a:off x="685800" y="304800"/>
-            <a:ext cx="8596668" cy="304800"/>
-          </a:xfrm>
-        </p:spPr>
-        <p:txBody>
-          <a:bodyPr/>
-          <a:lstStyle/>
-          <a:p>
-            <a:r>
-              <a:rPr lang="en-US" sz="1600" dirty="0"/>
-              <a:t>Selenium Grid</a:t>
-            </a:r>
-          </a:p>
-        </p:txBody>
-      </p:sp>
-      <p:pic>
-        <p:nvPicPr>
-          <p:cNvPr id="1026" name="Picture 2"/>
-          <p:cNvPicPr>
-            <a:picLocks noChangeAspect="1" noChangeArrowheads="1"/>
-          </p:cNvPicPr>
-          <p:nvPr/>
-        </p:nvPicPr>
-        <p:blipFill>
-          <a:blip r:embed="rId2">
-            <a:extLst>
-              <a:ext uri="{28A0092B-C50C-407E-A947-70E740481C1C}">
-                <a14:useLocalDpi xmlns:a14="http://schemas.microsoft.com/office/drawing/2010/main" val="0"/>
-              </a:ext>
-            </a:extLst>
-          </a:blip>
-          <a:srcRect/>
-          <a:stretch>
-            <a:fillRect/>
-          </a:stretch>
-        </p:blipFill>
-        <p:spPr bwMode="auto">
-          <a:xfrm>
-            <a:off x="1295400" y="3718808"/>
-            <a:ext cx="4114800" cy="2868260"/>
-          </a:xfrm>
-          <a:prstGeom prst="rect">
-            <a:avLst/>
-          </a:prstGeom>
-          <a:noFill/>
-          <a:ln>
-            <a:noFill/>
-          </a:ln>
-          <a:extLst>
-            <a:ext uri="{909E8E84-426E-40DD-AFC4-6F175D3DCCD1}">
-              <a14:hiddenFill xmlns:a14="http://schemas.microsoft.com/office/drawing/2010/main">
-                <a:solidFill>
-                  <a:schemeClr val="accent1"/>
-                </a:solidFill>
-              </a14:hiddenFill>
-            </a:ext>
-            <a:ext uri="{91240B29-F687-4F45-9708-019B960494DF}">
-              <a14:hiddenLine xmlns:a14="http://schemas.microsoft.com/office/drawing/2010/main" w="9525">
-                <a:solidFill>
-                  <a:schemeClr val="tx1"/>
-                </a:solidFill>
-                <a:miter lim="800000"/>
-                <a:headEnd/>
-                <a:tailEnd/>
-              </a14:hiddenLine>
-            </a:ext>
-          </a:extLst>
-        </p:spPr>
-      </p:pic>
-      <p:sp>
-        <p:nvSpPr>
-          <p:cNvPr id="6" name="Rectangle 5"/>
-          <p:cNvSpPr/>
-          <p:nvPr/>
-        </p:nvSpPr>
-        <p:spPr>
-          <a:xfrm>
-            <a:off x="1143000" y="1066800"/>
-            <a:ext cx="6019800" cy="2652008"/>
-          </a:xfrm>
-          <a:prstGeom prst="rect">
-            <a:avLst/>
-          </a:prstGeom>
-        </p:spPr>
-        <p:txBody>
-          <a:bodyPr wrap="square">
-            <a:spAutoFit/>
-          </a:bodyPr>
-          <a:lstStyle/>
-          <a:p>
-            <a:pPr marL="171450" indent="-171450" fontAlgn="base">
-              <a:spcBef>
-                <a:spcPts val="1000"/>
-              </a:spcBef>
-              <a:buClr>
-                <a:schemeClr val="accent1"/>
-              </a:buClr>
-              <a:buFont typeface="Noto Sans Symbols"/>
-              <a:buChar char="●"/>
-            </a:pPr>
-            <a:r>
-              <a:rPr lang="en-IN" sz="1200" dirty="0">
-                <a:solidFill>
-                  <a:srgbClr val="3F3F3F"/>
-                </a:solidFill>
-                <a:latin typeface="Trebuchet MS"/>
-                <a:ea typeface="Trebuchet MS"/>
-                <a:cs typeface="Trebuchet MS"/>
-                <a:sym typeface="Trebuchet MS"/>
-              </a:rPr>
-              <a:t>Selenium Grid components:</a:t>
-            </a:r>
-          </a:p>
-          <a:p>
-            <a:pPr marL="342900" lvl="0" indent="-251459" fontAlgn="base">
-              <a:spcBef>
-                <a:spcPts val="1000"/>
-              </a:spcBef>
-              <a:buClr>
-                <a:srgbClr val="90C226"/>
-              </a:buClr>
-              <a:buSzPct val="79999"/>
-              <a:buFont typeface="Noto Sans Symbols"/>
-              <a:buChar char="●"/>
-            </a:pPr>
-            <a:r>
-              <a:rPr lang="en-IN" sz="1200" dirty="0">
-                <a:solidFill>
-                  <a:srgbClr val="3F3F3F"/>
-                </a:solidFill>
-                <a:latin typeface="Trebuchet MS"/>
-                <a:ea typeface="Trebuchet MS"/>
-                <a:cs typeface="Trebuchet MS"/>
-                <a:sym typeface="Trebuchet MS"/>
-              </a:rPr>
-              <a:t>Grid </a:t>
-            </a:r>
-            <a:r>
-              <a:rPr lang="en-IN" sz="1200" dirty="0" err="1">
-                <a:solidFill>
-                  <a:srgbClr val="3F3F3F"/>
-                </a:solidFill>
-                <a:latin typeface="Trebuchet MS"/>
-                <a:ea typeface="Trebuchet MS"/>
-                <a:cs typeface="Trebuchet MS"/>
-                <a:sym typeface="Trebuchet MS"/>
-              </a:rPr>
-              <a:t>Hub</a:t>
-            </a:r>
-            <a:r>
-              <a:rPr lang="en-IN" sz="1200" dirty="0" err="1">
-                <a:solidFill>
-                  <a:srgbClr val="3F3F3F"/>
-                </a:solidFill>
-                <a:latin typeface="Trebuchet MS"/>
-                <a:sym typeface="Trebuchet MS"/>
-              </a:rPr>
-              <a:t>Selenium</a:t>
-            </a:r>
-            <a:r>
-              <a:rPr lang="en-IN" sz="1200" dirty="0">
-                <a:solidFill>
-                  <a:srgbClr val="3F3F3F"/>
-                </a:solidFill>
-                <a:latin typeface="Trebuchet MS"/>
-                <a:sym typeface="Trebuchet MS"/>
-              </a:rPr>
-              <a:t> Grid components:</a:t>
-            </a:r>
-          </a:p>
-          <a:p>
-            <a:pPr marL="742950" lvl="1" indent="-204469" fontAlgn="base">
-              <a:spcBef>
-                <a:spcPts val="1000"/>
-              </a:spcBef>
-              <a:buClr>
-                <a:srgbClr val="90C226"/>
-              </a:buClr>
-              <a:buSzPct val="80000"/>
-              <a:buFont typeface="Noto Sans Symbols"/>
-              <a:buChar char="●"/>
-            </a:pPr>
-            <a:r>
-              <a:rPr lang="en-IN" sz="1200" dirty="0">
-                <a:solidFill>
-                  <a:srgbClr val="3F3F3F"/>
-                </a:solidFill>
-                <a:latin typeface="Trebuchet MS"/>
-                <a:sym typeface="Trebuchet MS"/>
-              </a:rPr>
-              <a:t>Grid Hub</a:t>
-            </a:r>
-          </a:p>
-          <a:p>
-            <a:pPr marL="1143000" lvl="2" indent="-157480" fontAlgn="base">
-              <a:spcBef>
-                <a:spcPts val="1000"/>
-              </a:spcBef>
-              <a:buClr>
-                <a:srgbClr val="90C226"/>
-              </a:buClr>
-              <a:buSzPct val="80000"/>
-              <a:buFont typeface="Noto Sans Symbols"/>
-              <a:buChar char="●"/>
-            </a:pPr>
-            <a:r>
-              <a:rPr lang="en-IN" sz="1200" dirty="0">
-                <a:solidFill>
-                  <a:srgbClr val="3F3F3F"/>
-                </a:solidFill>
-                <a:latin typeface="Trebuchet MS"/>
-                <a:sym typeface="Trebuchet MS"/>
-              </a:rPr>
-              <a:t>The Hub is the central point that will receive all the test request and distribute them the right nodes</a:t>
-            </a:r>
-          </a:p>
-          <a:p>
-            <a:pPr marL="742950" lvl="1" indent="-204469" fontAlgn="base">
-              <a:spcBef>
-                <a:spcPts val="1000"/>
-              </a:spcBef>
-              <a:buClr>
-                <a:srgbClr val="90C226"/>
-              </a:buClr>
-              <a:buSzPct val="80000"/>
-              <a:buFont typeface="Noto Sans Symbols"/>
-              <a:buChar char="●"/>
-            </a:pPr>
-            <a:r>
-              <a:rPr lang="en-IN" sz="1200" dirty="0">
-                <a:solidFill>
-                  <a:srgbClr val="3F3F3F"/>
-                </a:solidFill>
-                <a:latin typeface="Trebuchet MS"/>
-                <a:sym typeface="Trebuchet MS"/>
-              </a:rPr>
-              <a:t>Grid Nodes</a:t>
-            </a:r>
-          </a:p>
-          <a:p>
-            <a:pPr marL="1143000" lvl="2" indent="-157480" fontAlgn="base">
-              <a:spcBef>
-                <a:spcPts val="1000"/>
-              </a:spcBef>
-              <a:buClr>
-                <a:srgbClr val="90C226"/>
-              </a:buClr>
-              <a:buSzPct val="80000"/>
-              <a:buFont typeface="Noto Sans Symbols"/>
-              <a:buChar char="●"/>
-            </a:pPr>
-            <a:r>
-              <a:rPr lang="en-IN" sz="1200" dirty="0">
-                <a:solidFill>
-                  <a:srgbClr val="3F3F3F"/>
-                </a:solidFill>
-                <a:latin typeface="Trebuchet MS"/>
-                <a:sym typeface="Trebuchet MS"/>
-              </a:rPr>
-              <a:t>Nodes need to be registered with hub </a:t>
-            </a:r>
-          </a:p>
-          <a:p>
-            <a:pPr marL="1143000" lvl="2" indent="-157480" fontAlgn="base">
-              <a:spcBef>
-                <a:spcPts val="1000"/>
-              </a:spcBef>
-              <a:buClr>
-                <a:srgbClr val="90C226"/>
-              </a:buClr>
-              <a:buSzPct val="80000"/>
-              <a:buFont typeface="Noto Sans Symbols"/>
-              <a:buChar char="●"/>
-            </a:pPr>
-            <a:r>
-              <a:rPr lang="en-IN" sz="1200" dirty="0">
-                <a:solidFill>
-                  <a:srgbClr val="3F3F3F"/>
-                </a:solidFill>
-                <a:latin typeface="Trebuchet MS"/>
-                <a:sym typeface="Trebuchet MS"/>
-              </a:rPr>
-              <a:t>Tests are run on nodes</a:t>
-            </a:r>
-          </a:p>
-          <a:p>
-            <a:pPr lvl="4" fontAlgn="base">
-              <a:spcBef>
-                <a:spcPts val="1000"/>
-              </a:spcBef>
-              <a:buClr>
-                <a:schemeClr val="accent1"/>
-              </a:buClr>
-            </a:pPr>
-            <a:endParaRPr lang="en-IN" sz="1200" dirty="0">
-              <a:solidFill>
-                <a:srgbClr val="3F3F3F"/>
-              </a:solidFill>
-              <a:latin typeface="Trebuchet MS"/>
-              <a:ea typeface="Trebuchet MS"/>
-              <a:cs typeface="Trebuchet MS"/>
-              <a:sym typeface="Trebuchet MS"/>
-            </a:endParaRPr>
-          </a:p>
-        </p:txBody>
-      </p:sp>
-    </p:spTree>
-    <p:extLst>
-      <p:ext uri="{BB962C8B-B14F-4D97-AF65-F5344CB8AC3E}">
-        <p14:creationId xmlns:p14="http://schemas.microsoft.com/office/powerpoint/2010/main" val="2104627659"/>
-      </p:ext>
-    </p:extLst>
-  </p:cSld>
-  <p:clrMapOvr>
-    <a:masterClrMapping/>
-  </p:clrMapOvr>
-</p:sld>
-</file>
-
-<file path=ppt/slides/slide96.xml><?xml version="1.0" encoding="utf-8"?>
-<p:sld xmlns:a="http://schemas.openxmlformats.org/drawingml/2006/main" xmlns:r="http://schemas.openxmlformats.org/officeDocument/2006/relationships" xmlns:p="http://schemas.openxmlformats.org/presentationml/2006/main">
-  <p:cSld>
-    <p:spTree>
-      <p:nvGrpSpPr>
-        <p:cNvPr id="1" name=""/>
-        <p:cNvGrpSpPr/>
-        <p:nvPr/>
-      </p:nvGrpSpPr>
-      <p:grpSpPr>
-        <a:xfrm>
-          <a:off x="0" y="0"/>
-          <a:ext cx="0" cy="0"/>
-          <a:chOff x="0" y="0"/>
-          <a:chExt cx="0" cy="0"/>
-        </a:xfrm>
-      </p:grpSpPr>
-      <p:sp>
-        <p:nvSpPr>
-          <p:cNvPr id="3" name="Text Placeholder 2"/>
-          <p:cNvSpPr>
-            <a:spLocks noGrp="1"/>
-          </p:cNvSpPr>
-          <p:nvPr>
-            <p:ph type="body" idx="1"/>
-          </p:nvPr>
-        </p:nvSpPr>
-        <p:spPr>
-          <a:xfrm>
-            <a:off x="677333" y="685801"/>
-            <a:ext cx="8596668" cy="5355562"/>
-          </a:xfrm>
-        </p:spPr>
-        <p:txBody>
-          <a:bodyPr/>
-          <a:lstStyle/>
-          <a:p>
-            <a:pPr fontAlgn="base"/>
-            <a:r>
-              <a:rPr lang="en-IN" sz="1400" dirty="0"/>
-              <a:t>Selenium Grid Infrastructure:</a:t>
-            </a:r>
-          </a:p>
-          <a:p>
-            <a:pPr lvl="1" fontAlgn="base"/>
-            <a:r>
-              <a:rPr lang="en-IN" sz="1200" dirty="0"/>
-              <a:t>Setup locally</a:t>
-            </a:r>
-          </a:p>
-          <a:p>
-            <a:pPr lvl="2" fontAlgn="base"/>
-            <a:r>
-              <a:rPr lang="en-US" sz="1200" dirty="0"/>
-              <a:t>We can setup selenium grid locally on our infrastructure</a:t>
-            </a:r>
-            <a:endParaRPr lang="en-IN" sz="1200" dirty="0"/>
-          </a:p>
-          <a:p>
-            <a:pPr lvl="1" fontAlgn="base"/>
-            <a:r>
-              <a:rPr lang="en-IN" sz="1200" dirty="0"/>
-              <a:t>Cloud/online tools</a:t>
-            </a:r>
-          </a:p>
-          <a:p>
-            <a:pPr lvl="2" fontAlgn="base"/>
-            <a:r>
-              <a:rPr lang="en-US" sz="1200" dirty="0"/>
-              <a:t>There are 3</a:t>
-            </a:r>
-            <a:r>
-              <a:rPr lang="en-US" sz="1200" baseline="30000" dirty="0"/>
-              <a:t>rd</a:t>
-            </a:r>
-            <a:r>
-              <a:rPr lang="en-US" sz="1200" dirty="0"/>
-              <a:t> party tools which are set up on cloud.</a:t>
-            </a:r>
-          </a:p>
-          <a:p>
-            <a:pPr lvl="3" fontAlgn="base"/>
-            <a:r>
-              <a:rPr lang="en-IN" sz="900" dirty="0"/>
-              <a:t>Browserstack.com</a:t>
-            </a:r>
-          </a:p>
-          <a:p>
-            <a:pPr lvl="3" fontAlgn="base"/>
-            <a:r>
-              <a:rPr lang="en-IN" sz="900" dirty="0"/>
-              <a:t>saucelabs.com</a:t>
-            </a:r>
-            <a:endParaRPr lang="en-US" sz="900" dirty="0"/>
-          </a:p>
-          <a:p>
-            <a:pPr lvl="2" fontAlgn="base"/>
-            <a:r>
-              <a:rPr lang="en-US" sz="1200" dirty="0"/>
-              <a:t>We need to purchase the subscription and use them directly.</a:t>
-            </a:r>
-          </a:p>
-          <a:p>
-            <a:pPr lvl="2" fontAlgn="base"/>
-            <a:r>
-              <a:rPr lang="en-US" sz="1200" dirty="0"/>
-              <a:t>Less maintenance overhead</a:t>
-            </a:r>
-            <a:endParaRPr lang="en-IN" sz="1200" dirty="0"/>
-          </a:p>
-          <a:p>
-            <a:endParaRPr lang="en-IN" dirty="0"/>
-          </a:p>
-        </p:txBody>
-      </p:sp>
-      <p:sp>
-        <p:nvSpPr>
-          <p:cNvPr id="4" name="Title 1"/>
-          <p:cNvSpPr>
-            <a:spLocks noGrp="1"/>
-          </p:cNvSpPr>
-          <p:nvPr>
-            <p:ph type="title"/>
-          </p:nvPr>
-        </p:nvSpPr>
-        <p:spPr>
-          <a:xfrm>
-            <a:off x="685800" y="304800"/>
-            <a:ext cx="8596668" cy="304800"/>
-          </a:xfrm>
-        </p:spPr>
-        <p:txBody>
-          <a:bodyPr/>
-          <a:lstStyle/>
-          <a:p>
-            <a:r>
-              <a:rPr lang="en-US" sz="1600" dirty="0"/>
-              <a:t>Selenium Grid</a:t>
-            </a:r>
-          </a:p>
-        </p:txBody>
-      </p:sp>
-    </p:spTree>
-    <p:extLst>
-      <p:ext uri="{BB962C8B-B14F-4D97-AF65-F5344CB8AC3E}">
-        <p14:creationId xmlns:p14="http://schemas.microsoft.com/office/powerpoint/2010/main" val="3159775197"/>
-      </p:ext>
-    </p:extLst>
-  </p:cSld>
-  <p:clrMapOvr>
-    <a:masterClrMapping/>
-  </p:clrMapOvr>
-</p:sld>
-</file>
-
-<file path=ppt/slides/slide97.xml><?xml version="1.0" encoding="utf-8"?>
 <p:sld xmlns:a="http://schemas.openxmlformats.org/drawingml/2006/main" xmlns:r="http://schemas.openxmlformats.org/officeDocument/2006/relationships" xmlns:p="http://schemas.openxmlformats.org/presentationml/2006/main">
   <p:cSld>
     <p:spTree>

--- a/AutomationPPT.pptx
+++ b/AutomationPPT.pptx
@@ -29057,6 +29057,27 @@
             </a:r>
           </a:p>
           <a:p>
+            <a:pPr lvl="1" indent="-342900">
+              <a:lnSpc>
+                <a:spcPct val="90000"/>
+              </a:lnSpc>
+              <a:spcBef>
+                <a:spcPts val="0"/>
+              </a:spcBef>
+            </a:pPr>
+            <a:r>
+              <a:rPr lang="en-US" sz="1200" b="0" i="0" u="none" strike="noStrike" cap="none" dirty="0">
+                <a:solidFill>
+                  <a:srgbClr val="3F3F3F"/>
+                </a:solidFill>
+                <a:latin typeface="Times New Roman" panose="02020603050405020304" pitchFamily="18" charset="0"/>
+                <a:cs typeface="Times New Roman" panose="02020603050405020304" pitchFamily="18" charset="0"/>
+                <a:sym typeface="Trebuchet MS"/>
+              </a:rPr>
+              <a:t>Which causes program execution to end abruptly</a:t>
+            </a:r>
+          </a:p>
+          <a:p>
             <a:pPr marL="342900" marR="0" lvl="0" indent="-342900" algn="l" rtl="0">
               <a:lnSpc>
                 <a:spcPct val="90000"/>
@@ -29233,8 +29254,92 @@
                 <a:cs typeface="Times New Roman" panose="02020603050405020304" pitchFamily="18" charset="0"/>
                 <a:sym typeface="Trebuchet MS"/>
               </a:rPr>
-              <a:t>Handling exception in the method where exception occurred</a:t>
-            </a:r>
+              <a:t>Handling exception</a:t>
+            </a:r>
+          </a:p>
+          <a:p>
+            <a:pPr lvl="1" indent="-342900">
+              <a:lnSpc>
+                <a:spcPct val="90000"/>
+              </a:lnSpc>
+            </a:pPr>
+            <a:r>
+              <a:rPr lang="en-US" sz="1000" dirty="0">
+                <a:latin typeface="Times New Roman" panose="02020603050405020304" pitchFamily="18" charset="0"/>
+                <a:cs typeface="Times New Roman" panose="02020603050405020304" pitchFamily="18" charset="0"/>
+              </a:rPr>
+              <a:t>I</a:t>
+            </a:r>
+            <a:r>
+              <a:rPr lang="en-US" sz="1000" b="0" i="0" u="none" strike="noStrike" cap="none" dirty="0">
+                <a:solidFill>
+                  <a:srgbClr val="3F3F3F"/>
+                </a:solidFill>
+                <a:latin typeface="Times New Roman" panose="02020603050405020304" pitchFamily="18" charset="0"/>
+                <a:cs typeface="Times New Roman" panose="02020603050405020304" pitchFamily="18" charset="0"/>
+                <a:sym typeface="Trebuchet MS"/>
+              </a:rPr>
+              <a:t>n the method where exception occurred</a:t>
+            </a:r>
+          </a:p>
+          <a:p>
+            <a:pPr lvl="1" indent="-342900">
+              <a:lnSpc>
+                <a:spcPct val="90000"/>
+              </a:lnSpc>
+            </a:pPr>
+            <a:r>
+              <a:rPr lang="en-US" sz="1200" b="0" i="0" u="none" strike="noStrike" cap="none" dirty="0">
+                <a:solidFill>
+                  <a:srgbClr val="3F3F3F"/>
+                </a:solidFill>
+                <a:latin typeface="Times New Roman" panose="02020603050405020304" pitchFamily="18" charset="0"/>
+                <a:cs typeface="Times New Roman" panose="02020603050405020304" pitchFamily="18" charset="0"/>
+                <a:sym typeface="Trebuchet MS"/>
+              </a:rPr>
+              <a:t>In calling program</a:t>
+            </a:r>
+            <a:endParaRPr lang="en-US" sz="1000" b="0" i="0" u="none" strike="noStrike" cap="none" dirty="0">
+              <a:solidFill>
+                <a:srgbClr val="3F3F3F"/>
+              </a:solidFill>
+              <a:latin typeface="Times New Roman" panose="02020603050405020304" pitchFamily="18" charset="0"/>
+              <a:cs typeface="Times New Roman" panose="02020603050405020304" pitchFamily="18" charset="0"/>
+              <a:sym typeface="Trebuchet MS"/>
+            </a:endParaRPr>
+          </a:p>
+          <a:p>
+            <a:pPr lvl="2" indent="-342900">
+              <a:lnSpc>
+                <a:spcPct val="90000"/>
+              </a:lnSpc>
+            </a:pPr>
+            <a:r>
+              <a:rPr lang="en-US" sz="1000" b="0" i="0" u="none" strike="noStrike" cap="none" dirty="0">
+                <a:solidFill>
+                  <a:srgbClr val="3F3F3F"/>
+                </a:solidFill>
+                <a:latin typeface="Times New Roman" panose="02020603050405020304" pitchFamily="18" charset="0"/>
+                <a:cs typeface="Times New Roman" panose="02020603050405020304" pitchFamily="18" charset="0"/>
+                <a:sym typeface="Trebuchet MS"/>
+              </a:rPr>
+              <a:t>Throws has to be used </a:t>
+            </a:r>
+            <a:r>
+              <a:rPr lang="en-US" sz="1000" dirty="0">
+                <a:latin typeface="Times New Roman" panose="02020603050405020304" pitchFamily="18" charset="0"/>
+                <a:cs typeface="Times New Roman" panose="02020603050405020304" pitchFamily="18" charset="0"/>
+              </a:rPr>
+              <a:t>for the method where exception can occur</a:t>
+            </a:r>
+            <a:endParaRPr lang="en-US" sz="1000" b="0" i="0" u="none" strike="noStrike" cap="none" dirty="0">
+              <a:solidFill>
+                <a:srgbClr val="3F3F3F"/>
+              </a:solidFill>
+              <a:latin typeface="Times New Roman" panose="02020603050405020304" pitchFamily="18" charset="0"/>
+              <a:cs typeface="Times New Roman" panose="02020603050405020304" pitchFamily="18" charset="0"/>
+              <a:sym typeface="Trebuchet MS"/>
+            </a:endParaRPr>
           </a:p>
           <a:p>
             <a:pPr marL="342900" marR="0" lvl="0" indent="-342900" algn="l" rtl="0">
@@ -29263,11 +29368,11 @@
                 <a:cs typeface="Times New Roman" panose="02020603050405020304" pitchFamily="18" charset="0"/>
                 <a:sym typeface="Trebuchet MS"/>
               </a:rPr>
-              <a:t>Handling exception in calling program</a:t>
-            </a:r>
-          </a:p>
-          <a:p>
-            <a:pPr marL="342900" marR="0" lvl="0" indent="-342900" algn="l" rtl="0">
+              <a:t>Exception object:</a:t>
+            </a:r>
+          </a:p>
+          <a:p>
+            <a:pPr marL="742950" marR="0" lvl="1" indent="-285750" algn="l" rtl="0">
               <a:lnSpc>
                 <a:spcPct val="90000"/>
               </a:lnSpc>
@@ -29293,11 +29398,11 @@
                 <a:cs typeface="Times New Roman" panose="02020603050405020304" pitchFamily="18" charset="0"/>
                 <a:sym typeface="Trebuchet MS"/>
               </a:rPr>
-              <a:t>throws</a:t>
-            </a:r>
-          </a:p>
-          <a:p>
-            <a:pPr marL="342900" marR="0" lvl="0" indent="-342900" algn="l" rtl="0">
+              <a:t>Name of exception</a:t>
+            </a:r>
+          </a:p>
+          <a:p>
+            <a:pPr marL="742950" marR="0" lvl="1" indent="-285750" algn="l" rtl="0">
               <a:lnSpc>
                 <a:spcPct val="90000"/>
               </a:lnSpc>
@@ -29323,7 +29428,7 @@
                 <a:cs typeface="Times New Roman" panose="02020603050405020304" pitchFamily="18" charset="0"/>
                 <a:sym typeface="Trebuchet MS"/>
               </a:rPr>
-              <a:t>Exception object:</a:t>
+              <a:t>Description of exception</a:t>
             </a:r>
           </a:p>
           <a:p>
@@ -29353,96 +29458,8 @@
                 <a:cs typeface="Times New Roman" panose="02020603050405020304" pitchFamily="18" charset="0"/>
                 <a:sym typeface="Trebuchet MS"/>
               </a:rPr>
-              <a:t>Name of exception</a:t>
-            </a:r>
-          </a:p>
-          <a:p>
-            <a:pPr marL="742950" marR="0" lvl="1" indent="-285750" algn="l" rtl="0">
-              <a:lnSpc>
-                <a:spcPct val="90000"/>
-              </a:lnSpc>
-              <a:spcBef>
-                <a:spcPts val="1000"/>
-              </a:spcBef>
-              <a:spcAft>
-                <a:spcPts val="0"/>
-              </a:spcAft>
-              <a:buClr>
-                <a:schemeClr val="accent1"/>
-              </a:buClr>
-              <a:buSzPct val="80000"/>
-              <a:buFont typeface="Noto Sans Symbols"/>
-              <a:buChar char="●"/>
-            </a:pPr>
-            <a:r>
-              <a:rPr lang="en-US" sz="1400" b="0" i="0" u="none" strike="noStrike" cap="none" dirty="0">
-                <a:solidFill>
-                  <a:srgbClr val="3F3F3F"/>
-                </a:solidFill>
-                <a:latin typeface="Times New Roman" panose="02020603050405020304" pitchFamily="18" charset="0"/>
-                <a:cs typeface="Times New Roman" panose="02020603050405020304" pitchFamily="18" charset="0"/>
-                <a:sym typeface="Trebuchet MS"/>
-              </a:rPr>
-              <a:t>Description of exception</a:t>
-            </a:r>
-          </a:p>
-          <a:p>
-            <a:pPr marL="742950" marR="0" lvl="1" indent="-285750" algn="l" rtl="0">
-              <a:lnSpc>
-                <a:spcPct val="90000"/>
-              </a:lnSpc>
-              <a:spcBef>
-                <a:spcPts val="1000"/>
-              </a:spcBef>
-              <a:spcAft>
-                <a:spcPts val="0"/>
-              </a:spcAft>
-              <a:buClr>
-                <a:schemeClr val="accent1"/>
-              </a:buClr>
-              <a:buSzPct val="80000"/>
-              <a:buFont typeface="Noto Sans Symbols"/>
-              <a:buChar char="●"/>
-            </a:pPr>
-            <a:r>
-              <a:rPr lang="en-US" sz="1400" b="0" i="0" u="none" strike="noStrike" cap="none" dirty="0">
-                <a:solidFill>
-                  <a:srgbClr val="3F3F3F"/>
-                </a:solidFill>
-                <a:latin typeface="Times New Roman" panose="02020603050405020304" pitchFamily="18" charset="0"/>
-                <a:cs typeface="Times New Roman" panose="02020603050405020304" pitchFamily="18" charset="0"/>
-                <a:sym typeface="Trebuchet MS"/>
-              </a:rPr>
               <a:t>Location where exception occurred</a:t>
             </a:r>
-          </a:p>
-          <a:p>
-            <a:pPr marL="742950" marR="0" lvl="1" indent="-285750" algn="l" rtl="0">
-              <a:lnSpc>
-                <a:spcPct val="90000"/>
-              </a:lnSpc>
-              <a:spcBef>
-                <a:spcPts val="1000"/>
-              </a:spcBef>
-              <a:spcAft>
-                <a:spcPts val="0"/>
-              </a:spcAft>
-              <a:buClr>
-                <a:schemeClr val="accent1"/>
-              </a:buClr>
-              <a:buSzPct val="80000"/>
-              <a:buFont typeface="Noto Sans Symbols"/>
-              <a:buNone/>
-            </a:pPr>
-            <a:endParaRPr sz="1600" b="0" i="0" u="none" strike="noStrike" cap="none" dirty="0">
-              <a:solidFill>
-                <a:srgbClr val="3F3F3F"/>
-              </a:solidFill>
-              <a:latin typeface="Trebuchet MS"/>
-              <a:ea typeface="Trebuchet MS"/>
-              <a:cs typeface="Trebuchet MS"/>
-              <a:sym typeface="Trebuchet MS"/>
-            </a:endParaRPr>
           </a:p>
         </p:txBody>
       </p:sp>
